--- a/Books popularity prediction.pptx
+++ b/Books popularity prediction.pptx
@@ -5,17 +5,14 @@
     <p:sldMasterId id="2147483840" r:id="rId1"/>
   </p:sldMasterIdLst>
   <p:notesMasterIdLst>
-    <p:notesMasterId r:id="rId10"/>
+    <p:notesMasterId r:id="rId7"/>
   </p:notesMasterIdLst>
   <p:sldIdLst>
     <p:sldId id="256" r:id="rId2"/>
-    <p:sldId id="257" r:id="rId3"/>
-    <p:sldId id="258" r:id="rId4"/>
-    <p:sldId id="259" r:id="rId5"/>
-    <p:sldId id="260" r:id="rId6"/>
-    <p:sldId id="262" r:id="rId7"/>
-    <p:sldId id="261" r:id="rId8"/>
-    <p:sldId id="263" r:id="rId9"/>
+    <p:sldId id="259" r:id="rId3"/>
+    <p:sldId id="260" r:id="rId4"/>
+    <p:sldId id="261" r:id="rId5"/>
+    <p:sldId id="263" r:id="rId6"/>
   </p:sldIdLst>
   <p:sldSz cx="12192000" cy="6858000"/>
   <p:notesSz cx="6858000" cy="9144000"/>
@@ -870,753 +867,6 @@
 </file>
 
 <file path=ppt/diagrams/colors2.xml><?xml version="1.0" encoding="utf-8"?>
-<dgm:colorsDef xmlns:dgm="http://schemas.openxmlformats.org/drawingml/2006/diagram" xmlns:a="http://schemas.openxmlformats.org/drawingml/2006/main" uniqueId="urn:microsoft.com/office/officeart/2005/8/colors/accent1_2">
-  <dgm:title val=""/>
-  <dgm:desc val=""/>
-  <dgm:catLst>
-    <dgm:cat type="accent1" pri="11200"/>
-  </dgm:catLst>
-  <dgm:styleLbl name="node0">
-    <dgm:fillClrLst meth="repeat">
-      <a:schemeClr val="accent1"/>
-    </dgm:fillClrLst>
-    <dgm:linClrLst meth="repeat">
-      <a:schemeClr val="lt1"/>
-    </dgm:linClrLst>
-    <dgm:effectClrLst/>
-    <dgm:txLinClrLst/>
-    <dgm:txFillClrLst/>
-    <dgm:txEffectClrLst/>
-  </dgm:styleLbl>
-  <dgm:styleLbl name="alignNode1">
-    <dgm:fillClrLst meth="repeat">
-      <a:schemeClr val="accent1"/>
-    </dgm:fillClrLst>
-    <dgm:linClrLst meth="repeat">
-      <a:schemeClr val="accent1"/>
-    </dgm:linClrLst>
-    <dgm:effectClrLst/>
-    <dgm:txLinClrLst/>
-    <dgm:txFillClrLst/>
-    <dgm:txEffectClrLst/>
-  </dgm:styleLbl>
-  <dgm:styleLbl name="node1">
-    <dgm:fillClrLst meth="repeat">
-      <a:schemeClr val="accent1"/>
-    </dgm:fillClrLst>
-    <dgm:linClrLst meth="repeat">
-      <a:schemeClr val="lt1"/>
-    </dgm:linClrLst>
-    <dgm:effectClrLst/>
-    <dgm:txLinClrLst/>
-    <dgm:txFillClrLst/>
-    <dgm:txEffectClrLst/>
-  </dgm:styleLbl>
-  <dgm:styleLbl name="lnNode1">
-    <dgm:fillClrLst meth="repeat">
-      <a:schemeClr val="accent1"/>
-    </dgm:fillClrLst>
-    <dgm:linClrLst meth="repeat">
-      <a:schemeClr val="lt1"/>
-    </dgm:linClrLst>
-    <dgm:effectClrLst/>
-    <dgm:txLinClrLst/>
-    <dgm:txFillClrLst/>
-    <dgm:txEffectClrLst/>
-  </dgm:styleLbl>
-  <dgm:styleLbl name="vennNode1">
-    <dgm:fillClrLst meth="repeat">
-      <a:schemeClr val="accent1">
-        <a:alpha val="50000"/>
-      </a:schemeClr>
-    </dgm:fillClrLst>
-    <dgm:linClrLst meth="repeat">
-      <a:schemeClr val="lt1"/>
-    </dgm:linClrLst>
-    <dgm:effectClrLst/>
-    <dgm:txLinClrLst/>
-    <dgm:txFillClrLst/>
-    <dgm:txEffectClrLst/>
-  </dgm:styleLbl>
-  <dgm:styleLbl name="node2">
-    <dgm:fillClrLst meth="repeat">
-      <a:schemeClr val="accent1"/>
-    </dgm:fillClrLst>
-    <dgm:linClrLst meth="repeat">
-      <a:schemeClr val="lt1"/>
-    </dgm:linClrLst>
-    <dgm:effectClrLst/>
-    <dgm:txLinClrLst/>
-    <dgm:txFillClrLst/>
-    <dgm:txEffectClrLst/>
-  </dgm:styleLbl>
-  <dgm:styleLbl name="node3">
-    <dgm:fillClrLst meth="repeat">
-      <a:schemeClr val="accent1"/>
-    </dgm:fillClrLst>
-    <dgm:linClrLst meth="repeat">
-      <a:schemeClr val="lt1"/>
-    </dgm:linClrLst>
-    <dgm:effectClrLst/>
-    <dgm:txLinClrLst/>
-    <dgm:txFillClrLst/>
-    <dgm:txEffectClrLst/>
-  </dgm:styleLbl>
-  <dgm:styleLbl name="node4">
-    <dgm:fillClrLst meth="repeat">
-      <a:schemeClr val="accent1"/>
-    </dgm:fillClrLst>
-    <dgm:linClrLst meth="repeat">
-      <a:schemeClr val="lt1"/>
-    </dgm:linClrLst>
-    <dgm:effectClrLst/>
-    <dgm:txLinClrLst/>
-    <dgm:txFillClrLst/>
-    <dgm:txEffectClrLst/>
-  </dgm:styleLbl>
-  <dgm:styleLbl name="fgImgPlace1">
-    <dgm:fillClrLst meth="repeat">
-      <a:schemeClr val="accent1">
-        <a:tint val="50000"/>
-      </a:schemeClr>
-    </dgm:fillClrLst>
-    <dgm:linClrLst meth="repeat">
-      <a:schemeClr val="lt1"/>
-    </dgm:linClrLst>
-    <dgm:effectClrLst/>
-    <dgm:txLinClrLst/>
-    <dgm:txFillClrLst meth="repeat">
-      <a:schemeClr val="lt1"/>
-    </dgm:txFillClrLst>
-    <dgm:txEffectClrLst/>
-  </dgm:styleLbl>
-  <dgm:styleLbl name="alignImgPlace1">
-    <dgm:fillClrLst meth="repeat">
-      <a:schemeClr val="accent1">
-        <a:tint val="50000"/>
-      </a:schemeClr>
-    </dgm:fillClrLst>
-    <dgm:linClrLst meth="repeat">
-      <a:schemeClr val="lt1"/>
-    </dgm:linClrLst>
-    <dgm:effectClrLst/>
-    <dgm:txLinClrLst/>
-    <dgm:txFillClrLst meth="repeat">
-      <a:schemeClr val="lt1"/>
-    </dgm:txFillClrLst>
-    <dgm:txEffectClrLst/>
-  </dgm:styleLbl>
-  <dgm:styleLbl name="bgImgPlace1">
-    <dgm:fillClrLst meth="repeat">
-      <a:schemeClr val="accent1">
-        <a:tint val="50000"/>
-      </a:schemeClr>
-    </dgm:fillClrLst>
-    <dgm:linClrLst meth="repeat">
-      <a:schemeClr val="lt1"/>
-    </dgm:linClrLst>
-    <dgm:effectClrLst/>
-    <dgm:txLinClrLst/>
-    <dgm:txFillClrLst meth="repeat">
-      <a:schemeClr val="lt1"/>
-    </dgm:txFillClrLst>
-    <dgm:txEffectClrLst/>
-  </dgm:styleLbl>
-  <dgm:styleLbl name="sibTrans2D1">
-    <dgm:fillClrLst meth="repeat">
-      <a:schemeClr val="accent1">
-        <a:tint val="60000"/>
-      </a:schemeClr>
-    </dgm:fillClrLst>
-    <dgm:linClrLst meth="repeat">
-      <a:schemeClr val="accent1">
-        <a:tint val="60000"/>
-      </a:schemeClr>
-    </dgm:linClrLst>
-    <dgm:effectClrLst/>
-    <dgm:txLinClrLst/>
-    <dgm:txFillClrLst/>
-    <dgm:txEffectClrLst/>
-  </dgm:styleLbl>
-  <dgm:styleLbl name="fgSibTrans2D1">
-    <dgm:fillClrLst meth="repeat">
-      <a:schemeClr val="accent1">
-        <a:tint val="60000"/>
-      </a:schemeClr>
-    </dgm:fillClrLst>
-    <dgm:linClrLst meth="repeat">
-      <a:schemeClr val="accent1">
-        <a:tint val="60000"/>
-      </a:schemeClr>
-    </dgm:linClrLst>
-    <dgm:effectClrLst/>
-    <dgm:txLinClrLst/>
-    <dgm:txFillClrLst/>
-    <dgm:txEffectClrLst/>
-  </dgm:styleLbl>
-  <dgm:styleLbl name="bgSibTrans2D1">
-    <dgm:fillClrLst meth="repeat">
-      <a:schemeClr val="accent1">
-        <a:tint val="60000"/>
-      </a:schemeClr>
-    </dgm:fillClrLst>
-    <dgm:linClrLst meth="repeat">
-      <a:schemeClr val="accent1">
-        <a:tint val="60000"/>
-      </a:schemeClr>
-    </dgm:linClrLst>
-    <dgm:effectClrLst/>
-    <dgm:txLinClrLst/>
-    <dgm:txFillClrLst/>
-    <dgm:txEffectClrLst/>
-  </dgm:styleLbl>
-  <dgm:styleLbl name="sibTrans1D1">
-    <dgm:fillClrLst meth="repeat">
-      <a:schemeClr val="accent1"/>
-    </dgm:fillClrLst>
-    <dgm:linClrLst meth="repeat">
-      <a:schemeClr val="accent1"/>
-    </dgm:linClrLst>
-    <dgm:effectClrLst/>
-    <dgm:txLinClrLst/>
-    <dgm:txFillClrLst meth="repeat">
-      <a:schemeClr val="tx1"/>
-    </dgm:txFillClrLst>
-    <dgm:txEffectClrLst/>
-  </dgm:styleLbl>
-  <dgm:styleLbl name="callout">
-    <dgm:fillClrLst meth="repeat">
-      <a:schemeClr val="accent1"/>
-    </dgm:fillClrLst>
-    <dgm:linClrLst meth="repeat">
-      <a:schemeClr val="accent1">
-        <a:tint val="50000"/>
-      </a:schemeClr>
-    </dgm:linClrLst>
-    <dgm:effectClrLst/>
-    <dgm:txLinClrLst/>
-    <dgm:txFillClrLst meth="repeat">
-      <a:schemeClr val="tx1"/>
-    </dgm:txFillClrLst>
-    <dgm:txEffectClrLst/>
-  </dgm:styleLbl>
-  <dgm:styleLbl name="asst0">
-    <dgm:fillClrLst meth="repeat">
-      <a:schemeClr val="accent1"/>
-    </dgm:fillClrLst>
-    <dgm:linClrLst meth="repeat">
-      <a:schemeClr val="lt1"/>
-    </dgm:linClrLst>
-    <dgm:effectClrLst/>
-    <dgm:txLinClrLst/>
-    <dgm:txFillClrLst/>
-    <dgm:txEffectClrLst/>
-  </dgm:styleLbl>
-  <dgm:styleLbl name="asst1">
-    <dgm:fillClrLst meth="repeat">
-      <a:schemeClr val="accent1"/>
-    </dgm:fillClrLst>
-    <dgm:linClrLst meth="repeat">
-      <a:schemeClr val="lt1"/>
-    </dgm:linClrLst>
-    <dgm:effectClrLst/>
-    <dgm:txLinClrLst/>
-    <dgm:txFillClrLst/>
-    <dgm:txEffectClrLst/>
-  </dgm:styleLbl>
-  <dgm:styleLbl name="asst2">
-    <dgm:fillClrLst meth="repeat">
-      <a:schemeClr val="accent1"/>
-    </dgm:fillClrLst>
-    <dgm:linClrLst meth="repeat">
-      <a:schemeClr val="lt1"/>
-    </dgm:linClrLst>
-    <dgm:effectClrLst/>
-    <dgm:txLinClrLst/>
-    <dgm:txFillClrLst/>
-    <dgm:txEffectClrLst/>
-  </dgm:styleLbl>
-  <dgm:styleLbl name="asst3">
-    <dgm:fillClrLst meth="repeat">
-      <a:schemeClr val="accent1"/>
-    </dgm:fillClrLst>
-    <dgm:linClrLst meth="repeat">
-      <a:schemeClr val="lt1"/>
-    </dgm:linClrLst>
-    <dgm:effectClrLst/>
-    <dgm:txLinClrLst/>
-    <dgm:txFillClrLst/>
-    <dgm:txEffectClrLst/>
-  </dgm:styleLbl>
-  <dgm:styleLbl name="asst4">
-    <dgm:fillClrLst meth="repeat">
-      <a:schemeClr val="accent1"/>
-    </dgm:fillClrLst>
-    <dgm:linClrLst meth="repeat">
-      <a:schemeClr val="lt1"/>
-    </dgm:linClrLst>
-    <dgm:effectClrLst/>
-    <dgm:txLinClrLst/>
-    <dgm:txFillClrLst/>
-    <dgm:txEffectClrLst/>
-  </dgm:styleLbl>
-  <dgm:styleLbl name="parChTrans2D1">
-    <dgm:fillClrLst meth="repeat">
-      <a:schemeClr val="accent1">
-        <a:tint val="60000"/>
-      </a:schemeClr>
-    </dgm:fillClrLst>
-    <dgm:linClrLst meth="repeat">
-      <a:schemeClr val="accent1">
-        <a:tint val="60000"/>
-      </a:schemeClr>
-    </dgm:linClrLst>
-    <dgm:effectClrLst/>
-    <dgm:txLinClrLst/>
-    <dgm:txFillClrLst meth="repeat">
-      <a:schemeClr val="lt1"/>
-    </dgm:txFillClrLst>
-    <dgm:txEffectClrLst/>
-  </dgm:styleLbl>
-  <dgm:styleLbl name="parChTrans2D2">
-    <dgm:fillClrLst meth="repeat">
-      <a:schemeClr val="accent1"/>
-    </dgm:fillClrLst>
-    <dgm:linClrLst meth="repeat">
-      <a:schemeClr val="accent1"/>
-    </dgm:linClrLst>
-    <dgm:effectClrLst/>
-    <dgm:txLinClrLst/>
-    <dgm:txFillClrLst meth="repeat">
-      <a:schemeClr val="lt1"/>
-    </dgm:txFillClrLst>
-    <dgm:txEffectClrLst/>
-  </dgm:styleLbl>
-  <dgm:styleLbl name="parChTrans2D3">
-    <dgm:fillClrLst meth="repeat">
-      <a:schemeClr val="accent1"/>
-    </dgm:fillClrLst>
-    <dgm:linClrLst meth="repeat">
-      <a:schemeClr val="accent1"/>
-    </dgm:linClrLst>
-    <dgm:effectClrLst/>
-    <dgm:txLinClrLst/>
-    <dgm:txFillClrLst meth="repeat">
-      <a:schemeClr val="lt1"/>
-    </dgm:txFillClrLst>
-    <dgm:txEffectClrLst/>
-  </dgm:styleLbl>
-  <dgm:styleLbl name="parChTrans2D4">
-    <dgm:fillClrLst meth="repeat">
-      <a:schemeClr val="accent1"/>
-    </dgm:fillClrLst>
-    <dgm:linClrLst meth="repeat">
-      <a:schemeClr val="accent1"/>
-    </dgm:linClrLst>
-    <dgm:effectClrLst/>
-    <dgm:txLinClrLst/>
-    <dgm:txFillClrLst meth="repeat">
-      <a:schemeClr val="lt1"/>
-    </dgm:txFillClrLst>
-    <dgm:txEffectClrLst/>
-  </dgm:styleLbl>
-  <dgm:styleLbl name="parChTrans1D1">
-    <dgm:fillClrLst meth="repeat">
-      <a:schemeClr val="accent1"/>
-    </dgm:fillClrLst>
-    <dgm:linClrLst meth="repeat">
-      <a:schemeClr val="accent1">
-        <a:shade val="60000"/>
-      </a:schemeClr>
-    </dgm:linClrLst>
-    <dgm:effectClrLst/>
-    <dgm:txLinClrLst/>
-    <dgm:txFillClrLst meth="repeat">
-      <a:schemeClr val="tx1"/>
-    </dgm:txFillClrLst>
-    <dgm:txEffectClrLst/>
-  </dgm:styleLbl>
-  <dgm:styleLbl name="parChTrans1D2">
-    <dgm:fillClrLst meth="repeat">
-      <a:schemeClr val="accent1"/>
-    </dgm:fillClrLst>
-    <dgm:linClrLst meth="repeat">
-      <a:schemeClr val="accent1">
-        <a:shade val="60000"/>
-      </a:schemeClr>
-    </dgm:linClrLst>
-    <dgm:effectClrLst/>
-    <dgm:txLinClrLst/>
-    <dgm:txFillClrLst meth="repeat">
-      <a:schemeClr val="tx1"/>
-    </dgm:txFillClrLst>
-    <dgm:txEffectClrLst/>
-  </dgm:styleLbl>
-  <dgm:styleLbl name="parChTrans1D3">
-    <dgm:fillClrLst meth="repeat">
-      <a:schemeClr val="accent1"/>
-    </dgm:fillClrLst>
-    <dgm:linClrLst meth="repeat">
-      <a:schemeClr val="accent1">
-        <a:shade val="80000"/>
-      </a:schemeClr>
-    </dgm:linClrLst>
-    <dgm:effectClrLst/>
-    <dgm:txLinClrLst/>
-    <dgm:txFillClrLst meth="repeat">
-      <a:schemeClr val="tx1"/>
-    </dgm:txFillClrLst>
-    <dgm:txEffectClrLst/>
-  </dgm:styleLbl>
-  <dgm:styleLbl name="parChTrans1D4">
-    <dgm:fillClrLst meth="repeat">
-      <a:schemeClr val="accent1"/>
-    </dgm:fillClrLst>
-    <dgm:linClrLst meth="repeat">
-      <a:schemeClr val="accent1">
-        <a:shade val="80000"/>
-      </a:schemeClr>
-    </dgm:linClrLst>
-    <dgm:effectClrLst/>
-    <dgm:txLinClrLst/>
-    <dgm:txFillClrLst meth="repeat">
-      <a:schemeClr val="tx1"/>
-    </dgm:txFillClrLst>
-    <dgm:txEffectClrLst/>
-  </dgm:styleLbl>
-  <dgm:styleLbl name="fgAcc1">
-    <dgm:fillClrLst meth="repeat">
-      <a:schemeClr val="lt1">
-        <a:alpha val="90000"/>
-      </a:schemeClr>
-    </dgm:fillClrLst>
-    <dgm:linClrLst meth="repeat">
-      <a:schemeClr val="accent1"/>
-    </dgm:linClrLst>
-    <dgm:effectClrLst/>
-    <dgm:txLinClrLst/>
-    <dgm:txFillClrLst meth="repeat">
-      <a:schemeClr val="dk1"/>
-    </dgm:txFillClrLst>
-    <dgm:txEffectClrLst/>
-  </dgm:styleLbl>
-  <dgm:styleLbl name="conFgAcc1">
-    <dgm:fillClrLst meth="repeat">
-      <a:schemeClr val="lt1">
-        <a:alpha val="90000"/>
-      </a:schemeClr>
-    </dgm:fillClrLst>
-    <dgm:linClrLst meth="repeat">
-      <a:schemeClr val="accent1"/>
-    </dgm:linClrLst>
-    <dgm:effectClrLst/>
-    <dgm:txLinClrLst/>
-    <dgm:txFillClrLst meth="repeat">
-      <a:schemeClr val="dk1"/>
-    </dgm:txFillClrLst>
-    <dgm:txEffectClrLst/>
-  </dgm:styleLbl>
-  <dgm:styleLbl name="alignAcc1">
-    <dgm:fillClrLst meth="repeat">
-      <a:schemeClr val="lt1">
-        <a:alpha val="90000"/>
-      </a:schemeClr>
-    </dgm:fillClrLst>
-    <dgm:linClrLst meth="repeat">
-      <a:schemeClr val="accent1"/>
-    </dgm:linClrLst>
-    <dgm:effectClrLst/>
-    <dgm:txLinClrLst/>
-    <dgm:txFillClrLst meth="repeat">
-      <a:schemeClr val="dk1"/>
-    </dgm:txFillClrLst>
-    <dgm:txEffectClrLst/>
-  </dgm:styleLbl>
-  <dgm:styleLbl name="trAlignAcc1">
-    <dgm:fillClrLst meth="repeat">
-      <a:schemeClr val="lt1">
-        <a:alpha val="40000"/>
-      </a:schemeClr>
-    </dgm:fillClrLst>
-    <dgm:linClrLst meth="repeat">
-      <a:schemeClr val="accent1"/>
-    </dgm:linClrLst>
-    <dgm:effectClrLst/>
-    <dgm:txLinClrLst/>
-    <dgm:txFillClrLst meth="repeat">
-      <a:schemeClr val="dk1"/>
-    </dgm:txFillClrLst>
-    <dgm:txEffectClrLst/>
-  </dgm:styleLbl>
-  <dgm:styleLbl name="bgAcc1">
-    <dgm:fillClrLst meth="repeat">
-      <a:schemeClr val="lt1">
-        <a:alpha val="90000"/>
-      </a:schemeClr>
-    </dgm:fillClrLst>
-    <dgm:linClrLst meth="repeat">
-      <a:schemeClr val="accent1"/>
-    </dgm:linClrLst>
-    <dgm:effectClrLst/>
-    <dgm:txLinClrLst/>
-    <dgm:txFillClrLst meth="repeat">
-      <a:schemeClr val="dk1"/>
-    </dgm:txFillClrLst>
-    <dgm:txEffectClrLst/>
-  </dgm:styleLbl>
-  <dgm:styleLbl name="solidFgAcc1">
-    <dgm:fillClrLst meth="repeat">
-      <a:schemeClr val="lt1"/>
-    </dgm:fillClrLst>
-    <dgm:linClrLst meth="repeat">
-      <a:schemeClr val="accent1"/>
-    </dgm:linClrLst>
-    <dgm:effectClrLst/>
-    <dgm:txLinClrLst/>
-    <dgm:txFillClrLst meth="repeat">
-      <a:schemeClr val="dk1"/>
-    </dgm:txFillClrLst>
-    <dgm:txEffectClrLst/>
-  </dgm:styleLbl>
-  <dgm:styleLbl name="solidAlignAcc1">
-    <dgm:fillClrLst meth="repeat">
-      <a:schemeClr val="lt1"/>
-    </dgm:fillClrLst>
-    <dgm:linClrLst meth="repeat">
-      <a:schemeClr val="accent1"/>
-    </dgm:linClrLst>
-    <dgm:effectClrLst/>
-    <dgm:txLinClrLst/>
-    <dgm:txFillClrLst meth="repeat">
-      <a:schemeClr val="dk1"/>
-    </dgm:txFillClrLst>
-    <dgm:txEffectClrLst/>
-  </dgm:styleLbl>
-  <dgm:styleLbl name="solidBgAcc1">
-    <dgm:fillClrLst meth="repeat">
-      <a:schemeClr val="lt1"/>
-    </dgm:fillClrLst>
-    <dgm:linClrLst meth="repeat">
-      <a:schemeClr val="accent1"/>
-    </dgm:linClrLst>
-    <dgm:effectClrLst/>
-    <dgm:txLinClrLst/>
-    <dgm:txFillClrLst meth="repeat">
-      <a:schemeClr val="dk1"/>
-    </dgm:txFillClrLst>
-    <dgm:txEffectClrLst/>
-  </dgm:styleLbl>
-  <dgm:styleLbl name="fgAccFollowNode1">
-    <dgm:fillClrLst meth="repeat">
-      <a:schemeClr val="accent1">
-        <a:alpha val="90000"/>
-        <a:tint val="40000"/>
-      </a:schemeClr>
-    </dgm:fillClrLst>
-    <dgm:linClrLst meth="repeat">
-      <a:schemeClr val="accent1">
-        <a:alpha val="90000"/>
-        <a:tint val="40000"/>
-      </a:schemeClr>
-    </dgm:linClrLst>
-    <dgm:effectClrLst/>
-    <dgm:txLinClrLst/>
-    <dgm:txFillClrLst meth="repeat">
-      <a:schemeClr val="dk1"/>
-    </dgm:txFillClrLst>
-    <dgm:txEffectClrLst/>
-  </dgm:styleLbl>
-  <dgm:styleLbl name="alignAccFollowNode1">
-    <dgm:fillClrLst meth="repeat">
-      <a:schemeClr val="accent1">
-        <a:alpha val="90000"/>
-        <a:tint val="40000"/>
-      </a:schemeClr>
-    </dgm:fillClrLst>
-    <dgm:linClrLst meth="repeat">
-      <a:schemeClr val="accent1">
-        <a:alpha val="90000"/>
-        <a:tint val="40000"/>
-      </a:schemeClr>
-    </dgm:linClrLst>
-    <dgm:effectClrLst/>
-    <dgm:txLinClrLst/>
-    <dgm:txFillClrLst meth="repeat">
-      <a:schemeClr val="dk1"/>
-    </dgm:txFillClrLst>
-    <dgm:txEffectClrLst/>
-  </dgm:styleLbl>
-  <dgm:styleLbl name="bgAccFollowNode1">
-    <dgm:fillClrLst meth="repeat">
-      <a:schemeClr val="accent1">
-        <a:alpha val="90000"/>
-        <a:tint val="40000"/>
-      </a:schemeClr>
-    </dgm:fillClrLst>
-    <dgm:linClrLst meth="repeat">
-      <a:schemeClr val="accent1">
-        <a:alpha val="90000"/>
-        <a:tint val="40000"/>
-      </a:schemeClr>
-    </dgm:linClrLst>
-    <dgm:effectClrLst/>
-    <dgm:txLinClrLst/>
-    <dgm:txFillClrLst meth="repeat">
-      <a:schemeClr val="dk1"/>
-    </dgm:txFillClrLst>
-    <dgm:txEffectClrLst/>
-  </dgm:styleLbl>
-  <dgm:styleLbl name="fgAcc0">
-    <dgm:fillClrLst meth="repeat">
-      <a:schemeClr val="lt1">
-        <a:alpha val="90000"/>
-      </a:schemeClr>
-    </dgm:fillClrLst>
-    <dgm:linClrLst meth="repeat">
-      <a:schemeClr val="accent1"/>
-    </dgm:linClrLst>
-    <dgm:effectClrLst/>
-    <dgm:txLinClrLst/>
-    <dgm:txFillClrLst meth="repeat">
-      <a:schemeClr val="dk1"/>
-    </dgm:txFillClrLst>
-    <dgm:txEffectClrLst/>
-  </dgm:styleLbl>
-  <dgm:styleLbl name="fgAcc2">
-    <dgm:fillClrLst meth="repeat">
-      <a:schemeClr val="lt1">
-        <a:alpha val="90000"/>
-      </a:schemeClr>
-    </dgm:fillClrLst>
-    <dgm:linClrLst meth="repeat">
-      <a:schemeClr val="accent1"/>
-    </dgm:linClrLst>
-    <dgm:effectClrLst/>
-    <dgm:txLinClrLst/>
-    <dgm:txFillClrLst meth="repeat">
-      <a:schemeClr val="dk1"/>
-    </dgm:txFillClrLst>
-    <dgm:txEffectClrLst/>
-  </dgm:styleLbl>
-  <dgm:styleLbl name="fgAcc3">
-    <dgm:fillClrLst meth="repeat">
-      <a:schemeClr val="lt1">
-        <a:alpha val="90000"/>
-      </a:schemeClr>
-    </dgm:fillClrLst>
-    <dgm:linClrLst meth="repeat">
-      <a:schemeClr val="accent1"/>
-    </dgm:linClrLst>
-    <dgm:effectClrLst/>
-    <dgm:txLinClrLst/>
-    <dgm:txFillClrLst meth="repeat">
-      <a:schemeClr val="dk1"/>
-    </dgm:txFillClrLst>
-    <dgm:txEffectClrLst/>
-  </dgm:styleLbl>
-  <dgm:styleLbl name="fgAcc4">
-    <dgm:fillClrLst meth="repeat">
-      <a:schemeClr val="lt1">
-        <a:alpha val="90000"/>
-      </a:schemeClr>
-    </dgm:fillClrLst>
-    <dgm:linClrLst meth="repeat">
-      <a:schemeClr val="accent1"/>
-    </dgm:linClrLst>
-    <dgm:effectClrLst/>
-    <dgm:txLinClrLst/>
-    <dgm:txFillClrLst meth="repeat">
-      <a:schemeClr val="dk1"/>
-    </dgm:txFillClrLst>
-    <dgm:txEffectClrLst/>
-  </dgm:styleLbl>
-  <dgm:styleLbl name="bgShp">
-    <dgm:fillClrLst meth="repeat">
-      <a:schemeClr val="accent1">
-        <a:tint val="40000"/>
-      </a:schemeClr>
-    </dgm:fillClrLst>
-    <dgm:linClrLst meth="repeat">
-      <a:schemeClr val="accent1"/>
-    </dgm:linClrLst>
-    <dgm:effectClrLst/>
-    <dgm:txLinClrLst/>
-    <dgm:txFillClrLst meth="repeat">
-      <a:schemeClr val="dk1"/>
-    </dgm:txFillClrLst>
-    <dgm:txEffectClrLst/>
-  </dgm:styleLbl>
-  <dgm:styleLbl name="dkBgShp">
-    <dgm:fillClrLst meth="repeat">
-      <a:schemeClr val="accent1">
-        <a:shade val="80000"/>
-      </a:schemeClr>
-    </dgm:fillClrLst>
-    <dgm:linClrLst meth="repeat">
-      <a:schemeClr val="accent1"/>
-    </dgm:linClrLst>
-    <dgm:effectClrLst/>
-    <dgm:txLinClrLst/>
-    <dgm:txFillClrLst meth="repeat">
-      <a:schemeClr val="lt1"/>
-    </dgm:txFillClrLst>
-    <dgm:txEffectClrLst/>
-  </dgm:styleLbl>
-  <dgm:styleLbl name="trBgShp">
-    <dgm:fillClrLst meth="repeat">
-      <a:schemeClr val="accent1">
-        <a:tint val="50000"/>
-        <a:alpha val="40000"/>
-      </a:schemeClr>
-    </dgm:fillClrLst>
-    <dgm:linClrLst meth="repeat">
-      <a:schemeClr val="accent1"/>
-    </dgm:linClrLst>
-    <dgm:effectClrLst/>
-    <dgm:txLinClrLst/>
-    <dgm:txFillClrLst meth="repeat">
-      <a:schemeClr val="lt1"/>
-    </dgm:txFillClrLst>
-    <dgm:txEffectClrLst/>
-  </dgm:styleLbl>
-  <dgm:styleLbl name="fgShp">
-    <dgm:fillClrLst meth="repeat">
-      <a:schemeClr val="accent1">
-        <a:tint val="60000"/>
-      </a:schemeClr>
-    </dgm:fillClrLst>
-    <dgm:linClrLst meth="repeat">
-      <a:schemeClr val="lt1"/>
-    </dgm:linClrLst>
-    <dgm:effectClrLst/>
-    <dgm:txLinClrLst/>
-    <dgm:txFillClrLst meth="repeat">
-      <a:schemeClr val="dk1"/>
-    </dgm:txFillClrLst>
-    <dgm:txEffectClrLst/>
-  </dgm:styleLbl>
-  <dgm:styleLbl name="revTx">
-    <dgm:fillClrLst meth="repeat">
-      <a:schemeClr val="lt1">
-        <a:alpha val="0"/>
-      </a:schemeClr>
-    </dgm:fillClrLst>
-    <dgm:linClrLst meth="repeat">
-      <a:schemeClr val="dk1">
-        <a:alpha val="0"/>
-      </a:schemeClr>
-    </dgm:linClrLst>
-    <dgm:effectClrLst/>
-    <dgm:txLinClrLst/>
-    <dgm:txFillClrLst meth="repeat">
-      <a:schemeClr val="tx1"/>
-    </dgm:txFillClrLst>
-    <dgm:txEffectClrLst/>
-  </dgm:styleLbl>
-</dgm:colorsDef>
-</file>
-
-<file path=ppt/diagrams/colors3.xml><?xml version="1.0" encoding="utf-8"?>
 <dgm:colorsDef xmlns:dgm="http://schemas.openxmlformats.org/drawingml/2006/diagram" xmlns:a="http://schemas.openxmlformats.org/drawingml/2006/main" uniqueId="urn:microsoft.com/office/officeart/2005/8/colors/accent1_2">
   <dgm:title val=""/>
   <dgm:desc val=""/>
@@ -2677,319 +1927,6 @@
 </file>
 
 <file path=ppt/diagrams/data2.xml><?xml version="1.0" encoding="utf-8"?>
-<dgm:dataModel xmlns:dgm="http://schemas.openxmlformats.org/drawingml/2006/diagram" xmlns:a="http://schemas.openxmlformats.org/drawingml/2006/main">
-  <dgm:ptLst>
-    <dgm:pt modelId="{B34D7DD4-C264-498A-A241-9582938900AA}" type="doc">
-      <dgm:prSet loTypeId="urn:microsoft.com/office/officeart/2005/8/layout/hChevron3" loCatId="process" qsTypeId="urn:microsoft.com/office/officeart/2005/8/quickstyle/simple1" qsCatId="simple" csTypeId="urn:microsoft.com/office/officeart/2005/8/colors/accent1_2" csCatId="accent1" phldr="1"/>
-      <dgm:spPr/>
-    </dgm:pt>
-    <dgm:pt modelId="{C0C7ADB7-651B-4E30-ACF4-5A76E33FC107}">
-      <dgm:prSet phldrT="[טקסט]" custT="1"/>
-      <dgm:spPr>
-        <a:solidFill>
-          <a:schemeClr val="accent5"/>
-        </a:solidFill>
-      </dgm:spPr>
-      <dgm:t>
-        <a:bodyPr/>
-        <a:lstStyle/>
-        <a:p>
-          <a:pPr rtl="1"/>
-          <a:r>
-            <a:rPr lang="en-US" sz="2200" dirty="0"/>
-            <a:t>Data</a:t>
-          </a:r>
-          <a:r>
-            <a:rPr lang="en-US" sz="2400" dirty="0"/>
-            <a:t> Acquisition</a:t>
-          </a:r>
-          <a:endParaRPr lang="he-IL" sz="2400" dirty="0"/>
-        </a:p>
-      </dgm:t>
-    </dgm:pt>
-    <dgm:pt modelId="{D92BED74-A1D8-4DC0-9159-76B17198CB50}" type="parTrans" cxnId="{EF7AFCD2-DFB0-4F31-918D-5A2ED62E58C0}">
-      <dgm:prSet/>
-      <dgm:spPr/>
-      <dgm:t>
-        <a:bodyPr/>
-        <a:lstStyle/>
-        <a:p>
-          <a:pPr rtl="1"/>
-          <a:endParaRPr lang="he-IL"/>
-        </a:p>
-      </dgm:t>
-    </dgm:pt>
-    <dgm:pt modelId="{9B4ADBD0-CD87-496C-BD64-E81348702568}" type="sibTrans" cxnId="{EF7AFCD2-DFB0-4F31-918D-5A2ED62E58C0}">
-      <dgm:prSet/>
-      <dgm:spPr/>
-      <dgm:t>
-        <a:bodyPr/>
-        <a:lstStyle/>
-        <a:p>
-          <a:pPr rtl="1"/>
-          <a:endParaRPr lang="he-IL"/>
-        </a:p>
-      </dgm:t>
-    </dgm:pt>
-    <dgm:pt modelId="{D9FB35D8-2398-4E72-B2D5-6E198D0DC88B}">
-      <dgm:prSet phldrT="[טקסט]" custT="1"/>
-      <dgm:spPr/>
-      <dgm:t>
-        <a:bodyPr/>
-        <a:lstStyle/>
-        <a:p>
-          <a:pPr rtl="1"/>
-          <a:r>
-            <a:rPr lang="en-US" sz="2200" dirty="0"/>
-            <a:t>EDA</a:t>
-          </a:r>
-          <a:endParaRPr lang="he-IL" sz="2200" dirty="0"/>
-        </a:p>
-      </dgm:t>
-    </dgm:pt>
-    <dgm:pt modelId="{DED80F22-4AD9-4D1B-8B78-71AFA9F34740}" type="parTrans" cxnId="{C2BAA037-0023-4DD7-9BF9-36A452632BA2}">
-      <dgm:prSet/>
-      <dgm:spPr/>
-      <dgm:t>
-        <a:bodyPr/>
-        <a:lstStyle/>
-        <a:p>
-          <a:pPr rtl="1"/>
-          <a:endParaRPr lang="he-IL"/>
-        </a:p>
-      </dgm:t>
-    </dgm:pt>
-    <dgm:pt modelId="{FAA545EE-42F8-4703-B2AC-16181F4F35BD}" type="sibTrans" cxnId="{C2BAA037-0023-4DD7-9BF9-36A452632BA2}">
-      <dgm:prSet/>
-      <dgm:spPr/>
-      <dgm:t>
-        <a:bodyPr/>
-        <a:lstStyle/>
-        <a:p>
-          <a:pPr rtl="1"/>
-          <a:endParaRPr lang="he-IL"/>
-        </a:p>
-      </dgm:t>
-    </dgm:pt>
-    <dgm:pt modelId="{4385D6A8-1653-45FD-8DB0-44BD69BD6386}">
-      <dgm:prSet phldrT="[טקסט]" custT="1"/>
-      <dgm:spPr/>
-      <dgm:t>
-        <a:bodyPr/>
-        <a:lstStyle/>
-        <a:p>
-          <a:pPr rtl="1"/>
-          <a:r>
-            <a:rPr lang="en-US" sz="2200" dirty="0"/>
-            <a:t>Machine Learning</a:t>
-          </a:r>
-          <a:endParaRPr lang="he-IL" sz="2200" dirty="0"/>
-        </a:p>
-      </dgm:t>
-    </dgm:pt>
-    <dgm:pt modelId="{2C61C5FE-90B0-4E43-890A-97F8A8293254}" type="parTrans" cxnId="{0FB8E727-289C-4BB8-A549-A33B6E0821AA}">
-      <dgm:prSet/>
-      <dgm:spPr/>
-      <dgm:t>
-        <a:bodyPr/>
-        <a:lstStyle/>
-        <a:p>
-          <a:pPr rtl="1"/>
-          <a:endParaRPr lang="he-IL"/>
-        </a:p>
-      </dgm:t>
-    </dgm:pt>
-    <dgm:pt modelId="{8BF4A0B3-5BB5-4802-A8B6-1AA3FF811FAC}" type="sibTrans" cxnId="{0FB8E727-289C-4BB8-A549-A33B6E0821AA}">
-      <dgm:prSet/>
-      <dgm:spPr/>
-      <dgm:t>
-        <a:bodyPr/>
-        <a:lstStyle/>
-        <a:p>
-          <a:pPr rtl="1"/>
-          <a:endParaRPr lang="he-IL"/>
-        </a:p>
-      </dgm:t>
-    </dgm:pt>
-    <dgm:pt modelId="{28984869-DB4D-446D-9C25-36E99AA65655}">
-      <dgm:prSet custT="1"/>
-      <dgm:spPr/>
-      <dgm:t>
-        <a:bodyPr/>
-        <a:lstStyle/>
-        <a:p>
-          <a:pPr rtl="1"/>
-          <a:r>
-            <a:rPr lang="en-US" sz="2200" dirty="0"/>
-            <a:t>Conclusions</a:t>
-          </a:r>
-          <a:endParaRPr lang="he-IL" sz="2200" dirty="0"/>
-        </a:p>
-      </dgm:t>
-    </dgm:pt>
-    <dgm:pt modelId="{60F2DB50-C2C9-443B-96CA-E0C5ADBB3152}" type="parTrans" cxnId="{5BC04CC0-5734-4189-9BA7-3276E24782B9}">
-      <dgm:prSet/>
-      <dgm:spPr/>
-      <dgm:t>
-        <a:bodyPr/>
-        <a:lstStyle/>
-        <a:p>
-          <a:pPr rtl="1"/>
-          <a:endParaRPr lang="he-IL"/>
-        </a:p>
-      </dgm:t>
-    </dgm:pt>
-    <dgm:pt modelId="{256F1302-E9CB-4C53-BABC-F70CE8C6CC65}" type="sibTrans" cxnId="{5BC04CC0-5734-4189-9BA7-3276E24782B9}">
-      <dgm:prSet/>
-      <dgm:spPr/>
-      <dgm:t>
-        <a:bodyPr/>
-        <a:lstStyle/>
-        <a:p>
-          <a:pPr rtl="1"/>
-          <a:endParaRPr lang="he-IL"/>
-        </a:p>
-      </dgm:t>
-    </dgm:pt>
-    <dgm:pt modelId="{271099EF-1E5B-4001-92D4-663710432066}">
-      <dgm:prSet custT="1"/>
-      <dgm:spPr/>
-      <dgm:t>
-        <a:bodyPr/>
-        <a:lstStyle/>
-        <a:p>
-          <a:pPr rtl="1"/>
-          <a:r>
-            <a:rPr lang="en-US" sz="2200" dirty="0"/>
-            <a:t>WOW EFFECT</a:t>
-          </a:r>
-          <a:endParaRPr lang="he-IL" sz="2200" dirty="0"/>
-        </a:p>
-      </dgm:t>
-    </dgm:pt>
-    <dgm:pt modelId="{305B43B8-55A9-4F60-BFFC-728D3DBF122F}" type="parTrans" cxnId="{D241552B-C941-4683-895E-FA742EAB3974}">
-      <dgm:prSet/>
-      <dgm:spPr/>
-      <dgm:t>
-        <a:bodyPr/>
-        <a:lstStyle/>
-        <a:p>
-          <a:pPr rtl="1"/>
-          <a:endParaRPr lang="he-IL"/>
-        </a:p>
-      </dgm:t>
-    </dgm:pt>
-    <dgm:pt modelId="{18B86469-8BCA-4849-B24B-70D893EA7C34}" type="sibTrans" cxnId="{D241552B-C941-4683-895E-FA742EAB3974}">
-      <dgm:prSet/>
-      <dgm:spPr/>
-      <dgm:t>
-        <a:bodyPr/>
-        <a:lstStyle/>
-        <a:p>
-          <a:pPr rtl="1"/>
-          <a:endParaRPr lang="he-IL"/>
-        </a:p>
-      </dgm:t>
-    </dgm:pt>
-    <dgm:pt modelId="{1F782C02-7891-41BE-82AD-215A94DAE870}" type="pres">
-      <dgm:prSet presAssocID="{B34D7DD4-C264-498A-A241-9582938900AA}" presName="Name0" presStyleCnt="0">
-        <dgm:presLayoutVars>
-          <dgm:dir val="rev"/>
-          <dgm:resizeHandles val="exact"/>
-        </dgm:presLayoutVars>
-      </dgm:prSet>
-      <dgm:spPr/>
-    </dgm:pt>
-    <dgm:pt modelId="{80D759A4-F179-4CFE-AA4D-6BA803B32F5A}" type="pres">
-      <dgm:prSet presAssocID="{C0C7ADB7-651B-4E30-ACF4-5A76E33FC107}" presName="parTxOnly" presStyleLbl="node1" presStyleIdx="0" presStyleCnt="5" custScaleX="111744">
-        <dgm:presLayoutVars>
-          <dgm:bulletEnabled val="1"/>
-        </dgm:presLayoutVars>
-      </dgm:prSet>
-      <dgm:spPr/>
-    </dgm:pt>
-    <dgm:pt modelId="{1A081BC8-5107-48AA-AA2E-4FF47C8CE152}" type="pres">
-      <dgm:prSet presAssocID="{9B4ADBD0-CD87-496C-BD64-E81348702568}" presName="parSpace" presStyleCnt="0"/>
-      <dgm:spPr/>
-    </dgm:pt>
-    <dgm:pt modelId="{0AC55165-65B0-4ADB-87BD-45F01C6E0F7D}" type="pres">
-      <dgm:prSet presAssocID="{D9FB35D8-2398-4E72-B2D5-6E198D0DC88B}" presName="parTxOnly" presStyleLbl="node1" presStyleIdx="1" presStyleCnt="5">
-        <dgm:presLayoutVars>
-          <dgm:bulletEnabled val="1"/>
-        </dgm:presLayoutVars>
-      </dgm:prSet>
-      <dgm:spPr/>
-    </dgm:pt>
-    <dgm:pt modelId="{20FC943F-5422-4308-B511-F6ECC95083E7}" type="pres">
-      <dgm:prSet presAssocID="{FAA545EE-42F8-4703-B2AC-16181F4F35BD}" presName="parSpace" presStyleCnt="0"/>
-      <dgm:spPr/>
-    </dgm:pt>
-    <dgm:pt modelId="{637A9E18-600F-4A62-9F3D-E02A407A4EB4}" type="pres">
-      <dgm:prSet presAssocID="{4385D6A8-1653-45FD-8DB0-44BD69BD6386}" presName="parTxOnly" presStyleLbl="node1" presStyleIdx="2" presStyleCnt="5">
-        <dgm:presLayoutVars>
-          <dgm:bulletEnabled val="1"/>
-        </dgm:presLayoutVars>
-      </dgm:prSet>
-      <dgm:spPr/>
-    </dgm:pt>
-    <dgm:pt modelId="{6F80097F-A135-4752-A937-1AD3582EF28B}" type="pres">
-      <dgm:prSet presAssocID="{8BF4A0B3-5BB5-4802-A8B6-1AA3FF811FAC}" presName="parSpace" presStyleCnt="0"/>
-      <dgm:spPr/>
-    </dgm:pt>
-    <dgm:pt modelId="{73A18EFD-11C1-4EBC-BDAA-CEA1EE6669D9}" type="pres">
-      <dgm:prSet presAssocID="{28984869-DB4D-446D-9C25-36E99AA65655}" presName="parTxOnly" presStyleLbl="node1" presStyleIdx="3" presStyleCnt="5">
-        <dgm:presLayoutVars>
-          <dgm:bulletEnabled val="1"/>
-        </dgm:presLayoutVars>
-      </dgm:prSet>
-      <dgm:spPr/>
-    </dgm:pt>
-    <dgm:pt modelId="{D7B5ACF1-02CC-459F-8B37-B89BC6F21BC7}" type="pres">
-      <dgm:prSet presAssocID="{256F1302-E9CB-4C53-BABC-F70CE8C6CC65}" presName="parSpace" presStyleCnt="0"/>
-      <dgm:spPr/>
-    </dgm:pt>
-    <dgm:pt modelId="{19C000DA-ACE8-45EB-81AA-5F2F7EEFD0D6}" type="pres">
-      <dgm:prSet presAssocID="{271099EF-1E5B-4001-92D4-663710432066}" presName="parTxOnly" presStyleLbl="node1" presStyleIdx="4" presStyleCnt="5">
-        <dgm:presLayoutVars>
-          <dgm:bulletEnabled val="1"/>
-        </dgm:presLayoutVars>
-      </dgm:prSet>
-      <dgm:spPr/>
-    </dgm:pt>
-  </dgm:ptLst>
-  <dgm:cxnLst>
-    <dgm:cxn modelId="{0FB8E727-289C-4BB8-A549-A33B6E0821AA}" srcId="{B34D7DD4-C264-498A-A241-9582938900AA}" destId="{4385D6A8-1653-45FD-8DB0-44BD69BD6386}" srcOrd="2" destOrd="0" parTransId="{2C61C5FE-90B0-4E43-890A-97F8A8293254}" sibTransId="{8BF4A0B3-5BB5-4802-A8B6-1AA3FF811FAC}"/>
-    <dgm:cxn modelId="{C7F3D029-1CBD-4FA0-9B10-6ABE89F0F476}" type="presOf" srcId="{4385D6A8-1653-45FD-8DB0-44BD69BD6386}" destId="{637A9E18-600F-4A62-9F3D-E02A407A4EB4}" srcOrd="0" destOrd="0" presId="urn:microsoft.com/office/officeart/2005/8/layout/hChevron3"/>
-    <dgm:cxn modelId="{D241552B-C941-4683-895E-FA742EAB3974}" srcId="{B34D7DD4-C264-498A-A241-9582938900AA}" destId="{271099EF-1E5B-4001-92D4-663710432066}" srcOrd="4" destOrd="0" parTransId="{305B43B8-55A9-4F60-BFFC-728D3DBF122F}" sibTransId="{18B86469-8BCA-4849-B24B-70D893EA7C34}"/>
-    <dgm:cxn modelId="{C2BAA037-0023-4DD7-9BF9-36A452632BA2}" srcId="{B34D7DD4-C264-498A-A241-9582938900AA}" destId="{D9FB35D8-2398-4E72-B2D5-6E198D0DC88B}" srcOrd="1" destOrd="0" parTransId="{DED80F22-4AD9-4D1B-8B78-71AFA9F34740}" sibTransId="{FAA545EE-42F8-4703-B2AC-16181F4F35BD}"/>
-    <dgm:cxn modelId="{E3D8B288-FEF8-4128-8652-B38E34501C4C}" type="presOf" srcId="{B34D7DD4-C264-498A-A241-9582938900AA}" destId="{1F782C02-7891-41BE-82AD-215A94DAE870}" srcOrd="0" destOrd="0" presId="urn:microsoft.com/office/officeart/2005/8/layout/hChevron3"/>
-    <dgm:cxn modelId="{F94BB1A4-68A3-44A2-91AF-394EEF22E24A}" type="presOf" srcId="{D9FB35D8-2398-4E72-B2D5-6E198D0DC88B}" destId="{0AC55165-65B0-4ADB-87BD-45F01C6E0F7D}" srcOrd="0" destOrd="0" presId="urn:microsoft.com/office/officeart/2005/8/layout/hChevron3"/>
-    <dgm:cxn modelId="{5BC04CC0-5734-4189-9BA7-3276E24782B9}" srcId="{B34D7DD4-C264-498A-A241-9582938900AA}" destId="{28984869-DB4D-446D-9C25-36E99AA65655}" srcOrd="3" destOrd="0" parTransId="{60F2DB50-C2C9-443B-96CA-E0C5ADBB3152}" sibTransId="{256F1302-E9CB-4C53-BABC-F70CE8C6CC65}"/>
-    <dgm:cxn modelId="{4C64CCC0-3014-447A-90E5-202389A268F8}" type="presOf" srcId="{28984869-DB4D-446D-9C25-36E99AA65655}" destId="{73A18EFD-11C1-4EBC-BDAA-CEA1EE6669D9}" srcOrd="0" destOrd="0" presId="urn:microsoft.com/office/officeart/2005/8/layout/hChevron3"/>
-    <dgm:cxn modelId="{CC2556C8-72EB-42F2-A7E3-6281701E9FC5}" type="presOf" srcId="{C0C7ADB7-651B-4E30-ACF4-5A76E33FC107}" destId="{80D759A4-F179-4CFE-AA4D-6BA803B32F5A}" srcOrd="0" destOrd="0" presId="urn:microsoft.com/office/officeart/2005/8/layout/hChevron3"/>
-    <dgm:cxn modelId="{EF7AFCD2-DFB0-4F31-918D-5A2ED62E58C0}" srcId="{B34D7DD4-C264-498A-A241-9582938900AA}" destId="{C0C7ADB7-651B-4E30-ACF4-5A76E33FC107}" srcOrd="0" destOrd="0" parTransId="{D92BED74-A1D8-4DC0-9159-76B17198CB50}" sibTransId="{9B4ADBD0-CD87-496C-BD64-E81348702568}"/>
-    <dgm:cxn modelId="{2A293EE8-2112-402E-9720-72057E362F93}" type="presOf" srcId="{271099EF-1E5B-4001-92D4-663710432066}" destId="{19C000DA-ACE8-45EB-81AA-5F2F7EEFD0D6}" srcOrd="0" destOrd="0" presId="urn:microsoft.com/office/officeart/2005/8/layout/hChevron3"/>
-    <dgm:cxn modelId="{7A549880-966F-4FCA-8CE5-B9CAE115A3F0}" type="presParOf" srcId="{1F782C02-7891-41BE-82AD-215A94DAE870}" destId="{80D759A4-F179-4CFE-AA4D-6BA803B32F5A}" srcOrd="0" destOrd="0" presId="urn:microsoft.com/office/officeart/2005/8/layout/hChevron3"/>
-    <dgm:cxn modelId="{7F7561B1-BD4B-4874-938A-2D272B2C3DC0}" type="presParOf" srcId="{1F782C02-7891-41BE-82AD-215A94DAE870}" destId="{1A081BC8-5107-48AA-AA2E-4FF47C8CE152}" srcOrd="1" destOrd="0" presId="urn:microsoft.com/office/officeart/2005/8/layout/hChevron3"/>
-    <dgm:cxn modelId="{0127AE3F-FFAD-4195-A5D9-91C96453BCDB}" type="presParOf" srcId="{1F782C02-7891-41BE-82AD-215A94DAE870}" destId="{0AC55165-65B0-4ADB-87BD-45F01C6E0F7D}" srcOrd="2" destOrd="0" presId="urn:microsoft.com/office/officeart/2005/8/layout/hChevron3"/>
-    <dgm:cxn modelId="{96C623E2-CFFF-4922-8C8C-B664EADE0A4E}" type="presParOf" srcId="{1F782C02-7891-41BE-82AD-215A94DAE870}" destId="{20FC943F-5422-4308-B511-F6ECC95083E7}" srcOrd="3" destOrd="0" presId="urn:microsoft.com/office/officeart/2005/8/layout/hChevron3"/>
-    <dgm:cxn modelId="{70604FE3-EF6F-45F4-B7EB-2B5CE3E3EC59}" type="presParOf" srcId="{1F782C02-7891-41BE-82AD-215A94DAE870}" destId="{637A9E18-600F-4A62-9F3D-E02A407A4EB4}" srcOrd="4" destOrd="0" presId="urn:microsoft.com/office/officeart/2005/8/layout/hChevron3"/>
-    <dgm:cxn modelId="{8B5DAA66-8676-4E58-AB49-F1A4381ABE38}" type="presParOf" srcId="{1F782C02-7891-41BE-82AD-215A94DAE870}" destId="{6F80097F-A135-4752-A937-1AD3582EF28B}" srcOrd="5" destOrd="0" presId="urn:microsoft.com/office/officeart/2005/8/layout/hChevron3"/>
-    <dgm:cxn modelId="{C1A9B4AE-9ADF-4C01-909A-A6E4B5FC7D6C}" type="presParOf" srcId="{1F782C02-7891-41BE-82AD-215A94DAE870}" destId="{73A18EFD-11C1-4EBC-BDAA-CEA1EE6669D9}" srcOrd="6" destOrd="0" presId="urn:microsoft.com/office/officeart/2005/8/layout/hChevron3"/>
-    <dgm:cxn modelId="{5CB3E9A2-DE7E-4E57-A5C4-944BA6FCA5CD}" type="presParOf" srcId="{1F782C02-7891-41BE-82AD-215A94DAE870}" destId="{D7B5ACF1-02CC-459F-8B37-B89BC6F21BC7}" srcOrd="7" destOrd="0" presId="urn:microsoft.com/office/officeart/2005/8/layout/hChevron3"/>
-    <dgm:cxn modelId="{3CD9BD34-3338-4D69-9A7F-CF73C2524BFF}" type="presParOf" srcId="{1F782C02-7891-41BE-82AD-215A94DAE870}" destId="{19C000DA-ACE8-45EB-81AA-5F2F7EEFD0D6}" srcOrd="8" destOrd="0" presId="urn:microsoft.com/office/officeart/2005/8/layout/hChevron3"/>
-  </dgm:cxnLst>
-  <dgm:bg/>
-  <dgm:whole/>
-  <dgm:extLst>
-    <a:ext uri="http://schemas.microsoft.com/office/drawing/2008/diagram">
-      <dsp:dataModelExt xmlns:dsp="http://schemas.microsoft.com/office/drawing/2008/diagram" relId="rId10" minVer="http://schemas.openxmlformats.org/drawingml/2006/diagram"/>
-    </a:ext>
-  </dgm:extLst>
-</dgm:dataModel>
-</file>
-
-<file path=ppt/diagrams/data3.xml><?xml version="1.0" encoding="utf-8"?>
 <dgm:dataModel xmlns:dgm="http://schemas.openxmlformats.org/drawingml/2006/diagram" xmlns:a="http://schemas.openxmlformats.org/drawingml/2006/main">
   <dgm:ptLst>
     <dgm:pt modelId="{B34D7DD4-C264-498A-A241-9582938900AA}" type="doc">
@@ -3704,407 +2641,6 @@
 </file>
 
 <file path=ppt/diagrams/drawing2.xml><?xml version="1.0" encoding="utf-8"?>
-<dsp:drawing xmlns:dgm="http://schemas.openxmlformats.org/drawingml/2006/diagram" xmlns:dsp="http://schemas.microsoft.com/office/drawing/2008/diagram" xmlns:a="http://schemas.openxmlformats.org/drawingml/2006/main">
-  <dsp:spTree>
-    <dsp:nvGrpSpPr>
-      <dsp:cNvPr id="0" name=""/>
-      <dsp:cNvGrpSpPr/>
-    </dsp:nvGrpSpPr>
-    <dsp:grpSpPr/>
-    <dsp:sp modelId="{80D759A4-F179-4CFE-AA4D-6BA803B32F5A}">
-      <dsp:nvSpPr>
-        <dsp:cNvPr id="0" name=""/>
-        <dsp:cNvSpPr/>
-      </dsp:nvSpPr>
-      <dsp:spPr>
-        <a:xfrm rot="10800000">
-          <a:off x="9034264" y="0"/>
-          <a:ext cx="3153171" cy="786352"/>
-        </a:xfrm>
-        <a:prstGeom prst="homePlate">
-          <a:avLst/>
-        </a:prstGeom>
-        <a:solidFill>
-          <a:schemeClr val="accent5"/>
-        </a:solidFill>
-        <a:ln w="19050" cap="rnd" cmpd="sng" algn="ctr">
-          <a:solidFill>
-            <a:schemeClr val="lt1">
-              <a:hueOff val="0"/>
-              <a:satOff val="0"/>
-              <a:lumOff val="0"/>
-              <a:alphaOff val="0"/>
-            </a:schemeClr>
-          </a:solidFill>
-          <a:prstDash val="solid"/>
-        </a:ln>
-        <a:effectLst/>
-      </dsp:spPr>
-      <dsp:style>
-        <a:lnRef idx="2">
-          <a:scrgbClr r="0" g="0" b="0"/>
-        </a:lnRef>
-        <a:fillRef idx="1">
-          <a:scrgbClr r="0" g="0" b="0"/>
-        </a:fillRef>
-        <a:effectRef idx="0">
-          <a:scrgbClr r="0" g="0" b="0"/>
-        </a:effectRef>
-        <a:fontRef idx="minor">
-          <a:schemeClr val="lt1"/>
-        </a:fontRef>
-      </dsp:style>
-      <dsp:txBody>
-        <a:bodyPr spcFirstLastPara="0" vert="horz" wrap="square" lIns="29337" tIns="58674" rIns="117348" bIns="58674" numCol="1" spcCol="1270" anchor="ctr" anchorCtr="0">
-          <a:noAutofit/>
-        </a:bodyPr>
-        <a:lstStyle/>
-        <a:p>
-          <a:pPr marL="0" lvl="0" indent="0" algn="ctr" defTabSz="977900" rtl="1">
-            <a:lnSpc>
-              <a:spcPct val="90000"/>
-            </a:lnSpc>
-            <a:spcBef>
-              <a:spcPct val="0"/>
-            </a:spcBef>
-            <a:spcAft>
-              <a:spcPct val="35000"/>
-            </a:spcAft>
-            <a:buNone/>
-          </a:pPr>
-          <a:r>
-            <a:rPr lang="en-US" sz="2200" kern="1200" dirty="0"/>
-            <a:t>Data</a:t>
-          </a:r>
-          <a:r>
-            <a:rPr lang="en-US" sz="2400" kern="1200" dirty="0"/>
-            <a:t> Acquisition</a:t>
-          </a:r>
-          <a:endParaRPr lang="he-IL" sz="2400" kern="1200" dirty="0"/>
-        </a:p>
-      </dsp:txBody>
-      <dsp:txXfrm rot="10800000">
-        <a:off x="9230852" y="0"/>
-        <a:ext cx="2956583" cy="786352"/>
-      </dsp:txXfrm>
-    </dsp:sp>
-    <dsp:sp modelId="{0AC55165-65B0-4ADB-87BD-45F01C6E0F7D}">
-      <dsp:nvSpPr>
-        <dsp:cNvPr id="0" name=""/>
-        <dsp:cNvSpPr/>
-      </dsp:nvSpPr>
-      <dsp:spPr>
-        <a:xfrm rot="10800000">
-          <a:off x="6776839" y="0"/>
-          <a:ext cx="2821781" cy="786352"/>
-        </a:xfrm>
-        <a:prstGeom prst="chevron">
-          <a:avLst/>
-        </a:prstGeom>
-        <a:solidFill>
-          <a:schemeClr val="accent1">
-            <a:hueOff val="0"/>
-            <a:satOff val="0"/>
-            <a:lumOff val="0"/>
-            <a:alphaOff val="0"/>
-          </a:schemeClr>
-        </a:solidFill>
-        <a:ln w="19050" cap="rnd" cmpd="sng" algn="ctr">
-          <a:solidFill>
-            <a:schemeClr val="lt1">
-              <a:hueOff val="0"/>
-              <a:satOff val="0"/>
-              <a:lumOff val="0"/>
-              <a:alphaOff val="0"/>
-            </a:schemeClr>
-          </a:solidFill>
-          <a:prstDash val="solid"/>
-        </a:ln>
-        <a:effectLst/>
-      </dsp:spPr>
-      <dsp:style>
-        <a:lnRef idx="2">
-          <a:scrgbClr r="0" g="0" b="0"/>
-        </a:lnRef>
-        <a:fillRef idx="1">
-          <a:scrgbClr r="0" g="0" b="0"/>
-        </a:fillRef>
-        <a:effectRef idx="0">
-          <a:scrgbClr r="0" g="0" b="0"/>
-        </a:effectRef>
-        <a:fontRef idx="minor">
-          <a:schemeClr val="lt1"/>
-        </a:fontRef>
-      </dsp:style>
-      <dsp:txBody>
-        <a:bodyPr spcFirstLastPara="0" vert="horz" wrap="square" lIns="29337" tIns="58674" rIns="88011" bIns="58674" numCol="1" spcCol="1270" anchor="ctr" anchorCtr="0">
-          <a:noAutofit/>
-        </a:bodyPr>
-        <a:lstStyle/>
-        <a:p>
-          <a:pPr marL="0" lvl="0" indent="0" algn="ctr" defTabSz="977900" rtl="1">
-            <a:lnSpc>
-              <a:spcPct val="90000"/>
-            </a:lnSpc>
-            <a:spcBef>
-              <a:spcPct val="0"/>
-            </a:spcBef>
-            <a:spcAft>
-              <a:spcPct val="35000"/>
-            </a:spcAft>
-            <a:buNone/>
-          </a:pPr>
-          <a:r>
-            <a:rPr lang="en-US" sz="2200" kern="1200" dirty="0"/>
-            <a:t>EDA</a:t>
-          </a:r>
-          <a:endParaRPr lang="he-IL" sz="2200" kern="1200" dirty="0"/>
-        </a:p>
-      </dsp:txBody>
-      <dsp:txXfrm rot="10800000">
-        <a:off x="7170015" y="0"/>
-        <a:ext cx="2035429" cy="786352"/>
-      </dsp:txXfrm>
-    </dsp:sp>
-    <dsp:sp modelId="{637A9E18-600F-4A62-9F3D-E02A407A4EB4}">
-      <dsp:nvSpPr>
-        <dsp:cNvPr id="0" name=""/>
-        <dsp:cNvSpPr/>
-      </dsp:nvSpPr>
-      <dsp:spPr>
-        <a:xfrm rot="10800000">
-          <a:off x="4519414" y="0"/>
-          <a:ext cx="2821781" cy="786352"/>
-        </a:xfrm>
-        <a:prstGeom prst="chevron">
-          <a:avLst/>
-        </a:prstGeom>
-        <a:solidFill>
-          <a:schemeClr val="accent1">
-            <a:hueOff val="0"/>
-            <a:satOff val="0"/>
-            <a:lumOff val="0"/>
-            <a:alphaOff val="0"/>
-          </a:schemeClr>
-        </a:solidFill>
-        <a:ln w="19050" cap="rnd" cmpd="sng" algn="ctr">
-          <a:solidFill>
-            <a:schemeClr val="lt1">
-              <a:hueOff val="0"/>
-              <a:satOff val="0"/>
-              <a:lumOff val="0"/>
-              <a:alphaOff val="0"/>
-            </a:schemeClr>
-          </a:solidFill>
-          <a:prstDash val="solid"/>
-        </a:ln>
-        <a:effectLst/>
-      </dsp:spPr>
-      <dsp:style>
-        <a:lnRef idx="2">
-          <a:scrgbClr r="0" g="0" b="0"/>
-        </a:lnRef>
-        <a:fillRef idx="1">
-          <a:scrgbClr r="0" g="0" b="0"/>
-        </a:fillRef>
-        <a:effectRef idx="0">
-          <a:scrgbClr r="0" g="0" b="0"/>
-        </a:effectRef>
-        <a:fontRef idx="minor">
-          <a:schemeClr val="lt1"/>
-        </a:fontRef>
-      </dsp:style>
-      <dsp:txBody>
-        <a:bodyPr spcFirstLastPara="0" vert="horz" wrap="square" lIns="29337" tIns="58674" rIns="88011" bIns="58674" numCol="1" spcCol="1270" anchor="ctr" anchorCtr="0">
-          <a:noAutofit/>
-        </a:bodyPr>
-        <a:lstStyle/>
-        <a:p>
-          <a:pPr marL="0" lvl="0" indent="0" algn="ctr" defTabSz="977900" rtl="1">
-            <a:lnSpc>
-              <a:spcPct val="90000"/>
-            </a:lnSpc>
-            <a:spcBef>
-              <a:spcPct val="0"/>
-            </a:spcBef>
-            <a:spcAft>
-              <a:spcPct val="35000"/>
-            </a:spcAft>
-            <a:buNone/>
-          </a:pPr>
-          <a:r>
-            <a:rPr lang="en-US" sz="2200" kern="1200" dirty="0"/>
-            <a:t>Machine Learning</a:t>
-          </a:r>
-          <a:endParaRPr lang="he-IL" sz="2200" kern="1200" dirty="0"/>
-        </a:p>
-      </dsp:txBody>
-      <dsp:txXfrm rot="10800000">
-        <a:off x="4912590" y="0"/>
-        <a:ext cx="2035429" cy="786352"/>
-      </dsp:txXfrm>
-    </dsp:sp>
-    <dsp:sp modelId="{73A18EFD-11C1-4EBC-BDAA-CEA1EE6669D9}">
-      <dsp:nvSpPr>
-        <dsp:cNvPr id="0" name=""/>
-        <dsp:cNvSpPr/>
-      </dsp:nvSpPr>
-      <dsp:spPr>
-        <a:xfrm rot="10800000">
-          <a:off x="2261989" y="0"/>
-          <a:ext cx="2821781" cy="786352"/>
-        </a:xfrm>
-        <a:prstGeom prst="chevron">
-          <a:avLst/>
-        </a:prstGeom>
-        <a:solidFill>
-          <a:schemeClr val="accent1">
-            <a:hueOff val="0"/>
-            <a:satOff val="0"/>
-            <a:lumOff val="0"/>
-            <a:alphaOff val="0"/>
-          </a:schemeClr>
-        </a:solidFill>
-        <a:ln w="19050" cap="rnd" cmpd="sng" algn="ctr">
-          <a:solidFill>
-            <a:schemeClr val="lt1">
-              <a:hueOff val="0"/>
-              <a:satOff val="0"/>
-              <a:lumOff val="0"/>
-              <a:alphaOff val="0"/>
-            </a:schemeClr>
-          </a:solidFill>
-          <a:prstDash val="solid"/>
-        </a:ln>
-        <a:effectLst/>
-      </dsp:spPr>
-      <dsp:style>
-        <a:lnRef idx="2">
-          <a:scrgbClr r="0" g="0" b="0"/>
-        </a:lnRef>
-        <a:fillRef idx="1">
-          <a:scrgbClr r="0" g="0" b="0"/>
-        </a:fillRef>
-        <a:effectRef idx="0">
-          <a:scrgbClr r="0" g="0" b="0"/>
-        </a:effectRef>
-        <a:fontRef idx="minor">
-          <a:schemeClr val="lt1"/>
-        </a:fontRef>
-      </dsp:style>
-      <dsp:txBody>
-        <a:bodyPr spcFirstLastPara="0" vert="horz" wrap="square" lIns="29337" tIns="58674" rIns="88011" bIns="58674" numCol="1" spcCol="1270" anchor="ctr" anchorCtr="0">
-          <a:noAutofit/>
-        </a:bodyPr>
-        <a:lstStyle/>
-        <a:p>
-          <a:pPr marL="0" lvl="0" indent="0" algn="ctr" defTabSz="977900" rtl="1">
-            <a:lnSpc>
-              <a:spcPct val="90000"/>
-            </a:lnSpc>
-            <a:spcBef>
-              <a:spcPct val="0"/>
-            </a:spcBef>
-            <a:spcAft>
-              <a:spcPct val="35000"/>
-            </a:spcAft>
-            <a:buNone/>
-          </a:pPr>
-          <a:r>
-            <a:rPr lang="en-US" sz="2200" kern="1200" dirty="0"/>
-            <a:t>Conclusions</a:t>
-          </a:r>
-          <a:endParaRPr lang="he-IL" sz="2200" kern="1200" dirty="0"/>
-        </a:p>
-      </dsp:txBody>
-      <dsp:txXfrm rot="10800000">
-        <a:off x="2655165" y="0"/>
-        <a:ext cx="2035429" cy="786352"/>
-      </dsp:txXfrm>
-    </dsp:sp>
-    <dsp:sp modelId="{19C000DA-ACE8-45EB-81AA-5F2F7EEFD0D6}">
-      <dsp:nvSpPr>
-        <dsp:cNvPr id="0" name=""/>
-        <dsp:cNvSpPr/>
-      </dsp:nvSpPr>
-      <dsp:spPr>
-        <a:xfrm rot="10800000">
-          <a:off x="4564" y="0"/>
-          <a:ext cx="2821781" cy="786352"/>
-        </a:xfrm>
-        <a:prstGeom prst="chevron">
-          <a:avLst/>
-        </a:prstGeom>
-        <a:solidFill>
-          <a:schemeClr val="accent1">
-            <a:hueOff val="0"/>
-            <a:satOff val="0"/>
-            <a:lumOff val="0"/>
-            <a:alphaOff val="0"/>
-          </a:schemeClr>
-        </a:solidFill>
-        <a:ln w="19050" cap="rnd" cmpd="sng" algn="ctr">
-          <a:solidFill>
-            <a:schemeClr val="lt1">
-              <a:hueOff val="0"/>
-              <a:satOff val="0"/>
-              <a:lumOff val="0"/>
-              <a:alphaOff val="0"/>
-            </a:schemeClr>
-          </a:solidFill>
-          <a:prstDash val="solid"/>
-        </a:ln>
-        <a:effectLst/>
-      </dsp:spPr>
-      <dsp:style>
-        <a:lnRef idx="2">
-          <a:scrgbClr r="0" g="0" b="0"/>
-        </a:lnRef>
-        <a:fillRef idx="1">
-          <a:scrgbClr r="0" g="0" b="0"/>
-        </a:fillRef>
-        <a:effectRef idx="0">
-          <a:scrgbClr r="0" g="0" b="0"/>
-        </a:effectRef>
-        <a:fontRef idx="minor">
-          <a:schemeClr val="lt1"/>
-        </a:fontRef>
-      </dsp:style>
-      <dsp:txBody>
-        <a:bodyPr spcFirstLastPara="0" vert="horz" wrap="square" lIns="29337" tIns="58674" rIns="88011" bIns="58674" numCol="1" spcCol="1270" anchor="ctr" anchorCtr="0">
-          <a:noAutofit/>
-        </a:bodyPr>
-        <a:lstStyle/>
-        <a:p>
-          <a:pPr marL="0" lvl="0" indent="0" algn="ctr" defTabSz="977900" rtl="1">
-            <a:lnSpc>
-              <a:spcPct val="90000"/>
-            </a:lnSpc>
-            <a:spcBef>
-              <a:spcPct val="0"/>
-            </a:spcBef>
-            <a:spcAft>
-              <a:spcPct val="35000"/>
-            </a:spcAft>
-            <a:buNone/>
-          </a:pPr>
-          <a:r>
-            <a:rPr lang="en-US" sz="2200" kern="1200" dirty="0"/>
-            <a:t>WOW EFFECT</a:t>
-          </a:r>
-          <a:endParaRPr lang="he-IL" sz="2200" kern="1200" dirty="0"/>
-        </a:p>
-      </dsp:txBody>
-      <dsp:txXfrm rot="10800000">
-        <a:off x="397740" y="0"/>
-        <a:ext cx="2035429" cy="786352"/>
-      </dsp:txXfrm>
-    </dsp:sp>
-  </dsp:spTree>
-</dsp:drawing>
-</file>
-
-<file path=ppt/diagrams/drawing3.xml><?xml version="1.0" encoding="utf-8"?>
 <dsp:drawing xmlns:dgm="http://schemas.openxmlformats.org/drawingml/2006/diagram" xmlns:dsp="http://schemas.microsoft.com/office/drawing/2008/diagram" xmlns:a="http://schemas.openxmlformats.org/drawingml/2006/main">
   <dsp:spTree>
     <dsp:nvGrpSpPr>
@@ -5040,278 +3576,6 @@
 </dgm:layoutDef>
 </file>
 
-<file path=ppt/diagrams/layout3.xml><?xml version="1.0" encoding="utf-8"?>
-<dgm:layoutDef xmlns:dgm="http://schemas.openxmlformats.org/drawingml/2006/diagram" xmlns:a="http://schemas.openxmlformats.org/drawingml/2006/main" uniqueId="urn:microsoft.com/office/officeart/2005/8/layout/hChevron3">
-  <dgm:title val=""/>
-  <dgm:desc val=""/>
-  <dgm:catLst>
-    <dgm:cat type="process" pri="10000"/>
-  </dgm:catLst>
-  <dgm:sampData useDef="1">
-    <dgm:dataModel>
-      <dgm:ptLst/>
-      <dgm:bg/>
-      <dgm:whole/>
-    </dgm:dataModel>
-  </dgm:sampData>
-  <dgm:styleData>
-    <dgm:dataModel>
-      <dgm:ptLst>
-        <dgm:pt modelId="0" type="doc"/>
-        <dgm:pt modelId="1"/>
-        <dgm:pt modelId="2"/>
-      </dgm:ptLst>
-      <dgm:cxnLst>
-        <dgm:cxn modelId="3" srcId="0" destId="1" srcOrd="0" destOrd="0"/>
-        <dgm:cxn modelId="4" srcId="0" destId="2" srcOrd="1" destOrd="0"/>
-      </dgm:cxnLst>
-      <dgm:bg/>
-      <dgm:whole/>
-    </dgm:dataModel>
-  </dgm:styleData>
-  <dgm:clrData>
-    <dgm:dataModel>
-      <dgm:ptLst>
-        <dgm:pt modelId="0" type="doc"/>
-        <dgm:pt modelId="1"/>
-        <dgm:pt modelId="2"/>
-        <dgm:pt modelId="3"/>
-        <dgm:pt modelId="4"/>
-      </dgm:ptLst>
-      <dgm:cxnLst>
-        <dgm:cxn modelId="5" srcId="0" destId="1" srcOrd="0" destOrd="0"/>
-        <dgm:cxn modelId="6" srcId="0" destId="2" srcOrd="1" destOrd="0"/>
-        <dgm:cxn modelId="7" srcId="0" destId="3" srcOrd="2" destOrd="0"/>
-        <dgm:cxn modelId="8" srcId="0" destId="4" srcOrd="3" destOrd="0"/>
-      </dgm:cxnLst>
-      <dgm:bg/>
-      <dgm:whole/>
-    </dgm:dataModel>
-  </dgm:clrData>
-  <dgm:layoutNode name="Name0">
-    <dgm:varLst>
-      <dgm:dir/>
-      <dgm:resizeHandles val="exact"/>
-    </dgm:varLst>
-    <dgm:choose name="Name1">
-      <dgm:if name="Name2" func="var" arg="dir" op="equ" val="norm">
-        <dgm:alg type="lin"/>
-      </dgm:if>
-      <dgm:else name="Name3">
-        <dgm:alg type="lin">
-          <dgm:param type="linDir" val="fromR"/>
-        </dgm:alg>
-      </dgm:else>
-    </dgm:choose>
-    <dgm:shape xmlns:r="http://schemas.openxmlformats.org/officeDocument/2006/relationships" r:blip="">
-      <dgm:adjLst/>
-    </dgm:shape>
-    <dgm:presOf/>
-    <dgm:choose name="Name4">
-      <dgm:if name="Name5" axis="root des" func="maxDepth" op="gte" val="2">
-        <dgm:constrLst>
-          <dgm:constr type="w" for="ch" forName="parAndChTx" refType="w"/>
-          <dgm:constr type="primFontSz" for="ch" ptType="node" op="equ"/>
-          <dgm:constr type="w" for="ch" forName="parAndChSpace" refType="w" refFor="ch" refForName="parAndChTx" fact="-0.2"/>
-          <dgm:constr type="w" for="ch" ptType="sibTrans" op="equ"/>
-        </dgm:constrLst>
-        <dgm:ruleLst/>
-        <dgm:forEach name="Name6" axis="ch" ptType="node">
-          <dgm:layoutNode name="parAndChTx">
-            <dgm:varLst>
-              <dgm:bulletEnabled val="1"/>
-            </dgm:varLst>
-            <dgm:alg type="tx"/>
-            <dgm:choose name="Name7">
-              <dgm:if name="Name8" func="var" arg="dir" op="equ" val="norm">
-                <dgm:choose name="Name9">
-                  <dgm:if name="Name10" axis="self" ptType="node" func="pos" op="equ" val="1">
-                    <dgm:shape xmlns:r="http://schemas.openxmlformats.org/officeDocument/2006/relationships" type="homePlate" r:blip="">
-                      <dgm:adjLst>
-                        <dgm:adj idx="1" val="0.25"/>
-                      </dgm:adjLst>
-                    </dgm:shape>
-                    <dgm:presOf axis="desOrSelf" ptType="node"/>
-                    <dgm:constrLst>
-                      <dgm:constr type="h" refType="w" op="equ" fact="0.8"/>
-                      <dgm:constr type="primFontSz" val="65"/>
-                      <dgm:constr type="tMarg" refType="primFontSz" fact="0.2"/>
-                      <dgm:constr type="bMarg" refType="primFontSz" fact="0.2"/>
-                      <dgm:constr type="lMarg" refType="w" fact="0.1"/>
-                      <dgm:constr type="rMarg" refType="w" fact="0.4"/>
-                    </dgm:constrLst>
-                  </dgm:if>
-                  <dgm:else name="Name11">
-                    <dgm:shape xmlns:r="http://schemas.openxmlformats.org/officeDocument/2006/relationships" type="chevron" r:blip="">
-                      <dgm:adjLst>
-                        <dgm:adj idx="1" val="0.25"/>
-                      </dgm:adjLst>
-                    </dgm:shape>
-                    <dgm:presOf axis="desOrSelf" ptType="node"/>
-                    <dgm:constrLst>
-                      <dgm:constr type="h" refType="w" op="equ" fact="0.8"/>
-                      <dgm:constr type="primFontSz" val="65"/>
-                      <dgm:constr type="tMarg" refType="primFontSz" fact="0.2"/>
-                      <dgm:constr type="bMarg" refType="primFontSz" fact="0.2"/>
-                      <dgm:constr type="lMarg" refType="w" fact="0.1"/>
-                      <dgm:constr type="rMarg" refType="w" fact="0.1"/>
-                    </dgm:constrLst>
-                  </dgm:else>
-                </dgm:choose>
-              </dgm:if>
-              <dgm:else name="Name12">
-                <dgm:choose name="Name13">
-                  <dgm:if name="Name14" axis="self" ptType="node" func="pos" op="equ" val="1">
-                    <dgm:shape xmlns:r="http://schemas.openxmlformats.org/officeDocument/2006/relationships" rot="180" type="homePlate" r:blip="">
-                      <dgm:adjLst>
-                        <dgm:adj idx="1" val="0.25"/>
-                      </dgm:adjLst>
-                    </dgm:shape>
-                    <dgm:presOf axis="desOrSelf" ptType="node"/>
-                    <dgm:constrLst>
-                      <dgm:constr type="h" refType="w" op="equ" fact="0.8"/>
-                      <dgm:constr type="primFontSz" val="65"/>
-                      <dgm:constr type="tMarg" refType="primFontSz" fact="0.2"/>
-                      <dgm:constr type="bMarg" refType="primFontSz" fact="0.2"/>
-                      <dgm:constr type="lMarg" refType="w" fact="0.4"/>
-                      <dgm:constr type="rMarg" refType="w" fact="0.1"/>
-                    </dgm:constrLst>
-                  </dgm:if>
-                  <dgm:else name="Name15">
-                    <dgm:shape xmlns:r="http://schemas.openxmlformats.org/officeDocument/2006/relationships" rot="180" type="chevron" r:blip="">
-                      <dgm:adjLst>
-                        <dgm:adj idx="1" val="0.25"/>
-                      </dgm:adjLst>
-                    </dgm:shape>
-                    <dgm:presOf axis="desOrSelf" ptType="node"/>
-                    <dgm:constrLst>
-                      <dgm:constr type="h" refType="w" op="equ" fact="0.8"/>
-                      <dgm:constr type="primFontSz" val="65"/>
-                      <dgm:constr type="tMarg" refType="primFontSz" fact="0.2"/>
-                      <dgm:constr type="bMarg" refType="primFontSz" fact="0.2"/>
-                      <dgm:constr type="lMarg" refType="w" fact="0.1"/>
-                      <dgm:constr type="rMarg" refType="w" fact="0.1"/>
-                    </dgm:constrLst>
-                  </dgm:else>
-                </dgm:choose>
-              </dgm:else>
-            </dgm:choose>
-            <dgm:ruleLst>
-              <dgm:rule type="primFontSz" val="5" fact="NaN" max="NaN"/>
-            </dgm:ruleLst>
-          </dgm:layoutNode>
-          <dgm:forEach name="Name16" axis="followSib" ptType="sibTrans" cnt="1">
-            <dgm:layoutNode name="parAndChSpace">
-              <dgm:alg type="sp"/>
-              <dgm:shape xmlns:r="http://schemas.openxmlformats.org/officeDocument/2006/relationships" r:blip="">
-                <dgm:adjLst/>
-              </dgm:shape>
-              <dgm:presOf/>
-              <dgm:constrLst/>
-              <dgm:ruleLst/>
-            </dgm:layoutNode>
-          </dgm:forEach>
-        </dgm:forEach>
-      </dgm:if>
-      <dgm:else name="Name17">
-        <dgm:constrLst>
-          <dgm:constr type="w" for="ch" forName="parTxOnly" refType="w"/>
-          <dgm:constr type="primFontSz" for="ch" ptType="node" op="equ"/>
-          <dgm:constr type="w" for="ch" forName="parSpace" refType="w" refFor="ch" refForName="parTxOnly" fact="-0.2"/>
-          <dgm:constr type="w" for="ch" ptType="sibTrans" op="equ"/>
-        </dgm:constrLst>
-        <dgm:ruleLst/>
-        <dgm:forEach name="Name18" axis="ch" ptType="node">
-          <dgm:layoutNode name="parTxOnly">
-            <dgm:varLst>
-              <dgm:bulletEnabled val="1"/>
-            </dgm:varLst>
-            <dgm:alg type="tx"/>
-            <dgm:presOf axis="desOrSelf" ptType="node"/>
-            <dgm:choose name="Name19">
-              <dgm:if name="Name20" func="var" arg="dir" op="equ" val="norm">
-                <dgm:choose name="Name21">
-                  <dgm:if name="Name22" axis="self" ptType="node" func="pos" op="equ" val="1">
-                    <dgm:shape xmlns:r="http://schemas.openxmlformats.org/officeDocument/2006/relationships" type="homePlate" r:blip="">
-                      <dgm:adjLst/>
-                    </dgm:shape>
-                    <dgm:constrLst>
-                      <dgm:constr type="h" refType="w" op="equ" fact="0.4"/>
-                      <dgm:constr type="primFontSz" val="65"/>
-                      <dgm:constr type="tMarg" refType="primFontSz" fact="0.21"/>
-                      <dgm:constr type="bMarg" refType="primFontSz" fact="0.21"/>
-                      <dgm:constr type="lMarg" refType="primFontSz" fact="0.42"/>
-                      <dgm:constr type="rMarg" refType="primFontSz" fact="0.105"/>
-                    </dgm:constrLst>
-                  </dgm:if>
-                  <dgm:else name="Name23">
-                    <dgm:shape xmlns:r="http://schemas.openxmlformats.org/officeDocument/2006/relationships" type="chevron" r:blip="">
-                      <dgm:adjLst/>
-                    </dgm:shape>
-                    <dgm:constrLst>
-                      <dgm:constr type="h" refType="w" op="equ" fact="0.4"/>
-                      <dgm:constr type="primFontSz" val="65"/>
-                      <dgm:constr type="tMarg" refType="primFontSz" fact="0.21"/>
-                      <dgm:constr type="bMarg" refType="primFontSz" fact="0.21"/>
-                      <dgm:constr type="lMarg" refType="primFontSz" fact="0.315"/>
-                      <dgm:constr type="rMarg" refType="primFontSz" fact="0.105"/>
-                    </dgm:constrLst>
-                  </dgm:else>
-                </dgm:choose>
-              </dgm:if>
-              <dgm:else name="Name24">
-                <dgm:choose name="Name25">
-                  <dgm:if name="Name26" axis="self" ptType="node" func="pos" op="equ" val="1">
-                    <dgm:shape xmlns:r="http://schemas.openxmlformats.org/officeDocument/2006/relationships" rot="180" type="homePlate" r:blip="">
-                      <dgm:adjLst/>
-                    </dgm:shape>
-                    <dgm:constrLst>
-                      <dgm:constr type="h" refType="w" op="equ" fact="0.4"/>
-                      <dgm:constr type="primFontSz" val="65"/>
-                      <dgm:constr type="tMarg" refType="primFontSz" fact="0.21"/>
-                      <dgm:constr type="bMarg" refType="primFontSz" fact="0.21"/>
-                      <dgm:constr type="lMarg" refType="primFontSz" fact="0.105"/>
-                      <dgm:constr type="rMarg" refType="primFontSz" fact="0.42"/>
-                    </dgm:constrLst>
-                  </dgm:if>
-                  <dgm:else name="Name27">
-                    <dgm:shape xmlns:r="http://schemas.openxmlformats.org/officeDocument/2006/relationships" rot="180" type="chevron" r:blip="">
-                      <dgm:adjLst/>
-                    </dgm:shape>
-                    <dgm:constrLst>
-                      <dgm:constr type="h" refType="w" op="equ" fact="0.4"/>
-                      <dgm:constr type="primFontSz" val="65"/>
-                      <dgm:constr type="tMarg" refType="primFontSz" fact="0.21"/>
-                      <dgm:constr type="bMarg" refType="primFontSz" fact="0.21"/>
-                      <dgm:constr type="lMarg" refType="primFontSz" fact="0.105"/>
-                      <dgm:constr type="rMarg" refType="primFontSz" fact="0.315"/>
-                    </dgm:constrLst>
-                  </dgm:else>
-                </dgm:choose>
-              </dgm:else>
-            </dgm:choose>
-            <dgm:ruleLst>
-              <dgm:rule type="primFontSz" val="5" fact="NaN" max="NaN"/>
-            </dgm:ruleLst>
-          </dgm:layoutNode>
-          <dgm:forEach name="Name28" axis="followSib" ptType="sibTrans" cnt="1">
-            <dgm:layoutNode name="parSpace">
-              <dgm:alg type="sp"/>
-              <dgm:shape xmlns:r="http://schemas.openxmlformats.org/officeDocument/2006/relationships" r:blip="">
-                <dgm:adjLst/>
-              </dgm:shape>
-              <dgm:presOf/>
-              <dgm:constrLst/>
-              <dgm:ruleLst/>
-            </dgm:layoutNode>
-          </dgm:forEach>
-        </dgm:forEach>
-      </dgm:else>
-    </dgm:choose>
-  </dgm:layoutNode>
-</dgm:layoutDef>
-</file>
-
 <file path=ppt/diagrams/quickStyle1.xml><?xml version="1.0" encoding="utf-8"?>
 <dgm:styleDef xmlns:dgm="http://schemas.openxmlformats.org/drawingml/2006/diagram" xmlns:a="http://schemas.openxmlformats.org/drawingml/2006/main" uniqueId="urn:microsoft.com/office/officeart/2005/8/quickstyle/simple1">
   <dgm:title val=""/>
@@ -6347,1040 +4611,6 @@
 </file>
 
 <file path=ppt/diagrams/quickStyle2.xml><?xml version="1.0" encoding="utf-8"?>
-<dgm:styleDef xmlns:dgm="http://schemas.openxmlformats.org/drawingml/2006/diagram" xmlns:a="http://schemas.openxmlformats.org/drawingml/2006/main" uniqueId="urn:microsoft.com/office/officeart/2005/8/quickstyle/simple1">
-  <dgm:title val=""/>
-  <dgm:desc val=""/>
-  <dgm:catLst>
-    <dgm:cat type="simple" pri="10100"/>
-  </dgm:catLst>
-  <dgm:scene3d>
-    <a:camera prst="orthographicFront"/>
-    <a:lightRig rig="threePt" dir="t"/>
-  </dgm:scene3d>
-  <dgm:styleLbl name="node0">
-    <dgm:scene3d>
-      <a:camera prst="orthographicFront"/>
-      <a:lightRig rig="threePt" dir="t"/>
-    </dgm:scene3d>
-    <dgm:sp3d/>
-    <dgm:txPr/>
-    <dgm:style>
-      <a:lnRef idx="2">
-        <a:scrgbClr r="0" g="0" b="0"/>
-      </a:lnRef>
-      <a:fillRef idx="1">
-        <a:scrgbClr r="0" g="0" b="0"/>
-      </a:fillRef>
-      <a:effectRef idx="0">
-        <a:scrgbClr r="0" g="0" b="0"/>
-      </a:effectRef>
-      <a:fontRef idx="minor">
-        <a:schemeClr val="lt1"/>
-      </a:fontRef>
-    </dgm:style>
-  </dgm:styleLbl>
-  <dgm:styleLbl name="lnNode1">
-    <dgm:scene3d>
-      <a:camera prst="orthographicFront"/>
-      <a:lightRig rig="threePt" dir="t"/>
-    </dgm:scene3d>
-    <dgm:sp3d/>
-    <dgm:txPr/>
-    <dgm:style>
-      <a:lnRef idx="2">
-        <a:scrgbClr r="0" g="0" b="0"/>
-      </a:lnRef>
-      <a:fillRef idx="1">
-        <a:scrgbClr r="0" g="0" b="0"/>
-      </a:fillRef>
-      <a:effectRef idx="0">
-        <a:scrgbClr r="0" g="0" b="0"/>
-      </a:effectRef>
-      <a:fontRef idx="minor">
-        <a:schemeClr val="lt1"/>
-      </a:fontRef>
-    </dgm:style>
-  </dgm:styleLbl>
-  <dgm:styleLbl name="vennNode1">
-    <dgm:scene3d>
-      <a:camera prst="orthographicFront"/>
-      <a:lightRig rig="threePt" dir="t"/>
-    </dgm:scene3d>
-    <dgm:sp3d/>
-    <dgm:txPr/>
-    <dgm:style>
-      <a:lnRef idx="2">
-        <a:scrgbClr r="0" g="0" b="0"/>
-      </a:lnRef>
-      <a:fillRef idx="1">
-        <a:scrgbClr r="0" g="0" b="0"/>
-      </a:fillRef>
-      <a:effectRef idx="0">
-        <a:scrgbClr r="0" g="0" b="0"/>
-      </a:effectRef>
-      <a:fontRef idx="minor">
-        <a:schemeClr val="tx1"/>
-      </a:fontRef>
-    </dgm:style>
-  </dgm:styleLbl>
-  <dgm:styleLbl name="alignNode1">
-    <dgm:scene3d>
-      <a:camera prst="orthographicFront"/>
-      <a:lightRig rig="threePt" dir="t"/>
-    </dgm:scene3d>
-    <dgm:sp3d/>
-    <dgm:txPr/>
-    <dgm:style>
-      <a:lnRef idx="2">
-        <a:scrgbClr r="0" g="0" b="0"/>
-      </a:lnRef>
-      <a:fillRef idx="1">
-        <a:scrgbClr r="0" g="0" b="0"/>
-      </a:fillRef>
-      <a:effectRef idx="0">
-        <a:scrgbClr r="0" g="0" b="0"/>
-      </a:effectRef>
-      <a:fontRef idx="minor">
-        <a:schemeClr val="lt1"/>
-      </a:fontRef>
-    </dgm:style>
-  </dgm:styleLbl>
-  <dgm:styleLbl name="node1">
-    <dgm:scene3d>
-      <a:camera prst="orthographicFront"/>
-      <a:lightRig rig="threePt" dir="t"/>
-    </dgm:scene3d>
-    <dgm:sp3d/>
-    <dgm:txPr/>
-    <dgm:style>
-      <a:lnRef idx="2">
-        <a:scrgbClr r="0" g="0" b="0"/>
-      </a:lnRef>
-      <a:fillRef idx="1">
-        <a:scrgbClr r="0" g="0" b="0"/>
-      </a:fillRef>
-      <a:effectRef idx="0">
-        <a:scrgbClr r="0" g="0" b="0"/>
-      </a:effectRef>
-      <a:fontRef idx="minor">
-        <a:schemeClr val="lt1"/>
-      </a:fontRef>
-    </dgm:style>
-  </dgm:styleLbl>
-  <dgm:styleLbl name="node2">
-    <dgm:scene3d>
-      <a:camera prst="orthographicFront"/>
-      <a:lightRig rig="threePt" dir="t"/>
-    </dgm:scene3d>
-    <dgm:sp3d/>
-    <dgm:txPr/>
-    <dgm:style>
-      <a:lnRef idx="2">
-        <a:scrgbClr r="0" g="0" b="0"/>
-      </a:lnRef>
-      <a:fillRef idx="1">
-        <a:scrgbClr r="0" g="0" b="0"/>
-      </a:fillRef>
-      <a:effectRef idx="0">
-        <a:scrgbClr r="0" g="0" b="0"/>
-      </a:effectRef>
-      <a:fontRef idx="minor">
-        <a:schemeClr val="lt1"/>
-      </a:fontRef>
-    </dgm:style>
-  </dgm:styleLbl>
-  <dgm:styleLbl name="node3">
-    <dgm:scene3d>
-      <a:camera prst="orthographicFront"/>
-      <a:lightRig rig="threePt" dir="t"/>
-    </dgm:scene3d>
-    <dgm:sp3d/>
-    <dgm:txPr/>
-    <dgm:style>
-      <a:lnRef idx="2">
-        <a:scrgbClr r="0" g="0" b="0"/>
-      </a:lnRef>
-      <a:fillRef idx="1">
-        <a:scrgbClr r="0" g="0" b="0"/>
-      </a:fillRef>
-      <a:effectRef idx="0">
-        <a:scrgbClr r="0" g="0" b="0"/>
-      </a:effectRef>
-      <a:fontRef idx="minor">
-        <a:schemeClr val="lt1"/>
-      </a:fontRef>
-    </dgm:style>
-  </dgm:styleLbl>
-  <dgm:styleLbl name="node4">
-    <dgm:scene3d>
-      <a:camera prst="orthographicFront"/>
-      <a:lightRig rig="threePt" dir="t"/>
-    </dgm:scene3d>
-    <dgm:sp3d/>
-    <dgm:txPr/>
-    <dgm:style>
-      <a:lnRef idx="2">
-        <a:scrgbClr r="0" g="0" b="0"/>
-      </a:lnRef>
-      <a:fillRef idx="1">
-        <a:scrgbClr r="0" g="0" b="0"/>
-      </a:fillRef>
-      <a:effectRef idx="0">
-        <a:scrgbClr r="0" g="0" b="0"/>
-      </a:effectRef>
-      <a:fontRef idx="minor">
-        <a:schemeClr val="lt1"/>
-      </a:fontRef>
-    </dgm:style>
-  </dgm:styleLbl>
-  <dgm:styleLbl name="fgImgPlace1">
-    <dgm:scene3d>
-      <a:camera prst="orthographicFront"/>
-      <a:lightRig rig="threePt" dir="t"/>
-    </dgm:scene3d>
-    <dgm:sp3d/>
-    <dgm:txPr/>
-    <dgm:style>
-      <a:lnRef idx="2">
-        <a:scrgbClr r="0" g="0" b="0"/>
-      </a:lnRef>
-      <a:fillRef idx="1">
-        <a:scrgbClr r="0" g="0" b="0"/>
-      </a:fillRef>
-      <a:effectRef idx="0">
-        <a:scrgbClr r="0" g="0" b="0"/>
-      </a:effectRef>
-      <a:fontRef idx="minor"/>
-    </dgm:style>
-  </dgm:styleLbl>
-  <dgm:styleLbl name="alignImgPlace1">
-    <dgm:scene3d>
-      <a:camera prst="orthographicFront"/>
-      <a:lightRig rig="threePt" dir="t"/>
-    </dgm:scene3d>
-    <dgm:sp3d/>
-    <dgm:txPr/>
-    <dgm:style>
-      <a:lnRef idx="2">
-        <a:scrgbClr r="0" g="0" b="0"/>
-      </a:lnRef>
-      <a:fillRef idx="1">
-        <a:scrgbClr r="0" g="0" b="0"/>
-      </a:fillRef>
-      <a:effectRef idx="0">
-        <a:scrgbClr r="0" g="0" b="0"/>
-      </a:effectRef>
-      <a:fontRef idx="minor"/>
-    </dgm:style>
-  </dgm:styleLbl>
-  <dgm:styleLbl name="bgImgPlace1">
-    <dgm:scene3d>
-      <a:camera prst="orthographicFront"/>
-      <a:lightRig rig="threePt" dir="t"/>
-    </dgm:scene3d>
-    <dgm:sp3d/>
-    <dgm:txPr/>
-    <dgm:style>
-      <a:lnRef idx="2">
-        <a:scrgbClr r="0" g="0" b="0"/>
-      </a:lnRef>
-      <a:fillRef idx="1">
-        <a:scrgbClr r="0" g="0" b="0"/>
-      </a:fillRef>
-      <a:effectRef idx="0">
-        <a:scrgbClr r="0" g="0" b="0"/>
-      </a:effectRef>
-      <a:fontRef idx="minor"/>
-    </dgm:style>
-  </dgm:styleLbl>
-  <dgm:styleLbl name="sibTrans2D1">
-    <dgm:scene3d>
-      <a:camera prst="orthographicFront"/>
-      <a:lightRig rig="threePt" dir="t"/>
-    </dgm:scene3d>
-    <dgm:sp3d/>
-    <dgm:txPr/>
-    <dgm:style>
-      <a:lnRef idx="0">
-        <a:scrgbClr r="0" g="0" b="0"/>
-      </a:lnRef>
-      <a:fillRef idx="1">
-        <a:scrgbClr r="0" g="0" b="0"/>
-      </a:fillRef>
-      <a:effectRef idx="0">
-        <a:scrgbClr r="0" g="0" b="0"/>
-      </a:effectRef>
-      <a:fontRef idx="minor">
-        <a:schemeClr val="lt1"/>
-      </a:fontRef>
-    </dgm:style>
-  </dgm:styleLbl>
-  <dgm:styleLbl name="fgSibTrans2D1">
-    <dgm:scene3d>
-      <a:camera prst="orthographicFront"/>
-      <a:lightRig rig="threePt" dir="t"/>
-    </dgm:scene3d>
-    <dgm:sp3d/>
-    <dgm:txPr/>
-    <dgm:style>
-      <a:lnRef idx="0">
-        <a:scrgbClr r="0" g="0" b="0"/>
-      </a:lnRef>
-      <a:fillRef idx="1">
-        <a:scrgbClr r="0" g="0" b="0"/>
-      </a:fillRef>
-      <a:effectRef idx="0">
-        <a:scrgbClr r="0" g="0" b="0"/>
-      </a:effectRef>
-      <a:fontRef idx="minor">
-        <a:schemeClr val="lt1"/>
-      </a:fontRef>
-    </dgm:style>
-  </dgm:styleLbl>
-  <dgm:styleLbl name="bgSibTrans2D1">
-    <dgm:scene3d>
-      <a:camera prst="orthographicFront"/>
-      <a:lightRig rig="threePt" dir="t"/>
-    </dgm:scene3d>
-    <dgm:sp3d/>
-    <dgm:txPr/>
-    <dgm:style>
-      <a:lnRef idx="0">
-        <a:scrgbClr r="0" g="0" b="0"/>
-      </a:lnRef>
-      <a:fillRef idx="1">
-        <a:scrgbClr r="0" g="0" b="0"/>
-      </a:fillRef>
-      <a:effectRef idx="0">
-        <a:scrgbClr r="0" g="0" b="0"/>
-      </a:effectRef>
-      <a:fontRef idx="minor">
-        <a:schemeClr val="lt1"/>
-      </a:fontRef>
-    </dgm:style>
-  </dgm:styleLbl>
-  <dgm:styleLbl name="sibTrans1D1">
-    <dgm:scene3d>
-      <a:camera prst="orthographicFront"/>
-      <a:lightRig rig="threePt" dir="t"/>
-    </dgm:scene3d>
-    <dgm:sp3d/>
-    <dgm:txPr/>
-    <dgm:style>
-      <a:lnRef idx="1">
-        <a:scrgbClr r="0" g="0" b="0"/>
-      </a:lnRef>
-      <a:fillRef idx="0">
-        <a:scrgbClr r="0" g="0" b="0"/>
-      </a:fillRef>
-      <a:effectRef idx="0">
-        <a:scrgbClr r="0" g="0" b="0"/>
-      </a:effectRef>
-      <a:fontRef idx="minor"/>
-    </dgm:style>
-  </dgm:styleLbl>
-  <dgm:styleLbl name="callout">
-    <dgm:scene3d>
-      <a:camera prst="orthographicFront"/>
-      <a:lightRig rig="threePt" dir="t"/>
-    </dgm:scene3d>
-    <dgm:sp3d/>
-    <dgm:txPr/>
-    <dgm:style>
-      <a:lnRef idx="2">
-        <a:scrgbClr r="0" g="0" b="0"/>
-      </a:lnRef>
-      <a:fillRef idx="1">
-        <a:scrgbClr r="0" g="0" b="0"/>
-      </a:fillRef>
-      <a:effectRef idx="0">
-        <a:scrgbClr r="0" g="0" b="0"/>
-      </a:effectRef>
-      <a:fontRef idx="minor"/>
-    </dgm:style>
-  </dgm:styleLbl>
-  <dgm:styleLbl name="asst0">
-    <dgm:scene3d>
-      <a:camera prst="orthographicFront"/>
-      <a:lightRig rig="threePt" dir="t"/>
-    </dgm:scene3d>
-    <dgm:sp3d/>
-    <dgm:txPr/>
-    <dgm:style>
-      <a:lnRef idx="2">
-        <a:scrgbClr r="0" g="0" b="0"/>
-      </a:lnRef>
-      <a:fillRef idx="1">
-        <a:scrgbClr r="0" g="0" b="0"/>
-      </a:fillRef>
-      <a:effectRef idx="0">
-        <a:scrgbClr r="0" g="0" b="0"/>
-      </a:effectRef>
-      <a:fontRef idx="minor">
-        <a:schemeClr val="lt1"/>
-      </a:fontRef>
-    </dgm:style>
-  </dgm:styleLbl>
-  <dgm:styleLbl name="asst1">
-    <dgm:scene3d>
-      <a:camera prst="orthographicFront"/>
-      <a:lightRig rig="threePt" dir="t"/>
-    </dgm:scene3d>
-    <dgm:sp3d/>
-    <dgm:txPr/>
-    <dgm:style>
-      <a:lnRef idx="2">
-        <a:scrgbClr r="0" g="0" b="0"/>
-      </a:lnRef>
-      <a:fillRef idx="1">
-        <a:scrgbClr r="0" g="0" b="0"/>
-      </a:fillRef>
-      <a:effectRef idx="0">
-        <a:scrgbClr r="0" g="0" b="0"/>
-      </a:effectRef>
-      <a:fontRef idx="minor">
-        <a:schemeClr val="lt1"/>
-      </a:fontRef>
-    </dgm:style>
-  </dgm:styleLbl>
-  <dgm:styleLbl name="asst2">
-    <dgm:scene3d>
-      <a:camera prst="orthographicFront"/>
-      <a:lightRig rig="threePt" dir="t"/>
-    </dgm:scene3d>
-    <dgm:sp3d/>
-    <dgm:txPr/>
-    <dgm:style>
-      <a:lnRef idx="2">
-        <a:scrgbClr r="0" g="0" b="0"/>
-      </a:lnRef>
-      <a:fillRef idx="1">
-        <a:scrgbClr r="0" g="0" b="0"/>
-      </a:fillRef>
-      <a:effectRef idx="0">
-        <a:scrgbClr r="0" g="0" b="0"/>
-      </a:effectRef>
-      <a:fontRef idx="minor">
-        <a:schemeClr val="lt1"/>
-      </a:fontRef>
-    </dgm:style>
-  </dgm:styleLbl>
-  <dgm:styleLbl name="asst3">
-    <dgm:scene3d>
-      <a:camera prst="orthographicFront"/>
-      <a:lightRig rig="threePt" dir="t"/>
-    </dgm:scene3d>
-    <dgm:sp3d/>
-    <dgm:txPr/>
-    <dgm:style>
-      <a:lnRef idx="2">
-        <a:scrgbClr r="0" g="0" b="0"/>
-      </a:lnRef>
-      <a:fillRef idx="1">
-        <a:scrgbClr r="0" g="0" b="0"/>
-      </a:fillRef>
-      <a:effectRef idx="0">
-        <a:scrgbClr r="0" g="0" b="0"/>
-      </a:effectRef>
-      <a:fontRef idx="minor">
-        <a:schemeClr val="lt1"/>
-      </a:fontRef>
-    </dgm:style>
-  </dgm:styleLbl>
-  <dgm:styleLbl name="asst4">
-    <dgm:scene3d>
-      <a:camera prst="orthographicFront"/>
-      <a:lightRig rig="threePt" dir="t"/>
-    </dgm:scene3d>
-    <dgm:sp3d/>
-    <dgm:txPr/>
-    <dgm:style>
-      <a:lnRef idx="2">
-        <a:scrgbClr r="0" g="0" b="0"/>
-      </a:lnRef>
-      <a:fillRef idx="1">
-        <a:scrgbClr r="0" g="0" b="0"/>
-      </a:fillRef>
-      <a:effectRef idx="0">
-        <a:scrgbClr r="0" g="0" b="0"/>
-      </a:effectRef>
-      <a:fontRef idx="minor">
-        <a:schemeClr val="lt1"/>
-      </a:fontRef>
-    </dgm:style>
-  </dgm:styleLbl>
-  <dgm:styleLbl name="parChTrans2D1">
-    <dgm:scene3d>
-      <a:camera prst="orthographicFront"/>
-      <a:lightRig rig="threePt" dir="t"/>
-    </dgm:scene3d>
-    <dgm:sp3d/>
-    <dgm:txPr/>
-    <dgm:style>
-      <a:lnRef idx="2">
-        <a:scrgbClr r="0" g="0" b="0"/>
-      </a:lnRef>
-      <a:fillRef idx="1">
-        <a:scrgbClr r="0" g="0" b="0"/>
-      </a:fillRef>
-      <a:effectRef idx="0">
-        <a:scrgbClr r="0" g="0" b="0"/>
-      </a:effectRef>
-      <a:fontRef idx="minor">
-        <a:schemeClr val="lt1"/>
-      </a:fontRef>
-    </dgm:style>
-  </dgm:styleLbl>
-  <dgm:styleLbl name="parChTrans2D2">
-    <dgm:scene3d>
-      <a:camera prst="orthographicFront"/>
-      <a:lightRig rig="threePt" dir="t"/>
-    </dgm:scene3d>
-    <dgm:sp3d/>
-    <dgm:txPr/>
-    <dgm:style>
-      <a:lnRef idx="2">
-        <a:scrgbClr r="0" g="0" b="0"/>
-      </a:lnRef>
-      <a:fillRef idx="1">
-        <a:scrgbClr r="0" g="0" b="0"/>
-      </a:fillRef>
-      <a:effectRef idx="0">
-        <a:scrgbClr r="0" g="0" b="0"/>
-      </a:effectRef>
-      <a:fontRef idx="minor">
-        <a:schemeClr val="lt1"/>
-      </a:fontRef>
-    </dgm:style>
-  </dgm:styleLbl>
-  <dgm:styleLbl name="parChTrans2D3">
-    <dgm:scene3d>
-      <a:camera prst="orthographicFront"/>
-      <a:lightRig rig="threePt" dir="t"/>
-    </dgm:scene3d>
-    <dgm:sp3d/>
-    <dgm:txPr/>
-    <dgm:style>
-      <a:lnRef idx="2">
-        <a:scrgbClr r="0" g="0" b="0"/>
-      </a:lnRef>
-      <a:fillRef idx="1">
-        <a:scrgbClr r="0" g="0" b="0"/>
-      </a:fillRef>
-      <a:effectRef idx="0">
-        <a:scrgbClr r="0" g="0" b="0"/>
-      </a:effectRef>
-      <a:fontRef idx="minor">
-        <a:schemeClr val="lt1"/>
-      </a:fontRef>
-    </dgm:style>
-  </dgm:styleLbl>
-  <dgm:styleLbl name="parChTrans2D4">
-    <dgm:scene3d>
-      <a:camera prst="orthographicFront"/>
-      <a:lightRig rig="threePt" dir="t"/>
-    </dgm:scene3d>
-    <dgm:sp3d/>
-    <dgm:txPr/>
-    <dgm:style>
-      <a:lnRef idx="2">
-        <a:scrgbClr r="0" g="0" b="0"/>
-      </a:lnRef>
-      <a:fillRef idx="1">
-        <a:scrgbClr r="0" g="0" b="0"/>
-      </a:fillRef>
-      <a:effectRef idx="0">
-        <a:scrgbClr r="0" g="0" b="0"/>
-      </a:effectRef>
-      <a:fontRef idx="minor">
-        <a:schemeClr val="lt1"/>
-      </a:fontRef>
-    </dgm:style>
-  </dgm:styleLbl>
-  <dgm:styleLbl name="parChTrans1D1">
-    <dgm:scene3d>
-      <a:camera prst="orthographicFront"/>
-      <a:lightRig rig="threePt" dir="t"/>
-    </dgm:scene3d>
-    <dgm:sp3d/>
-    <dgm:txPr/>
-    <dgm:style>
-      <a:lnRef idx="2">
-        <a:scrgbClr r="0" g="0" b="0"/>
-      </a:lnRef>
-      <a:fillRef idx="0">
-        <a:scrgbClr r="0" g="0" b="0"/>
-      </a:fillRef>
-      <a:effectRef idx="0">
-        <a:scrgbClr r="0" g="0" b="0"/>
-      </a:effectRef>
-      <a:fontRef idx="minor"/>
-    </dgm:style>
-  </dgm:styleLbl>
-  <dgm:styleLbl name="parChTrans1D2">
-    <dgm:scene3d>
-      <a:camera prst="orthographicFront"/>
-      <a:lightRig rig="threePt" dir="t"/>
-    </dgm:scene3d>
-    <dgm:sp3d/>
-    <dgm:txPr/>
-    <dgm:style>
-      <a:lnRef idx="2">
-        <a:scrgbClr r="0" g="0" b="0"/>
-      </a:lnRef>
-      <a:fillRef idx="0">
-        <a:scrgbClr r="0" g="0" b="0"/>
-      </a:fillRef>
-      <a:effectRef idx="0">
-        <a:scrgbClr r="0" g="0" b="0"/>
-      </a:effectRef>
-      <a:fontRef idx="minor"/>
-    </dgm:style>
-  </dgm:styleLbl>
-  <dgm:styleLbl name="parChTrans1D3">
-    <dgm:scene3d>
-      <a:camera prst="orthographicFront"/>
-      <a:lightRig rig="threePt" dir="t"/>
-    </dgm:scene3d>
-    <dgm:sp3d/>
-    <dgm:txPr/>
-    <dgm:style>
-      <a:lnRef idx="2">
-        <a:scrgbClr r="0" g="0" b="0"/>
-      </a:lnRef>
-      <a:fillRef idx="0">
-        <a:scrgbClr r="0" g="0" b="0"/>
-      </a:fillRef>
-      <a:effectRef idx="0">
-        <a:scrgbClr r="0" g="0" b="0"/>
-      </a:effectRef>
-      <a:fontRef idx="minor"/>
-    </dgm:style>
-  </dgm:styleLbl>
-  <dgm:styleLbl name="parChTrans1D4">
-    <dgm:scene3d>
-      <a:camera prst="orthographicFront"/>
-      <a:lightRig rig="threePt" dir="t"/>
-    </dgm:scene3d>
-    <dgm:sp3d/>
-    <dgm:txPr/>
-    <dgm:style>
-      <a:lnRef idx="2">
-        <a:scrgbClr r="0" g="0" b="0"/>
-      </a:lnRef>
-      <a:fillRef idx="0">
-        <a:scrgbClr r="0" g="0" b="0"/>
-      </a:fillRef>
-      <a:effectRef idx="0">
-        <a:scrgbClr r="0" g="0" b="0"/>
-      </a:effectRef>
-      <a:fontRef idx="minor"/>
-    </dgm:style>
-  </dgm:styleLbl>
-  <dgm:styleLbl name="fgAcc1">
-    <dgm:scene3d>
-      <a:camera prst="orthographicFront"/>
-      <a:lightRig rig="threePt" dir="t"/>
-    </dgm:scene3d>
-    <dgm:sp3d/>
-    <dgm:txPr/>
-    <dgm:style>
-      <a:lnRef idx="2">
-        <a:scrgbClr r="0" g="0" b="0"/>
-      </a:lnRef>
-      <a:fillRef idx="1">
-        <a:scrgbClr r="0" g="0" b="0"/>
-      </a:fillRef>
-      <a:effectRef idx="0">
-        <a:scrgbClr r="0" g="0" b="0"/>
-      </a:effectRef>
-      <a:fontRef idx="minor"/>
-    </dgm:style>
-  </dgm:styleLbl>
-  <dgm:styleLbl name="conFgAcc1">
-    <dgm:scene3d>
-      <a:camera prst="orthographicFront"/>
-      <a:lightRig rig="threePt" dir="t"/>
-    </dgm:scene3d>
-    <dgm:sp3d/>
-    <dgm:txPr/>
-    <dgm:style>
-      <a:lnRef idx="2">
-        <a:scrgbClr r="0" g="0" b="0"/>
-      </a:lnRef>
-      <a:fillRef idx="1">
-        <a:scrgbClr r="0" g="0" b="0"/>
-      </a:fillRef>
-      <a:effectRef idx="0">
-        <a:scrgbClr r="0" g="0" b="0"/>
-      </a:effectRef>
-      <a:fontRef idx="minor"/>
-    </dgm:style>
-  </dgm:styleLbl>
-  <dgm:styleLbl name="alignAcc1">
-    <dgm:scene3d>
-      <a:camera prst="orthographicFront"/>
-      <a:lightRig rig="threePt" dir="t"/>
-    </dgm:scene3d>
-    <dgm:sp3d/>
-    <dgm:txPr/>
-    <dgm:style>
-      <a:lnRef idx="2">
-        <a:scrgbClr r="0" g="0" b="0"/>
-      </a:lnRef>
-      <a:fillRef idx="1">
-        <a:scrgbClr r="0" g="0" b="0"/>
-      </a:fillRef>
-      <a:effectRef idx="0">
-        <a:scrgbClr r="0" g="0" b="0"/>
-      </a:effectRef>
-      <a:fontRef idx="minor"/>
-    </dgm:style>
-  </dgm:styleLbl>
-  <dgm:styleLbl name="trAlignAcc1">
-    <dgm:scene3d>
-      <a:camera prst="orthographicFront"/>
-      <a:lightRig rig="threePt" dir="t"/>
-    </dgm:scene3d>
-    <dgm:sp3d/>
-    <dgm:txPr/>
-    <dgm:style>
-      <a:lnRef idx="1">
-        <a:scrgbClr r="0" g="0" b="0"/>
-      </a:lnRef>
-      <a:fillRef idx="1">
-        <a:scrgbClr r="0" g="0" b="0"/>
-      </a:fillRef>
-      <a:effectRef idx="0">
-        <a:scrgbClr r="0" g="0" b="0"/>
-      </a:effectRef>
-      <a:fontRef idx="minor"/>
-    </dgm:style>
-  </dgm:styleLbl>
-  <dgm:styleLbl name="bgAcc1">
-    <dgm:scene3d>
-      <a:camera prst="orthographicFront"/>
-      <a:lightRig rig="threePt" dir="t"/>
-    </dgm:scene3d>
-    <dgm:sp3d/>
-    <dgm:txPr/>
-    <dgm:style>
-      <a:lnRef idx="2">
-        <a:scrgbClr r="0" g="0" b="0"/>
-      </a:lnRef>
-      <a:fillRef idx="1">
-        <a:scrgbClr r="0" g="0" b="0"/>
-      </a:fillRef>
-      <a:effectRef idx="0">
-        <a:scrgbClr r="0" g="0" b="0"/>
-      </a:effectRef>
-      <a:fontRef idx="minor"/>
-    </dgm:style>
-  </dgm:styleLbl>
-  <dgm:styleLbl name="solidFgAcc1">
-    <dgm:scene3d>
-      <a:camera prst="orthographicFront"/>
-      <a:lightRig rig="threePt" dir="t"/>
-    </dgm:scene3d>
-    <dgm:sp3d/>
-    <dgm:txPr/>
-    <dgm:style>
-      <a:lnRef idx="2">
-        <a:scrgbClr r="0" g="0" b="0"/>
-      </a:lnRef>
-      <a:fillRef idx="1">
-        <a:scrgbClr r="0" g="0" b="0"/>
-      </a:fillRef>
-      <a:effectRef idx="0">
-        <a:scrgbClr r="0" g="0" b="0"/>
-      </a:effectRef>
-      <a:fontRef idx="minor"/>
-    </dgm:style>
-  </dgm:styleLbl>
-  <dgm:styleLbl name="solidAlignAcc1">
-    <dgm:scene3d>
-      <a:camera prst="orthographicFront"/>
-      <a:lightRig rig="threePt" dir="t"/>
-    </dgm:scene3d>
-    <dgm:sp3d/>
-    <dgm:txPr/>
-    <dgm:style>
-      <a:lnRef idx="2">
-        <a:scrgbClr r="0" g="0" b="0"/>
-      </a:lnRef>
-      <a:fillRef idx="1">
-        <a:scrgbClr r="0" g="0" b="0"/>
-      </a:fillRef>
-      <a:effectRef idx="0">
-        <a:scrgbClr r="0" g="0" b="0"/>
-      </a:effectRef>
-      <a:fontRef idx="minor"/>
-    </dgm:style>
-  </dgm:styleLbl>
-  <dgm:styleLbl name="solidBgAcc1">
-    <dgm:scene3d>
-      <a:camera prst="orthographicFront"/>
-      <a:lightRig rig="threePt" dir="t"/>
-    </dgm:scene3d>
-    <dgm:sp3d/>
-    <dgm:txPr/>
-    <dgm:style>
-      <a:lnRef idx="2">
-        <a:scrgbClr r="0" g="0" b="0"/>
-      </a:lnRef>
-      <a:fillRef idx="1">
-        <a:scrgbClr r="0" g="0" b="0"/>
-      </a:fillRef>
-      <a:effectRef idx="0">
-        <a:scrgbClr r="0" g="0" b="0"/>
-      </a:effectRef>
-      <a:fontRef idx="minor"/>
-    </dgm:style>
-  </dgm:styleLbl>
-  <dgm:styleLbl name="fgAccFollowNode1">
-    <dgm:scene3d>
-      <a:camera prst="orthographicFront"/>
-      <a:lightRig rig="threePt" dir="t"/>
-    </dgm:scene3d>
-    <dgm:sp3d/>
-    <dgm:txPr/>
-    <dgm:style>
-      <a:lnRef idx="2">
-        <a:scrgbClr r="0" g="0" b="0"/>
-      </a:lnRef>
-      <a:fillRef idx="1">
-        <a:scrgbClr r="0" g="0" b="0"/>
-      </a:fillRef>
-      <a:effectRef idx="0">
-        <a:scrgbClr r="0" g="0" b="0"/>
-      </a:effectRef>
-      <a:fontRef idx="minor"/>
-    </dgm:style>
-  </dgm:styleLbl>
-  <dgm:styleLbl name="alignAccFollowNode1">
-    <dgm:scene3d>
-      <a:camera prst="orthographicFront"/>
-      <a:lightRig rig="threePt" dir="t"/>
-    </dgm:scene3d>
-    <dgm:sp3d/>
-    <dgm:txPr/>
-    <dgm:style>
-      <a:lnRef idx="2">
-        <a:scrgbClr r="0" g="0" b="0"/>
-      </a:lnRef>
-      <a:fillRef idx="1">
-        <a:scrgbClr r="0" g="0" b="0"/>
-      </a:fillRef>
-      <a:effectRef idx="0">
-        <a:scrgbClr r="0" g="0" b="0"/>
-      </a:effectRef>
-      <a:fontRef idx="minor"/>
-    </dgm:style>
-  </dgm:styleLbl>
-  <dgm:styleLbl name="bgAccFollowNode1">
-    <dgm:scene3d>
-      <a:camera prst="orthographicFront"/>
-      <a:lightRig rig="threePt" dir="t"/>
-    </dgm:scene3d>
-    <dgm:sp3d/>
-    <dgm:txPr/>
-    <dgm:style>
-      <a:lnRef idx="2">
-        <a:scrgbClr r="0" g="0" b="0"/>
-      </a:lnRef>
-      <a:fillRef idx="1">
-        <a:scrgbClr r="0" g="0" b="0"/>
-      </a:fillRef>
-      <a:effectRef idx="0">
-        <a:scrgbClr r="0" g="0" b="0"/>
-      </a:effectRef>
-      <a:fontRef idx="minor"/>
-    </dgm:style>
-  </dgm:styleLbl>
-  <dgm:styleLbl name="fgAcc0">
-    <dgm:scene3d>
-      <a:camera prst="orthographicFront"/>
-      <a:lightRig rig="threePt" dir="t"/>
-    </dgm:scene3d>
-    <dgm:sp3d/>
-    <dgm:txPr/>
-    <dgm:style>
-      <a:lnRef idx="2">
-        <a:scrgbClr r="0" g="0" b="0"/>
-      </a:lnRef>
-      <a:fillRef idx="1">
-        <a:scrgbClr r="0" g="0" b="0"/>
-      </a:fillRef>
-      <a:effectRef idx="0">
-        <a:scrgbClr r="0" g="0" b="0"/>
-      </a:effectRef>
-      <a:fontRef idx="minor"/>
-    </dgm:style>
-  </dgm:styleLbl>
-  <dgm:styleLbl name="fgAcc2">
-    <dgm:scene3d>
-      <a:camera prst="orthographicFront"/>
-      <a:lightRig rig="threePt" dir="t"/>
-    </dgm:scene3d>
-    <dgm:sp3d/>
-    <dgm:txPr/>
-    <dgm:style>
-      <a:lnRef idx="2">
-        <a:scrgbClr r="0" g="0" b="0"/>
-      </a:lnRef>
-      <a:fillRef idx="1">
-        <a:scrgbClr r="0" g="0" b="0"/>
-      </a:fillRef>
-      <a:effectRef idx="0">
-        <a:scrgbClr r="0" g="0" b="0"/>
-      </a:effectRef>
-      <a:fontRef idx="minor"/>
-    </dgm:style>
-  </dgm:styleLbl>
-  <dgm:styleLbl name="fgAcc3">
-    <dgm:scene3d>
-      <a:camera prst="orthographicFront"/>
-      <a:lightRig rig="threePt" dir="t"/>
-    </dgm:scene3d>
-    <dgm:sp3d/>
-    <dgm:txPr/>
-    <dgm:style>
-      <a:lnRef idx="2">
-        <a:scrgbClr r="0" g="0" b="0"/>
-      </a:lnRef>
-      <a:fillRef idx="1">
-        <a:scrgbClr r="0" g="0" b="0"/>
-      </a:fillRef>
-      <a:effectRef idx="0">
-        <a:scrgbClr r="0" g="0" b="0"/>
-      </a:effectRef>
-      <a:fontRef idx="minor"/>
-    </dgm:style>
-  </dgm:styleLbl>
-  <dgm:styleLbl name="fgAcc4">
-    <dgm:scene3d>
-      <a:camera prst="orthographicFront"/>
-      <a:lightRig rig="threePt" dir="t"/>
-    </dgm:scene3d>
-    <dgm:sp3d/>
-    <dgm:txPr/>
-    <dgm:style>
-      <a:lnRef idx="2">
-        <a:scrgbClr r="0" g="0" b="0"/>
-      </a:lnRef>
-      <a:fillRef idx="1">
-        <a:scrgbClr r="0" g="0" b="0"/>
-      </a:fillRef>
-      <a:effectRef idx="0">
-        <a:scrgbClr r="0" g="0" b="0"/>
-      </a:effectRef>
-      <a:fontRef idx="minor"/>
-    </dgm:style>
-  </dgm:styleLbl>
-  <dgm:styleLbl name="bgShp">
-    <dgm:scene3d>
-      <a:camera prst="orthographicFront"/>
-      <a:lightRig rig="threePt" dir="t"/>
-    </dgm:scene3d>
-    <dgm:sp3d/>
-    <dgm:txPr/>
-    <dgm:style>
-      <a:lnRef idx="0">
-        <a:scrgbClr r="0" g="0" b="0"/>
-      </a:lnRef>
-      <a:fillRef idx="1">
-        <a:scrgbClr r="0" g="0" b="0"/>
-      </a:fillRef>
-      <a:effectRef idx="0">
-        <a:scrgbClr r="0" g="0" b="0"/>
-      </a:effectRef>
-      <a:fontRef idx="minor"/>
-    </dgm:style>
-  </dgm:styleLbl>
-  <dgm:styleLbl name="dkBgShp">
-    <dgm:scene3d>
-      <a:camera prst="orthographicFront"/>
-      <a:lightRig rig="threePt" dir="t"/>
-    </dgm:scene3d>
-    <dgm:sp3d/>
-    <dgm:txPr/>
-    <dgm:style>
-      <a:lnRef idx="0">
-        <a:scrgbClr r="0" g="0" b="0"/>
-      </a:lnRef>
-      <a:fillRef idx="1">
-        <a:scrgbClr r="0" g="0" b="0"/>
-      </a:fillRef>
-      <a:effectRef idx="0">
-        <a:scrgbClr r="0" g="0" b="0"/>
-      </a:effectRef>
-      <a:fontRef idx="minor"/>
-    </dgm:style>
-  </dgm:styleLbl>
-  <dgm:styleLbl name="trBgShp">
-    <dgm:scene3d>
-      <a:camera prst="orthographicFront"/>
-      <a:lightRig rig="threePt" dir="t"/>
-    </dgm:scene3d>
-    <dgm:sp3d/>
-    <dgm:txPr/>
-    <dgm:style>
-      <a:lnRef idx="0">
-        <a:scrgbClr r="0" g="0" b="0"/>
-      </a:lnRef>
-      <a:fillRef idx="1">
-        <a:scrgbClr r="0" g="0" b="0"/>
-      </a:fillRef>
-      <a:effectRef idx="0">
-        <a:scrgbClr r="0" g="0" b="0"/>
-      </a:effectRef>
-      <a:fontRef idx="minor"/>
-    </dgm:style>
-  </dgm:styleLbl>
-  <dgm:styleLbl name="fgShp">
-    <dgm:scene3d>
-      <a:camera prst="orthographicFront"/>
-      <a:lightRig rig="threePt" dir="t"/>
-    </dgm:scene3d>
-    <dgm:sp3d/>
-    <dgm:txPr/>
-    <dgm:style>
-      <a:lnRef idx="2">
-        <a:scrgbClr r="0" g="0" b="0"/>
-      </a:lnRef>
-      <a:fillRef idx="1">
-        <a:scrgbClr r="0" g="0" b="0"/>
-      </a:fillRef>
-      <a:effectRef idx="0">
-        <a:scrgbClr r="0" g="0" b="0"/>
-      </a:effectRef>
-      <a:fontRef idx="minor"/>
-    </dgm:style>
-  </dgm:styleLbl>
-  <dgm:styleLbl name="revTx">
-    <dgm:scene3d>
-      <a:camera prst="orthographicFront"/>
-      <a:lightRig rig="threePt" dir="t"/>
-    </dgm:scene3d>
-    <dgm:sp3d/>
-    <dgm:txPr/>
-    <dgm:style>
-      <a:lnRef idx="0">
-        <a:scrgbClr r="0" g="0" b="0"/>
-      </a:lnRef>
-      <a:fillRef idx="0">
-        <a:scrgbClr r="0" g="0" b="0"/>
-      </a:fillRef>
-      <a:effectRef idx="0">
-        <a:scrgbClr r="0" g="0" b="0"/>
-      </a:effectRef>
-      <a:fontRef idx="minor"/>
-    </dgm:style>
-  </dgm:styleLbl>
-</dgm:styleDef>
-</file>
-
-<file path=ppt/diagrams/quickStyle3.xml><?xml version="1.0" encoding="utf-8"?>
 <dgm:styleDef xmlns:dgm="http://schemas.openxmlformats.org/drawingml/2006/diagram" xmlns:a="http://schemas.openxmlformats.org/drawingml/2006/main" uniqueId="urn:microsoft.com/office/officeart/2005/8/quickstyle/simple1">
   <dgm:title val=""/>
   <dgm:desc val=""/>
@@ -8496,7 +5726,7 @@
           <a:p>
             <a:fld id="{502C6BEF-2F23-4D23-83C9-02EC3060BB93}" type="datetimeFigureOut">
               <a:rPr lang="he-IL" smtClean="0"/>
-              <a:t>י"ט/טבת/תשפ"ב</a:t>
+              <a:t>כ"ג/טבת/תשפ"ב</a:t>
             </a:fld>
             <a:endParaRPr lang="he-IL"/>
           </a:p>
@@ -8828,7 +6058,7 @@
           <a:p>
             <a:fld id="{1A18E248-A856-4684-976F-63CEC4163181}" type="slidenum">
               <a:rPr lang="he-IL" smtClean="0"/>
-              <a:t>4</a:t>
+              <a:t>2</a:t>
             </a:fld>
             <a:endParaRPr lang="he-IL"/>
           </a:p>
@@ -9033,7 +6263,7 @@
           <a:p>
             <a:fld id="{60B43DA6-2FB7-4812-9381-4CCEF3F2B0C4}" type="datetimeFigureOut">
               <a:rPr lang="he-IL" smtClean="0"/>
-              <a:t>י"ט/טבת/תשפ"ב</a:t>
+              <a:t>כ"ג/טבת/תשפ"ב</a:t>
             </a:fld>
             <a:endParaRPr lang="he-IL"/>
           </a:p>
@@ -9308,7 +6538,7 @@
           <a:p>
             <a:fld id="{60B43DA6-2FB7-4812-9381-4CCEF3F2B0C4}" type="datetimeFigureOut">
               <a:rPr lang="he-IL" smtClean="0"/>
-              <a:t>י"ט/טבת/תשפ"ב</a:t>
+              <a:t>כ"ג/טבת/תשפ"ב</a:t>
             </a:fld>
             <a:endParaRPr lang="he-IL"/>
           </a:p>
@@ -9502,7 +6732,7 @@
           <a:p>
             <a:fld id="{60B43DA6-2FB7-4812-9381-4CCEF3F2B0C4}" type="datetimeFigureOut">
               <a:rPr lang="he-IL" smtClean="0"/>
-              <a:t>י"ט/טבת/תשפ"ב</a:t>
+              <a:t>כ"ג/טבת/תשפ"ב</a:t>
             </a:fld>
             <a:endParaRPr lang="he-IL"/>
           </a:p>
@@ -9775,7 +7005,7 @@
           <a:p>
             <a:fld id="{60B43DA6-2FB7-4812-9381-4CCEF3F2B0C4}" type="datetimeFigureOut">
               <a:rPr lang="he-IL" smtClean="0"/>
-              <a:t>י"ט/טבת/תשפ"ב</a:t>
+              <a:t>כ"ג/טבת/תשפ"ב</a:t>
             </a:fld>
             <a:endParaRPr lang="he-IL"/>
           </a:p>
@@ -10116,7 +7346,7 @@
           <a:p>
             <a:fld id="{60B43DA6-2FB7-4812-9381-4CCEF3F2B0C4}" type="datetimeFigureOut">
               <a:rPr lang="he-IL" smtClean="0"/>
-              <a:t>י"ט/טבת/תשפ"ב</a:t>
+              <a:t>כ"ג/טבת/תשפ"ב</a:t>
             </a:fld>
             <a:endParaRPr lang="he-IL"/>
           </a:p>
@@ -10739,7 +7969,7 @@
           <a:p>
             <a:fld id="{60B43DA6-2FB7-4812-9381-4CCEF3F2B0C4}" type="datetimeFigureOut">
               <a:rPr lang="he-IL" smtClean="0"/>
-              <a:t>י"ט/טבת/תשפ"ב</a:t>
+              <a:t>כ"ג/טבת/תשפ"ב</a:t>
             </a:fld>
             <a:endParaRPr lang="he-IL"/>
           </a:p>
@@ -11599,7 +8829,7 @@
           <a:p>
             <a:fld id="{60B43DA6-2FB7-4812-9381-4CCEF3F2B0C4}" type="datetimeFigureOut">
               <a:rPr lang="he-IL" smtClean="0"/>
-              <a:t>י"ט/טבת/תשפ"ב</a:t>
+              <a:t>כ"ג/טבת/תשפ"ב</a:t>
             </a:fld>
             <a:endParaRPr lang="he-IL"/>
           </a:p>
@@ -11769,7 +8999,7 @@
           <a:p>
             <a:fld id="{60B43DA6-2FB7-4812-9381-4CCEF3F2B0C4}" type="datetimeFigureOut">
               <a:rPr lang="he-IL" smtClean="0"/>
-              <a:t>י"ט/טבת/תשפ"ב</a:t>
+              <a:t>כ"ג/טבת/תשפ"ב</a:t>
             </a:fld>
             <a:endParaRPr lang="he-IL"/>
           </a:p>
@@ -11949,7 +9179,7 @@
           <a:p>
             <a:fld id="{60B43DA6-2FB7-4812-9381-4CCEF3F2B0C4}" type="datetimeFigureOut">
               <a:rPr lang="he-IL" smtClean="0"/>
-              <a:t>י"ט/טבת/תשפ"ב</a:t>
+              <a:t>כ"ג/טבת/תשפ"ב</a:t>
             </a:fld>
             <a:endParaRPr lang="he-IL"/>
           </a:p>
@@ -12119,7 +9349,7 @@
           <a:p>
             <a:fld id="{60B43DA6-2FB7-4812-9381-4CCEF3F2B0C4}" type="datetimeFigureOut">
               <a:rPr lang="he-IL" smtClean="0"/>
-              <a:t>י"ט/טבת/תשפ"ב</a:t>
+              <a:t>כ"ג/טבת/תשפ"ב</a:t>
             </a:fld>
             <a:endParaRPr lang="he-IL"/>
           </a:p>
@@ -12366,7 +9596,7 @@
           <a:p>
             <a:fld id="{60B43DA6-2FB7-4812-9381-4CCEF3F2B0C4}" type="datetimeFigureOut">
               <a:rPr lang="he-IL" smtClean="0"/>
-              <a:t>י"ט/טבת/תשפ"ב</a:t>
+              <a:t>כ"ג/טבת/תשפ"ב</a:t>
             </a:fld>
             <a:endParaRPr lang="he-IL"/>
           </a:p>
@@ -12658,7 +9888,7 @@
           <a:p>
             <a:fld id="{60B43DA6-2FB7-4812-9381-4CCEF3F2B0C4}" type="datetimeFigureOut">
               <a:rPr lang="he-IL" smtClean="0"/>
-              <a:t>י"ט/טבת/תשפ"ב</a:t>
+              <a:t>כ"ג/טבת/תשפ"ב</a:t>
             </a:fld>
             <a:endParaRPr lang="he-IL"/>
           </a:p>
@@ -13102,7 +10332,7 @@
           <a:p>
             <a:fld id="{60B43DA6-2FB7-4812-9381-4CCEF3F2B0C4}" type="datetimeFigureOut">
               <a:rPr lang="he-IL" smtClean="0"/>
-              <a:t>י"ט/טבת/תשפ"ב</a:t>
+              <a:t>כ"ג/טבת/תשפ"ב</a:t>
             </a:fld>
             <a:endParaRPr lang="he-IL"/>
           </a:p>
@@ -13220,7 +10450,7 @@
           <a:p>
             <a:fld id="{60B43DA6-2FB7-4812-9381-4CCEF3F2B0C4}" type="datetimeFigureOut">
               <a:rPr lang="he-IL" smtClean="0"/>
-              <a:t>י"ט/טבת/תשפ"ב</a:t>
+              <a:t>כ"ג/טבת/תשפ"ב</a:t>
             </a:fld>
             <a:endParaRPr lang="he-IL"/>
           </a:p>
@@ -13315,7 +10545,7 @@
           <a:p>
             <a:fld id="{60B43DA6-2FB7-4812-9381-4CCEF3F2B0C4}" type="datetimeFigureOut">
               <a:rPr lang="he-IL" smtClean="0"/>
-              <a:t>י"ט/טבת/תשפ"ב</a:t>
+              <a:t>כ"ג/טבת/תשפ"ב</a:t>
             </a:fld>
             <a:endParaRPr lang="he-IL"/>
           </a:p>
@@ -13594,7 +10824,7 @@
           <a:p>
             <a:fld id="{60B43DA6-2FB7-4812-9381-4CCEF3F2B0C4}" type="datetimeFigureOut">
               <a:rPr lang="he-IL" smtClean="0"/>
-              <a:t>י"ט/טבת/תשפ"ב</a:t>
+              <a:t>כ"ג/טבת/תשפ"ב</a:t>
             </a:fld>
             <a:endParaRPr lang="he-IL"/>
           </a:p>
@@ -13869,7 +11099,7 @@
           <a:p>
             <a:fld id="{60B43DA6-2FB7-4812-9381-4CCEF3F2B0C4}" type="datetimeFigureOut">
               <a:rPr lang="he-IL" smtClean="0"/>
-              <a:t>י"ט/טבת/תשפ"ב</a:t>
+              <a:t>כ"ג/טבת/תשפ"ב</a:t>
             </a:fld>
             <a:endParaRPr lang="he-IL"/>
           </a:p>
@@ -14298,7 +11528,7 @@
           <a:p>
             <a:fld id="{60B43DA6-2FB7-4812-9381-4CCEF3F2B0C4}" type="datetimeFigureOut">
               <a:rPr lang="he-IL" smtClean="0"/>
-              <a:t>י"ט/טבת/תשפ"ב</a:t>
+              <a:t>כ"ג/טבת/תשפ"ב</a:t>
             </a:fld>
             <a:endParaRPr lang="he-IL"/>
           </a:p>
@@ -14828,42 +12058,6 @@
       </p:grpSpPr>
       <p:sp>
         <p:nvSpPr>
-          <p:cNvPr id="2" name="כותרת 1">
-            <a:extLst>
-              <a:ext uri="{FF2B5EF4-FFF2-40B4-BE49-F238E27FC236}">
-                <a16:creationId xmlns:a16="http://schemas.microsoft.com/office/drawing/2014/main" id="{4E8E43D3-5365-4EB0-BFCD-42F550A711CA}"/>
-              </a:ext>
-            </a:extLst>
-          </p:cNvPr>
-          <p:cNvSpPr>
-            <a:spLocks noGrp="1"/>
-          </p:cNvSpPr>
-          <p:nvPr>
-            <p:ph type="ctrTitle"/>
-          </p:nvPr>
-        </p:nvSpPr>
-        <p:spPr>
-          <a:xfrm>
-            <a:off x="2521670" y="1544401"/>
-            <a:ext cx="7579150" cy="832750"/>
-          </a:xfrm>
-        </p:spPr>
-        <p:txBody>
-          <a:bodyPr>
-            <a:normAutofit fontScale="90000"/>
-          </a:bodyPr>
-          <a:lstStyle/>
-          <a:p>
-            <a:r>
-              <a:rPr lang="en-US" sz="4600" dirty="0"/>
-              <a:t>Books popularity prediction</a:t>
-            </a:r>
-            <a:endParaRPr lang="he-IL" sz="4600" dirty="0"/>
-          </a:p>
-        </p:txBody>
-      </p:sp>
-      <p:sp>
-        <p:nvSpPr>
           <p:cNvPr id="3" name="כותרת משנה 2">
             <a:extLst>
               <a:ext uri="{FF2B5EF4-FFF2-40B4-BE49-F238E27FC236}">
@@ -14880,8 +12074,8 @@
         </p:nvSpPr>
         <p:spPr>
           <a:xfrm>
-            <a:off x="2521670" y="2479248"/>
-            <a:ext cx="7148660" cy="949751"/>
+            <a:off x="699940" y="5967166"/>
+            <a:ext cx="9133002" cy="545158"/>
           </a:xfrm>
         </p:spPr>
         <p:txBody>
@@ -14891,7 +12085,7 @@
           <a:lstStyle/>
           <a:p>
             <a:r>
-              <a:rPr lang="en-US" sz="2800" dirty="0"/>
+              <a:rPr lang="en-US" sz="2400" dirty="0"/>
               <a:t>Using Data Scraping and Machine Learning methods</a:t>
             </a:r>
           </a:p>
@@ -14913,8 +12107,8 @@
         </p:nvSpPr>
         <p:spPr>
           <a:xfrm>
-            <a:off x="2306425" y="3648100"/>
-            <a:ext cx="7579150" cy="1159570"/>
+            <a:off x="2806045" y="5043341"/>
+            <a:ext cx="5291579" cy="923825"/>
           </a:xfrm>
           <a:prstGeom prst="rect">
             <a:avLst/>
@@ -15047,14 +12241,122 @@
         </p:blipFill>
         <p:spPr>
           <a:xfrm>
-            <a:off x="9263020" y="3846257"/>
-            <a:ext cx="2432884" cy="2513664"/>
+            <a:off x="9994369" y="4287914"/>
+            <a:ext cx="2125742" cy="2196324"/>
           </a:xfrm>
           <a:prstGeom prst="rect">
             <a:avLst/>
           </a:prstGeom>
         </p:spPr>
       </p:pic>
+      <p:sp>
+        <p:nvSpPr>
+          <p:cNvPr id="6" name="כותרת 1">
+            <a:extLst>
+              <a:ext uri="{FF2B5EF4-FFF2-40B4-BE49-F238E27FC236}">
+                <a16:creationId xmlns:a16="http://schemas.microsoft.com/office/drawing/2014/main" id="{293A66A0-A3DD-4DE2-A41B-03CBF06689AD}"/>
+              </a:ext>
+            </a:extLst>
+          </p:cNvPr>
+          <p:cNvSpPr txBox="1">
+            <a:spLocks/>
+          </p:cNvSpPr>
+          <p:nvPr/>
+        </p:nvSpPr>
+        <p:spPr>
+          <a:xfrm>
+            <a:off x="2187020" y="1755166"/>
+            <a:ext cx="7807349" cy="2196324"/>
+          </a:xfrm>
+          <a:prstGeom prst="rect">
+            <a:avLst/>
+          </a:prstGeom>
+        </p:spPr>
+        <p:txBody>
+          <a:bodyPr vert="horz" lIns="91440" tIns="45720" rIns="91440" bIns="45720" rtlCol="0" anchor="b">
+            <a:normAutofit fontScale="97500"/>
+          </a:bodyPr>
+          <a:lstStyle>
+            <a:lvl1pPr algn="l" defTabSz="457200" rtl="1" eaLnBrk="1" latinLnBrk="0" hangingPunct="1">
+              <a:spcBef>
+                <a:spcPct val="0"/>
+              </a:spcBef>
+              <a:buNone/>
+              <a:defRPr sz="7200" b="0" i="0" kern="1200">
+                <a:solidFill>
+                  <a:schemeClr val="tx2"/>
+                </a:solidFill>
+                <a:latin typeface="+mj-lt"/>
+                <a:ea typeface="+mj-ea"/>
+                <a:cs typeface="+mj-cs"/>
+              </a:defRPr>
+            </a:lvl1pPr>
+            <a:lvl2pPr rtl="1" eaLnBrk="1" hangingPunct="1">
+              <a:defRPr>
+                <a:solidFill>
+                  <a:schemeClr val="tx2"/>
+                </a:solidFill>
+              </a:defRPr>
+            </a:lvl2pPr>
+            <a:lvl3pPr rtl="1" eaLnBrk="1" hangingPunct="1">
+              <a:defRPr>
+                <a:solidFill>
+                  <a:schemeClr val="tx2"/>
+                </a:solidFill>
+              </a:defRPr>
+            </a:lvl3pPr>
+            <a:lvl4pPr rtl="1" eaLnBrk="1" hangingPunct="1">
+              <a:defRPr>
+                <a:solidFill>
+                  <a:schemeClr val="tx2"/>
+                </a:solidFill>
+              </a:defRPr>
+            </a:lvl4pPr>
+            <a:lvl5pPr rtl="1" eaLnBrk="1" hangingPunct="1">
+              <a:defRPr>
+                <a:solidFill>
+                  <a:schemeClr val="tx2"/>
+                </a:solidFill>
+              </a:defRPr>
+            </a:lvl5pPr>
+            <a:lvl6pPr rtl="1" eaLnBrk="1" hangingPunct="1">
+              <a:defRPr>
+                <a:solidFill>
+                  <a:schemeClr val="tx2"/>
+                </a:solidFill>
+              </a:defRPr>
+            </a:lvl6pPr>
+            <a:lvl7pPr rtl="1" eaLnBrk="1" hangingPunct="1">
+              <a:defRPr>
+                <a:solidFill>
+                  <a:schemeClr val="tx2"/>
+                </a:solidFill>
+              </a:defRPr>
+            </a:lvl7pPr>
+            <a:lvl8pPr rtl="1" eaLnBrk="1" hangingPunct="1">
+              <a:defRPr>
+                <a:solidFill>
+                  <a:schemeClr val="tx2"/>
+                </a:solidFill>
+              </a:defRPr>
+            </a:lvl8pPr>
+            <a:lvl9pPr rtl="1" eaLnBrk="1" hangingPunct="1">
+              <a:defRPr>
+                <a:solidFill>
+                  <a:schemeClr val="tx2"/>
+                </a:solidFill>
+              </a:defRPr>
+            </a:lvl9pPr>
+          </a:lstStyle>
+          <a:p>
+            <a:r>
+              <a:rPr lang="en-US" sz="4600" dirty="0"/>
+              <a:t>Is it possible to predict the popularity of a book by its characteristics? </a:t>
+            </a:r>
+            <a:endParaRPr lang="he-IL" sz="4600" dirty="0"/>
+          </a:p>
+        </p:txBody>
+      </p:sp>
     </p:spTree>
     <p:extLst>
       <p:ext uri="{BB962C8B-B14F-4D97-AF65-F5344CB8AC3E}">
@@ -15069,1256 +12371,6 @@
 </file>
 
 <file path=ppt/slides/slide2.xml><?xml version="1.0" encoding="utf-8"?>
-<p:sld xmlns:a="http://schemas.openxmlformats.org/drawingml/2006/main" xmlns:r="http://schemas.openxmlformats.org/officeDocument/2006/relationships" xmlns:p="http://schemas.openxmlformats.org/presentationml/2006/main">
-  <p:cSld>
-    <p:spTree>
-      <p:nvGrpSpPr>
-        <p:cNvPr id="1" name=""/>
-        <p:cNvGrpSpPr/>
-        <p:nvPr/>
-      </p:nvGrpSpPr>
-      <p:grpSpPr>
-        <a:xfrm>
-          <a:off x="0" y="0"/>
-          <a:ext cx="0" cy="0"/>
-          <a:chOff x="0" y="0"/>
-          <a:chExt cx="0" cy="0"/>
-        </a:xfrm>
-      </p:grpSpPr>
-      <p:graphicFrame>
-        <p:nvGraphicFramePr>
-          <p:cNvPr id="5" name="טבלה 5">
-            <a:extLst>
-              <a:ext uri="{FF2B5EF4-FFF2-40B4-BE49-F238E27FC236}">
-                <a16:creationId xmlns:a16="http://schemas.microsoft.com/office/drawing/2014/main" id="{146DEDEE-1787-43CF-B2A8-A1536BFD4C6A}"/>
-              </a:ext>
-            </a:extLst>
-          </p:cNvPr>
-          <p:cNvGraphicFramePr>
-            <a:graphicFrameLocks noGrp="1"/>
-          </p:cNvGraphicFramePr>
-          <p:nvPr>
-            <p:extLst>
-              <p:ext uri="{D42A27DB-BD31-4B8C-83A1-F6EECF244321}">
-                <p14:modId xmlns:p14="http://schemas.microsoft.com/office/powerpoint/2010/main" val="2087401332"/>
-              </p:ext>
-            </p:extLst>
-          </p:nvPr>
-        </p:nvGraphicFramePr>
-        <p:xfrm>
-          <a:off x="2032000" y="719666"/>
-          <a:ext cx="8128000" cy="370840"/>
-        </p:xfrm>
-        <a:graphic>
-          <a:graphicData uri="http://schemas.openxmlformats.org/drawingml/2006/table">
-            <a:tbl>
-              <a:tblPr rtl="1" firstRow="1" bandRow="1">
-                <a:tableStyleId>{7DF18680-E054-41AD-8BC1-D1AEF772440D}</a:tableStyleId>
-              </a:tblPr>
-              <a:tblGrid>
-                <a:gridCol w="8128000">
-                  <a:extLst>
-                    <a:ext uri="{9D8B030D-6E8A-4147-A177-3AD203B41FA5}">
-                      <a16:colId xmlns:a16="http://schemas.microsoft.com/office/drawing/2014/main" val="4214634351"/>
-                    </a:ext>
-                  </a:extLst>
-                </a:gridCol>
-              </a:tblGrid>
-              <a:tr h="370840">
-                <a:tc>
-                  <a:txBody>
-                    <a:bodyPr/>
-                    <a:lstStyle/>
-                    <a:p>
-                      <a:pPr algn="l" rtl="0"/>
-                      <a:r>
-                        <a:rPr lang="en-US" sz="1800" b="1" kern="1200" dirty="0">
-                          <a:solidFill>
-                            <a:schemeClr val="lt1"/>
-                          </a:solidFill>
-                          <a:effectLst/>
-                          <a:latin typeface="+mj-lt"/>
-                          <a:ea typeface="+mn-ea"/>
-                          <a:cs typeface="+mn-cs"/>
-                        </a:rPr>
-                        <a:t>Grading guidelines (For internal use)</a:t>
-                      </a:r>
-                      <a:endParaRPr lang="he-IL" dirty="0">
-                        <a:latin typeface="+mj-lt"/>
-                      </a:endParaRPr>
-                    </a:p>
-                  </a:txBody>
-                  <a:tcPr/>
-                </a:tc>
-                <a:extLst>
-                  <a:ext uri="{0D108BD9-81ED-4DB2-BD59-A6C34878D82A}">
-                    <a16:rowId xmlns:a16="http://schemas.microsoft.com/office/drawing/2014/main" val="1130524655"/>
-                  </a:ext>
-                </a:extLst>
-              </a:tr>
-            </a:tbl>
-          </a:graphicData>
-        </a:graphic>
-      </p:graphicFrame>
-      <p:sp>
-        <p:nvSpPr>
-          <p:cNvPr id="6" name="מציין מיקום תוכן 2">
-            <a:extLst>
-              <a:ext uri="{FF2B5EF4-FFF2-40B4-BE49-F238E27FC236}">
-                <a16:creationId xmlns:a16="http://schemas.microsoft.com/office/drawing/2014/main" id="{138565AF-A9A4-4281-9F23-6F7F7588DDF4}"/>
-              </a:ext>
-            </a:extLst>
-          </p:cNvPr>
-          <p:cNvSpPr txBox="1">
-            <a:spLocks/>
-          </p:cNvSpPr>
-          <p:nvPr/>
-        </p:nvSpPr>
-        <p:spPr>
-          <a:xfrm>
-            <a:off x="838200" y="1440616"/>
-            <a:ext cx="10515600" cy="4771647"/>
-          </a:xfrm>
-          <a:prstGeom prst="rect">
-            <a:avLst/>
-          </a:prstGeom>
-        </p:spPr>
-        <p:txBody>
-          <a:bodyPr vert="horz" lIns="91440" tIns="45720" rIns="91440" bIns="45720" rtlCol="0" anchor="t">
-            <a:normAutofit/>
-          </a:bodyPr>
-          <a:lstStyle>
-            <a:lvl1pPr marL="0" indent="0" algn="l" defTabSz="457200" rtl="1" eaLnBrk="1" latinLnBrk="0" hangingPunct="1">
-              <a:spcBef>
-                <a:spcPts val="1000"/>
-              </a:spcBef>
-              <a:spcAft>
-                <a:spcPts val="0"/>
-              </a:spcAft>
-              <a:buClr>
-                <a:schemeClr val="bg2">
-                  <a:lumMod val="40000"/>
-                  <a:lumOff val="60000"/>
-                </a:schemeClr>
-              </a:buClr>
-              <a:buSzPct val="80000"/>
-              <a:buFont typeface="Wingdings 3" charset="2"/>
-              <a:buNone/>
-              <a:defRPr sz="2000" b="0" i="0" kern="1200" cap="all">
-                <a:solidFill>
-                  <a:schemeClr val="bg2">
-                    <a:lumMod val="40000"/>
-                    <a:lumOff val="60000"/>
-                  </a:schemeClr>
-                </a:solidFill>
-                <a:latin typeface="+mj-lt"/>
-                <a:ea typeface="+mj-ea"/>
-                <a:cs typeface="+mj-cs"/>
-              </a:defRPr>
-            </a:lvl1pPr>
-            <a:lvl2pPr marL="457200" indent="0" algn="ctr" defTabSz="457200" rtl="1" eaLnBrk="1" latinLnBrk="0" hangingPunct="1">
-              <a:spcBef>
-                <a:spcPts val="1000"/>
-              </a:spcBef>
-              <a:spcAft>
-                <a:spcPts val="0"/>
-              </a:spcAft>
-              <a:buClr>
-                <a:schemeClr val="bg2">
-                  <a:lumMod val="40000"/>
-                  <a:lumOff val="60000"/>
-                </a:schemeClr>
-              </a:buClr>
-              <a:buSzPct val="80000"/>
-              <a:buFont typeface="Wingdings 3" charset="2"/>
-              <a:buNone/>
-              <a:defRPr sz="1800" b="0" i="0" kern="1200">
-                <a:solidFill>
-                  <a:schemeClr val="tx1">
-                    <a:tint val="75000"/>
-                  </a:schemeClr>
-                </a:solidFill>
-                <a:latin typeface="+mj-lt"/>
-                <a:ea typeface="+mj-ea"/>
-                <a:cs typeface="+mj-cs"/>
-              </a:defRPr>
-            </a:lvl2pPr>
-            <a:lvl3pPr marL="914400" indent="0" algn="ctr" defTabSz="457200" rtl="1" eaLnBrk="1" latinLnBrk="0" hangingPunct="1">
-              <a:spcBef>
-                <a:spcPts val="1000"/>
-              </a:spcBef>
-              <a:spcAft>
-                <a:spcPts val="0"/>
-              </a:spcAft>
-              <a:buClr>
-                <a:schemeClr val="bg2">
-                  <a:lumMod val="40000"/>
-                  <a:lumOff val="60000"/>
-                </a:schemeClr>
-              </a:buClr>
-              <a:buSzPct val="80000"/>
-              <a:buFont typeface="Wingdings 3" charset="2"/>
-              <a:buNone/>
-              <a:defRPr sz="1600" b="0" i="0" kern="1200">
-                <a:solidFill>
-                  <a:schemeClr val="tx1">
-                    <a:tint val="75000"/>
-                  </a:schemeClr>
-                </a:solidFill>
-                <a:latin typeface="+mj-lt"/>
-                <a:ea typeface="+mj-ea"/>
-                <a:cs typeface="+mj-cs"/>
-              </a:defRPr>
-            </a:lvl3pPr>
-            <a:lvl4pPr marL="1371600" indent="0" algn="ctr" defTabSz="457200" rtl="1" eaLnBrk="1" latinLnBrk="0" hangingPunct="1">
-              <a:spcBef>
-                <a:spcPts val="1000"/>
-              </a:spcBef>
-              <a:spcAft>
-                <a:spcPts val="0"/>
-              </a:spcAft>
-              <a:buClr>
-                <a:schemeClr val="bg2">
-                  <a:lumMod val="40000"/>
-                  <a:lumOff val="60000"/>
-                </a:schemeClr>
-              </a:buClr>
-              <a:buSzPct val="80000"/>
-              <a:buFont typeface="Wingdings 3" charset="2"/>
-              <a:buNone/>
-              <a:defRPr sz="1400" b="0" i="0" kern="1200">
-                <a:solidFill>
-                  <a:schemeClr val="tx1">
-                    <a:tint val="75000"/>
-                  </a:schemeClr>
-                </a:solidFill>
-                <a:latin typeface="+mj-lt"/>
-                <a:ea typeface="+mj-ea"/>
-                <a:cs typeface="+mj-cs"/>
-              </a:defRPr>
-            </a:lvl4pPr>
-            <a:lvl5pPr marL="1828800" indent="0" algn="ctr" defTabSz="457200" rtl="1" eaLnBrk="1" latinLnBrk="0" hangingPunct="1">
-              <a:spcBef>
-                <a:spcPts val="1000"/>
-              </a:spcBef>
-              <a:spcAft>
-                <a:spcPts val="0"/>
-              </a:spcAft>
-              <a:buClr>
-                <a:schemeClr val="bg2">
-                  <a:lumMod val="40000"/>
-                  <a:lumOff val="60000"/>
-                </a:schemeClr>
-              </a:buClr>
-              <a:buSzPct val="80000"/>
-              <a:buFont typeface="Wingdings 3" charset="2"/>
-              <a:buNone/>
-              <a:defRPr sz="1400" b="0" i="0" kern="1200">
-                <a:solidFill>
-                  <a:schemeClr val="tx1">
-                    <a:tint val="75000"/>
-                  </a:schemeClr>
-                </a:solidFill>
-                <a:latin typeface="+mj-lt"/>
-                <a:ea typeface="+mj-ea"/>
-                <a:cs typeface="+mj-cs"/>
-              </a:defRPr>
-            </a:lvl5pPr>
-            <a:lvl6pPr marL="2286000" indent="0" algn="ctr" defTabSz="457200" rtl="1" eaLnBrk="1" latinLnBrk="0" hangingPunct="1">
-              <a:spcBef>
-                <a:spcPts val="1000"/>
-              </a:spcBef>
-              <a:spcAft>
-                <a:spcPts val="0"/>
-              </a:spcAft>
-              <a:buClr>
-                <a:schemeClr val="bg2">
-                  <a:lumMod val="40000"/>
-                  <a:lumOff val="60000"/>
-                </a:schemeClr>
-              </a:buClr>
-              <a:buSzPct val="80000"/>
-              <a:buFont typeface="Wingdings 3" charset="2"/>
-              <a:buNone/>
-              <a:defRPr sz="1400" b="0" i="0" kern="1200">
-                <a:solidFill>
-                  <a:schemeClr val="tx1">
-                    <a:tint val="75000"/>
-                  </a:schemeClr>
-                </a:solidFill>
-                <a:latin typeface="+mj-lt"/>
-                <a:ea typeface="+mj-ea"/>
-                <a:cs typeface="+mj-cs"/>
-              </a:defRPr>
-            </a:lvl6pPr>
-            <a:lvl7pPr marL="2743200" indent="0" algn="ctr" defTabSz="457200" rtl="1" eaLnBrk="1" latinLnBrk="0" hangingPunct="1">
-              <a:spcBef>
-                <a:spcPts val="1000"/>
-              </a:spcBef>
-              <a:spcAft>
-                <a:spcPts val="0"/>
-              </a:spcAft>
-              <a:buClr>
-                <a:schemeClr val="bg2">
-                  <a:lumMod val="40000"/>
-                  <a:lumOff val="60000"/>
-                </a:schemeClr>
-              </a:buClr>
-              <a:buSzPct val="80000"/>
-              <a:buFont typeface="Wingdings 3" charset="2"/>
-              <a:buNone/>
-              <a:defRPr sz="1400" b="0" i="0" kern="1200">
-                <a:solidFill>
-                  <a:schemeClr val="tx1">
-                    <a:tint val="75000"/>
-                  </a:schemeClr>
-                </a:solidFill>
-                <a:latin typeface="+mj-lt"/>
-                <a:ea typeface="+mj-ea"/>
-                <a:cs typeface="+mj-cs"/>
-              </a:defRPr>
-            </a:lvl7pPr>
-            <a:lvl8pPr marL="3200400" indent="0" algn="ctr" defTabSz="457200" rtl="1" eaLnBrk="1" latinLnBrk="0" hangingPunct="1">
-              <a:spcBef>
-                <a:spcPts val="1000"/>
-              </a:spcBef>
-              <a:spcAft>
-                <a:spcPts val="0"/>
-              </a:spcAft>
-              <a:buClr>
-                <a:schemeClr val="bg2">
-                  <a:lumMod val="40000"/>
-                  <a:lumOff val="60000"/>
-                </a:schemeClr>
-              </a:buClr>
-              <a:buSzPct val="80000"/>
-              <a:buFont typeface="Wingdings 3" charset="2"/>
-              <a:buNone/>
-              <a:defRPr sz="1400" b="0" i="0" kern="1200">
-                <a:solidFill>
-                  <a:schemeClr val="tx1">
-                    <a:tint val="75000"/>
-                  </a:schemeClr>
-                </a:solidFill>
-                <a:latin typeface="+mj-lt"/>
-                <a:ea typeface="+mj-ea"/>
-                <a:cs typeface="+mj-cs"/>
-              </a:defRPr>
-            </a:lvl8pPr>
-            <a:lvl9pPr marL="3657600" indent="0" algn="ctr" defTabSz="457200" rtl="1" eaLnBrk="1" latinLnBrk="0" hangingPunct="1">
-              <a:spcBef>
-                <a:spcPts val="1000"/>
-              </a:spcBef>
-              <a:spcAft>
-                <a:spcPts val="0"/>
-              </a:spcAft>
-              <a:buClr>
-                <a:schemeClr val="bg2">
-                  <a:lumMod val="40000"/>
-                  <a:lumOff val="60000"/>
-                </a:schemeClr>
-              </a:buClr>
-              <a:buSzPct val="80000"/>
-              <a:buFont typeface="Wingdings 3" charset="2"/>
-              <a:buNone/>
-              <a:defRPr sz="1400" b="0" i="0" kern="1200">
-                <a:solidFill>
-                  <a:schemeClr val="tx1">
-                    <a:tint val="75000"/>
-                  </a:schemeClr>
-                </a:solidFill>
-                <a:latin typeface="+mj-lt"/>
-                <a:ea typeface="+mj-ea"/>
-                <a:cs typeface="+mj-cs"/>
-              </a:defRPr>
-            </a:lvl9pPr>
-          </a:lstStyle>
-          <a:p>
-            <a:pPr algn="l" rtl="0">
-              <a:buFont typeface="Wingdings" panose="05000000000000000000" pitchFamily="2" charset="2"/>
-              <a:buChar char="q"/>
-            </a:pPr>
-            <a:r>
-              <a:rPr lang="en-US" sz="1600" dirty="0">
-                <a:effectLst/>
-                <a:latin typeface="+mn-lt"/>
-              </a:rPr>
-              <a:t> </a:t>
-            </a:r>
-            <a:r>
-              <a:rPr lang="en-US" sz="1800" b="1" u="sng" dirty="0">
-                <a:effectLst/>
-                <a:latin typeface="+mn-lt"/>
-              </a:rPr>
-              <a:t>Grading (basic):</a:t>
-            </a:r>
-            <a:br>
-              <a:rPr lang="en-US" sz="1600" b="1" u="sng" dirty="0">
-                <a:effectLst/>
-                <a:latin typeface="+mn-lt"/>
-              </a:rPr>
-            </a:br>
-            <a:br>
-              <a:rPr lang="en-US" sz="1600" dirty="0">
-                <a:latin typeface="+mn-lt"/>
-              </a:rPr>
-            </a:br>
-            <a:r>
-              <a:rPr lang="en-US" sz="1600" dirty="0">
-                <a:effectLst/>
-                <a:latin typeface="+mn-lt"/>
-              </a:rPr>
-              <a:t>̈ Project planning (proper research question and answer / conclusion) - (15)</a:t>
-            </a:r>
-            <a:br>
-              <a:rPr lang="en-US" sz="1600" dirty="0">
-                <a:latin typeface="+mn-lt"/>
-              </a:rPr>
-            </a:br>
-            <a:r>
-              <a:rPr lang="en-US" sz="1600" dirty="0">
-                <a:effectLst/>
-                <a:latin typeface="+mn-lt"/>
-              </a:rPr>
-              <a:t>̈ Data acquisition (using a pre-made dataset does not entitle for points,</a:t>
-            </a:r>
-            <a:br>
-              <a:rPr lang="en-US" sz="1600" dirty="0">
-                <a:latin typeface="+mn-lt"/>
-              </a:rPr>
-            </a:br>
-            <a:r>
-              <a:rPr lang="en-US" sz="1600" dirty="0">
-                <a:effectLst/>
-                <a:latin typeface="+mn-lt"/>
-              </a:rPr>
-              <a:t>API entails only for 5 points) - (15) </a:t>
-            </a:r>
-            <a:br>
-              <a:rPr lang="en-US" sz="1600" dirty="0">
-                <a:latin typeface="+mn-lt"/>
-              </a:rPr>
-            </a:br>
-            <a:r>
-              <a:rPr lang="en-US" sz="1600" dirty="0">
-                <a:effectLst/>
-                <a:latin typeface="+mn-lt"/>
-              </a:rPr>
-              <a:t>̈ EDA quality and comprehension - (15)</a:t>
-            </a:r>
-            <a:br>
-              <a:rPr lang="en-US" sz="1600" dirty="0">
-                <a:latin typeface="+mn-lt"/>
-              </a:rPr>
-            </a:br>
-            <a:r>
-              <a:rPr lang="en-US" sz="1600" dirty="0">
-                <a:effectLst/>
-                <a:latin typeface="+mn-lt"/>
-              </a:rPr>
-              <a:t>̈ Machine Learning experiments and insights - (15)</a:t>
-            </a:r>
-            <a:br>
-              <a:rPr lang="en-US" sz="1600" dirty="0">
-                <a:latin typeface="+mn-lt"/>
-              </a:rPr>
-            </a:br>
-            <a:r>
-              <a:rPr lang="en-US" sz="1600" dirty="0">
-                <a:effectLst/>
-                <a:latin typeface="+mn-lt"/>
-              </a:rPr>
-              <a:t>̈ Proper understanding of presented material - (15)</a:t>
-            </a:r>
-            <a:br>
-              <a:rPr lang="en-US" sz="1600" dirty="0">
-                <a:latin typeface="+mn-lt"/>
-              </a:rPr>
-            </a:br>
-            <a:r>
-              <a:rPr lang="en-US" sz="1600" dirty="0">
-                <a:effectLst/>
-                <a:latin typeface="+mn-lt"/>
-              </a:rPr>
-              <a:t>̈ Presentation quality - (10)</a:t>
-            </a:r>
-          </a:p>
-          <a:p>
-            <a:pPr algn="l" rtl="0">
-              <a:buFont typeface="Wingdings" panose="05000000000000000000" pitchFamily="2" charset="2"/>
-              <a:buChar char="q"/>
-            </a:pPr>
-            <a:r>
-              <a:rPr lang="en-US" sz="1600" u="sng" dirty="0">
-                <a:effectLst/>
-                <a:latin typeface="+mn-lt"/>
-              </a:rPr>
-              <a:t> </a:t>
-            </a:r>
-            <a:r>
-              <a:rPr lang="en-US" sz="1800" b="1" u="sng" dirty="0">
-                <a:effectLst/>
-                <a:latin typeface="+mn-lt"/>
-              </a:rPr>
-              <a:t>Bonus:</a:t>
-            </a:r>
-            <a:br>
-              <a:rPr lang="en-US" sz="1600" u="sng" dirty="0">
-                <a:effectLst/>
-                <a:latin typeface="+mn-lt"/>
-              </a:rPr>
-            </a:br>
-            <a:br>
-              <a:rPr lang="en-US" sz="1600" dirty="0">
-                <a:latin typeface="+mn-lt"/>
-              </a:rPr>
-            </a:br>
-            <a:r>
-              <a:rPr lang="en-US" sz="1600" dirty="0">
-                <a:effectLst/>
-                <a:latin typeface="+mn-lt"/>
-              </a:rPr>
-              <a:t>̈ In class presentation - (5)</a:t>
-            </a:r>
-            <a:br>
-              <a:rPr lang="en-US" sz="1600" dirty="0">
-                <a:latin typeface="+mn-lt"/>
-              </a:rPr>
-            </a:br>
-            <a:r>
-              <a:rPr lang="en-US" sz="1600" dirty="0">
-                <a:effectLst/>
-                <a:latin typeface="+mn-lt"/>
-              </a:rPr>
-              <a:t>̈ Special data acquisition (crawling or other very special handling) - (10)</a:t>
-            </a:r>
-            <a:br>
-              <a:rPr lang="en-US" sz="1600" dirty="0">
-                <a:latin typeface="+mn-lt"/>
-              </a:rPr>
-            </a:br>
-            <a:r>
-              <a:rPr lang="en-US" sz="1600" dirty="0">
-                <a:effectLst/>
-                <a:latin typeface="+mn-lt"/>
-              </a:rPr>
-              <a:t>̈ Wow effect - (5)</a:t>
-            </a:r>
-            <a:br>
-              <a:rPr lang="en-US" sz="1600" dirty="0">
-                <a:latin typeface="+mn-lt"/>
-              </a:rPr>
-            </a:br>
-            <a:r>
-              <a:rPr lang="en-US" sz="1600" dirty="0">
-                <a:effectLst/>
-                <a:latin typeface="+mn-lt"/>
-              </a:rPr>
-              <a:t>̈ Single student - (5)</a:t>
-            </a:r>
-            <a:br>
-              <a:rPr lang="en-US" sz="1600" dirty="0">
-                <a:latin typeface="+mn-lt"/>
-              </a:rPr>
-            </a:br>
-            <a:r>
-              <a:rPr lang="en-US" sz="1600" dirty="0">
-                <a:effectLst/>
-                <a:latin typeface="+mn-lt"/>
-              </a:rPr>
-              <a:t>̈ Novelty of project - (10)</a:t>
-            </a:r>
-            <a:endParaRPr lang="he-IL" sz="1600" dirty="0">
-              <a:solidFill>
-                <a:schemeClr val="tx1"/>
-              </a:solidFill>
-              <a:latin typeface="+mn-lt"/>
-            </a:endParaRPr>
-          </a:p>
-        </p:txBody>
-      </p:sp>
-    </p:spTree>
-    <p:extLst>
-      <p:ext uri="{BB962C8B-B14F-4D97-AF65-F5344CB8AC3E}">
-        <p14:creationId xmlns:p14="http://schemas.microsoft.com/office/powerpoint/2010/main" val="918523772"/>
-      </p:ext>
-    </p:extLst>
-  </p:cSld>
-  <p:clrMapOvr>
-    <a:masterClrMapping/>
-  </p:clrMapOvr>
-</p:sld>
-</file>
-
-<file path=ppt/slides/slide3.xml><?xml version="1.0" encoding="utf-8"?>
-<p:sld xmlns:a="http://schemas.openxmlformats.org/drawingml/2006/main" xmlns:r="http://schemas.openxmlformats.org/officeDocument/2006/relationships" xmlns:p="http://schemas.openxmlformats.org/presentationml/2006/main">
-  <p:cSld>
-    <p:spTree>
-      <p:nvGrpSpPr>
-        <p:cNvPr id="1" name=""/>
-        <p:cNvGrpSpPr/>
-        <p:nvPr/>
-      </p:nvGrpSpPr>
-      <p:grpSpPr>
-        <a:xfrm>
-          <a:off x="0" y="0"/>
-          <a:ext cx="0" cy="0"/>
-          <a:chOff x="0" y="0"/>
-          <a:chExt cx="0" cy="0"/>
-        </a:xfrm>
-      </p:grpSpPr>
-      <p:sp>
-        <p:nvSpPr>
-          <p:cNvPr id="2" name="כותרת 1">
-            <a:extLst>
-              <a:ext uri="{FF2B5EF4-FFF2-40B4-BE49-F238E27FC236}">
-                <a16:creationId xmlns:a16="http://schemas.microsoft.com/office/drawing/2014/main" id="{E1589DB6-FD80-4972-BD9E-558CE4358A76}"/>
-              </a:ext>
-            </a:extLst>
-          </p:cNvPr>
-          <p:cNvSpPr>
-            <a:spLocks noGrp="1"/>
-          </p:cNvSpPr>
-          <p:nvPr>
-            <p:ph type="title"/>
-          </p:nvPr>
-        </p:nvSpPr>
-        <p:spPr>
-          <a:xfrm>
-            <a:off x="263951" y="464270"/>
-            <a:ext cx="7626284" cy="874336"/>
-          </a:xfrm>
-        </p:spPr>
-        <p:txBody>
-          <a:bodyPr/>
-          <a:lstStyle/>
-          <a:p>
-            <a:r>
-              <a:rPr lang="en-US" dirty="0"/>
-              <a:t>Research process - Walkthrough</a:t>
-            </a:r>
-            <a:endParaRPr lang="he-IL" dirty="0"/>
-          </a:p>
-        </p:txBody>
-      </p:sp>
-      <p:pic>
-        <p:nvPicPr>
-          <p:cNvPr id="10" name="מציין מיקום של תמונה 9">
-            <a:extLst>
-              <a:ext uri="{FF2B5EF4-FFF2-40B4-BE49-F238E27FC236}">
-                <a16:creationId xmlns:a16="http://schemas.microsoft.com/office/drawing/2014/main" id="{B6580493-6189-41C2-94A8-9DD5666AC5B1}"/>
-              </a:ext>
-            </a:extLst>
-          </p:cNvPr>
-          <p:cNvPicPr>
-            <a:picLocks noGrp="1" noChangeAspect="1"/>
-          </p:cNvPicPr>
-          <p:nvPr>
-            <p:ph type="pic" idx="1"/>
-          </p:nvPr>
-        </p:nvPicPr>
-        <p:blipFill>
-          <a:blip r:embed="rId2">
-            <a:extLst>
-              <a:ext uri="{28A0092B-C50C-407E-A947-70E740481C1C}">
-                <a14:useLocalDpi xmlns:a14="http://schemas.microsoft.com/office/drawing/2010/main" val="0"/>
-              </a:ext>
-            </a:extLst>
-          </a:blip>
-          <a:srcRect l="25675" r="25675"/>
-          <a:stretch>
-            <a:fillRect/>
-          </a:stretch>
-        </p:blipFill>
-        <p:spPr>
-          <a:xfrm>
-            <a:off x="9314309" y="3646863"/>
-            <a:ext cx="2613740" cy="3132317"/>
-          </a:xfrm>
-        </p:spPr>
-      </p:pic>
-      <p:sp>
-        <p:nvSpPr>
-          <p:cNvPr id="4" name="מציין מיקום טקסט 3">
-            <a:extLst>
-              <a:ext uri="{FF2B5EF4-FFF2-40B4-BE49-F238E27FC236}">
-                <a16:creationId xmlns:a16="http://schemas.microsoft.com/office/drawing/2014/main" id="{AD103BBC-1255-42B9-BE0F-991DA28AB84A}"/>
-              </a:ext>
-            </a:extLst>
-          </p:cNvPr>
-          <p:cNvSpPr>
-            <a:spLocks noGrp="1"/>
-          </p:cNvSpPr>
-          <p:nvPr>
-            <p:ph type="body" sz="half" idx="2"/>
-          </p:nvPr>
-        </p:nvSpPr>
-        <p:spPr>
-          <a:xfrm>
-            <a:off x="263951" y="1602557"/>
-            <a:ext cx="7843101" cy="2300140"/>
-          </a:xfrm>
-        </p:spPr>
-        <p:txBody>
-          <a:bodyPr>
-            <a:normAutofit fontScale="92500" lnSpcReduction="10000"/>
-          </a:bodyPr>
-          <a:lstStyle/>
-          <a:p>
-            <a:pPr algn="l"/>
-            <a:r>
-              <a:rPr lang="en-US" sz="2400" dirty="0"/>
-              <a:t>First, let’s declare our research question:</a:t>
-            </a:r>
-          </a:p>
-          <a:p>
-            <a:pPr algn="l"/>
-            <a:r>
-              <a:rPr lang="en-US" sz="2400" dirty="0"/>
-              <a:t>Can we predict how successful a book would be, according to its characteristics?</a:t>
-            </a:r>
-          </a:p>
-          <a:p>
-            <a:pPr algn="l"/>
-            <a:endParaRPr lang="en-US" sz="2400" dirty="0"/>
-          </a:p>
-          <a:p>
-            <a:pPr algn="l"/>
-            <a:r>
-              <a:rPr lang="en-US" sz="2400" dirty="0"/>
-              <a:t>In order to answer our question, we’d have to go through some different research phases:</a:t>
-            </a:r>
-            <a:endParaRPr lang="he-IL" sz="2400" dirty="0"/>
-          </a:p>
-        </p:txBody>
-      </p:sp>
-      <p:sp>
-        <p:nvSpPr>
-          <p:cNvPr id="5" name="מציין מיקום טקסט 3">
-            <a:extLst>
-              <a:ext uri="{FF2B5EF4-FFF2-40B4-BE49-F238E27FC236}">
-                <a16:creationId xmlns:a16="http://schemas.microsoft.com/office/drawing/2014/main" id="{6F02DE8A-B560-4E59-92BE-25AAC6D2C5D7}"/>
-              </a:ext>
-            </a:extLst>
-          </p:cNvPr>
-          <p:cNvSpPr txBox="1">
-            <a:spLocks/>
-          </p:cNvSpPr>
-          <p:nvPr/>
-        </p:nvSpPr>
-        <p:spPr>
-          <a:xfrm>
-            <a:off x="416351" y="4166648"/>
-            <a:ext cx="6776301" cy="2300140"/>
-          </a:xfrm>
-          <a:prstGeom prst="rect">
-            <a:avLst/>
-          </a:prstGeom>
-        </p:spPr>
-        <p:txBody>
-          <a:bodyPr vert="horz" lIns="91440" tIns="45720" rIns="91440" bIns="45720" rtlCol="0">
-            <a:normAutofit/>
-          </a:bodyPr>
-          <a:lstStyle>
-            <a:lvl1pPr marL="0" indent="0" algn="r" defTabSz="457200" rtl="1" eaLnBrk="1" latinLnBrk="0" hangingPunct="1">
-              <a:spcBef>
-                <a:spcPts val="1000"/>
-              </a:spcBef>
-              <a:spcAft>
-                <a:spcPts val="0"/>
-              </a:spcAft>
-              <a:buClr>
-                <a:schemeClr val="bg2">
-                  <a:lumMod val="40000"/>
-                  <a:lumOff val="60000"/>
-                </a:schemeClr>
-              </a:buClr>
-              <a:buSzPct val="80000"/>
-              <a:buFont typeface="Wingdings 3" charset="2"/>
-              <a:buNone/>
-              <a:defRPr sz="1400" b="0" i="0" kern="1200">
-                <a:solidFill>
-                  <a:schemeClr val="tx1"/>
-                </a:solidFill>
-                <a:latin typeface="+mj-lt"/>
-                <a:ea typeface="+mj-ea"/>
-                <a:cs typeface="+mj-cs"/>
-              </a:defRPr>
-            </a:lvl1pPr>
-            <a:lvl2pPr marL="457200" indent="0" algn="r" defTabSz="457200" rtl="1" eaLnBrk="1" latinLnBrk="0" hangingPunct="1">
-              <a:spcBef>
-                <a:spcPts val="1000"/>
-              </a:spcBef>
-              <a:spcAft>
-                <a:spcPts val="0"/>
-              </a:spcAft>
-              <a:buClr>
-                <a:schemeClr val="bg2">
-                  <a:lumMod val="40000"/>
-                  <a:lumOff val="60000"/>
-                </a:schemeClr>
-              </a:buClr>
-              <a:buSzPct val="80000"/>
-              <a:buFont typeface="Wingdings 3" charset="2"/>
-              <a:buNone/>
-              <a:defRPr sz="1200" b="0" i="0" kern="1200">
-                <a:solidFill>
-                  <a:schemeClr val="tx1"/>
-                </a:solidFill>
-                <a:latin typeface="+mj-lt"/>
-                <a:ea typeface="+mj-ea"/>
-                <a:cs typeface="+mj-cs"/>
-              </a:defRPr>
-            </a:lvl2pPr>
-            <a:lvl3pPr marL="914400" indent="0" algn="r" defTabSz="457200" rtl="1" eaLnBrk="1" latinLnBrk="0" hangingPunct="1">
-              <a:spcBef>
-                <a:spcPts val="1000"/>
-              </a:spcBef>
-              <a:spcAft>
-                <a:spcPts val="0"/>
-              </a:spcAft>
-              <a:buClr>
-                <a:schemeClr val="bg2">
-                  <a:lumMod val="40000"/>
-                  <a:lumOff val="60000"/>
-                </a:schemeClr>
-              </a:buClr>
-              <a:buSzPct val="80000"/>
-              <a:buFont typeface="Wingdings 3" charset="2"/>
-              <a:buNone/>
-              <a:defRPr sz="1000" b="0" i="0" kern="1200">
-                <a:solidFill>
-                  <a:schemeClr val="tx1"/>
-                </a:solidFill>
-                <a:latin typeface="+mj-lt"/>
-                <a:ea typeface="+mj-ea"/>
-                <a:cs typeface="+mj-cs"/>
-              </a:defRPr>
-            </a:lvl3pPr>
-            <a:lvl4pPr marL="1371600" indent="0" algn="r" defTabSz="457200" rtl="1" eaLnBrk="1" latinLnBrk="0" hangingPunct="1">
-              <a:spcBef>
-                <a:spcPts val="1000"/>
-              </a:spcBef>
-              <a:spcAft>
-                <a:spcPts val="0"/>
-              </a:spcAft>
-              <a:buClr>
-                <a:schemeClr val="bg2">
-                  <a:lumMod val="40000"/>
-                  <a:lumOff val="60000"/>
-                </a:schemeClr>
-              </a:buClr>
-              <a:buSzPct val="80000"/>
-              <a:buFont typeface="Wingdings 3" charset="2"/>
-              <a:buNone/>
-              <a:defRPr sz="900" b="0" i="0" kern="1200">
-                <a:solidFill>
-                  <a:schemeClr val="tx1"/>
-                </a:solidFill>
-                <a:latin typeface="+mj-lt"/>
-                <a:ea typeface="+mj-ea"/>
-                <a:cs typeface="+mj-cs"/>
-              </a:defRPr>
-            </a:lvl4pPr>
-            <a:lvl5pPr marL="1828800" indent="0" algn="r" defTabSz="457200" rtl="1" eaLnBrk="1" latinLnBrk="0" hangingPunct="1">
-              <a:spcBef>
-                <a:spcPts val="1000"/>
-              </a:spcBef>
-              <a:spcAft>
-                <a:spcPts val="0"/>
-              </a:spcAft>
-              <a:buClr>
-                <a:schemeClr val="bg2">
-                  <a:lumMod val="40000"/>
-                  <a:lumOff val="60000"/>
-                </a:schemeClr>
-              </a:buClr>
-              <a:buSzPct val="80000"/>
-              <a:buFont typeface="Wingdings 3" charset="2"/>
-              <a:buNone/>
-              <a:defRPr sz="900" b="0" i="0" kern="1200">
-                <a:solidFill>
-                  <a:schemeClr val="tx1"/>
-                </a:solidFill>
-                <a:latin typeface="+mj-lt"/>
-                <a:ea typeface="+mj-ea"/>
-                <a:cs typeface="+mj-cs"/>
-              </a:defRPr>
-            </a:lvl5pPr>
-            <a:lvl6pPr marL="2286000" indent="0" algn="r" defTabSz="457200" rtl="1" eaLnBrk="1" latinLnBrk="0" hangingPunct="1">
-              <a:spcBef>
-                <a:spcPts val="1000"/>
-              </a:spcBef>
-              <a:spcAft>
-                <a:spcPts val="0"/>
-              </a:spcAft>
-              <a:buClr>
-                <a:schemeClr val="bg2">
-                  <a:lumMod val="40000"/>
-                  <a:lumOff val="60000"/>
-                </a:schemeClr>
-              </a:buClr>
-              <a:buSzPct val="80000"/>
-              <a:buFont typeface="Wingdings 3" charset="2"/>
-              <a:buNone/>
-              <a:defRPr sz="900" b="0" i="0" kern="1200">
-                <a:solidFill>
-                  <a:schemeClr val="tx1"/>
-                </a:solidFill>
-                <a:latin typeface="+mj-lt"/>
-                <a:ea typeface="+mj-ea"/>
-                <a:cs typeface="+mj-cs"/>
-              </a:defRPr>
-            </a:lvl6pPr>
-            <a:lvl7pPr marL="2743200" indent="0" algn="r" defTabSz="457200" rtl="1" eaLnBrk="1" latinLnBrk="0" hangingPunct="1">
-              <a:spcBef>
-                <a:spcPts val="1000"/>
-              </a:spcBef>
-              <a:spcAft>
-                <a:spcPts val="0"/>
-              </a:spcAft>
-              <a:buClr>
-                <a:schemeClr val="bg2">
-                  <a:lumMod val="40000"/>
-                  <a:lumOff val="60000"/>
-                </a:schemeClr>
-              </a:buClr>
-              <a:buSzPct val="80000"/>
-              <a:buFont typeface="Wingdings 3" charset="2"/>
-              <a:buNone/>
-              <a:defRPr sz="900" b="0" i="0" kern="1200">
-                <a:solidFill>
-                  <a:schemeClr val="tx1"/>
-                </a:solidFill>
-                <a:latin typeface="+mj-lt"/>
-                <a:ea typeface="+mj-ea"/>
-                <a:cs typeface="+mj-cs"/>
-              </a:defRPr>
-            </a:lvl7pPr>
-            <a:lvl8pPr marL="3200400" indent="0" algn="r" defTabSz="457200" rtl="1" eaLnBrk="1" latinLnBrk="0" hangingPunct="1">
-              <a:spcBef>
-                <a:spcPts val="1000"/>
-              </a:spcBef>
-              <a:spcAft>
-                <a:spcPts val="0"/>
-              </a:spcAft>
-              <a:buClr>
-                <a:schemeClr val="bg2">
-                  <a:lumMod val="40000"/>
-                  <a:lumOff val="60000"/>
-                </a:schemeClr>
-              </a:buClr>
-              <a:buSzPct val="80000"/>
-              <a:buFont typeface="Wingdings 3" charset="2"/>
-              <a:buNone/>
-              <a:defRPr sz="900" b="0" i="0" kern="1200">
-                <a:solidFill>
-                  <a:schemeClr val="tx1"/>
-                </a:solidFill>
-                <a:latin typeface="+mj-lt"/>
-                <a:ea typeface="+mj-ea"/>
-                <a:cs typeface="+mj-cs"/>
-              </a:defRPr>
-            </a:lvl8pPr>
-            <a:lvl9pPr marL="3657600" indent="0" algn="r" defTabSz="457200" rtl="1" eaLnBrk="1" latinLnBrk="0" hangingPunct="1">
-              <a:spcBef>
-                <a:spcPts val="1000"/>
-              </a:spcBef>
-              <a:spcAft>
-                <a:spcPts val="0"/>
-              </a:spcAft>
-              <a:buClr>
-                <a:schemeClr val="bg2">
-                  <a:lumMod val="40000"/>
-                  <a:lumOff val="60000"/>
-                </a:schemeClr>
-              </a:buClr>
-              <a:buSzPct val="80000"/>
-              <a:buFont typeface="Wingdings 3" charset="2"/>
-              <a:buNone/>
-              <a:defRPr sz="900" b="0" i="0" kern="1200">
-                <a:solidFill>
-                  <a:schemeClr val="tx1"/>
-                </a:solidFill>
-                <a:latin typeface="+mj-lt"/>
-                <a:ea typeface="+mj-ea"/>
-                <a:cs typeface="+mj-cs"/>
-              </a:defRPr>
-            </a:lvl9pPr>
-          </a:lstStyle>
-          <a:p>
-            <a:pPr marL="457200" indent="-457200" algn="l" rtl="0">
-              <a:buAutoNum type="arabicPeriod"/>
-            </a:pPr>
-            <a:r>
-              <a:rPr lang="en-US" sz="2400" dirty="0"/>
-              <a:t>Data Acquisition</a:t>
-            </a:r>
-          </a:p>
-          <a:p>
-            <a:pPr marL="457200" indent="-457200" algn="l" rtl="0">
-              <a:buAutoNum type="arabicPeriod"/>
-            </a:pPr>
-            <a:r>
-              <a:rPr lang="en-US" sz="2400" dirty="0"/>
-              <a:t>EDA</a:t>
-            </a:r>
-          </a:p>
-          <a:p>
-            <a:pPr marL="457200" indent="-457200" algn="l" rtl="0">
-              <a:buAutoNum type="arabicPeriod"/>
-            </a:pPr>
-            <a:r>
-              <a:rPr lang="en-US" sz="2400" dirty="0"/>
-              <a:t>Machine Learning</a:t>
-            </a:r>
-          </a:p>
-          <a:p>
-            <a:pPr marL="457200" indent="-457200" algn="l" rtl="0">
-              <a:buFont typeface="Wingdings 3" charset="2"/>
-              <a:buAutoNum type="arabicPeriod"/>
-            </a:pPr>
-            <a:r>
-              <a:rPr lang="en-US" sz="2400" dirty="0"/>
-              <a:t>Conclusions of our research</a:t>
-            </a:r>
-          </a:p>
-        </p:txBody>
-      </p:sp>
-    </p:spTree>
-    <p:extLst>
-      <p:ext uri="{BB962C8B-B14F-4D97-AF65-F5344CB8AC3E}">
-        <p14:creationId xmlns:p14="http://schemas.microsoft.com/office/powerpoint/2010/main" val="2708582225"/>
-      </p:ext>
-    </p:extLst>
-  </p:cSld>
-  <p:clrMapOvr>
-    <a:masterClrMapping/>
-  </p:clrMapOvr>
-  <p:timing>
-    <p:tnLst>
-      <p:par>
-        <p:cTn id="1" dur="indefinite" restart="never" nodeType="tmRoot">
-          <p:childTnLst>
-            <p:seq concurrent="1" nextAc="seek">
-              <p:cTn id="2" dur="indefinite" nodeType="mainSeq">
-                <p:childTnLst>
-                  <p:par>
-                    <p:cTn id="3" fill="hold">
-                      <p:stCondLst>
-                        <p:cond delay="indefinite"/>
-                      </p:stCondLst>
-                      <p:childTnLst>
-                        <p:par>
-                          <p:cTn id="4" fill="hold">
-                            <p:stCondLst>
-                              <p:cond delay="0"/>
-                            </p:stCondLst>
-                            <p:childTnLst>
-                              <p:par>
-                                <p:cTn id="5" presetID="10" presetClass="entr" presetSubtype="0" fill="hold" nodeType="clickEffect">
-                                  <p:stCondLst>
-                                    <p:cond delay="0"/>
-                                  </p:stCondLst>
-                                  <p:childTnLst>
-                                    <p:set>
-                                      <p:cBhvr>
-                                        <p:cTn id="6" dur="1" fill="hold">
-                                          <p:stCondLst>
-                                            <p:cond delay="0"/>
-                                          </p:stCondLst>
-                                        </p:cTn>
-                                        <p:tgtEl>
-                                          <p:spTgt spid="5">
-                                            <p:txEl>
-                                              <p:pRg st="0" end="0"/>
-                                            </p:txEl>
-                                          </p:spTgt>
-                                        </p:tgtEl>
-                                        <p:attrNameLst>
-                                          <p:attrName>style.visibility</p:attrName>
-                                        </p:attrNameLst>
-                                      </p:cBhvr>
-                                      <p:to>
-                                        <p:strVal val="visible"/>
-                                      </p:to>
-                                    </p:set>
-                                    <p:animEffect transition="in" filter="fade">
-                                      <p:cBhvr>
-                                        <p:cTn id="7" dur="500"/>
-                                        <p:tgtEl>
-                                          <p:spTgt spid="5">
-                                            <p:txEl>
-                                              <p:pRg st="0" end="0"/>
-                                            </p:txEl>
-                                          </p:spTgt>
-                                        </p:tgtEl>
-                                      </p:cBhvr>
-                                    </p:animEffect>
-                                  </p:childTnLst>
-                                </p:cTn>
-                              </p:par>
-                              <p:par>
-                                <p:cTn id="8" presetID="10" presetClass="entr" presetSubtype="0" fill="hold" nodeType="withEffect">
-                                  <p:stCondLst>
-                                    <p:cond delay="0"/>
-                                  </p:stCondLst>
-                                  <p:childTnLst>
-                                    <p:set>
-                                      <p:cBhvr>
-                                        <p:cTn id="9" dur="1" fill="hold">
-                                          <p:stCondLst>
-                                            <p:cond delay="0"/>
-                                          </p:stCondLst>
-                                        </p:cTn>
-                                        <p:tgtEl>
-                                          <p:spTgt spid="5">
-                                            <p:txEl>
-                                              <p:pRg st="1" end="1"/>
-                                            </p:txEl>
-                                          </p:spTgt>
-                                        </p:tgtEl>
-                                        <p:attrNameLst>
-                                          <p:attrName>style.visibility</p:attrName>
-                                        </p:attrNameLst>
-                                      </p:cBhvr>
-                                      <p:to>
-                                        <p:strVal val="visible"/>
-                                      </p:to>
-                                    </p:set>
-                                    <p:animEffect transition="in" filter="fade">
-                                      <p:cBhvr>
-                                        <p:cTn id="10" dur="500"/>
-                                        <p:tgtEl>
-                                          <p:spTgt spid="5">
-                                            <p:txEl>
-                                              <p:pRg st="1" end="1"/>
-                                            </p:txEl>
-                                          </p:spTgt>
-                                        </p:tgtEl>
-                                      </p:cBhvr>
-                                    </p:animEffect>
-                                  </p:childTnLst>
-                                </p:cTn>
-                              </p:par>
-                              <p:par>
-                                <p:cTn id="11" presetID="10" presetClass="entr" presetSubtype="0" fill="hold" nodeType="withEffect">
-                                  <p:stCondLst>
-                                    <p:cond delay="0"/>
-                                  </p:stCondLst>
-                                  <p:childTnLst>
-                                    <p:set>
-                                      <p:cBhvr>
-                                        <p:cTn id="12" dur="1" fill="hold">
-                                          <p:stCondLst>
-                                            <p:cond delay="0"/>
-                                          </p:stCondLst>
-                                        </p:cTn>
-                                        <p:tgtEl>
-                                          <p:spTgt spid="5">
-                                            <p:txEl>
-                                              <p:pRg st="2" end="2"/>
-                                            </p:txEl>
-                                          </p:spTgt>
-                                        </p:tgtEl>
-                                        <p:attrNameLst>
-                                          <p:attrName>style.visibility</p:attrName>
-                                        </p:attrNameLst>
-                                      </p:cBhvr>
-                                      <p:to>
-                                        <p:strVal val="visible"/>
-                                      </p:to>
-                                    </p:set>
-                                    <p:animEffect transition="in" filter="fade">
-                                      <p:cBhvr>
-                                        <p:cTn id="13" dur="500"/>
-                                        <p:tgtEl>
-                                          <p:spTgt spid="5">
-                                            <p:txEl>
-                                              <p:pRg st="2" end="2"/>
-                                            </p:txEl>
-                                          </p:spTgt>
-                                        </p:tgtEl>
-                                      </p:cBhvr>
-                                    </p:animEffect>
-                                  </p:childTnLst>
-                                </p:cTn>
-                              </p:par>
-                              <p:par>
-                                <p:cTn id="14" presetID="10" presetClass="entr" presetSubtype="0" fill="hold" nodeType="withEffect">
-                                  <p:stCondLst>
-                                    <p:cond delay="0"/>
-                                  </p:stCondLst>
-                                  <p:childTnLst>
-                                    <p:set>
-                                      <p:cBhvr>
-                                        <p:cTn id="15" dur="1" fill="hold">
-                                          <p:stCondLst>
-                                            <p:cond delay="0"/>
-                                          </p:stCondLst>
-                                        </p:cTn>
-                                        <p:tgtEl>
-                                          <p:spTgt spid="5">
-                                            <p:txEl>
-                                              <p:pRg st="3" end="3"/>
-                                            </p:txEl>
-                                          </p:spTgt>
-                                        </p:tgtEl>
-                                        <p:attrNameLst>
-                                          <p:attrName>style.visibility</p:attrName>
-                                        </p:attrNameLst>
-                                      </p:cBhvr>
-                                      <p:to>
-                                        <p:strVal val="visible"/>
-                                      </p:to>
-                                    </p:set>
-                                    <p:animEffect transition="in" filter="fade">
-                                      <p:cBhvr>
-                                        <p:cTn id="16" dur="500"/>
-                                        <p:tgtEl>
-                                          <p:spTgt spid="5">
-                                            <p:txEl>
-                                              <p:pRg st="3" end="3"/>
-                                            </p:txEl>
-                                          </p:spTgt>
-                                        </p:tgtEl>
-                                      </p:cBhvr>
-                                    </p:animEffect>
-                                  </p:childTnLst>
-                                </p:cTn>
-                              </p:par>
-                            </p:childTnLst>
-                          </p:cTn>
-                        </p:par>
-                      </p:childTnLst>
-                    </p:cTn>
-                  </p:par>
-                </p:childTnLst>
-              </p:cTn>
-              <p:prevCondLst>
-                <p:cond evt="onPrev" delay="0">
-                  <p:tgtEl>
-                    <p:sldTgt/>
-                  </p:tgtEl>
-                </p:cond>
-              </p:prevCondLst>
-              <p:nextCondLst>
-                <p:cond evt="onNext" delay="0">
-                  <p:tgtEl>
-                    <p:sldTgt/>
-                  </p:tgtEl>
-                </p:cond>
-              </p:nextCondLst>
-            </p:seq>
-          </p:childTnLst>
-        </p:cTn>
-      </p:par>
-    </p:tnLst>
-  </p:timing>
-</p:sld>
-</file>
-
-<file path=ppt/slides/slide4.xml><?xml version="1.0" encoding="utf-8"?>
 <p:sld xmlns:a="http://schemas.openxmlformats.org/drawingml/2006/main" xmlns:r="http://schemas.openxmlformats.org/officeDocument/2006/relationships" xmlns:p="http://schemas.openxmlformats.org/presentationml/2006/main">
   <p:cSld>
     <p:spTree>
@@ -16353,8 +12405,8 @@
         </p:nvSpPr>
         <p:spPr>
           <a:xfrm>
-            <a:off x="646111" y="452718"/>
-            <a:ext cx="9404723" cy="829327"/>
+            <a:off x="364008" y="355442"/>
+            <a:ext cx="9404723" cy="704873"/>
           </a:xfrm>
         </p:spPr>
         <p:txBody>
@@ -16363,10 +12415,10 @@
           <a:p>
             <a:pPr algn="ctr"/>
             <a:r>
-              <a:rPr lang="en-US" dirty="0"/>
+              <a:rPr lang="en-US" sz="4000" dirty="0"/>
               <a:t>Elaboration on research phases</a:t>
             </a:r>
-            <a:endParaRPr lang="he-IL" dirty="0"/>
+            <a:endParaRPr lang="he-IL" sz="4000" dirty="0"/>
           </a:p>
         </p:txBody>
       </p:sp>
@@ -16388,8 +12440,8 @@
         </p:nvSpPr>
         <p:spPr>
           <a:xfrm>
-            <a:off x="875201" y="1468456"/>
-            <a:ext cx="9748807" cy="4687247"/>
+            <a:off x="582970" y="1167319"/>
+            <a:ext cx="9748807" cy="4066162"/>
           </a:xfrm>
         </p:spPr>
         <p:txBody>
@@ -16401,32 +12453,70 @@
             <a:pPr algn="l" rtl="0"/>
             <a:r>
               <a:rPr lang="en-US" sz="2400" dirty="0"/>
-              <a:t>1. Data Acquisition – Crawling the web and gathering all information in one csv file.</a:t>
+              <a:t>1. Data Acquisition – Crawling the website we want to fetch the information from, and gathering it all in one csv file.</a:t>
             </a:r>
           </a:p>
           <a:p>
             <a:pPr algn="l" rtl="0"/>
             <a:r>
               <a:rPr lang="en-US" sz="2400" dirty="0"/>
-              <a:t>2. EDA – Filtering and cleaning the data, analyzing it and visualizing insights based on the data we acquired</a:t>
+              <a:t>2. EDA – Filtering and cleaning the data, analyzing it and visualizing insights based on the data we acquired.</a:t>
             </a:r>
           </a:p>
           <a:p>
             <a:pPr algn="l" rtl="0"/>
             <a:r>
               <a:rPr lang="en-US" sz="2400" dirty="0"/>
-              <a:t>3. Machine Learning – Using various ML techniques to help us predict popularity of a book, and benchmarking the performance of the models we chose for figuring the best one</a:t>
+              <a:t>3. Machine Learning – Using ML techniques to help us predict popularity of a book, and benchmarking the performance of the models.</a:t>
             </a:r>
           </a:p>
           <a:p>
             <a:pPr algn="l" rtl="0"/>
             <a:r>
               <a:rPr lang="en-US" sz="2400" dirty="0"/>
-              <a:t>4. Conclusions – After a thorough analysis of the data and designing a ML model, we state conclusions from the model regarding our research question.</a:t>
+              <a:t>4. Conclusions – Stating conclusions from the model regarding our research question.</a:t>
             </a:r>
           </a:p>
         </p:txBody>
       </p:sp>
+      <p:pic>
+        <p:nvPicPr>
+          <p:cNvPr id="4" name="מציין מיקום של תמונה 9">
+            <a:extLst>
+              <a:ext uri="{FF2B5EF4-FFF2-40B4-BE49-F238E27FC236}">
+                <a16:creationId xmlns:a16="http://schemas.microsoft.com/office/drawing/2014/main" id="{E7AC1743-0EE9-4ECE-A2DC-99C279CC2B67}"/>
+              </a:ext>
+            </a:extLst>
+          </p:cNvPr>
+          <p:cNvPicPr>
+            <a:picLocks noChangeAspect="1"/>
+          </p:cNvPicPr>
+          <p:nvPr/>
+        </p:nvPicPr>
+        <p:blipFill>
+          <a:blip r:embed="rId3">
+            <a:alphaModFix amt="71000"/>
+            <a:extLst>
+              <a:ext uri="{28A0092B-C50C-407E-A947-70E740481C1C}">
+                <a14:useLocalDpi xmlns:a14="http://schemas.microsoft.com/office/drawing/2010/main" val="0"/>
+              </a:ext>
+            </a:extLst>
+          </a:blip>
+          <a:srcRect l="25675" r="25675"/>
+          <a:stretch>
+            <a:fillRect/>
+          </a:stretch>
+        </p:blipFill>
+        <p:spPr>
+          <a:xfrm>
+            <a:off x="10331777" y="4730375"/>
+            <a:ext cx="1775382" cy="2127625"/>
+          </a:xfrm>
+          <a:prstGeom prst="rect">
+            <a:avLst/>
+          </a:prstGeom>
+        </p:spPr>
+      </p:pic>
     </p:spTree>
     <p:extLst>
       <p:ext uri="{BB962C8B-B14F-4D97-AF65-F5344CB8AC3E}">
@@ -16440,7 +12530,7 @@
 </p:sld>
 </file>
 
-<file path=ppt/slides/slide5.xml><?xml version="1.0" encoding="utf-8"?>
+<file path=ppt/slides/slide3.xml><?xml version="1.0" encoding="utf-8"?>
 <p:sld xmlns:a="http://schemas.openxmlformats.org/drawingml/2006/main" xmlns:r="http://schemas.openxmlformats.org/officeDocument/2006/relationships" xmlns:p="http://schemas.openxmlformats.org/presentationml/2006/main">
   <p:cSld>
     <p:spTree>
@@ -16653,7 +12743,7 @@
           <p:nvPr>
             <p:extLst>
               <p:ext uri="{D42A27DB-BD31-4B8C-83A1-F6EECF244321}">
-                <p14:modId xmlns:p14="http://schemas.microsoft.com/office/powerpoint/2010/main" val="1436527604"/>
+                <p14:modId xmlns:p14="http://schemas.microsoft.com/office/powerpoint/2010/main" val="2473526779"/>
               </p:ext>
             </p:extLst>
           </p:nvPr>
@@ -16685,17 +12775,17 @@
                     <a:p>
                       <a:pPr algn="l" rtl="0"/>
                       <a:r>
-                        <a:rPr lang="en-US" sz="1700" b="1" dirty="0"/>
+                        <a:rPr lang="en-US" sz="1800" b="0" dirty="0"/>
                         <a:t>Fun Fact:</a:t>
                       </a:r>
                     </a:p>
                     <a:p>
                       <a:pPr algn="l" rtl="0"/>
                       <a:r>
-                        <a:rPr lang="en-US" sz="1700" b="1" dirty="0"/>
+                        <a:rPr lang="en-US" sz="1800" b="0" dirty="0"/>
                         <a:t>Web scraping is about extracting the data from one or more websites, While crawling is about exploring URLs on the web.</a:t>
                       </a:r>
-                      <a:endParaRPr lang="he-IL" sz="1700" b="1" dirty="0"/>
+                      <a:endParaRPr lang="he-IL" sz="1800" b="0" dirty="0"/>
                     </a:p>
                   </a:txBody>
                   <a:tcPr/>
@@ -16753,7 +12843,7 @@
           <p:nvPr>
             <p:extLst>
               <p:ext uri="{D42A27DB-BD31-4B8C-83A1-F6EECF244321}">
-                <p14:modId xmlns:p14="http://schemas.microsoft.com/office/powerpoint/2010/main" val="1269001799"/>
+                <p14:modId xmlns:p14="http://schemas.microsoft.com/office/powerpoint/2010/main" val="3657458063"/>
               </p:ext>
             </p:extLst>
           </p:nvPr>
@@ -16785,17 +12875,17 @@
                     <a:p>
                       <a:pPr algn="l" rtl="0"/>
                       <a:r>
-                        <a:rPr lang="en-US" sz="1700" b="1" dirty="0"/>
+                        <a:rPr lang="en-US" sz="1800" b="0" dirty="0"/>
                         <a:t>Note: </a:t>
                       </a:r>
                       <a:br>
-                        <a:rPr lang="en-US" sz="1700" b="1" dirty="0"/>
+                        <a:rPr lang="en-US" sz="1800" b="0" dirty="0"/>
                       </a:br>
                       <a:r>
-                        <a:rPr lang="en-US" sz="1700" b="1" dirty="0"/>
+                        <a:rPr lang="en-US" sz="1800" b="0" dirty="0"/>
                         <a:t>Some websites want to prevent us from flooding their sites with requests or prevent automation, therefore they use pop-ups or any other techniques to prevent us doing so.</a:t>
                       </a:r>
-                      <a:endParaRPr lang="he-IL" sz="1700" b="1" dirty="0"/>
+                      <a:endParaRPr lang="he-IL" sz="1800" b="0" dirty="0"/>
                     </a:p>
                   </a:txBody>
                   <a:tcPr/>
@@ -16823,360 +12913,7 @@
 </p:sld>
 </file>
 
-<file path=ppt/slides/slide6.xml><?xml version="1.0" encoding="utf-8"?>
-<p:sld xmlns:a="http://schemas.openxmlformats.org/drawingml/2006/main" xmlns:r="http://schemas.openxmlformats.org/officeDocument/2006/relationships" xmlns:p="http://schemas.openxmlformats.org/presentationml/2006/main">
-  <p:cSld>
-    <p:spTree>
-      <p:nvGrpSpPr>
-        <p:cNvPr id="1" name=""/>
-        <p:cNvGrpSpPr/>
-        <p:nvPr/>
-      </p:nvGrpSpPr>
-      <p:grpSpPr>
-        <a:xfrm>
-          <a:off x="0" y="0"/>
-          <a:ext cx="0" cy="0"/>
-          <a:chOff x="0" y="0"/>
-          <a:chExt cx="0" cy="0"/>
-        </a:xfrm>
-      </p:grpSpPr>
-      <p:sp>
-        <p:nvSpPr>
-          <p:cNvPr id="2" name="כותרת 1">
-            <a:extLst>
-              <a:ext uri="{FF2B5EF4-FFF2-40B4-BE49-F238E27FC236}">
-                <a16:creationId xmlns:a16="http://schemas.microsoft.com/office/drawing/2014/main" id="{E363A098-3258-44F0-B268-FB31F346638A}"/>
-              </a:ext>
-            </a:extLst>
-          </p:cNvPr>
-          <p:cNvSpPr>
-            <a:spLocks noGrp="1"/>
-          </p:cNvSpPr>
-          <p:nvPr>
-            <p:ph type="title"/>
-          </p:nvPr>
-        </p:nvSpPr>
-        <p:spPr>
-          <a:xfrm>
-            <a:off x="382162" y="339596"/>
-            <a:ext cx="3473402" cy="867035"/>
-          </a:xfrm>
-        </p:spPr>
-        <p:txBody>
-          <a:bodyPr/>
-          <a:lstStyle/>
-          <a:p>
-            <a:r>
-              <a:rPr lang="en-US" dirty="0"/>
-              <a:t>Goodreads</a:t>
-            </a:r>
-            <a:endParaRPr lang="he-IL" dirty="0"/>
-          </a:p>
-        </p:txBody>
-      </p:sp>
-      <p:pic>
-        <p:nvPicPr>
-          <p:cNvPr id="4" name="תמונה 3">
-            <a:extLst>
-              <a:ext uri="{FF2B5EF4-FFF2-40B4-BE49-F238E27FC236}">
-                <a16:creationId xmlns:a16="http://schemas.microsoft.com/office/drawing/2014/main" id="{B0E45D5E-DFA9-4E1D-ADBA-85F7F3175D49}"/>
-              </a:ext>
-            </a:extLst>
-          </p:cNvPr>
-          <p:cNvPicPr>
-            <a:picLocks noChangeAspect="1"/>
-          </p:cNvPicPr>
-          <p:nvPr/>
-        </p:nvPicPr>
-        <p:blipFill>
-          <a:blip r:embed="rId2">
-            <a:extLst>
-              <a:ext uri="{BEBA8EAE-BF5A-486C-A8C5-ECC9F3942E4B}">
-                <a14:imgProps xmlns:a14="http://schemas.microsoft.com/office/drawing/2010/main">
-                  <a14:imgLayer r:embed="rId3">
-                    <a14:imgEffect>
-                      <a14:brightnessContrast contrast="1000"/>
-                    </a14:imgEffect>
-                  </a14:imgLayer>
-                </a14:imgProps>
-              </a:ext>
-              <a:ext uri="{28A0092B-C50C-407E-A947-70E740481C1C}">
-                <a14:useLocalDpi xmlns:a14="http://schemas.microsoft.com/office/drawing/2010/main" val="0"/>
-              </a:ext>
-            </a:extLst>
-          </a:blip>
-          <a:stretch>
-            <a:fillRect/>
-          </a:stretch>
-        </p:blipFill>
-        <p:spPr>
-          <a:xfrm>
-            <a:off x="8505258" y="4694250"/>
-            <a:ext cx="2862489" cy="593955"/>
-          </a:xfrm>
-          <a:prstGeom prst="rect">
-            <a:avLst/>
-          </a:prstGeom>
-          <a:blipFill>
-            <a:blip r:embed="rId4"/>
-            <a:tile tx="0" ty="0" sx="100000" sy="100000" flip="none" algn="tl"/>
-          </a:blipFill>
-        </p:spPr>
-      </p:pic>
-      <p:graphicFrame>
-        <p:nvGraphicFramePr>
-          <p:cNvPr id="12" name="טבלה 12">
-            <a:extLst>
-              <a:ext uri="{FF2B5EF4-FFF2-40B4-BE49-F238E27FC236}">
-                <a16:creationId xmlns:a16="http://schemas.microsoft.com/office/drawing/2014/main" id="{2F409F57-8D29-4F24-8425-0EDF4AEB0DBC}"/>
-              </a:ext>
-            </a:extLst>
-          </p:cNvPr>
-          <p:cNvGraphicFramePr>
-            <a:graphicFrameLocks noGrp="1"/>
-          </p:cNvGraphicFramePr>
-          <p:nvPr>
-            <p:extLst>
-              <p:ext uri="{D42A27DB-BD31-4B8C-83A1-F6EECF244321}">
-                <p14:modId xmlns:p14="http://schemas.microsoft.com/office/powerpoint/2010/main" val="1823834460"/>
-              </p:ext>
-            </p:extLst>
-          </p:nvPr>
-        </p:nvGraphicFramePr>
-        <p:xfrm>
-          <a:off x="382162" y="1310326"/>
-          <a:ext cx="6659661" cy="2286000"/>
-        </p:xfrm>
-        <a:graphic>
-          <a:graphicData uri="http://schemas.openxmlformats.org/drawingml/2006/table">
-            <a:tbl>
-              <a:tblPr rtl="1" firstRow="1" bandRow="1">
-                <a:tableStyleId>{5C22544A-7EE6-4342-B048-85BDC9FD1C3A}</a:tableStyleId>
-              </a:tblPr>
-              <a:tblGrid>
-                <a:gridCol w="6659661">
-                  <a:extLst>
-                    <a:ext uri="{9D8B030D-6E8A-4147-A177-3AD203B41FA5}">
-                      <a16:colId xmlns:a16="http://schemas.microsoft.com/office/drawing/2014/main" val="1170784596"/>
-                    </a:ext>
-                  </a:extLst>
-                </a:gridCol>
-              </a:tblGrid>
-              <a:tr h="2118673">
-                <a:tc>
-                  <a:txBody>
-                    <a:bodyPr/>
-                    <a:lstStyle/>
-                    <a:p>
-                      <a:pPr algn="l" rtl="0"/>
-                      <a:r>
-                        <a:rPr lang="en-US" dirty="0"/>
-                        <a:t>Goodreads is a website that contains A LOT of data about books and characteristics of each one of them.</a:t>
-                      </a:r>
-                      <a:br>
-                        <a:rPr lang="en-US" dirty="0"/>
-                      </a:br>
-                      <a:endParaRPr lang="en-US" dirty="0"/>
-                    </a:p>
-                    <a:p>
-                      <a:pPr algn="l" rtl="0"/>
-                      <a:r>
-                        <a:rPr lang="en-US" dirty="0"/>
-                        <a:t>During the Data Acquisition phase, I implemented a method (named </a:t>
-                      </a:r>
-                      <a:r>
-                        <a:rPr lang="en-US" dirty="0" err="1"/>
-                        <a:t>extract_data_html</a:t>
-                      </a:r>
-                      <a:r>
-                        <a:rPr lang="en-US" dirty="0"/>
-                        <a:t>) that automatically randomizes a book ID and scrapes the corresponding web page on the website in order to get the relevant fields, and adds the data to a one big </a:t>
-                      </a:r>
-                      <a:r>
-                        <a:rPr lang="en-US" dirty="0" err="1"/>
-                        <a:t>DataFrame</a:t>
-                      </a:r>
-                      <a:r>
-                        <a:rPr lang="en-US" dirty="0"/>
-                        <a:t>.</a:t>
-                      </a:r>
-                    </a:p>
-                  </a:txBody>
-                  <a:tcPr>
-                    <a:noFill/>
-                  </a:tcPr>
-                </a:tc>
-                <a:extLst>
-                  <a:ext uri="{0D108BD9-81ED-4DB2-BD59-A6C34878D82A}">
-                    <a16:rowId xmlns:a16="http://schemas.microsoft.com/office/drawing/2014/main" val="1470131030"/>
-                  </a:ext>
-                </a:extLst>
-              </a:tr>
-            </a:tbl>
-          </a:graphicData>
-        </a:graphic>
-      </p:graphicFrame>
-      <p:pic>
-        <p:nvPicPr>
-          <p:cNvPr id="14" name="תמונה 13">
-            <a:extLst>
-              <a:ext uri="{FF2B5EF4-FFF2-40B4-BE49-F238E27FC236}">
-                <a16:creationId xmlns:a16="http://schemas.microsoft.com/office/drawing/2014/main" id="{B3F31F61-4B2A-439A-A3D5-B5845BD4D6B1}"/>
-              </a:ext>
-            </a:extLst>
-          </p:cNvPr>
-          <p:cNvPicPr>
-            <a:picLocks noChangeAspect="1"/>
-          </p:cNvPicPr>
-          <p:nvPr/>
-        </p:nvPicPr>
-        <p:blipFill>
-          <a:blip r:embed="rId5"/>
-          <a:stretch>
-            <a:fillRect/>
-          </a:stretch>
-        </p:blipFill>
-        <p:spPr>
-          <a:xfrm>
-            <a:off x="7659922" y="1489436"/>
-            <a:ext cx="4387204" cy="2870492"/>
-          </a:xfrm>
-          <a:prstGeom prst="rect">
-            <a:avLst/>
-          </a:prstGeom>
-        </p:spPr>
-      </p:pic>
-      <p:graphicFrame>
-        <p:nvGraphicFramePr>
-          <p:cNvPr id="15" name="דיאגרמה 14">
-            <a:extLst>
-              <a:ext uri="{FF2B5EF4-FFF2-40B4-BE49-F238E27FC236}">
-                <a16:creationId xmlns:a16="http://schemas.microsoft.com/office/drawing/2014/main" id="{65D29CF2-F6F6-46E2-8501-4FA07FAEFB70}"/>
-              </a:ext>
-            </a:extLst>
-          </p:cNvPr>
-          <p:cNvGraphicFramePr/>
-          <p:nvPr>
-            <p:extLst>
-              <p:ext uri="{D42A27DB-BD31-4B8C-83A1-F6EECF244321}">
-                <p14:modId xmlns:p14="http://schemas.microsoft.com/office/powerpoint/2010/main" val="717152559"/>
-              </p:ext>
-            </p:extLst>
-          </p:nvPr>
-        </p:nvGraphicFramePr>
-        <p:xfrm>
-          <a:off x="0" y="6071647"/>
-          <a:ext cx="12192000" cy="786353"/>
-        </p:xfrm>
-        <a:graphic>
-          <a:graphicData uri="http://schemas.openxmlformats.org/drawingml/2006/diagram">
-            <dgm:relIds xmlns:dgm="http://schemas.openxmlformats.org/drawingml/2006/diagram" xmlns:r="http://schemas.openxmlformats.org/officeDocument/2006/relationships" r:dm="rId6" r:lo="rId7" r:qs="rId8" r:cs="rId9"/>
-          </a:graphicData>
-        </a:graphic>
-      </p:graphicFrame>
-      <p:graphicFrame>
-        <p:nvGraphicFramePr>
-          <p:cNvPr id="8" name="טבלה 12">
-            <a:extLst>
-              <a:ext uri="{FF2B5EF4-FFF2-40B4-BE49-F238E27FC236}">
-                <a16:creationId xmlns:a16="http://schemas.microsoft.com/office/drawing/2014/main" id="{62E9570F-B9B3-4510-8D34-966CEF7BE7E6}"/>
-              </a:ext>
-            </a:extLst>
-          </p:cNvPr>
-          <p:cNvGraphicFramePr>
-            <a:graphicFrameLocks noGrp="1"/>
-          </p:cNvGraphicFramePr>
-          <p:nvPr>
-            <p:extLst>
-              <p:ext uri="{D42A27DB-BD31-4B8C-83A1-F6EECF244321}">
-                <p14:modId xmlns:p14="http://schemas.microsoft.com/office/powerpoint/2010/main" val="2745568954"/>
-              </p:ext>
-            </p:extLst>
-          </p:nvPr>
-        </p:nvGraphicFramePr>
-        <p:xfrm>
-          <a:off x="382161" y="3776191"/>
-          <a:ext cx="6634411" cy="1908172"/>
-        </p:xfrm>
-        <a:graphic>
-          <a:graphicData uri="http://schemas.openxmlformats.org/drawingml/2006/table">
-            <a:tbl>
-              <a:tblPr rtl="1" firstRow="1" bandRow="1">
-                <a:tableStyleId>{5C22544A-7EE6-4342-B048-85BDC9FD1C3A}</a:tableStyleId>
-              </a:tblPr>
-              <a:tblGrid>
-                <a:gridCol w="6634411">
-                  <a:extLst>
-                    <a:ext uri="{9D8B030D-6E8A-4147-A177-3AD203B41FA5}">
-                      <a16:colId xmlns:a16="http://schemas.microsoft.com/office/drawing/2014/main" val="1170784596"/>
-                    </a:ext>
-                  </a:extLst>
-                </a:gridCol>
-              </a:tblGrid>
-              <a:tr h="1908172">
-                <a:tc>
-                  <a:txBody>
-                    <a:bodyPr/>
-                    <a:lstStyle/>
-                    <a:p>
-                      <a:pPr algn="l" rtl="0"/>
-                      <a:r>
-                        <a:rPr lang="en-US" dirty="0"/>
-                        <a:t>This phase took a serious amount of time (about 3</a:t>
-                      </a:r>
-                      <a:r>
-                        <a:rPr lang="he-IL" dirty="0"/>
-                        <a:t> </a:t>
-                      </a:r>
-                      <a:r>
-                        <a:rPr lang="en-US" dirty="0"/>
-                        <a:t>days) because of repetition of the response code 403 (</a:t>
-                      </a:r>
-                      <a:r>
-                        <a:rPr lang="en-US" dirty="0" err="1"/>
-                        <a:t>Acess</a:t>
-                      </a:r>
-                      <a:r>
-                        <a:rPr lang="en-US" dirty="0"/>
-                        <a:t> Forbidden).</a:t>
-                      </a:r>
-                      <a:br>
-                        <a:rPr lang="en-US" dirty="0"/>
-                      </a:br>
-                      <a:r>
-                        <a:rPr lang="en-US" dirty="0"/>
-                        <a:t>So, in order to handle that restriction of acquiring data from Goodreads’s server, I ran the script twice, on 3 different computers.</a:t>
-                      </a:r>
-                    </a:p>
-                  </a:txBody>
-                  <a:tcPr>
-                    <a:noFill/>
-                  </a:tcPr>
-                </a:tc>
-                <a:extLst>
-                  <a:ext uri="{0D108BD9-81ED-4DB2-BD59-A6C34878D82A}">
-                    <a16:rowId xmlns:a16="http://schemas.microsoft.com/office/drawing/2014/main" val="1470131030"/>
-                  </a:ext>
-                </a:extLst>
-              </a:tr>
-            </a:tbl>
-          </a:graphicData>
-        </a:graphic>
-      </p:graphicFrame>
-    </p:spTree>
-    <p:extLst>
-      <p:ext uri="{BB962C8B-B14F-4D97-AF65-F5344CB8AC3E}">
-        <p14:creationId xmlns:p14="http://schemas.microsoft.com/office/powerpoint/2010/main" val="3472904794"/>
-      </p:ext>
-    </p:extLst>
-  </p:cSld>
-  <p:clrMapOvr>
-    <a:masterClrMapping/>
-  </p:clrMapOvr>
-</p:sld>
-</file>
-
-<file path=ppt/slides/slide7.xml><?xml version="1.0" encoding="utf-8"?>
+<file path=ppt/slides/slide4.xml><?xml version="1.0" encoding="utf-8"?>
 <p:sld xmlns:a="http://schemas.openxmlformats.org/drawingml/2006/main" xmlns:r="http://schemas.openxmlformats.org/officeDocument/2006/relationships" xmlns:p="http://schemas.openxmlformats.org/presentationml/2006/main">
   <p:cSld>
     <p:spTree>
@@ -17255,7 +12992,7 @@
             <a:pPr algn="l" rtl="0"/>
             <a:r>
               <a:rPr lang="en-US" dirty="0"/>
-              <a:t>At this phase of the research, we get to know the data we just acquired, filtering unwanted values such as nulls, checking for correlations in the data,  balancing the data (there were too many book labels rated with 4 stars)</a:t>
+              <a:t>Filtering unwanted values such as nulls, checking for correlations in the data, balancing the data (there were too many book labels rated with 4 stars)</a:t>
             </a:r>
           </a:p>
           <a:p>
@@ -17329,7 +13066,7 @@
 </p:sld>
 </file>
 
-<file path=ppt/slides/slide8.xml><?xml version="1.0" encoding="utf-8"?>
+<file path=ppt/slides/slide5.xml><?xml version="1.0" encoding="utf-8"?>
 <p:sld xmlns:a="http://schemas.openxmlformats.org/drawingml/2006/main" xmlns:r="http://schemas.openxmlformats.org/officeDocument/2006/relationships" xmlns:p="http://schemas.openxmlformats.org/presentationml/2006/main">
   <p:cSld>
     <p:spTree>
@@ -17425,7 +13162,7 @@
           <p:nvPr>
             <p:extLst>
               <p:ext uri="{D42A27DB-BD31-4B8C-83A1-F6EECF244321}">
-                <p14:modId xmlns:p14="http://schemas.microsoft.com/office/powerpoint/2010/main" val="1625397370"/>
+                <p14:modId xmlns:p14="http://schemas.microsoft.com/office/powerpoint/2010/main" val="3362696985"/>
               </p:ext>
             </p:extLst>
           </p:nvPr>
@@ -17457,7 +13194,7 @@
                     <a:p>
                       <a:pPr algn="l" rtl="0"/>
                       <a:r>
-                        <a:rPr lang="en-US" dirty="0">
+                        <a:rPr lang="en-US" b="0" dirty="0">
                           <a:solidFill>
                             <a:schemeClr val="tx1"/>
                           </a:solidFill>
@@ -17468,14 +13205,14 @@
                     <a:p>
                       <a:pPr algn="l" rtl="0"/>
                       <a:r>
-                        <a:rPr lang="en-US" dirty="0">
+                        <a:rPr lang="en-US" b="0" dirty="0">
                           <a:solidFill>
                             <a:schemeClr val="tx1"/>
                           </a:solidFill>
                         </a:rPr>
                         <a:t>(Which is good because correlation indicates dependency, which we DON’T want to see.</a:t>
                       </a:r>
-                      <a:endParaRPr lang="he-IL" dirty="0">
+                      <a:endParaRPr lang="he-IL" b="0" dirty="0">
                         <a:solidFill>
                           <a:schemeClr val="tx1"/>
                         </a:solidFill>
@@ -17539,7 +13276,7 @@
           <p:nvPr>
             <p:extLst>
               <p:ext uri="{D42A27DB-BD31-4B8C-83A1-F6EECF244321}">
-                <p14:modId xmlns:p14="http://schemas.microsoft.com/office/powerpoint/2010/main" val="1507365698"/>
+                <p14:modId xmlns:p14="http://schemas.microsoft.com/office/powerpoint/2010/main" val="866649697"/>
               </p:ext>
             </p:extLst>
           </p:nvPr>
@@ -17571,18 +13308,18 @@
                     <a:p>
                       <a:pPr algn="l" rtl="0"/>
                       <a:r>
-                        <a:rPr lang="en-US" dirty="0">
+                        <a:rPr lang="en-US" b="0" dirty="0">
                           <a:solidFill>
                             <a:schemeClr val="tx1"/>
                           </a:solidFill>
                         </a:rPr>
-                        <a:t>Here we used an histogram to describe the top 10 most frequent genres in our data set.</a:t>
+                        <a:t>An histogram that describes the top 10 most frequent genres in the data set.</a:t>
                       </a:r>
                     </a:p>
                     <a:p>
                       <a:pPr algn="l" rtl="0"/>
                       <a:r>
-                        <a:rPr lang="en-US" dirty="0">
+                        <a:rPr lang="en-US" b="0" dirty="0">
                           <a:solidFill>
                             <a:schemeClr val="tx1"/>
                           </a:solidFill>
@@ -17590,7 +13327,7 @@
                         <a:t>Romance is most frequent section, followed by non-fiction </a:t>
                       </a:r>
                       <a:r>
-                        <a:rPr lang="he-IL" dirty="0">
+                        <a:rPr lang="he-IL" b="0" dirty="0">
                           <a:solidFill>
                             <a:schemeClr val="tx1"/>
                           </a:solidFill>

--- a/Books popularity prediction.pptx
+++ b/Books popularity prediction.pptx
@@ -5,14 +5,21 @@
     <p:sldMasterId id="2147483840" r:id="rId1"/>
   </p:sldMasterIdLst>
   <p:notesMasterIdLst>
-    <p:notesMasterId r:id="rId7"/>
+    <p:notesMasterId r:id="rId14"/>
   </p:notesMasterIdLst>
   <p:sldIdLst>
     <p:sldId id="256" r:id="rId2"/>
     <p:sldId id="259" r:id="rId3"/>
-    <p:sldId id="260" r:id="rId4"/>
-    <p:sldId id="261" r:id="rId5"/>
-    <p:sldId id="263" r:id="rId6"/>
+    <p:sldId id="266" r:id="rId4"/>
+    <p:sldId id="260" r:id="rId5"/>
+    <p:sldId id="270" r:id="rId6"/>
+    <p:sldId id="261" r:id="rId7"/>
+    <p:sldId id="263" r:id="rId8"/>
+    <p:sldId id="272" r:id="rId9"/>
+    <p:sldId id="269" r:id="rId10"/>
+    <p:sldId id="271" r:id="rId11"/>
+    <p:sldId id="273" r:id="rId12"/>
+    <p:sldId id="268" r:id="rId13"/>
   </p:sldIdLst>
   <p:sldSz cx="12192000" cy="6858000"/>
   <p:notesSz cx="6858000" cy="9144000"/>
@@ -867,6 +874,753 @@
 </file>
 
 <file path=ppt/diagrams/colors2.xml><?xml version="1.0" encoding="utf-8"?>
+<dgm:colorsDef xmlns:dgm="http://schemas.openxmlformats.org/drawingml/2006/diagram" xmlns:a="http://schemas.openxmlformats.org/drawingml/2006/main" uniqueId="urn:microsoft.com/office/officeart/2005/8/colors/accent1_2">
+  <dgm:title val=""/>
+  <dgm:desc val=""/>
+  <dgm:catLst>
+    <dgm:cat type="accent1" pri="11200"/>
+  </dgm:catLst>
+  <dgm:styleLbl name="node0">
+    <dgm:fillClrLst meth="repeat">
+      <a:schemeClr val="accent1"/>
+    </dgm:fillClrLst>
+    <dgm:linClrLst meth="repeat">
+      <a:schemeClr val="lt1"/>
+    </dgm:linClrLst>
+    <dgm:effectClrLst/>
+    <dgm:txLinClrLst/>
+    <dgm:txFillClrLst/>
+    <dgm:txEffectClrLst/>
+  </dgm:styleLbl>
+  <dgm:styleLbl name="alignNode1">
+    <dgm:fillClrLst meth="repeat">
+      <a:schemeClr val="accent1"/>
+    </dgm:fillClrLst>
+    <dgm:linClrLst meth="repeat">
+      <a:schemeClr val="accent1"/>
+    </dgm:linClrLst>
+    <dgm:effectClrLst/>
+    <dgm:txLinClrLst/>
+    <dgm:txFillClrLst/>
+    <dgm:txEffectClrLst/>
+  </dgm:styleLbl>
+  <dgm:styleLbl name="node1">
+    <dgm:fillClrLst meth="repeat">
+      <a:schemeClr val="accent1"/>
+    </dgm:fillClrLst>
+    <dgm:linClrLst meth="repeat">
+      <a:schemeClr val="lt1"/>
+    </dgm:linClrLst>
+    <dgm:effectClrLst/>
+    <dgm:txLinClrLst/>
+    <dgm:txFillClrLst/>
+    <dgm:txEffectClrLst/>
+  </dgm:styleLbl>
+  <dgm:styleLbl name="lnNode1">
+    <dgm:fillClrLst meth="repeat">
+      <a:schemeClr val="accent1"/>
+    </dgm:fillClrLst>
+    <dgm:linClrLst meth="repeat">
+      <a:schemeClr val="lt1"/>
+    </dgm:linClrLst>
+    <dgm:effectClrLst/>
+    <dgm:txLinClrLst/>
+    <dgm:txFillClrLst/>
+    <dgm:txEffectClrLst/>
+  </dgm:styleLbl>
+  <dgm:styleLbl name="vennNode1">
+    <dgm:fillClrLst meth="repeat">
+      <a:schemeClr val="accent1">
+        <a:alpha val="50000"/>
+      </a:schemeClr>
+    </dgm:fillClrLst>
+    <dgm:linClrLst meth="repeat">
+      <a:schemeClr val="lt1"/>
+    </dgm:linClrLst>
+    <dgm:effectClrLst/>
+    <dgm:txLinClrLst/>
+    <dgm:txFillClrLst/>
+    <dgm:txEffectClrLst/>
+  </dgm:styleLbl>
+  <dgm:styleLbl name="node2">
+    <dgm:fillClrLst meth="repeat">
+      <a:schemeClr val="accent1"/>
+    </dgm:fillClrLst>
+    <dgm:linClrLst meth="repeat">
+      <a:schemeClr val="lt1"/>
+    </dgm:linClrLst>
+    <dgm:effectClrLst/>
+    <dgm:txLinClrLst/>
+    <dgm:txFillClrLst/>
+    <dgm:txEffectClrLst/>
+  </dgm:styleLbl>
+  <dgm:styleLbl name="node3">
+    <dgm:fillClrLst meth="repeat">
+      <a:schemeClr val="accent1"/>
+    </dgm:fillClrLst>
+    <dgm:linClrLst meth="repeat">
+      <a:schemeClr val="lt1"/>
+    </dgm:linClrLst>
+    <dgm:effectClrLst/>
+    <dgm:txLinClrLst/>
+    <dgm:txFillClrLst/>
+    <dgm:txEffectClrLst/>
+  </dgm:styleLbl>
+  <dgm:styleLbl name="node4">
+    <dgm:fillClrLst meth="repeat">
+      <a:schemeClr val="accent1"/>
+    </dgm:fillClrLst>
+    <dgm:linClrLst meth="repeat">
+      <a:schemeClr val="lt1"/>
+    </dgm:linClrLst>
+    <dgm:effectClrLst/>
+    <dgm:txLinClrLst/>
+    <dgm:txFillClrLst/>
+    <dgm:txEffectClrLst/>
+  </dgm:styleLbl>
+  <dgm:styleLbl name="fgImgPlace1">
+    <dgm:fillClrLst meth="repeat">
+      <a:schemeClr val="accent1">
+        <a:tint val="50000"/>
+      </a:schemeClr>
+    </dgm:fillClrLst>
+    <dgm:linClrLst meth="repeat">
+      <a:schemeClr val="lt1"/>
+    </dgm:linClrLst>
+    <dgm:effectClrLst/>
+    <dgm:txLinClrLst/>
+    <dgm:txFillClrLst meth="repeat">
+      <a:schemeClr val="lt1"/>
+    </dgm:txFillClrLst>
+    <dgm:txEffectClrLst/>
+  </dgm:styleLbl>
+  <dgm:styleLbl name="alignImgPlace1">
+    <dgm:fillClrLst meth="repeat">
+      <a:schemeClr val="accent1">
+        <a:tint val="50000"/>
+      </a:schemeClr>
+    </dgm:fillClrLst>
+    <dgm:linClrLst meth="repeat">
+      <a:schemeClr val="lt1"/>
+    </dgm:linClrLst>
+    <dgm:effectClrLst/>
+    <dgm:txLinClrLst/>
+    <dgm:txFillClrLst meth="repeat">
+      <a:schemeClr val="lt1"/>
+    </dgm:txFillClrLst>
+    <dgm:txEffectClrLst/>
+  </dgm:styleLbl>
+  <dgm:styleLbl name="bgImgPlace1">
+    <dgm:fillClrLst meth="repeat">
+      <a:schemeClr val="accent1">
+        <a:tint val="50000"/>
+      </a:schemeClr>
+    </dgm:fillClrLst>
+    <dgm:linClrLst meth="repeat">
+      <a:schemeClr val="lt1"/>
+    </dgm:linClrLst>
+    <dgm:effectClrLst/>
+    <dgm:txLinClrLst/>
+    <dgm:txFillClrLst meth="repeat">
+      <a:schemeClr val="lt1"/>
+    </dgm:txFillClrLst>
+    <dgm:txEffectClrLst/>
+  </dgm:styleLbl>
+  <dgm:styleLbl name="sibTrans2D1">
+    <dgm:fillClrLst meth="repeat">
+      <a:schemeClr val="accent1">
+        <a:tint val="60000"/>
+      </a:schemeClr>
+    </dgm:fillClrLst>
+    <dgm:linClrLst meth="repeat">
+      <a:schemeClr val="accent1">
+        <a:tint val="60000"/>
+      </a:schemeClr>
+    </dgm:linClrLst>
+    <dgm:effectClrLst/>
+    <dgm:txLinClrLst/>
+    <dgm:txFillClrLst/>
+    <dgm:txEffectClrLst/>
+  </dgm:styleLbl>
+  <dgm:styleLbl name="fgSibTrans2D1">
+    <dgm:fillClrLst meth="repeat">
+      <a:schemeClr val="accent1">
+        <a:tint val="60000"/>
+      </a:schemeClr>
+    </dgm:fillClrLst>
+    <dgm:linClrLst meth="repeat">
+      <a:schemeClr val="accent1">
+        <a:tint val="60000"/>
+      </a:schemeClr>
+    </dgm:linClrLst>
+    <dgm:effectClrLst/>
+    <dgm:txLinClrLst/>
+    <dgm:txFillClrLst/>
+    <dgm:txEffectClrLst/>
+  </dgm:styleLbl>
+  <dgm:styleLbl name="bgSibTrans2D1">
+    <dgm:fillClrLst meth="repeat">
+      <a:schemeClr val="accent1">
+        <a:tint val="60000"/>
+      </a:schemeClr>
+    </dgm:fillClrLst>
+    <dgm:linClrLst meth="repeat">
+      <a:schemeClr val="accent1">
+        <a:tint val="60000"/>
+      </a:schemeClr>
+    </dgm:linClrLst>
+    <dgm:effectClrLst/>
+    <dgm:txLinClrLst/>
+    <dgm:txFillClrLst/>
+    <dgm:txEffectClrLst/>
+  </dgm:styleLbl>
+  <dgm:styleLbl name="sibTrans1D1">
+    <dgm:fillClrLst meth="repeat">
+      <a:schemeClr val="accent1"/>
+    </dgm:fillClrLst>
+    <dgm:linClrLst meth="repeat">
+      <a:schemeClr val="accent1"/>
+    </dgm:linClrLst>
+    <dgm:effectClrLst/>
+    <dgm:txLinClrLst/>
+    <dgm:txFillClrLst meth="repeat">
+      <a:schemeClr val="tx1"/>
+    </dgm:txFillClrLst>
+    <dgm:txEffectClrLst/>
+  </dgm:styleLbl>
+  <dgm:styleLbl name="callout">
+    <dgm:fillClrLst meth="repeat">
+      <a:schemeClr val="accent1"/>
+    </dgm:fillClrLst>
+    <dgm:linClrLst meth="repeat">
+      <a:schemeClr val="accent1">
+        <a:tint val="50000"/>
+      </a:schemeClr>
+    </dgm:linClrLst>
+    <dgm:effectClrLst/>
+    <dgm:txLinClrLst/>
+    <dgm:txFillClrLst meth="repeat">
+      <a:schemeClr val="tx1"/>
+    </dgm:txFillClrLst>
+    <dgm:txEffectClrLst/>
+  </dgm:styleLbl>
+  <dgm:styleLbl name="asst0">
+    <dgm:fillClrLst meth="repeat">
+      <a:schemeClr val="accent1"/>
+    </dgm:fillClrLst>
+    <dgm:linClrLst meth="repeat">
+      <a:schemeClr val="lt1"/>
+    </dgm:linClrLst>
+    <dgm:effectClrLst/>
+    <dgm:txLinClrLst/>
+    <dgm:txFillClrLst/>
+    <dgm:txEffectClrLst/>
+  </dgm:styleLbl>
+  <dgm:styleLbl name="asst1">
+    <dgm:fillClrLst meth="repeat">
+      <a:schemeClr val="accent1"/>
+    </dgm:fillClrLst>
+    <dgm:linClrLst meth="repeat">
+      <a:schemeClr val="lt1"/>
+    </dgm:linClrLst>
+    <dgm:effectClrLst/>
+    <dgm:txLinClrLst/>
+    <dgm:txFillClrLst/>
+    <dgm:txEffectClrLst/>
+  </dgm:styleLbl>
+  <dgm:styleLbl name="asst2">
+    <dgm:fillClrLst meth="repeat">
+      <a:schemeClr val="accent1"/>
+    </dgm:fillClrLst>
+    <dgm:linClrLst meth="repeat">
+      <a:schemeClr val="lt1"/>
+    </dgm:linClrLst>
+    <dgm:effectClrLst/>
+    <dgm:txLinClrLst/>
+    <dgm:txFillClrLst/>
+    <dgm:txEffectClrLst/>
+  </dgm:styleLbl>
+  <dgm:styleLbl name="asst3">
+    <dgm:fillClrLst meth="repeat">
+      <a:schemeClr val="accent1"/>
+    </dgm:fillClrLst>
+    <dgm:linClrLst meth="repeat">
+      <a:schemeClr val="lt1"/>
+    </dgm:linClrLst>
+    <dgm:effectClrLst/>
+    <dgm:txLinClrLst/>
+    <dgm:txFillClrLst/>
+    <dgm:txEffectClrLst/>
+  </dgm:styleLbl>
+  <dgm:styleLbl name="asst4">
+    <dgm:fillClrLst meth="repeat">
+      <a:schemeClr val="accent1"/>
+    </dgm:fillClrLst>
+    <dgm:linClrLst meth="repeat">
+      <a:schemeClr val="lt1"/>
+    </dgm:linClrLst>
+    <dgm:effectClrLst/>
+    <dgm:txLinClrLst/>
+    <dgm:txFillClrLst/>
+    <dgm:txEffectClrLst/>
+  </dgm:styleLbl>
+  <dgm:styleLbl name="parChTrans2D1">
+    <dgm:fillClrLst meth="repeat">
+      <a:schemeClr val="accent1">
+        <a:tint val="60000"/>
+      </a:schemeClr>
+    </dgm:fillClrLst>
+    <dgm:linClrLst meth="repeat">
+      <a:schemeClr val="accent1">
+        <a:tint val="60000"/>
+      </a:schemeClr>
+    </dgm:linClrLst>
+    <dgm:effectClrLst/>
+    <dgm:txLinClrLst/>
+    <dgm:txFillClrLst meth="repeat">
+      <a:schemeClr val="lt1"/>
+    </dgm:txFillClrLst>
+    <dgm:txEffectClrLst/>
+  </dgm:styleLbl>
+  <dgm:styleLbl name="parChTrans2D2">
+    <dgm:fillClrLst meth="repeat">
+      <a:schemeClr val="accent1"/>
+    </dgm:fillClrLst>
+    <dgm:linClrLst meth="repeat">
+      <a:schemeClr val="accent1"/>
+    </dgm:linClrLst>
+    <dgm:effectClrLst/>
+    <dgm:txLinClrLst/>
+    <dgm:txFillClrLst meth="repeat">
+      <a:schemeClr val="lt1"/>
+    </dgm:txFillClrLst>
+    <dgm:txEffectClrLst/>
+  </dgm:styleLbl>
+  <dgm:styleLbl name="parChTrans2D3">
+    <dgm:fillClrLst meth="repeat">
+      <a:schemeClr val="accent1"/>
+    </dgm:fillClrLst>
+    <dgm:linClrLst meth="repeat">
+      <a:schemeClr val="accent1"/>
+    </dgm:linClrLst>
+    <dgm:effectClrLst/>
+    <dgm:txLinClrLst/>
+    <dgm:txFillClrLst meth="repeat">
+      <a:schemeClr val="lt1"/>
+    </dgm:txFillClrLst>
+    <dgm:txEffectClrLst/>
+  </dgm:styleLbl>
+  <dgm:styleLbl name="parChTrans2D4">
+    <dgm:fillClrLst meth="repeat">
+      <a:schemeClr val="accent1"/>
+    </dgm:fillClrLst>
+    <dgm:linClrLst meth="repeat">
+      <a:schemeClr val="accent1"/>
+    </dgm:linClrLst>
+    <dgm:effectClrLst/>
+    <dgm:txLinClrLst/>
+    <dgm:txFillClrLst meth="repeat">
+      <a:schemeClr val="lt1"/>
+    </dgm:txFillClrLst>
+    <dgm:txEffectClrLst/>
+  </dgm:styleLbl>
+  <dgm:styleLbl name="parChTrans1D1">
+    <dgm:fillClrLst meth="repeat">
+      <a:schemeClr val="accent1"/>
+    </dgm:fillClrLst>
+    <dgm:linClrLst meth="repeat">
+      <a:schemeClr val="accent1">
+        <a:shade val="60000"/>
+      </a:schemeClr>
+    </dgm:linClrLst>
+    <dgm:effectClrLst/>
+    <dgm:txLinClrLst/>
+    <dgm:txFillClrLst meth="repeat">
+      <a:schemeClr val="tx1"/>
+    </dgm:txFillClrLst>
+    <dgm:txEffectClrLst/>
+  </dgm:styleLbl>
+  <dgm:styleLbl name="parChTrans1D2">
+    <dgm:fillClrLst meth="repeat">
+      <a:schemeClr val="accent1"/>
+    </dgm:fillClrLst>
+    <dgm:linClrLst meth="repeat">
+      <a:schemeClr val="accent1">
+        <a:shade val="60000"/>
+      </a:schemeClr>
+    </dgm:linClrLst>
+    <dgm:effectClrLst/>
+    <dgm:txLinClrLst/>
+    <dgm:txFillClrLst meth="repeat">
+      <a:schemeClr val="tx1"/>
+    </dgm:txFillClrLst>
+    <dgm:txEffectClrLst/>
+  </dgm:styleLbl>
+  <dgm:styleLbl name="parChTrans1D3">
+    <dgm:fillClrLst meth="repeat">
+      <a:schemeClr val="accent1"/>
+    </dgm:fillClrLst>
+    <dgm:linClrLst meth="repeat">
+      <a:schemeClr val="accent1">
+        <a:shade val="80000"/>
+      </a:schemeClr>
+    </dgm:linClrLst>
+    <dgm:effectClrLst/>
+    <dgm:txLinClrLst/>
+    <dgm:txFillClrLst meth="repeat">
+      <a:schemeClr val="tx1"/>
+    </dgm:txFillClrLst>
+    <dgm:txEffectClrLst/>
+  </dgm:styleLbl>
+  <dgm:styleLbl name="parChTrans1D4">
+    <dgm:fillClrLst meth="repeat">
+      <a:schemeClr val="accent1"/>
+    </dgm:fillClrLst>
+    <dgm:linClrLst meth="repeat">
+      <a:schemeClr val="accent1">
+        <a:shade val="80000"/>
+      </a:schemeClr>
+    </dgm:linClrLst>
+    <dgm:effectClrLst/>
+    <dgm:txLinClrLst/>
+    <dgm:txFillClrLst meth="repeat">
+      <a:schemeClr val="tx1"/>
+    </dgm:txFillClrLst>
+    <dgm:txEffectClrLst/>
+  </dgm:styleLbl>
+  <dgm:styleLbl name="fgAcc1">
+    <dgm:fillClrLst meth="repeat">
+      <a:schemeClr val="lt1">
+        <a:alpha val="90000"/>
+      </a:schemeClr>
+    </dgm:fillClrLst>
+    <dgm:linClrLst meth="repeat">
+      <a:schemeClr val="accent1"/>
+    </dgm:linClrLst>
+    <dgm:effectClrLst/>
+    <dgm:txLinClrLst/>
+    <dgm:txFillClrLst meth="repeat">
+      <a:schemeClr val="dk1"/>
+    </dgm:txFillClrLst>
+    <dgm:txEffectClrLst/>
+  </dgm:styleLbl>
+  <dgm:styleLbl name="conFgAcc1">
+    <dgm:fillClrLst meth="repeat">
+      <a:schemeClr val="lt1">
+        <a:alpha val="90000"/>
+      </a:schemeClr>
+    </dgm:fillClrLst>
+    <dgm:linClrLst meth="repeat">
+      <a:schemeClr val="accent1"/>
+    </dgm:linClrLst>
+    <dgm:effectClrLst/>
+    <dgm:txLinClrLst/>
+    <dgm:txFillClrLst meth="repeat">
+      <a:schemeClr val="dk1"/>
+    </dgm:txFillClrLst>
+    <dgm:txEffectClrLst/>
+  </dgm:styleLbl>
+  <dgm:styleLbl name="alignAcc1">
+    <dgm:fillClrLst meth="repeat">
+      <a:schemeClr val="lt1">
+        <a:alpha val="90000"/>
+      </a:schemeClr>
+    </dgm:fillClrLst>
+    <dgm:linClrLst meth="repeat">
+      <a:schemeClr val="accent1"/>
+    </dgm:linClrLst>
+    <dgm:effectClrLst/>
+    <dgm:txLinClrLst/>
+    <dgm:txFillClrLst meth="repeat">
+      <a:schemeClr val="dk1"/>
+    </dgm:txFillClrLst>
+    <dgm:txEffectClrLst/>
+  </dgm:styleLbl>
+  <dgm:styleLbl name="trAlignAcc1">
+    <dgm:fillClrLst meth="repeat">
+      <a:schemeClr val="lt1">
+        <a:alpha val="40000"/>
+      </a:schemeClr>
+    </dgm:fillClrLst>
+    <dgm:linClrLst meth="repeat">
+      <a:schemeClr val="accent1"/>
+    </dgm:linClrLst>
+    <dgm:effectClrLst/>
+    <dgm:txLinClrLst/>
+    <dgm:txFillClrLst meth="repeat">
+      <a:schemeClr val="dk1"/>
+    </dgm:txFillClrLst>
+    <dgm:txEffectClrLst/>
+  </dgm:styleLbl>
+  <dgm:styleLbl name="bgAcc1">
+    <dgm:fillClrLst meth="repeat">
+      <a:schemeClr val="lt1">
+        <a:alpha val="90000"/>
+      </a:schemeClr>
+    </dgm:fillClrLst>
+    <dgm:linClrLst meth="repeat">
+      <a:schemeClr val="accent1"/>
+    </dgm:linClrLst>
+    <dgm:effectClrLst/>
+    <dgm:txLinClrLst/>
+    <dgm:txFillClrLst meth="repeat">
+      <a:schemeClr val="dk1"/>
+    </dgm:txFillClrLst>
+    <dgm:txEffectClrLst/>
+  </dgm:styleLbl>
+  <dgm:styleLbl name="solidFgAcc1">
+    <dgm:fillClrLst meth="repeat">
+      <a:schemeClr val="lt1"/>
+    </dgm:fillClrLst>
+    <dgm:linClrLst meth="repeat">
+      <a:schemeClr val="accent1"/>
+    </dgm:linClrLst>
+    <dgm:effectClrLst/>
+    <dgm:txLinClrLst/>
+    <dgm:txFillClrLst meth="repeat">
+      <a:schemeClr val="dk1"/>
+    </dgm:txFillClrLst>
+    <dgm:txEffectClrLst/>
+  </dgm:styleLbl>
+  <dgm:styleLbl name="solidAlignAcc1">
+    <dgm:fillClrLst meth="repeat">
+      <a:schemeClr val="lt1"/>
+    </dgm:fillClrLst>
+    <dgm:linClrLst meth="repeat">
+      <a:schemeClr val="accent1"/>
+    </dgm:linClrLst>
+    <dgm:effectClrLst/>
+    <dgm:txLinClrLst/>
+    <dgm:txFillClrLst meth="repeat">
+      <a:schemeClr val="dk1"/>
+    </dgm:txFillClrLst>
+    <dgm:txEffectClrLst/>
+  </dgm:styleLbl>
+  <dgm:styleLbl name="solidBgAcc1">
+    <dgm:fillClrLst meth="repeat">
+      <a:schemeClr val="lt1"/>
+    </dgm:fillClrLst>
+    <dgm:linClrLst meth="repeat">
+      <a:schemeClr val="accent1"/>
+    </dgm:linClrLst>
+    <dgm:effectClrLst/>
+    <dgm:txLinClrLst/>
+    <dgm:txFillClrLst meth="repeat">
+      <a:schemeClr val="dk1"/>
+    </dgm:txFillClrLst>
+    <dgm:txEffectClrLst/>
+  </dgm:styleLbl>
+  <dgm:styleLbl name="fgAccFollowNode1">
+    <dgm:fillClrLst meth="repeat">
+      <a:schemeClr val="accent1">
+        <a:alpha val="90000"/>
+        <a:tint val="40000"/>
+      </a:schemeClr>
+    </dgm:fillClrLst>
+    <dgm:linClrLst meth="repeat">
+      <a:schemeClr val="accent1">
+        <a:alpha val="90000"/>
+        <a:tint val="40000"/>
+      </a:schemeClr>
+    </dgm:linClrLst>
+    <dgm:effectClrLst/>
+    <dgm:txLinClrLst/>
+    <dgm:txFillClrLst meth="repeat">
+      <a:schemeClr val="dk1"/>
+    </dgm:txFillClrLst>
+    <dgm:txEffectClrLst/>
+  </dgm:styleLbl>
+  <dgm:styleLbl name="alignAccFollowNode1">
+    <dgm:fillClrLst meth="repeat">
+      <a:schemeClr val="accent1">
+        <a:alpha val="90000"/>
+        <a:tint val="40000"/>
+      </a:schemeClr>
+    </dgm:fillClrLst>
+    <dgm:linClrLst meth="repeat">
+      <a:schemeClr val="accent1">
+        <a:alpha val="90000"/>
+        <a:tint val="40000"/>
+      </a:schemeClr>
+    </dgm:linClrLst>
+    <dgm:effectClrLst/>
+    <dgm:txLinClrLst/>
+    <dgm:txFillClrLst meth="repeat">
+      <a:schemeClr val="dk1"/>
+    </dgm:txFillClrLst>
+    <dgm:txEffectClrLst/>
+  </dgm:styleLbl>
+  <dgm:styleLbl name="bgAccFollowNode1">
+    <dgm:fillClrLst meth="repeat">
+      <a:schemeClr val="accent1">
+        <a:alpha val="90000"/>
+        <a:tint val="40000"/>
+      </a:schemeClr>
+    </dgm:fillClrLst>
+    <dgm:linClrLst meth="repeat">
+      <a:schemeClr val="accent1">
+        <a:alpha val="90000"/>
+        <a:tint val="40000"/>
+      </a:schemeClr>
+    </dgm:linClrLst>
+    <dgm:effectClrLst/>
+    <dgm:txLinClrLst/>
+    <dgm:txFillClrLst meth="repeat">
+      <a:schemeClr val="dk1"/>
+    </dgm:txFillClrLst>
+    <dgm:txEffectClrLst/>
+  </dgm:styleLbl>
+  <dgm:styleLbl name="fgAcc0">
+    <dgm:fillClrLst meth="repeat">
+      <a:schemeClr val="lt1">
+        <a:alpha val="90000"/>
+      </a:schemeClr>
+    </dgm:fillClrLst>
+    <dgm:linClrLst meth="repeat">
+      <a:schemeClr val="accent1"/>
+    </dgm:linClrLst>
+    <dgm:effectClrLst/>
+    <dgm:txLinClrLst/>
+    <dgm:txFillClrLst meth="repeat">
+      <a:schemeClr val="dk1"/>
+    </dgm:txFillClrLst>
+    <dgm:txEffectClrLst/>
+  </dgm:styleLbl>
+  <dgm:styleLbl name="fgAcc2">
+    <dgm:fillClrLst meth="repeat">
+      <a:schemeClr val="lt1">
+        <a:alpha val="90000"/>
+      </a:schemeClr>
+    </dgm:fillClrLst>
+    <dgm:linClrLst meth="repeat">
+      <a:schemeClr val="accent1"/>
+    </dgm:linClrLst>
+    <dgm:effectClrLst/>
+    <dgm:txLinClrLst/>
+    <dgm:txFillClrLst meth="repeat">
+      <a:schemeClr val="dk1"/>
+    </dgm:txFillClrLst>
+    <dgm:txEffectClrLst/>
+  </dgm:styleLbl>
+  <dgm:styleLbl name="fgAcc3">
+    <dgm:fillClrLst meth="repeat">
+      <a:schemeClr val="lt1">
+        <a:alpha val="90000"/>
+      </a:schemeClr>
+    </dgm:fillClrLst>
+    <dgm:linClrLst meth="repeat">
+      <a:schemeClr val="accent1"/>
+    </dgm:linClrLst>
+    <dgm:effectClrLst/>
+    <dgm:txLinClrLst/>
+    <dgm:txFillClrLst meth="repeat">
+      <a:schemeClr val="dk1"/>
+    </dgm:txFillClrLst>
+    <dgm:txEffectClrLst/>
+  </dgm:styleLbl>
+  <dgm:styleLbl name="fgAcc4">
+    <dgm:fillClrLst meth="repeat">
+      <a:schemeClr val="lt1">
+        <a:alpha val="90000"/>
+      </a:schemeClr>
+    </dgm:fillClrLst>
+    <dgm:linClrLst meth="repeat">
+      <a:schemeClr val="accent1"/>
+    </dgm:linClrLst>
+    <dgm:effectClrLst/>
+    <dgm:txLinClrLst/>
+    <dgm:txFillClrLst meth="repeat">
+      <a:schemeClr val="dk1"/>
+    </dgm:txFillClrLst>
+    <dgm:txEffectClrLst/>
+  </dgm:styleLbl>
+  <dgm:styleLbl name="bgShp">
+    <dgm:fillClrLst meth="repeat">
+      <a:schemeClr val="accent1">
+        <a:tint val="40000"/>
+      </a:schemeClr>
+    </dgm:fillClrLst>
+    <dgm:linClrLst meth="repeat">
+      <a:schemeClr val="accent1"/>
+    </dgm:linClrLst>
+    <dgm:effectClrLst/>
+    <dgm:txLinClrLst/>
+    <dgm:txFillClrLst meth="repeat">
+      <a:schemeClr val="dk1"/>
+    </dgm:txFillClrLst>
+    <dgm:txEffectClrLst/>
+  </dgm:styleLbl>
+  <dgm:styleLbl name="dkBgShp">
+    <dgm:fillClrLst meth="repeat">
+      <a:schemeClr val="accent1">
+        <a:shade val="80000"/>
+      </a:schemeClr>
+    </dgm:fillClrLst>
+    <dgm:linClrLst meth="repeat">
+      <a:schemeClr val="accent1"/>
+    </dgm:linClrLst>
+    <dgm:effectClrLst/>
+    <dgm:txLinClrLst/>
+    <dgm:txFillClrLst meth="repeat">
+      <a:schemeClr val="lt1"/>
+    </dgm:txFillClrLst>
+    <dgm:txEffectClrLst/>
+  </dgm:styleLbl>
+  <dgm:styleLbl name="trBgShp">
+    <dgm:fillClrLst meth="repeat">
+      <a:schemeClr val="accent1">
+        <a:tint val="50000"/>
+        <a:alpha val="40000"/>
+      </a:schemeClr>
+    </dgm:fillClrLst>
+    <dgm:linClrLst meth="repeat">
+      <a:schemeClr val="accent1"/>
+    </dgm:linClrLst>
+    <dgm:effectClrLst/>
+    <dgm:txLinClrLst/>
+    <dgm:txFillClrLst meth="repeat">
+      <a:schemeClr val="lt1"/>
+    </dgm:txFillClrLst>
+    <dgm:txEffectClrLst/>
+  </dgm:styleLbl>
+  <dgm:styleLbl name="fgShp">
+    <dgm:fillClrLst meth="repeat">
+      <a:schemeClr val="accent1">
+        <a:tint val="60000"/>
+      </a:schemeClr>
+    </dgm:fillClrLst>
+    <dgm:linClrLst meth="repeat">
+      <a:schemeClr val="lt1"/>
+    </dgm:linClrLst>
+    <dgm:effectClrLst/>
+    <dgm:txLinClrLst/>
+    <dgm:txFillClrLst meth="repeat">
+      <a:schemeClr val="dk1"/>
+    </dgm:txFillClrLst>
+    <dgm:txEffectClrLst/>
+  </dgm:styleLbl>
+  <dgm:styleLbl name="revTx">
+    <dgm:fillClrLst meth="repeat">
+      <a:schemeClr val="lt1">
+        <a:alpha val="0"/>
+      </a:schemeClr>
+    </dgm:fillClrLst>
+    <dgm:linClrLst meth="repeat">
+      <a:schemeClr val="dk1">
+        <a:alpha val="0"/>
+      </a:schemeClr>
+    </dgm:linClrLst>
+    <dgm:effectClrLst/>
+    <dgm:txLinClrLst/>
+    <dgm:txFillClrLst meth="repeat">
+      <a:schemeClr val="tx1"/>
+    </dgm:txFillClrLst>
+    <dgm:txEffectClrLst/>
+  </dgm:styleLbl>
+</dgm:colorsDef>
+</file>
+
+<file path=ppt/diagrams/colors3.xml><?xml version="1.0" encoding="utf-8"?>
 <dgm:colorsDef xmlns:dgm="http://schemas.openxmlformats.org/drawingml/2006/diagram" xmlns:a="http://schemas.openxmlformats.org/drawingml/2006/main" uniqueId="urn:microsoft.com/office/officeart/2005/8/colors/accent1_2">
   <dgm:title val=""/>
   <dgm:desc val=""/>
@@ -1788,46 +2542,6 @@
         </a:p>
       </dgm:t>
     </dgm:pt>
-    <dgm:pt modelId="{271099EF-1E5B-4001-92D4-663710432066}">
-      <dgm:prSet custT="1"/>
-      <dgm:spPr/>
-      <dgm:t>
-        <a:bodyPr/>
-        <a:lstStyle/>
-        <a:p>
-          <a:pPr rtl="1"/>
-          <a:r>
-            <a:rPr lang="en-US" sz="2200" dirty="0"/>
-            <a:t>WOW EFFECT</a:t>
-          </a:r>
-          <a:endParaRPr lang="he-IL" sz="2200" dirty="0"/>
-        </a:p>
-      </dgm:t>
-    </dgm:pt>
-    <dgm:pt modelId="{305B43B8-55A9-4F60-BFFC-728D3DBF122F}" type="parTrans" cxnId="{D241552B-C941-4683-895E-FA742EAB3974}">
-      <dgm:prSet/>
-      <dgm:spPr/>
-      <dgm:t>
-        <a:bodyPr/>
-        <a:lstStyle/>
-        <a:p>
-          <a:pPr rtl="1"/>
-          <a:endParaRPr lang="he-IL"/>
-        </a:p>
-      </dgm:t>
-    </dgm:pt>
-    <dgm:pt modelId="{18B86469-8BCA-4849-B24B-70D893EA7C34}" type="sibTrans" cxnId="{D241552B-C941-4683-895E-FA742EAB3974}">
-      <dgm:prSet/>
-      <dgm:spPr/>
-      <dgm:t>
-        <a:bodyPr/>
-        <a:lstStyle/>
-        <a:p>
-          <a:pPr rtl="1"/>
-          <a:endParaRPr lang="he-IL"/>
-        </a:p>
-      </dgm:t>
-    </dgm:pt>
     <dgm:pt modelId="{1F782C02-7891-41BE-82AD-215A94DAE870}" type="pres">
       <dgm:prSet presAssocID="{B34D7DD4-C264-498A-A241-9582938900AA}" presName="Name0" presStyleCnt="0">
         <dgm:presLayoutVars>
@@ -1838,7 +2552,7 @@
       <dgm:spPr/>
     </dgm:pt>
     <dgm:pt modelId="{80D759A4-F179-4CFE-AA4D-6BA803B32F5A}" type="pres">
-      <dgm:prSet presAssocID="{C0C7ADB7-651B-4E30-ACF4-5A76E33FC107}" presName="parTxOnly" presStyleLbl="node1" presStyleIdx="0" presStyleCnt="5" custScaleX="111744">
+      <dgm:prSet presAssocID="{C0C7ADB7-651B-4E30-ACF4-5A76E33FC107}" presName="parTxOnly" presStyleLbl="node1" presStyleIdx="0" presStyleCnt="4" custScaleX="111744">
         <dgm:presLayoutVars>
           <dgm:bulletEnabled val="1"/>
         </dgm:presLayoutVars>
@@ -1850,7 +2564,7 @@
       <dgm:spPr/>
     </dgm:pt>
     <dgm:pt modelId="{0AC55165-65B0-4ADB-87BD-45F01C6E0F7D}" type="pres">
-      <dgm:prSet presAssocID="{D9FB35D8-2398-4E72-B2D5-6E198D0DC88B}" presName="parTxOnly" presStyleLbl="node1" presStyleIdx="1" presStyleCnt="5">
+      <dgm:prSet presAssocID="{D9FB35D8-2398-4E72-B2D5-6E198D0DC88B}" presName="parTxOnly" presStyleLbl="node1" presStyleIdx="1" presStyleCnt="4">
         <dgm:presLayoutVars>
           <dgm:bulletEnabled val="1"/>
         </dgm:presLayoutVars>
@@ -1862,7 +2576,7 @@
       <dgm:spPr/>
     </dgm:pt>
     <dgm:pt modelId="{637A9E18-600F-4A62-9F3D-E02A407A4EB4}" type="pres">
-      <dgm:prSet presAssocID="{4385D6A8-1653-45FD-8DB0-44BD69BD6386}" presName="parTxOnly" presStyleLbl="node1" presStyleIdx="2" presStyleCnt="5">
+      <dgm:prSet presAssocID="{4385D6A8-1653-45FD-8DB0-44BD69BD6386}" presName="parTxOnly" presStyleLbl="node1" presStyleIdx="2" presStyleCnt="4">
         <dgm:presLayoutVars>
           <dgm:bulletEnabled val="1"/>
         </dgm:presLayoutVars>
@@ -1874,19 +2588,7 @@
       <dgm:spPr/>
     </dgm:pt>
     <dgm:pt modelId="{73A18EFD-11C1-4EBC-BDAA-CEA1EE6669D9}" type="pres">
-      <dgm:prSet presAssocID="{28984869-DB4D-446D-9C25-36E99AA65655}" presName="parTxOnly" presStyleLbl="node1" presStyleIdx="3" presStyleCnt="5">
-        <dgm:presLayoutVars>
-          <dgm:bulletEnabled val="1"/>
-        </dgm:presLayoutVars>
-      </dgm:prSet>
-      <dgm:spPr/>
-    </dgm:pt>
-    <dgm:pt modelId="{D7B5ACF1-02CC-459F-8B37-B89BC6F21BC7}" type="pres">
-      <dgm:prSet presAssocID="{256F1302-E9CB-4C53-BABC-F70CE8C6CC65}" presName="parSpace" presStyleCnt="0"/>
-      <dgm:spPr/>
-    </dgm:pt>
-    <dgm:pt modelId="{19C000DA-ACE8-45EB-81AA-5F2F7EEFD0D6}" type="pres">
-      <dgm:prSet presAssocID="{271099EF-1E5B-4001-92D4-663710432066}" presName="parTxOnly" presStyleLbl="node1" presStyleIdx="4" presStyleCnt="5">
+      <dgm:prSet presAssocID="{28984869-DB4D-446D-9C25-36E99AA65655}" presName="parTxOnly" presStyleLbl="node1" presStyleIdx="3" presStyleCnt="4">
         <dgm:presLayoutVars>
           <dgm:bulletEnabled val="1"/>
         </dgm:presLayoutVars>
@@ -1897,7 +2599,6 @@
   <dgm:cxnLst>
     <dgm:cxn modelId="{0FB8E727-289C-4BB8-A549-A33B6E0821AA}" srcId="{B34D7DD4-C264-498A-A241-9582938900AA}" destId="{4385D6A8-1653-45FD-8DB0-44BD69BD6386}" srcOrd="2" destOrd="0" parTransId="{2C61C5FE-90B0-4E43-890A-97F8A8293254}" sibTransId="{8BF4A0B3-5BB5-4802-A8B6-1AA3FF811FAC}"/>
     <dgm:cxn modelId="{C7F3D029-1CBD-4FA0-9B10-6ABE89F0F476}" type="presOf" srcId="{4385D6A8-1653-45FD-8DB0-44BD69BD6386}" destId="{637A9E18-600F-4A62-9F3D-E02A407A4EB4}" srcOrd="0" destOrd="0" presId="urn:microsoft.com/office/officeart/2005/8/layout/hChevron3"/>
-    <dgm:cxn modelId="{D241552B-C941-4683-895E-FA742EAB3974}" srcId="{B34D7DD4-C264-498A-A241-9582938900AA}" destId="{271099EF-1E5B-4001-92D4-663710432066}" srcOrd="4" destOrd="0" parTransId="{305B43B8-55A9-4F60-BFFC-728D3DBF122F}" sibTransId="{18B86469-8BCA-4849-B24B-70D893EA7C34}"/>
     <dgm:cxn modelId="{C2BAA037-0023-4DD7-9BF9-36A452632BA2}" srcId="{B34D7DD4-C264-498A-A241-9582938900AA}" destId="{D9FB35D8-2398-4E72-B2D5-6E198D0DC88B}" srcOrd="1" destOrd="0" parTransId="{DED80F22-4AD9-4D1B-8B78-71AFA9F34740}" sibTransId="{FAA545EE-42F8-4703-B2AC-16181F4F35BD}"/>
     <dgm:cxn modelId="{E3D8B288-FEF8-4128-8652-B38E34501C4C}" type="presOf" srcId="{B34D7DD4-C264-498A-A241-9582938900AA}" destId="{1F782C02-7891-41BE-82AD-215A94DAE870}" srcOrd="0" destOrd="0" presId="urn:microsoft.com/office/officeart/2005/8/layout/hChevron3"/>
     <dgm:cxn modelId="{F94BB1A4-68A3-44A2-91AF-394EEF22E24A}" type="presOf" srcId="{D9FB35D8-2398-4E72-B2D5-6E198D0DC88B}" destId="{0AC55165-65B0-4ADB-87BD-45F01C6E0F7D}" srcOrd="0" destOrd="0" presId="urn:microsoft.com/office/officeart/2005/8/layout/hChevron3"/>
@@ -1905,7 +2606,6 @@
     <dgm:cxn modelId="{4C64CCC0-3014-447A-90E5-202389A268F8}" type="presOf" srcId="{28984869-DB4D-446D-9C25-36E99AA65655}" destId="{73A18EFD-11C1-4EBC-BDAA-CEA1EE6669D9}" srcOrd="0" destOrd="0" presId="urn:microsoft.com/office/officeart/2005/8/layout/hChevron3"/>
     <dgm:cxn modelId="{CC2556C8-72EB-42F2-A7E3-6281701E9FC5}" type="presOf" srcId="{C0C7ADB7-651B-4E30-ACF4-5A76E33FC107}" destId="{80D759A4-F179-4CFE-AA4D-6BA803B32F5A}" srcOrd="0" destOrd="0" presId="urn:microsoft.com/office/officeart/2005/8/layout/hChevron3"/>
     <dgm:cxn modelId="{EF7AFCD2-DFB0-4F31-918D-5A2ED62E58C0}" srcId="{B34D7DD4-C264-498A-A241-9582938900AA}" destId="{C0C7ADB7-651B-4E30-ACF4-5A76E33FC107}" srcOrd="0" destOrd="0" parTransId="{D92BED74-A1D8-4DC0-9159-76B17198CB50}" sibTransId="{9B4ADBD0-CD87-496C-BD64-E81348702568}"/>
-    <dgm:cxn modelId="{2A293EE8-2112-402E-9720-72057E362F93}" type="presOf" srcId="{271099EF-1E5B-4001-92D4-663710432066}" destId="{19C000DA-ACE8-45EB-81AA-5F2F7EEFD0D6}" srcOrd="0" destOrd="0" presId="urn:microsoft.com/office/officeart/2005/8/layout/hChevron3"/>
     <dgm:cxn modelId="{7A549880-966F-4FCA-8CE5-B9CAE115A3F0}" type="presParOf" srcId="{1F782C02-7891-41BE-82AD-215A94DAE870}" destId="{80D759A4-F179-4CFE-AA4D-6BA803B32F5A}" srcOrd="0" destOrd="0" presId="urn:microsoft.com/office/officeart/2005/8/layout/hChevron3"/>
     <dgm:cxn modelId="{7F7561B1-BD4B-4874-938A-2D272B2C3DC0}" type="presParOf" srcId="{1F782C02-7891-41BE-82AD-215A94DAE870}" destId="{1A081BC8-5107-48AA-AA2E-4FF47C8CE152}" srcOrd="1" destOrd="0" presId="urn:microsoft.com/office/officeart/2005/8/layout/hChevron3"/>
     <dgm:cxn modelId="{0127AE3F-FFAD-4195-A5D9-91C96453BCDB}" type="presParOf" srcId="{1F782C02-7891-41BE-82AD-215A94DAE870}" destId="{0AC55165-65B0-4ADB-87BD-45F01C6E0F7D}" srcOrd="2" destOrd="0" presId="urn:microsoft.com/office/officeart/2005/8/layout/hChevron3"/>
@@ -1913,8 +2613,6 @@
     <dgm:cxn modelId="{70604FE3-EF6F-45F4-B7EB-2B5CE3E3EC59}" type="presParOf" srcId="{1F782C02-7891-41BE-82AD-215A94DAE870}" destId="{637A9E18-600F-4A62-9F3D-E02A407A4EB4}" srcOrd="4" destOrd="0" presId="urn:microsoft.com/office/officeart/2005/8/layout/hChevron3"/>
     <dgm:cxn modelId="{8B5DAA66-8676-4E58-AB49-F1A4381ABE38}" type="presParOf" srcId="{1F782C02-7891-41BE-82AD-215A94DAE870}" destId="{6F80097F-A135-4752-A937-1AD3582EF28B}" srcOrd="5" destOrd="0" presId="urn:microsoft.com/office/officeart/2005/8/layout/hChevron3"/>
     <dgm:cxn modelId="{C1A9B4AE-9ADF-4C01-909A-A6E4B5FC7D6C}" type="presParOf" srcId="{1F782C02-7891-41BE-82AD-215A94DAE870}" destId="{73A18EFD-11C1-4EBC-BDAA-CEA1EE6669D9}" srcOrd="6" destOrd="0" presId="urn:microsoft.com/office/officeart/2005/8/layout/hChevron3"/>
-    <dgm:cxn modelId="{5CB3E9A2-DE7E-4E57-A5C4-944BA6FCA5CD}" type="presParOf" srcId="{1F782C02-7891-41BE-82AD-215A94DAE870}" destId="{D7B5ACF1-02CC-459F-8B37-B89BC6F21BC7}" srcOrd="7" destOrd="0" presId="urn:microsoft.com/office/officeart/2005/8/layout/hChevron3"/>
-    <dgm:cxn modelId="{3CD9BD34-3338-4D69-9A7F-CF73C2524BFF}" type="presParOf" srcId="{1F782C02-7891-41BE-82AD-215A94DAE870}" destId="{19C000DA-ACE8-45EB-81AA-5F2F7EEFD0D6}" srcOrd="8" destOrd="0" presId="urn:microsoft.com/office/officeart/2005/8/layout/hChevron3"/>
   </dgm:cxnLst>
   <dgm:bg/>
   <dgm:whole/>
@@ -1937,7 +2635,7 @@
       <dgm:prSet phldrT="[טקסט]" custT="1"/>
       <dgm:spPr>
         <a:solidFill>
-          <a:schemeClr val="accent1"/>
+          <a:schemeClr val="accent5"/>
         </a:solidFill>
       </dgm:spPr>
       <dgm:t>
@@ -1947,9 +2645,13 @@
           <a:pPr rtl="1"/>
           <a:r>
             <a:rPr lang="en-US" sz="2200" dirty="0"/>
-            <a:t>Data Acquisition</a:t>
+            <a:t>Data</a:t>
           </a:r>
-          <a:endParaRPr lang="he-IL" sz="2200" dirty="0"/>
+          <a:r>
+            <a:rPr lang="en-US" sz="2400" dirty="0"/>
+            <a:t> Acquisition</a:t>
+          </a:r>
+          <a:endParaRPr lang="he-IL" sz="2400" dirty="0"/>
         </a:p>
       </dgm:t>
     </dgm:pt>
@@ -1979,11 +2681,7 @@
     </dgm:pt>
     <dgm:pt modelId="{D9FB35D8-2398-4E72-B2D5-6E198D0DC88B}">
       <dgm:prSet phldrT="[טקסט]" custT="1"/>
-      <dgm:spPr>
-        <a:solidFill>
-          <a:schemeClr val="accent5"/>
-        </a:solidFill>
-      </dgm:spPr>
+      <dgm:spPr/>
       <dgm:t>
         <a:bodyPr/>
         <a:lstStyle/>
@@ -2101,46 +2799,6 @@
         </a:p>
       </dgm:t>
     </dgm:pt>
-    <dgm:pt modelId="{271099EF-1E5B-4001-92D4-663710432066}">
-      <dgm:prSet custT="1"/>
-      <dgm:spPr/>
-      <dgm:t>
-        <a:bodyPr/>
-        <a:lstStyle/>
-        <a:p>
-          <a:pPr rtl="1"/>
-          <a:r>
-            <a:rPr lang="en-US" sz="2200" dirty="0"/>
-            <a:t>WOW EFFECT</a:t>
-          </a:r>
-          <a:endParaRPr lang="he-IL" sz="2200" dirty="0"/>
-        </a:p>
-      </dgm:t>
-    </dgm:pt>
-    <dgm:pt modelId="{305B43B8-55A9-4F60-BFFC-728D3DBF122F}" type="parTrans" cxnId="{D241552B-C941-4683-895E-FA742EAB3974}">
-      <dgm:prSet/>
-      <dgm:spPr/>
-      <dgm:t>
-        <a:bodyPr/>
-        <a:lstStyle/>
-        <a:p>
-          <a:pPr rtl="1"/>
-          <a:endParaRPr lang="he-IL"/>
-        </a:p>
-      </dgm:t>
-    </dgm:pt>
-    <dgm:pt modelId="{18B86469-8BCA-4849-B24B-70D893EA7C34}" type="sibTrans" cxnId="{D241552B-C941-4683-895E-FA742EAB3974}">
-      <dgm:prSet/>
-      <dgm:spPr/>
-      <dgm:t>
-        <a:bodyPr/>
-        <a:lstStyle/>
-        <a:p>
-          <a:pPr rtl="1"/>
-          <a:endParaRPr lang="he-IL"/>
-        </a:p>
-      </dgm:t>
-    </dgm:pt>
     <dgm:pt modelId="{1F782C02-7891-41BE-82AD-215A94DAE870}" type="pres">
       <dgm:prSet presAssocID="{B34D7DD4-C264-498A-A241-9582938900AA}" presName="Name0" presStyleCnt="0">
         <dgm:presLayoutVars>
@@ -2151,7 +2809,7 @@
       <dgm:spPr/>
     </dgm:pt>
     <dgm:pt modelId="{80D759A4-F179-4CFE-AA4D-6BA803B32F5A}" type="pres">
-      <dgm:prSet presAssocID="{C0C7ADB7-651B-4E30-ACF4-5A76E33FC107}" presName="parTxOnly" presStyleLbl="node1" presStyleIdx="0" presStyleCnt="5" custScaleX="111744">
+      <dgm:prSet presAssocID="{C0C7ADB7-651B-4E30-ACF4-5A76E33FC107}" presName="parTxOnly" presStyleLbl="node1" presStyleIdx="0" presStyleCnt="4" custScaleX="111744">
         <dgm:presLayoutVars>
           <dgm:bulletEnabled val="1"/>
         </dgm:presLayoutVars>
@@ -2163,7 +2821,7 @@
       <dgm:spPr/>
     </dgm:pt>
     <dgm:pt modelId="{0AC55165-65B0-4ADB-87BD-45F01C6E0F7D}" type="pres">
-      <dgm:prSet presAssocID="{D9FB35D8-2398-4E72-B2D5-6E198D0DC88B}" presName="parTxOnly" presStyleLbl="node1" presStyleIdx="1" presStyleCnt="5">
+      <dgm:prSet presAssocID="{D9FB35D8-2398-4E72-B2D5-6E198D0DC88B}" presName="parTxOnly" presStyleLbl="node1" presStyleIdx="1" presStyleCnt="4">
         <dgm:presLayoutVars>
           <dgm:bulletEnabled val="1"/>
         </dgm:presLayoutVars>
@@ -2175,7 +2833,7 @@
       <dgm:spPr/>
     </dgm:pt>
     <dgm:pt modelId="{637A9E18-600F-4A62-9F3D-E02A407A4EB4}" type="pres">
-      <dgm:prSet presAssocID="{4385D6A8-1653-45FD-8DB0-44BD69BD6386}" presName="parTxOnly" presStyleLbl="node1" presStyleIdx="2" presStyleCnt="5">
+      <dgm:prSet presAssocID="{4385D6A8-1653-45FD-8DB0-44BD69BD6386}" presName="parTxOnly" presStyleLbl="node1" presStyleIdx="2" presStyleCnt="4">
         <dgm:presLayoutVars>
           <dgm:bulletEnabled val="1"/>
         </dgm:presLayoutVars>
@@ -2187,19 +2845,7 @@
       <dgm:spPr/>
     </dgm:pt>
     <dgm:pt modelId="{73A18EFD-11C1-4EBC-BDAA-CEA1EE6669D9}" type="pres">
-      <dgm:prSet presAssocID="{28984869-DB4D-446D-9C25-36E99AA65655}" presName="parTxOnly" presStyleLbl="node1" presStyleIdx="3" presStyleCnt="5">
-        <dgm:presLayoutVars>
-          <dgm:bulletEnabled val="1"/>
-        </dgm:presLayoutVars>
-      </dgm:prSet>
-      <dgm:spPr/>
-    </dgm:pt>
-    <dgm:pt modelId="{D7B5ACF1-02CC-459F-8B37-B89BC6F21BC7}" type="pres">
-      <dgm:prSet presAssocID="{256F1302-E9CB-4C53-BABC-F70CE8C6CC65}" presName="parSpace" presStyleCnt="0"/>
-      <dgm:spPr/>
-    </dgm:pt>
-    <dgm:pt modelId="{19C000DA-ACE8-45EB-81AA-5F2F7EEFD0D6}" type="pres">
-      <dgm:prSet presAssocID="{271099EF-1E5B-4001-92D4-663710432066}" presName="parTxOnly" presStyleLbl="node1" presStyleIdx="4" presStyleCnt="5">
+      <dgm:prSet presAssocID="{28984869-DB4D-446D-9C25-36E99AA65655}" presName="parTxOnly" presStyleLbl="node1" presStyleIdx="3" presStyleCnt="4">
         <dgm:presLayoutVars>
           <dgm:bulletEnabled val="1"/>
         </dgm:presLayoutVars>
@@ -2210,7 +2856,6 @@
   <dgm:cxnLst>
     <dgm:cxn modelId="{0FB8E727-289C-4BB8-A549-A33B6E0821AA}" srcId="{B34D7DD4-C264-498A-A241-9582938900AA}" destId="{4385D6A8-1653-45FD-8DB0-44BD69BD6386}" srcOrd="2" destOrd="0" parTransId="{2C61C5FE-90B0-4E43-890A-97F8A8293254}" sibTransId="{8BF4A0B3-5BB5-4802-A8B6-1AA3FF811FAC}"/>
     <dgm:cxn modelId="{C7F3D029-1CBD-4FA0-9B10-6ABE89F0F476}" type="presOf" srcId="{4385D6A8-1653-45FD-8DB0-44BD69BD6386}" destId="{637A9E18-600F-4A62-9F3D-E02A407A4EB4}" srcOrd="0" destOrd="0" presId="urn:microsoft.com/office/officeart/2005/8/layout/hChevron3"/>
-    <dgm:cxn modelId="{D241552B-C941-4683-895E-FA742EAB3974}" srcId="{B34D7DD4-C264-498A-A241-9582938900AA}" destId="{271099EF-1E5B-4001-92D4-663710432066}" srcOrd="4" destOrd="0" parTransId="{305B43B8-55A9-4F60-BFFC-728D3DBF122F}" sibTransId="{18B86469-8BCA-4849-B24B-70D893EA7C34}"/>
     <dgm:cxn modelId="{C2BAA037-0023-4DD7-9BF9-36A452632BA2}" srcId="{B34D7DD4-C264-498A-A241-9582938900AA}" destId="{D9FB35D8-2398-4E72-B2D5-6E198D0DC88B}" srcOrd="1" destOrd="0" parTransId="{DED80F22-4AD9-4D1B-8B78-71AFA9F34740}" sibTransId="{FAA545EE-42F8-4703-B2AC-16181F4F35BD}"/>
     <dgm:cxn modelId="{E3D8B288-FEF8-4128-8652-B38E34501C4C}" type="presOf" srcId="{B34D7DD4-C264-498A-A241-9582938900AA}" destId="{1F782C02-7891-41BE-82AD-215A94DAE870}" srcOrd="0" destOrd="0" presId="urn:microsoft.com/office/officeart/2005/8/layout/hChevron3"/>
     <dgm:cxn modelId="{F94BB1A4-68A3-44A2-91AF-394EEF22E24A}" type="presOf" srcId="{D9FB35D8-2398-4E72-B2D5-6E198D0DC88B}" destId="{0AC55165-65B0-4ADB-87BD-45F01C6E0F7D}" srcOrd="0" destOrd="0" presId="urn:microsoft.com/office/officeart/2005/8/layout/hChevron3"/>
@@ -2218,7 +2863,6 @@
     <dgm:cxn modelId="{4C64CCC0-3014-447A-90E5-202389A268F8}" type="presOf" srcId="{28984869-DB4D-446D-9C25-36E99AA65655}" destId="{73A18EFD-11C1-4EBC-BDAA-CEA1EE6669D9}" srcOrd="0" destOrd="0" presId="urn:microsoft.com/office/officeart/2005/8/layout/hChevron3"/>
     <dgm:cxn modelId="{CC2556C8-72EB-42F2-A7E3-6281701E9FC5}" type="presOf" srcId="{C0C7ADB7-651B-4E30-ACF4-5A76E33FC107}" destId="{80D759A4-F179-4CFE-AA4D-6BA803B32F5A}" srcOrd="0" destOrd="0" presId="urn:microsoft.com/office/officeart/2005/8/layout/hChevron3"/>
     <dgm:cxn modelId="{EF7AFCD2-DFB0-4F31-918D-5A2ED62E58C0}" srcId="{B34D7DD4-C264-498A-A241-9582938900AA}" destId="{C0C7ADB7-651B-4E30-ACF4-5A76E33FC107}" srcOrd="0" destOrd="0" parTransId="{D92BED74-A1D8-4DC0-9159-76B17198CB50}" sibTransId="{9B4ADBD0-CD87-496C-BD64-E81348702568}"/>
-    <dgm:cxn modelId="{2A293EE8-2112-402E-9720-72057E362F93}" type="presOf" srcId="{271099EF-1E5B-4001-92D4-663710432066}" destId="{19C000DA-ACE8-45EB-81AA-5F2F7EEFD0D6}" srcOrd="0" destOrd="0" presId="urn:microsoft.com/office/officeart/2005/8/layout/hChevron3"/>
     <dgm:cxn modelId="{7A549880-966F-4FCA-8CE5-B9CAE115A3F0}" type="presParOf" srcId="{1F782C02-7891-41BE-82AD-215A94DAE870}" destId="{80D759A4-F179-4CFE-AA4D-6BA803B32F5A}" srcOrd="0" destOrd="0" presId="urn:microsoft.com/office/officeart/2005/8/layout/hChevron3"/>
     <dgm:cxn modelId="{7F7561B1-BD4B-4874-938A-2D272B2C3DC0}" type="presParOf" srcId="{1F782C02-7891-41BE-82AD-215A94DAE870}" destId="{1A081BC8-5107-48AA-AA2E-4FF47C8CE152}" srcOrd="1" destOrd="0" presId="urn:microsoft.com/office/officeart/2005/8/layout/hChevron3"/>
     <dgm:cxn modelId="{0127AE3F-FFAD-4195-A5D9-91C96453BCDB}" type="presParOf" srcId="{1F782C02-7891-41BE-82AD-215A94DAE870}" destId="{0AC55165-65B0-4ADB-87BD-45F01C6E0F7D}" srcOrd="2" destOrd="0" presId="urn:microsoft.com/office/officeart/2005/8/layout/hChevron3"/>
@@ -2226,8 +2870,36 @@
     <dgm:cxn modelId="{70604FE3-EF6F-45F4-B7EB-2B5CE3E3EC59}" type="presParOf" srcId="{1F782C02-7891-41BE-82AD-215A94DAE870}" destId="{637A9E18-600F-4A62-9F3D-E02A407A4EB4}" srcOrd="4" destOrd="0" presId="urn:microsoft.com/office/officeart/2005/8/layout/hChevron3"/>
     <dgm:cxn modelId="{8B5DAA66-8676-4E58-AB49-F1A4381ABE38}" type="presParOf" srcId="{1F782C02-7891-41BE-82AD-215A94DAE870}" destId="{6F80097F-A135-4752-A937-1AD3582EF28B}" srcOrd="5" destOrd="0" presId="urn:microsoft.com/office/officeart/2005/8/layout/hChevron3"/>
     <dgm:cxn modelId="{C1A9B4AE-9ADF-4C01-909A-A6E4B5FC7D6C}" type="presParOf" srcId="{1F782C02-7891-41BE-82AD-215A94DAE870}" destId="{73A18EFD-11C1-4EBC-BDAA-CEA1EE6669D9}" srcOrd="6" destOrd="0" presId="urn:microsoft.com/office/officeart/2005/8/layout/hChevron3"/>
-    <dgm:cxn modelId="{5CB3E9A2-DE7E-4E57-A5C4-944BA6FCA5CD}" type="presParOf" srcId="{1F782C02-7891-41BE-82AD-215A94DAE870}" destId="{D7B5ACF1-02CC-459F-8B37-B89BC6F21BC7}" srcOrd="7" destOrd="0" presId="urn:microsoft.com/office/officeart/2005/8/layout/hChevron3"/>
-    <dgm:cxn modelId="{3CD9BD34-3338-4D69-9A7F-CF73C2524BFF}" type="presParOf" srcId="{1F782C02-7891-41BE-82AD-215A94DAE870}" destId="{19C000DA-ACE8-45EB-81AA-5F2F7EEFD0D6}" srcOrd="8" destOrd="0" presId="urn:microsoft.com/office/officeart/2005/8/layout/hChevron3"/>
+  </dgm:cxnLst>
+  <dgm:bg/>
+  <dgm:whole/>
+  <dgm:extLst>
+    <a:ext uri="http://schemas.microsoft.com/office/drawing/2008/diagram">
+      <dsp:dataModelExt xmlns:dsp="http://schemas.microsoft.com/office/drawing/2008/diagram" relId="rId6" minVer="http://schemas.openxmlformats.org/drawingml/2006/diagram"/>
+    </a:ext>
+  </dgm:extLst>
+</dgm:dataModel>
+</file>
+
+<file path=ppt/diagrams/data3.xml><?xml version="1.0" encoding="utf-8"?>
+<dgm:dataModel xmlns:dgm="http://schemas.openxmlformats.org/drawingml/2006/diagram" xmlns:a="http://schemas.openxmlformats.org/drawingml/2006/main">
+  <dgm:ptLst>
+    <dgm:pt modelId="{B34D7DD4-C264-498A-A241-9582938900AA}" type="doc">
+      <dgm:prSet loTypeId="urn:microsoft.com/office/officeart/2005/8/layout/hChevron3" loCatId="process" qsTypeId="urn:microsoft.com/office/officeart/2005/8/quickstyle/simple1" qsCatId="simple" csTypeId="urn:microsoft.com/office/officeart/2005/8/colors/accent1_2" csCatId="accent1" phldr="1"/>
+      <dgm:spPr/>
+    </dgm:pt>
+    <dgm:pt modelId="{1F782C02-7891-41BE-82AD-215A94DAE870}" type="pres">
+      <dgm:prSet presAssocID="{B34D7DD4-C264-498A-A241-9582938900AA}" presName="Name0" presStyleCnt="0">
+        <dgm:presLayoutVars>
+          <dgm:dir val="rev"/>
+          <dgm:resizeHandles val="exact"/>
+        </dgm:presLayoutVars>
+      </dgm:prSet>
+      <dgm:spPr/>
+    </dgm:pt>
+  </dgm:ptLst>
+  <dgm:cxnLst>
+    <dgm:cxn modelId="{E3D8B288-FEF8-4128-8652-B38E34501C4C}" type="presOf" srcId="{B34D7DD4-C264-498A-A241-9582938900AA}" destId="{1F782C02-7891-41BE-82AD-215A94DAE870}" srcOrd="0" destOrd="0" presId="urn:microsoft.com/office/officeart/2005/8/layout/hChevron3"/>
   </dgm:cxnLst>
   <dgm:bg/>
   <dgm:whole/>
@@ -2254,8 +2926,8 @@
       </dsp:nvSpPr>
       <dsp:spPr>
         <a:xfrm rot="10800000">
-          <a:off x="9034264" y="0"/>
-          <a:ext cx="3153171" cy="786352"/>
+          <a:off x="8317854" y="0"/>
+          <a:ext cx="3871615" cy="786352"/>
         </a:xfrm>
         <a:prstGeom prst="homePlate">
           <a:avLst/>
@@ -2320,8 +2992,8 @@
         </a:p>
       </dsp:txBody>
       <dsp:txXfrm rot="10800000">
-        <a:off x="9230852" y="0"/>
-        <a:ext cx="2956583" cy="786352"/>
+        <a:off x="8514442" y="0"/>
+        <a:ext cx="3675027" cy="786352"/>
       </dsp:txXfrm>
     </dsp:sp>
     <dsp:sp modelId="{0AC55165-65B0-4ADB-87BD-45F01C6E0F7D}">
@@ -2331,8 +3003,8 @@
       </dsp:nvSpPr>
       <dsp:spPr>
         <a:xfrm rot="10800000">
-          <a:off x="6776839" y="0"/>
-          <a:ext cx="2821781" cy="786352"/>
+          <a:off x="5546079" y="0"/>
+          <a:ext cx="3464718" cy="786352"/>
         </a:xfrm>
         <a:prstGeom prst="chevron">
           <a:avLst/>
@@ -2398,8 +3070,8 @@
         </a:p>
       </dsp:txBody>
       <dsp:txXfrm rot="10800000">
-        <a:off x="7170015" y="0"/>
-        <a:ext cx="2035429" cy="786352"/>
+        <a:off x="5939255" y="0"/>
+        <a:ext cx="2678366" cy="786352"/>
       </dsp:txXfrm>
     </dsp:sp>
     <dsp:sp modelId="{637A9E18-600F-4A62-9F3D-E02A407A4EB4}">
@@ -2409,8 +3081,8 @@
       </dsp:nvSpPr>
       <dsp:spPr>
         <a:xfrm rot="10800000">
-          <a:off x="4519414" y="0"/>
-          <a:ext cx="2821781" cy="786352"/>
+          <a:off x="2774304" y="0"/>
+          <a:ext cx="3464718" cy="786352"/>
         </a:xfrm>
         <a:prstGeom prst="chevron">
           <a:avLst/>
@@ -2476,8 +3148,8 @@
         </a:p>
       </dsp:txBody>
       <dsp:txXfrm rot="10800000">
-        <a:off x="4912590" y="0"/>
-        <a:ext cx="2035429" cy="786352"/>
+        <a:off x="3167480" y="0"/>
+        <a:ext cx="2678366" cy="786352"/>
       </dsp:txXfrm>
     </dsp:sp>
     <dsp:sp modelId="{73A18EFD-11C1-4EBC-BDAA-CEA1EE6669D9}">
@@ -2487,8 +3159,8 @@
       </dsp:nvSpPr>
       <dsp:spPr>
         <a:xfrm rot="10800000">
-          <a:off x="2261989" y="0"/>
-          <a:ext cx="2821781" cy="786352"/>
+          <a:off x="2529" y="0"/>
+          <a:ext cx="3464718" cy="786352"/>
         </a:xfrm>
         <a:prstGeom prst="chevron">
           <a:avLst/>
@@ -2554,19 +3226,108 @@
         </a:p>
       </dsp:txBody>
       <dsp:txXfrm rot="10800000">
-        <a:off x="2655165" y="0"/>
-        <a:ext cx="2035429" cy="786352"/>
+        <a:off x="395705" y="0"/>
+        <a:ext cx="2678366" cy="786352"/>
       </dsp:txXfrm>
     </dsp:sp>
-    <dsp:sp modelId="{19C000DA-ACE8-45EB-81AA-5F2F7EEFD0D6}">
+  </dsp:spTree>
+</dsp:drawing>
+</file>
+
+<file path=ppt/diagrams/drawing2.xml><?xml version="1.0" encoding="utf-8"?>
+<dsp:drawing xmlns:dgm="http://schemas.openxmlformats.org/drawingml/2006/diagram" xmlns:dsp="http://schemas.microsoft.com/office/drawing/2008/diagram" xmlns:a="http://schemas.openxmlformats.org/drawingml/2006/main">
+  <dsp:spTree>
+    <dsp:nvGrpSpPr>
+      <dsp:cNvPr id="0" name=""/>
+      <dsp:cNvGrpSpPr/>
+    </dsp:nvGrpSpPr>
+    <dsp:grpSpPr/>
+    <dsp:sp modelId="{80D759A4-F179-4CFE-AA4D-6BA803B32F5A}">
       <dsp:nvSpPr>
         <dsp:cNvPr id="0" name=""/>
         <dsp:cNvSpPr/>
       </dsp:nvSpPr>
       <dsp:spPr>
         <a:xfrm rot="10800000">
-          <a:off x="4564" y="0"/>
-          <a:ext cx="2821781" cy="786352"/>
+          <a:off x="8317854" y="0"/>
+          <a:ext cx="3871615" cy="786352"/>
+        </a:xfrm>
+        <a:prstGeom prst="homePlate">
+          <a:avLst/>
+        </a:prstGeom>
+        <a:solidFill>
+          <a:schemeClr val="accent5"/>
+        </a:solidFill>
+        <a:ln w="19050" cap="rnd" cmpd="sng" algn="ctr">
+          <a:solidFill>
+            <a:schemeClr val="lt1">
+              <a:hueOff val="0"/>
+              <a:satOff val="0"/>
+              <a:lumOff val="0"/>
+              <a:alphaOff val="0"/>
+            </a:schemeClr>
+          </a:solidFill>
+          <a:prstDash val="solid"/>
+        </a:ln>
+        <a:effectLst/>
+      </dsp:spPr>
+      <dsp:style>
+        <a:lnRef idx="2">
+          <a:scrgbClr r="0" g="0" b="0"/>
+        </a:lnRef>
+        <a:fillRef idx="1">
+          <a:scrgbClr r="0" g="0" b="0"/>
+        </a:fillRef>
+        <a:effectRef idx="0">
+          <a:scrgbClr r="0" g="0" b="0"/>
+        </a:effectRef>
+        <a:fontRef idx="minor">
+          <a:schemeClr val="lt1"/>
+        </a:fontRef>
+      </dsp:style>
+      <dsp:txBody>
+        <a:bodyPr spcFirstLastPara="0" vert="horz" wrap="square" lIns="29337" tIns="58674" rIns="117348" bIns="58674" numCol="1" spcCol="1270" anchor="ctr" anchorCtr="0">
+          <a:noAutofit/>
+        </a:bodyPr>
+        <a:lstStyle/>
+        <a:p>
+          <a:pPr marL="0" lvl="0" indent="0" algn="ctr" defTabSz="977900" rtl="1">
+            <a:lnSpc>
+              <a:spcPct val="90000"/>
+            </a:lnSpc>
+            <a:spcBef>
+              <a:spcPct val="0"/>
+            </a:spcBef>
+            <a:spcAft>
+              <a:spcPct val="35000"/>
+            </a:spcAft>
+            <a:buNone/>
+          </a:pPr>
+          <a:r>
+            <a:rPr lang="en-US" sz="2200" kern="1200" dirty="0"/>
+            <a:t>Data</a:t>
+          </a:r>
+          <a:r>
+            <a:rPr lang="en-US" sz="2400" kern="1200" dirty="0"/>
+            <a:t> Acquisition</a:t>
+          </a:r>
+          <a:endParaRPr lang="he-IL" sz="2400" kern="1200" dirty="0"/>
+        </a:p>
+      </dsp:txBody>
+      <dsp:txXfrm rot="10800000">
+        <a:off x="8514442" y="0"/>
+        <a:ext cx="3675027" cy="786352"/>
+      </dsp:txXfrm>
+    </dsp:sp>
+    <dsp:sp modelId="{0AC55165-65B0-4ADB-87BD-45F01C6E0F7D}">
+      <dsp:nvSpPr>
+        <dsp:cNvPr id="0" name=""/>
+        <dsp:cNvSpPr/>
+      </dsp:nvSpPr>
+      <dsp:spPr>
+        <a:xfrm rot="10800000">
+          <a:off x="5546079" y="0"/>
+          <a:ext cx="3464718" cy="786352"/>
         </a:xfrm>
         <a:prstGeom prst="chevron">
           <a:avLst/>
@@ -2626,172 +3387,14 @@
           </a:pPr>
           <a:r>
             <a:rPr lang="en-US" sz="2200" kern="1200" dirty="0"/>
-            <a:t>WOW EFFECT</a:t>
-          </a:r>
-          <a:endParaRPr lang="he-IL" sz="2200" kern="1200" dirty="0"/>
-        </a:p>
-      </dsp:txBody>
-      <dsp:txXfrm rot="10800000">
-        <a:off x="397740" y="0"/>
-        <a:ext cx="2035429" cy="786352"/>
-      </dsp:txXfrm>
-    </dsp:sp>
-  </dsp:spTree>
-</dsp:drawing>
-</file>
-
-<file path=ppt/diagrams/drawing2.xml><?xml version="1.0" encoding="utf-8"?>
-<dsp:drawing xmlns:dgm="http://schemas.openxmlformats.org/drawingml/2006/diagram" xmlns:dsp="http://schemas.microsoft.com/office/drawing/2008/diagram" xmlns:a="http://schemas.openxmlformats.org/drawingml/2006/main">
-  <dsp:spTree>
-    <dsp:nvGrpSpPr>
-      <dsp:cNvPr id="0" name=""/>
-      <dsp:cNvGrpSpPr/>
-    </dsp:nvGrpSpPr>
-    <dsp:grpSpPr/>
-    <dsp:sp modelId="{80D759A4-F179-4CFE-AA4D-6BA803B32F5A}">
-      <dsp:nvSpPr>
-        <dsp:cNvPr id="0" name=""/>
-        <dsp:cNvSpPr/>
-      </dsp:nvSpPr>
-      <dsp:spPr>
-        <a:xfrm rot="10800000">
-          <a:off x="9034264" y="0"/>
-          <a:ext cx="3153171" cy="786352"/>
-        </a:xfrm>
-        <a:prstGeom prst="homePlate">
-          <a:avLst/>
-        </a:prstGeom>
-        <a:solidFill>
-          <a:schemeClr val="accent1"/>
-        </a:solidFill>
-        <a:ln w="19050" cap="rnd" cmpd="sng" algn="ctr">
-          <a:solidFill>
-            <a:schemeClr val="lt1">
-              <a:hueOff val="0"/>
-              <a:satOff val="0"/>
-              <a:lumOff val="0"/>
-              <a:alphaOff val="0"/>
-            </a:schemeClr>
-          </a:solidFill>
-          <a:prstDash val="solid"/>
-        </a:ln>
-        <a:effectLst/>
-      </dsp:spPr>
-      <dsp:style>
-        <a:lnRef idx="2">
-          <a:scrgbClr r="0" g="0" b="0"/>
-        </a:lnRef>
-        <a:fillRef idx="1">
-          <a:scrgbClr r="0" g="0" b="0"/>
-        </a:fillRef>
-        <a:effectRef idx="0">
-          <a:scrgbClr r="0" g="0" b="0"/>
-        </a:effectRef>
-        <a:fontRef idx="minor">
-          <a:schemeClr val="lt1"/>
-        </a:fontRef>
-      </dsp:style>
-      <dsp:txBody>
-        <a:bodyPr spcFirstLastPara="0" vert="horz" wrap="square" lIns="29337" tIns="58674" rIns="117348" bIns="58674" numCol="1" spcCol="1270" anchor="ctr" anchorCtr="0">
-          <a:noAutofit/>
-        </a:bodyPr>
-        <a:lstStyle/>
-        <a:p>
-          <a:pPr marL="0" lvl="0" indent="0" algn="ctr" defTabSz="977900" rtl="1">
-            <a:lnSpc>
-              <a:spcPct val="90000"/>
-            </a:lnSpc>
-            <a:spcBef>
-              <a:spcPct val="0"/>
-            </a:spcBef>
-            <a:spcAft>
-              <a:spcPct val="35000"/>
-            </a:spcAft>
-            <a:buNone/>
-          </a:pPr>
-          <a:r>
-            <a:rPr lang="en-US" sz="2200" kern="1200" dirty="0"/>
-            <a:t>Data Acquisition</a:t>
-          </a:r>
-          <a:endParaRPr lang="he-IL" sz="2200" kern="1200" dirty="0"/>
-        </a:p>
-      </dsp:txBody>
-      <dsp:txXfrm rot="10800000">
-        <a:off x="9230852" y="0"/>
-        <a:ext cx="2956583" cy="786352"/>
-      </dsp:txXfrm>
-    </dsp:sp>
-    <dsp:sp modelId="{0AC55165-65B0-4ADB-87BD-45F01C6E0F7D}">
-      <dsp:nvSpPr>
-        <dsp:cNvPr id="0" name=""/>
-        <dsp:cNvSpPr/>
-      </dsp:nvSpPr>
-      <dsp:spPr>
-        <a:xfrm rot="10800000">
-          <a:off x="6776839" y="0"/>
-          <a:ext cx="2821781" cy="786352"/>
-        </a:xfrm>
-        <a:prstGeom prst="chevron">
-          <a:avLst/>
-        </a:prstGeom>
-        <a:solidFill>
-          <a:schemeClr val="accent5"/>
-        </a:solidFill>
-        <a:ln w="19050" cap="rnd" cmpd="sng" algn="ctr">
-          <a:solidFill>
-            <a:schemeClr val="lt1">
-              <a:hueOff val="0"/>
-              <a:satOff val="0"/>
-              <a:lumOff val="0"/>
-              <a:alphaOff val="0"/>
-            </a:schemeClr>
-          </a:solidFill>
-          <a:prstDash val="solid"/>
-        </a:ln>
-        <a:effectLst/>
-      </dsp:spPr>
-      <dsp:style>
-        <a:lnRef idx="2">
-          <a:scrgbClr r="0" g="0" b="0"/>
-        </a:lnRef>
-        <a:fillRef idx="1">
-          <a:scrgbClr r="0" g="0" b="0"/>
-        </a:fillRef>
-        <a:effectRef idx="0">
-          <a:scrgbClr r="0" g="0" b="0"/>
-        </a:effectRef>
-        <a:fontRef idx="minor">
-          <a:schemeClr val="lt1"/>
-        </a:fontRef>
-      </dsp:style>
-      <dsp:txBody>
-        <a:bodyPr spcFirstLastPara="0" vert="horz" wrap="square" lIns="29337" tIns="58674" rIns="88011" bIns="58674" numCol="1" spcCol="1270" anchor="ctr" anchorCtr="0">
-          <a:noAutofit/>
-        </a:bodyPr>
-        <a:lstStyle/>
-        <a:p>
-          <a:pPr marL="0" lvl="0" indent="0" algn="ctr" defTabSz="977900" rtl="1">
-            <a:lnSpc>
-              <a:spcPct val="90000"/>
-            </a:lnSpc>
-            <a:spcBef>
-              <a:spcPct val="0"/>
-            </a:spcBef>
-            <a:spcAft>
-              <a:spcPct val="35000"/>
-            </a:spcAft>
-            <a:buNone/>
-          </a:pPr>
-          <a:r>
-            <a:rPr lang="en-US" sz="2200" kern="1200" dirty="0"/>
             <a:t>EDA</a:t>
           </a:r>
           <a:endParaRPr lang="he-IL" sz="2200" kern="1200" dirty="0"/>
         </a:p>
       </dsp:txBody>
       <dsp:txXfrm rot="10800000">
-        <a:off x="7170015" y="0"/>
-        <a:ext cx="2035429" cy="786352"/>
+        <a:off x="5939255" y="0"/>
+        <a:ext cx="2678366" cy="786352"/>
       </dsp:txXfrm>
     </dsp:sp>
     <dsp:sp modelId="{637A9E18-600F-4A62-9F3D-E02A407A4EB4}">
@@ -2801,8 +3404,8 @@
       </dsp:nvSpPr>
       <dsp:spPr>
         <a:xfrm rot="10800000">
-          <a:off x="4519414" y="0"/>
-          <a:ext cx="2821781" cy="786352"/>
+          <a:off x="2774304" y="0"/>
+          <a:ext cx="3464718" cy="786352"/>
         </a:xfrm>
         <a:prstGeom prst="chevron">
           <a:avLst/>
@@ -2868,8 +3471,8 @@
         </a:p>
       </dsp:txBody>
       <dsp:txXfrm rot="10800000">
-        <a:off x="4912590" y="0"/>
-        <a:ext cx="2035429" cy="786352"/>
+        <a:off x="3167480" y="0"/>
+        <a:ext cx="2678366" cy="786352"/>
       </dsp:txXfrm>
     </dsp:sp>
     <dsp:sp modelId="{73A18EFD-11C1-4EBC-BDAA-CEA1EE6669D9}">
@@ -2879,8 +3482,8 @@
       </dsp:nvSpPr>
       <dsp:spPr>
         <a:xfrm rot="10800000">
-          <a:off x="2261989" y="0"/>
-          <a:ext cx="2821781" cy="786352"/>
+          <a:off x="2529" y="0"/>
+          <a:ext cx="3464718" cy="786352"/>
         </a:xfrm>
         <a:prstGeom prst="chevron">
           <a:avLst/>
@@ -2946,88 +3549,22 @@
         </a:p>
       </dsp:txBody>
       <dsp:txXfrm rot="10800000">
-        <a:off x="2655165" y="0"/>
-        <a:ext cx="2035429" cy="786352"/>
+        <a:off x="395705" y="0"/>
+        <a:ext cx="2678366" cy="786352"/>
       </dsp:txXfrm>
     </dsp:sp>
-    <dsp:sp modelId="{19C000DA-ACE8-45EB-81AA-5F2F7EEFD0D6}">
-      <dsp:nvSpPr>
-        <dsp:cNvPr id="0" name=""/>
-        <dsp:cNvSpPr/>
-      </dsp:nvSpPr>
-      <dsp:spPr>
-        <a:xfrm rot="10800000">
-          <a:off x="4564" y="0"/>
-          <a:ext cx="2821781" cy="786352"/>
-        </a:xfrm>
-        <a:prstGeom prst="chevron">
-          <a:avLst/>
-        </a:prstGeom>
-        <a:solidFill>
-          <a:schemeClr val="accent1">
-            <a:hueOff val="0"/>
-            <a:satOff val="0"/>
-            <a:lumOff val="0"/>
-            <a:alphaOff val="0"/>
-          </a:schemeClr>
-        </a:solidFill>
-        <a:ln w="19050" cap="rnd" cmpd="sng" algn="ctr">
-          <a:solidFill>
-            <a:schemeClr val="lt1">
-              <a:hueOff val="0"/>
-              <a:satOff val="0"/>
-              <a:lumOff val="0"/>
-              <a:alphaOff val="0"/>
-            </a:schemeClr>
-          </a:solidFill>
-          <a:prstDash val="solid"/>
-        </a:ln>
-        <a:effectLst/>
-      </dsp:spPr>
-      <dsp:style>
-        <a:lnRef idx="2">
-          <a:scrgbClr r="0" g="0" b="0"/>
-        </a:lnRef>
-        <a:fillRef idx="1">
-          <a:scrgbClr r="0" g="0" b="0"/>
-        </a:fillRef>
-        <a:effectRef idx="0">
-          <a:scrgbClr r="0" g="0" b="0"/>
-        </a:effectRef>
-        <a:fontRef idx="minor">
-          <a:schemeClr val="lt1"/>
-        </a:fontRef>
-      </dsp:style>
-      <dsp:txBody>
-        <a:bodyPr spcFirstLastPara="0" vert="horz" wrap="square" lIns="29337" tIns="58674" rIns="88011" bIns="58674" numCol="1" spcCol="1270" anchor="ctr" anchorCtr="0">
-          <a:noAutofit/>
-        </a:bodyPr>
-        <a:lstStyle/>
-        <a:p>
-          <a:pPr marL="0" lvl="0" indent="0" algn="ctr" defTabSz="977900" rtl="1">
-            <a:lnSpc>
-              <a:spcPct val="90000"/>
-            </a:lnSpc>
-            <a:spcBef>
-              <a:spcPct val="0"/>
-            </a:spcBef>
-            <a:spcAft>
-              <a:spcPct val="35000"/>
-            </a:spcAft>
-            <a:buNone/>
-          </a:pPr>
-          <a:r>
-            <a:rPr lang="en-US" sz="2200" kern="1200" dirty="0"/>
-            <a:t>WOW EFFECT</a:t>
-          </a:r>
-          <a:endParaRPr lang="he-IL" sz="2200" kern="1200" dirty="0"/>
-        </a:p>
-      </dsp:txBody>
-      <dsp:txXfrm rot="10800000">
-        <a:off x="397740" y="0"/>
-        <a:ext cx="2035429" cy="786352"/>
-      </dsp:txXfrm>
-    </dsp:sp>
+  </dsp:spTree>
+</dsp:drawing>
+</file>
+
+<file path=ppt/diagrams/drawing3.xml><?xml version="1.0" encoding="utf-8"?>
+<dsp:drawing xmlns:dgm="http://schemas.openxmlformats.org/drawingml/2006/diagram" xmlns:dsp="http://schemas.microsoft.com/office/drawing/2008/diagram" xmlns:a="http://schemas.openxmlformats.org/drawingml/2006/main">
+  <dsp:spTree>
+    <dsp:nvGrpSpPr>
+      <dsp:cNvPr id="0" name=""/>
+      <dsp:cNvGrpSpPr/>
+    </dsp:nvGrpSpPr>
+    <dsp:grpSpPr/>
   </dsp:spTree>
 </dsp:drawing>
 </file>
@@ -3576,6 +4113,278 @@
 </dgm:layoutDef>
 </file>
 
+<file path=ppt/diagrams/layout3.xml><?xml version="1.0" encoding="utf-8"?>
+<dgm:layoutDef xmlns:dgm="http://schemas.openxmlformats.org/drawingml/2006/diagram" xmlns:a="http://schemas.openxmlformats.org/drawingml/2006/main" uniqueId="urn:microsoft.com/office/officeart/2005/8/layout/hChevron3">
+  <dgm:title val=""/>
+  <dgm:desc val=""/>
+  <dgm:catLst>
+    <dgm:cat type="process" pri="10000"/>
+  </dgm:catLst>
+  <dgm:sampData useDef="1">
+    <dgm:dataModel>
+      <dgm:ptLst/>
+      <dgm:bg/>
+      <dgm:whole/>
+    </dgm:dataModel>
+  </dgm:sampData>
+  <dgm:styleData>
+    <dgm:dataModel>
+      <dgm:ptLst>
+        <dgm:pt modelId="0" type="doc"/>
+        <dgm:pt modelId="1"/>
+        <dgm:pt modelId="2"/>
+      </dgm:ptLst>
+      <dgm:cxnLst>
+        <dgm:cxn modelId="3" srcId="0" destId="1" srcOrd="0" destOrd="0"/>
+        <dgm:cxn modelId="4" srcId="0" destId="2" srcOrd="1" destOrd="0"/>
+      </dgm:cxnLst>
+      <dgm:bg/>
+      <dgm:whole/>
+    </dgm:dataModel>
+  </dgm:styleData>
+  <dgm:clrData>
+    <dgm:dataModel>
+      <dgm:ptLst>
+        <dgm:pt modelId="0" type="doc"/>
+        <dgm:pt modelId="1"/>
+        <dgm:pt modelId="2"/>
+        <dgm:pt modelId="3"/>
+        <dgm:pt modelId="4"/>
+      </dgm:ptLst>
+      <dgm:cxnLst>
+        <dgm:cxn modelId="5" srcId="0" destId="1" srcOrd="0" destOrd="0"/>
+        <dgm:cxn modelId="6" srcId="0" destId="2" srcOrd="1" destOrd="0"/>
+        <dgm:cxn modelId="7" srcId="0" destId="3" srcOrd="2" destOrd="0"/>
+        <dgm:cxn modelId="8" srcId="0" destId="4" srcOrd="3" destOrd="0"/>
+      </dgm:cxnLst>
+      <dgm:bg/>
+      <dgm:whole/>
+    </dgm:dataModel>
+  </dgm:clrData>
+  <dgm:layoutNode name="Name0">
+    <dgm:varLst>
+      <dgm:dir/>
+      <dgm:resizeHandles val="exact"/>
+    </dgm:varLst>
+    <dgm:choose name="Name1">
+      <dgm:if name="Name2" func="var" arg="dir" op="equ" val="norm">
+        <dgm:alg type="lin"/>
+      </dgm:if>
+      <dgm:else name="Name3">
+        <dgm:alg type="lin">
+          <dgm:param type="linDir" val="fromR"/>
+        </dgm:alg>
+      </dgm:else>
+    </dgm:choose>
+    <dgm:shape xmlns:r="http://schemas.openxmlformats.org/officeDocument/2006/relationships" r:blip="">
+      <dgm:adjLst/>
+    </dgm:shape>
+    <dgm:presOf/>
+    <dgm:choose name="Name4">
+      <dgm:if name="Name5" axis="root des" func="maxDepth" op="gte" val="2">
+        <dgm:constrLst>
+          <dgm:constr type="w" for="ch" forName="parAndChTx" refType="w"/>
+          <dgm:constr type="primFontSz" for="ch" ptType="node" op="equ"/>
+          <dgm:constr type="w" for="ch" forName="parAndChSpace" refType="w" refFor="ch" refForName="parAndChTx" fact="-0.2"/>
+          <dgm:constr type="w" for="ch" ptType="sibTrans" op="equ"/>
+        </dgm:constrLst>
+        <dgm:ruleLst/>
+        <dgm:forEach name="Name6" axis="ch" ptType="node">
+          <dgm:layoutNode name="parAndChTx">
+            <dgm:varLst>
+              <dgm:bulletEnabled val="1"/>
+            </dgm:varLst>
+            <dgm:alg type="tx"/>
+            <dgm:choose name="Name7">
+              <dgm:if name="Name8" func="var" arg="dir" op="equ" val="norm">
+                <dgm:choose name="Name9">
+                  <dgm:if name="Name10" axis="self" ptType="node" func="pos" op="equ" val="1">
+                    <dgm:shape xmlns:r="http://schemas.openxmlformats.org/officeDocument/2006/relationships" type="homePlate" r:blip="">
+                      <dgm:adjLst>
+                        <dgm:adj idx="1" val="0.25"/>
+                      </dgm:adjLst>
+                    </dgm:shape>
+                    <dgm:presOf axis="desOrSelf" ptType="node"/>
+                    <dgm:constrLst>
+                      <dgm:constr type="h" refType="w" op="equ" fact="0.8"/>
+                      <dgm:constr type="primFontSz" val="65"/>
+                      <dgm:constr type="tMarg" refType="primFontSz" fact="0.2"/>
+                      <dgm:constr type="bMarg" refType="primFontSz" fact="0.2"/>
+                      <dgm:constr type="lMarg" refType="w" fact="0.1"/>
+                      <dgm:constr type="rMarg" refType="w" fact="0.4"/>
+                    </dgm:constrLst>
+                  </dgm:if>
+                  <dgm:else name="Name11">
+                    <dgm:shape xmlns:r="http://schemas.openxmlformats.org/officeDocument/2006/relationships" type="chevron" r:blip="">
+                      <dgm:adjLst>
+                        <dgm:adj idx="1" val="0.25"/>
+                      </dgm:adjLst>
+                    </dgm:shape>
+                    <dgm:presOf axis="desOrSelf" ptType="node"/>
+                    <dgm:constrLst>
+                      <dgm:constr type="h" refType="w" op="equ" fact="0.8"/>
+                      <dgm:constr type="primFontSz" val="65"/>
+                      <dgm:constr type="tMarg" refType="primFontSz" fact="0.2"/>
+                      <dgm:constr type="bMarg" refType="primFontSz" fact="0.2"/>
+                      <dgm:constr type="lMarg" refType="w" fact="0.1"/>
+                      <dgm:constr type="rMarg" refType="w" fact="0.1"/>
+                    </dgm:constrLst>
+                  </dgm:else>
+                </dgm:choose>
+              </dgm:if>
+              <dgm:else name="Name12">
+                <dgm:choose name="Name13">
+                  <dgm:if name="Name14" axis="self" ptType="node" func="pos" op="equ" val="1">
+                    <dgm:shape xmlns:r="http://schemas.openxmlformats.org/officeDocument/2006/relationships" rot="180" type="homePlate" r:blip="">
+                      <dgm:adjLst>
+                        <dgm:adj idx="1" val="0.25"/>
+                      </dgm:adjLst>
+                    </dgm:shape>
+                    <dgm:presOf axis="desOrSelf" ptType="node"/>
+                    <dgm:constrLst>
+                      <dgm:constr type="h" refType="w" op="equ" fact="0.8"/>
+                      <dgm:constr type="primFontSz" val="65"/>
+                      <dgm:constr type="tMarg" refType="primFontSz" fact="0.2"/>
+                      <dgm:constr type="bMarg" refType="primFontSz" fact="0.2"/>
+                      <dgm:constr type="lMarg" refType="w" fact="0.4"/>
+                      <dgm:constr type="rMarg" refType="w" fact="0.1"/>
+                    </dgm:constrLst>
+                  </dgm:if>
+                  <dgm:else name="Name15">
+                    <dgm:shape xmlns:r="http://schemas.openxmlformats.org/officeDocument/2006/relationships" rot="180" type="chevron" r:blip="">
+                      <dgm:adjLst>
+                        <dgm:adj idx="1" val="0.25"/>
+                      </dgm:adjLst>
+                    </dgm:shape>
+                    <dgm:presOf axis="desOrSelf" ptType="node"/>
+                    <dgm:constrLst>
+                      <dgm:constr type="h" refType="w" op="equ" fact="0.8"/>
+                      <dgm:constr type="primFontSz" val="65"/>
+                      <dgm:constr type="tMarg" refType="primFontSz" fact="0.2"/>
+                      <dgm:constr type="bMarg" refType="primFontSz" fact="0.2"/>
+                      <dgm:constr type="lMarg" refType="w" fact="0.1"/>
+                      <dgm:constr type="rMarg" refType="w" fact="0.1"/>
+                    </dgm:constrLst>
+                  </dgm:else>
+                </dgm:choose>
+              </dgm:else>
+            </dgm:choose>
+            <dgm:ruleLst>
+              <dgm:rule type="primFontSz" val="5" fact="NaN" max="NaN"/>
+            </dgm:ruleLst>
+          </dgm:layoutNode>
+          <dgm:forEach name="Name16" axis="followSib" ptType="sibTrans" cnt="1">
+            <dgm:layoutNode name="parAndChSpace">
+              <dgm:alg type="sp"/>
+              <dgm:shape xmlns:r="http://schemas.openxmlformats.org/officeDocument/2006/relationships" r:blip="">
+                <dgm:adjLst/>
+              </dgm:shape>
+              <dgm:presOf/>
+              <dgm:constrLst/>
+              <dgm:ruleLst/>
+            </dgm:layoutNode>
+          </dgm:forEach>
+        </dgm:forEach>
+      </dgm:if>
+      <dgm:else name="Name17">
+        <dgm:constrLst>
+          <dgm:constr type="w" for="ch" forName="parTxOnly" refType="w"/>
+          <dgm:constr type="primFontSz" for="ch" ptType="node" op="equ"/>
+          <dgm:constr type="w" for="ch" forName="parSpace" refType="w" refFor="ch" refForName="parTxOnly" fact="-0.2"/>
+          <dgm:constr type="w" for="ch" ptType="sibTrans" op="equ"/>
+        </dgm:constrLst>
+        <dgm:ruleLst/>
+        <dgm:forEach name="Name18" axis="ch" ptType="node">
+          <dgm:layoutNode name="parTxOnly">
+            <dgm:varLst>
+              <dgm:bulletEnabled val="1"/>
+            </dgm:varLst>
+            <dgm:alg type="tx"/>
+            <dgm:presOf axis="desOrSelf" ptType="node"/>
+            <dgm:choose name="Name19">
+              <dgm:if name="Name20" func="var" arg="dir" op="equ" val="norm">
+                <dgm:choose name="Name21">
+                  <dgm:if name="Name22" axis="self" ptType="node" func="pos" op="equ" val="1">
+                    <dgm:shape xmlns:r="http://schemas.openxmlformats.org/officeDocument/2006/relationships" type="homePlate" r:blip="">
+                      <dgm:adjLst/>
+                    </dgm:shape>
+                    <dgm:constrLst>
+                      <dgm:constr type="h" refType="w" op="equ" fact="0.4"/>
+                      <dgm:constr type="primFontSz" val="65"/>
+                      <dgm:constr type="tMarg" refType="primFontSz" fact="0.21"/>
+                      <dgm:constr type="bMarg" refType="primFontSz" fact="0.21"/>
+                      <dgm:constr type="lMarg" refType="primFontSz" fact="0.42"/>
+                      <dgm:constr type="rMarg" refType="primFontSz" fact="0.105"/>
+                    </dgm:constrLst>
+                  </dgm:if>
+                  <dgm:else name="Name23">
+                    <dgm:shape xmlns:r="http://schemas.openxmlformats.org/officeDocument/2006/relationships" type="chevron" r:blip="">
+                      <dgm:adjLst/>
+                    </dgm:shape>
+                    <dgm:constrLst>
+                      <dgm:constr type="h" refType="w" op="equ" fact="0.4"/>
+                      <dgm:constr type="primFontSz" val="65"/>
+                      <dgm:constr type="tMarg" refType="primFontSz" fact="0.21"/>
+                      <dgm:constr type="bMarg" refType="primFontSz" fact="0.21"/>
+                      <dgm:constr type="lMarg" refType="primFontSz" fact="0.315"/>
+                      <dgm:constr type="rMarg" refType="primFontSz" fact="0.105"/>
+                    </dgm:constrLst>
+                  </dgm:else>
+                </dgm:choose>
+              </dgm:if>
+              <dgm:else name="Name24">
+                <dgm:choose name="Name25">
+                  <dgm:if name="Name26" axis="self" ptType="node" func="pos" op="equ" val="1">
+                    <dgm:shape xmlns:r="http://schemas.openxmlformats.org/officeDocument/2006/relationships" rot="180" type="homePlate" r:blip="">
+                      <dgm:adjLst/>
+                    </dgm:shape>
+                    <dgm:constrLst>
+                      <dgm:constr type="h" refType="w" op="equ" fact="0.4"/>
+                      <dgm:constr type="primFontSz" val="65"/>
+                      <dgm:constr type="tMarg" refType="primFontSz" fact="0.21"/>
+                      <dgm:constr type="bMarg" refType="primFontSz" fact="0.21"/>
+                      <dgm:constr type="lMarg" refType="primFontSz" fact="0.105"/>
+                      <dgm:constr type="rMarg" refType="primFontSz" fact="0.42"/>
+                    </dgm:constrLst>
+                  </dgm:if>
+                  <dgm:else name="Name27">
+                    <dgm:shape xmlns:r="http://schemas.openxmlformats.org/officeDocument/2006/relationships" rot="180" type="chevron" r:blip="">
+                      <dgm:adjLst/>
+                    </dgm:shape>
+                    <dgm:constrLst>
+                      <dgm:constr type="h" refType="w" op="equ" fact="0.4"/>
+                      <dgm:constr type="primFontSz" val="65"/>
+                      <dgm:constr type="tMarg" refType="primFontSz" fact="0.21"/>
+                      <dgm:constr type="bMarg" refType="primFontSz" fact="0.21"/>
+                      <dgm:constr type="lMarg" refType="primFontSz" fact="0.105"/>
+                      <dgm:constr type="rMarg" refType="primFontSz" fact="0.315"/>
+                    </dgm:constrLst>
+                  </dgm:else>
+                </dgm:choose>
+              </dgm:else>
+            </dgm:choose>
+            <dgm:ruleLst>
+              <dgm:rule type="primFontSz" val="5" fact="NaN" max="NaN"/>
+            </dgm:ruleLst>
+          </dgm:layoutNode>
+          <dgm:forEach name="Name28" axis="followSib" ptType="sibTrans" cnt="1">
+            <dgm:layoutNode name="parSpace">
+              <dgm:alg type="sp"/>
+              <dgm:shape xmlns:r="http://schemas.openxmlformats.org/officeDocument/2006/relationships" r:blip="">
+                <dgm:adjLst/>
+              </dgm:shape>
+              <dgm:presOf/>
+              <dgm:constrLst/>
+              <dgm:ruleLst/>
+            </dgm:layoutNode>
+          </dgm:forEach>
+        </dgm:forEach>
+      </dgm:else>
+    </dgm:choose>
+  </dgm:layoutNode>
+</dgm:layoutDef>
+</file>
+
 <file path=ppt/diagrams/quickStyle1.xml><?xml version="1.0" encoding="utf-8"?>
 <dgm:styleDef xmlns:dgm="http://schemas.openxmlformats.org/drawingml/2006/diagram" xmlns:a="http://schemas.openxmlformats.org/drawingml/2006/main" uniqueId="urn:microsoft.com/office/officeart/2005/8/quickstyle/simple1">
   <dgm:title val=""/>
@@ -4611,6 +5420,1040 @@
 </file>
 
 <file path=ppt/diagrams/quickStyle2.xml><?xml version="1.0" encoding="utf-8"?>
+<dgm:styleDef xmlns:dgm="http://schemas.openxmlformats.org/drawingml/2006/diagram" xmlns:a="http://schemas.openxmlformats.org/drawingml/2006/main" uniqueId="urn:microsoft.com/office/officeart/2005/8/quickstyle/simple1">
+  <dgm:title val=""/>
+  <dgm:desc val=""/>
+  <dgm:catLst>
+    <dgm:cat type="simple" pri="10100"/>
+  </dgm:catLst>
+  <dgm:scene3d>
+    <a:camera prst="orthographicFront"/>
+    <a:lightRig rig="threePt" dir="t"/>
+  </dgm:scene3d>
+  <dgm:styleLbl name="node0">
+    <dgm:scene3d>
+      <a:camera prst="orthographicFront"/>
+      <a:lightRig rig="threePt" dir="t"/>
+    </dgm:scene3d>
+    <dgm:sp3d/>
+    <dgm:txPr/>
+    <dgm:style>
+      <a:lnRef idx="2">
+        <a:scrgbClr r="0" g="0" b="0"/>
+      </a:lnRef>
+      <a:fillRef idx="1">
+        <a:scrgbClr r="0" g="0" b="0"/>
+      </a:fillRef>
+      <a:effectRef idx="0">
+        <a:scrgbClr r="0" g="0" b="0"/>
+      </a:effectRef>
+      <a:fontRef idx="minor">
+        <a:schemeClr val="lt1"/>
+      </a:fontRef>
+    </dgm:style>
+  </dgm:styleLbl>
+  <dgm:styleLbl name="lnNode1">
+    <dgm:scene3d>
+      <a:camera prst="orthographicFront"/>
+      <a:lightRig rig="threePt" dir="t"/>
+    </dgm:scene3d>
+    <dgm:sp3d/>
+    <dgm:txPr/>
+    <dgm:style>
+      <a:lnRef idx="2">
+        <a:scrgbClr r="0" g="0" b="0"/>
+      </a:lnRef>
+      <a:fillRef idx="1">
+        <a:scrgbClr r="0" g="0" b="0"/>
+      </a:fillRef>
+      <a:effectRef idx="0">
+        <a:scrgbClr r="0" g="0" b="0"/>
+      </a:effectRef>
+      <a:fontRef idx="minor">
+        <a:schemeClr val="lt1"/>
+      </a:fontRef>
+    </dgm:style>
+  </dgm:styleLbl>
+  <dgm:styleLbl name="vennNode1">
+    <dgm:scene3d>
+      <a:camera prst="orthographicFront"/>
+      <a:lightRig rig="threePt" dir="t"/>
+    </dgm:scene3d>
+    <dgm:sp3d/>
+    <dgm:txPr/>
+    <dgm:style>
+      <a:lnRef idx="2">
+        <a:scrgbClr r="0" g="0" b="0"/>
+      </a:lnRef>
+      <a:fillRef idx="1">
+        <a:scrgbClr r="0" g="0" b="0"/>
+      </a:fillRef>
+      <a:effectRef idx="0">
+        <a:scrgbClr r="0" g="0" b="0"/>
+      </a:effectRef>
+      <a:fontRef idx="minor">
+        <a:schemeClr val="tx1"/>
+      </a:fontRef>
+    </dgm:style>
+  </dgm:styleLbl>
+  <dgm:styleLbl name="alignNode1">
+    <dgm:scene3d>
+      <a:camera prst="orthographicFront"/>
+      <a:lightRig rig="threePt" dir="t"/>
+    </dgm:scene3d>
+    <dgm:sp3d/>
+    <dgm:txPr/>
+    <dgm:style>
+      <a:lnRef idx="2">
+        <a:scrgbClr r="0" g="0" b="0"/>
+      </a:lnRef>
+      <a:fillRef idx="1">
+        <a:scrgbClr r="0" g="0" b="0"/>
+      </a:fillRef>
+      <a:effectRef idx="0">
+        <a:scrgbClr r="0" g="0" b="0"/>
+      </a:effectRef>
+      <a:fontRef idx="minor">
+        <a:schemeClr val="lt1"/>
+      </a:fontRef>
+    </dgm:style>
+  </dgm:styleLbl>
+  <dgm:styleLbl name="node1">
+    <dgm:scene3d>
+      <a:camera prst="orthographicFront"/>
+      <a:lightRig rig="threePt" dir="t"/>
+    </dgm:scene3d>
+    <dgm:sp3d/>
+    <dgm:txPr/>
+    <dgm:style>
+      <a:lnRef idx="2">
+        <a:scrgbClr r="0" g="0" b="0"/>
+      </a:lnRef>
+      <a:fillRef idx="1">
+        <a:scrgbClr r="0" g="0" b="0"/>
+      </a:fillRef>
+      <a:effectRef idx="0">
+        <a:scrgbClr r="0" g="0" b="0"/>
+      </a:effectRef>
+      <a:fontRef idx="minor">
+        <a:schemeClr val="lt1"/>
+      </a:fontRef>
+    </dgm:style>
+  </dgm:styleLbl>
+  <dgm:styleLbl name="node2">
+    <dgm:scene3d>
+      <a:camera prst="orthographicFront"/>
+      <a:lightRig rig="threePt" dir="t"/>
+    </dgm:scene3d>
+    <dgm:sp3d/>
+    <dgm:txPr/>
+    <dgm:style>
+      <a:lnRef idx="2">
+        <a:scrgbClr r="0" g="0" b="0"/>
+      </a:lnRef>
+      <a:fillRef idx="1">
+        <a:scrgbClr r="0" g="0" b="0"/>
+      </a:fillRef>
+      <a:effectRef idx="0">
+        <a:scrgbClr r="0" g="0" b="0"/>
+      </a:effectRef>
+      <a:fontRef idx="minor">
+        <a:schemeClr val="lt1"/>
+      </a:fontRef>
+    </dgm:style>
+  </dgm:styleLbl>
+  <dgm:styleLbl name="node3">
+    <dgm:scene3d>
+      <a:camera prst="orthographicFront"/>
+      <a:lightRig rig="threePt" dir="t"/>
+    </dgm:scene3d>
+    <dgm:sp3d/>
+    <dgm:txPr/>
+    <dgm:style>
+      <a:lnRef idx="2">
+        <a:scrgbClr r="0" g="0" b="0"/>
+      </a:lnRef>
+      <a:fillRef idx="1">
+        <a:scrgbClr r="0" g="0" b="0"/>
+      </a:fillRef>
+      <a:effectRef idx="0">
+        <a:scrgbClr r="0" g="0" b="0"/>
+      </a:effectRef>
+      <a:fontRef idx="minor">
+        <a:schemeClr val="lt1"/>
+      </a:fontRef>
+    </dgm:style>
+  </dgm:styleLbl>
+  <dgm:styleLbl name="node4">
+    <dgm:scene3d>
+      <a:camera prst="orthographicFront"/>
+      <a:lightRig rig="threePt" dir="t"/>
+    </dgm:scene3d>
+    <dgm:sp3d/>
+    <dgm:txPr/>
+    <dgm:style>
+      <a:lnRef idx="2">
+        <a:scrgbClr r="0" g="0" b="0"/>
+      </a:lnRef>
+      <a:fillRef idx="1">
+        <a:scrgbClr r="0" g="0" b="0"/>
+      </a:fillRef>
+      <a:effectRef idx="0">
+        <a:scrgbClr r="0" g="0" b="0"/>
+      </a:effectRef>
+      <a:fontRef idx="minor">
+        <a:schemeClr val="lt1"/>
+      </a:fontRef>
+    </dgm:style>
+  </dgm:styleLbl>
+  <dgm:styleLbl name="fgImgPlace1">
+    <dgm:scene3d>
+      <a:camera prst="orthographicFront"/>
+      <a:lightRig rig="threePt" dir="t"/>
+    </dgm:scene3d>
+    <dgm:sp3d/>
+    <dgm:txPr/>
+    <dgm:style>
+      <a:lnRef idx="2">
+        <a:scrgbClr r="0" g="0" b="0"/>
+      </a:lnRef>
+      <a:fillRef idx="1">
+        <a:scrgbClr r="0" g="0" b="0"/>
+      </a:fillRef>
+      <a:effectRef idx="0">
+        <a:scrgbClr r="0" g="0" b="0"/>
+      </a:effectRef>
+      <a:fontRef idx="minor"/>
+    </dgm:style>
+  </dgm:styleLbl>
+  <dgm:styleLbl name="alignImgPlace1">
+    <dgm:scene3d>
+      <a:camera prst="orthographicFront"/>
+      <a:lightRig rig="threePt" dir="t"/>
+    </dgm:scene3d>
+    <dgm:sp3d/>
+    <dgm:txPr/>
+    <dgm:style>
+      <a:lnRef idx="2">
+        <a:scrgbClr r="0" g="0" b="0"/>
+      </a:lnRef>
+      <a:fillRef idx="1">
+        <a:scrgbClr r="0" g="0" b="0"/>
+      </a:fillRef>
+      <a:effectRef idx="0">
+        <a:scrgbClr r="0" g="0" b="0"/>
+      </a:effectRef>
+      <a:fontRef idx="minor"/>
+    </dgm:style>
+  </dgm:styleLbl>
+  <dgm:styleLbl name="bgImgPlace1">
+    <dgm:scene3d>
+      <a:camera prst="orthographicFront"/>
+      <a:lightRig rig="threePt" dir="t"/>
+    </dgm:scene3d>
+    <dgm:sp3d/>
+    <dgm:txPr/>
+    <dgm:style>
+      <a:lnRef idx="2">
+        <a:scrgbClr r="0" g="0" b="0"/>
+      </a:lnRef>
+      <a:fillRef idx="1">
+        <a:scrgbClr r="0" g="0" b="0"/>
+      </a:fillRef>
+      <a:effectRef idx="0">
+        <a:scrgbClr r="0" g="0" b="0"/>
+      </a:effectRef>
+      <a:fontRef idx="minor"/>
+    </dgm:style>
+  </dgm:styleLbl>
+  <dgm:styleLbl name="sibTrans2D1">
+    <dgm:scene3d>
+      <a:camera prst="orthographicFront"/>
+      <a:lightRig rig="threePt" dir="t"/>
+    </dgm:scene3d>
+    <dgm:sp3d/>
+    <dgm:txPr/>
+    <dgm:style>
+      <a:lnRef idx="0">
+        <a:scrgbClr r="0" g="0" b="0"/>
+      </a:lnRef>
+      <a:fillRef idx="1">
+        <a:scrgbClr r="0" g="0" b="0"/>
+      </a:fillRef>
+      <a:effectRef idx="0">
+        <a:scrgbClr r="0" g="0" b="0"/>
+      </a:effectRef>
+      <a:fontRef idx="minor">
+        <a:schemeClr val="lt1"/>
+      </a:fontRef>
+    </dgm:style>
+  </dgm:styleLbl>
+  <dgm:styleLbl name="fgSibTrans2D1">
+    <dgm:scene3d>
+      <a:camera prst="orthographicFront"/>
+      <a:lightRig rig="threePt" dir="t"/>
+    </dgm:scene3d>
+    <dgm:sp3d/>
+    <dgm:txPr/>
+    <dgm:style>
+      <a:lnRef idx="0">
+        <a:scrgbClr r="0" g="0" b="0"/>
+      </a:lnRef>
+      <a:fillRef idx="1">
+        <a:scrgbClr r="0" g="0" b="0"/>
+      </a:fillRef>
+      <a:effectRef idx="0">
+        <a:scrgbClr r="0" g="0" b="0"/>
+      </a:effectRef>
+      <a:fontRef idx="minor">
+        <a:schemeClr val="lt1"/>
+      </a:fontRef>
+    </dgm:style>
+  </dgm:styleLbl>
+  <dgm:styleLbl name="bgSibTrans2D1">
+    <dgm:scene3d>
+      <a:camera prst="orthographicFront"/>
+      <a:lightRig rig="threePt" dir="t"/>
+    </dgm:scene3d>
+    <dgm:sp3d/>
+    <dgm:txPr/>
+    <dgm:style>
+      <a:lnRef idx="0">
+        <a:scrgbClr r="0" g="0" b="0"/>
+      </a:lnRef>
+      <a:fillRef idx="1">
+        <a:scrgbClr r="0" g="0" b="0"/>
+      </a:fillRef>
+      <a:effectRef idx="0">
+        <a:scrgbClr r="0" g="0" b="0"/>
+      </a:effectRef>
+      <a:fontRef idx="minor">
+        <a:schemeClr val="lt1"/>
+      </a:fontRef>
+    </dgm:style>
+  </dgm:styleLbl>
+  <dgm:styleLbl name="sibTrans1D1">
+    <dgm:scene3d>
+      <a:camera prst="orthographicFront"/>
+      <a:lightRig rig="threePt" dir="t"/>
+    </dgm:scene3d>
+    <dgm:sp3d/>
+    <dgm:txPr/>
+    <dgm:style>
+      <a:lnRef idx="1">
+        <a:scrgbClr r="0" g="0" b="0"/>
+      </a:lnRef>
+      <a:fillRef idx="0">
+        <a:scrgbClr r="0" g="0" b="0"/>
+      </a:fillRef>
+      <a:effectRef idx="0">
+        <a:scrgbClr r="0" g="0" b="0"/>
+      </a:effectRef>
+      <a:fontRef idx="minor"/>
+    </dgm:style>
+  </dgm:styleLbl>
+  <dgm:styleLbl name="callout">
+    <dgm:scene3d>
+      <a:camera prst="orthographicFront"/>
+      <a:lightRig rig="threePt" dir="t"/>
+    </dgm:scene3d>
+    <dgm:sp3d/>
+    <dgm:txPr/>
+    <dgm:style>
+      <a:lnRef idx="2">
+        <a:scrgbClr r="0" g="0" b="0"/>
+      </a:lnRef>
+      <a:fillRef idx="1">
+        <a:scrgbClr r="0" g="0" b="0"/>
+      </a:fillRef>
+      <a:effectRef idx="0">
+        <a:scrgbClr r="0" g="0" b="0"/>
+      </a:effectRef>
+      <a:fontRef idx="minor"/>
+    </dgm:style>
+  </dgm:styleLbl>
+  <dgm:styleLbl name="asst0">
+    <dgm:scene3d>
+      <a:camera prst="orthographicFront"/>
+      <a:lightRig rig="threePt" dir="t"/>
+    </dgm:scene3d>
+    <dgm:sp3d/>
+    <dgm:txPr/>
+    <dgm:style>
+      <a:lnRef idx="2">
+        <a:scrgbClr r="0" g="0" b="0"/>
+      </a:lnRef>
+      <a:fillRef idx="1">
+        <a:scrgbClr r="0" g="0" b="0"/>
+      </a:fillRef>
+      <a:effectRef idx="0">
+        <a:scrgbClr r="0" g="0" b="0"/>
+      </a:effectRef>
+      <a:fontRef idx="minor">
+        <a:schemeClr val="lt1"/>
+      </a:fontRef>
+    </dgm:style>
+  </dgm:styleLbl>
+  <dgm:styleLbl name="asst1">
+    <dgm:scene3d>
+      <a:camera prst="orthographicFront"/>
+      <a:lightRig rig="threePt" dir="t"/>
+    </dgm:scene3d>
+    <dgm:sp3d/>
+    <dgm:txPr/>
+    <dgm:style>
+      <a:lnRef idx="2">
+        <a:scrgbClr r="0" g="0" b="0"/>
+      </a:lnRef>
+      <a:fillRef idx="1">
+        <a:scrgbClr r="0" g="0" b="0"/>
+      </a:fillRef>
+      <a:effectRef idx="0">
+        <a:scrgbClr r="0" g="0" b="0"/>
+      </a:effectRef>
+      <a:fontRef idx="minor">
+        <a:schemeClr val="lt1"/>
+      </a:fontRef>
+    </dgm:style>
+  </dgm:styleLbl>
+  <dgm:styleLbl name="asst2">
+    <dgm:scene3d>
+      <a:camera prst="orthographicFront"/>
+      <a:lightRig rig="threePt" dir="t"/>
+    </dgm:scene3d>
+    <dgm:sp3d/>
+    <dgm:txPr/>
+    <dgm:style>
+      <a:lnRef idx="2">
+        <a:scrgbClr r="0" g="0" b="0"/>
+      </a:lnRef>
+      <a:fillRef idx="1">
+        <a:scrgbClr r="0" g="0" b="0"/>
+      </a:fillRef>
+      <a:effectRef idx="0">
+        <a:scrgbClr r="0" g="0" b="0"/>
+      </a:effectRef>
+      <a:fontRef idx="minor">
+        <a:schemeClr val="lt1"/>
+      </a:fontRef>
+    </dgm:style>
+  </dgm:styleLbl>
+  <dgm:styleLbl name="asst3">
+    <dgm:scene3d>
+      <a:camera prst="orthographicFront"/>
+      <a:lightRig rig="threePt" dir="t"/>
+    </dgm:scene3d>
+    <dgm:sp3d/>
+    <dgm:txPr/>
+    <dgm:style>
+      <a:lnRef idx="2">
+        <a:scrgbClr r="0" g="0" b="0"/>
+      </a:lnRef>
+      <a:fillRef idx="1">
+        <a:scrgbClr r="0" g="0" b="0"/>
+      </a:fillRef>
+      <a:effectRef idx="0">
+        <a:scrgbClr r="0" g="0" b="0"/>
+      </a:effectRef>
+      <a:fontRef idx="minor">
+        <a:schemeClr val="lt1"/>
+      </a:fontRef>
+    </dgm:style>
+  </dgm:styleLbl>
+  <dgm:styleLbl name="asst4">
+    <dgm:scene3d>
+      <a:camera prst="orthographicFront"/>
+      <a:lightRig rig="threePt" dir="t"/>
+    </dgm:scene3d>
+    <dgm:sp3d/>
+    <dgm:txPr/>
+    <dgm:style>
+      <a:lnRef idx="2">
+        <a:scrgbClr r="0" g="0" b="0"/>
+      </a:lnRef>
+      <a:fillRef idx="1">
+        <a:scrgbClr r="0" g="0" b="0"/>
+      </a:fillRef>
+      <a:effectRef idx="0">
+        <a:scrgbClr r="0" g="0" b="0"/>
+      </a:effectRef>
+      <a:fontRef idx="minor">
+        <a:schemeClr val="lt1"/>
+      </a:fontRef>
+    </dgm:style>
+  </dgm:styleLbl>
+  <dgm:styleLbl name="parChTrans2D1">
+    <dgm:scene3d>
+      <a:camera prst="orthographicFront"/>
+      <a:lightRig rig="threePt" dir="t"/>
+    </dgm:scene3d>
+    <dgm:sp3d/>
+    <dgm:txPr/>
+    <dgm:style>
+      <a:lnRef idx="2">
+        <a:scrgbClr r="0" g="0" b="0"/>
+      </a:lnRef>
+      <a:fillRef idx="1">
+        <a:scrgbClr r="0" g="0" b="0"/>
+      </a:fillRef>
+      <a:effectRef idx="0">
+        <a:scrgbClr r="0" g="0" b="0"/>
+      </a:effectRef>
+      <a:fontRef idx="minor">
+        <a:schemeClr val="lt1"/>
+      </a:fontRef>
+    </dgm:style>
+  </dgm:styleLbl>
+  <dgm:styleLbl name="parChTrans2D2">
+    <dgm:scene3d>
+      <a:camera prst="orthographicFront"/>
+      <a:lightRig rig="threePt" dir="t"/>
+    </dgm:scene3d>
+    <dgm:sp3d/>
+    <dgm:txPr/>
+    <dgm:style>
+      <a:lnRef idx="2">
+        <a:scrgbClr r="0" g="0" b="0"/>
+      </a:lnRef>
+      <a:fillRef idx="1">
+        <a:scrgbClr r="0" g="0" b="0"/>
+      </a:fillRef>
+      <a:effectRef idx="0">
+        <a:scrgbClr r="0" g="0" b="0"/>
+      </a:effectRef>
+      <a:fontRef idx="minor">
+        <a:schemeClr val="lt1"/>
+      </a:fontRef>
+    </dgm:style>
+  </dgm:styleLbl>
+  <dgm:styleLbl name="parChTrans2D3">
+    <dgm:scene3d>
+      <a:camera prst="orthographicFront"/>
+      <a:lightRig rig="threePt" dir="t"/>
+    </dgm:scene3d>
+    <dgm:sp3d/>
+    <dgm:txPr/>
+    <dgm:style>
+      <a:lnRef idx="2">
+        <a:scrgbClr r="0" g="0" b="0"/>
+      </a:lnRef>
+      <a:fillRef idx="1">
+        <a:scrgbClr r="0" g="0" b="0"/>
+      </a:fillRef>
+      <a:effectRef idx="0">
+        <a:scrgbClr r="0" g="0" b="0"/>
+      </a:effectRef>
+      <a:fontRef idx="minor">
+        <a:schemeClr val="lt1"/>
+      </a:fontRef>
+    </dgm:style>
+  </dgm:styleLbl>
+  <dgm:styleLbl name="parChTrans2D4">
+    <dgm:scene3d>
+      <a:camera prst="orthographicFront"/>
+      <a:lightRig rig="threePt" dir="t"/>
+    </dgm:scene3d>
+    <dgm:sp3d/>
+    <dgm:txPr/>
+    <dgm:style>
+      <a:lnRef idx="2">
+        <a:scrgbClr r="0" g="0" b="0"/>
+      </a:lnRef>
+      <a:fillRef idx="1">
+        <a:scrgbClr r="0" g="0" b="0"/>
+      </a:fillRef>
+      <a:effectRef idx="0">
+        <a:scrgbClr r="0" g="0" b="0"/>
+      </a:effectRef>
+      <a:fontRef idx="minor">
+        <a:schemeClr val="lt1"/>
+      </a:fontRef>
+    </dgm:style>
+  </dgm:styleLbl>
+  <dgm:styleLbl name="parChTrans1D1">
+    <dgm:scene3d>
+      <a:camera prst="orthographicFront"/>
+      <a:lightRig rig="threePt" dir="t"/>
+    </dgm:scene3d>
+    <dgm:sp3d/>
+    <dgm:txPr/>
+    <dgm:style>
+      <a:lnRef idx="2">
+        <a:scrgbClr r="0" g="0" b="0"/>
+      </a:lnRef>
+      <a:fillRef idx="0">
+        <a:scrgbClr r="0" g="0" b="0"/>
+      </a:fillRef>
+      <a:effectRef idx="0">
+        <a:scrgbClr r="0" g="0" b="0"/>
+      </a:effectRef>
+      <a:fontRef idx="minor"/>
+    </dgm:style>
+  </dgm:styleLbl>
+  <dgm:styleLbl name="parChTrans1D2">
+    <dgm:scene3d>
+      <a:camera prst="orthographicFront"/>
+      <a:lightRig rig="threePt" dir="t"/>
+    </dgm:scene3d>
+    <dgm:sp3d/>
+    <dgm:txPr/>
+    <dgm:style>
+      <a:lnRef idx="2">
+        <a:scrgbClr r="0" g="0" b="0"/>
+      </a:lnRef>
+      <a:fillRef idx="0">
+        <a:scrgbClr r="0" g="0" b="0"/>
+      </a:fillRef>
+      <a:effectRef idx="0">
+        <a:scrgbClr r="0" g="0" b="0"/>
+      </a:effectRef>
+      <a:fontRef idx="minor"/>
+    </dgm:style>
+  </dgm:styleLbl>
+  <dgm:styleLbl name="parChTrans1D3">
+    <dgm:scene3d>
+      <a:camera prst="orthographicFront"/>
+      <a:lightRig rig="threePt" dir="t"/>
+    </dgm:scene3d>
+    <dgm:sp3d/>
+    <dgm:txPr/>
+    <dgm:style>
+      <a:lnRef idx="2">
+        <a:scrgbClr r="0" g="0" b="0"/>
+      </a:lnRef>
+      <a:fillRef idx="0">
+        <a:scrgbClr r="0" g="0" b="0"/>
+      </a:fillRef>
+      <a:effectRef idx="0">
+        <a:scrgbClr r="0" g="0" b="0"/>
+      </a:effectRef>
+      <a:fontRef idx="minor"/>
+    </dgm:style>
+  </dgm:styleLbl>
+  <dgm:styleLbl name="parChTrans1D4">
+    <dgm:scene3d>
+      <a:camera prst="orthographicFront"/>
+      <a:lightRig rig="threePt" dir="t"/>
+    </dgm:scene3d>
+    <dgm:sp3d/>
+    <dgm:txPr/>
+    <dgm:style>
+      <a:lnRef idx="2">
+        <a:scrgbClr r="0" g="0" b="0"/>
+      </a:lnRef>
+      <a:fillRef idx="0">
+        <a:scrgbClr r="0" g="0" b="0"/>
+      </a:fillRef>
+      <a:effectRef idx="0">
+        <a:scrgbClr r="0" g="0" b="0"/>
+      </a:effectRef>
+      <a:fontRef idx="minor"/>
+    </dgm:style>
+  </dgm:styleLbl>
+  <dgm:styleLbl name="fgAcc1">
+    <dgm:scene3d>
+      <a:camera prst="orthographicFront"/>
+      <a:lightRig rig="threePt" dir="t"/>
+    </dgm:scene3d>
+    <dgm:sp3d/>
+    <dgm:txPr/>
+    <dgm:style>
+      <a:lnRef idx="2">
+        <a:scrgbClr r="0" g="0" b="0"/>
+      </a:lnRef>
+      <a:fillRef idx="1">
+        <a:scrgbClr r="0" g="0" b="0"/>
+      </a:fillRef>
+      <a:effectRef idx="0">
+        <a:scrgbClr r="0" g="0" b="0"/>
+      </a:effectRef>
+      <a:fontRef idx="minor"/>
+    </dgm:style>
+  </dgm:styleLbl>
+  <dgm:styleLbl name="conFgAcc1">
+    <dgm:scene3d>
+      <a:camera prst="orthographicFront"/>
+      <a:lightRig rig="threePt" dir="t"/>
+    </dgm:scene3d>
+    <dgm:sp3d/>
+    <dgm:txPr/>
+    <dgm:style>
+      <a:lnRef idx="2">
+        <a:scrgbClr r="0" g="0" b="0"/>
+      </a:lnRef>
+      <a:fillRef idx="1">
+        <a:scrgbClr r="0" g="0" b="0"/>
+      </a:fillRef>
+      <a:effectRef idx="0">
+        <a:scrgbClr r="0" g="0" b="0"/>
+      </a:effectRef>
+      <a:fontRef idx="minor"/>
+    </dgm:style>
+  </dgm:styleLbl>
+  <dgm:styleLbl name="alignAcc1">
+    <dgm:scene3d>
+      <a:camera prst="orthographicFront"/>
+      <a:lightRig rig="threePt" dir="t"/>
+    </dgm:scene3d>
+    <dgm:sp3d/>
+    <dgm:txPr/>
+    <dgm:style>
+      <a:lnRef idx="2">
+        <a:scrgbClr r="0" g="0" b="0"/>
+      </a:lnRef>
+      <a:fillRef idx="1">
+        <a:scrgbClr r="0" g="0" b="0"/>
+      </a:fillRef>
+      <a:effectRef idx="0">
+        <a:scrgbClr r="0" g="0" b="0"/>
+      </a:effectRef>
+      <a:fontRef idx="minor"/>
+    </dgm:style>
+  </dgm:styleLbl>
+  <dgm:styleLbl name="trAlignAcc1">
+    <dgm:scene3d>
+      <a:camera prst="orthographicFront"/>
+      <a:lightRig rig="threePt" dir="t"/>
+    </dgm:scene3d>
+    <dgm:sp3d/>
+    <dgm:txPr/>
+    <dgm:style>
+      <a:lnRef idx="1">
+        <a:scrgbClr r="0" g="0" b="0"/>
+      </a:lnRef>
+      <a:fillRef idx="1">
+        <a:scrgbClr r="0" g="0" b="0"/>
+      </a:fillRef>
+      <a:effectRef idx="0">
+        <a:scrgbClr r="0" g="0" b="0"/>
+      </a:effectRef>
+      <a:fontRef idx="minor"/>
+    </dgm:style>
+  </dgm:styleLbl>
+  <dgm:styleLbl name="bgAcc1">
+    <dgm:scene3d>
+      <a:camera prst="orthographicFront"/>
+      <a:lightRig rig="threePt" dir="t"/>
+    </dgm:scene3d>
+    <dgm:sp3d/>
+    <dgm:txPr/>
+    <dgm:style>
+      <a:lnRef idx="2">
+        <a:scrgbClr r="0" g="0" b="0"/>
+      </a:lnRef>
+      <a:fillRef idx="1">
+        <a:scrgbClr r="0" g="0" b="0"/>
+      </a:fillRef>
+      <a:effectRef idx="0">
+        <a:scrgbClr r="0" g="0" b="0"/>
+      </a:effectRef>
+      <a:fontRef idx="minor"/>
+    </dgm:style>
+  </dgm:styleLbl>
+  <dgm:styleLbl name="solidFgAcc1">
+    <dgm:scene3d>
+      <a:camera prst="orthographicFront"/>
+      <a:lightRig rig="threePt" dir="t"/>
+    </dgm:scene3d>
+    <dgm:sp3d/>
+    <dgm:txPr/>
+    <dgm:style>
+      <a:lnRef idx="2">
+        <a:scrgbClr r="0" g="0" b="0"/>
+      </a:lnRef>
+      <a:fillRef idx="1">
+        <a:scrgbClr r="0" g="0" b="0"/>
+      </a:fillRef>
+      <a:effectRef idx="0">
+        <a:scrgbClr r="0" g="0" b="0"/>
+      </a:effectRef>
+      <a:fontRef idx="minor"/>
+    </dgm:style>
+  </dgm:styleLbl>
+  <dgm:styleLbl name="solidAlignAcc1">
+    <dgm:scene3d>
+      <a:camera prst="orthographicFront"/>
+      <a:lightRig rig="threePt" dir="t"/>
+    </dgm:scene3d>
+    <dgm:sp3d/>
+    <dgm:txPr/>
+    <dgm:style>
+      <a:lnRef idx="2">
+        <a:scrgbClr r="0" g="0" b="0"/>
+      </a:lnRef>
+      <a:fillRef idx="1">
+        <a:scrgbClr r="0" g="0" b="0"/>
+      </a:fillRef>
+      <a:effectRef idx="0">
+        <a:scrgbClr r="0" g="0" b="0"/>
+      </a:effectRef>
+      <a:fontRef idx="minor"/>
+    </dgm:style>
+  </dgm:styleLbl>
+  <dgm:styleLbl name="solidBgAcc1">
+    <dgm:scene3d>
+      <a:camera prst="orthographicFront"/>
+      <a:lightRig rig="threePt" dir="t"/>
+    </dgm:scene3d>
+    <dgm:sp3d/>
+    <dgm:txPr/>
+    <dgm:style>
+      <a:lnRef idx="2">
+        <a:scrgbClr r="0" g="0" b="0"/>
+      </a:lnRef>
+      <a:fillRef idx="1">
+        <a:scrgbClr r="0" g="0" b="0"/>
+      </a:fillRef>
+      <a:effectRef idx="0">
+        <a:scrgbClr r="0" g="0" b="0"/>
+      </a:effectRef>
+      <a:fontRef idx="minor"/>
+    </dgm:style>
+  </dgm:styleLbl>
+  <dgm:styleLbl name="fgAccFollowNode1">
+    <dgm:scene3d>
+      <a:camera prst="orthographicFront"/>
+      <a:lightRig rig="threePt" dir="t"/>
+    </dgm:scene3d>
+    <dgm:sp3d/>
+    <dgm:txPr/>
+    <dgm:style>
+      <a:lnRef idx="2">
+        <a:scrgbClr r="0" g="0" b="0"/>
+      </a:lnRef>
+      <a:fillRef idx="1">
+        <a:scrgbClr r="0" g="0" b="0"/>
+      </a:fillRef>
+      <a:effectRef idx="0">
+        <a:scrgbClr r="0" g="0" b="0"/>
+      </a:effectRef>
+      <a:fontRef idx="minor"/>
+    </dgm:style>
+  </dgm:styleLbl>
+  <dgm:styleLbl name="alignAccFollowNode1">
+    <dgm:scene3d>
+      <a:camera prst="orthographicFront"/>
+      <a:lightRig rig="threePt" dir="t"/>
+    </dgm:scene3d>
+    <dgm:sp3d/>
+    <dgm:txPr/>
+    <dgm:style>
+      <a:lnRef idx="2">
+        <a:scrgbClr r="0" g="0" b="0"/>
+      </a:lnRef>
+      <a:fillRef idx="1">
+        <a:scrgbClr r="0" g="0" b="0"/>
+      </a:fillRef>
+      <a:effectRef idx="0">
+        <a:scrgbClr r="0" g="0" b="0"/>
+      </a:effectRef>
+      <a:fontRef idx="minor"/>
+    </dgm:style>
+  </dgm:styleLbl>
+  <dgm:styleLbl name="bgAccFollowNode1">
+    <dgm:scene3d>
+      <a:camera prst="orthographicFront"/>
+      <a:lightRig rig="threePt" dir="t"/>
+    </dgm:scene3d>
+    <dgm:sp3d/>
+    <dgm:txPr/>
+    <dgm:style>
+      <a:lnRef idx="2">
+        <a:scrgbClr r="0" g="0" b="0"/>
+      </a:lnRef>
+      <a:fillRef idx="1">
+        <a:scrgbClr r="0" g="0" b="0"/>
+      </a:fillRef>
+      <a:effectRef idx="0">
+        <a:scrgbClr r="0" g="0" b="0"/>
+      </a:effectRef>
+      <a:fontRef idx="minor"/>
+    </dgm:style>
+  </dgm:styleLbl>
+  <dgm:styleLbl name="fgAcc0">
+    <dgm:scene3d>
+      <a:camera prst="orthographicFront"/>
+      <a:lightRig rig="threePt" dir="t"/>
+    </dgm:scene3d>
+    <dgm:sp3d/>
+    <dgm:txPr/>
+    <dgm:style>
+      <a:lnRef idx="2">
+        <a:scrgbClr r="0" g="0" b="0"/>
+      </a:lnRef>
+      <a:fillRef idx="1">
+        <a:scrgbClr r="0" g="0" b="0"/>
+      </a:fillRef>
+      <a:effectRef idx="0">
+        <a:scrgbClr r="0" g="0" b="0"/>
+      </a:effectRef>
+      <a:fontRef idx="minor"/>
+    </dgm:style>
+  </dgm:styleLbl>
+  <dgm:styleLbl name="fgAcc2">
+    <dgm:scene3d>
+      <a:camera prst="orthographicFront"/>
+      <a:lightRig rig="threePt" dir="t"/>
+    </dgm:scene3d>
+    <dgm:sp3d/>
+    <dgm:txPr/>
+    <dgm:style>
+      <a:lnRef idx="2">
+        <a:scrgbClr r="0" g="0" b="0"/>
+      </a:lnRef>
+      <a:fillRef idx="1">
+        <a:scrgbClr r="0" g="0" b="0"/>
+      </a:fillRef>
+      <a:effectRef idx="0">
+        <a:scrgbClr r="0" g="0" b="0"/>
+      </a:effectRef>
+      <a:fontRef idx="minor"/>
+    </dgm:style>
+  </dgm:styleLbl>
+  <dgm:styleLbl name="fgAcc3">
+    <dgm:scene3d>
+      <a:camera prst="orthographicFront"/>
+      <a:lightRig rig="threePt" dir="t"/>
+    </dgm:scene3d>
+    <dgm:sp3d/>
+    <dgm:txPr/>
+    <dgm:style>
+      <a:lnRef idx="2">
+        <a:scrgbClr r="0" g="0" b="0"/>
+      </a:lnRef>
+      <a:fillRef idx="1">
+        <a:scrgbClr r="0" g="0" b="0"/>
+      </a:fillRef>
+      <a:effectRef idx="0">
+        <a:scrgbClr r="0" g="0" b="0"/>
+      </a:effectRef>
+      <a:fontRef idx="minor"/>
+    </dgm:style>
+  </dgm:styleLbl>
+  <dgm:styleLbl name="fgAcc4">
+    <dgm:scene3d>
+      <a:camera prst="orthographicFront"/>
+      <a:lightRig rig="threePt" dir="t"/>
+    </dgm:scene3d>
+    <dgm:sp3d/>
+    <dgm:txPr/>
+    <dgm:style>
+      <a:lnRef idx="2">
+        <a:scrgbClr r="0" g="0" b="0"/>
+      </a:lnRef>
+      <a:fillRef idx="1">
+        <a:scrgbClr r="0" g="0" b="0"/>
+      </a:fillRef>
+      <a:effectRef idx="0">
+        <a:scrgbClr r="0" g="0" b="0"/>
+      </a:effectRef>
+      <a:fontRef idx="minor"/>
+    </dgm:style>
+  </dgm:styleLbl>
+  <dgm:styleLbl name="bgShp">
+    <dgm:scene3d>
+      <a:camera prst="orthographicFront"/>
+      <a:lightRig rig="threePt" dir="t"/>
+    </dgm:scene3d>
+    <dgm:sp3d/>
+    <dgm:txPr/>
+    <dgm:style>
+      <a:lnRef idx="0">
+        <a:scrgbClr r="0" g="0" b="0"/>
+      </a:lnRef>
+      <a:fillRef idx="1">
+        <a:scrgbClr r="0" g="0" b="0"/>
+      </a:fillRef>
+      <a:effectRef idx="0">
+        <a:scrgbClr r="0" g="0" b="0"/>
+      </a:effectRef>
+      <a:fontRef idx="minor"/>
+    </dgm:style>
+  </dgm:styleLbl>
+  <dgm:styleLbl name="dkBgShp">
+    <dgm:scene3d>
+      <a:camera prst="orthographicFront"/>
+      <a:lightRig rig="threePt" dir="t"/>
+    </dgm:scene3d>
+    <dgm:sp3d/>
+    <dgm:txPr/>
+    <dgm:style>
+      <a:lnRef idx="0">
+        <a:scrgbClr r="0" g="0" b="0"/>
+      </a:lnRef>
+      <a:fillRef idx="1">
+        <a:scrgbClr r="0" g="0" b="0"/>
+      </a:fillRef>
+      <a:effectRef idx="0">
+        <a:scrgbClr r="0" g="0" b="0"/>
+      </a:effectRef>
+      <a:fontRef idx="minor"/>
+    </dgm:style>
+  </dgm:styleLbl>
+  <dgm:styleLbl name="trBgShp">
+    <dgm:scene3d>
+      <a:camera prst="orthographicFront"/>
+      <a:lightRig rig="threePt" dir="t"/>
+    </dgm:scene3d>
+    <dgm:sp3d/>
+    <dgm:txPr/>
+    <dgm:style>
+      <a:lnRef idx="0">
+        <a:scrgbClr r="0" g="0" b="0"/>
+      </a:lnRef>
+      <a:fillRef idx="1">
+        <a:scrgbClr r="0" g="0" b="0"/>
+      </a:fillRef>
+      <a:effectRef idx="0">
+        <a:scrgbClr r="0" g="0" b="0"/>
+      </a:effectRef>
+      <a:fontRef idx="minor"/>
+    </dgm:style>
+  </dgm:styleLbl>
+  <dgm:styleLbl name="fgShp">
+    <dgm:scene3d>
+      <a:camera prst="orthographicFront"/>
+      <a:lightRig rig="threePt" dir="t"/>
+    </dgm:scene3d>
+    <dgm:sp3d/>
+    <dgm:txPr/>
+    <dgm:style>
+      <a:lnRef idx="2">
+        <a:scrgbClr r="0" g="0" b="0"/>
+      </a:lnRef>
+      <a:fillRef idx="1">
+        <a:scrgbClr r="0" g="0" b="0"/>
+      </a:fillRef>
+      <a:effectRef idx="0">
+        <a:scrgbClr r="0" g="0" b="0"/>
+      </a:effectRef>
+      <a:fontRef idx="minor"/>
+    </dgm:style>
+  </dgm:styleLbl>
+  <dgm:styleLbl name="revTx">
+    <dgm:scene3d>
+      <a:camera prst="orthographicFront"/>
+      <a:lightRig rig="threePt" dir="t"/>
+    </dgm:scene3d>
+    <dgm:sp3d/>
+    <dgm:txPr/>
+    <dgm:style>
+      <a:lnRef idx="0">
+        <a:scrgbClr r="0" g="0" b="0"/>
+      </a:lnRef>
+      <a:fillRef idx="0">
+        <a:scrgbClr r="0" g="0" b="0"/>
+      </a:fillRef>
+      <a:effectRef idx="0">
+        <a:scrgbClr r="0" g="0" b="0"/>
+      </a:effectRef>
+      <a:fontRef idx="minor"/>
+    </dgm:style>
+  </dgm:styleLbl>
+</dgm:styleDef>
+</file>
+
+<file path=ppt/diagrams/quickStyle3.xml><?xml version="1.0" encoding="utf-8"?>
 <dgm:styleDef xmlns:dgm="http://schemas.openxmlformats.org/drawingml/2006/diagram" xmlns:a="http://schemas.openxmlformats.org/drawingml/2006/main" uniqueId="urn:microsoft.com/office/officeart/2005/8/quickstyle/simple1">
   <dgm:title val=""/>
   <dgm:desc val=""/>
@@ -5726,7 +7569,7 @@
           <a:p>
             <a:fld id="{502C6BEF-2F23-4D23-83C9-02EC3060BB93}" type="datetimeFigureOut">
               <a:rPr lang="he-IL" smtClean="0"/>
-              <a:t>כ"ג/טבת/תשפ"ב</a:t>
+              <a:t>ה'/שבט/תשפ"ב</a:t>
             </a:fld>
             <a:endParaRPr lang="he-IL"/>
           </a:p>
@@ -6263,7 +8106,7 @@
           <a:p>
             <a:fld id="{60B43DA6-2FB7-4812-9381-4CCEF3F2B0C4}" type="datetimeFigureOut">
               <a:rPr lang="he-IL" smtClean="0"/>
-              <a:t>כ"ג/טבת/תשפ"ב</a:t>
+              <a:t>ה'/שבט/תשפ"ב</a:t>
             </a:fld>
             <a:endParaRPr lang="he-IL"/>
           </a:p>
@@ -6538,7 +8381,7 @@
           <a:p>
             <a:fld id="{60B43DA6-2FB7-4812-9381-4CCEF3F2B0C4}" type="datetimeFigureOut">
               <a:rPr lang="he-IL" smtClean="0"/>
-              <a:t>כ"ג/טבת/תשפ"ב</a:t>
+              <a:t>ה'/שבט/תשפ"ב</a:t>
             </a:fld>
             <a:endParaRPr lang="he-IL"/>
           </a:p>
@@ -6732,7 +8575,7 @@
           <a:p>
             <a:fld id="{60B43DA6-2FB7-4812-9381-4CCEF3F2B0C4}" type="datetimeFigureOut">
               <a:rPr lang="he-IL" smtClean="0"/>
-              <a:t>כ"ג/טבת/תשפ"ב</a:t>
+              <a:t>ה'/שבט/תשפ"ב</a:t>
             </a:fld>
             <a:endParaRPr lang="he-IL"/>
           </a:p>
@@ -7005,7 +8848,7 @@
           <a:p>
             <a:fld id="{60B43DA6-2FB7-4812-9381-4CCEF3F2B0C4}" type="datetimeFigureOut">
               <a:rPr lang="he-IL" smtClean="0"/>
-              <a:t>כ"ג/טבת/תשפ"ב</a:t>
+              <a:t>ה'/שבט/תשפ"ב</a:t>
             </a:fld>
             <a:endParaRPr lang="he-IL"/>
           </a:p>
@@ -7346,7 +9189,7 @@
           <a:p>
             <a:fld id="{60B43DA6-2FB7-4812-9381-4CCEF3F2B0C4}" type="datetimeFigureOut">
               <a:rPr lang="he-IL" smtClean="0"/>
-              <a:t>כ"ג/טבת/תשפ"ב</a:t>
+              <a:t>ה'/שבט/תשפ"ב</a:t>
             </a:fld>
             <a:endParaRPr lang="he-IL"/>
           </a:p>
@@ -7969,7 +9812,7 @@
           <a:p>
             <a:fld id="{60B43DA6-2FB7-4812-9381-4CCEF3F2B0C4}" type="datetimeFigureOut">
               <a:rPr lang="he-IL" smtClean="0"/>
-              <a:t>כ"ג/טבת/תשפ"ב</a:t>
+              <a:t>ה'/שבט/תשפ"ב</a:t>
             </a:fld>
             <a:endParaRPr lang="he-IL"/>
           </a:p>
@@ -8829,7 +10672,7 @@
           <a:p>
             <a:fld id="{60B43DA6-2FB7-4812-9381-4CCEF3F2B0C4}" type="datetimeFigureOut">
               <a:rPr lang="he-IL" smtClean="0"/>
-              <a:t>כ"ג/טבת/תשפ"ב</a:t>
+              <a:t>ה'/שבט/תשפ"ב</a:t>
             </a:fld>
             <a:endParaRPr lang="he-IL"/>
           </a:p>
@@ -8999,7 +10842,7 @@
           <a:p>
             <a:fld id="{60B43DA6-2FB7-4812-9381-4CCEF3F2B0C4}" type="datetimeFigureOut">
               <a:rPr lang="he-IL" smtClean="0"/>
-              <a:t>כ"ג/טבת/תשפ"ב</a:t>
+              <a:t>ה'/שבט/תשפ"ב</a:t>
             </a:fld>
             <a:endParaRPr lang="he-IL"/>
           </a:p>
@@ -9179,7 +11022,7 @@
           <a:p>
             <a:fld id="{60B43DA6-2FB7-4812-9381-4CCEF3F2B0C4}" type="datetimeFigureOut">
               <a:rPr lang="he-IL" smtClean="0"/>
-              <a:t>כ"ג/טבת/תשפ"ב</a:t>
+              <a:t>ה'/שבט/תשפ"ב</a:t>
             </a:fld>
             <a:endParaRPr lang="he-IL"/>
           </a:p>
@@ -9349,7 +11192,7 @@
           <a:p>
             <a:fld id="{60B43DA6-2FB7-4812-9381-4CCEF3F2B0C4}" type="datetimeFigureOut">
               <a:rPr lang="he-IL" smtClean="0"/>
-              <a:t>כ"ג/טבת/תשפ"ב</a:t>
+              <a:t>ה'/שבט/תשפ"ב</a:t>
             </a:fld>
             <a:endParaRPr lang="he-IL"/>
           </a:p>
@@ -9596,7 +11439,7 @@
           <a:p>
             <a:fld id="{60B43DA6-2FB7-4812-9381-4CCEF3F2B0C4}" type="datetimeFigureOut">
               <a:rPr lang="he-IL" smtClean="0"/>
-              <a:t>כ"ג/טבת/תשפ"ב</a:t>
+              <a:t>ה'/שבט/תשפ"ב</a:t>
             </a:fld>
             <a:endParaRPr lang="he-IL"/>
           </a:p>
@@ -9888,7 +11731,7 @@
           <a:p>
             <a:fld id="{60B43DA6-2FB7-4812-9381-4CCEF3F2B0C4}" type="datetimeFigureOut">
               <a:rPr lang="he-IL" smtClean="0"/>
-              <a:t>כ"ג/טבת/תשפ"ב</a:t>
+              <a:t>ה'/שבט/תשפ"ב</a:t>
             </a:fld>
             <a:endParaRPr lang="he-IL"/>
           </a:p>
@@ -10332,7 +12175,7 @@
           <a:p>
             <a:fld id="{60B43DA6-2FB7-4812-9381-4CCEF3F2B0C4}" type="datetimeFigureOut">
               <a:rPr lang="he-IL" smtClean="0"/>
-              <a:t>כ"ג/טבת/תשפ"ב</a:t>
+              <a:t>ה'/שבט/תשפ"ב</a:t>
             </a:fld>
             <a:endParaRPr lang="he-IL"/>
           </a:p>
@@ -10450,7 +12293,7 @@
           <a:p>
             <a:fld id="{60B43DA6-2FB7-4812-9381-4CCEF3F2B0C4}" type="datetimeFigureOut">
               <a:rPr lang="he-IL" smtClean="0"/>
-              <a:t>כ"ג/טבת/תשפ"ב</a:t>
+              <a:t>ה'/שבט/תשפ"ב</a:t>
             </a:fld>
             <a:endParaRPr lang="he-IL"/>
           </a:p>
@@ -10545,7 +12388,7 @@
           <a:p>
             <a:fld id="{60B43DA6-2FB7-4812-9381-4CCEF3F2B0C4}" type="datetimeFigureOut">
               <a:rPr lang="he-IL" smtClean="0"/>
-              <a:t>כ"ג/טבת/תשפ"ב</a:t>
+              <a:t>ה'/שבט/תשפ"ב</a:t>
             </a:fld>
             <a:endParaRPr lang="he-IL"/>
           </a:p>
@@ -10824,7 +12667,7 @@
           <a:p>
             <a:fld id="{60B43DA6-2FB7-4812-9381-4CCEF3F2B0C4}" type="datetimeFigureOut">
               <a:rPr lang="he-IL" smtClean="0"/>
-              <a:t>כ"ג/טבת/תשפ"ב</a:t>
+              <a:t>ה'/שבט/תשפ"ב</a:t>
             </a:fld>
             <a:endParaRPr lang="he-IL"/>
           </a:p>
@@ -11099,7 +12942,7 @@
           <a:p>
             <a:fld id="{60B43DA6-2FB7-4812-9381-4CCEF3F2B0C4}" type="datetimeFigureOut">
               <a:rPr lang="he-IL" smtClean="0"/>
-              <a:t>כ"ג/טבת/תשפ"ב</a:t>
+              <a:t>ה'/שבט/תשפ"ב</a:t>
             </a:fld>
             <a:endParaRPr lang="he-IL"/>
           </a:p>
@@ -11528,7 +13371,7 @@
           <a:p>
             <a:fld id="{60B43DA6-2FB7-4812-9381-4CCEF3F2B0C4}" type="datetimeFigureOut">
               <a:rPr lang="he-IL" smtClean="0"/>
-              <a:t>כ"ג/טבת/תשפ"ב</a:t>
+              <a:t>ה'/שבט/תשפ"ב</a:t>
             </a:fld>
             <a:endParaRPr lang="he-IL"/>
           </a:p>
@@ -12241,7 +14084,7 @@
         </p:blipFill>
         <p:spPr>
           <a:xfrm>
-            <a:off x="9994369" y="4287914"/>
+            <a:off x="9994369" y="4580146"/>
             <a:ext cx="2125742" cy="2196324"/>
           </a:xfrm>
           <a:prstGeom prst="rect">
@@ -12370,6 +14213,2572 @@
 </p:sld>
 </file>
 
+<file path=ppt/slides/slide10.xml><?xml version="1.0" encoding="utf-8"?>
+<p:sld xmlns:a="http://schemas.openxmlformats.org/drawingml/2006/main" xmlns:r="http://schemas.openxmlformats.org/officeDocument/2006/relationships" xmlns:p="http://schemas.openxmlformats.org/presentationml/2006/main">
+  <p:cSld>
+    <p:spTree>
+      <p:nvGrpSpPr>
+        <p:cNvPr id="1" name=""/>
+        <p:cNvGrpSpPr/>
+        <p:nvPr/>
+      </p:nvGrpSpPr>
+      <p:grpSpPr>
+        <a:xfrm>
+          <a:off x="0" y="0"/>
+          <a:ext cx="0" cy="0"/>
+          <a:chOff x="0" y="0"/>
+          <a:chExt cx="0" cy="0"/>
+        </a:xfrm>
+      </p:grpSpPr>
+      <p:grpSp>
+        <p:nvGrpSpPr>
+          <p:cNvPr id="32" name="קבוצה 31">
+            <a:extLst>
+              <a:ext uri="{FF2B5EF4-FFF2-40B4-BE49-F238E27FC236}">
+                <a16:creationId xmlns:a16="http://schemas.microsoft.com/office/drawing/2014/main" id="{B5398F08-5515-4E9C-8C15-83DE65ECBDD6}"/>
+              </a:ext>
+            </a:extLst>
+          </p:cNvPr>
+          <p:cNvGrpSpPr/>
+          <p:nvPr/>
+        </p:nvGrpSpPr>
+        <p:grpSpPr>
+          <a:xfrm>
+            <a:off x="8842746" y="6061142"/>
+            <a:ext cx="3344690" cy="786352"/>
+            <a:chOff x="9034264" y="0"/>
+            <a:chExt cx="3153171" cy="786352"/>
+          </a:xfrm>
+          <a:solidFill>
+            <a:schemeClr val="accent1"/>
+          </a:solidFill>
+        </p:grpSpPr>
+        <p:sp>
+          <p:nvSpPr>
+            <p:cNvPr id="48" name="חץ: מחומש 47">
+              <a:extLst>
+                <a:ext uri="{FF2B5EF4-FFF2-40B4-BE49-F238E27FC236}">
+                  <a16:creationId xmlns:a16="http://schemas.microsoft.com/office/drawing/2014/main" id="{9FD4F022-7819-4D03-894D-F229CC15C0BC}"/>
+                </a:ext>
+              </a:extLst>
+            </p:cNvPr>
+            <p:cNvSpPr/>
+            <p:nvPr/>
+          </p:nvSpPr>
+          <p:spPr>
+            <a:xfrm rot="10800000">
+              <a:off x="9034264" y="0"/>
+              <a:ext cx="3153171" cy="786352"/>
+            </a:xfrm>
+            <a:prstGeom prst="homePlate">
+              <a:avLst/>
+            </a:prstGeom>
+            <a:grpFill/>
+          </p:spPr>
+          <p:style>
+            <a:lnRef idx="2">
+              <a:schemeClr val="lt1">
+                <a:hueOff val="0"/>
+                <a:satOff val="0"/>
+                <a:lumOff val="0"/>
+                <a:alphaOff val="0"/>
+              </a:schemeClr>
+            </a:lnRef>
+            <a:fillRef idx="1">
+              <a:scrgbClr r="0" g="0" b="0"/>
+            </a:fillRef>
+            <a:effectRef idx="0">
+              <a:schemeClr val="accent1">
+                <a:hueOff val="0"/>
+                <a:satOff val="0"/>
+                <a:lumOff val="0"/>
+                <a:alphaOff val="0"/>
+              </a:schemeClr>
+            </a:effectRef>
+            <a:fontRef idx="minor">
+              <a:schemeClr val="lt1"/>
+            </a:fontRef>
+          </p:style>
+        </p:sp>
+        <p:sp>
+          <p:nvSpPr>
+            <p:cNvPr id="49" name="חץ: מחומש 4">
+              <a:extLst>
+                <a:ext uri="{FF2B5EF4-FFF2-40B4-BE49-F238E27FC236}">
+                  <a16:creationId xmlns:a16="http://schemas.microsoft.com/office/drawing/2014/main" id="{7E39D283-8BAE-4EF3-BAC2-D3B8D3A5ACF9}"/>
+                </a:ext>
+              </a:extLst>
+            </p:cNvPr>
+            <p:cNvSpPr txBox="1"/>
+            <p:nvPr/>
+          </p:nvSpPr>
+          <p:spPr>
+            <a:xfrm>
+              <a:off x="9230852" y="0"/>
+              <a:ext cx="2956583" cy="786352"/>
+            </a:xfrm>
+            <a:prstGeom prst="rect">
+              <a:avLst/>
+            </a:prstGeom>
+            <a:noFill/>
+            <a:ln>
+              <a:noFill/>
+            </a:ln>
+          </p:spPr>
+          <p:style>
+            <a:lnRef idx="0">
+              <a:scrgbClr r="0" g="0" b="0"/>
+            </a:lnRef>
+            <a:fillRef idx="0">
+              <a:scrgbClr r="0" g="0" b="0"/>
+            </a:fillRef>
+            <a:effectRef idx="0">
+              <a:scrgbClr r="0" g="0" b="0"/>
+            </a:effectRef>
+            <a:fontRef idx="minor">
+              <a:schemeClr val="lt1"/>
+            </a:fontRef>
+          </p:style>
+          <p:txBody>
+            <a:bodyPr spcFirstLastPara="0" vert="horz" wrap="square" lIns="29337" tIns="58674" rIns="117348" bIns="58674" numCol="1" spcCol="1270" anchor="ctr" anchorCtr="0">
+              <a:noAutofit/>
+            </a:bodyPr>
+            <a:lstStyle/>
+            <a:p>
+              <a:pPr marL="0" lvl="0" indent="0" algn="ctr" defTabSz="977900" rtl="1">
+                <a:lnSpc>
+                  <a:spcPct val="90000"/>
+                </a:lnSpc>
+                <a:spcBef>
+                  <a:spcPct val="0"/>
+                </a:spcBef>
+                <a:spcAft>
+                  <a:spcPct val="35000"/>
+                </a:spcAft>
+                <a:buNone/>
+              </a:pPr>
+              <a:r>
+                <a:rPr lang="en-US" sz="2200" kern="1200" dirty="0"/>
+                <a:t>Data</a:t>
+              </a:r>
+              <a:r>
+                <a:rPr lang="en-US" sz="2400" kern="1200" dirty="0"/>
+                <a:t> Acquisition</a:t>
+              </a:r>
+              <a:endParaRPr lang="he-IL" sz="2400" kern="1200" dirty="0"/>
+            </a:p>
+          </p:txBody>
+        </p:sp>
+      </p:grpSp>
+      <p:grpSp>
+        <p:nvGrpSpPr>
+          <p:cNvPr id="51" name="קבוצה 50">
+            <a:extLst>
+              <a:ext uri="{FF2B5EF4-FFF2-40B4-BE49-F238E27FC236}">
+                <a16:creationId xmlns:a16="http://schemas.microsoft.com/office/drawing/2014/main" id="{34F83BF6-57B7-492B-9DF3-AE8342ABF7A8}"/>
+              </a:ext>
+            </a:extLst>
+          </p:cNvPr>
+          <p:cNvGrpSpPr/>
+          <p:nvPr/>
+        </p:nvGrpSpPr>
+        <p:grpSpPr>
+          <a:xfrm>
+            <a:off x="6445449" y="6061142"/>
+            <a:ext cx="2785403" cy="786352"/>
+            <a:chOff x="6776839" y="0"/>
+            <a:chExt cx="2821781" cy="786352"/>
+          </a:xfrm>
+        </p:grpSpPr>
+        <p:sp>
+          <p:nvSpPr>
+            <p:cNvPr id="52" name="חץ: סוגר זוויתי 51">
+              <a:extLst>
+                <a:ext uri="{FF2B5EF4-FFF2-40B4-BE49-F238E27FC236}">
+                  <a16:creationId xmlns:a16="http://schemas.microsoft.com/office/drawing/2014/main" id="{E387CEF3-C07C-43F1-95E0-005A97BD09F2}"/>
+                </a:ext>
+              </a:extLst>
+            </p:cNvPr>
+            <p:cNvSpPr/>
+            <p:nvPr/>
+          </p:nvSpPr>
+          <p:spPr>
+            <a:xfrm rot="10800000">
+              <a:off x="6776839" y="0"/>
+              <a:ext cx="2821781" cy="786352"/>
+            </a:xfrm>
+            <a:prstGeom prst="chevron">
+              <a:avLst/>
+            </a:prstGeom>
+          </p:spPr>
+          <p:style>
+            <a:lnRef idx="2">
+              <a:schemeClr val="lt1">
+                <a:hueOff val="0"/>
+                <a:satOff val="0"/>
+                <a:lumOff val="0"/>
+                <a:alphaOff val="0"/>
+              </a:schemeClr>
+            </a:lnRef>
+            <a:fillRef idx="1">
+              <a:schemeClr val="accent1">
+                <a:hueOff val="0"/>
+                <a:satOff val="0"/>
+                <a:lumOff val="0"/>
+                <a:alphaOff val="0"/>
+              </a:schemeClr>
+            </a:fillRef>
+            <a:effectRef idx="0">
+              <a:schemeClr val="accent1">
+                <a:hueOff val="0"/>
+                <a:satOff val="0"/>
+                <a:lumOff val="0"/>
+                <a:alphaOff val="0"/>
+              </a:schemeClr>
+            </a:effectRef>
+            <a:fontRef idx="minor">
+              <a:schemeClr val="lt1"/>
+            </a:fontRef>
+          </p:style>
+        </p:sp>
+        <p:sp>
+          <p:nvSpPr>
+            <p:cNvPr id="53" name="חץ: סוגר זוויתי 6">
+              <a:extLst>
+                <a:ext uri="{FF2B5EF4-FFF2-40B4-BE49-F238E27FC236}">
+                  <a16:creationId xmlns:a16="http://schemas.microsoft.com/office/drawing/2014/main" id="{4AD13567-B255-4592-83DC-8B7D9BCBD365}"/>
+                </a:ext>
+              </a:extLst>
+            </p:cNvPr>
+            <p:cNvSpPr txBox="1"/>
+            <p:nvPr/>
+          </p:nvSpPr>
+          <p:spPr>
+            <a:xfrm rot="21600000">
+              <a:off x="7170015" y="0"/>
+              <a:ext cx="2035429" cy="786352"/>
+            </a:xfrm>
+            <a:prstGeom prst="rect">
+              <a:avLst/>
+            </a:prstGeom>
+          </p:spPr>
+          <p:style>
+            <a:lnRef idx="0">
+              <a:scrgbClr r="0" g="0" b="0"/>
+            </a:lnRef>
+            <a:fillRef idx="0">
+              <a:scrgbClr r="0" g="0" b="0"/>
+            </a:fillRef>
+            <a:effectRef idx="0">
+              <a:scrgbClr r="0" g="0" b="0"/>
+            </a:effectRef>
+            <a:fontRef idx="minor">
+              <a:schemeClr val="lt1"/>
+            </a:fontRef>
+          </p:style>
+          <p:txBody>
+            <a:bodyPr spcFirstLastPara="0" vert="horz" wrap="square" lIns="29337" tIns="58674" rIns="88011" bIns="58674" numCol="1" spcCol="1270" anchor="ctr" anchorCtr="0">
+              <a:noAutofit/>
+            </a:bodyPr>
+            <a:lstStyle/>
+            <a:p>
+              <a:pPr marL="0" lvl="0" indent="0" algn="ctr" defTabSz="977900" rtl="1">
+                <a:lnSpc>
+                  <a:spcPct val="90000"/>
+                </a:lnSpc>
+                <a:spcBef>
+                  <a:spcPct val="0"/>
+                </a:spcBef>
+                <a:spcAft>
+                  <a:spcPct val="35000"/>
+                </a:spcAft>
+                <a:buNone/>
+              </a:pPr>
+              <a:r>
+                <a:rPr lang="en-US" sz="2200" kern="1200"/>
+                <a:t>EDA</a:t>
+              </a:r>
+              <a:endParaRPr lang="he-IL" sz="2200" kern="1200" dirty="0"/>
+            </a:p>
+          </p:txBody>
+        </p:sp>
+      </p:grpSp>
+      <p:grpSp>
+        <p:nvGrpSpPr>
+          <p:cNvPr id="54" name="קבוצה 53">
+            <a:extLst>
+              <a:ext uri="{FF2B5EF4-FFF2-40B4-BE49-F238E27FC236}">
+                <a16:creationId xmlns:a16="http://schemas.microsoft.com/office/drawing/2014/main" id="{739AD5D4-40C8-4B43-8D6C-578C1A03A1B4}"/>
+              </a:ext>
+            </a:extLst>
+          </p:cNvPr>
+          <p:cNvGrpSpPr/>
+          <p:nvPr/>
+        </p:nvGrpSpPr>
+        <p:grpSpPr>
+          <a:xfrm>
+            <a:off x="3326861" y="6061142"/>
+            <a:ext cx="3569810" cy="786352"/>
+            <a:chOff x="4519414" y="0"/>
+            <a:chExt cx="2821781" cy="786352"/>
+          </a:xfrm>
+          <a:solidFill>
+            <a:schemeClr val="accent5"/>
+          </a:solidFill>
+        </p:grpSpPr>
+        <p:sp>
+          <p:nvSpPr>
+            <p:cNvPr id="55" name="חץ: סוגר זוויתי 54">
+              <a:extLst>
+                <a:ext uri="{FF2B5EF4-FFF2-40B4-BE49-F238E27FC236}">
+                  <a16:creationId xmlns:a16="http://schemas.microsoft.com/office/drawing/2014/main" id="{7D10BC3B-25A7-4864-A838-26D3F6DCB433}"/>
+                </a:ext>
+              </a:extLst>
+            </p:cNvPr>
+            <p:cNvSpPr/>
+            <p:nvPr/>
+          </p:nvSpPr>
+          <p:spPr>
+            <a:xfrm rot="10800000">
+              <a:off x="4519414" y="0"/>
+              <a:ext cx="2821781" cy="786352"/>
+            </a:xfrm>
+            <a:prstGeom prst="chevron">
+              <a:avLst/>
+            </a:prstGeom>
+            <a:grpFill/>
+          </p:spPr>
+          <p:style>
+            <a:lnRef idx="2">
+              <a:schemeClr val="lt1">
+                <a:hueOff val="0"/>
+                <a:satOff val="0"/>
+                <a:lumOff val="0"/>
+                <a:alphaOff val="0"/>
+              </a:schemeClr>
+            </a:lnRef>
+            <a:fillRef idx="1">
+              <a:schemeClr val="accent1">
+                <a:hueOff val="0"/>
+                <a:satOff val="0"/>
+                <a:lumOff val="0"/>
+                <a:alphaOff val="0"/>
+              </a:schemeClr>
+            </a:fillRef>
+            <a:effectRef idx="0">
+              <a:schemeClr val="accent1">
+                <a:hueOff val="0"/>
+                <a:satOff val="0"/>
+                <a:lumOff val="0"/>
+                <a:alphaOff val="0"/>
+              </a:schemeClr>
+            </a:effectRef>
+            <a:fontRef idx="minor">
+              <a:schemeClr val="lt1"/>
+            </a:fontRef>
+          </p:style>
+        </p:sp>
+        <p:sp>
+          <p:nvSpPr>
+            <p:cNvPr id="56" name="חץ: סוגר זוויתי 8">
+              <a:extLst>
+                <a:ext uri="{FF2B5EF4-FFF2-40B4-BE49-F238E27FC236}">
+                  <a16:creationId xmlns:a16="http://schemas.microsoft.com/office/drawing/2014/main" id="{03133357-4D25-4478-B371-1B554E21C835}"/>
+                </a:ext>
+              </a:extLst>
+            </p:cNvPr>
+            <p:cNvSpPr txBox="1"/>
+            <p:nvPr/>
+          </p:nvSpPr>
+          <p:spPr>
+            <a:xfrm rot="21600000">
+              <a:off x="4912590" y="0"/>
+              <a:ext cx="2035429" cy="786352"/>
+            </a:xfrm>
+            <a:prstGeom prst="rect">
+              <a:avLst/>
+            </a:prstGeom>
+            <a:noFill/>
+          </p:spPr>
+          <p:style>
+            <a:lnRef idx="0">
+              <a:scrgbClr r="0" g="0" b="0"/>
+            </a:lnRef>
+            <a:fillRef idx="0">
+              <a:scrgbClr r="0" g="0" b="0"/>
+            </a:fillRef>
+            <a:effectRef idx="0">
+              <a:scrgbClr r="0" g="0" b="0"/>
+            </a:effectRef>
+            <a:fontRef idx="minor">
+              <a:schemeClr val="lt1"/>
+            </a:fontRef>
+          </p:style>
+          <p:txBody>
+            <a:bodyPr spcFirstLastPara="0" vert="horz" wrap="square" lIns="29337" tIns="58674" rIns="88011" bIns="58674" numCol="1" spcCol="1270" anchor="ctr" anchorCtr="0">
+              <a:noAutofit/>
+            </a:bodyPr>
+            <a:lstStyle/>
+            <a:p>
+              <a:pPr marL="0" lvl="0" indent="0" algn="ctr" defTabSz="977900" rtl="1">
+                <a:lnSpc>
+                  <a:spcPct val="90000"/>
+                </a:lnSpc>
+                <a:spcBef>
+                  <a:spcPct val="0"/>
+                </a:spcBef>
+                <a:spcAft>
+                  <a:spcPct val="35000"/>
+                </a:spcAft>
+                <a:buNone/>
+              </a:pPr>
+              <a:r>
+                <a:rPr lang="en-US" sz="2200" kern="1200" dirty="0"/>
+                <a:t>Machine Learning</a:t>
+              </a:r>
+              <a:endParaRPr lang="he-IL" sz="2200" kern="1200" dirty="0"/>
+            </a:p>
+          </p:txBody>
+        </p:sp>
+      </p:grpSp>
+      <p:grpSp>
+        <p:nvGrpSpPr>
+          <p:cNvPr id="57" name="קבוצה 56">
+            <a:extLst>
+              <a:ext uri="{FF2B5EF4-FFF2-40B4-BE49-F238E27FC236}">
+                <a16:creationId xmlns:a16="http://schemas.microsoft.com/office/drawing/2014/main" id="{E7858532-30E1-4861-8277-C58515F05EF1}"/>
+              </a:ext>
+            </a:extLst>
+          </p:cNvPr>
+          <p:cNvGrpSpPr/>
+          <p:nvPr/>
+        </p:nvGrpSpPr>
+        <p:grpSpPr>
+          <a:xfrm>
+            <a:off x="4563" y="6071648"/>
+            <a:ext cx="3730858" cy="786352"/>
+            <a:chOff x="2261989" y="0"/>
+            <a:chExt cx="2821781" cy="786352"/>
+          </a:xfrm>
+        </p:grpSpPr>
+        <p:sp>
+          <p:nvSpPr>
+            <p:cNvPr id="58" name="חץ: סוגר זוויתי 57">
+              <a:extLst>
+                <a:ext uri="{FF2B5EF4-FFF2-40B4-BE49-F238E27FC236}">
+                  <a16:creationId xmlns:a16="http://schemas.microsoft.com/office/drawing/2014/main" id="{5E9E82E6-4612-430D-944B-3C7FF9DC5790}"/>
+                </a:ext>
+              </a:extLst>
+            </p:cNvPr>
+            <p:cNvSpPr/>
+            <p:nvPr/>
+          </p:nvSpPr>
+          <p:spPr>
+            <a:xfrm rot="10800000">
+              <a:off x="2261989" y="0"/>
+              <a:ext cx="2821781" cy="786352"/>
+            </a:xfrm>
+            <a:prstGeom prst="chevron">
+              <a:avLst/>
+            </a:prstGeom>
+          </p:spPr>
+          <p:style>
+            <a:lnRef idx="2">
+              <a:schemeClr val="lt1">
+                <a:hueOff val="0"/>
+                <a:satOff val="0"/>
+                <a:lumOff val="0"/>
+                <a:alphaOff val="0"/>
+              </a:schemeClr>
+            </a:lnRef>
+            <a:fillRef idx="1">
+              <a:schemeClr val="accent1">
+                <a:hueOff val="0"/>
+                <a:satOff val="0"/>
+                <a:lumOff val="0"/>
+                <a:alphaOff val="0"/>
+              </a:schemeClr>
+            </a:fillRef>
+            <a:effectRef idx="0">
+              <a:schemeClr val="accent1">
+                <a:hueOff val="0"/>
+                <a:satOff val="0"/>
+                <a:lumOff val="0"/>
+                <a:alphaOff val="0"/>
+              </a:schemeClr>
+            </a:effectRef>
+            <a:fontRef idx="minor">
+              <a:schemeClr val="lt1"/>
+            </a:fontRef>
+          </p:style>
+        </p:sp>
+        <p:sp>
+          <p:nvSpPr>
+            <p:cNvPr id="59" name="חץ: סוגר זוויתי 10">
+              <a:extLst>
+                <a:ext uri="{FF2B5EF4-FFF2-40B4-BE49-F238E27FC236}">
+                  <a16:creationId xmlns:a16="http://schemas.microsoft.com/office/drawing/2014/main" id="{05716C62-5759-4882-942D-81D57CE51663}"/>
+                </a:ext>
+              </a:extLst>
+            </p:cNvPr>
+            <p:cNvSpPr txBox="1"/>
+            <p:nvPr/>
+          </p:nvSpPr>
+          <p:spPr>
+            <a:xfrm rot="21600000">
+              <a:off x="2655165" y="0"/>
+              <a:ext cx="2035429" cy="786352"/>
+            </a:xfrm>
+            <a:prstGeom prst="rect">
+              <a:avLst/>
+            </a:prstGeom>
+          </p:spPr>
+          <p:style>
+            <a:lnRef idx="0">
+              <a:scrgbClr r="0" g="0" b="0"/>
+            </a:lnRef>
+            <a:fillRef idx="0">
+              <a:scrgbClr r="0" g="0" b="0"/>
+            </a:fillRef>
+            <a:effectRef idx="0">
+              <a:scrgbClr r="0" g="0" b="0"/>
+            </a:effectRef>
+            <a:fontRef idx="minor">
+              <a:schemeClr val="lt1"/>
+            </a:fontRef>
+          </p:style>
+          <p:txBody>
+            <a:bodyPr spcFirstLastPara="0" vert="horz" wrap="square" lIns="29337" tIns="58674" rIns="88011" bIns="58674" numCol="1" spcCol="1270" anchor="ctr" anchorCtr="0">
+              <a:noAutofit/>
+            </a:bodyPr>
+            <a:lstStyle/>
+            <a:p>
+              <a:pPr marL="0" lvl="0" indent="0" algn="ctr" defTabSz="977900" rtl="1">
+                <a:lnSpc>
+                  <a:spcPct val="90000"/>
+                </a:lnSpc>
+                <a:spcBef>
+                  <a:spcPct val="0"/>
+                </a:spcBef>
+                <a:spcAft>
+                  <a:spcPct val="35000"/>
+                </a:spcAft>
+                <a:buNone/>
+              </a:pPr>
+              <a:r>
+                <a:rPr lang="en-US" sz="2200" kern="1200" dirty="0"/>
+                <a:t>Conclusions</a:t>
+              </a:r>
+              <a:endParaRPr lang="he-IL" sz="2200" kern="1200" dirty="0"/>
+            </a:p>
+          </p:txBody>
+        </p:sp>
+      </p:grpSp>
+      <p:sp>
+        <p:nvSpPr>
+          <p:cNvPr id="61" name="כותרת 1">
+            <a:extLst>
+              <a:ext uri="{FF2B5EF4-FFF2-40B4-BE49-F238E27FC236}">
+                <a16:creationId xmlns:a16="http://schemas.microsoft.com/office/drawing/2014/main" id="{39547782-A915-4B50-8BF7-EB7546AAE16F}"/>
+              </a:ext>
+            </a:extLst>
+          </p:cNvPr>
+          <p:cNvSpPr txBox="1">
+            <a:spLocks/>
+          </p:cNvSpPr>
+          <p:nvPr/>
+        </p:nvSpPr>
+        <p:spPr>
+          <a:xfrm>
+            <a:off x="256337" y="395959"/>
+            <a:ext cx="9905757" cy="866186"/>
+          </a:xfrm>
+          <a:prstGeom prst="rect">
+            <a:avLst/>
+          </a:prstGeom>
+        </p:spPr>
+        <p:txBody>
+          <a:bodyPr vert="horz" lIns="91440" tIns="45720" rIns="91440" bIns="45720" rtlCol="0" anchor="t">
+            <a:noAutofit/>
+          </a:bodyPr>
+          <a:lstStyle>
+            <a:lvl1pPr algn="l" defTabSz="457200" rtl="1" eaLnBrk="1" latinLnBrk="0" hangingPunct="1">
+              <a:spcBef>
+                <a:spcPct val="0"/>
+              </a:spcBef>
+              <a:buNone/>
+              <a:defRPr sz="4200" b="0" i="0" kern="1200">
+                <a:solidFill>
+                  <a:schemeClr val="tx2"/>
+                </a:solidFill>
+                <a:latin typeface="+mj-lt"/>
+                <a:ea typeface="+mj-ea"/>
+                <a:cs typeface="+mj-cs"/>
+              </a:defRPr>
+            </a:lvl1pPr>
+            <a:lvl2pPr rtl="1" eaLnBrk="1" hangingPunct="1">
+              <a:defRPr>
+                <a:solidFill>
+                  <a:schemeClr val="tx2"/>
+                </a:solidFill>
+              </a:defRPr>
+            </a:lvl2pPr>
+            <a:lvl3pPr rtl="1" eaLnBrk="1" hangingPunct="1">
+              <a:defRPr>
+                <a:solidFill>
+                  <a:schemeClr val="tx2"/>
+                </a:solidFill>
+              </a:defRPr>
+            </a:lvl3pPr>
+            <a:lvl4pPr rtl="1" eaLnBrk="1" hangingPunct="1">
+              <a:defRPr>
+                <a:solidFill>
+                  <a:schemeClr val="tx2"/>
+                </a:solidFill>
+              </a:defRPr>
+            </a:lvl4pPr>
+            <a:lvl5pPr rtl="1" eaLnBrk="1" hangingPunct="1">
+              <a:defRPr>
+                <a:solidFill>
+                  <a:schemeClr val="tx2"/>
+                </a:solidFill>
+              </a:defRPr>
+            </a:lvl5pPr>
+            <a:lvl6pPr rtl="1" eaLnBrk="1" hangingPunct="1">
+              <a:defRPr>
+                <a:solidFill>
+                  <a:schemeClr val="tx2"/>
+                </a:solidFill>
+              </a:defRPr>
+            </a:lvl6pPr>
+            <a:lvl7pPr rtl="1" eaLnBrk="1" hangingPunct="1">
+              <a:defRPr>
+                <a:solidFill>
+                  <a:schemeClr val="tx2"/>
+                </a:solidFill>
+              </a:defRPr>
+            </a:lvl7pPr>
+            <a:lvl8pPr rtl="1" eaLnBrk="1" hangingPunct="1">
+              <a:defRPr>
+                <a:solidFill>
+                  <a:schemeClr val="tx2"/>
+                </a:solidFill>
+              </a:defRPr>
+            </a:lvl8pPr>
+            <a:lvl9pPr rtl="1" eaLnBrk="1" hangingPunct="1">
+              <a:defRPr>
+                <a:solidFill>
+                  <a:schemeClr val="tx2"/>
+                </a:solidFill>
+              </a:defRPr>
+            </a:lvl9pPr>
+          </a:lstStyle>
+          <a:p>
+            <a:r>
+              <a:rPr lang="en-US" sz="2000" b="1" u="sng" dirty="0"/>
+              <a:t>CountVectorizer</a:t>
+            </a:r>
+            <a:r>
+              <a:rPr lang="en-US" sz="2000" dirty="0"/>
+              <a:t>: Logistic Regression and Random Forest (Which is basically a bunch of Decision Trees)</a:t>
+            </a:r>
+            <a:endParaRPr lang="he-IL" sz="2000" dirty="0"/>
+          </a:p>
+        </p:txBody>
+      </p:sp>
+      <p:pic>
+        <p:nvPicPr>
+          <p:cNvPr id="3" name="תמונה 2">
+            <a:extLst>
+              <a:ext uri="{FF2B5EF4-FFF2-40B4-BE49-F238E27FC236}">
+                <a16:creationId xmlns:a16="http://schemas.microsoft.com/office/drawing/2014/main" id="{6503B9CB-4A9D-43DD-B11D-4DC8ADB5B78B}"/>
+              </a:ext>
+            </a:extLst>
+          </p:cNvPr>
+          <p:cNvPicPr>
+            <a:picLocks noChangeAspect="1"/>
+          </p:cNvPicPr>
+          <p:nvPr/>
+        </p:nvPicPr>
+        <p:blipFill>
+          <a:blip r:embed="rId2"/>
+          <a:stretch>
+            <a:fillRect/>
+          </a:stretch>
+        </p:blipFill>
+        <p:spPr>
+          <a:xfrm>
+            <a:off x="367539" y="1344300"/>
+            <a:ext cx="5596671" cy="1796202"/>
+          </a:xfrm>
+          <a:prstGeom prst="rect">
+            <a:avLst/>
+          </a:prstGeom>
+        </p:spPr>
+      </p:pic>
+      <p:pic>
+        <p:nvPicPr>
+          <p:cNvPr id="5" name="תמונה 4">
+            <a:extLst>
+              <a:ext uri="{FF2B5EF4-FFF2-40B4-BE49-F238E27FC236}">
+                <a16:creationId xmlns:a16="http://schemas.microsoft.com/office/drawing/2014/main" id="{EB200345-9AA8-4F40-A2DD-1FB3DA9B1DA5}"/>
+              </a:ext>
+            </a:extLst>
+          </p:cNvPr>
+          <p:cNvPicPr>
+            <a:picLocks noChangeAspect="1"/>
+          </p:cNvPicPr>
+          <p:nvPr/>
+        </p:nvPicPr>
+        <p:blipFill>
+          <a:blip r:embed="rId3"/>
+          <a:stretch>
+            <a:fillRect/>
+          </a:stretch>
+        </p:blipFill>
+        <p:spPr>
+          <a:xfrm>
+            <a:off x="6399266" y="1055802"/>
+            <a:ext cx="3398235" cy="2373198"/>
+          </a:xfrm>
+          <a:prstGeom prst="rect">
+            <a:avLst/>
+          </a:prstGeom>
+        </p:spPr>
+      </p:pic>
+      <p:sp>
+        <p:nvSpPr>
+          <p:cNvPr id="62" name="כותרת 1">
+            <a:extLst>
+              <a:ext uri="{FF2B5EF4-FFF2-40B4-BE49-F238E27FC236}">
+                <a16:creationId xmlns:a16="http://schemas.microsoft.com/office/drawing/2014/main" id="{1002FD95-398A-4BB7-873D-18CCDCA75498}"/>
+              </a:ext>
+            </a:extLst>
+          </p:cNvPr>
+          <p:cNvSpPr txBox="1">
+            <a:spLocks/>
+          </p:cNvSpPr>
+          <p:nvPr/>
+        </p:nvSpPr>
+        <p:spPr>
+          <a:xfrm>
+            <a:off x="10232557" y="1963566"/>
+            <a:ext cx="1624249" cy="759475"/>
+          </a:xfrm>
+          <a:prstGeom prst="rect">
+            <a:avLst/>
+          </a:prstGeom>
+        </p:spPr>
+        <p:txBody>
+          <a:bodyPr vert="horz" lIns="91440" tIns="45720" rIns="91440" bIns="45720" rtlCol="0" anchor="t">
+            <a:noAutofit/>
+          </a:bodyPr>
+          <a:lstStyle>
+            <a:lvl1pPr algn="l" defTabSz="457200" rtl="1" eaLnBrk="1" latinLnBrk="0" hangingPunct="1">
+              <a:spcBef>
+                <a:spcPct val="0"/>
+              </a:spcBef>
+              <a:buNone/>
+              <a:defRPr sz="4200" b="0" i="0" kern="1200">
+                <a:solidFill>
+                  <a:schemeClr val="tx2"/>
+                </a:solidFill>
+                <a:latin typeface="+mj-lt"/>
+                <a:ea typeface="+mj-ea"/>
+                <a:cs typeface="+mj-cs"/>
+              </a:defRPr>
+            </a:lvl1pPr>
+            <a:lvl2pPr rtl="1" eaLnBrk="1" hangingPunct="1">
+              <a:defRPr>
+                <a:solidFill>
+                  <a:schemeClr val="tx2"/>
+                </a:solidFill>
+              </a:defRPr>
+            </a:lvl2pPr>
+            <a:lvl3pPr rtl="1" eaLnBrk="1" hangingPunct="1">
+              <a:defRPr>
+                <a:solidFill>
+                  <a:schemeClr val="tx2"/>
+                </a:solidFill>
+              </a:defRPr>
+            </a:lvl3pPr>
+            <a:lvl4pPr rtl="1" eaLnBrk="1" hangingPunct="1">
+              <a:defRPr>
+                <a:solidFill>
+                  <a:schemeClr val="tx2"/>
+                </a:solidFill>
+              </a:defRPr>
+            </a:lvl4pPr>
+            <a:lvl5pPr rtl="1" eaLnBrk="1" hangingPunct="1">
+              <a:defRPr>
+                <a:solidFill>
+                  <a:schemeClr val="tx2"/>
+                </a:solidFill>
+              </a:defRPr>
+            </a:lvl5pPr>
+            <a:lvl6pPr rtl="1" eaLnBrk="1" hangingPunct="1">
+              <a:defRPr>
+                <a:solidFill>
+                  <a:schemeClr val="tx2"/>
+                </a:solidFill>
+              </a:defRPr>
+            </a:lvl6pPr>
+            <a:lvl7pPr rtl="1" eaLnBrk="1" hangingPunct="1">
+              <a:defRPr>
+                <a:solidFill>
+                  <a:schemeClr val="tx2"/>
+                </a:solidFill>
+              </a:defRPr>
+            </a:lvl7pPr>
+            <a:lvl8pPr rtl="1" eaLnBrk="1" hangingPunct="1">
+              <a:defRPr>
+                <a:solidFill>
+                  <a:schemeClr val="tx2"/>
+                </a:solidFill>
+              </a:defRPr>
+            </a:lvl8pPr>
+            <a:lvl9pPr rtl="1" eaLnBrk="1" hangingPunct="1">
+              <a:defRPr>
+                <a:solidFill>
+                  <a:schemeClr val="tx2"/>
+                </a:solidFill>
+              </a:defRPr>
+            </a:lvl9pPr>
+          </a:lstStyle>
+          <a:p>
+            <a:r>
+              <a:rPr lang="en-US" sz="2100" b="1" dirty="0"/>
+              <a:t>Logistic Regression</a:t>
+            </a:r>
+            <a:endParaRPr lang="he-IL" sz="2100" b="1" dirty="0"/>
+          </a:p>
+        </p:txBody>
+      </p:sp>
+      <p:pic>
+        <p:nvPicPr>
+          <p:cNvPr id="11" name="תמונה 10">
+            <a:extLst>
+              <a:ext uri="{FF2B5EF4-FFF2-40B4-BE49-F238E27FC236}">
+                <a16:creationId xmlns:a16="http://schemas.microsoft.com/office/drawing/2014/main" id="{1ECB3291-15BF-4463-B7F1-F8176864A1B6}"/>
+              </a:ext>
+            </a:extLst>
+          </p:cNvPr>
+          <p:cNvPicPr>
+            <a:picLocks noChangeAspect="1"/>
+          </p:cNvPicPr>
+          <p:nvPr/>
+        </p:nvPicPr>
+        <p:blipFill>
+          <a:blip r:embed="rId4"/>
+          <a:stretch>
+            <a:fillRect/>
+          </a:stretch>
+        </p:blipFill>
+        <p:spPr>
+          <a:xfrm>
+            <a:off x="304509" y="4134013"/>
+            <a:ext cx="5659701" cy="1248692"/>
+          </a:xfrm>
+          <a:prstGeom prst="rect">
+            <a:avLst/>
+          </a:prstGeom>
+        </p:spPr>
+      </p:pic>
+      <p:pic>
+        <p:nvPicPr>
+          <p:cNvPr id="13" name="תמונה 12">
+            <a:extLst>
+              <a:ext uri="{FF2B5EF4-FFF2-40B4-BE49-F238E27FC236}">
+                <a16:creationId xmlns:a16="http://schemas.microsoft.com/office/drawing/2014/main" id="{3623BA61-E5F2-4870-8E2F-D864A54DA121}"/>
+              </a:ext>
+            </a:extLst>
+          </p:cNvPr>
+          <p:cNvPicPr>
+            <a:picLocks noChangeAspect="1"/>
+          </p:cNvPicPr>
+          <p:nvPr/>
+        </p:nvPicPr>
+        <p:blipFill>
+          <a:blip r:embed="rId5"/>
+          <a:stretch>
+            <a:fillRect/>
+          </a:stretch>
+        </p:blipFill>
+        <p:spPr>
+          <a:xfrm>
+            <a:off x="6399267" y="3701074"/>
+            <a:ext cx="3398234" cy="2221436"/>
+          </a:xfrm>
+          <a:prstGeom prst="rect">
+            <a:avLst/>
+          </a:prstGeom>
+        </p:spPr>
+      </p:pic>
+      <p:sp>
+        <p:nvSpPr>
+          <p:cNvPr id="63" name="כותרת 1">
+            <a:extLst>
+              <a:ext uri="{FF2B5EF4-FFF2-40B4-BE49-F238E27FC236}">
+                <a16:creationId xmlns:a16="http://schemas.microsoft.com/office/drawing/2014/main" id="{E428FC26-C3CF-4CD5-8C39-B07462419BC6}"/>
+              </a:ext>
+            </a:extLst>
+          </p:cNvPr>
+          <p:cNvSpPr txBox="1">
+            <a:spLocks/>
+          </p:cNvSpPr>
+          <p:nvPr/>
+        </p:nvSpPr>
+        <p:spPr>
+          <a:xfrm>
+            <a:off x="10263242" y="4134013"/>
+            <a:ext cx="1624249" cy="759475"/>
+          </a:xfrm>
+          <a:prstGeom prst="rect">
+            <a:avLst/>
+          </a:prstGeom>
+        </p:spPr>
+        <p:txBody>
+          <a:bodyPr vert="horz" lIns="91440" tIns="45720" rIns="91440" bIns="45720" rtlCol="0" anchor="t">
+            <a:noAutofit/>
+          </a:bodyPr>
+          <a:lstStyle>
+            <a:lvl1pPr algn="l" defTabSz="457200" rtl="1" eaLnBrk="1" latinLnBrk="0" hangingPunct="1">
+              <a:spcBef>
+                <a:spcPct val="0"/>
+              </a:spcBef>
+              <a:buNone/>
+              <a:defRPr sz="4200" b="0" i="0" kern="1200">
+                <a:solidFill>
+                  <a:schemeClr val="tx2"/>
+                </a:solidFill>
+                <a:latin typeface="+mj-lt"/>
+                <a:ea typeface="+mj-ea"/>
+                <a:cs typeface="+mj-cs"/>
+              </a:defRPr>
+            </a:lvl1pPr>
+            <a:lvl2pPr rtl="1" eaLnBrk="1" hangingPunct="1">
+              <a:defRPr>
+                <a:solidFill>
+                  <a:schemeClr val="tx2"/>
+                </a:solidFill>
+              </a:defRPr>
+            </a:lvl2pPr>
+            <a:lvl3pPr rtl="1" eaLnBrk="1" hangingPunct="1">
+              <a:defRPr>
+                <a:solidFill>
+                  <a:schemeClr val="tx2"/>
+                </a:solidFill>
+              </a:defRPr>
+            </a:lvl3pPr>
+            <a:lvl4pPr rtl="1" eaLnBrk="1" hangingPunct="1">
+              <a:defRPr>
+                <a:solidFill>
+                  <a:schemeClr val="tx2"/>
+                </a:solidFill>
+              </a:defRPr>
+            </a:lvl4pPr>
+            <a:lvl5pPr rtl="1" eaLnBrk="1" hangingPunct="1">
+              <a:defRPr>
+                <a:solidFill>
+                  <a:schemeClr val="tx2"/>
+                </a:solidFill>
+              </a:defRPr>
+            </a:lvl5pPr>
+            <a:lvl6pPr rtl="1" eaLnBrk="1" hangingPunct="1">
+              <a:defRPr>
+                <a:solidFill>
+                  <a:schemeClr val="tx2"/>
+                </a:solidFill>
+              </a:defRPr>
+            </a:lvl6pPr>
+            <a:lvl7pPr rtl="1" eaLnBrk="1" hangingPunct="1">
+              <a:defRPr>
+                <a:solidFill>
+                  <a:schemeClr val="tx2"/>
+                </a:solidFill>
+              </a:defRPr>
+            </a:lvl7pPr>
+            <a:lvl8pPr rtl="1" eaLnBrk="1" hangingPunct="1">
+              <a:defRPr>
+                <a:solidFill>
+                  <a:schemeClr val="tx2"/>
+                </a:solidFill>
+              </a:defRPr>
+            </a:lvl8pPr>
+            <a:lvl9pPr rtl="1" eaLnBrk="1" hangingPunct="1">
+              <a:defRPr>
+                <a:solidFill>
+                  <a:schemeClr val="tx2"/>
+                </a:solidFill>
+              </a:defRPr>
+            </a:lvl9pPr>
+          </a:lstStyle>
+          <a:p>
+            <a:r>
+              <a:rPr lang="en-US" sz="2100" b="1" dirty="0"/>
+              <a:t>Random</a:t>
+            </a:r>
+          </a:p>
+          <a:p>
+            <a:r>
+              <a:rPr lang="en-US" sz="2100" b="1" dirty="0"/>
+              <a:t>Forest</a:t>
+            </a:r>
+            <a:endParaRPr lang="he-IL" sz="2100" b="1" dirty="0"/>
+          </a:p>
+        </p:txBody>
+      </p:sp>
+    </p:spTree>
+    <p:extLst>
+      <p:ext uri="{BB962C8B-B14F-4D97-AF65-F5344CB8AC3E}">
+        <p14:creationId xmlns:p14="http://schemas.microsoft.com/office/powerpoint/2010/main" val="3035641063"/>
+      </p:ext>
+    </p:extLst>
+  </p:cSld>
+  <p:clrMapOvr>
+    <a:masterClrMapping/>
+  </p:clrMapOvr>
+</p:sld>
+</file>
+
+<file path=ppt/slides/slide11.xml><?xml version="1.0" encoding="utf-8"?>
+<p:sld xmlns:a="http://schemas.openxmlformats.org/drawingml/2006/main" xmlns:r="http://schemas.openxmlformats.org/officeDocument/2006/relationships" xmlns:p="http://schemas.openxmlformats.org/presentationml/2006/main">
+  <p:cSld>
+    <p:spTree>
+      <p:nvGrpSpPr>
+        <p:cNvPr id="1" name=""/>
+        <p:cNvGrpSpPr/>
+        <p:nvPr/>
+      </p:nvGrpSpPr>
+      <p:grpSpPr>
+        <a:xfrm>
+          <a:off x="0" y="0"/>
+          <a:ext cx="0" cy="0"/>
+          <a:chOff x="0" y="0"/>
+          <a:chExt cx="0" cy="0"/>
+        </a:xfrm>
+      </p:grpSpPr>
+      <p:sp>
+        <p:nvSpPr>
+          <p:cNvPr id="2" name="כותרת 1">
+            <a:extLst>
+              <a:ext uri="{FF2B5EF4-FFF2-40B4-BE49-F238E27FC236}">
+                <a16:creationId xmlns:a16="http://schemas.microsoft.com/office/drawing/2014/main" id="{E32E4879-29F0-4E25-8770-471CAEA6B892}"/>
+              </a:ext>
+            </a:extLst>
+          </p:cNvPr>
+          <p:cNvSpPr>
+            <a:spLocks noGrp="1"/>
+          </p:cNvSpPr>
+          <p:nvPr>
+            <p:ph type="title"/>
+          </p:nvPr>
+        </p:nvSpPr>
+        <p:spPr>
+          <a:xfrm>
+            <a:off x="305000" y="443291"/>
+            <a:ext cx="8582730" cy="1338375"/>
+          </a:xfrm>
+        </p:spPr>
+        <p:txBody>
+          <a:bodyPr/>
+          <a:lstStyle/>
+          <a:p>
+            <a:r>
+              <a:rPr lang="en-US" sz="3600" dirty="0"/>
+              <a:t>TfidfVectorizer</a:t>
+            </a:r>
+            <a:br>
+              <a:rPr lang="en-US" sz="3600" dirty="0"/>
+            </a:br>
+            <a:r>
+              <a:rPr lang="en-US" sz="2400" dirty="0"/>
+              <a:t>I tried to test the performance with Logistic Regression</a:t>
+            </a:r>
+            <a:endParaRPr lang="en-US" sz="3600" dirty="0"/>
+          </a:p>
+        </p:txBody>
+      </p:sp>
+      <p:pic>
+        <p:nvPicPr>
+          <p:cNvPr id="4" name="תמונה 3">
+            <a:extLst>
+              <a:ext uri="{FF2B5EF4-FFF2-40B4-BE49-F238E27FC236}">
+                <a16:creationId xmlns:a16="http://schemas.microsoft.com/office/drawing/2014/main" id="{91C36680-FE17-4596-AF5A-FB820559A97E}"/>
+              </a:ext>
+            </a:extLst>
+          </p:cNvPr>
+          <p:cNvPicPr>
+            <a:picLocks noChangeAspect="1"/>
+          </p:cNvPicPr>
+          <p:nvPr/>
+        </p:nvPicPr>
+        <p:blipFill>
+          <a:blip r:embed="rId2"/>
+          <a:stretch>
+            <a:fillRect/>
+          </a:stretch>
+        </p:blipFill>
+        <p:spPr>
+          <a:xfrm>
+            <a:off x="305000" y="2720978"/>
+            <a:ext cx="7027308" cy="1095528"/>
+          </a:xfrm>
+          <a:prstGeom prst="rect">
+            <a:avLst/>
+          </a:prstGeom>
+        </p:spPr>
+      </p:pic>
+      <p:pic>
+        <p:nvPicPr>
+          <p:cNvPr id="6" name="תמונה 5">
+            <a:extLst>
+              <a:ext uri="{FF2B5EF4-FFF2-40B4-BE49-F238E27FC236}">
+                <a16:creationId xmlns:a16="http://schemas.microsoft.com/office/drawing/2014/main" id="{B99A7667-16BE-4652-B626-C723DAEA0B36}"/>
+              </a:ext>
+            </a:extLst>
+          </p:cNvPr>
+          <p:cNvPicPr>
+            <a:picLocks noChangeAspect="1"/>
+          </p:cNvPicPr>
+          <p:nvPr/>
+        </p:nvPicPr>
+        <p:blipFill>
+          <a:blip r:embed="rId3"/>
+          <a:stretch>
+            <a:fillRect/>
+          </a:stretch>
+        </p:blipFill>
+        <p:spPr>
+          <a:xfrm>
+            <a:off x="7818162" y="1932170"/>
+            <a:ext cx="4172532" cy="3219899"/>
+          </a:xfrm>
+          <a:prstGeom prst="rect">
+            <a:avLst/>
+          </a:prstGeom>
+        </p:spPr>
+      </p:pic>
+      <p:grpSp>
+        <p:nvGrpSpPr>
+          <p:cNvPr id="7" name="קבוצה 6">
+            <a:extLst>
+              <a:ext uri="{FF2B5EF4-FFF2-40B4-BE49-F238E27FC236}">
+                <a16:creationId xmlns:a16="http://schemas.microsoft.com/office/drawing/2014/main" id="{F9D7B3B7-F5C8-48BB-A5A5-EE6BB4FB0A6B}"/>
+              </a:ext>
+            </a:extLst>
+          </p:cNvPr>
+          <p:cNvGrpSpPr/>
+          <p:nvPr/>
+        </p:nvGrpSpPr>
+        <p:grpSpPr>
+          <a:xfrm>
+            <a:off x="8842746" y="6061142"/>
+            <a:ext cx="3344690" cy="786352"/>
+            <a:chOff x="9034264" y="0"/>
+            <a:chExt cx="3153171" cy="786352"/>
+          </a:xfrm>
+          <a:solidFill>
+            <a:schemeClr val="accent1"/>
+          </a:solidFill>
+        </p:grpSpPr>
+        <p:sp>
+          <p:nvSpPr>
+            <p:cNvPr id="8" name="חץ: מחומש 7">
+              <a:extLst>
+                <a:ext uri="{FF2B5EF4-FFF2-40B4-BE49-F238E27FC236}">
+                  <a16:creationId xmlns:a16="http://schemas.microsoft.com/office/drawing/2014/main" id="{0C698F1D-2CF1-466E-A06B-890BC1F610A1}"/>
+                </a:ext>
+              </a:extLst>
+            </p:cNvPr>
+            <p:cNvSpPr/>
+            <p:nvPr/>
+          </p:nvSpPr>
+          <p:spPr>
+            <a:xfrm rot="10800000">
+              <a:off x="9034264" y="0"/>
+              <a:ext cx="3153171" cy="786352"/>
+            </a:xfrm>
+            <a:prstGeom prst="homePlate">
+              <a:avLst/>
+            </a:prstGeom>
+            <a:grpFill/>
+          </p:spPr>
+          <p:style>
+            <a:lnRef idx="2">
+              <a:schemeClr val="lt1">
+                <a:hueOff val="0"/>
+                <a:satOff val="0"/>
+                <a:lumOff val="0"/>
+                <a:alphaOff val="0"/>
+              </a:schemeClr>
+            </a:lnRef>
+            <a:fillRef idx="1">
+              <a:scrgbClr r="0" g="0" b="0"/>
+            </a:fillRef>
+            <a:effectRef idx="0">
+              <a:schemeClr val="accent1">
+                <a:hueOff val="0"/>
+                <a:satOff val="0"/>
+                <a:lumOff val="0"/>
+                <a:alphaOff val="0"/>
+              </a:schemeClr>
+            </a:effectRef>
+            <a:fontRef idx="minor">
+              <a:schemeClr val="lt1"/>
+            </a:fontRef>
+          </p:style>
+        </p:sp>
+        <p:sp>
+          <p:nvSpPr>
+            <p:cNvPr id="9" name="חץ: מחומש 4">
+              <a:extLst>
+                <a:ext uri="{FF2B5EF4-FFF2-40B4-BE49-F238E27FC236}">
+                  <a16:creationId xmlns:a16="http://schemas.microsoft.com/office/drawing/2014/main" id="{469E4B05-32C5-4600-916B-458B4BCFE859}"/>
+                </a:ext>
+              </a:extLst>
+            </p:cNvPr>
+            <p:cNvSpPr txBox="1"/>
+            <p:nvPr/>
+          </p:nvSpPr>
+          <p:spPr>
+            <a:xfrm>
+              <a:off x="9230852" y="0"/>
+              <a:ext cx="2956583" cy="786352"/>
+            </a:xfrm>
+            <a:prstGeom prst="rect">
+              <a:avLst/>
+            </a:prstGeom>
+            <a:noFill/>
+            <a:ln>
+              <a:noFill/>
+            </a:ln>
+          </p:spPr>
+          <p:style>
+            <a:lnRef idx="0">
+              <a:scrgbClr r="0" g="0" b="0"/>
+            </a:lnRef>
+            <a:fillRef idx="0">
+              <a:scrgbClr r="0" g="0" b="0"/>
+            </a:fillRef>
+            <a:effectRef idx="0">
+              <a:scrgbClr r="0" g="0" b="0"/>
+            </a:effectRef>
+            <a:fontRef idx="minor">
+              <a:schemeClr val="lt1"/>
+            </a:fontRef>
+          </p:style>
+          <p:txBody>
+            <a:bodyPr spcFirstLastPara="0" vert="horz" wrap="square" lIns="29337" tIns="58674" rIns="117348" bIns="58674" numCol="1" spcCol="1270" anchor="ctr" anchorCtr="0">
+              <a:noAutofit/>
+            </a:bodyPr>
+            <a:lstStyle/>
+            <a:p>
+              <a:pPr marL="0" lvl="0" indent="0" algn="ctr" defTabSz="977900" rtl="1">
+                <a:lnSpc>
+                  <a:spcPct val="90000"/>
+                </a:lnSpc>
+                <a:spcBef>
+                  <a:spcPct val="0"/>
+                </a:spcBef>
+                <a:spcAft>
+                  <a:spcPct val="35000"/>
+                </a:spcAft>
+                <a:buNone/>
+              </a:pPr>
+              <a:r>
+                <a:rPr lang="en-US" sz="2200" kern="1200" dirty="0"/>
+                <a:t>Data</a:t>
+              </a:r>
+              <a:r>
+                <a:rPr lang="en-US" sz="2400" kern="1200" dirty="0"/>
+                <a:t> Acquisition</a:t>
+              </a:r>
+              <a:endParaRPr lang="he-IL" sz="2400" kern="1200" dirty="0"/>
+            </a:p>
+          </p:txBody>
+        </p:sp>
+      </p:grpSp>
+      <p:grpSp>
+        <p:nvGrpSpPr>
+          <p:cNvPr id="10" name="קבוצה 9">
+            <a:extLst>
+              <a:ext uri="{FF2B5EF4-FFF2-40B4-BE49-F238E27FC236}">
+                <a16:creationId xmlns:a16="http://schemas.microsoft.com/office/drawing/2014/main" id="{06E3F9FA-2DD9-4B88-907E-B17FCE4044A9}"/>
+              </a:ext>
+            </a:extLst>
+          </p:cNvPr>
+          <p:cNvGrpSpPr/>
+          <p:nvPr/>
+        </p:nvGrpSpPr>
+        <p:grpSpPr>
+          <a:xfrm>
+            <a:off x="6445449" y="6061142"/>
+            <a:ext cx="2785403" cy="786352"/>
+            <a:chOff x="6776839" y="0"/>
+            <a:chExt cx="2821781" cy="786352"/>
+          </a:xfrm>
+        </p:grpSpPr>
+        <p:sp>
+          <p:nvSpPr>
+            <p:cNvPr id="11" name="חץ: סוגר זוויתי 10">
+              <a:extLst>
+                <a:ext uri="{FF2B5EF4-FFF2-40B4-BE49-F238E27FC236}">
+                  <a16:creationId xmlns:a16="http://schemas.microsoft.com/office/drawing/2014/main" id="{0821B3E6-1A3D-4BCB-A912-B0893D063CBD}"/>
+                </a:ext>
+              </a:extLst>
+            </p:cNvPr>
+            <p:cNvSpPr/>
+            <p:nvPr/>
+          </p:nvSpPr>
+          <p:spPr>
+            <a:xfrm rot="10800000">
+              <a:off x="6776839" y="0"/>
+              <a:ext cx="2821781" cy="786352"/>
+            </a:xfrm>
+            <a:prstGeom prst="chevron">
+              <a:avLst/>
+            </a:prstGeom>
+          </p:spPr>
+          <p:style>
+            <a:lnRef idx="2">
+              <a:schemeClr val="lt1">
+                <a:hueOff val="0"/>
+                <a:satOff val="0"/>
+                <a:lumOff val="0"/>
+                <a:alphaOff val="0"/>
+              </a:schemeClr>
+            </a:lnRef>
+            <a:fillRef idx="1">
+              <a:schemeClr val="accent1">
+                <a:hueOff val="0"/>
+                <a:satOff val="0"/>
+                <a:lumOff val="0"/>
+                <a:alphaOff val="0"/>
+              </a:schemeClr>
+            </a:fillRef>
+            <a:effectRef idx="0">
+              <a:schemeClr val="accent1">
+                <a:hueOff val="0"/>
+                <a:satOff val="0"/>
+                <a:lumOff val="0"/>
+                <a:alphaOff val="0"/>
+              </a:schemeClr>
+            </a:effectRef>
+            <a:fontRef idx="minor">
+              <a:schemeClr val="lt1"/>
+            </a:fontRef>
+          </p:style>
+        </p:sp>
+        <p:sp>
+          <p:nvSpPr>
+            <p:cNvPr id="12" name="חץ: סוגר זוויתי 6">
+              <a:extLst>
+                <a:ext uri="{FF2B5EF4-FFF2-40B4-BE49-F238E27FC236}">
+                  <a16:creationId xmlns:a16="http://schemas.microsoft.com/office/drawing/2014/main" id="{ECC9BB81-0502-4FA5-A8CB-5F2A4646BC2D}"/>
+                </a:ext>
+              </a:extLst>
+            </p:cNvPr>
+            <p:cNvSpPr txBox="1"/>
+            <p:nvPr/>
+          </p:nvSpPr>
+          <p:spPr>
+            <a:xfrm rot="21600000">
+              <a:off x="7170015" y="0"/>
+              <a:ext cx="2035429" cy="786352"/>
+            </a:xfrm>
+            <a:prstGeom prst="rect">
+              <a:avLst/>
+            </a:prstGeom>
+          </p:spPr>
+          <p:style>
+            <a:lnRef idx="0">
+              <a:scrgbClr r="0" g="0" b="0"/>
+            </a:lnRef>
+            <a:fillRef idx="0">
+              <a:scrgbClr r="0" g="0" b="0"/>
+            </a:fillRef>
+            <a:effectRef idx="0">
+              <a:scrgbClr r="0" g="0" b="0"/>
+            </a:effectRef>
+            <a:fontRef idx="minor">
+              <a:schemeClr val="lt1"/>
+            </a:fontRef>
+          </p:style>
+          <p:txBody>
+            <a:bodyPr spcFirstLastPara="0" vert="horz" wrap="square" lIns="29337" tIns="58674" rIns="88011" bIns="58674" numCol="1" spcCol="1270" anchor="ctr" anchorCtr="0">
+              <a:noAutofit/>
+            </a:bodyPr>
+            <a:lstStyle/>
+            <a:p>
+              <a:pPr marL="0" lvl="0" indent="0" algn="ctr" defTabSz="977900" rtl="1">
+                <a:lnSpc>
+                  <a:spcPct val="90000"/>
+                </a:lnSpc>
+                <a:spcBef>
+                  <a:spcPct val="0"/>
+                </a:spcBef>
+                <a:spcAft>
+                  <a:spcPct val="35000"/>
+                </a:spcAft>
+                <a:buNone/>
+              </a:pPr>
+              <a:r>
+                <a:rPr lang="en-US" sz="2200" kern="1200"/>
+                <a:t>EDA</a:t>
+              </a:r>
+              <a:endParaRPr lang="he-IL" sz="2200" kern="1200" dirty="0"/>
+            </a:p>
+          </p:txBody>
+        </p:sp>
+      </p:grpSp>
+      <p:grpSp>
+        <p:nvGrpSpPr>
+          <p:cNvPr id="13" name="קבוצה 12">
+            <a:extLst>
+              <a:ext uri="{FF2B5EF4-FFF2-40B4-BE49-F238E27FC236}">
+                <a16:creationId xmlns:a16="http://schemas.microsoft.com/office/drawing/2014/main" id="{37CD92F2-C139-4E32-B61B-B87E6103D9A2}"/>
+              </a:ext>
+            </a:extLst>
+          </p:cNvPr>
+          <p:cNvGrpSpPr/>
+          <p:nvPr/>
+        </p:nvGrpSpPr>
+        <p:grpSpPr>
+          <a:xfrm>
+            <a:off x="3326861" y="6061142"/>
+            <a:ext cx="3569810" cy="786352"/>
+            <a:chOff x="4519414" y="0"/>
+            <a:chExt cx="2821781" cy="786352"/>
+          </a:xfrm>
+          <a:solidFill>
+            <a:schemeClr val="accent5"/>
+          </a:solidFill>
+        </p:grpSpPr>
+        <p:sp>
+          <p:nvSpPr>
+            <p:cNvPr id="14" name="חץ: סוגר זוויתי 13">
+              <a:extLst>
+                <a:ext uri="{FF2B5EF4-FFF2-40B4-BE49-F238E27FC236}">
+                  <a16:creationId xmlns:a16="http://schemas.microsoft.com/office/drawing/2014/main" id="{8655CE3C-C41E-412B-85C1-64711DFA9BD7}"/>
+                </a:ext>
+              </a:extLst>
+            </p:cNvPr>
+            <p:cNvSpPr/>
+            <p:nvPr/>
+          </p:nvSpPr>
+          <p:spPr>
+            <a:xfrm rot="10800000">
+              <a:off x="4519414" y="0"/>
+              <a:ext cx="2821781" cy="786352"/>
+            </a:xfrm>
+            <a:prstGeom prst="chevron">
+              <a:avLst/>
+            </a:prstGeom>
+            <a:grpFill/>
+          </p:spPr>
+          <p:style>
+            <a:lnRef idx="2">
+              <a:schemeClr val="lt1">
+                <a:hueOff val="0"/>
+                <a:satOff val="0"/>
+                <a:lumOff val="0"/>
+                <a:alphaOff val="0"/>
+              </a:schemeClr>
+            </a:lnRef>
+            <a:fillRef idx="1">
+              <a:schemeClr val="accent1">
+                <a:hueOff val="0"/>
+                <a:satOff val="0"/>
+                <a:lumOff val="0"/>
+                <a:alphaOff val="0"/>
+              </a:schemeClr>
+            </a:fillRef>
+            <a:effectRef idx="0">
+              <a:schemeClr val="accent1">
+                <a:hueOff val="0"/>
+                <a:satOff val="0"/>
+                <a:lumOff val="0"/>
+                <a:alphaOff val="0"/>
+              </a:schemeClr>
+            </a:effectRef>
+            <a:fontRef idx="minor">
+              <a:schemeClr val="lt1"/>
+            </a:fontRef>
+          </p:style>
+        </p:sp>
+        <p:sp>
+          <p:nvSpPr>
+            <p:cNvPr id="15" name="חץ: סוגר זוויתי 8">
+              <a:extLst>
+                <a:ext uri="{FF2B5EF4-FFF2-40B4-BE49-F238E27FC236}">
+                  <a16:creationId xmlns:a16="http://schemas.microsoft.com/office/drawing/2014/main" id="{F15BC2F0-6CB3-46A7-A1BA-44C1B970D7EA}"/>
+                </a:ext>
+              </a:extLst>
+            </p:cNvPr>
+            <p:cNvSpPr txBox="1"/>
+            <p:nvPr/>
+          </p:nvSpPr>
+          <p:spPr>
+            <a:xfrm rot="21600000">
+              <a:off x="4912590" y="0"/>
+              <a:ext cx="2035429" cy="786352"/>
+            </a:xfrm>
+            <a:prstGeom prst="rect">
+              <a:avLst/>
+            </a:prstGeom>
+            <a:noFill/>
+          </p:spPr>
+          <p:style>
+            <a:lnRef idx="0">
+              <a:scrgbClr r="0" g="0" b="0"/>
+            </a:lnRef>
+            <a:fillRef idx="0">
+              <a:scrgbClr r="0" g="0" b="0"/>
+            </a:fillRef>
+            <a:effectRef idx="0">
+              <a:scrgbClr r="0" g="0" b="0"/>
+            </a:effectRef>
+            <a:fontRef idx="minor">
+              <a:schemeClr val="lt1"/>
+            </a:fontRef>
+          </p:style>
+          <p:txBody>
+            <a:bodyPr spcFirstLastPara="0" vert="horz" wrap="square" lIns="29337" tIns="58674" rIns="88011" bIns="58674" numCol="1" spcCol="1270" anchor="ctr" anchorCtr="0">
+              <a:noAutofit/>
+            </a:bodyPr>
+            <a:lstStyle/>
+            <a:p>
+              <a:pPr marL="0" lvl="0" indent="0" algn="ctr" defTabSz="977900" rtl="1">
+                <a:lnSpc>
+                  <a:spcPct val="90000"/>
+                </a:lnSpc>
+                <a:spcBef>
+                  <a:spcPct val="0"/>
+                </a:spcBef>
+                <a:spcAft>
+                  <a:spcPct val="35000"/>
+                </a:spcAft>
+                <a:buNone/>
+              </a:pPr>
+              <a:r>
+                <a:rPr lang="en-US" sz="2200" kern="1200" dirty="0"/>
+                <a:t>Machine Learning</a:t>
+              </a:r>
+              <a:endParaRPr lang="he-IL" sz="2200" kern="1200" dirty="0"/>
+            </a:p>
+          </p:txBody>
+        </p:sp>
+      </p:grpSp>
+      <p:grpSp>
+        <p:nvGrpSpPr>
+          <p:cNvPr id="16" name="קבוצה 15">
+            <a:extLst>
+              <a:ext uri="{FF2B5EF4-FFF2-40B4-BE49-F238E27FC236}">
+                <a16:creationId xmlns:a16="http://schemas.microsoft.com/office/drawing/2014/main" id="{512F3F79-4FD5-47BA-BCDF-65E1D57B7AEB}"/>
+              </a:ext>
+            </a:extLst>
+          </p:cNvPr>
+          <p:cNvGrpSpPr/>
+          <p:nvPr/>
+        </p:nvGrpSpPr>
+        <p:grpSpPr>
+          <a:xfrm>
+            <a:off x="4563" y="6071648"/>
+            <a:ext cx="3730858" cy="786352"/>
+            <a:chOff x="2261989" y="0"/>
+            <a:chExt cx="2821781" cy="786352"/>
+          </a:xfrm>
+        </p:grpSpPr>
+        <p:sp>
+          <p:nvSpPr>
+            <p:cNvPr id="17" name="חץ: סוגר זוויתי 16">
+              <a:extLst>
+                <a:ext uri="{FF2B5EF4-FFF2-40B4-BE49-F238E27FC236}">
+                  <a16:creationId xmlns:a16="http://schemas.microsoft.com/office/drawing/2014/main" id="{67214B32-2D9B-4D37-886C-DB71ABD5FC16}"/>
+                </a:ext>
+              </a:extLst>
+            </p:cNvPr>
+            <p:cNvSpPr/>
+            <p:nvPr/>
+          </p:nvSpPr>
+          <p:spPr>
+            <a:xfrm rot="10800000">
+              <a:off x="2261989" y="0"/>
+              <a:ext cx="2821781" cy="786352"/>
+            </a:xfrm>
+            <a:prstGeom prst="chevron">
+              <a:avLst/>
+            </a:prstGeom>
+          </p:spPr>
+          <p:style>
+            <a:lnRef idx="2">
+              <a:schemeClr val="lt1">
+                <a:hueOff val="0"/>
+                <a:satOff val="0"/>
+                <a:lumOff val="0"/>
+                <a:alphaOff val="0"/>
+              </a:schemeClr>
+            </a:lnRef>
+            <a:fillRef idx="1">
+              <a:schemeClr val="accent1">
+                <a:hueOff val="0"/>
+                <a:satOff val="0"/>
+                <a:lumOff val="0"/>
+                <a:alphaOff val="0"/>
+              </a:schemeClr>
+            </a:fillRef>
+            <a:effectRef idx="0">
+              <a:schemeClr val="accent1">
+                <a:hueOff val="0"/>
+                <a:satOff val="0"/>
+                <a:lumOff val="0"/>
+                <a:alphaOff val="0"/>
+              </a:schemeClr>
+            </a:effectRef>
+            <a:fontRef idx="minor">
+              <a:schemeClr val="lt1"/>
+            </a:fontRef>
+          </p:style>
+        </p:sp>
+        <p:sp>
+          <p:nvSpPr>
+            <p:cNvPr id="18" name="חץ: סוגר זוויתי 10">
+              <a:extLst>
+                <a:ext uri="{FF2B5EF4-FFF2-40B4-BE49-F238E27FC236}">
+                  <a16:creationId xmlns:a16="http://schemas.microsoft.com/office/drawing/2014/main" id="{FDDD572B-60E3-46D5-BDBD-F7D9A718425E}"/>
+                </a:ext>
+              </a:extLst>
+            </p:cNvPr>
+            <p:cNvSpPr txBox="1"/>
+            <p:nvPr/>
+          </p:nvSpPr>
+          <p:spPr>
+            <a:xfrm rot="21600000">
+              <a:off x="2655165" y="0"/>
+              <a:ext cx="2035429" cy="786352"/>
+            </a:xfrm>
+            <a:prstGeom prst="rect">
+              <a:avLst/>
+            </a:prstGeom>
+          </p:spPr>
+          <p:style>
+            <a:lnRef idx="0">
+              <a:scrgbClr r="0" g="0" b="0"/>
+            </a:lnRef>
+            <a:fillRef idx="0">
+              <a:scrgbClr r="0" g="0" b="0"/>
+            </a:fillRef>
+            <a:effectRef idx="0">
+              <a:scrgbClr r="0" g="0" b="0"/>
+            </a:effectRef>
+            <a:fontRef idx="minor">
+              <a:schemeClr val="lt1"/>
+            </a:fontRef>
+          </p:style>
+          <p:txBody>
+            <a:bodyPr spcFirstLastPara="0" vert="horz" wrap="square" lIns="29337" tIns="58674" rIns="88011" bIns="58674" numCol="1" spcCol="1270" anchor="ctr" anchorCtr="0">
+              <a:noAutofit/>
+            </a:bodyPr>
+            <a:lstStyle/>
+            <a:p>
+              <a:pPr marL="0" lvl="0" indent="0" algn="ctr" defTabSz="977900" rtl="1">
+                <a:lnSpc>
+                  <a:spcPct val="90000"/>
+                </a:lnSpc>
+                <a:spcBef>
+                  <a:spcPct val="0"/>
+                </a:spcBef>
+                <a:spcAft>
+                  <a:spcPct val="35000"/>
+                </a:spcAft>
+                <a:buNone/>
+              </a:pPr>
+              <a:r>
+                <a:rPr lang="en-US" sz="2200" kern="1200" dirty="0"/>
+                <a:t>Conclusions</a:t>
+              </a:r>
+              <a:endParaRPr lang="he-IL" sz="2200" kern="1200" dirty="0"/>
+            </a:p>
+          </p:txBody>
+        </p:sp>
+      </p:grpSp>
+    </p:spTree>
+    <p:extLst>
+      <p:ext uri="{BB962C8B-B14F-4D97-AF65-F5344CB8AC3E}">
+        <p14:creationId xmlns:p14="http://schemas.microsoft.com/office/powerpoint/2010/main" val="1872894479"/>
+      </p:ext>
+    </p:extLst>
+  </p:cSld>
+  <p:clrMapOvr>
+    <a:masterClrMapping/>
+  </p:clrMapOvr>
+</p:sld>
+</file>
+
+<file path=ppt/slides/slide12.xml><?xml version="1.0" encoding="utf-8"?>
+<p:sld xmlns:a="http://schemas.openxmlformats.org/drawingml/2006/main" xmlns:r="http://schemas.openxmlformats.org/officeDocument/2006/relationships" xmlns:p="http://schemas.openxmlformats.org/presentationml/2006/main">
+  <p:cSld>
+    <p:spTree>
+      <p:nvGrpSpPr>
+        <p:cNvPr id="1" name=""/>
+        <p:cNvGrpSpPr/>
+        <p:nvPr/>
+      </p:nvGrpSpPr>
+      <p:grpSpPr>
+        <a:xfrm>
+          <a:off x="0" y="0"/>
+          <a:ext cx="0" cy="0"/>
+          <a:chOff x="0" y="0"/>
+          <a:chExt cx="0" cy="0"/>
+        </a:xfrm>
+      </p:grpSpPr>
+      <p:sp>
+        <p:nvSpPr>
+          <p:cNvPr id="4" name="כותרת 1">
+            <a:extLst>
+              <a:ext uri="{FF2B5EF4-FFF2-40B4-BE49-F238E27FC236}">
+                <a16:creationId xmlns:a16="http://schemas.microsoft.com/office/drawing/2014/main" id="{88652D21-3D5F-4DF7-B55B-4A62CB146D44}"/>
+              </a:ext>
+            </a:extLst>
+          </p:cNvPr>
+          <p:cNvSpPr txBox="1">
+            <a:spLocks/>
+          </p:cNvSpPr>
+          <p:nvPr/>
+        </p:nvSpPr>
+        <p:spPr>
+          <a:xfrm>
+            <a:off x="3945490" y="271952"/>
+            <a:ext cx="4491497" cy="829327"/>
+          </a:xfrm>
+          <a:prstGeom prst="rect">
+            <a:avLst/>
+          </a:prstGeom>
+        </p:spPr>
+        <p:txBody>
+          <a:bodyPr vert="horz" lIns="91440" tIns="45720" rIns="91440" bIns="45720" rtlCol="0" anchor="t">
+            <a:noAutofit/>
+          </a:bodyPr>
+          <a:lstStyle>
+            <a:lvl1pPr algn="l" defTabSz="457200" rtl="1" eaLnBrk="1" latinLnBrk="0" hangingPunct="1">
+              <a:spcBef>
+                <a:spcPct val="0"/>
+              </a:spcBef>
+              <a:buNone/>
+              <a:defRPr sz="4200" b="0" i="0" kern="1200">
+                <a:solidFill>
+                  <a:schemeClr val="tx2"/>
+                </a:solidFill>
+                <a:latin typeface="+mj-lt"/>
+                <a:ea typeface="+mj-ea"/>
+                <a:cs typeface="+mj-cs"/>
+              </a:defRPr>
+            </a:lvl1pPr>
+            <a:lvl2pPr rtl="1" eaLnBrk="1" hangingPunct="1">
+              <a:defRPr>
+                <a:solidFill>
+                  <a:schemeClr val="tx2"/>
+                </a:solidFill>
+              </a:defRPr>
+            </a:lvl2pPr>
+            <a:lvl3pPr rtl="1" eaLnBrk="1" hangingPunct="1">
+              <a:defRPr>
+                <a:solidFill>
+                  <a:schemeClr val="tx2"/>
+                </a:solidFill>
+              </a:defRPr>
+            </a:lvl3pPr>
+            <a:lvl4pPr rtl="1" eaLnBrk="1" hangingPunct="1">
+              <a:defRPr>
+                <a:solidFill>
+                  <a:schemeClr val="tx2"/>
+                </a:solidFill>
+              </a:defRPr>
+            </a:lvl4pPr>
+            <a:lvl5pPr rtl="1" eaLnBrk="1" hangingPunct="1">
+              <a:defRPr>
+                <a:solidFill>
+                  <a:schemeClr val="tx2"/>
+                </a:solidFill>
+              </a:defRPr>
+            </a:lvl5pPr>
+            <a:lvl6pPr rtl="1" eaLnBrk="1" hangingPunct="1">
+              <a:defRPr>
+                <a:solidFill>
+                  <a:schemeClr val="tx2"/>
+                </a:solidFill>
+              </a:defRPr>
+            </a:lvl6pPr>
+            <a:lvl7pPr rtl="1" eaLnBrk="1" hangingPunct="1">
+              <a:defRPr>
+                <a:solidFill>
+                  <a:schemeClr val="tx2"/>
+                </a:solidFill>
+              </a:defRPr>
+            </a:lvl7pPr>
+            <a:lvl8pPr rtl="1" eaLnBrk="1" hangingPunct="1">
+              <a:defRPr>
+                <a:solidFill>
+                  <a:schemeClr val="tx2"/>
+                </a:solidFill>
+              </a:defRPr>
+            </a:lvl8pPr>
+            <a:lvl9pPr rtl="1" eaLnBrk="1" hangingPunct="1">
+              <a:defRPr>
+                <a:solidFill>
+                  <a:schemeClr val="tx2"/>
+                </a:solidFill>
+              </a:defRPr>
+            </a:lvl9pPr>
+          </a:lstStyle>
+          <a:p>
+            <a:r>
+              <a:rPr lang="en-US" dirty="0"/>
+              <a:t>Conclusions</a:t>
+            </a:r>
+            <a:endParaRPr lang="he-IL" dirty="0"/>
+          </a:p>
+        </p:txBody>
+      </p:sp>
+      <p:sp>
+        <p:nvSpPr>
+          <p:cNvPr id="21" name="תיבת טקסט 20">
+            <a:extLst>
+              <a:ext uri="{FF2B5EF4-FFF2-40B4-BE49-F238E27FC236}">
+                <a16:creationId xmlns:a16="http://schemas.microsoft.com/office/drawing/2014/main" id="{E24B658F-934E-496A-91EF-6CC3B5B806D3}"/>
+              </a:ext>
+            </a:extLst>
+          </p:cNvPr>
+          <p:cNvSpPr txBox="1"/>
+          <p:nvPr/>
+        </p:nvSpPr>
+        <p:spPr>
+          <a:xfrm>
+            <a:off x="2031376" y="1219116"/>
+            <a:ext cx="7019898" cy="1323439"/>
+          </a:xfrm>
+          <a:prstGeom prst="rect">
+            <a:avLst/>
+          </a:prstGeom>
+          <a:noFill/>
+        </p:spPr>
+        <p:txBody>
+          <a:bodyPr wrap="square">
+            <a:spAutoFit/>
+          </a:bodyPr>
+          <a:lstStyle/>
+          <a:p>
+            <a:r>
+              <a:rPr lang="en-US" sz="2000" dirty="0"/>
+              <a:t>As can be seen, I tried to improve performance in various ways, but the core problem relies on the data - may of the users on Goodreads rate books mainly with 3 to 5 stars, which creates instability with the data.</a:t>
+            </a:r>
+          </a:p>
+        </p:txBody>
+      </p:sp>
+      <p:grpSp>
+        <p:nvGrpSpPr>
+          <p:cNvPr id="22" name="קבוצה 21">
+            <a:extLst>
+              <a:ext uri="{FF2B5EF4-FFF2-40B4-BE49-F238E27FC236}">
+                <a16:creationId xmlns:a16="http://schemas.microsoft.com/office/drawing/2014/main" id="{BFC8124A-9960-4219-ADD7-54A44F2FA58A}"/>
+              </a:ext>
+            </a:extLst>
+          </p:cNvPr>
+          <p:cNvGrpSpPr/>
+          <p:nvPr/>
+        </p:nvGrpSpPr>
+        <p:grpSpPr>
+          <a:xfrm>
+            <a:off x="8842746" y="6070569"/>
+            <a:ext cx="3344690" cy="786352"/>
+            <a:chOff x="9034264" y="0"/>
+            <a:chExt cx="3153171" cy="786352"/>
+          </a:xfrm>
+          <a:solidFill>
+            <a:schemeClr val="accent1"/>
+          </a:solidFill>
+        </p:grpSpPr>
+        <p:sp>
+          <p:nvSpPr>
+            <p:cNvPr id="23" name="חץ: מחומש 22">
+              <a:extLst>
+                <a:ext uri="{FF2B5EF4-FFF2-40B4-BE49-F238E27FC236}">
+                  <a16:creationId xmlns:a16="http://schemas.microsoft.com/office/drawing/2014/main" id="{E5653D49-ECC6-4C24-9515-E168F9DD18C1}"/>
+                </a:ext>
+              </a:extLst>
+            </p:cNvPr>
+            <p:cNvSpPr/>
+            <p:nvPr/>
+          </p:nvSpPr>
+          <p:spPr>
+            <a:xfrm rot="10800000">
+              <a:off x="9034264" y="0"/>
+              <a:ext cx="3153171" cy="786352"/>
+            </a:xfrm>
+            <a:prstGeom prst="homePlate">
+              <a:avLst/>
+            </a:prstGeom>
+            <a:grpFill/>
+          </p:spPr>
+          <p:style>
+            <a:lnRef idx="2">
+              <a:schemeClr val="lt1">
+                <a:hueOff val="0"/>
+                <a:satOff val="0"/>
+                <a:lumOff val="0"/>
+                <a:alphaOff val="0"/>
+              </a:schemeClr>
+            </a:lnRef>
+            <a:fillRef idx="1">
+              <a:scrgbClr r="0" g="0" b="0"/>
+            </a:fillRef>
+            <a:effectRef idx="0">
+              <a:schemeClr val="accent1">
+                <a:hueOff val="0"/>
+                <a:satOff val="0"/>
+                <a:lumOff val="0"/>
+                <a:alphaOff val="0"/>
+              </a:schemeClr>
+            </a:effectRef>
+            <a:fontRef idx="minor">
+              <a:schemeClr val="lt1"/>
+            </a:fontRef>
+          </p:style>
+        </p:sp>
+        <p:sp>
+          <p:nvSpPr>
+            <p:cNvPr id="24" name="חץ: מחומש 4">
+              <a:extLst>
+                <a:ext uri="{FF2B5EF4-FFF2-40B4-BE49-F238E27FC236}">
+                  <a16:creationId xmlns:a16="http://schemas.microsoft.com/office/drawing/2014/main" id="{B7F94CC6-4555-4553-9895-44CBF66B808B}"/>
+                </a:ext>
+              </a:extLst>
+            </p:cNvPr>
+            <p:cNvSpPr txBox="1"/>
+            <p:nvPr/>
+          </p:nvSpPr>
+          <p:spPr>
+            <a:xfrm>
+              <a:off x="9230852" y="0"/>
+              <a:ext cx="2956583" cy="786352"/>
+            </a:xfrm>
+            <a:prstGeom prst="rect">
+              <a:avLst/>
+            </a:prstGeom>
+            <a:noFill/>
+            <a:ln>
+              <a:noFill/>
+            </a:ln>
+          </p:spPr>
+          <p:style>
+            <a:lnRef idx="0">
+              <a:scrgbClr r="0" g="0" b="0"/>
+            </a:lnRef>
+            <a:fillRef idx="0">
+              <a:scrgbClr r="0" g="0" b="0"/>
+            </a:fillRef>
+            <a:effectRef idx="0">
+              <a:scrgbClr r="0" g="0" b="0"/>
+            </a:effectRef>
+            <a:fontRef idx="minor">
+              <a:schemeClr val="lt1"/>
+            </a:fontRef>
+          </p:style>
+          <p:txBody>
+            <a:bodyPr spcFirstLastPara="0" vert="horz" wrap="square" lIns="29337" tIns="58674" rIns="117348" bIns="58674" numCol="1" spcCol="1270" anchor="ctr" anchorCtr="0">
+              <a:noAutofit/>
+            </a:bodyPr>
+            <a:lstStyle/>
+            <a:p>
+              <a:pPr marL="0" lvl="0" indent="0" algn="ctr" defTabSz="977900" rtl="1">
+                <a:lnSpc>
+                  <a:spcPct val="90000"/>
+                </a:lnSpc>
+                <a:spcBef>
+                  <a:spcPct val="0"/>
+                </a:spcBef>
+                <a:spcAft>
+                  <a:spcPct val="35000"/>
+                </a:spcAft>
+                <a:buNone/>
+              </a:pPr>
+              <a:r>
+                <a:rPr lang="en-US" sz="2200" kern="1200" dirty="0"/>
+                <a:t>Data</a:t>
+              </a:r>
+              <a:r>
+                <a:rPr lang="en-US" sz="2400" kern="1200" dirty="0"/>
+                <a:t> Acquisition</a:t>
+              </a:r>
+              <a:endParaRPr lang="he-IL" sz="2400" kern="1200" dirty="0"/>
+            </a:p>
+          </p:txBody>
+        </p:sp>
+      </p:grpSp>
+      <p:grpSp>
+        <p:nvGrpSpPr>
+          <p:cNvPr id="25" name="קבוצה 24">
+            <a:extLst>
+              <a:ext uri="{FF2B5EF4-FFF2-40B4-BE49-F238E27FC236}">
+                <a16:creationId xmlns:a16="http://schemas.microsoft.com/office/drawing/2014/main" id="{300B396B-6CC1-423C-9647-B802DE810E32}"/>
+              </a:ext>
+            </a:extLst>
+          </p:cNvPr>
+          <p:cNvGrpSpPr/>
+          <p:nvPr/>
+        </p:nvGrpSpPr>
+        <p:grpSpPr>
+          <a:xfrm>
+            <a:off x="6445449" y="6070569"/>
+            <a:ext cx="2785403" cy="786352"/>
+            <a:chOff x="6776839" y="0"/>
+            <a:chExt cx="2821781" cy="786352"/>
+          </a:xfrm>
+        </p:grpSpPr>
+        <p:sp>
+          <p:nvSpPr>
+            <p:cNvPr id="26" name="חץ: סוגר זוויתי 25">
+              <a:extLst>
+                <a:ext uri="{FF2B5EF4-FFF2-40B4-BE49-F238E27FC236}">
+                  <a16:creationId xmlns:a16="http://schemas.microsoft.com/office/drawing/2014/main" id="{7AAA4D95-8B15-4F10-825D-AC1B0093F95C}"/>
+                </a:ext>
+              </a:extLst>
+            </p:cNvPr>
+            <p:cNvSpPr/>
+            <p:nvPr/>
+          </p:nvSpPr>
+          <p:spPr>
+            <a:xfrm rot="10800000">
+              <a:off x="6776839" y="0"/>
+              <a:ext cx="2821781" cy="786352"/>
+            </a:xfrm>
+            <a:prstGeom prst="chevron">
+              <a:avLst/>
+            </a:prstGeom>
+          </p:spPr>
+          <p:style>
+            <a:lnRef idx="2">
+              <a:schemeClr val="lt1">
+                <a:hueOff val="0"/>
+                <a:satOff val="0"/>
+                <a:lumOff val="0"/>
+                <a:alphaOff val="0"/>
+              </a:schemeClr>
+            </a:lnRef>
+            <a:fillRef idx="1">
+              <a:schemeClr val="accent1">
+                <a:hueOff val="0"/>
+                <a:satOff val="0"/>
+                <a:lumOff val="0"/>
+                <a:alphaOff val="0"/>
+              </a:schemeClr>
+            </a:fillRef>
+            <a:effectRef idx="0">
+              <a:schemeClr val="accent1">
+                <a:hueOff val="0"/>
+                <a:satOff val="0"/>
+                <a:lumOff val="0"/>
+                <a:alphaOff val="0"/>
+              </a:schemeClr>
+            </a:effectRef>
+            <a:fontRef idx="minor">
+              <a:schemeClr val="lt1"/>
+            </a:fontRef>
+          </p:style>
+        </p:sp>
+        <p:sp>
+          <p:nvSpPr>
+            <p:cNvPr id="27" name="חץ: סוגר זוויתי 6">
+              <a:extLst>
+                <a:ext uri="{FF2B5EF4-FFF2-40B4-BE49-F238E27FC236}">
+                  <a16:creationId xmlns:a16="http://schemas.microsoft.com/office/drawing/2014/main" id="{530EC108-7C67-4C41-B5FB-9FB85570E5C8}"/>
+                </a:ext>
+              </a:extLst>
+            </p:cNvPr>
+            <p:cNvSpPr txBox="1"/>
+            <p:nvPr/>
+          </p:nvSpPr>
+          <p:spPr>
+            <a:xfrm rot="21600000">
+              <a:off x="7170015" y="0"/>
+              <a:ext cx="2035429" cy="786352"/>
+            </a:xfrm>
+            <a:prstGeom prst="rect">
+              <a:avLst/>
+            </a:prstGeom>
+          </p:spPr>
+          <p:style>
+            <a:lnRef idx="0">
+              <a:scrgbClr r="0" g="0" b="0"/>
+            </a:lnRef>
+            <a:fillRef idx="0">
+              <a:scrgbClr r="0" g="0" b="0"/>
+            </a:fillRef>
+            <a:effectRef idx="0">
+              <a:scrgbClr r="0" g="0" b="0"/>
+            </a:effectRef>
+            <a:fontRef idx="minor">
+              <a:schemeClr val="lt1"/>
+            </a:fontRef>
+          </p:style>
+          <p:txBody>
+            <a:bodyPr spcFirstLastPara="0" vert="horz" wrap="square" lIns="29337" tIns="58674" rIns="88011" bIns="58674" numCol="1" spcCol="1270" anchor="ctr" anchorCtr="0">
+              <a:noAutofit/>
+            </a:bodyPr>
+            <a:lstStyle/>
+            <a:p>
+              <a:pPr marL="0" lvl="0" indent="0" algn="ctr" defTabSz="977900" rtl="1">
+                <a:lnSpc>
+                  <a:spcPct val="90000"/>
+                </a:lnSpc>
+                <a:spcBef>
+                  <a:spcPct val="0"/>
+                </a:spcBef>
+                <a:spcAft>
+                  <a:spcPct val="35000"/>
+                </a:spcAft>
+                <a:buNone/>
+              </a:pPr>
+              <a:r>
+                <a:rPr lang="en-US" sz="2200" kern="1200"/>
+                <a:t>EDA</a:t>
+              </a:r>
+              <a:endParaRPr lang="he-IL" sz="2200" kern="1200" dirty="0"/>
+            </a:p>
+          </p:txBody>
+        </p:sp>
+      </p:grpSp>
+      <p:grpSp>
+        <p:nvGrpSpPr>
+          <p:cNvPr id="28" name="קבוצה 27">
+            <a:extLst>
+              <a:ext uri="{FF2B5EF4-FFF2-40B4-BE49-F238E27FC236}">
+                <a16:creationId xmlns:a16="http://schemas.microsoft.com/office/drawing/2014/main" id="{1FD8DC6B-7980-45C0-B8FB-1E748251CA1A}"/>
+              </a:ext>
+            </a:extLst>
+          </p:cNvPr>
+          <p:cNvGrpSpPr/>
+          <p:nvPr/>
+        </p:nvGrpSpPr>
+        <p:grpSpPr>
+          <a:xfrm>
+            <a:off x="3326861" y="6070569"/>
+            <a:ext cx="3569810" cy="786352"/>
+            <a:chOff x="4519414" y="0"/>
+            <a:chExt cx="2821781" cy="786352"/>
+          </a:xfrm>
+          <a:solidFill>
+            <a:schemeClr val="accent1"/>
+          </a:solidFill>
+        </p:grpSpPr>
+        <p:sp>
+          <p:nvSpPr>
+            <p:cNvPr id="29" name="חץ: סוגר זוויתי 28">
+              <a:extLst>
+                <a:ext uri="{FF2B5EF4-FFF2-40B4-BE49-F238E27FC236}">
+                  <a16:creationId xmlns:a16="http://schemas.microsoft.com/office/drawing/2014/main" id="{E2F9683D-CE2F-4D53-96DC-68D5E531B98D}"/>
+                </a:ext>
+              </a:extLst>
+            </p:cNvPr>
+            <p:cNvSpPr/>
+            <p:nvPr/>
+          </p:nvSpPr>
+          <p:spPr>
+            <a:xfrm rot="10800000">
+              <a:off x="4519414" y="0"/>
+              <a:ext cx="2821781" cy="786352"/>
+            </a:xfrm>
+            <a:prstGeom prst="chevron">
+              <a:avLst/>
+            </a:prstGeom>
+            <a:grpFill/>
+          </p:spPr>
+          <p:style>
+            <a:lnRef idx="2">
+              <a:schemeClr val="lt1">
+                <a:hueOff val="0"/>
+                <a:satOff val="0"/>
+                <a:lumOff val="0"/>
+                <a:alphaOff val="0"/>
+              </a:schemeClr>
+            </a:lnRef>
+            <a:fillRef idx="1">
+              <a:schemeClr val="accent1">
+                <a:hueOff val="0"/>
+                <a:satOff val="0"/>
+                <a:lumOff val="0"/>
+                <a:alphaOff val="0"/>
+              </a:schemeClr>
+            </a:fillRef>
+            <a:effectRef idx="0">
+              <a:schemeClr val="accent1">
+                <a:hueOff val="0"/>
+                <a:satOff val="0"/>
+                <a:lumOff val="0"/>
+                <a:alphaOff val="0"/>
+              </a:schemeClr>
+            </a:effectRef>
+            <a:fontRef idx="minor">
+              <a:schemeClr val="lt1"/>
+            </a:fontRef>
+          </p:style>
+        </p:sp>
+        <p:sp>
+          <p:nvSpPr>
+            <p:cNvPr id="30" name="חץ: סוגר זוויתי 8">
+              <a:extLst>
+                <a:ext uri="{FF2B5EF4-FFF2-40B4-BE49-F238E27FC236}">
+                  <a16:creationId xmlns:a16="http://schemas.microsoft.com/office/drawing/2014/main" id="{05CE0106-A171-489B-B1C5-FF35A91B5A9D}"/>
+                </a:ext>
+              </a:extLst>
+            </p:cNvPr>
+            <p:cNvSpPr txBox="1"/>
+            <p:nvPr/>
+          </p:nvSpPr>
+          <p:spPr>
+            <a:xfrm rot="21600000">
+              <a:off x="4912590" y="0"/>
+              <a:ext cx="2035429" cy="786352"/>
+            </a:xfrm>
+            <a:prstGeom prst="rect">
+              <a:avLst/>
+            </a:prstGeom>
+            <a:noFill/>
+          </p:spPr>
+          <p:style>
+            <a:lnRef idx="0">
+              <a:scrgbClr r="0" g="0" b="0"/>
+            </a:lnRef>
+            <a:fillRef idx="0">
+              <a:scrgbClr r="0" g="0" b="0"/>
+            </a:fillRef>
+            <a:effectRef idx="0">
+              <a:scrgbClr r="0" g="0" b="0"/>
+            </a:effectRef>
+            <a:fontRef idx="minor">
+              <a:schemeClr val="lt1"/>
+            </a:fontRef>
+          </p:style>
+          <p:txBody>
+            <a:bodyPr spcFirstLastPara="0" vert="horz" wrap="square" lIns="29337" tIns="58674" rIns="88011" bIns="58674" numCol="1" spcCol="1270" anchor="ctr" anchorCtr="0">
+              <a:noAutofit/>
+            </a:bodyPr>
+            <a:lstStyle/>
+            <a:p>
+              <a:pPr marL="0" lvl="0" indent="0" algn="ctr" defTabSz="977900" rtl="1">
+                <a:lnSpc>
+                  <a:spcPct val="90000"/>
+                </a:lnSpc>
+                <a:spcBef>
+                  <a:spcPct val="0"/>
+                </a:spcBef>
+                <a:spcAft>
+                  <a:spcPct val="35000"/>
+                </a:spcAft>
+                <a:buNone/>
+              </a:pPr>
+              <a:r>
+                <a:rPr lang="en-US" sz="2200" kern="1200" dirty="0"/>
+                <a:t>Machine Learning</a:t>
+              </a:r>
+              <a:endParaRPr lang="he-IL" sz="2200" kern="1200" dirty="0"/>
+            </a:p>
+          </p:txBody>
+        </p:sp>
+      </p:grpSp>
+      <p:grpSp>
+        <p:nvGrpSpPr>
+          <p:cNvPr id="31" name="קבוצה 30">
+            <a:extLst>
+              <a:ext uri="{FF2B5EF4-FFF2-40B4-BE49-F238E27FC236}">
+                <a16:creationId xmlns:a16="http://schemas.microsoft.com/office/drawing/2014/main" id="{4712BD88-B709-4A2F-8A07-253B6A622A52}"/>
+              </a:ext>
+            </a:extLst>
+          </p:cNvPr>
+          <p:cNvGrpSpPr/>
+          <p:nvPr/>
+        </p:nvGrpSpPr>
+        <p:grpSpPr>
+          <a:xfrm>
+            <a:off x="4563" y="6071648"/>
+            <a:ext cx="3730858" cy="786352"/>
+            <a:chOff x="2261989" y="0"/>
+            <a:chExt cx="2821781" cy="786352"/>
+          </a:xfrm>
+        </p:grpSpPr>
+        <p:sp>
+          <p:nvSpPr>
+            <p:cNvPr id="32" name="חץ: סוגר זוויתי 31">
+              <a:extLst>
+                <a:ext uri="{FF2B5EF4-FFF2-40B4-BE49-F238E27FC236}">
+                  <a16:creationId xmlns:a16="http://schemas.microsoft.com/office/drawing/2014/main" id="{3804D20A-C9D4-4C4A-9481-D2DB3EE18680}"/>
+                </a:ext>
+              </a:extLst>
+            </p:cNvPr>
+            <p:cNvSpPr/>
+            <p:nvPr/>
+          </p:nvSpPr>
+          <p:spPr>
+            <a:xfrm rot="10800000">
+              <a:off x="2261989" y="0"/>
+              <a:ext cx="2821781" cy="786352"/>
+            </a:xfrm>
+            <a:prstGeom prst="chevron">
+              <a:avLst/>
+            </a:prstGeom>
+            <a:solidFill>
+              <a:schemeClr val="accent5"/>
+            </a:solidFill>
+          </p:spPr>
+          <p:style>
+            <a:lnRef idx="2">
+              <a:schemeClr val="lt1">
+                <a:hueOff val="0"/>
+                <a:satOff val="0"/>
+                <a:lumOff val="0"/>
+                <a:alphaOff val="0"/>
+              </a:schemeClr>
+            </a:lnRef>
+            <a:fillRef idx="1">
+              <a:schemeClr val="accent1">
+                <a:hueOff val="0"/>
+                <a:satOff val="0"/>
+                <a:lumOff val="0"/>
+                <a:alphaOff val="0"/>
+              </a:schemeClr>
+            </a:fillRef>
+            <a:effectRef idx="0">
+              <a:schemeClr val="accent1">
+                <a:hueOff val="0"/>
+                <a:satOff val="0"/>
+                <a:lumOff val="0"/>
+                <a:alphaOff val="0"/>
+              </a:schemeClr>
+            </a:effectRef>
+            <a:fontRef idx="minor">
+              <a:schemeClr val="lt1"/>
+            </a:fontRef>
+          </p:style>
+        </p:sp>
+        <p:sp>
+          <p:nvSpPr>
+            <p:cNvPr id="33" name="חץ: סוגר זוויתי 10">
+              <a:extLst>
+                <a:ext uri="{FF2B5EF4-FFF2-40B4-BE49-F238E27FC236}">
+                  <a16:creationId xmlns:a16="http://schemas.microsoft.com/office/drawing/2014/main" id="{D4DCA862-A326-4E0A-89FF-570480C47DFA}"/>
+                </a:ext>
+              </a:extLst>
+            </p:cNvPr>
+            <p:cNvSpPr txBox="1"/>
+            <p:nvPr/>
+          </p:nvSpPr>
+          <p:spPr>
+            <a:xfrm rot="21600000">
+              <a:off x="2655165" y="0"/>
+              <a:ext cx="2035429" cy="786352"/>
+            </a:xfrm>
+            <a:prstGeom prst="rect">
+              <a:avLst/>
+            </a:prstGeom>
+          </p:spPr>
+          <p:style>
+            <a:lnRef idx="0">
+              <a:scrgbClr r="0" g="0" b="0"/>
+            </a:lnRef>
+            <a:fillRef idx="0">
+              <a:scrgbClr r="0" g="0" b="0"/>
+            </a:fillRef>
+            <a:effectRef idx="0">
+              <a:scrgbClr r="0" g="0" b="0"/>
+            </a:effectRef>
+            <a:fontRef idx="minor">
+              <a:schemeClr val="lt1"/>
+            </a:fontRef>
+          </p:style>
+          <p:txBody>
+            <a:bodyPr spcFirstLastPara="0" vert="horz" wrap="square" lIns="29337" tIns="58674" rIns="88011" bIns="58674" numCol="1" spcCol="1270" anchor="ctr" anchorCtr="0">
+              <a:noAutofit/>
+            </a:bodyPr>
+            <a:lstStyle/>
+            <a:p>
+              <a:pPr marL="0" lvl="0" indent="0" algn="ctr" defTabSz="977900" rtl="1">
+                <a:lnSpc>
+                  <a:spcPct val="90000"/>
+                </a:lnSpc>
+                <a:spcBef>
+                  <a:spcPct val="0"/>
+                </a:spcBef>
+                <a:spcAft>
+                  <a:spcPct val="35000"/>
+                </a:spcAft>
+                <a:buNone/>
+              </a:pPr>
+              <a:r>
+                <a:rPr lang="en-US" sz="2200" kern="1200" dirty="0"/>
+                <a:t>Conclusions</a:t>
+              </a:r>
+              <a:endParaRPr lang="he-IL" sz="2200" kern="1200" dirty="0"/>
+            </a:p>
+          </p:txBody>
+        </p:sp>
+      </p:grpSp>
+      <p:sp>
+        <p:nvSpPr>
+          <p:cNvPr id="34" name="כותרת 1">
+            <a:extLst>
+              <a:ext uri="{FF2B5EF4-FFF2-40B4-BE49-F238E27FC236}">
+                <a16:creationId xmlns:a16="http://schemas.microsoft.com/office/drawing/2014/main" id="{47B2AD25-781B-4C67-B7A1-318A7D323F27}"/>
+              </a:ext>
+            </a:extLst>
+          </p:cNvPr>
+          <p:cNvSpPr txBox="1">
+            <a:spLocks/>
+          </p:cNvSpPr>
+          <p:nvPr/>
+        </p:nvSpPr>
+        <p:spPr>
+          <a:xfrm>
+            <a:off x="2659099" y="4043558"/>
+            <a:ext cx="6392175" cy="786353"/>
+          </a:xfrm>
+          <a:prstGeom prst="rect">
+            <a:avLst/>
+          </a:prstGeom>
+        </p:spPr>
+        <p:txBody>
+          <a:bodyPr vert="horz" lIns="91440" tIns="45720" rIns="91440" bIns="45720" rtlCol="0" anchor="t">
+            <a:noAutofit/>
+          </a:bodyPr>
+          <a:lstStyle>
+            <a:lvl1pPr algn="l" defTabSz="457200" rtl="1" eaLnBrk="1" latinLnBrk="0" hangingPunct="1">
+              <a:spcBef>
+                <a:spcPct val="0"/>
+              </a:spcBef>
+              <a:buNone/>
+              <a:defRPr sz="4200" b="0" i="0" kern="1200">
+                <a:solidFill>
+                  <a:schemeClr val="tx2"/>
+                </a:solidFill>
+                <a:latin typeface="+mj-lt"/>
+                <a:ea typeface="+mj-ea"/>
+                <a:cs typeface="+mj-cs"/>
+              </a:defRPr>
+            </a:lvl1pPr>
+            <a:lvl2pPr rtl="1" eaLnBrk="1" hangingPunct="1">
+              <a:defRPr>
+                <a:solidFill>
+                  <a:schemeClr val="tx2"/>
+                </a:solidFill>
+              </a:defRPr>
+            </a:lvl2pPr>
+            <a:lvl3pPr rtl="1" eaLnBrk="1" hangingPunct="1">
+              <a:defRPr>
+                <a:solidFill>
+                  <a:schemeClr val="tx2"/>
+                </a:solidFill>
+              </a:defRPr>
+            </a:lvl3pPr>
+            <a:lvl4pPr rtl="1" eaLnBrk="1" hangingPunct="1">
+              <a:defRPr>
+                <a:solidFill>
+                  <a:schemeClr val="tx2"/>
+                </a:solidFill>
+              </a:defRPr>
+            </a:lvl4pPr>
+            <a:lvl5pPr rtl="1" eaLnBrk="1" hangingPunct="1">
+              <a:defRPr>
+                <a:solidFill>
+                  <a:schemeClr val="tx2"/>
+                </a:solidFill>
+              </a:defRPr>
+            </a:lvl5pPr>
+            <a:lvl6pPr rtl="1" eaLnBrk="1" hangingPunct="1">
+              <a:defRPr>
+                <a:solidFill>
+                  <a:schemeClr val="tx2"/>
+                </a:solidFill>
+              </a:defRPr>
+            </a:lvl6pPr>
+            <a:lvl7pPr rtl="1" eaLnBrk="1" hangingPunct="1">
+              <a:defRPr>
+                <a:solidFill>
+                  <a:schemeClr val="tx2"/>
+                </a:solidFill>
+              </a:defRPr>
+            </a:lvl7pPr>
+            <a:lvl8pPr rtl="1" eaLnBrk="1" hangingPunct="1">
+              <a:defRPr>
+                <a:solidFill>
+                  <a:schemeClr val="tx2"/>
+                </a:solidFill>
+              </a:defRPr>
+            </a:lvl8pPr>
+            <a:lvl9pPr rtl="1" eaLnBrk="1" hangingPunct="1">
+              <a:defRPr>
+                <a:solidFill>
+                  <a:schemeClr val="tx2"/>
+                </a:solidFill>
+              </a:defRPr>
+            </a:lvl9pPr>
+          </a:lstStyle>
+          <a:p>
+            <a:r>
+              <a:rPr lang="en-US" dirty="0"/>
+              <a:t>Thank you for listening!</a:t>
+            </a:r>
+            <a:endParaRPr lang="he-IL" dirty="0"/>
+          </a:p>
+        </p:txBody>
+      </p:sp>
+      <p:sp>
+        <p:nvSpPr>
+          <p:cNvPr id="18" name="תיבת טקסט 17">
+            <a:extLst>
+              <a:ext uri="{FF2B5EF4-FFF2-40B4-BE49-F238E27FC236}">
+                <a16:creationId xmlns:a16="http://schemas.microsoft.com/office/drawing/2014/main" id="{E6BE61EE-6BF2-4F81-9C53-3CDD7835C180}"/>
+              </a:ext>
+            </a:extLst>
+          </p:cNvPr>
+          <p:cNvSpPr txBox="1"/>
+          <p:nvPr/>
+        </p:nvSpPr>
+        <p:spPr>
+          <a:xfrm>
+            <a:off x="2176950" y="2882447"/>
+            <a:ext cx="7019898" cy="707886"/>
+          </a:xfrm>
+          <a:prstGeom prst="rect">
+            <a:avLst/>
+          </a:prstGeom>
+          <a:noFill/>
+        </p:spPr>
+        <p:txBody>
+          <a:bodyPr wrap="square">
+            <a:spAutoFit/>
+          </a:bodyPr>
+          <a:lstStyle/>
+          <a:p>
+            <a:r>
+              <a:rPr lang="en-US" sz="2000" dirty="0"/>
+              <a:t>As can be observed, CountVectorizer worked a bit better with our data comparing to TfidfVectorizer.</a:t>
+            </a:r>
+          </a:p>
+        </p:txBody>
+      </p:sp>
+    </p:spTree>
+    <p:extLst>
+      <p:ext uri="{BB962C8B-B14F-4D97-AF65-F5344CB8AC3E}">
+        <p14:creationId xmlns:p14="http://schemas.microsoft.com/office/powerpoint/2010/main" val="1213562309"/>
+      </p:ext>
+    </p:extLst>
+  </p:cSld>
+  <p:clrMapOvr>
+    <a:masterClrMapping/>
+  </p:clrMapOvr>
+</p:sld>
+</file>
+
 <file path=ppt/slides/slide2.xml><?xml version="1.0" encoding="utf-8"?>
 <p:sld xmlns:a="http://schemas.openxmlformats.org/drawingml/2006/main" xmlns:r="http://schemas.openxmlformats.org/officeDocument/2006/relationships" xmlns:p="http://schemas.openxmlformats.org/presentationml/2006/main">
   <p:cSld>
@@ -12416,7 +16825,7 @@
             <a:pPr algn="ctr"/>
             <a:r>
               <a:rPr lang="en-US" sz="4000" dirty="0"/>
-              <a:t>Elaboration on research phases</a:t>
+              <a:t>Elaboration on research process</a:t>
             </a:r>
             <a:endParaRPr lang="he-IL" sz="4000" dirty="0"/>
           </a:p>
@@ -12453,7 +16862,7 @@
             <a:pPr algn="l" rtl="0"/>
             <a:r>
               <a:rPr lang="en-US" sz="2400" dirty="0"/>
-              <a:t>1. Data Acquisition – Crawling the website we want to fetch the information from, and gathering it all in one csv file.</a:t>
+              <a:t>1. Data Acquisition – Crawling the website we want to fetch the information from, and gathering it all together.</a:t>
             </a:r>
           </a:p>
           <a:p>
@@ -12552,6 +16961,349 @@
           <p:cNvPr id="2" name="כותרת 1">
             <a:extLst>
               <a:ext uri="{FF2B5EF4-FFF2-40B4-BE49-F238E27FC236}">
+                <a16:creationId xmlns:a16="http://schemas.microsoft.com/office/drawing/2014/main" id="{95D9AA99-4E66-4942-841F-A4DD79CD0A76}"/>
+              </a:ext>
+            </a:extLst>
+          </p:cNvPr>
+          <p:cNvSpPr>
+            <a:spLocks noGrp="1"/>
+          </p:cNvSpPr>
+          <p:nvPr>
+            <p:ph type="title"/>
+          </p:nvPr>
+        </p:nvSpPr>
+        <p:spPr>
+          <a:xfrm>
+            <a:off x="115802" y="70859"/>
+            <a:ext cx="5782969" cy="518243"/>
+          </a:xfrm>
+        </p:spPr>
+        <p:txBody>
+          <a:bodyPr/>
+          <a:lstStyle/>
+          <a:p>
+            <a:r>
+              <a:rPr lang="en-US" sz="2400" dirty="0"/>
+              <a:t>Packages used during the research:</a:t>
+            </a:r>
+            <a:br>
+              <a:rPr lang="en-US" sz="2400" dirty="0"/>
+            </a:br>
+            <a:endParaRPr lang="he-IL" sz="2400" dirty="0"/>
+          </a:p>
+        </p:txBody>
+      </p:sp>
+      <p:graphicFrame>
+        <p:nvGraphicFramePr>
+          <p:cNvPr id="3" name="טבלה 2">
+            <a:extLst>
+              <a:ext uri="{FF2B5EF4-FFF2-40B4-BE49-F238E27FC236}">
+                <a16:creationId xmlns:a16="http://schemas.microsoft.com/office/drawing/2014/main" id="{E1A855D4-ACBE-430A-AFA7-01A562DB1444}"/>
+              </a:ext>
+            </a:extLst>
+          </p:cNvPr>
+          <p:cNvGraphicFramePr>
+            <a:graphicFrameLocks noGrp="1"/>
+          </p:cNvGraphicFramePr>
+          <p:nvPr>
+            <p:extLst>
+              <p:ext uri="{D42A27DB-BD31-4B8C-83A1-F6EECF244321}">
+                <p14:modId xmlns:p14="http://schemas.microsoft.com/office/powerpoint/2010/main" val="1515822540"/>
+              </p:ext>
+            </p:extLst>
+          </p:nvPr>
+        </p:nvGraphicFramePr>
+        <p:xfrm>
+          <a:off x="304797" y="602817"/>
+          <a:ext cx="6831293" cy="2102675"/>
+        </p:xfrm>
+        <a:graphic>
+          <a:graphicData uri="http://schemas.openxmlformats.org/drawingml/2006/table">
+            <a:tbl>
+              <a:tblPr rtl="1" firstRow="1" bandRow="1">
+                <a:tableStyleId>{5C22544A-7EE6-4342-B048-85BDC9FD1C3A}</a:tableStyleId>
+              </a:tblPr>
+              <a:tblGrid>
+                <a:gridCol w="6831293">
+                  <a:extLst>
+                    <a:ext uri="{9D8B030D-6E8A-4147-A177-3AD203B41FA5}">
+                      <a16:colId xmlns:a16="http://schemas.microsoft.com/office/drawing/2014/main" val="797089852"/>
+                    </a:ext>
+                  </a:extLst>
+                </a:gridCol>
+              </a:tblGrid>
+              <a:tr h="2102675">
+                <a:tc>
+                  <a:txBody>
+                    <a:bodyPr/>
+                    <a:lstStyle/>
+                    <a:p>
+                      <a:pPr algn="l" rtl="1"/>
+                      <a:r>
+                        <a:rPr lang="en-US" sz="1600" b="0" dirty="0"/>
+                        <a:t>Pandas - analysis and manipulation tool</a:t>
+                      </a:r>
+                    </a:p>
+                    <a:p>
+                      <a:pPr algn="l" rtl="1"/>
+                      <a:r>
+                        <a:rPr lang="en-US" sz="1600" b="0" dirty="0"/>
+                        <a:t>BeautifulSoup - parsing HTML and XML documents</a:t>
+                      </a:r>
+                    </a:p>
+                    <a:p>
+                      <a:pPr algn="l" rtl="1"/>
+                      <a:r>
+                        <a:rPr lang="en-US" sz="1600" b="0" dirty="0"/>
+                        <a:t>requests - HTTP library</a:t>
+                      </a:r>
+                      <a:endParaRPr lang="he-IL" sz="1600" b="0" dirty="0"/>
+                    </a:p>
+                    <a:p>
+                      <a:pPr algn="l" rtl="1"/>
+                      <a:r>
+                        <a:rPr lang="en-US" sz="1600" b="0" dirty="0"/>
+                        <a:t>matplotlib – Visualization of data</a:t>
+                      </a:r>
+                    </a:p>
+                    <a:p>
+                      <a:pPr algn="l" rtl="1"/>
+                      <a:r>
+                        <a:rPr lang="en-US" sz="1600" b="0" dirty="0"/>
+                        <a:t>Seaborn – Visualization of data, a library that’s based on matplotlib (heatmap)</a:t>
+                      </a:r>
+                    </a:p>
+                    <a:p>
+                      <a:pPr algn="l" rtl="1"/>
+                      <a:r>
+                        <a:rPr lang="en-US" sz="1600" b="0" dirty="0"/>
+                        <a:t>sklearn – machine learning library used in Python</a:t>
+                      </a:r>
+                    </a:p>
+                    <a:p>
+                      <a:pPr algn="l" rtl="1"/>
+                      <a:r>
+                        <a:rPr lang="en-US" sz="1600" b="0" dirty="0"/>
+                        <a:t>NumPy – Provides wide variety of mathematical operations</a:t>
+                      </a:r>
+                      <a:endParaRPr lang="he-IL" sz="1600" b="0" dirty="0"/>
+                    </a:p>
+                  </a:txBody>
+                  <a:tcPr/>
+                </a:tc>
+                <a:extLst>
+                  <a:ext uri="{0D108BD9-81ED-4DB2-BD59-A6C34878D82A}">
+                    <a16:rowId xmlns:a16="http://schemas.microsoft.com/office/drawing/2014/main" val="3992194912"/>
+                  </a:ext>
+                </a:extLst>
+              </a:tr>
+            </a:tbl>
+          </a:graphicData>
+        </a:graphic>
+      </p:graphicFrame>
+      <p:sp>
+        <p:nvSpPr>
+          <p:cNvPr id="4" name="כותרת 1">
+            <a:extLst>
+              <a:ext uri="{FF2B5EF4-FFF2-40B4-BE49-F238E27FC236}">
+                <a16:creationId xmlns:a16="http://schemas.microsoft.com/office/drawing/2014/main" id="{C8251504-EC9E-49B2-8F14-E1504FD2F83F}"/>
+              </a:ext>
+            </a:extLst>
+          </p:cNvPr>
+          <p:cNvSpPr txBox="1">
+            <a:spLocks/>
+          </p:cNvSpPr>
+          <p:nvPr/>
+        </p:nvSpPr>
+        <p:spPr>
+          <a:xfrm>
+            <a:off x="417459" y="3044973"/>
+            <a:ext cx="2966763" cy="518243"/>
+          </a:xfrm>
+          <a:prstGeom prst="rect">
+            <a:avLst/>
+          </a:prstGeom>
+        </p:spPr>
+        <p:txBody>
+          <a:bodyPr vert="horz" lIns="91440" tIns="45720" rIns="91440" bIns="45720" rtlCol="0" anchor="t">
+            <a:noAutofit/>
+          </a:bodyPr>
+          <a:lstStyle>
+            <a:lvl1pPr algn="l" defTabSz="457200" rtl="1" eaLnBrk="1" latinLnBrk="0" hangingPunct="1">
+              <a:spcBef>
+                <a:spcPct val="0"/>
+              </a:spcBef>
+              <a:buNone/>
+              <a:defRPr sz="4200" b="0" i="0" kern="1200">
+                <a:solidFill>
+                  <a:schemeClr val="tx2"/>
+                </a:solidFill>
+                <a:latin typeface="+mj-lt"/>
+                <a:ea typeface="+mj-ea"/>
+                <a:cs typeface="+mj-cs"/>
+              </a:defRPr>
+            </a:lvl1pPr>
+            <a:lvl2pPr rtl="1" eaLnBrk="1" hangingPunct="1">
+              <a:defRPr>
+                <a:solidFill>
+                  <a:schemeClr val="tx2"/>
+                </a:solidFill>
+              </a:defRPr>
+            </a:lvl2pPr>
+            <a:lvl3pPr rtl="1" eaLnBrk="1" hangingPunct="1">
+              <a:defRPr>
+                <a:solidFill>
+                  <a:schemeClr val="tx2"/>
+                </a:solidFill>
+              </a:defRPr>
+            </a:lvl3pPr>
+            <a:lvl4pPr rtl="1" eaLnBrk="1" hangingPunct="1">
+              <a:defRPr>
+                <a:solidFill>
+                  <a:schemeClr val="tx2"/>
+                </a:solidFill>
+              </a:defRPr>
+            </a:lvl4pPr>
+            <a:lvl5pPr rtl="1" eaLnBrk="1" hangingPunct="1">
+              <a:defRPr>
+                <a:solidFill>
+                  <a:schemeClr val="tx2"/>
+                </a:solidFill>
+              </a:defRPr>
+            </a:lvl5pPr>
+            <a:lvl6pPr rtl="1" eaLnBrk="1" hangingPunct="1">
+              <a:defRPr>
+                <a:solidFill>
+                  <a:schemeClr val="tx2"/>
+                </a:solidFill>
+              </a:defRPr>
+            </a:lvl6pPr>
+            <a:lvl7pPr rtl="1" eaLnBrk="1" hangingPunct="1">
+              <a:defRPr>
+                <a:solidFill>
+                  <a:schemeClr val="tx2"/>
+                </a:solidFill>
+              </a:defRPr>
+            </a:lvl7pPr>
+            <a:lvl8pPr rtl="1" eaLnBrk="1" hangingPunct="1">
+              <a:defRPr>
+                <a:solidFill>
+                  <a:schemeClr val="tx2"/>
+                </a:solidFill>
+              </a:defRPr>
+            </a:lvl8pPr>
+            <a:lvl9pPr rtl="1" eaLnBrk="1" hangingPunct="1">
+              <a:defRPr>
+                <a:solidFill>
+                  <a:schemeClr val="tx2"/>
+                </a:solidFill>
+              </a:defRPr>
+            </a:lvl9pPr>
+          </a:lstStyle>
+          <a:p>
+            <a:r>
+              <a:rPr lang="en-US" sz="2200" dirty="0"/>
+              <a:t>A little bit of code…</a:t>
+            </a:r>
+            <a:endParaRPr lang="he-IL" sz="2200" dirty="0"/>
+          </a:p>
+        </p:txBody>
+      </p:sp>
+      <p:pic>
+        <p:nvPicPr>
+          <p:cNvPr id="10" name="תמונה 9">
+            <a:extLst>
+              <a:ext uri="{FF2B5EF4-FFF2-40B4-BE49-F238E27FC236}">
+                <a16:creationId xmlns:a16="http://schemas.microsoft.com/office/drawing/2014/main" id="{BD6CFF01-DEEA-43DA-A017-84C7FF6F5E71}"/>
+              </a:ext>
+            </a:extLst>
+          </p:cNvPr>
+          <p:cNvPicPr>
+            <a:picLocks noChangeAspect="1"/>
+          </p:cNvPicPr>
+          <p:nvPr/>
+        </p:nvPicPr>
+        <p:blipFill>
+          <a:blip r:embed="rId2"/>
+          <a:stretch>
+            <a:fillRect/>
+          </a:stretch>
+        </p:blipFill>
+        <p:spPr>
+          <a:xfrm>
+            <a:off x="269488" y="3780149"/>
+            <a:ext cx="5475596" cy="2931738"/>
+          </a:xfrm>
+          <a:prstGeom prst="rect">
+            <a:avLst/>
+          </a:prstGeom>
+        </p:spPr>
+      </p:pic>
+      <p:pic>
+        <p:nvPicPr>
+          <p:cNvPr id="7" name="תמונה 6">
+            <a:extLst>
+              <a:ext uri="{FF2B5EF4-FFF2-40B4-BE49-F238E27FC236}">
+                <a16:creationId xmlns:a16="http://schemas.microsoft.com/office/drawing/2014/main" id="{DB957315-2AB6-4B12-91CB-2A5B63170AD8}"/>
+              </a:ext>
+            </a:extLst>
+          </p:cNvPr>
+          <p:cNvPicPr>
+            <a:picLocks noChangeAspect="1"/>
+          </p:cNvPicPr>
+          <p:nvPr/>
+        </p:nvPicPr>
+        <p:blipFill>
+          <a:blip r:embed="rId3"/>
+          <a:stretch>
+            <a:fillRect/>
+          </a:stretch>
+        </p:blipFill>
+        <p:spPr>
+          <a:xfrm>
+            <a:off x="6033521" y="3429000"/>
+            <a:ext cx="6042677" cy="3334110"/>
+          </a:xfrm>
+          <a:prstGeom prst="rect">
+            <a:avLst/>
+          </a:prstGeom>
+        </p:spPr>
+      </p:pic>
+    </p:spTree>
+    <p:extLst>
+      <p:ext uri="{BB962C8B-B14F-4D97-AF65-F5344CB8AC3E}">
+        <p14:creationId xmlns:p14="http://schemas.microsoft.com/office/powerpoint/2010/main" val="1394727202"/>
+      </p:ext>
+    </p:extLst>
+  </p:cSld>
+  <p:clrMapOvr>
+    <a:masterClrMapping/>
+  </p:clrMapOvr>
+</p:sld>
+</file>
+
+<file path=ppt/slides/slide4.xml><?xml version="1.0" encoding="utf-8"?>
+<p:sld xmlns:a="http://schemas.openxmlformats.org/drawingml/2006/main" xmlns:r="http://schemas.openxmlformats.org/officeDocument/2006/relationships" xmlns:p="http://schemas.openxmlformats.org/presentationml/2006/main">
+  <p:cSld>
+    <p:spTree>
+      <p:nvGrpSpPr>
+        <p:cNvPr id="1" name=""/>
+        <p:cNvGrpSpPr/>
+        <p:nvPr/>
+      </p:nvGrpSpPr>
+      <p:grpSpPr>
+        <a:xfrm>
+          <a:off x="0" y="0"/>
+          <a:ext cx="0" cy="0"/>
+          <a:chOff x="0" y="0"/>
+          <a:chExt cx="0" cy="0"/>
+        </a:xfrm>
+      </p:grpSpPr>
+      <p:sp>
+        <p:nvSpPr>
+          <p:cNvPr id="2" name="כותרת 1">
+            <a:extLst>
+              <a:ext uri="{FF2B5EF4-FFF2-40B4-BE49-F238E27FC236}">
                 <a16:creationId xmlns:a16="http://schemas.microsoft.com/office/drawing/2014/main" id="{17D68E37-6B02-4603-A17F-9349E99F6F69}"/>
               </a:ext>
             </a:extLst>
@@ -12574,10 +17326,14 @@
           <a:lstStyle/>
           <a:p>
             <a:r>
-              <a:rPr lang="en-US"/>
-              <a:t>Data sources</a:t>
+              <a:rPr lang="en-US" dirty="0"/>
+              <a:t>Data </a:t>
             </a:r>
-            <a:endParaRPr lang="he-IL" dirty="0"/>
+            <a:r>
+              <a:rPr lang="en-US" sz="4000" dirty="0"/>
+              <a:t>sources</a:t>
+            </a:r>
+            <a:endParaRPr lang="he-IL" sz="4000" dirty="0"/>
           </a:p>
         </p:txBody>
       </p:sp>
@@ -12636,8 +17392,8 @@
         </p:nvSpPr>
         <p:spPr>
           <a:xfrm>
-            <a:off x="674392" y="1212608"/>
-            <a:ext cx="8128000" cy="669072"/>
+            <a:off x="674392" y="1118528"/>
+            <a:ext cx="5813957" cy="669072"/>
           </a:xfrm>
           <a:prstGeom prst="rect">
             <a:avLst/>
@@ -12740,13 +17496,7 @@
           <p:cNvGraphicFramePr>
             <a:graphicFrameLocks noGrp="1"/>
           </p:cNvGraphicFramePr>
-          <p:nvPr>
-            <p:extLst>
-              <p:ext uri="{D42A27DB-BD31-4B8C-83A1-F6EECF244321}">
-                <p14:modId xmlns:p14="http://schemas.microsoft.com/office/powerpoint/2010/main" val="2473526779"/>
-              </p:ext>
-            </p:extLst>
-          </p:nvPr>
+          <p:nvPr/>
         </p:nvGraphicFramePr>
         <p:xfrm>
           <a:off x="1893740" y="4271557"/>
@@ -12813,7 +17563,7 @@
           <p:nvPr>
             <p:extLst>
               <p:ext uri="{D42A27DB-BD31-4B8C-83A1-F6EECF244321}">
-                <p14:modId xmlns:p14="http://schemas.microsoft.com/office/powerpoint/2010/main" val="4188352541"/>
+                <p14:modId xmlns:p14="http://schemas.microsoft.com/office/powerpoint/2010/main" val="2054253701"/>
               </p:ext>
             </p:extLst>
           </p:nvPr>
@@ -12840,13 +17590,7 @@
           <p:cNvGraphicFramePr>
             <a:graphicFrameLocks noGrp="1"/>
           </p:cNvGraphicFramePr>
-          <p:nvPr>
-            <p:extLst>
-              <p:ext uri="{D42A27DB-BD31-4B8C-83A1-F6EECF244321}">
-                <p14:modId xmlns:p14="http://schemas.microsoft.com/office/powerpoint/2010/main" val="3657458063"/>
-              </p:ext>
-            </p:extLst>
-          </p:nvPr>
+          <p:nvPr/>
         </p:nvGraphicFramePr>
         <p:xfrm>
           <a:off x="1893740" y="2806903"/>
@@ -12913,7 +17657,285 @@
 </p:sld>
 </file>
 
-<file path=ppt/slides/slide4.xml><?xml version="1.0" encoding="utf-8"?>
+<file path=ppt/slides/slide5.xml><?xml version="1.0" encoding="utf-8"?>
+<p:sld xmlns:a="http://schemas.openxmlformats.org/drawingml/2006/main" xmlns:r="http://schemas.openxmlformats.org/officeDocument/2006/relationships" xmlns:p="http://schemas.openxmlformats.org/presentationml/2006/main">
+  <p:cSld>
+    <p:spTree>
+      <p:nvGrpSpPr>
+        <p:cNvPr id="1" name=""/>
+        <p:cNvGrpSpPr/>
+        <p:nvPr/>
+      </p:nvGrpSpPr>
+      <p:grpSpPr>
+        <a:xfrm>
+          <a:off x="0" y="0"/>
+          <a:ext cx="0" cy="0"/>
+          <a:chOff x="0" y="0"/>
+          <a:chExt cx="0" cy="0"/>
+        </a:xfrm>
+      </p:grpSpPr>
+      <p:sp>
+        <p:nvSpPr>
+          <p:cNvPr id="2" name="כותרת 1">
+            <a:extLst>
+              <a:ext uri="{FF2B5EF4-FFF2-40B4-BE49-F238E27FC236}">
+                <a16:creationId xmlns:a16="http://schemas.microsoft.com/office/drawing/2014/main" id="{17D68E37-6B02-4603-A17F-9349E99F6F69}"/>
+              </a:ext>
+            </a:extLst>
+          </p:cNvPr>
+          <p:cNvSpPr>
+            <a:spLocks noGrp="1"/>
+          </p:cNvSpPr>
+          <p:nvPr>
+            <p:ph type="title"/>
+          </p:nvPr>
+        </p:nvSpPr>
+        <p:spPr>
+          <a:xfrm>
+            <a:off x="221906" y="251753"/>
+            <a:ext cx="3841047" cy="669072"/>
+          </a:xfrm>
+        </p:spPr>
+        <p:txBody>
+          <a:bodyPr/>
+          <a:lstStyle/>
+          <a:p>
+            <a:r>
+              <a:rPr lang="en-US" sz="4000" dirty="0"/>
+              <a:t>Goodreads</a:t>
+            </a:r>
+            <a:endParaRPr lang="he-IL" sz="4000" dirty="0"/>
+          </a:p>
+        </p:txBody>
+      </p:sp>
+      <p:sp>
+        <p:nvSpPr>
+          <p:cNvPr id="4" name="כותרת 1">
+            <a:extLst>
+              <a:ext uri="{FF2B5EF4-FFF2-40B4-BE49-F238E27FC236}">
+                <a16:creationId xmlns:a16="http://schemas.microsoft.com/office/drawing/2014/main" id="{6F64BFFF-52F5-4088-BD65-939355894A48}"/>
+              </a:ext>
+            </a:extLst>
+          </p:cNvPr>
+          <p:cNvSpPr txBox="1">
+            <a:spLocks/>
+          </p:cNvSpPr>
+          <p:nvPr/>
+        </p:nvSpPr>
+        <p:spPr>
+          <a:xfrm>
+            <a:off x="221906" y="1242651"/>
+            <a:ext cx="7187563" cy="2850157"/>
+          </a:xfrm>
+          <a:prstGeom prst="rect">
+            <a:avLst/>
+          </a:prstGeom>
+        </p:spPr>
+        <p:txBody>
+          <a:bodyPr vert="horz" lIns="91440" tIns="45720" rIns="91440" bIns="45720" rtlCol="0" anchor="t">
+            <a:noAutofit/>
+          </a:bodyPr>
+          <a:lstStyle>
+            <a:lvl1pPr algn="l" defTabSz="457200" rtl="1" eaLnBrk="1" latinLnBrk="0" hangingPunct="1">
+              <a:spcBef>
+                <a:spcPct val="0"/>
+              </a:spcBef>
+              <a:buNone/>
+              <a:defRPr sz="4200" b="0" i="0" kern="1200">
+                <a:solidFill>
+                  <a:schemeClr val="tx2"/>
+                </a:solidFill>
+                <a:latin typeface="+mj-lt"/>
+                <a:ea typeface="+mj-ea"/>
+                <a:cs typeface="+mj-cs"/>
+              </a:defRPr>
+            </a:lvl1pPr>
+            <a:lvl2pPr rtl="1" eaLnBrk="1" hangingPunct="1">
+              <a:defRPr>
+                <a:solidFill>
+                  <a:schemeClr val="tx2"/>
+                </a:solidFill>
+              </a:defRPr>
+            </a:lvl2pPr>
+            <a:lvl3pPr rtl="1" eaLnBrk="1" hangingPunct="1">
+              <a:defRPr>
+                <a:solidFill>
+                  <a:schemeClr val="tx2"/>
+                </a:solidFill>
+              </a:defRPr>
+            </a:lvl3pPr>
+            <a:lvl4pPr rtl="1" eaLnBrk="1" hangingPunct="1">
+              <a:defRPr>
+                <a:solidFill>
+                  <a:schemeClr val="tx2"/>
+                </a:solidFill>
+              </a:defRPr>
+            </a:lvl4pPr>
+            <a:lvl5pPr rtl="1" eaLnBrk="1" hangingPunct="1">
+              <a:defRPr>
+                <a:solidFill>
+                  <a:schemeClr val="tx2"/>
+                </a:solidFill>
+              </a:defRPr>
+            </a:lvl5pPr>
+            <a:lvl6pPr rtl="1" eaLnBrk="1" hangingPunct="1">
+              <a:defRPr>
+                <a:solidFill>
+                  <a:schemeClr val="tx2"/>
+                </a:solidFill>
+              </a:defRPr>
+            </a:lvl6pPr>
+            <a:lvl7pPr rtl="1" eaLnBrk="1" hangingPunct="1">
+              <a:defRPr>
+                <a:solidFill>
+                  <a:schemeClr val="tx2"/>
+                </a:solidFill>
+              </a:defRPr>
+            </a:lvl7pPr>
+            <a:lvl8pPr rtl="1" eaLnBrk="1" hangingPunct="1">
+              <a:defRPr>
+                <a:solidFill>
+                  <a:schemeClr val="tx2"/>
+                </a:solidFill>
+              </a:defRPr>
+            </a:lvl8pPr>
+            <a:lvl9pPr rtl="1" eaLnBrk="1" hangingPunct="1">
+              <a:defRPr>
+                <a:solidFill>
+                  <a:schemeClr val="tx2"/>
+                </a:solidFill>
+              </a:defRPr>
+            </a:lvl9pPr>
+          </a:lstStyle>
+          <a:p>
+            <a:r>
+              <a:rPr lang="en-US" sz="2000" dirty="0"/>
+              <a:t>Goodreads is a website that contains A LOT of data about books and characteristics of each one of them.</a:t>
+            </a:r>
+          </a:p>
+          <a:p>
+            <a:endParaRPr lang="en-US" sz="2000" dirty="0"/>
+          </a:p>
+          <a:p>
+            <a:r>
+              <a:rPr lang="en-US" sz="2000" dirty="0"/>
+              <a:t>During the Data Acquisition phase, I implemented the method shown in previous slides, which automatically randomizes a book ID and scrapes the corresponding web page on the website in order to get the relevant fields, and adds the data to a one big DataFrame.</a:t>
+            </a:r>
+            <a:endParaRPr lang="he-IL" sz="2000" dirty="0"/>
+          </a:p>
+        </p:txBody>
+      </p:sp>
+      <p:graphicFrame>
+        <p:nvGraphicFramePr>
+          <p:cNvPr id="7" name="דיאגרמה 6">
+            <a:extLst>
+              <a:ext uri="{FF2B5EF4-FFF2-40B4-BE49-F238E27FC236}">
+                <a16:creationId xmlns:a16="http://schemas.microsoft.com/office/drawing/2014/main" id="{ABECF31E-A2EE-45BF-A87C-00BA756E552F}"/>
+              </a:ext>
+            </a:extLst>
+          </p:cNvPr>
+          <p:cNvGraphicFramePr/>
+          <p:nvPr>
+            <p:extLst>
+              <p:ext uri="{D42A27DB-BD31-4B8C-83A1-F6EECF244321}">
+                <p14:modId xmlns:p14="http://schemas.microsoft.com/office/powerpoint/2010/main" val="3531534311"/>
+              </p:ext>
+            </p:extLst>
+          </p:nvPr>
+        </p:nvGraphicFramePr>
+        <p:xfrm>
+          <a:off x="0" y="6071647"/>
+          <a:ext cx="12192000" cy="786353"/>
+        </p:xfrm>
+        <a:graphic>
+          <a:graphicData uri="http://schemas.openxmlformats.org/drawingml/2006/diagram">
+            <dgm:relIds xmlns:dgm="http://schemas.openxmlformats.org/drawingml/2006/diagram" xmlns:r="http://schemas.openxmlformats.org/officeDocument/2006/relationships" r:dm="rId2" r:lo="rId3" r:qs="rId4" r:cs="rId5"/>
+          </a:graphicData>
+        </a:graphic>
+      </p:graphicFrame>
+      <p:pic>
+        <p:nvPicPr>
+          <p:cNvPr id="15" name="תמונה 14">
+            <a:extLst>
+              <a:ext uri="{FF2B5EF4-FFF2-40B4-BE49-F238E27FC236}">
+                <a16:creationId xmlns:a16="http://schemas.microsoft.com/office/drawing/2014/main" id="{5776F7FB-7719-46B6-B75C-8049B882E081}"/>
+              </a:ext>
+            </a:extLst>
+          </p:cNvPr>
+          <p:cNvPicPr>
+            <a:picLocks noChangeAspect="1"/>
+          </p:cNvPicPr>
+          <p:nvPr/>
+        </p:nvPicPr>
+        <p:blipFill>
+          <a:blip r:embed="rId7">
+            <a:extLst>
+              <a:ext uri="{28A0092B-C50C-407E-A947-70E740481C1C}">
+                <a14:useLocalDpi xmlns:a14="http://schemas.microsoft.com/office/drawing/2010/main" val="0"/>
+              </a:ext>
+            </a:extLst>
+          </a:blip>
+          <a:stretch>
+            <a:fillRect/>
+          </a:stretch>
+        </p:blipFill>
+        <p:spPr>
+          <a:xfrm>
+            <a:off x="1494523" y="4414634"/>
+            <a:ext cx="2896510" cy="572009"/>
+          </a:xfrm>
+          <a:prstGeom prst="rect">
+            <a:avLst/>
+          </a:prstGeom>
+          <a:effectLst>
+            <a:reflection blurRad="6350" stA="50000" endA="300" endPos="55000" dir="5400000" sy="-100000" algn="bl" rotWithShape="0"/>
+          </a:effectLst>
+        </p:spPr>
+      </p:pic>
+      <p:pic>
+        <p:nvPicPr>
+          <p:cNvPr id="8" name="תמונה 7">
+            <a:extLst>
+              <a:ext uri="{FF2B5EF4-FFF2-40B4-BE49-F238E27FC236}">
+                <a16:creationId xmlns:a16="http://schemas.microsoft.com/office/drawing/2014/main" id="{5143CCF1-7293-4A54-BDBA-2086003E4172}"/>
+              </a:ext>
+            </a:extLst>
+          </p:cNvPr>
+          <p:cNvPicPr>
+            <a:picLocks noChangeAspect="1"/>
+          </p:cNvPicPr>
+          <p:nvPr/>
+        </p:nvPicPr>
+        <p:blipFill>
+          <a:blip r:embed="rId8"/>
+          <a:stretch>
+            <a:fillRect/>
+          </a:stretch>
+        </p:blipFill>
+        <p:spPr>
+          <a:xfrm>
+            <a:off x="7669706" y="1545996"/>
+            <a:ext cx="4419368" cy="4317476"/>
+          </a:xfrm>
+          <a:prstGeom prst="rect">
+            <a:avLst/>
+          </a:prstGeom>
+        </p:spPr>
+      </p:pic>
+    </p:spTree>
+    <p:extLst>
+      <p:ext uri="{BB962C8B-B14F-4D97-AF65-F5344CB8AC3E}">
+        <p14:creationId xmlns:p14="http://schemas.microsoft.com/office/powerpoint/2010/main" val="726980828"/>
+      </p:ext>
+    </p:extLst>
+  </p:cSld>
+  <p:clrMapOvr>
+    <a:masterClrMapping/>
+  </p:clrMapOvr>
+</p:sld>
+</file>
+
+<file path=ppt/slides/slide6.xml><?xml version="1.0" encoding="utf-8"?>
 <p:sld xmlns:a="http://schemas.openxmlformats.org/drawingml/2006/main" xmlns:r="http://schemas.openxmlformats.org/officeDocument/2006/relationships" xmlns:p="http://schemas.openxmlformats.org/presentationml/2006/main">
   <p:cSld>
     <p:spTree>
@@ -12946,20 +17968,25 @@
             <p:ph type="title"/>
           </p:nvPr>
         </p:nvSpPr>
-        <p:spPr/>
+        <p:spPr>
+          <a:xfrm>
+            <a:off x="250187" y="179341"/>
+            <a:ext cx="8021234" cy="786353"/>
+          </a:xfrm>
+        </p:spPr>
         <p:txBody>
           <a:bodyPr/>
           <a:lstStyle/>
           <a:p>
             <a:r>
-              <a:rPr lang="en-US" dirty="0"/>
+              <a:rPr lang="en-US" sz="4000" dirty="0"/>
               <a:t>EDA (</a:t>
             </a:r>
             <a:r>
-              <a:rPr lang="en-US" i="1" dirty="0"/>
+              <a:rPr lang="en-US" sz="4000" i="1" dirty="0"/>
               <a:t>exploratory data analysis)</a:t>
             </a:r>
-            <a:endParaRPr lang="he-IL" dirty="0"/>
+            <a:endParaRPr lang="he-IL" sz="4000" dirty="0"/>
           </a:p>
         </p:txBody>
       </p:sp>
@@ -12981,8 +18008,8 @@
         </p:nvSpPr>
         <p:spPr>
           <a:xfrm>
-            <a:off x="990190" y="1477883"/>
-            <a:ext cx="8946541" cy="4195481"/>
+            <a:off x="250187" y="965694"/>
+            <a:ext cx="8946541" cy="3352907"/>
           </a:xfrm>
         </p:spPr>
         <p:txBody>
@@ -13013,14 +18040,14 @@
             <a:pPr algn="l" rtl="0"/>
             <a:r>
               <a:rPr lang="en-US" dirty="0"/>
-              <a:t>Handling outliers – Usually only numeric feature should be handled, in our data set – we will clean outliers that might mislead our model</a:t>
+              <a:t>Handling outliers – Cleaning outliers that might mislead our model</a:t>
             </a:r>
             <a:br>
               <a:rPr lang="en-US" dirty="0"/>
             </a:br>
             <a:r>
               <a:rPr lang="en-US" dirty="0"/>
-              <a:t>(# of pages and # of reviews)</a:t>
+              <a:t>(In this case, # of pages and # of reviews)</a:t>
             </a:r>
           </a:p>
         </p:txBody>
@@ -13038,7 +18065,7 @@
           <p:nvPr>
             <p:extLst>
               <p:ext uri="{D42A27DB-BD31-4B8C-83A1-F6EECF244321}">
-                <p14:modId xmlns:p14="http://schemas.microsoft.com/office/powerpoint/2010/main" val="3017835461"/>
+                <p14:modId xmlns:p14="http://schemas.microsoft.com/office/powerpoint/2010/main" val="1647676013"/>
               </p:ext>
             </p:extLst>
           </p:nvPr>
@@ -13053,307 +18080,12 @@
           </a:graphicData>
         </a:graphic>
       </p:graphicFrame>
-    </p:spTree>
-    <p:extLst>
-      <p:ext uri="{BB962C8B-B14F-4D97-AF65-F5344CB8AC3E}">
-        <p14:creationId xmlns:p14="http://schemas.microsoft.com/office/powerpoint/2010/main" val="1872156507"/>
-      </p:ext>
-    </p:extLst>
-  </p:cSld>
-  <p:clrMapOvr>
-    <a:masterClrMapping/>
-  </p:clrMapOvr>
-</p:sld>
-</file>
-
-<file path=ppt/slides/slide5.xml><?xml version="1.0" encoding="utf-8"?>
-<p:sld xmlns:a="http://schemas.openxmlformats.org/drawingml/2006/main" xmlns:r="http://schemas.openxmlformats.org/officeDocument/2006/relationships" xmlns:p="http://schemas.openxmlformats.org/presentationml/2006/main">
-  <p:cSld>
-    <p:spTree>
-      <p:nvGrpSpPr>
-        <p:cNvPr id="1" name=""/>
-        <p:cNvGrpSpPr/>
-        <p:nvPr/>
-      </p:nvGrpSpPr>
-      <p:grpSpPr>
-        <a:xfrm>
-          <a:off x="0" y="0"/>
-          <a:ext cx="0" cy="0"/>
-          <a:chOff x="0" y="0"/>
-          <a:chExt cx="0" cy="0"/>
-        </a:xfrm>
-      </p:grpSpPr>
-      <p:sp>
-        <p:nvSpPr>
-          <p:cNvPr id="2" name="כותרת 1">
+      <p:grpSp>
+        <p:nvGrpSpPr>
+          <p:cNvPr id="8" name="קבוצה 7">
             <a:extLst>
               <a:ext uri="{FF2B5EF4-FFF2-40B4-BE49-F238E27FC236}">
-                <a16:creationId xmlns:a16="http://schemas.microsoft.com/office/drawing/2014/main" id="{1F6CA0CA-DA9B-4E48-B90A-44E0B5697C5E}"/>
-              </a:ext>
-            </a:extLst>
-          </p:cNvPr>
-          <p:cNvSpPr>
-            <a:spLocks noGrp="1"/>
-          </p:cNvSpPr>
-          <p:nvPr>
-            <p:ph type="title"/>
-          </p:nvPr>
-        </p:nvSpPr>
-        <p:spPr>
-          <a:xfrm>
-            <a:off x="646110" y="236916"/>
-            <a:ext cx="7536355" cy="735059"/>
-          </a:xfrm>
-        </p:spPr>
-        <p:txBody>
-          <a:bodyPr/>
-          <a:lstStyle/>
-          <a:p>
-            <a:r>
-              <a:rPr lang="en-US" dirty="0"/>
-              <a:t>Let’s observe some insights:</a:t>
-            </a:r>
-            <a:endParaRPr lang="he-IL" dirty="0"/>
-          </a:p>
-        </p:txBody>
-      </p:sp>
-      <p:pic>
-        <p:nvPicPr>
-          <p:cNvPr id="4" name="תמונה 3">
-            <a:extLst>
-              <a:ext uri="{FF2B5EF4-FFF2-40B4-BE49-F238E27FC236}">
-                <a16:creationId xmlns:a16="http://schemas.microsoft.com/office/drawing/2014/main" id="{945E0C7E-9ABA-4BF6-AA35-B3DAD6A2919F}"/>
-              </a:ext>
-            </a:extLst>
-          </p:cNvPr>
-          <p:cNvPicPr>
-            <a:picLocks noChangeAspect="1"/>
-          </p:cNvPicPr>
-          <p:nvPr/>
-        </p:nvPicPr>
-        <p:blipFill>
-          <a:blip r:embed="rId2"/>
-          <a:stretch>
-            <a:fillRect/>
-          </a:stretch>
-        </p:blipFill>
-        <p:spPr>
-          <a:xfrm>
-            <a:off x="744717" y="1033321"/>
-            <a:ext cx="3426791" cy="2833840"/>
-          </a:xfrm>
-          <a:prstGeom prst="rect">
-            <a:avLst/>
-          </a:prstGeom>
-        </p:spPr>
-      </p:pic>
-      <p:graphicFrame>
-        <p:nvGraphicFramePr>
-          <p:cNvPr id="6" name="טבלה 6">
-            <a:extLst>
-              <a:ext uri="{FF2B5EF4-FFF2-40B4-BE49-F238E27FC236}">
-                <a16:creationId xmlns:a16="http://schemas.microsoft.com/office/drawing/2014/main" id="{DB7ACAD2-9E1C-4581-8DEB-6CBE9BE20FCF}"/>
-              </a:ext>
-            </a:extLst>
-          </p:cNvPr>
-          <p:cNvGraphicFramePr>
-            <a:graphicFrameLocks noGrp="1"/>
-          </p:cNvGraphicFramePr>
-          <p:nvPr>
-            <p:extLst>
-              <p:ext uri="{D42A27DB-BD31-4B8C-83A1-F6EECF244321}">
-                <p14:modId xmlns:p14="http://schemas.microsoft.com/office/powerpoint/2010/main" val="3362696985"/>
-              </p:ext>
-            </p:extLst>
-          </p:nvPr>
-        </p:nvGraphicFramePr>
-        <p:xfrm>
-          <a:off x="353765" y="4110015"/>
-          <a:ext cx="4208694" cy="1559408"/>
-        </p:xfrm>
-        <a:graphic>
-          <a:graphicData uri="http://schemas.openxmlformats.org/drawingml/2006/table">
-            <a:tbl>
-              <a:tblPr rtl="1" firstRow="1" bandRow="1">
-                <a:tableStyleId>{5C22544A-7EE6-4342-B048-85BDC9FD1C3A}</a:tableStyleId>
-              </a:tblPr>
-              <a:tblGrid>
-                <a:gridCol w="4208694">
-                  <a:extLst>
-                    <a:ext uri="{9D8B030D-6E8A-4147-A177-3AD203B41FA5}">
-                      <a16:colId xmlns:a16="http://schemas.microsoft.com/office/drawing/2014/main" val="674893132"/>
-                    </a:ext>
-                  </a:extLst>
-                </a:gridCol>
-              </a:tblGrid>
-              <a:tr h="1559408">
-                <a:tc>
-                  <a:txBody>
-                    <a:bodyPr/>
-                    <a:lstStyle/>
-                    <a:p>
-                      <a:pPr algn="l" rtl="0"/>
-                      <a:r>
-                        <a:rPr lang="en-US" b="0" dirty="0">
-                          <a:solidFill>
-                            <a:schemeClr val="tx1"/>
-                          </a:solidFill>
-                        </a:rPr>
-                        <a:t>There’s an insignificant correlation between the features in our data.</a:t>
-                      </a:r>
-                    </a:p>
-                    <a:p>
-                      <a:pPr algn="l" rtl="0"/>
-                      <a:r>
-                        <a:rPr lang="en-US" b="0" dirty="0">
-                          <a:solidFill>
-                            <a:schemeClr val="tx1"/>
-                          </a:solidFill>
-                        </a:rPr>
-                        <a:t>(Which is good because correlation indicates dependency, which we DON’T want to see.</a:t>
-                      </a:r>
-                      <a:endParaRPr lang="he-IL" b="0" dirty="0">
-                        <a:solidFill>
-                          <a:schemeClr val="tx1"/>
-                        </a:solidFill>
-                      </a:endParaRPr>
-                    </a:p>
-                  </a:txBody>
-                  <a:tcPr/>
-                </a:tc>
-                <a:extLst>
-                  <a:ext uri="{0D108BD9-81ED-4DB2-BD59-A6C34878D82A}">
-                    <a16:rowId xmlns:a16="http://schemas.microsoft.com/office/drawing/2014/main" val="3482365603"/>
-                  </a:ext>
-                </a:extLst>
-              </a:tr>
-            </a:tbl>
-          </a:graphicData>
-        </a:graphic>
-      </p:graphicFrame>
-      <p:pic>
-        <p:nvPicPr>
-          <p:cNvPr id="8" name="תמונה 7">
-            <a:extLst>
-              <a:ext uri="{FF2B5EF4-FFF2-40B4-BE49-F238E27FC236}">
-                <a16:creationId xmlns:a16="http://schemas.microsoft.com/office/drawing/2014/main" id="{ABA1BB88-91B0-430A-9D59-535F47E81D57}"/>
-              </a:ext>
-            </a:extLst>
-          </p:cNvPr>
-          <p:cNvPicPr>
-            <a:picLocks noChangeAspect="1"/>
-          </p:cNvPicPr>
-          <p:nvPr/>
-        </p:nvPicPr>
-        <p:blipFill>
-          <a:blip r:embed="rId3"/>
-          <a:stretch>
-            <a:fillRect/>
-          </a:stretch>
-        </p:blipFill>
-        <p:spPr>
-          <a:xfrm>
-            <a:off x="5341659" y="1306112"/>
-            <a:ext cx="6033853" cy="2625628"/>
-          </a:xfrm>
-          <a:prstGeom prst="rect">
-            <a:avLst/>
-          </a:prstGeom>
-        </p:spPr>
-      </p:pic>
-      <p:graphicFrame>
-        <p:nvGraphicFramePr>
-          <p:cNvPr id="9" name="טבלה 6">
-            <a:extLst>
-              <a:ext uri="{FF2B5EF4-FFF2-40B4-BE49-F238E27FC236}">
-                <a16:creationId xmlns:a16="http://schemas.microsoft.com/office/drawing/2014/main" id="{DB4AB3E7-3313-41F7-BBDF-F090AC6974F3}"/>
-              </a:ext>
-            </a:extLst>
-          </p:cNvPr>
-          <p:cNvGraphicFramePr>
-            <a:graphicFrameLocks noGrp="1"/>
-          </p:cNvGraphicFramePr>
-          <p:nvPr>
-            <p:extLst>
-              <p:ext uri="{D42A27DB-BD31-4B8C-83A1-F6EECF244321}">
-                <p14:modId xmlns:p14="http://schemas.microsoft.com/office/powerpoint/2010/main" val="866649697"/>
-              </p:ext>
-            </p:extLst>
-          </p:nvPr>
-        </p:nvGraphicFramePr>
-        <p:xfrm>
-          <a:off x="5548013" y="4114977"/>
-          <a:ext cx="5621144" cy="1403545"/>
-        </p:xfrm>
-        <a:graphic>
-          <a:graphicData uri="http://schemas.openxmlformats.org/drawingml/2006/table">
-            <a:tbl>
-              <a:tblPr rtl="1" firstRow="1" bandRow="1">
-                <a:tableStyleId>{5C22544A-7EE6-4342-B048-85BDC9FD1C3A}</a:tableStyleId>
-              </a:tblPr>
-              <a:tblGrid>
-                <a:gridCol w="5621144">
-                  <a:extLst>
-                    <a:ext uri="{9D8B030D-6E8A-4147-A177-3AD203B41FA5}">
-                      <a16:colId xmlns:a16="http://schemas.microsoft.com/office/drawing/2014/main" val="674893132"/>
-                    </a:ext>
-                  </a:extLst>
-                </a:gridCol>
-              </a:tblGrid>
-              <a:tr h="1403545">
-                <a:tc>
-                  <a:txBody>
-                    <a:bodyPr/>
-                    <a:lstStyle/>
-                    <a:p>
-                      <a:pPr algn="l" rtl="0"/>
-                      <a:r>
-                        <a:rPr lang="en-US" b="0" dirty="0">
-                          <a:solidFill>
-                            <a:schemeClr val="tx1"/>
-                          </a:solidFill>
-                        </a:rPr>
-                        <a:t>An histogram that describes the top 10 most frequent genres in the data set.</a:t>
-                      </a:r>
-                    </a:p>
-                    <a:p>
-                      <a:pPr algn="l" rtl="0"/>
-                      <a:r>
-                        <a:rPr lang="en-US" b="0" dirty="0">
-                          <a:solidFill>
-                            <a:schemeClr val="tx1"/>
-                          </a:solidFill>
-                        </a:rPr>
-                        <a:t>Romance is most frequent section, followed by non-fiction </a:t>
-                      </a:r>
-                      <a:r>
-                        <a:rPr lang="he-IL" b="0" dirty="0">
-                          <a:solidFill>
-                            <a:schemeClr val="tx1"/>
-                          </a:solidFill>
-                        </a:rPr>
-                        <a:t>(מציאותי)</a:t>
-                      </a:r>
-                    </a:p>
-                  </a:txBody>
-                  <a:tcPr/>
-                </a:tc>
-                <a:extLst>
-                  <a:ext uri="{0D108BD9-81ED-4DB2-BD59-A6C34878D82A}">
-                    <a16:rowId xmlns:a16="http://schemas.microsoft.com/office/drawing/2014/main" val="3482365603"/>
-                  </a:ext>
-                </a:extLst>
-              </a:tr>
-            </a:tbl>
-          </a:graphicData>
-        </a:graphic>
-      </p:graphicFrame>
-      <p:grpSp>
-        <p:nvGrpSpPr>
-          <p:cNvPr id="16" name="קבוצה 15">
-            <a:extLst>
-              <a:ext uri="{FF2B5EF4-FFF2-40B4-BE49-F238E27FC236}">
-                <a16:creationId xmlns:a16="http://schemas.microsoft.com/office/drawing/2014/main" id="{4DAB991F-C912-4F28-A4C2-8200598A9BC3}"/>
+                <a16:creationId xmlns:a16="http://schemas.microsoft.com/office/drawing/2014/main" id="{C53C3735-5BCC-4D6E-864E-F4EE931716EC}"/>
               </a:ext>
             </a:extLst>
           </p:cNvPr>
@@ -13362,18 +18094,21 @@
         </p:nvGrpSpPr>
         <p:grpSpPr>
           <a:xfrm>
-            <a:off x="9038829" y="6071648"/>
-            <a:ext cx="3153171" cy="786352"/>
+            <a:off x="8842746" y="6061142"/>
+            <a:ext cx="3344690" cy="786352"/>
             <a:chOff x="9034264" y="0"/>
             <a:chExt cx="3153171" cy="786352"/>
           </a:xfrm>
+          <a:solidFill>
+            <a:schemeClr val="accent1"/>
+          </a:solidFill>
         </p:grpSpPr>
         <p:sp>
           <p:nvSpPr>
-            <p:cNvPr id="29" name="חץ: מחומש 28">
+            <p:cNvPr id="9" name="חץ: מחומש 8">
               <a:extLst>
                 <a:ext uri="{FF2B5EF4-FFF2-40B4-BE49-F238E27FC236}">
-                  <a16:creationId xmlns:a16="http://schemas.microsoft.com/office/drawing/2014/main" id="{578839A8-6AB5-4A52-BAF9-22E84A593A21}"/>
+                  <a16:creationId xmlns:a16="http://schemas.microsoft.com/office/drawing/2014/main" id="{6414AB49-6330-41B8-A160-5DF193B3A10E}"/>
                 </a:ext>
               </a:extLst>
             </p:cNvPr>
@@ -13388,9 +18123,7 @@
             <a:prstGeom prst="homePlate">
               <a:avLst/>
             </a:prstGeom>
-            <a:solidFill>
-              <a:schemeClr val="accent1"/>
-            </a:solidFill>
+            <a:grpFill/>
           </p:spPr>
           <p:style>
             <a:lnRef idx="2">
@@ -13419,10 +18152,10 @@
         </p:sp>
         <p:sp>
           <p:nvSpPr>
-            <p:cNvPr id="30" name="חץ: מחומש 4">
+            <p:cNvPr id="10" name="חץ: מחומש 4">
               <a:extLst>
                 <a:ext uri="{FF2B5EF4-FFF2-40B4-BE49-F238E27FC236}">
-                  <a16:creationId xmlns:a16="http://schemas.microsoft.com/office/drawing/2014/main" id="{E8EDBC0D-D67B-4706-9F56-3721648C9F18}"/>
+                  <a16:creationId xmlns:a16="http://schemas.microsoft.com/office/drawing/2014/main" id="{D98074A0-8768-4808-BD95-AAA203E9A588}"/>
                 </a:ext>
               </a:extLst>
             </p:cNvPr>
@@ -13430,13 +18163,17 @@
             <p:nvPr/>
           </p:nvSpPr>
           <p:spPr>
-            <a:xfrm rot="21600000">
+            <a:xfrm>
               <a:off x="9230852" y="0"/>
               <a:ext cx="2956583" cy="786352"/>
             </a:xfrm>
             <a:prstGeom prst="rect">
               <a:avLst/>
             </a:prstGeom>
+            <a:noFill/>
+            <a:ln>
+              <a:noFill/>
+            </a:ln>
           </p:spPr>
           <p:style>
             <a:lnRef idx="0">
@@ -13472,19 +18209,23 @@
               </a:pPr>
               <a:r>
                 <a:rPr lang="en-US" sz="2200" kern="1200" dirty="0"/>
-                <a:t>Data Acquisition</a:t>
+                <a:t>Data</a:t>
               </a:r>
-              <a:endParaRPr lang="he-IL" sz="2200" kern="1200" dirty="0"/>
+              <a:r>
+                <a:rPr lang="en-US" sz="2400" kern="1200" dirty="0"/>
+                <a:t> Acquisition</a:t>
+              </a:r>
+              <a:endParaRPr lang="he-IL" sz="2400" kern="1200" dirty="0"/>
             </a:p>
           </p:txBody>
         </p:sp>
       </p:grpSp>
       <p:grpSp>
         <p:nvGrpSpPr>
-          <p:cNvPr id="17" name="קבוצה 16">
+          <p:cNvPr id="11" name="קבוצה 10">
             <a:extLst>
               <a:ext uri="{FF2B5EF4-FFF2-40B4-BE49-F238E27FC236}">
-                <a16:creationId xmlns:a16="http://schemas.microsoft.com/office/drawing/2014/main" id="{BFEEFB7F-95A5-425A-9B8E-73E725F71FA1}"/>
+                <a16:creationId xmlns:a16="http://schemas.microsoft.com/office/drawing/2014/main" id="{BDE0EED0-7B6B-4239-9E7F-DBB268EF59CA}"/>
               </a:ext>
             </a:extLst>
           </p:cNvPr>
@@ -13493,18 +18234,21 @@
         </p:nvGrpSpPr>
         <p:grpSpPr>
           <a:xfrm>
-            <a:off x="6781404" y="6071648"/>
-            <a:ext cx="2821781" cy="786352"/>
+            <a:off x="6445449" y="6061142"/>
+            <a:ext cx="2785403" cy="786352"/>
             <a:chOff x="6776839" y="0"/>
             <a:chExt cx="2821781" cy="786352"/>
           </a:xfrm>
+          <a:solidFill>
+            <a:schemeClr val="accent5"/>
+          </a:solidFill>
         </p:grpSpPr>
         <p:sp>
           <p:nvSpPr>
-            <p:cNvPr id="27" name="חץ: סוגר זוויתי 26">
+            <p:cNvPr id="12" name="חץ: סוגר זוויתי 11">
               <a:extLst>
                 <a:ext uri="{FF2B5EF4-FFF2-40B4-BE49-F238E27FC236}">
-                  <a16:creationId xmlns:a16="http://schemas.microsoft.com/office/drawing/2014/main" id="{7B9167B0-B684-4C26-927D-6835B363C5EB}"/>
+                  <a16:creationId xmlns:a16="http://schemas.microsoft.com/office/drawing/2014/main" id="{6D0E38C2-A0DB-45C7-8AAF-EA1391ECB0DD}"/>
                 </a:ext>
               </a:extLst>
             </p:cNvPr>
@@ -13519,9 +18263,7 @@
             <a:prstGeom prst="chevron">
               <a:avLst/>
             </a:prstGeom>
-            <a:solidFill>
-              <a:schemeClr val="accent5"/>
-            </a:solidFill>
+            <a:grpFill/>
           </p:spPr>
           <p:style>
             <a:lnRef idx="2">
@@ -13533,7 +18275,12 @@
               </a:schemeClr>
             </a:lnRef>
             <a:fillRef idx="1">
-              <a:scrgbClr r="0" g="0" b="0"/>
+              <a:schemeClr val="accent1">
+                <a:hueOff val="0"/>
+                <a:satOff val="0"/>
+                <a:lumOff val="0"/>
+                <a:alphaOff val="0"/>
+              </a:schemeClr>
             </a:fillRef>
             <a:effectRef idx="0">
               <a:schemeClr val="accent1">
@@ -13550,10 +18297,10 @@
         </p:sp>
         <p:sp>
           <p:nvSpPr>
-            <p:cNvPr id="28" name="חץ: סוגר זוויתי 6">
+            <p:cNvPr id="13" name="חץ: סוגר זוויתי 6">
               <a:extLst>
                 <a:ext uri="{FF2B5EF4-FFF2-40B4-BE49-F238E27FC236}">
-                  <a16:creationId xmlns:a16="http://schemas.microsoft.com/office/drawing/2014/main" id="{0F9E0C9B-A4B3-4918-B0B6-6F4C23E96941}"/>
+                  <a16:creationId xmlns:a16="http://schemas.microsoft.com/office/drawing/2014/main" id="{B684DBF8-1386-43BA-869D-DB0C35BAA37F}"/>
                 </a:ext>
               </a:extLst>
             </p:cNvPr>
@@ -13568,6 +18315,7 @@
             <a:prstGeom prst="rect">
               <a:avLst/>
             </a:prstGeom>
+            <a:noFill/>
           </p:spPr>
           <p:style>
             <a:lnRef idx="0">
@@ -13602,7 +18350,7 @@
                 <a:buNone/>
               </a:pPr>
               <a:r>
-                <a:rPr lang="en-US" sz="2200" kern="1200" dirty="0"/>
+                <a:rPr lang="en-US" sz="2200" kern="1200"/>
                 <a:t>EDA</a:t>
               </a:r>
               <a:endParaRPr lang="he-IL" sz="2200" kern="1200" dirty="0"/>
@@ -13612,10 +18360,10 @@
       </p:grpSp>
       <p:grpSp>
         <p:nvGrpSpPr>
-          <p:cNvPr id="18" name="קבוצה 17">
+          <p:cNvPr id="14" name="קבוצה 13">
             <a:extLst>
               <a:ext uri="{FF2B5EF4-FFF2-40B4-BE49-F238E27FC236}">
-                <a16:creationId xmlns:a16="http://schemas.microsoft.com/office/drawing/2014/main" id="{57DDEF3F-119F-4EE0-87FB-91DE3597D84A}"/>
+                <a16:creationId xmlns:a16="http://schemas.microsoft.com/office/drawing/2014/main" id="{0D3BB567-7180-4811-AD53-73A9EDE0A25C}"/>
               </a:ext>
             </a:extLst>
           </p:cNvPr>
@@ -13624,18 +18372,21 @@
         </p:nvGrpSpPr>
         <p:grpSpPr>
           <a:xfrm>
-            <a:off x="4523979" y="6071648"/>
-            <a:ext cx="2821781" cy="786352"/>
+            <a:off x="3326861" y="6061142"/>
+            <a:ext cx="3569810" cy="786352"/>
             <a:chOff x="4519414" y="0"/>
             <a:chExt cx="2821781" cy="786352"/>
           </a:xfrm>
+          <a:solidFill>
+            <a:schemeClr val="accent5"/>
+          </a:solidFill>
         </p:grpSpPr>
         <p:sp>
           <p:nvSpPr>
-            <p:cNvPr id="25" name="חץ: סוגר זוויתי 24">
+            <p:cNvPr id="15" name="חץ: סוגר זוויתי 14">
               <a:extLst>
                 <a:ext uri="{FF2B5EF4-FFF2-40B4-BE49-F238E27FC236}">
-                  <a16:creationId xmlns:a16="http://schemas.microsoft.com/office/drawing/2014/main" id="{1FD6DC2D-7D18-4017-BCEF-9CD26F22C21D}"/>
+                  <a16:creationId xmlns:a16="http://schemas.microsoft.com/office/drawing/2014/main" id="{11E72E1F-6E8A-4CD8-8444-FFF881EF71A6}"/>
                 </a:ext>
               </a:extLst>
             </p:cNvPr>
@@ -13650,6 +18401,9 @@
             <a:prstGeom prst="chevron">
               <a:avLst/>
             </a:prstGeom>
+            <a:solidFill>
+              <a:schemeClr val="accent1"/>
+            </a:solidFill>
           </p:spPr>
           <p:style>
             <a:lnRef idx="2">
@@ -13683,10 +18437,10 @@
         </p:sp>
         <p:sp>
           <p:nvSpPr>
-            <p:cNvPr id="26" name="חץ: סוגר זוויתי 8">
+            <p:cNvPr id="16" name="חץ: סוגר זוויתי 8">
               <a:extLst>
                 <a:ext uri="{FF2B5EF4-FFF2-40B4-BE49-F238E27FC236}">
-                  <a16:creationId xmlns:a16="http://schemas.microsoft.com/office/drawing/2014/main" id="{82DE205A-0A80-4799-9ED2-8C1029671D3C}"/>
+                  <a16:creationId xmlns:a16="http://schemas.microsoft.com/office/drawing/2014/main" id="{A468A440-3292-45C9-8626-B4D0AD1B0237}"/>
                 </a:ext>
               </a:extLst>
             </p:cNvPr>
@@ -13701,6 +18455,7 @@
             <a:prstGeom prst="rect">
               <a:avLst/>
             </a:prstGeom>
+            <a:noFill/>
           </p:spPr>
           <p:style>
             <a:lnRef idx="0">
@@ -13745,10 +18500,10 @@
       </p:grpSp>
       <p:grpSp>
         <p:nvGrpSpPr>
-          <p:cNvPr id="19" name="קבוצה 18">
+          <p:cNvPr id="17" name="קבוצה 16">
             <a:extLst>
               <a:ext uri="{FF2B5EF4-FFF2-40B4-BE49-F238E27FC236}">
-                <a16:creationId xmlns:a16="http://schemas.microsoft.com/office/drawing/2014/main" id="{1FECC00F-104B-4436-887D-9EF731DF75D4}"/>
+                <a16:creationId xmlns:a16="http://schemas.microsoft.com/office/drawing/2014/main" id="{6C4E7525-AF6F-44AF-8AE3-CBB4AC8E461B}"/>
               </a:ext>
             </a:extLst>
           </p:cNvPr>
@@ -13757,18 +18512,18 @@
         </p:nvGrpSpPr>
         <p:grpSpPr>
           <a:xfrm>
-            <a:off x="2266554" y="6071648"/>
-            <a:ext cx="2821781" cy="786352"/>
+            <a:off x="4563" y="6071648"/>
+            <a:ext cx="3730858" cy="786352"/>
             <a:chOff x="2261989" y="0"/>
             <a:chExt cx="2821781" cy="786352"/>
           </a:xfrm>
         </p:grpSpPr>
         <p:sp>
           <p:nvSpPr>
-            <p:cNvPr id="23" name="חץ: סוגר זוויתי 22">
+            <p:cNvPr id="18" name="חץ: סוגר זוויתי 17">
               <a:extLst>
                 <a:ext uri="{FF2B5EF4-FFF2-40B4-BE49-F238E27FC236}">
-                  <a16:creationId xmlns:a16="http://schemas.microsoft.com/office/drawing/2014/main" id="{D87BA066-9255-4666-A4BA-268640128144}"/>
+                  <a16:creationId xmlns:a16="http://schemas.microsoft.com/office/drawing/2014/main" id="{F66A7938-C7EF-4F57-B204-395D0F53E6D0}"/>
                 </a:ext>
               </a:extLst>
             </p:cNvPr>
@@ -13816,10 +18571,10 @@
         </p:sp>
         <p:sp>
           <p:nvSpPr>
-            <p:cNvPr id="24" name="חץ: סוגר זוויתי 10">
+            <p:cNvPr id="19" name="חץ: סוגר זוויתי 10">
               <a:extLst>
                 <a:ext uri="{FF2B5EF4-FFF2-40B4-BE49-F238E27FC236}">
-                  <a16:creationId xmlns:a16="http://schemas.microsoft.com/office/drawing/2014/main" id="{C7A6392C-A110-4C4C-9FE8-335B8D9A6D16}"/>
+                  <a16:creationId xmlns:a16="http://schemas.microsoft.com/office/drawing/2014/main" id="{0818D7DD-798C-4092-90F8-55F04058AF50}"/>
                 </a:ext>
               </a:extLst>
             </p:cNvPr>
@@ -13876,12 +18631,375 @@
           </p:txBody>
         </p:sp>
       </p:grpSp>
+      <p:pic>
+        <p:nvPicPr>
+          <p:cNvPr id="21" name="תמונה 20">
+            <a:extLst>
+              <a:ext uri="{FF2B5EF4-FFF2-40B4-BE49-F238E27FC236}">
+                <a16:creationId xmlns:a16="http://schemas.microsoft.com/office/drawing/2014/main" id="{0E39631B-0C7A-4536-8362-256CC4F47FDB}"/>
+              </a:ext>
+            </a:extLst>
+          </p:cNvPr>
+          <p:cNvPicPr>
+            <a:picLocks noChangeAspect="1"/>
+          </p:cNvPicPr>
+          <p:nvPr/>
+        </p:nvPicPr>
+        <p:blipFill>
+          <a:blip r:embed="rId7"/>
+          <a:stretch>
+            <a:fillRect/>
+          </a:stretch>
+        </p:blipFill>
+        <p:spPr>
+          <a:xfrm>
+            <a:off x="5704593" y="4469921"/>
+            <a:ext cx="6276304" cy="629979"/>
+          </a:xfrm>
+          <a:prstGeom prst="rect">
+            <a:avLst/>
+          </a:prstGeom>
+        </p:spPr>
+      </p:pic>
+      <p:pic>
+        <p:nvPicPr>
+          <p:cNvPr id="23" name="תמונה 22">
+            <a:extLst>
+              <a:ext uri="{FF2B5EF4-FFF2-40B4-BE49-F238E27FC236}">
+                <a16:creationId xmlns:a16="http://schemas.microsoft.com/office/drawing/2014/main" id="{62B1054B-FC05-4017-834A-E3B9742C64F5}"/>
+              </a:ext>
+            </a:extLst>
+          </p:cNvPr>
+          <p:cNvPicPr>
+            <a:picLocks noChangeAspect="1"/>
+          </p:cNvPicPr>
+          <p:nvPr/>
+        </p:nvPicPr>
+        <p:blipFill>
+          <a:blip r:embed="rId8"/>
+          <a:stretch>
+            <a:fillRect/>
+          </a:stretch>
+        </p:blipFill>
+        <p:spPr>
+          <a:xfrm>
+            <a:off x="5704593" y="5148113"/>
+            <a:ext cx="6276304" cy="724001"/>
+          </a:xfrm>
+          <a:prstGeom prst="rect">
+            <a:avLst/>
+          </a:prstGeom>
+        </p:spPr>
+      </p:pic>
+    </p:spTree>
+    <p:extLst>
+      <p:ext uri="{BB962C8B-B14F-4D97-AF65-F5344CB8AC3E}">
+        <p14:creationId xmlns:p14="http://schemas.microsoft.com/office/powerpoint/2010/main" val="1872156507"/>
+      </p:ext>
+    </p:extLst>
+  </p:cSld>
+  <p:clrMapOvr>
+    <a:masterClrMapping/>
+  </p:clrMapOvr>
+</p:sld>
+</file>
+
+<file path=ppt/slides/slide7.xml><?xml version="1.0" encoding="utf-8"?>
+<p:sld xmlns:a="http://schemas.openxmlformats.org/drawingml/2006/main" xmlns:r="http://schemas.openxmlformats.org/officeDocument/2006/relationships" xmlns:p="http://schemas.openxmlformats.org/presentationml/2006/main">
+  <p:cSld>
+    <p:spTree>
+      <p:nvGrpSpPr>
+        <p:cNvPr id="1" name=""/>
+        <p:cNvGrpSpPr/>
+        <p:nvPr/>
+      </p:nvGrpSpPr>
+      <p:grpSpPr>
+        <a:xfrm>
+          <a:off x="0" y="0"/>
+          <a:ext cx="0" cy="0"/>
+          <a:chOff x="0" y="0"/>
+          <a:chExt cx="0" cy="0"/>
+        </a:xfrm>
+      </p:grpSpPr>
+      <p:sp>
+        <p:nvSpPr>
+          <p:cNvPr id="2" name="כותרת 1">
+            <a:extLst>
+              <a:ext uri="{FF2B5EF4-FFF2-40B4-BE49-F238E27FC236}">
+                <a16:creationId xmlns:a16="http://schemas.microsoft.com/office/drawing/2014/main" id="{1F6CA0CA-DA9B-4E48-B90A-44E0B5697C5E}"/>
+              </a:ext>
+            </a:extLst>
+          </p:cNvPr>
+          <p:cNvSpPr>
+            <a:spLocks noGrp="1"/>
+          </p:cNvSpPr>
+          <p:nvPr>
+            <p:ph type="title"/>
+          </p:nvPr>
+        </p:nvSpPr>
+        <p:spPr>
+          <a:xfrm>
+            <a:off x="655939" y="112665"/>
+            <a:ext cx="7536355" cy="735059"/>
+          </a:xfrm>
+        </p:spPr>
+        <p:txBody>
+          <a:bodyPr/>
+          <a:lstStyle/>
+          <a:p>
+            <a:r>
+              <a:rPr lang="en-US" sz="3600" dirty="0"/>
+              <a:t>Let’s observe some </a:t>
+            </a:r>
+            <a:r>
+              <a:rPr lang="en-US" sz="4000" dirty="0"/>
+              <a:t>insights</a:t>
+            </a:r>
+            <a:r>
+              <a:rPr lang="en-US" sz="3600" dirty="0"/>
+              <a:t>:</a:t>
+            </a:r>
+            <a:endParaRPr lang="he-IL" sz="3600" dirty="0"/>
+          </a:p>
+        </p:txBody>
+      </p:sp>
+      <p:pic>
+        <p:nvPicPr>
+          <p:cNvPr id="4" name="תמונה 3">
+            <a:extLst>
+              <a:ext uri="{FF2B5EF4-FFF2-40B4-BE49-F238E27FC236}">
+                <a16:creationId xmlns:a16="http://schemas.microsoft.com/office/drawing/2014/main" id="{945E0C7E-9ABA-4BF6-AA35-B3DAD6A2919F}"/>
+              </a:ext>
+            </a:extLst>
+          </p:cNvPr>
+          <p:cNvPicPr>
+            <a:picLocks noChangeAspect="1"/>
+          </p:cNvPicPr>
+          <p:nvPr/>
+        </p:nvPicPr>
+        <p:blipFill>
+          <a:blip r:embed="rId2"/>
+          <a:stretch>
+            <a:fillRect/>
+          </a:stretch>
+        </p:blipFill>
+        <p:spPr>
+          <a:xfrm>
+            <a:off x="744717" y="1225017"/>
+            <a:ext cx="3623002" cy="2642144"/>
+          </a:xfrm>
+          <a:prstGeom prst="rect">
+            <a:avLst/>
+          </a:prstGeom>
+        </p:spPr>
+      </p:pic>
+      <p:graphicFrame>
+        <p:nvGraphicFramePr>
+          <p:cNvPr id="6" name="טבלה 6">
+            <a:extLst>
+              <a:ext uri="{FF2B5EF4-FFF2-40B4-BE49-F238E27FC236}">
+                <a16:creationId xmlns:a16="http://schemas.microsoft.com/office/drawing/2014/main" id="{DB7ACAD2-9E1C-4581-8DEB-6CBE9BE20FCF}"/>
+              </a:ext>
+            </a:extLst>
+          </p:cNvPr>
+          <p:cNvGraphicFramePr>
+            <a:graphicFrameLocks noGrp="1"/>
+          </p:cNvGraphicFramePr>
+          <p:nvPr>
+            <p:extLst>
+              <p:ext uri="{D42A27DB-BD31-4B8C-83A1-F6EECF244321}">
+                <p14:modId xmlns:p14="http://schemas.microsoft.com/office/powerpoint/2010/main" val="1425204909"/>
+              </p:ext>
+            </p:extLst>
+          </p:nvPr>
+        </p:nvGraphicFramePr>
+        <p:xfrm>
+          <a:off x="627028" y="4184792"/>
+          <a:ext cx="4063566" cy="1245048"/>
+        </p:xfrm>
+        <a:graphic>
+          <a:graphicData uri="http://schemas.openxmlformats.org/drawingml/2006/table">
+            <a:tbl>
+              <a:tblPr rtl="1" firstRow="1" bandRow="1">
+                <a:tableStyleId>{5C22544A-7EE6-4342-B048-85BDC9FD1C3A}</a:tableStyleId>
+              </a:tblPr>
+              <a:tblGrid>
+                <a:gridCol w="4063566">
+                  <a:extLst>
+                    <a:ext uri="{9D8B030D-6E8A-4147-A177-3AD203B41FA5}">
+                      <a16:colId xmlns:a16="http://schemas.microsoft.com/office/drawing/2014/main" val="674893132"/>
+                    </a:ext>
+                  </a:extLst>
+                </a:gridCol>
+              </a:tblGrid>
+              <a:tr h="1245048">
+                <a:tc>
+                  <a:txBody>
+                    <a:bodyPr/>
+                    <a:lstStyle/>
+                    <a:p>
+                      <a:pPr algn="l" rtl="0"/>
+                      <a:r>
+                        <a:rPr lang="en-US" b="0" dirty="0">
+                          <a:solidFill>
+                            <a:schemeClr val="tx1"/>
+                          </a:solidFill>
+                        </a:rPr>
+                        <a:t>There’s an insignificant correlation between the features in our data.</a:t>
+                      </a:r>
+                    </a:p>
+                    <a:p>
+                      <a:pPr algn="l" rtl="0"/>
+                      <a:r>
+                        <a:rPr lang="en-US" b="0" dirty="0">
+                          <a:solidFill>
+                            <a:schemeClr val="tx1"/>
+                          </a:solidFill>
+                        </a:rPr>
+                        <a:t>(Which is a good thing)</a:t>
+                      </a:r>
+                      <a:endParaRPr lang="he-IL" b="0" dirty="0">
+                        <a:solidFill>
+                          <a:schemeClr val="tx1"/>
+                        </a:solidFill>
+                      </a:endParaRPr>
+                    </a:p>
+                  </a:txBody>
+                  <a:tcPr/>
+                </a:tc>
+                <a:extLst>
+                  <a:ext uri="{0D108BD9-81ED-4DB2-BD59-A6C34878D82A}">
+                    <a16:rowId xmlns:a16="http://schemas.microsoft.com/office/drawing/2014/main" val="3482365603"/>
+                  </a:ext>
+                </a:extLst>
+              </a:tr>
+            </a:tbl>
+          </a:graphicData>
+        </a:graphic>
+      </p:graphicFrame>
+      <p:pic>
+        <p:nvPicPr>
+          <p:cNvPr id="8" name="תמונה 7">
+            <a:extLst>
+              <a:ext uri="{FF2B5EF4-FFF2-40B4-BE49-F238E27FC236}">
+                <a16:creationId xmlns:a16="http://schemas.microsoft.com/office/drawing/2014/main" id="{ABA1BB88-91B0-430A-9D59-535F47E81D57}"/>
+              </a:ext>
+            </a:extLst>
+          </p:cNvPr>
+          <p:cNvPicPr>
+            <a:picLocks noChangeAspect="1"/>
+          </p:cNvPicPr>
+          <p:nvPr/>
+        </p:nvPicPr>
+        <p:blipFill>
+          <a:blip r:embed="rId3"/>
+          <a:stretch>
+            <a:fillRect/>
+          </a:stretch>
+        </p:blipFill>
+        <p:spPr>
+          <a:xfrm>
+            <a:off x="5341659" y="1241533"/>
+            <a:ext cx="5621144" cy="2625628"/>
+          </a:xfrm>
+          <a:prstGeom prst="rect">
+            <a:avLst/>
+          </a:prstGeom>
+        </p:spPr>
+      </p:pic>
+      <p:graphicFrame>
+        <p:nvGraphicFramePr>
+          <p:cNvPr id="9" name="טבלה 6">
+            <a:extLst>
+              <a:ext uri="{FF2B5EF4-FFF2-40B4-BE49-F238E27FC236}">
+                <a16:creationId xmlns:a16="http://schemas.microsoft.com/office/drawing/2014/main" id="{DB4AB3E7-3313-41F7-BBDF-F090AC6974F3}"/>
+              </a:ext>
+            </a:extLst>
+          </p:cNvPr>
+          <p:cNvGraphicFramePr>
+            <a:graphicFrameLocks noGrp="1"/>
+          </p:cNvGraphicFramePr>
+          <p:nvPr>
+            <p:extLst>
+              <p:ext uri="{D42A27DB-BD31-4B8C-83A1-F6EECF244321}">
+                <p14:modId xmlns:p14="http://schemas.microsoft.com/office/powerpoint/2010/main" val="4005579276"/>
+              </p:ext>
+            </p:extLst>
+          </p:nvPr>
+        </p:nvGraphicFramePr>
+        <p:xfrm>
+          <a:off x="5341659" y="4168286"/>
+          <a:ext cx="5989359" cy="1261554"/>
+        </p:xfrm>
+        <a:graphic>
+          <a:graphicData uri="http://schemas.openxmlformats.org/drawingml/2006/table">
+            <a:tbl>
+              <a:tblPr rtl="1" firstRow="1" bandRow="1">
+                <a:tableStyleId>{5C22544A-7EE6-4342-B048-85BDC9FD1C3A}</a:tableStyleId>
+              </a:tblPr>
+              <a:tblGrid>
+                <a:gridCol w="5989359">
+                  <a:extLst>
+                    <a:ext uri="{9D8B030D-6E8A-4147-A177-3AD203B41FA5}">
+                      <a16:colId xmlns:a16="http://schemas.microsoft.com/office/drawing/2014/main" val="674893132"/>
+                    </a:ext>
+                  </a:extLst>
+                </a:gridCol>
+              </a:tblGrid>
+              <a:tr h="1261554">
+                <a:tc>
+                  <a:txBody>
+                    <a:bodyPr/>
+                    <a:lstStyle/>
+                    <a:p>
+                      <a:pPr algn="l" rtl="0"/>
+                      <a:r>
+                        <a:rPr lang="en-US" b="0" dirty="0">
+                          <a:solidFill>
+                            <a:schemeClr val="tx1"/>
+                          </a:solidFill>
+                        </a:rPr>
+                        <a:t>An histogram that describes the top 10 most frequent genres in the data set.</a:t>
+                      </a:r>
+                    </a:p>
+                    <a:p>
+                      <a:pPr algn="l" rtl="0"/>
+                      <a:r>
+                        <a:rPr lang="en-US" b="0" dirty="0">
+                          <a:solidFill>
+                            <a:schemeClr val="tx1"/>
+                          </a:solidFill>
+                        </a:rPr>
+                        <a:t>Romance is most frequent section, followed by non-fiction </a:t>
+                      </a:r>
+                      <a:r>
+                        <a:rPr lang="he-IL" b="0" dirty="0">
+                          <a:solidFill>
+                            <a:schemeClr val="tx1"/>
+                          </a:solidFill>
+                        </a:rPr>
+                        <a:t>(מציאותי)</a:t>
+                      </a:r>
+                    </a:p>
+                  </a:txBody>
+                  <a:tcPr/>
+                </a:tc>
+                <a:extLst>
+                  <a:ext uri="{0D108BD9-81ED-4DB2-BD59-A6C34878D82A}">
+                    <a16:rowId xmlns:a16="http://schemas.microsoft.com/office/drawing/2014/main" val="3482365603"/>
+                  </a:ext>
+                </a:extLst>
+              </a:tr>
+            </a:tbl>
+          </a:graphicData>
+        </a:graphic>
+      </p:graphicFrame>
       <p:grpSp>
         <p:nvGrpSpPr>
-          <p:cNvPr id="20" name="קבוצה 19">
+          <p:cNvPr id="24" name="קבוצה 23">
             <a:extLst>
               <a:ext uri="{FF2B5EF4-FFF2-40B4-BE49-F238E27FC236}">
-                <a16:creationId xmlns:a16="http://schemas.microsoft.com/office/drawing/2014/main" id="{9901ACA1-EDC7-4F57-8A9F-0C9416342355}"/>
+                <a16:creationId xmlns:a16="http://schemas.microsoft.com/office/drawing/2014/main" id="{88D72BBB-4320-46F7-A6DD-695EA1510141}"/>
               </a:ext>
             </a:extLst>
           </p:cNvPr>
@@ -13890,18 +19008,21 @@
         </p:nvGrpSpPr>
         <p:grpSpPr>
           <a:xfrm>
-            <a:off x="9129" y="6071648"/>
-            <a:ext cx="2821781" cy="786352"/>
-            <a:chOff x="4564" y="0"/>
-            <a:chExt cx="2821781" cy="786352"/>
+            <a:off x="8842746" y="6061142"/>
+            <a:ext cx="3344690" cy="786352"/>
+            <a:chOff x="9034264" y="0"/>
+            <a:chExt cx="3153171" cy="786352"/>
           </a:xfrm>
+          <a:solidFill>
+            <a:schemeClr val="accent1"/>
+          </a:solidFill>
         </p:grpSpPr>
         <p:sp>
           <p:nvSpPr>
-            <p:cNvPr id="21" name="חץ: סוגר זוויתי 20">
+            <p:cNvPr id="25" name="חץ: מחומש 24">
               <a:extLst>
                 <a:ext uri="{FF2B5EF4-FFF2-40B4-BE49-F238E27FC236}">
-                  <a16:creationId xmlns:a16="http://schemas.microsoft.com/office/drawing/2014/main" id="{B7BD41DF-93D4-4E3B-9B21-7FB448C7BFD2}"/>
+                  <a16:creationId xmlns:a16="http://schemas.microsoft.com/office/drawing/2014/main" id="{BD08A1E1-7DAC-497A-891E-23F523168AAD}"/>
                 </a:ext>
               </a:extLst>
             </p:cNvPr>
@@ -13910,7 +19031,422 @@
           </p:nvSpPr>
           <p:spPr>
             <a:xfrm rot="10800000">
-              <a:off x="4564" y="0"/>
+              <a:off x="9034264" y="0"/>
+              <a:ext cx="3153171" cy="786352"/>
+            </a:xfrm>
+            <a:prstGeom prst="homePlate">
+              <a:avLst/>
+            </a:prstGeom>
+            <a:grpFill/>
+          </p:spPr>
+          <p:style>
+            <a:lnRef idx="2">
+              <a:schemeClr val="lt1">
+                <a:hueOff val="0"/>
+                <a:satOff val="0"/>
+                <a:lumOff val="0"/>
+                <a:alphaOff val="0"/>
+              </a:schemeClr>
+            </a:lnRef>
+            <a:fillRef idx="1">
+              <a:scrgbClr r="0" g="0" b="0"/>
+            </a:fillRef>
+            <a:effectRef idx="0">
+              <a:schemeClr val="accent1">
+                <a:hueOff val="0"/>
+                <a:satOff val="0"/>
+                <a:lumOff val="0"/>
+                <a:alphaOff val="0"/>
+              </a:schemeClr>
+            </a:effectRef>
+            <a:fontRef idx="minor">
+              <a:schemeClr val="lt1"/>
+            </a:fontRef>
+          </p:style>
+        </p:sp>
+        <p:sp>
+          <p:nvSpPr>
+            <p:cNvPr id="26" name="חץ: מחומש 4">
+              <a:extLst>
+                <a:ext uri="{FF2B5EF4-FFF2-40B4-BE49-F238E27FC236}">
+                  <a16:creationId xmlns:a16="http://schemas.microsoft.com/office/drawing/2014/main" id="{EBD9DBF0-B5C9-4811-9A86-19F04980A7E7}"/>
+                </a:ext>
+              </a:extLst>
+            </p:cNvPr>
+            <p:cNvSpPr txBox="1"/>
+            <p:nvPr/>
+          </p:nvSpPr>
+          <p:spPr>
+            <a:xfrm>
+              <a:off x="9230852" y="0"/>
+              <a:ext cx="2956583" cy="786352"/>
+            </a:xfrm>
+            <a:prstGeom prst="rect">
+              <a:avLst/>
+            </a:prstGeom>
+            <a:noFill/>
+            <a:ln>
+              <a:noFill/>
+            </a:ln>
+          </p:spPr>
+          <p:style>
+            <a:lnRef idx="0">
+              <a:scrgbClr r="0" g="0" b="0"/>
+            </a:lnRef>
+            <a:fillRef idx="0">
+              <a:scrgbClr r="0" g="0" b="0"/>
+            </a:fillRef>
+            <a:effectRef idx="0">
+              <a:scrgbClr r="0" g="0" b="0"/>
+            </a:effectRef>
+            <a:fontRef idx="minor">
+              <a:schemeClr val="lt1"/>
+            </a:fontRef>
+          </p:style>
+          <p:txBody>
+            <a:bodyPr spcFirstLastPara="0" vert="horz" wrap="square" lIns="29337" tIns="58674" rIns="117348" bIns="58674" numCol="1" spcCol="1270" anchor="ctr" anchorCtr="0">
+              <a:noAutofit/>
+            </a:bodyPr>
+            <a:lstStyle/>
+            <a:p>
+              <a:pPr marL="0" lvl="0" indent="0" algn="ctr" defTabSz="977900" rtl="1">
+                <a:lnSpc>
+                  <a:spcPct val="90000"/>
+                </a:lnSpc>
+                <a:spcBef>
+                  <a:spcPct val="0"/>
+                </a:spcBef>
+                <a:spcAft>
+                  <a:spcPct val="35000"/>
+                </a:spcAft>
+                <a:buNone/>
+              </a:pPr>
+              <a:r>
+                <a:rPr lang="en-US" sz="2200" kern="1200" dirty="0"/>
+                <a:t>Data</a:t>
+              </a:r>
+              <a:r>
+                <a:rPr lang="en-US" sz="2400" kern="1200" dirty="0"/>
+                <a:t> Acquisition</a:t>
+              </a:r>
+              <a:endParaRPr lang="he-IL" sz="2400" kern="1200" dirty="0"/>
+            </a:p>
+          </p:txBody>
+        </p:sp>
+      </p:grpSp>
+      <p:grpSp>
+        <p:nvGrpSpPr>
+          <p:cNvPr id="27" name="קבוצה 26">
+            <a:extLst>
+              <a:ext uri="{FF2B5EF4-FFF2-40B4-BE49-F238E27FC236}">
+                <a16:creationId xmlns:a16="http://schemas.microsoft.com/office/drawing/2014/main" id="{9F7BE74B-6023-4177-9A40-C2BB7943B7A6}"/>
+              </a:ext>
+            </a:extLst>
+          </p:cNvPr>
+          <p:cNvGrpSpPr/>
+          <p:nvPr/>
+        </p:nvGrpSpPr>
+        <p:grpSpPr>
+          <a:xfrm>
+            <a:off x="6445449" y="6061142"/>
+            <a:ext cx="2785403" cy="786352"/>
+            <a:chOff x="6776839" y="0"/>
+            <a:chExt cx="2821781" cy="786352"/>
+          </a:xfrm>
+          <a:solidFill>
+            <a:schemeClr val="accent5"/>
+          </a:solidFill>
+        </p:grpSpPr>
+        <p:sp>
+          <p:nvSpPr>
+            <p:cNvPr id="28" name="חץ: סוגר זוויתי 27">
+              <a:extLst>
+                <a:ext uri="{FF2B5EF4-FFF2-40B4-BE49-F238E27FC236}">
+                  <a16:creationId xmlns:a16="http://schemas.microsoft.com/office/drawing/2014/main" id="{0340C153-8340-47B6-8BBF-813CF4A7CD12}"/>
+                </a:ext>
+              </a:extLst>
+            </p:cNvPr>
+            <p:cNvSpPr/>
+            <p:nvPr/>
+          </p:nvSpPr>
+          <p:spPr>
+            <a:xfrm rot="10800000">
+              <a:off x="6776839" y="0"/>
+              <a:ext cx="2821781" cy="786352"/>
+            </a:xfrm>
+            <a:prstGeom prst="chevron">
+              <a:avLst/>
+            </a:prstGeom>
+            <a:grpFill/>
+          </p:spPr>
+          <p:style>
+            <a:lnRef idx="2">
+              <a:schemeClr val="lt1">
+                <a:hueOff val="0"/>
+                <a:satOff val="0"/>
+                <a:lumOff val="0"/>
+                <a:alphaOff val="0"/>
+              </a:schemeClr>
+            </a:lnRef>
+            <a:fillRef idx="1">
+              <a:schemeClr val="accent1">
+                <a:hueOff val="0"/>
+                <a:satOff val="0"/>
+                <a:lumOff val="0"/>
+                <a:alphaOff val="0"/>
+              </a:schemeClr>
+            </a:fillRef>
+            <a:effectRef idx="0">
+              <a:schemeClr val="accent1">
+                <a:hueOff val="0"/>
+                <a:satOff val="0"/>
+                <a:lumOff val="0"/>
+                <a:alphaOff val="0"/>
+              </a:schemeClr>
+            </a:effectRef>
+            <a:fontRef idx="minor">
+              <a:schemeClr val="lt1"/>
+            </a:fontRef>
+          </p:style>
+        </p:sp>
+        <p:sp>
+          <p:nvSpPr>
+            <p:cNvPr id="29" name="חץ: סוגר זוויתי 6">
+              <a:extLst>
+                <a:ext uri="{FF2B5EF4-FFF2-40B4-BE49-F238E27FC236}">
+                  <a16:creationId xmlns:a16="http://schemas.microsoft.com/office/drawing/2014/main" id="{24F3EC28-3F2C-4F48-912A-D91044A0D8AE}"/>
+                </a:ext>
+              </a:extLst>
+            </p:cNvPr>
+            <p:cNvSpPr txBox="1"/>
+            <p:nvPr/>
+          </p:nvSpPr>
+          <p:spPr>
+            <a:xfrm rot="21600000">
+              <a:off x="7170015" y="0"/>
+              <a:ext cx="2035429" cy="786352"/>
+            </a:xfrm>
+            <a:prstGeom prst="rect">
+              <a:avLst/>
+            </a:prstGeom>
+            <a:noFill/>
+          </p:spPr>
+          <p:style>
+            <a:lnRef idx="0">
+              <a:scrgbClr r="0" g="0" b="0"/>
+            </a:lnRef>
+            <a:fillRef idx="0">
+              <a:scrgbClr r="0" g="0" b="0"/>
+            </a:fillRef>
+            <a:effectRef idx="0">
+              <a:scrgbClr r="0" g="0" b="0"/>
+            </a:effectRef>
+            <a:fontRef idx="minor">
+              <a:schemeClr val="lt1"/>
+            </a:fontRef>
+          </p:style>
+          <p:txBody>
+            <a:bodyPr spcFirstLastPara="0" vert="horz" wrap="square" lIns="29337" tIns="58674" rIns="88011" bIns="58674" numCol="1" spcCol="1270" anchor="ctr" anchorCtr="0">
+              <a:noAutofit/>
+            </a:bodyPr>
+            <a:lstStyle/>
+            <a:p>
+              <a:pPr marL="0" lvl="0" indent="0" algn="ctr" defTabSz="977900" rtl="1">
+                <a:lnSpc>
+                  <a:spcPct val="90000"/>
+                </a:lnSpc>
+                <a:spcBef>
+                  <a:spcPct val="0"/>
+                </a:spcBef>
+                <a:spcAft>
+                  <a:spcPct val="35000"/>
+                </a:spcAft>
+                <a:buNone/>
+              </a:pPr>
+              <a:r>
+                <a:rPr lang="en-US" sz="2200" kern="1200"/>
+                <a:t>EDA</a:t>
+              </a:r>
+              <a:endParaRPr lang="he-IL" sz="2200" kern="1200" dirty="0"/>
+            </a:p>
+          </p:txBody>
+        </p:sp>
+      </p:grpSp>
+      <p:grpSp>
+        <p:nvGrpSpPr>
+          <p:cNvPr id="30" name="קבוצה 29">
+            <a:extLst>
+              <a:ext uri="{FF2B5EF4-FFF2-40B4-BE49-F238E27FC236}">
+                <a16:creationId xmlns:a16="http://schemas.microsoft.com/office/drawing/2014/main" id="{88AC9744-E72B-4FC7-9AF5-22C0237ABADB}"/>
+              </a:ext>
+            </a:extLst>
+          </p:cNvPr>
+          <p:cNvGrpSpPr/>
+          <p:nvPr/>
+        </p:nvGrpSpPr>
+        <p:grpSpPr>
+          <a:xfrm>
+            <a:off x="3326861" y="6061142"/>
+            <a:ext cx="3569810" cy="786352"/>
+            <a:chOff x="4519414" y="0"/>
+            <a:chExt cx="2821781" cy="786352"/>
+          </a:xfrm>
+          <a:solidFill>
+            <a:schemeClr val="accent5"/>
+          </a:solidFill>
+        </p:grpSpPr>
+        <p:sp>
+          <p:nvSpPr>
+            <p:cNvPr id="31" name="חץ: סוגר זוויתי 30">
+              <a:extLst>
+                <a:ext uri="{FF2B5EF4-FFF2-40B4-BE49-F238E27FC236}">
+                  <a16:creationId xmlns:a16="http://schemas.microsoft.com/office/drawing/2014/main" id="{F6E94E6E-55A9-4C09-B2E8-B0077DC04B90}"/>
+                </a:ext>
+              </a:extLst>
+            </p:cNvPr>
+            <p:cNvSpPr/>
+            <p:nvPr/>
+          </p:nvSpPr>
+          <p:spPr>
+            <a:xfrm rot="10800000">
+              <a:off x="4519414" y="0"/>
+              <a:ext cx="2821781" cy="786352"/>
+            </a:xfrm>
+            <a:prstGeom prst="chevron">
+              <a:avLst/>
+            </a:prstGeom>
+            <a:solidFill>
+              <a:schemeClr val="accent1"/>
+            </a:solidFill>
+          </p:spPr>
+          <p:style>
+            <a:lnRef idx="2">
+              <a:schemeClr val="lt1">
+                <a:hueOff val="0"/>
+                <a:satOff val="0"/>
+                <a:lumOff val="0"/>
+                <a:alphaOff val="0"/>
+              </a:schemeClr>
+            </a:lnRef>
+            <a:fillRef idx="1">
+              <a:schemeClr val="accent1">
+                <a:hueOff val="0"/>
+                <a:satOff val="0"/>
+                <a:lumOff val="0"/>
+                <a:alphaOff val="0"/>
+              </a:schemeClr>
+            </a:fillRef>
+            <a:effectRef idx="0">
+              <a:schemeClr val="accent1">
+                <a:hueOff val="0"/>
+                <a:satOff val="0"/>
+                <a:lumOff val="0"/>
+                <a:alphaOff val="0"/>
+              </a:schemeClr>
+            </a:effectRef>
+            <a:fontRef idx="minor">
+              <a:schemeClr val="lt1"/>
+            </a:fontRef>
+          </p:style>
+        </p:sp>
+        <p:sp>
+          <p:nvSpPr>
+            <p:cNvPr id="32" name="חץ: סוגר זוויתי 8">
+              <a:extLst>
+                <a:ext uri="{FF2B5EF4-FFF2-40B4-BE49-F238E27FC236}">
+                  <a16:creationId xmlns:a16="http://schemas.microsoft.com/office/drawing/2014/main" id="{1F4709E8-F7CC-46A2-9DB1-4685D1470805}"/>
+                </a:ext>
+              </a:extLst>
+            </p:cNvPr>
+            <p:cNvSpPr txBox="1"/>
+            <p:nvPr/>
+          </p:nvSpPr>
+          <p:spPr>
+            <a:xfrm rot="21600000">
+              <a:off x="4912590" y="0"/>
+              <a:ext cx="2035429" cy="786352"/>
+            </a:xfrm>
+            <a:prstGeom prst="rect">
+              <a:avLst/>
+            </a:prstGeom>
+            <a:noFill/>
+          </p:spPr>
+          <p:style>
+            <a:lnRef idx="0">
+              <a:scrgbClr r="0" g="0" b="0"/>
+            </a:lnRef>
+            <a:fillRef idx="0">
+              <a:scrgbClr r="0" g="0" b="0"/>
+            </a:fillRef>
+            <a:effectRef idx="0">
+              <a:scrgbClr r="0" g="0" b="0"/>
+            </a:effectRef>
+            <a:fontRef idx="minor">
+              <a:schemeClr val="lt1"/>
+            </a:fontRef>
+          </p:style>
+          <p:txBody>
+            <a:bodyPr spcFirstLastPara="0" vert="horz" wrap="square" lIns="29337" tIns="58674" rIns="88011" bIns="58674" numCol="1" spcCol="1270" anchor="ctr" anchorCtr="0">
+              <a:noAutofit/>
+            </a:bodyPr>
+            <a:lstStyle/>
+            <a:p>
+              <a:pPr marL="0" lvl="0" indent="0" algn="ctr" defTabSz="977900" rtl="1">
+                <a:lnSpc>
+                  <a:spcPct val="90000"/>
+                </a:lnSpc>
+                <a:spcBef>
+                  <a:spcPct val="0"/>
+                </a:spcBef>
+                <a:spcAft>
+                  <a:spcPct val="35000"/>
+                </a:spcAft>
+                <a:buNone/>
+              </a:pPr>
+              <a:r>
+                <a:rPr lang="en-US" sz="2200" kern="1200" dirty="0"/>
+                <a:t>Machine Learning</a:t>
+              </a:r>
+              <a:endParaRPr lang="he-IL" sz="2200" kern="1200" dirty="0"/>
+            </a:p>
+          </p:txBody>
+        </p:sp>
+      </p:grpSp>
+      <p:grpSp>
+        <p:nvGrpSpPr>
+          <p:cNvPr id="33" name="קבוצה 32">
+            <a:extLst>
+              <a:ext uri="{FF2B5EF4-FFF2-40B4-BE49-F238E27FC236}">
+                <a16:creationId xmlns:a16="http://schemas.microsoft.com/office/drawing/2014/main" id="{2D371DA3-A34E-466A-B661-57ABCE305CB2}"/>
+              </a:ext>
+            </a:extLst>
+          </p:cNvPr>
+          <p:cNvGrpSpPr/>
+          <p:nvPr/>
+        </p:nvGrpSpPr>
+        <p:grpSpPr>
+          <a:xfrm>
+            <a:off x="4563" y="6071648"/>
+            <a:ext cx="3730858" cy="786352"/>
+            <a:chOff x="2261989" y="0"/>
+            <a:chExt cx="2821781" cy="786352"/>
+          </a:xfrm>
+        </p:grpSpPr>
+        <p:sp>
+          <p:nvSpPr>
+            <p:cNvPr id="34" name="חץ: סוגר זוויתי 33">
+              <a:extLst>
+                <a:ext uri="{FF2B5EF4-FFF2-40B4-BE49-F238E27FC236}">
+                  <a16:creationId xmlns:a16="http://schemas.microsoft.com/office/drawing/2014/main" id="{6D44CB11-38D8-4C47-B6F6-32F8BD427598}"/>
+                </a:ext>
+              </a:extLst>
+            </p:cNvPr>
+            <p:cNvSpPr/>
+            <p:nvPr/>
+          </p:nvSpPr>
+          <p:spPr>
+            <a:xfrm rot="10800000">
+              <a:off x="2261989" y="0"/>
               <a:ext cx="2821781" cy="786352"/>
             </a:xfrm>
             <a:prstGeom prst="chevron">
@@ -13949,10 +19485,10 @@
         </p:sp>
         <p:sp>
           <p:nvSpPr>
-            <p:cNvPr id="22" name="חץ: סוגר זוויתי 12">
+            <p:cNvPr id="35" name="חץ: סוגר זוויתי 10">
               <a:extLst>
                 <a:ext uri="{FF2B5EF4-FFF2-40B4-BE49-F238E27FC236}">
-                  <a16:creationId xmlns:a16="http://schemas.microsoft.com/office/drawing/2014/main" id="{14D9FC6A-65FA-4551-B634-2F0892F35E7D}"/>
+                  <a16:creationId xmlns:a16="http://schemas.microsoft.com/office/drawing/2014/main" id="{8DBED817-EAAD-4CF8-B554-93BB3C9313D7}"/>
                 </a:ext>
               </a:extLst>
             </p:cNvPr>
@@ -13961,7 +19497,7 @@
           </p:nvSpPr>
           <p:spPr>
             <a:xfrm rot="21600000">
-              <a:off x="397740" y="0"/>
+              <a:off x="2655165" y="0"/>
               <a:ext cx="2035429" cy="786352"/>
             </a:xfrm>
             <a:prstGeom prst="rect">
@@ -14002,7 +19538,7 @@
               </a:pPr>
               <a:r>
                 <a:rPr lang="en-US" sz="2200" kern="1200" dirty="0"/>
-                <a:t>WOW EFFECT</a:t>
+                <a:t>Conclusions</a:t>
               </a:r>
               <a:endParaRPr lang="he-IL" sz="2200" kern="1200" dirty="0"/>
             </a:p>
@@ -14013,6 +19549,1701 @@
     <p:extLst>
       <p:ext uri="{BB962C8B-B14F-4D97-AF65-F5344CB8AC3E}">
         <p14:creationId xmlns:p14="http://schemas.microsoft.com/office/powerpoint/2010/main" val="2414936866"/>
+      </p:ext>
+    </p:extLst>
+  </p:cSld>
+  <p:clrMapOvr>
+    <a:masterClrMapping/>
+  </p:clrMapOvr>
+</p:sld>
+</file>
+
+<file path=ppt/slides/slide8.xml><?xml version="1.0" encoding="utf-8"?>
+<p:sld xmlns:a="http://schemas.openxmlformats.org/drawingml/2006/main" xmlns:r="http://schemas.openxmlformats.org/officeDocument/2006/relationships" xmlns:p="http://schemas.openxmlformats.org/presentationml/2006/main">
+  <p:cSld>
+    <p:spTree>
+      <p:nvGrpSpPr>
+        <p:cNvPr id="1" name=""/>
+        <p:cNvGrpSpPr/>
+        <p:nvPr/>
+      </p:nvGrpSpPr>
+      <p:grpSpPr>
+        <a:xfrm>
+          <a:off x="0" y="0"/>
+          <a:ext cx="0" cy="0"/>
+          <a:chOff x="0" y="0"/>
+          <a:chExt cx="0" cy="0"/>
+        </a:xfrm>
+      </p:grpSpPr>
+      <p:pic>
+        <p:nvPicPr>
+          <p:cNvPr id="3" name="תמונה 2">
+            <a:extLst>
+              <a:ext uri="{FF2B5EF4-FFF2-40B4-BE49-F238E27FC236}">
+                <a16:creationId xmlns:a16="http://schemas.microsoft.com/office/drawing/2014/main" id="{19BAD894-4A85-4307-9189-399F6A1EE023}"/>
+              </a:ext>
+            </a:extLst>
+          </p:cNvPr>
+          <p:cNvPicPr>
+            <a:picLocks noChangeAspect="1"/>
+          </p:cNvPicPr>
+          <p:nvPr/>
+        </p:nvPicPr>
+        <p:blipFill>
+          <a:blip r:embed="rId2"/>
+          <a:stretch>
+            <a:fillRect/>
+          </a:stretch>
+        </p:blipFill>
+        <p:spPr>
+          <a:xfrm>
+            <a:off x="543861" y="702862"/>
+            <a:ext cx="4156065" cy="3529936"/>
+          </a:xfrm>
+          <a:prstGeom prst="rect">
+            <a:avLst/>
+          </a:prstGeom>
+        </p:spPr>
+      </p:pic>
+      <p:graphicFrame>
+        <p:nvGraphicFramePr>
+          <p:cNvPr id="4" name="טבלה 4">
+            <a:extLst>
+              <a:ext uri="{FF2B5EF4-FFF2-40B4-BE49-F238E27FC236}">
+                <a16:creationId xmlns:a16="http://schemas.microsoft.com/office/drawing/2014/main" id="{E7443403-E49C-49FE-BB08-97CCAF4AA291}"/>
+              </a:ext>
+            </a:extLst>
+          </p:cNvPr>
+          <p:cNvGraphicFramePr>
+            <a:graphicFrameLocks noGrp="1"/>
+          </p:cNvGraphicFramePr>
+          <p:nvPr>
+            <p:extLst>
+              <p:ext uri="{D42A27DB-BD31-4B8C-83A1-F6EECF244321}">
+                <p14:modId xmlns:p14="http://schemas.microsoft.com/office/powerpoint/2010/main" val="776706955"/>
+              </p:ext>
+            </p:extLst>
+          </p:nvPr>
+        </p:nvGraphicFramePr>
+        <p:xfrm>
+          <a:off x="543861" y="4581545"/>
+          <a:ext cx="4175520" cy="1060498"/>
+        </p:xfrm>
+        <a:graphic>
+          <a:graphicData uri="http://schemas.openxmlformats.org/drawingml/2006/table">
+            <a:tbl>
+              <a:tblPr rtl="1" firstRow="1" bandRow="1">
+                <a:tableStyleId>{5C22544A-7EE6-4342-B048-85BDC9FD1C3A}</a:tableStyleId>
+              </a:tblPr>
+              <a:tblGrid>
+                <a:gridCol w="4175520">
+                  <a:extLst>
+                    <a:ext uri="{9D8B030D-6E8A-4147-A177-3AD203B41FA5}">
+                      <a16:colId xmlns:a16="http://schemas.microsoft.com/office/drawing/2014/main" val="1229743011"/>
+                    </a:ext>
+                  </a:extLst>
+                </a:gridCol>
+              </a:tblGrid>
+              <a:tr h="1060498">
+                <a:tc>
+                  <a:txBody>
+                    <a:bodyPr/>
+                    <a:lstStyle/>
+                    <a:p>
+                      <a:pPr algn="l" rtl="1"/>
+                      <a:r>
+                        <a:rPr lang="en-US" b="0" dirty="0"/>
+                        <a:t>Higher number of pages doesn't reflect a better book at all, as there is no apparent correlation. </a:t>
+                      </a:r>
+                      <a:endParaRPr lang="he-IL" b="0" dirty="0"/>
+                    </a:p>
+                  </a:txBody>
+                  <a:tcPr>
+                    <a:solidFill>
+                      <a:schemeClr val="accent1">
+                        <a:hueOff val="0"/>
+                        <a:satOff val="0"/>
+                        <a:lumOff val="0"/>
+                      </a:schemeClr>
+                    </a:solidFill>
+                  </a:tcPr>
+                </a:tc>
+                <a:extLst>
+                  <a:ext uri="{0D108BD9-81ED-4DB2-BD59-A6C34878D82A}">
+                    <a16:rowId xmlns:a16="http://schemas.microsoft.com/office/drawing/2014/main" val="2585515191"/>
+                  </a:ext>
+                </a:extLst>
+              </a:tr>
+            </a:tbl>
+          </a:graphicData>
+        </a:graphic>
+      </p:graphicFrame>
+      <p:grpSp>
+        <p:nvGrpSpPr>
+          <p:cNvPr id="5" name="קבוצה 4">
+            <a:extLst>
+              <a:ext uri="{FF2B5EF4-FFF2-40B4-BE49-F238E27FC236}">
+                <a16:creationId xmlns:a16="http://schemas.microsoft.com/office/drawing/2014/main" id="{E45D7977-B097-4226-93D8-5D096FA71147}"/>
+              </a:ext>
+            </a:extLst>
+          </p:cNvPr>
+          <p:cNvGrpSpPr/>
+          <p:nvPr/>
+        </p:nvGrpSpPr>
+        <p:grpSpPr>
+          <a:xfrm>
+            <a:off x="8842746" y="6061142"/>
+            <a:ext cx="3344690" cy="786352"/>
+            <a:chOff x="9034264" y="0"/>
+            <a:chExt cx="3153171" cy="786352"/>
+          </a:xfrm>
+          <a:solidFill>
+            <a:schemeClr val="accent1"/>
+          </a:solidFill>
+        </p:grpSpPr>
+        <p:sp>
+          <p:nvSpPr>
+            <p:cNvPr id="6" name="חץ: מחומש 5">
+              <a:extLst>
+                <a:ext uri="{FF2B5EF4-FFF2-40B4-BE49-F238E27FC236}">
+                  <a16:creationId xmlns:a16="http://schemas.microsoft.com/office/drawing/2014/main" id="{6CEFF24C-AE73-49E9-82CF-950D49E15C56}"/>
+                </a:ext>
+              </a:extLst>
+            </p:cNvPr>
+            <p:cNvSpPr/>
+            <p:nvPr/>
+          </p:nvSpPr>
+          <p:spPr>
+            <a:xfrm rot="10800000">
+              <a:off x="9034264" y="0"/>
+              <a:ext cx="3153171" cy="786352"/>
+            </a:xfrm>
+            <a:prstGeom prst="homePlate">
+              <a:avLst/>
+            </a:prstGeom>
+            <a:grpFill/>
+          </p:spPr>
+          <p:style>
+            <a:lnRef idx="2">
+              <a:schemeClr val="lt1">
+                <a:hueOff val="0"/>
+                <a:satOff val="0"/>
+                <a:lumOff val="0"/>
+                <a:alphaOff val="0"/>
+              </a:schemeClr>
+            </a:lnRef>
+            <a:fillRef idx="1">
+              <a:scrgbClr r="0" g="0" b="0"/>
+            </a:fillRef>
+            <a:effectRef idx="0">
+              <a:schemeClr val="accent1">
+                <a:hueOff val="0"/>
+                <a:satOff val="0"/>
+                <a:lumOff val="0"/>
+                <a:alphaOff val="0"/>
+              </a:schemeClr>
+            </a:effectRef>
+            <a:fontRef idx="minor">
+              <a:schemeClr val="lt1"/>
+            </a:fontRef>
+          </p:style>
+        </p:sp>
+        <p:sp>
+          <p:nvSpPr>
+            <p:cNvPr id="7" name="חץ: מחומש 4">
+              <a:extLst>
+                <a:ext uri="{FF2B5EF4-FFF2-40B4-BE49-F238E27FC236}">
+                  <a16:creationId xmlns:a16="http://schemas.microsoft.com/office/drawing/2014/main" id="{789719BD-2CDA-4AB6-83BB-C54E72C9F8D9}"/>
+                </a:ext>
+              </a:extLst>
+            </p:cNvPr>
+            <p:cNvSpPr txBox="1"/>
+            <p:nvPr/>
+          </p:nvSpPr>
+          <p:spPr>
+            <a:xfrm>
+              <a:off x="9230852" y="0"/>
+              <a:ext cx="2956583" cy="786352"/>
+            </a:xfrm>
+            <a:prstGeom prst="rect">
+              <a:avLst/>
+            </a:prstGeom>
+            <a:noFill/>
+            <a:ln>
+              <a:noFill/>
+            </a:ln>
+          </p:spPr>
+          <p:style>
+            <a:lnRef idx="0">
+              <a:scrgbClr r="0" g="0" b="0"/>
+            </a:lnRef>
+            <a:fillRef idx="0">
+              <a:scrgbClr r="0" g="0" b="0"/>
+            </a:fillRef>
+            <a:effectRef idx="0">
+              <a:scrgbClr r="0" g="0" b="0"/>
+            </a:effectRef>
+            <a:fontRef idx="minor">
+              <a:schemeClr val="lt1"/>
+            </a:fontRef>
+          </p:style>
+          <p:txBody>
+            <a:bodyPr spcFirstLastPara="0" vert="horz" wrap="square" lIns="29337" tIns="58674" rIns="117348" bIns="58674" numCol="1" spcCol="1270" anchor="ctr" anchorCtr="0">
+              <a:noAutofit/>
+            </a:bodyPr>
+            <a:lstStyle/>
+            <a:p>
+              <a:pPr marL="0" lvl="0" indent="0" algn="ctr" defTabSz="977900" rtl="1">
+                <a:lnSpc>
+                  <a:spcPct val="90000"/>
+                </a:lnSpc>
+                <a:spcBef>
+                  <a:spcPct val="0"/>
+                </a:spcBef>
+                <a:spcAft>
+                  <a:spcPct val="35000"/>
+                </a:spcAft>
+                <a:buNone/>
+              </a:pPr>
+              <a:r>
+                <a:rPr lang="en-US" sz="2200" kern="1200" dirty="0"/>
+                <a:t>Data</a:t>
+              </a:r>
+              <a:r>
+                <a:rPr lang="en-US" sz="2400" kern="1200" dirty="0"/>
+                <a:t> Acquisition</a:t>
+              </a:r>
+              <a:endParaRPr lang="he-IL" sz="2400" kern="1200" dirty="0"/>
+            </a:p>
+          </p:txBody>
+        </p:sp>
+      </p:grpSp>
+      <p:grpSp>
+        <p:nvGrpSpPr>
+          <p:cNvPr id="8" name="קבוצה 7">
+            <a:extLst>
+              <a:ext uri="{FF2B5EF4-FFF2-40B4-BE49-F238E27FC236}">
+                <a16:creationId xmlns:a16="http://schemas.microsoft.com/office/drawing/2014/main" id="{63F20DE7-12EB-43AA-BFB2-246A8D191F28}"/>
+              </a:ext>
+            </a:extLst>
+          </p:cNvPr>
+          <p:cNvGrpSpPr/>
+          <p:nvPr/>
+        </p:nvGrpSpPr>
+        <p:grpSpPr>
+          <a:xfrm>
+            <a:off x="6445449" y="6061142"/>
+            <a:ext cx="2785403" cy="786352"/>
+            <a:chOff x="6776839" y="0"/>
+            <a:chExt cx="2821781" cy="786352"/>
+          </a:xfrm>
+          <a:solidFill>
+            <a:schemeClr val="accent5"/>
+          </a:solidFill>
+        </p:grpSpPr>
+        <p:sp>
+          <p:nvSpPr>
+            <p:cNvPr id="9" name="חץ: סוגר זוויתי 8">
+              <a:extLst>
+                <a:ext uri="{FF2B5EF4-FFF2-40B4-BE49-F238E27FC236}">
+                  <a16:creationId xmlns:a16="http://schemas.microsoft.com/office/drawing/2014/main" id="{421334B9-A214-4DBA-B37F-B56331BB2BBD}"/>
+                </a:ext>
+              </a:extLst>
+            </p:cNvPr>
+            <p:cNvSpPr/>
+            <p:nvPr/>
+          </p:nvSpPr>
+          <p:spPr>
+            <a:xfrm rot="10800000">
+              <a:off x="6776839" y="0"/>
+              <a:ext cx="2821781" cy="786352"/>
+            </a:xfrm>
+            <a:prstGeom prst="chevron">
+              <a:avLst/>
+            </a:prstGeom>
+            <a:grpFill/>
+          </p:spPr>
+          <p:style>
+            <a:lnRef idx="2">
+              <a:schemeClr val="lt1">
+                <a:hueOff val="0"/>
+                <a:satOff val="0"/>
+                <a:lumOff val="0"/>
+                <a:alphaOff val="0"/>
+              </a:schemeClr>
+            </a:lnRef>
+            <a:fillRef idx="1">
+              <a:schemeClr val="accent1">
+                <a:hueOff val="0"/>
+                <a:satOff val="0"/>
+                <a:lumOff val="0"/>
+                <a:alphaOff val="0"/>
+              </a:schemeClr>
+            </a:fillRef>
+            <a:effectRef idx="0">
+              <a:schemeClr val="accent1">
+                <a:hueOff val="0"/>
+                <a:satOff val="0"/>
+                <a:lumOff val="0"/>
+                <a:alphaOff val="0"/>
+              </a:schemeClr>
+            </a:effectRef>
+            <a:fontRef idx="minor">
+              <a:schemeClr val="lt1"/>
+            </a:fontRef>
+          </p:style>
+        </p:sp>
+        <p:sp>
+          <p:nvSpPr>
+            <p:cNvPr id="10" name="חץ: סוגר זוויתי 6">
+              <a:extLst>
+                <a:ext uri="{FF2B5EF4-FFF2-40B4-BE49-F238E27FC236}">
+                  <a16:creationId xmlns:a16="http://schemas.microsoft.com/office/drawing/2014/main" id="{ABEC3B78-3F2F-4BD0-8BC6-59406EDDF7EA}"/>
+                </a:ext>
+              </a:extLst>
+            </p:cNvPr>
+            <p:cNvSpPr txBox="1"/>
+            <p:nvPr/>
+          </p:nvSpPr>
+          <p:spPr>
+            <a:xfrm rot="21600000">
+              <a:off x="7170015" y="0"/>
+              <a:ext cx="2035429" cy="786352"/>
+            </a:xfrm>
+            <a:prstGeom prst="rect">
+              <a:avLst/>
+            </a:prstGeom>
+            <a:noFill/>
+          </p:spPr>
+          <p:style>
+            <a:lnRef idx="0">
+              <a:scrgbClr r="0" g="0" b="0"/>
+            </a:lnRef>
+            <a:fillRef idx="0">
+              <a:scrgbClr r="0" g="0" b="0"/>
+            </a:fillRef>
+            <a:effectRef idx="0">
+              <a:scrgbClr r="0" g="0" b="0"/>
+            </a:effectRef>
+            <a:fontRef idx="minor">
+              <a:schemeClr val="lt1"/>
+            </a:fontRef>
+          </p:style>
+          <p:txBody>
+            <a:bodyPr spcFirstLastPara="0" vert="horz" wrap="square" lIns="29337" tIns="58674" rIns="88011" bIns="58674" numCol="1" spcCol="1270" anchor="ctr" anchorCtr="0">
+              <a:noAutofit/>
+            </a:bodyPr>
+            <a:lstStyle/>
+            <a:p>
+              <a:pPr marL="0" lvl="0" indent="0" algn="ctr" defTabSz="977900" rtl="1">
+                <a:lnSpc>
+                  <a:spcPct val="90000"/>
+                </a:lnSpc>
+                <a:spcBef>
+                  <a:spcPct val="0"/>
+                </a:spcBef>
+                <a:spcAft>
+                  <a:spcPct val="35000"/>
+                </a:spcAft>
+                <a:buNone/>
+              </a:pPr>
+              <a:r>
+                <a:rPr lang="en-US" sz="2200" kern="1200"/>
+                <a:t>EDA</a:t>
+              </a:r>
+              <a:endParaRPr lang="he-IL" sz="2200" kern="1200" dirty="0"/>
+            </a:p>
+          </p:txBody>
+        </p:sp>
+      </p:grpSp>
+      <p:grpSp>
+        <p:nvGrpSpPr>
+          <p:cNvPr id="11" name="קבוצה 10">
+            <a:extLst>
+              <a:ext uri="{FF2B5EF4-FFF2-40B4-BE49-F238E27FC236}">
+                <a16:creationId xmlns:a16="http://schemas.microsoft.com/office/drawing/2014/main" id="{C175DB15-AFB7-4C8E-8B10-45D1938B652C}"/>
+              </a:ext>
+            </a:extLst>
+          </p:cNvPr>
+          <p:cNvGrpSpPr/>
+          <p:nvPr/>
+        </p:nvGrpSpPr>
+        <p:grpSpPr>
+          <a:xfrm>
+            <a:off x="3326861" y="6061142"/>
+            <a:ext cx="3569810" cy="786352"/>
+            <a:chOff x="4519414" y="0"/>
+            <a:chExt cx="2821781" cy="786352"/>
+          </a:xfrm>
+          <a:solidFill>
+            <a:schemeClr val="accent5"/>
+          </a:solidFill>
+        </p:grpSpPr>
+        <p:sp>
+          <p:nvSpPr>
+            <p:cNvPr id="12" name="חץ: סוגר זוויתי 11">
+              <a:extLst>
+                <a:ext uri="{FF2B5EF4-FFF2-40B4-BE49-F238E27FC236}">
+                  <a16:creationId xmlns:a16="http://schemas.microsoft.com/office/drawing/2014/main" id="{3E7746BF-8EF4-4E7A-9D1B-5A7CE822E66C}"/>
+                </a:ext>
+              </a:extLst>
+            </p:cNvPr>
+            <p:cNvSpPr/>
+            <p:nvPr/>
+          </p:nvSpPr>
+          <p:spPr>
+            <a:xfrm rot="10800000">
+              <a:off x="4519414" y="0"/>
+              <a:ext cx="2821781" cy="786352"/>
+            </a:xfrm>
+            <a:prstGeom prst="chevron">
+              <a:avLst/>
+            </a:prstGeom>
+            <a:solidFill>
+              <a:schemeClr val="accent1"/>
+            </a:solidFill>
+          </p:spPr>
+          <p:style>
+            <a:lnRef idx="2">
+              <a:schemeClr val="lt1">
+                <a:hueOff val="0"/>
+                <a:satOff val="0"/>
+                <a:lumOff val="0"/>
+                <a:alphaOff val="0"/>
+              </a:schemeClr>
+            </a:lnRef>
+            <a:fillRef idx="1">
+              <a:schemeClr val="accent1">
+                <a:hueOff val="0"/>
+                <a:satOff val="0"/>
+                <a:lumOff val="0"/>
+                <a:alphaOff val="0"/>
+              </a:schemeClr>
+            </a:fillRef>
+            <a:effectRef idx="0">
+              <a:schemeClr val="accent1">
+                <a:hueOff val="0"/>
+                <a:satOff val="0"/>
+                <a:lumOff val="0"/>
+                <a:alphaOff val="0"/>
+              </a:schemeClr>
+            </a:effectRef>
+            <a:fontRef idx="minor">
+              <a:schemeClr val="lt1"/>
+            </a:fontRef>
+          </p:style>
+        </p:sp>
+        <p:sp>
+          <p:nvSpPr>
+            <p:cNvPr id="13" name="חץ: סוגר זוויתי 8">
+              <a:extLst>
+                <a:ext uri="{FF2B5EF4-FFF2-40B4-BE49-F238E27FC236}">
+                  <a16:creationId xmlns:a16="http://schemas.microsoft.com/office/drawing/2014/main" id="{6849DC10-555F-46E9-BECA-B20B4006296C}"/>
+                </a:ext>
+              </a:extLst>
+            </p:cNvPr>
+            <p:cNvSpPr txBox="1"/>
+            <p:nvPr/>
+          </p:nvSpPr>
+          <p:spPr>
+            <a:xfrm rot="21600000">
+              <a:off x="4912590" y="0"/>
+              <a:ext cx="2035429" cy="786352"/>
+            </a:xfrm>
+            <a:prstGeom prst="rect">
+              <a:avLst/>
+            </a:prstGeom>
+            <a:noFill/>
+          </p:spPr>
+          <p:style>
+            <a:lnRef idx="0">
+              <a:scrgbClr r="0" g="0" b="0"/>
+            </a:lnRef>
+            <a:fillRef idx="0">
+              <a:scrgbClr r="0" g="0" b="0"/>
+            </a:fillRef>
+            <a:effectRef idx="0">
+              <a:scrgbClr r="0" g="0" b="0"/>
+            </a:effectRef>
+            <a:fontRef idx="minor">
+              <a:schemeClr val="lt1"/>
+            </a:fontRef>
+          </p:style>
+          <p:txBody>
+            <a:bodyPr spcFirstLastPara="0" vert="horz" wrap="square" lIns="29337" tIns="58674" rIns="88011" bIns="58674" numCol="1" spcCol="1270" anchor="ctr" anchorCtr="0">
+              <a:noAutofit/>
+            </a:bodyPr>
+            <a:lstStyle/>
+            <a:p>
+              <a:pPr marL="0" lvl="0" indent="0" algn="ctr" defTabSz="977900" rtl="1">
+                <a:lnSpc>
+                  <a:spcPct val="90000"/>
+                </a:lnSpc>
+                <a:spcBef>
+                  <a:spcPct val="0"/>
+                </a:spcBef>
+                <a:spcAft>
+                  <a:spcPct val="35000"/>
+                </a:spcAft>
+                <a:buNone/>
+              </a:pPr>
+              <a:r>
+                <a:rPr lang="en-US" sz="2200" kern="1200" dirty="0"/>
+                <a:t>Machine Learning</a:t>
+              </a:r>
+              <a:endParaRPr lang="he-IL" sz="2200" kern="1200" dirty="0"/>
+            </a:p>
+          </p:txBody>
+        </p:sp>
+      </p:grpSp>
+      <p:grpSp>
+        <p:nvGrpSpPr>
+          <p:cNvPr id="14" name="קבוצה 13">
+            <a:extLst>
+              <a:ext uri="{FF2B5EF4-FFF2-40B4-BE49-F238E27FC236}">
+                <a16:creationId xmlns:a16="http://schemas.microsoft.com/office/drawing/2014/main" id="{73BF0BCC-D1CB-4845-9BA5-5540613D4E31}"/>
+              </a:ext>
+            </a:extLst>
+          </p:cNvPr>
+          <p:cNvGrpSpPr/>
+          <p:nvPr/>
+        </p:nvGrpSpPr>
+        <p:grpSpPr>
+          <a:xfrm>
+            <a:off x="4563" y="6071648"/>
+            <a:ext cx="3730858" cy="786352"/>
+            <a:chOff x="2261989" y="0"/>
+            <a:chExt cx="2821781" cy="786352"/>
+          </a:xfrm>
+        </p:grpSpPr>
+        <p:sp>
+          <p:nvSpPr>
+            <p:cNvPr id="15" name="חץ: סוגר זוויתי 14">
+              <a:extLst>
+                <a:ext uri="{FF2B5EF4-FFF2-40B4-BE49-F238E27FC236}">
+                  <a16:creationId xmlns:a16="http://schemas.microsoft.com/office/drawing/2014/main" id="{40BB6849-0979-453A-974B-224C00F0C061}"/>
+                </a:ext>
+              </a:extLst>
+            </p:cNvPr>
+            <p:cNvSpPr/>
+            <p:nvPr/>
+          </p:nvSpPr>
+          <p:spPr>
+            <a:xfrm rot="10800000">
+              <a:off x="2261989" y="0"/>
+              <a:ext cx="2821781" cy="786352"/>
+            </a:xfrm>
+            <a:prstGeom prst="chevron">
+              <a:avLst/>
+            </a:prstGeom>
+          </p:spPr>
+          <p:style>
+            <a:lnRef idx="2">
+              <a:schemeClr val="lt1">
+                <a:hueOff val="0"/>
+                <a:satOff val="0"/>
+                <a:lumOff val="0"/>
+                <a:alphaOff val="0"/>
+              </a:schemeClr>
+            </a:lnRef>
+            <a:fillRef idx="1">
+              <a:schemeClr val="accent1">
+                <a:hueOff val="0"/>
+                <a:satOff val="0"/>
+                <a:lumOff val="0"/>
+                <a:alphaOff val="0"/>
+              </a:schemeClr>
+            </a:fillRef>
+            <a:effectRef idx="0">
+              <a:schemeClr val="accent1">
+                <a:hueOff val="0"/>
+                <a:satOff val="0"/>
+                <a:lumOff val="0"/>
+                <a:alphaOff val="0"/>
+              </a:schemeClr>
+            </a:effectRef>
+            <a:fontRef idx="minor">
+              <a:schemeClr val="lt1"/>
+            </a:fontRef>
+          </p:style>
+        </p:sp>
+        <p:sp>
+          <p:nvSpPr>
+            <p:cNvPr id="16" name="חץ: סוגר זוויתי 10">
+              <a:extLst>
+                <a:ext uri="{FF2B5EF4-FFF2-40B4-BE49-F238E27FC236}">
+                  <a16:creationId xmlns:a16="http://schemas.microsoft.com/office/drawing/2014/main" id="{D3249A1C-5D7A-432D-903C-29D326D1A4F8}"/>
+                </a:ext>
+              </a:extLst>
+            </p:cNvPr>
+            <p:cNvSpPr txBox="1"/>
+            <p:nvPr/>
+          </p:nvSpPr>
+          <p:spPr>
+            <a:xfrm rot="21600000">
+              <a:off x="2655165" y="0"/>
+              <a:ext cx="2035429" cy="786352"/>
+            </a:xfrm>
+            <a:prstGeom prst="rect">
+              <a:avLst/>
+            </a:prstGeom>
+          </p:spPr>
+          <p:style>
+            <a:lnRef idx="0">
+              <a:scrgbClr r="0" g="0" b="0"/>
+            </a:lnRef>
+            <a:fillRef idx="0">
+              <a:scrgbClr r="0" g="0" b="0"/>
+            </a:fillRef>
+            <a:effectRef idx="0">
+              <a:scrgbClr r="0" g="0" b="0"/>
+            </a:effectRef>
+            <a:fontRef idx="minor">
+              <a:schemeClr val="lt1"/>
+            </a:fontRef>
+          </p:style>
+          <p:txBody>
+            <a:bodyPr spcFirstLastPara="0" vert="horz" wrap="square" lIns="29337" tIns="58674" rIns="88011" bIns="58674" numCol="1" spcCol="1270" anchor="ctr" anchorCtr="0">
+              <a:noAutofit/>
+            </a:bodyPr>
+            <a:lstStyle/>
+            <a:p>
+              <a:pPr marL="0" lvl="0" indent="0" algn="ctr" defTabSz="977900" rtl="1">
+                <a:lnSpc>
+                  <a:spcPct val="90000"/>
+                </a:lnSpc>
+                <a:spcBef>
+                  <a:spcPct val="0"/>
+                </a:spcBef>
+                <a:spcAft>
+                  <a:spcPct val="35000"/>
+                </a:spcAft>
+                <a:buNone/>
+              </a:pPr>
+              <a:r>
+                <a:rPr lang="en-US" sz="2200" kern="1200" dirty="0"/>
+                <a:t>Conclusions</a:t>
+              </a:r>
+              <a:endParaRPr lang="he-IL" sz="2200" kern="1200" dirty="0"/>
+            </a:p>
+          </p:txBody>
+        </p:sp>
+      </p:grpSp>
+      <p:graphicFrame>
+        <p:nvGraphicFramePr>
+          <p:cNvPr id="18" name="טבלה 4">
+            <a:extLst>
+              <a:ext uri="{FF2B5EF4-FFF2-40B4-BE49-F238E27FC236}">
+                <a16:creationId xmlns:a16="http://schemas.microsoft.com/office/drawing/2014/main" id="{FAB91CC8-7597-42D1-943B-F18D657085DC}"/>
+              </a:ext>
+            </a:extLst>
+          </p:cNvPr>
+          <p:cNvGraphicFramePr>
+            <a:graphicFrameLocks noGrp="1"/>
+          </p:cNvGraphicFramePr>
+          <p:nvPr>
+            <p:extLst>
+              <p:ext uri="{D42A27DB-BD31-4B8C-83A1-F6EECF244321}">
+                <p14:modId xmlns:p14="http://schemas.microsoft.com/office/powerpoint/2010/main" val="920638390"/>
+              </p:ext>
+            </p:extLst>
+          </p:nvPr>
+        </p:nvGraphicFramePr>
+        <p:xfrm>
+          <a:off x="5750390" y="4574384"/>
+          <a:ext cx="4175520" cy="1060498"/>
+        </p:xfrm>
+        <a:graphic>
+          <a:graphicData uri="http://schemas.openxmlformats.org/drawingml/2006/table">
+            <a:tbl>
+              <a:tblPr rtl="1" firstRow="1" bandRow="1">
+                <a:tableStyleId>{5C22544A-7EE6-4342-B048-85BDC9FD1C3A}</a:tableStyleId>
+              </a:tblPr>
+              <a:tblGrid>
+                <a:gridCol w="4175520">
+                  <a:extLst>
+                    <a:ext uri="{9D8B030D-6E8A-4147-A177-3AD203B41FA5}">
+                      <a16:colId xmlns:a16="http://schemas.microsoft.com/office/drawing/2014/main" val="1229743011"/>
+                    </a:ext>
+                  </a:extLst>
+                </a:gridCol>
+              </a:tblGrid>
+              <a:tr h="1060498">
+                <a:tc>
+                  <a:txBody>
+                    <a:bodyPr/>
+                    <a:lstStyle/>
+                    <a:p>
+                      <a:pPr algn="l" rtl="1"/>
+                      <a:r>
+                        <a:rPr lang="en-US" b="0" dirty="0"/>
+                        <a:t>As seen on the plot, many reviewers rate the books on the website with 3-5, mostly.</a:t>
+                      </a:r>
+                      <a:endParaRPr lang="he-IL" b="0" dirty="0"/>
+                    </a:p>
+                  </a:txBody>
+                  <a:tcPr>
+                    <a:solidFill>
+                      <a:schemeClr val="accent1">
+                        <a:hueOff val="0"/>
+                        <a:satOff val="0"/>
+                        <a:lumOff val="0"/>
+                      </a:schemeClr>
+                    </a:solidFill>
+                  </a:tcPr>
+                </a:tc>
+                <a:extLst>
+                  <a:ext uri="{0D108BD9-81ED-4DB2-BD59-A6C34878D82A}">
+                    <a16:rowId xmlns:a16="http://schemas.microsoft.com/office/drawing/2014/main" val="2585515191"/>
+                  </a:ext>
+                </a:extLst>
+              </a:tr>
+            </a:tbl>
+          </a:graphicData>
+        </a:graphic>
+      </p:graphicFrame>
+      <p:pic>
+        <p:nvPicPr>
+          <p:cNvPr id="20" name="תמונה 19">
+            <a:extLst>
+              <a:ext uri="{FF2B5EF4-FFF2-40B4-BE49-F238E27FC236}">
+                <a16:creationId xmlns:a16="http://schemas.microsoft.com/office/drawing/2014/main" id="{42EA5744-1906-421C-8B38-C30D8B5C2FD3}"/>
+              </a:ext>
+            </a:extLst>
+          </p:cNvPr>
+          <p:cNvPicPr>
+            <a:picLocks noChangeAspect="1"/>
+          </p:cNvPicPr>
+          <p:nvPr/>
+        </p:nvPicPr>
+        <p:blipFill>
+          <a:blip r:embed="rId3"/>
+          <a:stretch>
+            <a:fillRect/>
+          </a:stretch>
+        </p:blipFill>
+        <p:spPr>
+          <a:xfrm>
+            <a:off x="5111765" y="687955"/>
+            <a:ext cx="5034184" cy="3544843"/>
+          </a:xfrm>
+          <a:prstGeom prst="rect">
+            <a:avLst/>
+          </a:prstGeom>
+        </p:spPr>
+      </p:pic>
+    </p:spTree>
+    <p:extLst>
+      <p:ext uri="{BB962C8B-B14F-4D97-AF65-F5344CB8AC3E}">
+        <p14:creationId xmlns:p14="http://schemas.microsoft.com/office/powerpoint/2010/main" val="3655516180"/>
+      </p:ext>
+    </p:extLst>
+  </p:cSld>
+  <p:clrMapOvr>
+    <a:masterClrMapping/>
+  </p:clrMapOvr>
+</p:sld>
+</file>
+
+<file path=ppt/slides/slide9.xml><?xml version="1.0" encoding="utf-8"?>
+<p:sld xmlns:a="http://schemas.openxmlformats.org/drawingml/2006/main" xmlns:r="http://schemas.openxmlformats.org/officeDocument/2006/relationships" xmlns:p="http://schemas.openxmlformats.org/presentationml/2006/main">
+  <p:cSld>
+    <p:spTree>
+      <p:nvGrpSpPr>
+        <p:cNvPr id="1" name=""/>
+        <p:cNvGrpSpPr/>
+        <p:nvPr/>
+      </p:nvGrpSpPr>
+      <p:grpSpPr>
+        <a:xfrm>
+          <a:off x="0" y="0"/>
+          <a:ext cx="0" cy="0"/>
+          <a:chOff x="0" y="0"/>
+          <a:chExt cx="0" cy="0"/>
+        </a:xfrm>
+      </p:grpSpPr>
+      <p:sp>
+        <p:nvSpPr>
+          <p:cNvPr id="2" name="כותרת 1">
+            <a:extLst>
+              <a:ext uri="{FF2B5EF4-FFF2-40B4-BE49-F238E27FC236}">
+                <a16:creationId xmlns:a16="http://schemas.microsoft.com/office/drawing/2014/main" id="{F6EE381C-5844-49C8-98D7-239A38554A50}"/>
+              </a:ext>
+            </a:extLst>
+          </p:cNvPr>
+          <p:cNvSpPr>
+            <a:spLocks noGrp="1"/>
+          </p:cNvSpPr>
+          <p:nvPr>
+            <p:ph type="title"/>
+          </p:nvPr>
+        </p:nvSpPr>
+        <p:spPr>
+          <a:xfrm>
+            <a:off x="397740" y="126983"/>
+            <a:ext cx="4409930" cy="644401"/>
+          </a:xfrm>
+        </p:spPr>
+        <p:txBody>
+          <a:bodyPr/>
+          <a:lstStyle/>
+          <a:p>
+            <a:r>
+              <a:rPr lang="en-US" sz="3600" dirty="0"/>
+              <a:t>Machine Learning</a:t>
+            </a:r>
+            <a:endParaRPr lang="he-IL" sz="3600" dirty="0"/>
+          </a:p>
+        </p:txBody>
+      </p:sp>
+      <p:grpSp>
+        <p:nvGrpSpPr>
+          <p:cNvPr id="33" name="קבוצה 32">
+            <a:extLst>
+              <a:ext uri="{FF2B5EF4-FFF2-40B4-BE49-F238E27FC236}">
+                <a16:creationId xmlns:a16="http://schemas.microsoft.com/office/drawing/2014/main" id="{ECD20DE2-DA3E-4461-A163-705D3486A7D8}"/>
+              </a:ext>
+            </a:extLst>
+          </p:cNvPr>
+          <p:cNvGrpSpPr/>
+          <p:nvPr/>
+        </p:nvGrpSpPr>
+        <p:grpSpPr>
+          <a:xfrm>
+            <a:off x="8842746" y="6061142"/>
+            <a:ext cx="3344690" cy="786352"/>
+            <a:chOff x="9034264" y="0"/>
+            <a:chExt cx="3153171" cy="786352"/>
+          </a:xfrm>
+          <a:solidFill>
+            <a:schemeClr val="accent1"/>
+          </a:solidFill>
+        </p:grpSpPr>
+        <p:sp>
+          <p:nvSpPr>
+            <p:cNvPr id="46" name="חץ: מחומש 45">
+              <a:extLst>
+                <a:ext uri="{FF2B5EF4-FFF2-40B4-BE49-F238E27FC236}">
+                  <a16:creationId xmlns:a16="http://schemas.microsoft.com/office/drawing/2014/main" id="{52370A49-647A-44CB-8456-3476C061A70B}"/>
+                </a:ext>
+              </a:extLst>
+            </p:cNvPr>
+            <p:cNvSpPr/>
+            <p:nvPr/>
+          </p:nvSpPr>
+          <p:spPr>
+            <a:xfrm rot="10800000">
+              <a:off x="9034264" y="0"/>
+              <a:ext cx="3153171" cy="786352"/>
+            </a:xfrm>
+            <a:prstGeom prst="homePlate">
+              <a:avLst/>
+            </a:prstGeom>
+            <a:grpFill/>
+          </p:spPr>
+          <p:style>
+            <a:lnRef idx="2">
+              <a:schemeClr val="lt1">
+                <a:hueOff val="0"/>
+                <a:satOff val="0"/>
+                <a:lumOff val="0"/>
+                <a:alphaOff val="0"/>
+              </a:schemeClr>
+            </a:lnRef>
+            <a:fillRef idx="1">
+              <a:scrgbClr r="0" g="0" b="0"/>
+            </a:fillRef>
+            <a:effectRef idx="0">
+              <a:schemeClr val="accent1">
+                <a:hueOff val="0"/>
+                <a:satOff val="0"/>
+                <a:lumOff val="0"/>
+                <a:alphaOff val="0"/>
+              </a:schemeClr>
+            </a:effectRef>
+            <a:fontRef idx="minor">
+              <a:schemeClr val="lt1"/>
+            </a:fontRef>
+          </p:style>
+        </p:sp>
+        <p:sp>
+          <p:nvSpPr>
+            <p:cNvPr id="47" name="חץ: מחומש 4">
+              <a:extLst>
+                <a:ext uri="{FF2B5EF4-FFF2-40B4-BE49-F238E27FC236}">
+                  <a16:creationId xmlns:a16="http://schemas.microsoft.com/office/drawing/2014/main" id="{9B261C06-0E6D-44DF-8E70-9E31D37FB2D4}"/>
+                </a:ext>
+              </a:extLst>
+            </p:cNvPr>
+            <p:cNvSpPr txBox="1"/>
+            <p:nvPr/>
+          </p:nvSpPr>
+          <p:spPr>
+            <a:xfrm>
+              <a:off x="9230852" y="0"/>
+              <a:ext cx="2956583" cy="786352"/>
+            </a:xfrm>
+            <a:prstGeom prst="rect">
+              <a:avLst/>
+            </a:prstGeom>
+            <a:noFill/>
+            <a:ln>
+              <a:noFill/>
+            </a:ln>
+          </p:spPr>
+          <p:style>
+            <a:lnRef idx="0">
+              <a:scrgbClr r="0" g="0" b="0"/>
+            </a:lnRef>
+            <a:fillRef idx="0">
+              <a:scrgbClr r="0" g="0" b="0"/>
+            </a:fillRef>
+            <a:effectRef idx="0">
+              <a:scrgbClr r="0" g="0" b="0"/>
+            </a:effectRef>
+            <a:fontRef idx="minor">
+              <a:schemeClr val="lt1"/>
+            </a:fontRef>
+          </p:style>
+          <p:txBody>
+            <a:bodyPr spcFirstLastPara="0" vert="horz" wrap="square" lIns="29337" tIns="58674" rIns="117348" bIns="58674" numCol="1" spcCol="1270" anchor="ctr" anchorCtr="0">
+              <a:noAutofit/>
+            </a:bodyPr>
+            <a:lstStyle/>
+            <a:p>
+              <a:pPr marL="0" lvl="0" indent="0" algn="ctr" defTabSz="977900" rtl="1">
+                <a:lnSpc>
+                  <a:spcPct val="90000"/>
+                </a:lnSpc>
+                <a:spcBef>
+                  <a:spcPct val="0"/>
+                </a:spcBef>
+                <a:spcAft>
+                  <a:spcPct val="35000"/>
+                </a:spcAft>
+                <a:buNone/>
+              </a:pPr>
+              <a:r>
+                <a:rPr lang="en-US" sz="2200" kern="1200" dirty="0"/>
+                <a:t>Data</a:t>
+              </a:r>
+              <a:r>
+                <a:rPr lang="en-US" sz="2400" kern="1200" dirty="0"/>
+                <a:t> Acquisition</a:t>
+              </a:r>
+              <a:endParaRPr lang="he-IL" sz="2400" kern="1200" dirty="0"/>
+            </a:p>
+          </p:txBody>
+        </p:sp>
+      </p:grpSp>
+      <p:grpSp>
+        <p:nvGrpSpPr>
+          <p:cNvPr id="34" name="קבוצה 33">
+            <a:extLst>
+              <a:ext uri="{FF2B5EF4-FFF2-40B4-BE49-F238E27FC236}">
+                <a16:creationId xmlns:a16="http://schemas.microsoft.com/office/drawing/2014/main" id="{11BBC8A5-DA5C-4B7F-B3F2-4023EABB826D}"/>
+              </a:ext>
+            </a:extLst>
+          </p:cNvPr>
+          <p:cNvGrpSpPr/>
+          <p:nvPr/>
+        </p:nvGrpSpPr>
+        <p:grpSpPr>
+          <a:xfrm>
+            <a:off x="6445449" y="6061142"/>
+            <a:ext cx="2785403" cy="786352"/>
+            <a:chOff x="6776839" y="0"/>
+            <a:chExt cx="2821781" cy="786352"/>
+          </a:xfrm>
+        </p:grpSpPr>
+        <p:sp>
+          <p:nvSpPr>
+            <p:cNvPr id="44" name="חץ: סוגר זוויתי 43">
+              <a:extLst>
+                <a:ext uri="{FF2B5EF4-FFF2-40B4-BE49-F238E27FC236}">
+                  <a16:creationId xmlns:a16="http://schemas.microsoft.com/office/drawing/2014/main" id="{B3744899-C165-4615-8A04-07A8F470946C}"/>
+                </a:ext>
+              </a:extLst>
+            </p:cNvPr>
+            <p:cNvSpPr/>
+            <p:nvPr/>
+          </p:nvSpPr>
+          <p:spPr>
+            <a:xfrm rot="10800000">
+              <a:off x="6776839" y="0"/>
+              <a:ext cx="2821781" cy="786352"/>
+            </a:xfrm>
+            <a:prstGeom prst="chevron">
+              <a:avLst/>
+            </a:prstGeom>
+          </p:spPr>
+          <p:style>
+            <a:lnRef idx="2">
+              <a:schemeClr val="lt1">
+                <a:hueOff val="0"/>
+                <a:satOff val="0"/>
+                <a:lumOff val="0"/>
+                <a:alphaOff val="0"/>
+              </a:schemeClr>
+            </a:lnRef>
+            <a:fillRef idx="1">
+              <a:schemeClr val="accent1">
+                <a:hueOff val="0"/>
+                <a:satOff val="0"/>
+                <a:lumOff val="0"/>
+                <a:alphaOff val="0"/>
+              </a:schemeClr>
+            </a:fillRef>
+            <a:effectRef idx="0">
+              <a:schemeClr val="accent1">
+                <a:hueOff val="0"/>
+                <a:satOff val="0"/>
+                <a:lumOff val="0"/>
+                <a:alphaOff val="0"/>
+              </a:schemeClr>
+            </a:effectRef>
+            <a:fontRef idx="minor">
+              <a:schemeClr val="lt1"/>
+            </a:fontRef>
+          </p:style>
+        </p:sp>
+        <p:sp>
+          <p:nvSpPr>
+            <p:cNvPr id="45" name="חץ: סוגר זוויתי 6">
+              <a:extLst>
+                <a:ext uri="{FF2B5EF4-FFF2-40B4-BE49-F238E27FC236}">
+                  <a16:creationId xmlns:a16="http://schemas.microsoft.com/office/drawing/2014/main" id="{57899116-7796-48DD-A2E1-F2B4414F55CD}"/>
+                </a:ext>
+              </a:extLst>
+            </p:cNvPr>
+            <p:cNvSpPr txBox="1"/>
+            <p:nvPr/>
+          </p:nvSpPr>
+          <p:spPr>
+            <a:xfrm rot="21600000">
+              <a:off x="7170015" y="0"/>
+              <a:ext cx="2035429" cy="786352"/>
+            </a:xfrm>
+            <a:prstGeom prst="rect">
+              <a:avLst/>
+            </a:prstGeom>
+          </p:spPr>
+          <p:style>
+            <a:lnRef idx="0">
+              <a:scrgbClr r="0" g="0" b="0"/>
+            </a:lnRef>
+            <a:fillRef idx="0">
+              <a:scrgbClr r="0" g="0" b="0"/>
+            </a:fillRef>
+            <a:effectRef idx="0">
+              <a:scrgbClr r="0" g="0" b="0"/>
+            </a:effectRef>
+            <a:fontRef idx="minor">
+              <a:schemeClr val="lt1"/>
+            </a:fontRef>
+          </p:style>
+          <p:txBody>
+            <a:bodyPr spcFirstLastPara="0" vert="horz" wrap="square" lIns="29337" tIns="58674" rIns="88011" bIns="58674" numCol="1" spcCol="1270" anchor="ctr" anchorCtr="0">
+              <a:noAutofit/>
+            </a:bodyPr>
+            <a:lstStyle/>
+            <a:p>
+              <a:pPr marL="0" lvl="0" indent="0" algn="ctr" defTabSz="977900" rtl="1">
+                <a:lnSpc>
+                  <a:spcPct val="90000"/>
+                </a:lnSpc>
+                <a:spcBef>
+                  <a:spcPct val="0"/>
+                </a:spcBef>
+                <a:spcAft>
+                  <a:spcPct val="35000"/>
+                </a:spcAft>
+                <a:buNone/>
+              </a:pPr>
+              <a:r>
+                <a:rPr lang="en-US" sz="2200" kern="1200"/>
+                <a:t>EDA</a:t>
+              </a:r>
+              <a:endParaRPr lang="he-IL" sz="2200" kern="1200" dirty="0"/>
+            </a:p>
+          </p:txBody>
+        </p:sp>
+      </p:grpSp>
+      <p:grpSp>
+        <p:nvGrpSpPr>
+          <p:cNvPr id="35" name="קבוצה 34">
+            <a:extLst>
+              <a:ext uri="{FF2B5EF4-FFF2-40B4-BE49-F238E27FC236}">
+                <a16:creationId xmlns:a16="http://schemas.microsoft.com/office/drawing/2014/main" id="{6AB32AAA-4F2A-4D08-B1E0-3EF91014A6D1}"/>
+              </a:ext>
+            </a:extLst>
+          </p:cNvPr>
+          <p:cNvGrpSpPr/>
+          <p:nvPr/>
+        </p:nvGrpSpPr>
+        <p:grpSpPr>
+          <a:xfrm>
+            <a:off x="3326861" y="6061142"/>
+            <a:ext cx="3569810" cy="786352"/>
+            <a:chOff x="4519414" y="0"/>
+            <a:chExt cx="2821781" cy="786352"/>
+          </a:xfrm>
+          <a:solidFill>
+            <a:schemeClr val="accent5"/>
+          </a:solidFill>
+        </p:grpSpPr>
+        <p:sp>
+          <p:nvSpPr>
+            <p:cNvPr id="42" name="חץ: סוגר זוויתי 41">
+              <a:extLst>
+                <a:ext uri="{FF2B5EF4-FFF2-40B4-BE49-F238E27FC236}">
+                  <a16:creationId xmlns:a16="http://schemas.microsoft.com/office/drawing/2014/main" id="{6E748BA4-4155-4FF0-A642-39291AA79C94}"/>
+                </a:ext>
+              </a:extLst>
+            </p:cNvPr>
+            <p:cNvSpPr/>
+            <p:nvPr/>
+          </p:nvSpPr>
+          <p:spPr>
+            <a:xfrm rot="10800000">
+              <a:off x="4519414" y="0"/>
+              <a:ext cx="2821781" cy="786352"/>
+            </a:xfrm>
+            <a:prstGeom prst="chevron">
+              <a:avLst/>
+            </a:prstGeom>
+            <a:grpFill/>
+          </p:spPr>
+          <p:style>
+            <a:lnRef idx="2">
+              <a:schemeClr val="lt1">
+                <a:hueOff val="0"/>
+                <a:satOff val="0"/>
+                <a:lumOff val="0"/>
+                <a:alphaOff val="0"/>
+              </a:schemeClr>
+            </a:lnRef>
+            <a:fillRef idx="1">
+              <a:schemeClr val="accent1">
+                <a:hueOff val="0"/>
+                <a:satOff val="0"/>
+                <a:lumOff val="0"/>
+                <a:alphaOff val="0"/>
+              </a:schemeClr>
+            </a:fillRef>
+            <a:effectRef idx="0">
+              <a:schemeClr val="accent1">
+                <a:hueOff val="0"/>
+                <a:satOff val="0"/>
+                <a:lumOff val="0"/>
+                <a:alphaOff val="0"/>
+              </a:schemeClr>
+            </a:effectRef>
+            <a:fontRef idx="minor">
+              <a:schemeClr val="lt1"/>
+            </a:fontRef>
+          </p:style>
+        </p:sp>
+        <p:sp>
+          <p:nvSpPr>
+            <p:cNvPr id="43" name="חץ: סוגר זוויתי 8">
+              <a:extLst>
+                <a:ext uri="{FF2B5EF4-FFF2-40B4-BE49-F238E27FC236}">
+                  <a16:creationId xmlns:a16="http://schemas.microsoft.com/office/drawing/2014/main" id="{409E5A33-5DBF-4F73-A92E-477D1F4F08B1}"/>
+                </a:ext>
+              </a:extLst>
+            </p:cNvPr>
+            <p:cNvSpPr txBox="1"/>
+            <p:nvPr/>
+          </p:nvSpPr>
+          <p:spPr>
+            <a:xfrm rot="21600000">
+              <a:off x="4912590" y="0"/>
+              <a:ext cx="2035429" cy="786352"/>
+            </a:xfrm>
+            <a:prstGeom prst="rect">
+              <a:avLst/>
+            </a:prstGeom>
+            <a:noFill/>
+          </p:spPr>
+          <p:style>
+            <a:lnRef idx="0">
+              <a:scrgbClr r="0" g="0" b="0"/>
+            </a:lnRef>
+            <a:fillRef idx="0">
+              <a:scrgbClr r="0" g="0" b="0"/>
+            </a:fillRef>
+            <a:effectRef idx="0">
+              <a:scrgbClr r="0" g="0" b="0"/>
+            </a:effectRef>
+            <a:fontRef idx="minor">
+              <a:schemeClr val="lt1"/>
+            </a:fontRef>
+          </p:style>
+          <p:txBody>
+            <a:bodyPr spcFirstLastPara="0" vert="horz" wrap="square" lIns="29337" tIns="58674" rIns="88011" bIns="58674" numCol="1" spcCol="1270" anchor="ctr" anchorCtr="0">
+              <a:noAutofit/>
+            </a:bodyPr>
+            <a:lstStyle/>
+            <a:p>
+              <a:pPr marL="0" lvl="0" indent="0" algn="ctr" defTabSz="977900" rtl="1">
+                <a:lnSpc>
+                  <a:spcPct val="90000"/>
+                </a:lnSpc>
+                <a:spcBef>
+                  <a:spcPct val="0"/>
+                </a:spcBef>
+                <a:spcAft>
+                  <a:spcPct val="35000"/>
+                </a:spcAft>
+                <a:buNone/>
+              </a:pPr>
+              <a:r>
+                <a:rPr lang="en-US" sz="2200" kern="1200" dirty="0"/>
+                <a:t>Machine Learning</a:t>
+              </a:r>
+              <a:endParaRPr lang="he-IL" sz="2200" kern="1200" dirty="0"/>
+            </a:p>
+          </p:txBody>
+        </p:sp>
+      </p:grpSp>
+      <p:grpSp>
+        <p:nvGrpSpPr>
+          <p:cNvPr id="36" name="קבוצה 35">
+            <a:extLst>
+              <a:ext uri="{FF2B5EF4-FFF2-40B4-BE49-F238E27FC236}">
+                <a16:creationId xmlns:a16="http://schemas.microsoft.com/office/drawing/2014/main" id="{7E2FE161-158C-4948-84B4-4B82B0AFFAB5}"/>
+              </a:ext>
+            </a:extLst>
+          </p:cNvPr>
+          <p:cNvGrpSpPr/>
+          <p:nvPr/>
+        </p:nvGrpSpPr>
+        <p:grpSpPr>
+          <a:xfrm>
+            <a:off x="4563" y="6071648"/>
+            <a:ext cx="3730858" cy="786352"/>
+            <a:chOff x="2261989" y="0"/>
+            <a:chExt cx="2821781" cy="786352"/>
+          </a:xfrm>
+        </p:grpSpPr>
+        <p:sp>
+          <p:nvSpPr>
+            <p:cNvPr id="40" name="חץ: סוגר זוויתי 39">
+              <a:extLst>
+                <a:ext uri="{FF2B5EF4-FFF2-40B4-BE49-F238E27FC236}">
+                  <a16:creationId xmlns:a16="http://schemas.microsoft.com/office/drawing/2014/main" id="{680E1364-2284-4501-8BE6-EB295D55F9CB}"/>
+                </a:ext>
+              </a:extLst>
+            </p:cNvPr>
+            <p:cNvSpPr/>
+            <p:nvPr/>
+          </p:nvSpPr>
+          <p:spPr>
+            <a:xfrm rot="10800000">
+              <a:off x="2261989" y="0"/>
+              <a:ext cx="2821781" cy="786352"/>
+            </a:xfrm>
+            <a:prstGeom prst="chevron">
+              <a:avLst/>
+            </a:prstGeom>
+          </p:spPr>
+          <p:style>
+            <a:lnRef idx="2">
+              <a:schemeClr val="lt1">
+                <a:hueOff val="0"/>
+                <a:satOff val="0"/>
+                <a:lumOff val="0"/>
+                <a:alphaOff val="0"/>
+              </a:schemeClr>
+            </a:lnRef>
+            <a:fillRef idx="1">
+              <a:schemeClr val="accent1">
+                <a:hueOff val="0"/>
+                <a:satOff val="0"/>
+                <a:lumOff val="0"/>
+                <a:alphaOff val="0"/>
+              </a:schemeClr>
+            </a:fillRef>
+            <a:effectRef idx="0">
+              <a:schemeClr val="accent1">
+                <a:hueOff val="0"/>
+                <a:satOff val="0"/>
+                <a:lumOff val="0"/>
+                <a:alphaOff val="0"/>
+              </a:schemeClr>
+            </a:effectRef>
+            <a:fontRef idx="minor">
+              <a:schemeClr val="lt1"/>
+            </a:fontRef>
+          </p:style>
+        </p:sp>
+        <p:sp>
+          <p:nvSpPr>
+            <p:cNvPr id="41" name="חץ: סוגר זוויתי 10">
+              <a:extLst>
+                <a:ext uri="{FF2B5EF4-FFF2-40B4-BE49-F238E27FC236}">
+                  <a16:creationId xmlns:a16="http://schemas.microsoft.com/office/drawing/2014/main" id="{9B09CEBA-4133-4FFA-83B9-D2499DB80A81}"/>
+                </a:ext>
+              </a:extLst>
+            </p:cNvPr>
+            <p:cNvSpPr txBox="1"/>
+            <p:nvPr/>
+          </p:nvSpPr>
+          <p:spPr>
+            <a:xfrm rot="21600000">
+              <a:off x="2655165" y="0"/>
+              <a:ext cx="2035429" cy="786352"/>
+            </a:xfrm>
+            <a:prstGeom prst="rect">
+              <a:avLst/>
+            </a:prstGeom>
+          </p:spPr>
+          <p:style>
+            <a:lnRef idx="0">
+              <a:scrgbClr r="0" g="0" b="0"/>
+            </a:lnRef>
+            <a:fillRef idx="0">
+              <a:scrgbClr r="0" g="0" b="0"/>
+            </a:fillRef>
+            <a:effectRef idx="0">
+              <a:scrgbClr r="0" g="0" b="0"/>
+            </a:effectRef>
+            <a:fontRef idx="minor">
+              <a:schemeClr val="lt1"/>
+            </a:fontRef>
+          </p:style>
+          <p:txBody>
+            <a:bodyPr spcFirstLastPara="0" vert="horz" wrap="square" lIns="29337" tIns="58674" rIns="88011" bIns="58674" numCol="1" spcCol="1270" anchor="ctr" anchorCtr="0">
+              <a:noAutofit/>
+            </a:bodyPr>
+            <a:lstStyle/>
+            <a:p>
+              <a:pPr marL="0" lvl="0" indent="0" algn="ctr" defTabSz="977900" rtl="1">
+                <a:lnSpc>
+                  <a:spcPct val="90000"/>
+                </a:lnSpc>
+                <a:spcBef>
+                  <a:spcPct val="0"/>
+                </a:spcBef>
+                <a:spcAft>
+                  <a:spcPct val="35000"/>
+                </a:spcAft>
+                <a:buNone/>
+              </a:pPr>
+              <a:r>
+                <a:rPr lang="en-US" sz="2200" kern="1200" dirty="0"/>
+                <a:t>Conclusions</a:t>
+              </a:r>
+              <a:endParaRPr lang="he-IL" sz="2200" kern="1200" dirty="0"/>
+            </a:p>
+          </p:txBody>
+        </p:sp>
+      </p:grpSp>
+      <p:sp>
+        <p:nvSpPr>
+          <p:cNvPr id="49" name="כותרת 1">
+            <a:extLst>
+              <a:ext uri="{FF2B5EF4-FFF2-40B4-BE49-F238E27FC236}">
+                <a16:creationId xmlns:a16="http://schemas.microsoft.com/office/drawing/2014/main" id="{577C8987-3061-494B-A6ED-3CFC57D1BBBB}"/>
+              </a:ext>
+            </a:extLst>
+          </p:cNvPr>
+          <p:cNvSpPr txBox="1">
+            <a:spLocks/>
+          </p:cNvSpPr>
+          <p:nvPr/>
+        </p:nvSpPr>
+        <p:spPr>
+          <a:xfrm>
+            <a:off x="397740" y="771384"/>
+            <a:ext cx="9905758" cy="2366128"/>
+          </a:xfrm>
+          <a:prstGeom prst="rect">
+            <a:avLst/>
+          </a:prstGeom>
+        </p:spPr>
+        <p:txBody>
+          <a:bodyPr vert="horz" lIns="91440" tIns="45720" rIns="91440" bIns="45720" rtlCol="0" anchor="t">
+            <a:noAutofit/>
+          </a:bodyPr>
+          <a:lstStyle>
+            <a:lvl1pPr algn="l" defTabSz="457200" rtl="1" eaLnBrk="1" latinLnBrk="0" hangingPunct="1">
+              <a:spcBef>
+                <a:spcPct val="0"/>
+              </a:spcBef>
+              <a:buNone/>
+              <a:defRPr sz="4200" b="0" i="0" kern="1200">
+                <a:solidFill>
+                  <a:schemeClr val="tx2"/>
+                </a:solidFill>
+                <a:latin typeface="+mj-lt"/>
+                <a:ea typeface="+mj-ea"/>
+                <a:cs typeface="+mj-cs"/>
+              </a:defRPr>
+            </a:lvl1pPr>
+            <a:lvl2pPr rtl="1" eaLnBrk="1" hangingPunct="1">
+              <a:defRPr>
+                <a:solidFill>
+                  <a:schemeClr val="tx2"/>
+                </a:solidFill>
+              </a:defRPr>
+            </a:lvl2pPr>
+            <a:lvl3pPr rtl="1" eaLnBrk="1" hangingPunct="1">
+              <a:defRPr>
+                <a:solidFill>
+                  <a:schemeClr val="tx2"/>
+                </a:solidFill>
+              </a:defRPr>
+            </a:lvl3pPr>
+            <a:lvl4pPr rtl="1" eaLnBrk="1" hangingPunct="1">
+              <a:defRPr>
+                <a:solidFill>
+                  <a:schemeClr val="tx2"/>
+                </a:solidFill>
+              </a:defRPr>
+            </a:lvl4pPr>
+            <a:lvl5pPr rtl="1" eaLnBrk="1" hangingPunct="1">
+              <a:defRPr>
+                <a:solidFill>
+                  <a:schemeClr val="tx2"/>
+                </a:solidFill>
+              </a:defRPr>
+            </a:lvl5pPr>
+            <a:lvl6pPr rtl="1" eaLnBrk="1" hangingPunct="1">
+              <a:defRPr>
+                <a:solidFill>
+                  <a:schemeClr val="tx2"/>
+                </a:solidFill>
+              </a:defRPr>
+            </a:lvl6pPr>
+            <a:lvl7pPr rtl="1" eaLnBrk="1" hangingPunct="1">
+              <a:defRPr>
+                <a:solidFill>
+                  <a:schemeClr val="tx2"/>
+                </a:solidFill>
+              </a:defRPr>
+            </a:lvl7pPr>
+            <a:lvl8pPr rtl="1" eaLnBrk="1" hangingPunct="1">
+              <a:defRPr>
+                <a:solidFill>
+                  <a:schemeClr val="tx2"/>
+                </a:solidFill>
+              </a:defRPr>
+            </a:lvl8pPr>
+            <a:lvl9pPr rtl="1" eaLnBrk="1" hangingPunct="1">
+              <a:defRPr>
+                <a:solidFill>
+                  <a:schemeClr val="tx2"/>
+                </a:solidFill>
+              </a:defRPr>
+            </a:lvl9pPr>
+          </a:lstStyle>
+          <a:p>
+            <a:r>
+              <a:rPr lang="en-US" sz="2100" dirty="0"/>
+              <a:t>During this phase, in order to handle “Description” feature, I used two different algorithms: CountVectorizer, TfidfVectorizer. </a:t>
+            </a:r>
+            <a:endParaRPr lang="he-IL" sz="2100" dirty="0"/>
+          </a:p>
+          <a:p>
+            <a:r>
+              <a:rPr lang="en-US" sz="2100" dirty="0"/>
+              <a:t>Their main purpose is to turn the paragraphs into vectors that the model can use.</a:t>
+            </a:r>
+          </a:p>
+          <a:p>
+            <a:endParaRPr lang="en-US" sz="2100" dirty="0"/>
+          </a:p>
+          <a:p>
+            <a:r>
+              <a:rPr lang="en-US" sz="2100" dirty="0"/>
+              <a:t>In order to help the learning process, I used LabelEncoder (transforms the data into numbers) and StandardScaler (normalizes the data between 0-1)</a:t>
+            </a:r>
+            <a:endParaRPr lang="he-IL" sz="2100" dirty="0"/>
+          </a:p>
+        </p:txBody>
+      </p:sp>
+      <p:pic>
+        <p:nvPicPr>
+          <p:cNvPr id="4" name="תמונה 3">
+            <a:extLst>
+              <a:ext uri="{FF2B5EF4-FFF2-40B4-BE49-F238E27FC236}">
+                <a16:creationId xmlns:a16="http://schemas.microsoft.com/office/drawing/2014/main" id="{C20F0280-EFF2-4EEE-9B7E-8CF33B520CAA}"/>
+              </a:ext>
+            </a:extLst>
+          </p:cNvPr>
+          <p:cNvPicPr>
+            <a:picLocks noChangeAspect="1"/>
+          </p:cNvPicPr>
+          <p:nvPr/>
+        </p:nvPicPr>
+        <p:blipFill>
+          <a:blip r:embed="rId2"/>
+          <a:stretch>
+            <a:fillRect/>
+          </a:stretch>
+        </p:blipFill>
+        <p:spPr>
+          <a:xfrm>
+            <a:off x="397740" y="3207271"/>
+            <a:ext cx="5145221" cy="1274975"/>
+          </a:xfrm>
+          <a:prstGeom prst="rect">
+            <a:avLst/>
+          </a:prstGeom>
+        </p:spPr>
+      </p:pic>
+      <p:pic>
+        <p:nvPicPr>
+          <p:cNvPr id="8" name="תמונה 7">
+            <a:extLst>
+              <a:ext uri="{FF2B5EF4-FFF2-40B4-BE49-F238E27FC236}">
+                <a16:creationId xmlns:a16="http://schemas.microsoft.com/office/drawing/2014/main" id="{8986E895-AD5A-4FBE-935E-ADB8429E1344}"/>
+              </a:ext>
+            </a:extLst>
+          </p:cNvPr>
+          <p:cNvPicPr>
+            <a:picLocks noChangeAspect="1"/>
+          </p:cNvPicPr>
+          <p:nvPr/>
+        </p:nvPicPr>
+        <p:blipFill>
+          <a:blip r:embed="rId3"/>
+          <a:stretch>
+            <a:fillRect/>
+          </a:stretch>
+        </p:blipFill>
+        <p:spPr>
+          <a:xfrm>
+            <a:off x="5710387" y="3207271"/>
+            <a:ext cx="6435633" cy="1262331"/>
+          </a:xfrm>
+          <a:prstGeom prst="rect">
+            <a:avLst/>
+          </a:prstGeom>
+        </p:spPr>
+      </p:pic>
+      <p:sp>
+        <p:nvSpPr>
+          <p:cNvPr id="29" name="כותרת 1">
+            <a:extLst>
+              <a:ext uri="{FF2B5EF4-FFF2-40B4-BE49-F238E27FC236}">
+                <a16:creationId xmlns:a16="http://schemas.microsoft.com/office/drawing/2014/main" id="{53D2DDCE-A53E-4C6A-92FB-087298CB289A}"/>
+              </a:ext>
+            </a:extLst>
+          </p:cNvPr>
+          <p:cNvSpPr txBox="1">
+            <a:spLocks/>
+          </p:cNvSpPr>
+          <p:nvPr/>
+        </p:nvSpPr>
+        <p:spPr>
+          <a:xfrm>
+            <a:off x="390719" y="4716409"/>
+            <a:ext cx="11081701" cy="958528"/>
+          </a:xfrm>
+          <a:prstGeom prst="rect">
+            <a:avLst/>
+          </a:prstGeom>
+        </p:spPr>
+        <p:txBody>
+          <a:bodyPr vert="horz" lIns="91440" tIns="45720" rIns="91440" bIns="45720" rtlCol="0" anchor="t">
+            <a:noAutofit/>
+          </a:bodyPr>
+          <a:lstStyle>
+            <a:lvl1pPr algn="l" defTabSz="457200" rtl="1" eaLnBrk="1" latinLnBrk="0" hangingPunct="1">
+              <a:spcBef>
+                <a:spcPct val="0"/>
+              </a:spcBef>
+              <a:buNone/>
+              <a:defRPr sz="4200" b="0" i="0" kern="1200">
+                <a:solidFill>
+                  <a:schemeClr val="tx2"/>
+                </a:solidFill>
+                <a:latin typeface="+mj-lt"/>
+                <a:ea typeface="+mj-ea"/>
+                <a:cs typeface="+mj-cs"/>
+              </a:defRPr>
+            </a:lvl1pPr>
+            <a:lvl2pPr rtl="1" eaLnBrk="1" hangingPunct="1">
+              <a:defRPr>
+                <a:solidFill>
+                  <a:schemeClr val="tx2"/>
+                </a:solidFill>
+              </a:defRPr>
+            </a:lvl2pPr>
+            <a:lvl3pPr rtl="1" eaLnBrk="1" hangingPunct="1">
+              <a:defRPr>
+                <a:solidFill>
+                  <a:schemeClr val="tx2"/>
+                </a:solidFill>
+              </a:defRPr>
+            </a:lvl3pPr>
+            <a:lvl4pPr rtl="1" eaLnBrk="1" hangingPunct="1">
+              <a:defRPr>
+                <a:solidFill>
+                  <a:schemeClr val="tx2"/>
+                </a:solidFill>
+              </a:defRPr>
+            </a:lvl4pPr>
+            <a:lvl5pPr rtl="1" eaLnBrk="1" hangingPunct="1">
+              <a:defRPr>
+                <a:solidFill>
+                  <a:schemeClr val="tx2"/>
+                </a:solidFill>
+              </a:defRPr>
+            </a:lvl5pPr>
+            <a:lvl6pPr rtl="1" eaLnBrk="1" hangingPunct="1">
+              <a:defRPr>
+                <a:solidFill>
+                  <a:schemeClr val="tx2"/>
+                </a:solidFill>
+              </a:defRPr>
+            </a:lvl6pPr>
+            <a:lvl7pPr rtl="1" eaLnBrk="1" hangingPunct="1">
+              <a:defRPr>
+                <a:solidFill>
+                  <a:schemeClr val="tx2"/>
+                </a:solidFill>
+              </a:defRPr>
+            </a:lvl7pPr>
+            <a:lvl8pPr rtl="1" eaLnBrk="1" hangingPunct="1">
+              <a:defRPr>
+                <a:solidFill>
+                  <a:schemeClr val="tx2"/>
+                </a:solidFill>
+              </a:defRPr>
+            </a:lvl8pPr>
+            <a:lvl9pPr rtl="1" eaLnBrk="1" hangingPunct="1">
+              <a:defRPr>
+                <a:solidFill>
+                  <a:schemeClr val="tx2"/>
+                </a:solidFill>
+              </a:defRPr>
+            </a:lvl9pPr>
+          </a:lstStyle>
+          <a:p>
+            <a:r>
+              <a:rPr lang="en-US" sz="2100" dirty="0"/>
+              <a:t>The data fetched from Goodreads isn’t stable when it comes to the Rating label. So in order to try and improve accuracy percentage, I used </a:t>
+            </a:r>
+            <a:r>
+              <a:rPr lang="en-US" sz="2100" b="1" dirty="0"/>
+              <a:t>THREE</a:t>
+            </a:r>
+            <a:r>
+              <a:rPr lang="en-US" sz="2100" dirty="0"/>
+              <a:t> different models.</a:t>
+            </a:r>
+            <a:endParaRPr lang="he-IL" sz="2100" dirty="0"/>
+          </a:p>
+        </p:txBody>
+      </p:sp>
+    </p:spTree>
+    <p:extLst>
+      <p:ext uri="{BB962C8B-B14F-4D97-AF65-F5344CB8AC3E}">
+        <p14:creationId xmlns:p14="http://schemas.microsoft.com/office/powerpoint/2010/main" val="2374298091"/>
       </p:ext>
     </p:extLst>
   </p:cSld>

--- a/Books popularity prediction.pptx
+++ b/Books popularity prediction.pptx
@@ -5,21 +5,23 @@
     <p:sldMasterId id="2147483840" r:id="rId1"/>
   </p:sldMasterIdLst>
   <p:notesMasterIdLst>
-    <p:notesMasterId r:id="rId14"/>
+    <p:notesMasterId r:id="rId16"/>
   </p:notesMasterIdLst>
   <p:sldIdLst>
     <p:sldId id="256" r:id="rId2"/>
     <p:sldId id="259" r:id="rId3"/>
-    <p:sldId id="266" r:id="rId4"/>
-    <p:sldId id="260" r:id="rId5"/>
-    <p:sldId id="270" r:id="rId6"/>
-    <p:sldId id="261" r:id="rId7"/>
-    <p:sldId id="263" r:id="rId8"/>
-    <p:sldId id="272" r:id="rId9"/>
-    <p:sldId id="269" r:id="rId10"/>
-    <p:sldId id="271" r:id="rId11"/>
-    <p:sldId id="273" r:id="rId12"/>
-    <p:sldId id="268" r:id="rId13"/>
+    <p:sldId id="260" r:id="rId4"/>
+    <p:sldId id="274" r:id="rId5"/>
+    <p:sldId id="275" r:id="rId6"/>
+    <p:sldId id="266" r:id="rId7"/>
+    <p:sldId id="261" r:id="rId8"/>
+    <p:sldId id="263" r:id="rId9"/>
+    <p:sldId id="272" r:id="rId10"/>
+    <p:sldId id="269" r:id="rId11"/>
+    <p:sldId id="271" r:id="rId12"/>
+    <p:sldId id="273" r:id="rId13"/>
+    <p:sldId id="268" r:id="rId14"/>
+    <p:sldId id="276" r:id="rId15"/>
   </p:sldIdLst>
   <p:sldSz cx="12192000" cy="6858000"/>
   <p:notesSz cx="6858000" cy="9144000"/>
@@ -874,753 +876,6 @@
 </file>
 
 <file path=ppt/diagrams/colors2.xml><?xml version="1.0" encoding="utf-8"?>
-<dgm:colorsDef xmlns:dgm="http://schemas.openxmlformats.org/drawingml/2006/diagram" xmlns:a="http://schemas.openxmlformats.org/drawingml/2006/main" uniqueId="urn:microsoft.com/office/officeart/2005/8/colors/accent1_2">
-  <dgm:title val=""/>
-  <dgm:desc val=""/>
-  <dgm:catLst>
-    <dgm:cat type="accent1" pri="11200"/>
-  </dgm:catLst>
-  <dgm:styleLbl name="node0">
-    <dgm:fillClrLst meth="repeat">
-      <a:schemeClr val="accent1"/>
-    </dgm:fillClrLst>
-    <dgm:linClrLst meth="repeat">
-      <a:schemeClr val="lt1"/>
-    </dgm:linClrLst>
-    <dgm:effectClrLst/>
-    <dgm:txLinClrLst/>
-    <dgm:txFillClrLst/>
-    <dgm:txEffectClrLst/>
-  </dgm:styleLbl>
-  <dgm:styleLbl name="alignNode1">
-    <dgm:fillClrLst meth="repeat">
-      <a:schemeClr val="accent1"/>
-    </dgm:fillClrLst>
-    <dgm:linClrLst meth="repeat">
-      <a:schemeClr val="accent1"/>
-    </dgm:linClrLst>
-    <dgm:effectClrLst/>
-    <dgm:txLinClrLst/>
-    <dgm:txFillClrLst/>
-    <dgm:txEffectClrLst/>
-  </dgm:styleLbl>
-  <dgm:styleLbl name="node1">
-    <dgm:fillClrLst meth="repeat">
-      <a:schemeClr val="accent1"/>
-    </dgm:fillClrLst>
-    <dgm:linClrLst meth="repeat">
-      <a:schemeClr val="lt1"/>
-    </dgm:linClrLst>
-    <dgm:effectClrLst/>
-    <dgm:txLinClrLst/>
-    <dgm:txFillClrLst/>
-    <dgm:txEffectClrLst/>
-  </dgm:styleLbl>
-  <dgm:styleLbl name="lnNode1">
-    <dgm:fillClrLst meth="repeat">
-      <a:schemeClr val="accent1"/>
-    </dgm:fillClrLst>
-    <dgm:linClrLst meth="repeat">
-      <a:schemeClr val="lt1"/>
-    </dgm:linClrLst>
-    <dgm:effectClrLst/>
-    <dgm:txLinClrLst/>
-    <dgm:txFillClrLst/>
-    <dgm:txEffectClrLst/>
-  </dgm:styleLbl>
-  <dgm:styleLbl name="vennNode1">
-    <dgm:fillClrLst meth="repeat">
-      <a:schemeClr val="accent1">
-        <a:alpha val="50000"/>
-      </a:schemeClr>
-    </dgm:fillClrLst>
-    <dgm:linClrLst meth="repeat">
-      <a:schemeClr val="lt1"/>
-    </dgm:linClrLst>
-    <dgm:effectClrLst/>
-    <dgm:txLinClrLst/>
-    <dgm:txFillClrLst/>
-    <dgm:txEffectClrLst/>
-  </dgm:styleLbl>
-  <dgm:styleLbl name="node2">
-    <dgm:fillClrLst meth="repeat">
-      <a:schemeClr val="accent1"/>
-    </dgm:fillClrLst>
-    <dgm:linClrLst meth="repeat">
-      <a:schemeClr val="lt1"/>
-    </dgm:linClrLst>
-    <dgm:effectClrLst/>
-    <dgm:txLinClrLst/>
-    <dgm:txFillClrLst/>
-    <dgm:txEffectClrLst/>
-  </dgm:styleLbl>
-  <dgm:styleLbl name="node3">
-    <dgm:fillClrLst meth="repeat">
-      <a:schemeClr val="accent1"/>
-    </dgm:fillClrLst>
-    <dgm:linClrLst meth="repeat">
-      <a:schemeClr val="lt1"/>
-    </dgm:linClrLst>
-    <dgm:effectClrLst/>
-    <dgm:txLinClrLst/>
-    <dgm:txFillClrLst/>
-    <dgm:txEffectClrLst/>
-  </dgm:styleLbl>
-  <dgm:styleLbl name="node4">
-    <dgm:fillClrLst meth="repeat">
-      <a:schemeClr val="accent1"/>
-    </dgm:fillClrLst>
-    <dgm:linClrLst meth="repeat">
-      <a:schemeClr val="lt1"/>
-    </dgm:linClrLst>
-    <dgm:effectClrLst/>
-    <dgm:txLinClrLst/>
-    <dgm:txFillClrLst/>
-    <dgm:txEffectClrLst/>
-  </dgm:styleLbl>
-  <dgm:styleLbl name="fgImgPlace1">
-    <dgm:fillClrLst meth="repeat">
-      <a:schemeClr val="accent1">
-        <a:tint val="50000"/>
-      </a:schemeClr>
-    </dgm:fillClrLst>
-    <dgm:linClrLst meth="repeat">
-      <a:schemeClr val="lt1"/>
-    </dgm:linClrLst>
-    <dgm:effectClrLst/>
-    <dgm:txLinClrLst/>
-    <dgm:txFillClrLst meth="repeat">
-      <a:schemeClr val="lt1"/>
-    </dgm:txFillClrLst>
-    <dgm:txEffectClrLst/>
-  </dgm:styleLbl>
-  <dgm:styleLbl name="alignImgPlace1">
-    <dgm:fillClrLst meth="repeat">
-      <a:schemeClr val="accent1">
-        <a:tint val="50000"/>
-      </a:schemeClr>
-    </dgm:fillClrLst>
-    <dgm:linClrLst meth="repeat">
-      <a:schemeClr val="lt1"/>
-    </dgm:linClrLst>
-    <dgm:effectClrLst/>
-    <dgm:txLinClrLst/>
-    <dgm:txFillClrLst meth="repeat">
-      <a:schemeClr val="lt1"/>
-    </dgm:txFillClrLst>
-    <dgm:txEffectClrLst/>
-  </dgm:styleLbl>
-  <dgm:styleLbl name="bgImgPlace1">
-    <dgm:fillClrLst meth="repeat">
-      <a:schemeClr val="accent1">
-        <a:tint val="50000"/>
-      </a:schemeClr>
-    </dgm:fillClrLst>
-    <dgm:linClrLst meth="repeat">
-      <a:schemeClr val="lt1"/>
-    </dgm:linClrLst>
-    <dgm:effectClrLst/>
-    <dgm:txLinClrLst/>
-    <dgm:txFillClrLst meth="repeat">
-      <a:schemeClr val="lt1"/>
-    </dgm:txFillClrLst>
-    <dgm:txEffectClrLst/>
-  </dgm:styleLbl>
-  <dgm:styleLbl name="sibTrans2D1">
-    <dgm:fillClrLst meth="repeat">
-      <a:schemeClr val="accent1">
-        <a:tint val="60000"/>
-      </a:schemeClr>
-    </dgm:fillClrLst>
-    <dgm:linClrLst meth="repeat">
-      <a:schemeClr val="accent1">
-        <a:tint val="60000"/>
-      </a:schemeClr>
-    </dgm:linClrLst>
-    <dgm:effectClrLst/>
-    <dgm:txLinClrLst/>
-    <dgm:txFillClrLst/>
-    <dgm:txEffectClrLst/>
-  </dgm:styleLbl>
-  <dgm:styleLbl name="fgSibTrans2D1">
-    <dgm:fillClrLst meth="repeat">
-      <a:schemeClr val="accent1">
-        <a:tint val="60000"/>
-      </a:schemeClr>
-    </dgm:fillClrLst>
-    <dgm:linClrLst meth="repeat">
-      <a:schemeClr val="accent1">
-        <a:tint val="60000"/>
-      </a:schemeClr>
-    </dgm:linClrLst>
-    <dgm:effectClrLst/>
-    <dgm:txLinClrLst/>
-    <dgm:txFillClrLst/>
-    <dgm:txEffectClrLst/>
-  </dgm:styleLbl>
-  <dgm:styleLbl name="bgSibTrans2D1">
-    <dgm:fillClrLst meth="repeat">
-      <a:schemeClr val="accent1">
-        <a:tint val="60000"/>
-      </a:schemeClr>
-    </dgm:fillClrLst>
-    <dgm:linClrLst meth="repeat">
-      <a:schemeClr val="accent1">
-        <a:tint val="60000"/>
-      </a:schemeClr>
-    </dgm:linClrLst>
-    <dgm:effectClrLst/>
-    <dgm:txLinClrLst/>
-    <dgm:txFillClrLst/>
-    <dgm:txEffectClrLst/>
-  </dgm:styleLbl>
-  <dgm:styleLbl name="sibTrans1D1">
-    <dgm:fillClrLst meth="repeat">
-      <a:schemeClr val="accent1"/>
-    </dgm:fillClrLst>
-    <dgm:linClrLst meth="repeat">
-      <a:schemeClr val="accent1"/>
-    </dgm:linClrLst>
-    <dgm:effectClrLst/>
-    <dgm:txLinClrLst/>
-    <dgm:txFillClrLst meth="repeat">
-      <a:schemeClr val="tx1"/>
-    </dgm:txFillClrLst>
-    <dgm:txEffectClrLst/>
-  </dgm:styleLbl>
-  <dgm:styleLbl name="callout">
-    <dgm:fillClrLst meth="repeat">
-      <a:schemeClr val="accent1"/>
-    </dgm:fillClrLst>
-    <dgm:linClrLst meth="repeat">
-      <a:schemeClr val="accent1">
-        <a:tint val="50000"/>
-      </a:schemeClr>
-    </dgm:linClrLst>
-    <dgm:effectClrLst/>
-    <dgm:txLinClrLst/>
-    <dgm:txFillClrLst meth="repeat">
-      <a:schemeClr val="tx1"/>
-    </dgm:txFillClrLst>
-    <dgm:txEffectClrLst/>
-  </dgm:styleLbl>
-  <dgm:styleLbl name="asst0">
-    <dgm:fillClrLst meth="repeat">
-      <a:schemeClr val="accent1"/>
-    </dgm:fillClrLst>
-    <dgm:linClrLst meth="repeat">
-      <a:schemeClr val="lt1"/>
-    </dgm:linClrLst>
-    <dgm:effectClrLst/>
-    <dgm:txLinClrLst/>
-    <dgm:txFillClrLst/>
-    <dgm:txEffectClrLst/>
-  </dgm:styleLbl>
-  <dgm:styleLbl name="asst1">
-    <dgm:fillClrLst meth="repeat">
-      <a:schemeClr val="accent1"/>
-    </dgm:fillClrLst>
-    <dgm:linClrLst meth="repeat">
-      <a:schemeClr val="lt1"/>
-    </dgm:linClrLst>
-    <dgm:effectClrLst/>
-    <dgm:txLinClrLst/>
-    <dgm:txFillClrLst/>
-    <dgm:txEffectClrLst/>
-  </dgm:styleLbl>
-  <dgm:styleLbl name="asst2">
-    <dgm:fillClrLst meth="repeat">
-      <a:schemeClr val="accent1"/>
-    </dgm:fillClrLst>
-    <dgm:linClrLst meth="repeat">
-      <a:schemeClr val="lt1"/>
-    </dgm:linClrLst>
-    <dgm:effectClrLst/>
-    <dgm:txLinClrLst/>
-    <dgm:txFillClrLst/>
-    <dgm:txEffectClrLst/>
-  </dgm:styleLbl>
-  <dgm:styleLbl name="asst3">
-    <dgm:fillClrLst meth="repeat">
-      <a:schemeClr val="accent1"/>
-    </dgm:fillClrLst>
-    <dgm:linClrLst meth="repeat">
-      <a:schemeClr val="lt1"/>
-    </dgm:linClrLst>
-    <dgm:effectClrLst/>
-    <dgm:txLinClrLst/>
-    <dgm:txFillClrLst/>
-    <dgm:txEffectClrLst/>
-  </dgm:styleLbl>
-  <dgm:styleLbl name="asst4">
-    <dgm:fillClrLst meth="repeat">
-      <a:schemeClr val="accent1"/>
-    </dgm:fillClrLst>
-    <dgm:linClrLst meth="repeat">
-      <a:schemeClr val="lt1"/>
-    </dgm:linClrLst>
-    <dgm:effectClrLst/>
-    <dgm:txLinClrLst/>
-    <dgm:txFillClrLst/>
-    <dgm:txEffectClrLst/>
-  </dgm:styleLbl>
-  <dgm:styleLbl name="parChTrans2D1">
-    <dgm:fillClrLst meth="repeat">
-      <a:schemeClr val="accent1">
-        <a:tint val="60000"/>
-      </a:schemeClr>
-    </dgm:fillClrLst>
-    <dgm:linClrLst meth="repeat">
-      <a:schemeClr val="accent1">
-        <a:tint val="60000"/>
-      </a:schemeClr>
-    </dgm:linClrLst>
-    <dgm:effectClrLst/>
-    <dgm:txLinClrLst/>
-    <dgm:txFillClrLst meth="repeat">
-      <a:schemeClr val="lt1"/>
-    </dgm:txFillClrLst>
-    <dgm:txEffectClrLst/>
-  </dgm:styleLbl>
-  <dgm:styleLbl name="parChTrans2D2">
-    <dgm:fillClrLst meth="repeat">
-      <a:schemeClr val="accent1"/>
-    </dgm:fillClrLst>
-    <dgm:linClrLst meth="repeat">
-      <a:schemeClr val="accent1"/>
-    </dgm:linClrLst>
-    <dgm:effectClrLst/>
-    <dgm:txLinClrLst/>
-    <dgm:txFillClrLst meth="repeat">
-      <a:schemeClr val="lt1"/>
-    </dgm:txFillClrLst>
-    <dgm:txEffectClrLst/>
-  </dgm:styleLbl>
-  <dgm:styleLbl name="parChTrans2D3">
-    <dgm:fillClrLst meth="repeat">
-      <a:schemeClr val="accent1"/>
-    </dgm:fillClrLst>
-    <dgm:linClrLst meth="repeat">
-      <a:schemeClr val="accent1"/>
-    </dgm:linClrLst>
-    <dgm:effectClrLst/>
-    <dgm:txLinClrLst/>
-    <dgm:txFillClrLst meth="repeat">
-      <a:schemeClr val="lt1"/>
-    </dgm:txFillClrLst>
-    <dgm:txEffectClrLst/>
-  </dgm:styleLbl>
-  <dgm:styleLbl name="parChTrans2D4">
-    <dgm:fillClrLst meth="repeat">
-      <a:schemeClr val="accent1"/>
-    </dgm:fillClrLst>
-    <dgm:linClrLst meth="repeat">
-      <a:schemeClr val="accent1"/>
-    </dgm:linClrLst>
-    <dgm:effectClrLst/>
-    <dgm:txLinClrLst/>
-    <dgm:txFillClrLst meth="repeat">
-      <a:schemeClr val="lt1"/>
-    </dgm:txFillClrLst>
-    <dgm:txEffectClrLst/>
-  </dgm:styleLbl>
-  <dgm:styleLbl name="parChTrans1D1">
-    <dgm:fillClrLst meth="repeat">
-      <a:schemeClr val="accent1"/>
-    </dgm:fillClrLst>
-    <dgm:linClrLst meth="repeat">
-      <a:schemeClr val="accent1">
-        <a:shade val="60000"/>
-      </a:schemeClr>
-    </dgm:linClrLst>
-    <dgm:effectClrLst/>
-    <dgm:txLinClrLst/>
-    <dgm:txFillClrLst meth="repeat">
-      <a:schemeClr val="tx1"/>
-    </dgm:txFillClrLst>
-    <dgm:txEffectClrLst/>
-  </dgm:styleLbl>
-  <dgm:styleLbl name="parChTrans1D2">
-    <dgm:fillClrLst meth="repeat">
-      <a:schemeClr val="accent1"/>
-    </dgm:fillClrLst>
-    <dgm:linClrLst meth="repeat">
-      <a:schemeClr val="accent1">
-        <a:shade val="60000"/>
-      </a:schemeClr>
-    </dgm:linClrLst>
-    <dgm:effectClrLst/>
-    <dgm:txLinClrLst/>
-    <dgm:txFillClrLst meth="repeat">
-      <a:schemeClr val="tx1"/>
-    </dgm:txFillClrLst>
-    <dgm:txEffectClrLst/>
-  </dgm:styleLbl>
-  <dgm:styleLbl name="parChTrans1D3">
-    <dgm:fillClrLst meth="repeat">
-      <a:schemeClr val="accent1"/>
-    </dgm:fillClrLst>
-    <dgm:linClrLst meth="repeat">
-      <a:schemeClr val="accent1">
-        <a:shade val="80000"/>
-      </a:schemeClr>
-    </dgm:linClrLst>
-    <dgm:effectClrLst/>
-    <dgm:txLinClrLst/>
-    <dgm:txFillClrLst meth="repeat">
-      <a:schemeClr val="tx1"/>
-    </dgm:txFillClrLst>
-    <dgm:txEffectClrLst/>
-  </dgm:styleLbl>
-  <dgm:styleLbl name="parChTrans1D4">
-    <dgm:fillClrLst meth="repeat">
-      <a:schemeClr val="accent1"/>
-    </dgm:fillClrLst>
-    <dgm:linClrLst meth="repeat">
-      <a:schemeClr val="accent1">
-        <a:shade val="80000"/>
-      </a:schemeClr>
-    </dgm:linClrLst>
-    <dgm:effectClrLst/>
-    <dgm:txLinClrLst/>
-    <dgm:txFillClrLst meth="repeat">
-      <a:schemeClr val="tx1"/>
-    </dgm:txFillClrLst>
-    <dgm:txEffectClrLst/>
-  </dgm:styleLbl>
-  <dgm:styleLbl name="fgAcc1">
-    <dgm:fillClrLst meth="repeat">
-      <a:schemeClr val="lt1">
-        <a:alpha val="90000"/>
-      </a:schemeClr>
-    </dgm:fillClrLst>
-    <dgm:linClrLst meth="repeat">
-      <a:schemeClr val="accent1"/>
-    </dgm:linClrLst>
-    <dgm:effectClrLst/>
-    <dgm:txLinClrLst/>
-    <dgm:txFillClrLst meth="repeat">
-      <a:schemeClr val="dk1"/>
-    </dgm:txFillClrLst>
-    <dgm:txEffectClrLst/>
-  </dgm:styleLbl>
-  <dgm:styleLbl name="conFgAcc1">
-    <dgm:fillClrLst meth="repeat">
-      <a:schemeClr val="lt1">
-        <a:alpha val="90000"/>
-      </a:schemeClr>
-    </dgm:fillClrLst>
-    <dgm:linClrLst meth="repeat">
-      <a:schemeClr val="accent1"/>
-    </dgm:linClrLst>
-    <dgm:effectClrLst/>
-    <dgm:txLinClrLst/>
-    <dgm:txFillClrLst meth="repeat">
-      <a:schemeClr val="dk1"/>
-    </dgm:txFillClrLst>
-    <dgm:txEffectClrLst/>
-  </dgm:styleLbl>
-  <dgm:styleLbl name="alignAcc1">
-    <dgm:fillClrLst meth="repeat">
-      <a:schemeClr val="lt1">
-        <a:alpha val="90000"/>
-      </a:schemeClr>
-    </dgm:fillClrLst>
-    <dgm:linClrLst meth="repeat">
-      <a:schemeClr val="accent1"/>
-    </dgm:linClrLst>
-    <dgm:effectClrLst/>
-    <dgm:txLinClrLst/>
-    <dgm:txFillClrLst meth="repeat">
-      <a:schemeClr val="dk1"/>
-    </dgm:txFillClrLst>
-    <dgm:txEffectClrLst/>
-  </dgm:styleLbl>
-  <dgm:styleLbl name="trAlignAcc1">
-    <dgm:fillClrLst meth="repeat">
-      <a:schemeClr val="lt1">
-        <a:alpha val="40000"/>
-      </a:schemeClr>
-    </dgm:fillClrLst>
-    <dgm:linClrLst meth="repeat">
-      <a:schemeClr val="accent1"/>
-    </dgm:linClrLst>
-    <dgm:effectClrLst/>
-    <dgm:txLinClrLst/>
-    <dgm:txFillClrLst meth="repeat">
-      <a:schemeClr val="dk1"/>
-    </dgm:txFillClrLst>
-    <dgm:txEffectClrLst/>
-  </dgm:styleLbl>
-  <dgm:styleLbl name="bgAcc1">
-    <dgm:fillClrLst meth="repeat">
-      <a:schemeClr val="lt1">
-        <a:alpha val="90000"/>
-      </a:schemeClr>
-    </dgm:fillClrLst>
-    <dgm:linClrLst meth="repeat">
-      <a:schemeClr val="accent1"/>
-    </dgm:linClrLst>
-    <dgm:effectClrLst/>
-    <dgm:txLinClrLst/>
-    <dgm:txFillClrLst meth="repeat">
-      <a:schemeClr val="dk1"/>
-    </dgm:txFillClrLst>
-    <dgm:txEffectClrLst/>
-  </dgm:styleLbl>
-  <dgm:styleLbl name="solidFgAcc1">
-    <dgm:fillClrLst meth="repeat">
-      <a:schemeClr val="lt1"/>
-    </dgm:fillClrLst>
-    <dgm:linClrLst meth="repeat">
-      <a:schemeClr val="accent1"/>
-    </dgm:linClrLst>
-    <dgm:effectClrLst/>
-    <dgm:txLinClrLst/>
-    <dgm:txFillClrLst meth="repeat">
-      <a:schemeClr val="dk1"/>
-    </dgm:txFillClrLst>
-    <dgm:txEffectClrLst/>
-  </dgm:styleLbl>
-  <dgm:styleLbl name="solidAlignAcc1">
-    <dgm:fillClrLst meth="repeat">
-      <a:schemeClr val="lt1"/>
-    </dgm:fillClrLst>
-    <dgm:linClrLst meth="repeat">
-      <a:schemeClr val="accent1"/>
-    </dgm:linClrLst>
-    <dgm:effectClrLst/>
-    <dgm:txLinClrLst/>
-    <dgm:txFillClrLst meth="repeat">
-      <a:schemeClr val="dk1"/>
-    </dgm:txFillClrLst>
-    <dgm:txEffectClrLst/>
-  </dgm:styleLbl>
-  <dgm:styleLbl name="solidBgAcc1">
-    <dgm:fillClrLst meth="repeat">
-      <a:schemeClr val="lt1"/>
-    </dgm:fillClrLst>
-    <dgm:linClrLst meth="repeat">
-      <a:schemeClr val="accent1"/>
-    </dgm:linClrLst>
-    <dgm:effectClrLst/>
-    <dgm:txLinClrLst/>
-    <dgm:txFillClrLst meth="repeat">
-      <a:schemeClr val="dk1"/>
-    </dgm:txFillClrLst>
-    <dgm:txEffectClrLst/>
-  </dgm:styleLbl>
-  <dgm:styleLbl name="fgAccFollowNode1">
-    <dgm:fillClrLst meth="repeat">
-      <a:schemeClr val="accent1">
-        <a:alpha val="90000"/>
-        <a:tint val="40000"/>
-      </a:schemeClr>
-    </dgm:fillClrLst>
-    <dgm:linClrLst meth="repeat">
-      <a:schemeClr val="accent1">
-        <a:alpha val="90000"/>
-        <a:tint val="40000"/>
-      </a:schemeClr>
-    </dgm:linClrLst>
-    <dgm:effectClrLst/>
-    <dgm:txLinClrLst/>
-    <dgm:txFillClrLst meth="repeat">
-      <a:schemeClr val="dk1"/>
-    </dgm:txFillClrLst>
-    <dgm:txEffectClrLst/>
-  </dgm:styleLbl>
-  <dgm:styleLbl name="alignAccFollowNode1">
-    <dgm:fillClrLst meth="repeat">
-      <a:schemeClr val="accent1">
-        <a:alpha val="90000"/>
-        <a:tint val="40000"/>
-      </a:schemeClr>
-    </dgm:fillClrLst>
-    <dgm:linClrLst meth="repeat">
-      <a:schemeClr val="accent1">
-        <a:alpha val="90000"/>
-        <a:tint val="40000"/>
-      </a:schemeClr>
-    </dgm:linClrLst>
-    <dgm:effectClrLst/>
-    <dgm:txLinClrLst/>
-    <dgm:txFillClrLst meth="repeat">
-      <a:schemeClr val="dk1"/>
-    </dgm:txFillClrLst>
-    <dgm:txEffectClrLst/>
-  </dgm:styleLbl>
-  <dgm:styleLbl name="bgAccFollowNode1">
-    <dgm:fillClrLst meth="repeat">
-      <a:schemeClr val="accent1">
-        <a:alpha val="90000"/>
-        <a:tint val="40000"/>
-      </a:schemeClr>
-    </dgm:fillClrLst>
-    <dgm:linClrLst meth="repeat">
-      <a:schemeClr val="accent1">
-        <a:alpha val="90000"/>
-        <a:tint val="40000"/>
-      </a:schemeClr>
-    </dgm:linClrLst>
-    <dgm:effectClrLst/>
-    <dgm:txLinClrLst/>
-    <dgm:txFillClrLst meth="repeat">
-      <a:schemeClr val="dk1"/>
-    </dgm:txFillClrLst>
-    <dgm:txEffectClrLst/>
-  </dgm:styleLbl>
-  <dgm:styleLbl name="fgAcc0">
-    <dgm:fillClrLst meth="repeat">
-      <a:schemeClr val="lt1">
-        <a:alpha val="90000"/>
-      </a:schemeClr>
-    </dgm:fillClrLst>
-    <dgm:linClrLst meth="repeat">
-      <a:schemeClr val="accent1"/>
-    </dgm:linClrLst>
-    <dgm:effectClrLst/>
-    <dgm:txLinClrLst/>
-    <dgm:txFillClrLst meth="repeat">
-      <a:schemeClr val="dk1"/>
-    </dgm:txFillClrLst>
-    <dgm:txEffectClrLst/>
-  </dgm:styleLbl>
-  <dgm:styleLbl name="fgAcc2">
-    <dgm:fillClrLst meth="repeat">
-      <a:schemeClr val="lt1">
-        <a:alpha val="90000"/>
-      </a:schemeClr>
-    </dgm:fillClrLst>
-    <dgm:linClrLst meth="repeat">
-      <a:schemeClr val="accent1"/>
-    </dgm:linClrLst>
-    <dgm:effectClrLst/>
-    <dgm:txLinClrLst/>
-    <dgm:txFillClrLst meth="repeat">
-      <a:schemeClr val="dk1"/>
-    </dgm:txFillClrLst>
-    <dgm:txEffectClrLst/>
-  </dgm:styleLbl>
-  <dgm:styleLbl name="fgAcc3">
-    <dgm:fillClrLst meth="repeat">
-      <a:schemeClr val="lt1">
-        <a:alpha val="90000"/>
-      </a:schemeClr>
-    </dgm:fillClrLst>
-    <dgm:linClrLst meth="repeat">
-      <a:schemeClr val="accent1"/>
-    </dgm:linClrLst>
-    <dgm:effectClrLst/>
-    <dgm:txLinClrLst/>
-    <dgm:txFillClrLst meth="repeat">
-      <a:schemeClr val="dk1"/>
-    </dgm:txFillClrLst>
-    <dgm:txEffectClrLst/>
-  </dgm:styleLbl>
-  <dgm:styleLbl name="fgAcc4">
-    <dgm:fillClrLst meth="repeat">
-      <a:schemeClr val="lt1">
-        <a:alpha val="90000"/>
-      </a:schemeClr>
-    </dgm:fillClrLst>
-    <dgm:linClrLst meth="repeat">
-      <a:schemeClr val="accent1"/>
-    </dgm:linClrLst>
-    <dgm:effectClrLst/>
-    <dgm:txLinClrLst/>
-    <dgm:txFillClrLst meth="repeat">
-      <a:schemeClr val="dk1"/>
-    </dgm:txFillClrLst>
-    <dgm:txEffectClrLst/>
-  </dgm:styleLbl>
-  <dgm:styleLbl name="bgShp">
-    <dgm:fillClrLst meth="repeat">
-      <a:schemeClr val="accent1">
-        <a:tint val="40000"/>
-      </a:schemeClr>
-    </dgm:fillClrLst>
-    <dgm:linClrLst meth="repeat">
-      <a:schemeClr val="accent1"/>
-    </dgm:linClrLst>
-    <dgm:effectClrLst/>
-    <dgm:txLinClrLst/>
-    <dgm:txFillClrLst meth="repeat">
-      <a:schemeClr val="dk1"/>
-    </dgm:txFillClrLst>
-    <dgm:txEffectClrLst/>
-  </dgm:styleLbl>
-  <dgm:styleLbl name="dkBgShp">
-    <dgm:fillClrLst meth="repeat">
-      <a:schemeClr val="accent1">
-        <a:shade val="80000"/>
-      </a:schemeClr>
-    </dgm:fillClrLst>
-    <dgm:linClrLst meth="repeat">
-      <a:schemeClr val="accent1"/>
-    </dgm:linClrLst>
-    <dgm:effectClrLst/>
-    <dgm:txLinClrLst/>
-    <dgm:txFillClrLst meth="repeat">
-      <a:schemeClr val="lt1"/>
-    </dgm:txFillClrLst>
-    <dgm:txEffectClrLst/>
-  </dgm:styleLbl>
-  <dgm:styleLbl name="trBgShp">
-    <dgm:fillClrLst meth="repeat">
-      <a:schemeClr val="accent1">
-        <a:tint val="50000"/>
-        <a:alpha val="40000"/>
-      </a:schemeClr>
-    </dgm:fillClrLst>
-    <dgm:linClrLst meth="repeat">
-      <a:schemeClr val="accent1"/>
-    </dgm:linClrLst>
-    <dgm:effectClrLst/>
-    <dgm:txLinClrLst/>
-    <dgm:txFillClrLst meth="repeat">
-      <a:schemeClr val="lt1"/>
-    </dgm:txFillClrLst>
-    <dgm:txEffectClrLst/>
-  </dgm:styleLbl>
-  <dgm:styleLbl name="fgShp">
-    <dgm:fillClrLst meth="repeat">
-      <a:schemeClr val="accent1">
-        <a:tint val="60000"/>
-      </a:schemeClr>
-    </dgm:fillClrLst>
-    <dgm:linClrLst meth="repeat">
-      <a:schemeClr val="lt1"/>
-    </dgm:linClrLst>
-    <dgm:effectClrLst/>
-    <dgm:txLinClrLst/>
-    <dgm:txFillClrLst meth="repeat">
-      <a:schemeClr val="dk1"/>
-    </dgm:txFillClrLst>
-    <dgm:txEffectClrLst/>
-  </dgm:styleLbl>
-  <dgm:styleLbl name="revTx">
-    <dgm:fillClrLst meth="repeat">
-      <a:schemeClr val="lt1">
-        <a:alpha val="0"/>
-      </a:schemeClr>
-    </dgm:fillClrLst>
-    <dgm:linClrLst meth="repeat">
-      <a:schemeClr val="dk1">
-        <a:alpha val="0"/>
-      </a:schemeClr>
-    </dgm:linClrLst>
-    <dgm:effectClrLst/>
-    <dgm:txLinClrLst/>
-    <dgm:txFillClrLst meth="repeat">
-      <a:schemeClr val="tx1"/>
-    </dgm:txFillClrLst>
-    <dgm:txEffectClrLst/>
-  </dgm:styleLbl>
-</dgm:colorsDef>
-</file>
-
-<file path=ppt/diagrams/colors3.xml><?xml version="1.0" encoding="utf-8"?>
 <dgm:colorsDef xmlns:dgm="http://schemas.openxmlformats.org/drawingml/2006/diagram" xmlns:a="http://schemas.openxmlformats.org/drawingml/2006/main" uniqueId="urn:microsoft.com/office/officeart/2005/8/colors/accent1_2">
   <dgm:title val=""/>
   <dgm:desc val=""/>
@@ -2625,263 +1880,6 @@
 </file>
 
 <file path=ppt/diagrams/data2.xml><?xml version="1.0" encoding="utf-8"?>
-<dgm:dataModel xmlns:dgm="http://schemas.openxmlformats.org/drawingml/2006/diagram" xmlns:a="http://schemas.openxmlformats.org/drawingml/2006/main">
-  <dgm:ptLst>
-    <dgm:pt modelId="{B34D7DD4-C264-498A-A241-9582938900AA}" type="doc">
-      <dgm:prSet loTypeId="urn:microsoft.com/office/officeart/2005/8/layout/hChevron3" loCatId="process" qsTypeId="urn:microsoft.com/office/officeart/2005/8/quickstyle/simple1" qsCatId="simple" csTypeId="urn:microsoft.com/office/officeart/2005/8/colors/accent1_2" csCatId="accent1" phldr="1"/>
-      <dgm:spPr/>
-    </dgm:pt>
-    <dgm:pt modelId="{C0C7ADB7-651B-4E30-ACF4-5A76E33FC107}">
-      <dgm:prSet phldrT="[טקסט]" custT="1"/>
-      <dgm:spPr>
-        <a:solidFill>
-          <a:schemeClr val="accent5"/>
-        </a:solidFill>
-      </dgm:spPr>
-      <dgm:t>
-        <a:bodyPr/>
-        <a:lstStyle/>
-        <a:p>
-          <a:pPr rtl="1"/>
-          <a:r>
-            <a:rPr lang="en-US" sz="2200" dirty="0"/>
-            <a:t>Data</a:t>
-          </a:r>
-          <a:r>
-            <a:rPr lang="en-US" sz="2400" dirty="0"/>
-            <a:t> Acquisition</a:t>
-          </a:r>
-          <a:endParaRPr lang="he-IL" sz="2400" dirty="0"/>
-        </a:p>
-      </dgm:t>
-    </dgm:pt>
-    <dgm:pt modelId="{D92BED74-A1D8-4DC0-9159-76B17198CB50}" type="parTrans" cxnId="{EF7AFCD2-DFB0-4F31-918D-5A2ED62E58C0}">
-      <dgm:prSet/>
-      <dgm:spPr/>
-      <dgm:t>
-        <a:bodyPr/>
-        <a:lstStyle/>
-        <a:p>
-          <a:pPr rtl="1"/>
-          <a:endParaRPr lang="he-IL"/>
-        </a:p>
-      </dgm:t>
-    </dgm:pt>
-    <dgm:pt modelId="{9B4ADBD0-CD87-496C-BD64-E81348702568}" type="sibTrans" cxnId="{EF7AFCD2-DFB0-4F31-918D-5A2ED62E58C0}">
-      <dgm:prSet/>
-      <dgm:spPr/>
-      <dgm:t>
-        <a:bodyPr/>
-        <a:lstStyle/>
-        <a:p>
-          <a:pPr rtl="1"/>
-          <a:endParaRPr lang="he-IL"/>
-        </a:p>
-      </dgm:t>
-    </dgm:pt>
-    <dgm:pt modelId="{D9FB35D8-2398-4E72-B2D5-6E198D0DC88B}">
-      <dgm:prSet phldrT="[טקסט]" custT="1"/>
-      <dgm:spPr/>
-      <dgm:t>
-        <a:bodyPr/>
-        <a:lstStyle/>
-        <a:p>
-          <a:pPr rtl="1"/>
-          <a:r>
-            <a:rPr lang="en-US" sz="2200" dirty="0"/>
-            <a:t>EDA</a:t>
-          </a:r>
-          <a:endParaRPr lang="he-IL" sz="2200" dirty="0"/>
-        </a:p>
-      </dgm:t>
-    </dgm:pt>
-    <dgm:pt modelId="{DED80F22-4AD9-4D1B-8B78-71AFA9F34740}" type="parTrans" cxnId="{C2BAA037-0023-4DD7-9BF9-36A452632BA2}">
-      <dgm:prSet/>
-      <dgm:spPr/>
-      <dgm:t>
-        <a:bodyPr/>
-        <a:lstStyle/>
-        <a:p>
-          <a:pPr rtl="1"/>
-          <a:endParaRPr lang="he-IL"/>
-        </a:p>
-      </dgm:t>
-    </dgm:pt>
-    <dgm:pt modelId="{FAA545EE-42F8-4703-B2AC-16181F4F35BD}" type="sibTrans" cxnId="{C2BAA037-0023-4DD7-9BF9-36A452632BA2}">
-      <dgm:prSet/>
-      <dgm:spPr/>
-      <dgm:t>
-        <a:bodyPr/>
-        <a:lstStyle/>
-        <a:p>
-          <a:pPr rtl="1"/>
-          <a:endParaRPr lang="he-IL"/>
-        </a:p>
-      </dgm:t>
-    </dgm:pt>
-    <dgm:pt modelId="{4385D6A8-1653-45FD-8DB0-44BD69BD6386}">
-      <dgm:prSet phldrT="[טקסט]" custT="1"/>
-      <dgm:spPr/>
-      <dgm:t>
-        <a:bodyPr/>
-        <a:lstStyle/>
-        <a:p>
-          <a:pPr rtl="1"/>
-          <a:r>
-            <a:rPr lang="en-US" sz="2200" dirty="0"/>
-            <a:t>Machine Learning</a:t>
-          </a:r>
-          <a:endParaRPr lang="he-IL" sz="2200" dirty="0"/>
-        </a:p>
-      </dgm:t>
-    </dgm:pt>
-    <dgm:pt modelId="{2C61C5FE-90B0-4E43-890A-97F8A8293254}" type="parTrans" cxnId="{0FB8E727-289C-4BB8-A549-A33B6E0821AA}">
-      <dgm:prSet/>
-      <dgm:spPr/>
-      <dgm:t>
-        <a:bodyPr/>
-        <a:lstStyle/>
-        <a:p>
-          <a:pPr rtl="1"/>
-          <a:endParaRPr lang="he-IL"/>
-        </a:p>
-      </dgm:t>
-    </dgm:pt>
-    <dgm:pt modelId="{8BF4A0B3-5BB5-4802-A8B6-1AA3FF811FAC}" type="sibTrans" cxnId="{0FB8E727-289C-4BB8-A549-A33B6E0821AA}">
-      <dgm:prSet/>
-      <dgm:spPr/>
-      <dgm:t>
-        <a:bodyPr/>
-        <a:lstStyle/>
-        <a:p>
-          <a:pPr rtl="1"/>
-          <a:endParaRPr lang="he-IL"/>
-        </a:p>
-      </dgm:t>
-    </dgm:pt>
-    <dgm:pt modelId="{28984869-DB4D-446D-9C25-36E99AA65655}">
-      <dgm:prSet custT="1"/>
-      <dgm:spPr/>
-      <dgm:t>
-        <a:bodyPr/>
-        <a:lstStyle/>
-        <a:p>
-          <a:pPr rtl="1"/>
-          <a:r>
-            <a:rPr lang="en-US" sz="2200" dirty="0"/>
-            <a:t>Conclusions</a:t>
-          </a:r>
-          <a:endParaRPr lang="he-IL" sz="2200" dirty="0"/>
-        </a:p>
-      </dgm:t>
-    </dgm:pt>
-    <dgm:pt modelId="{60F2DB50-C2C9-443B-96CA-E0C5ADBB3152}" type="parTrans" cxnId="{5BC04CC0-5734-4189-9BA7-3276E24782B9}">
-      <dgm:prSet/>
-      <dgm:spPr/>
-      <dgm:t>
-        <a:bodyPr/>
-        <a:lstStyle/>
-        <a:p>
-          <a:pPr rtl="1"/>
-          <a:endParaRPr lang="he-IL"/>
-        </a:p>
-      </dgm:t>
-    </dgm:pt>
-    <dgm:pt modelId="{256F1302-E9CB-4C53-BABC-F70CE8C6CC65}" type="sibTrans" cxnId="{5BC04CC0-5734-4189-9BA7-3276E24782B9}">
-      <dgm:prSet/>
-      <dgm:spPr/>
-      <dgm:t>
-        <a:bodyPr/>
-        <a:lstStyle/>
-        <a:p>
-          <a:pPr rtl="1"/>
-          <a:endParaRPr lang="he-IL"/>
-        </a:p>
-      </dgm:t>
-    </dgm:pt>
-    <dgm:pt modelId="{1F782C02-7891-41BE-82AD-215A94DAE870}" type="pres">
-      <dgm:prSet presAssocID="{B34D7DD4-C264-498A-A241-9582938900AA}" presName="Name0" presStyleCnt="0">
-        <dgm:presLayoutVars>
-          <dgm:dir val="rev"/>
-          <dgm:resizeHandles val="exact"/>
-        </dgm:presLayoutVars>
-      </dgm:prSet>
-      <dgm:spPr/>
-    </dgm:pt>
-    <dgm:pt modelId="{80D759A4-F179-4CFE-AA4D-6BA803B32F5A}" type="pres">
-      <dgm:prSet presAssocID="{C0C7ADB7-651B-4E30-ACF4-5A76E33FC107}" presName="parTxOnly" presStyleLbl="node1" presStyleIdx="0" presStyleCnt="4" custScaleX="111744">
-        <dgm:presLayoutVars>
-          <dgm:bulletEnabled val="1"/>
-        </dgm:presLayoutVars>
-      </dgm:prSet>
-      <dgm:spPr/>
-    </dgm:pt>
-    <dgm:pt modelId="{1A081BC8-5107-48AA-AA2E-4FF47C8CE152}" type="pres">
-      <dgm:prSet presAssocID="{9B4ADBD0-CD87-496C-BD64-E81348702568}" presName="parSpace" presStyleCnt="0"/>
-      <dgm:spPr/>
-    </dgm:pt>
-    <dgm:pt modelId="{0AC55165-65B0-4ADB-87BD-45F01C6E0F7D}" type="pres">
-      <dgm:prSet presAssocID="{D9FB35D8-2398-4E72-B2D5-6E198D0DC88B}" presName="parTxOnly" presStyleLbl="node1" presStyleIdx="1" presStyleCnt="4">
-        <dgm:presLayoutVars>
-          <dgm:bulletEnabled val="1"/>
-        </dgm:presLayoutVars>
-      </dgm:prSet>
-      <dgm:spPr/>
-    </dgm:pt>
-    <dgm:pt modelId="{20FC943F-5422-4308-B511-F6ECC95083E7}" type="pres">
-      <dgm:prSet presAssocID="{FAA545EE-42F8-4703-B2AC-16181F4F35BD}" presName="parSpace" presStyleCnt="0"/>
-      <dgm:spPr/>
-    </dgm:pt>
-    <dgm:pt modelId="{637A9E18-600F-4A62-9F3D-E02A407A4EB4}" type="pres">
-      <dgm:prSet presAssocID="{4385D6A8-1653-45FD-8DB0-44BD69BD6386}" presName="parTxOnly" presStyleLbl="node1" presStyleIdx="2" presStyleCnt="4">
-        <dgm:presLayoutVars>
-          <dgm:bulletEnabled val="1"/>
-        </dgm:presLayoutVars>
-      </dgm:prSet>
-      <dgm:spPr/>
-    </dgm:pt>
-    <dgm:pt modelId="{6F80097F-A135-4752-A937-1AD3582EF28B}" type="pres">
-      <dgm:prSet presAssocID="{8BF4A0B3-5BB5-4802-A8B6-1AA3FF811FAC}" presName="parSpace" presStyleCnt="0"/>
-      <dgm:spPr/>
-    </dgm:pt>
-    <dgm:pt modelId="{73A18EFD-11C1-4EBC-BDAA-CEA1EE6669D9}" type="pres">
-      <dgm:prSet presAssocID="{28984869-DB4D-446D-9C25-36E99AA65655}" presName="parTxOnly" presStyleLbl="node1" presStyleIdx="3" presStyleCnt="4">
-        <dgm:presLayoutVars>
-          <dgm:bulletEnabled val="1"/>
-        </dgm:presLayoutVars>
-      </dgm:prSet>
-      <dgm:spPr/>
-    </dgm:pt>
-  </dgm:ptLst>
-  <dgm:cxnLst>
-    <dgm:cxn modelId="{0FB8E727-289C-4BB8-A549-A33B6E0821AA}" srcId="{B34D7DD4-C264-498A-A241-9582938900AA}" destId="{4385D6A8-1653-45FD-8DB0-44BD69BD6386}" srcOrd="2" destOrd="0" parTransId="{2C61C5FE-90B0-4E43-890A-97F8A8293254}" sibTransId="{8BF4A0B3-5BB5-4802-A8B6-1AA3FF811FAC}"/>
-    <dgm:cxn modelId="{C7F3D029-1CBD-4FA0-9B10-6ABE89F0F476}" type="presOf" srcId="{4385D6A8-1653-45FD-8DB0-44BD69BD6386}" destId="{637A9E18-600F-4A62-9F3D-E02A407A4EB4}" srcOrd="0" destOrd="0" presId="urn:microsoft.com/office/officeart/2005/8/layout/hChevron3"/>
-    <dgm:cxn modelId="{C2BAA037-0023-4DD7-9BF9-36A452632BA2}" srcId="{B34D7DD4-C264-498A-A241-9582938900AA}" destId="{D9FB35D8-2398-4E72-B2D5-6E198D0DC88B}" srcOrd="1" destOrd="0" parTransId="{DED80F22-4AD9-4D1B-8B78-71AFA9F34740}" sibTransId="{FAA545EE-42F8-4703-B2AC-16181F4F35BD}"/>
-    <dgm:cxn modelId="{E3D8B288-FEF8-4128-8652-B38E34501C4C}" type="presOf" srcId="{B34D7DD4-C264-498A-A241-9582938900AA}" destId="{1F782C02-7891-41BE-82AD-215A94DAE870}" srcOrd="0" destOrd="0" presId="urn:microsoft.com/office/officeart/2005/8/layout/hChevron3"/>
-    <dgm:cxn modelId="{F94BB1A4-68A3-44A2-91AF-394EEF22E24A}" type="presOf" srcId="{D9FB35D8-2398-4E72-B2D5-6E198D0DC88B}" destId="{0AC55165-65B0-4ADB-87BD-45F01C6E0F7D}" srcOrd="0" destOrd="0" presId="urn:microsoft.com/office/officeart/2005/8/layout/hChevron3"/>
-    <dgm:cxn modelId="{5BC04CC0-5734-4189-9BA7-3276E24782B9}" srcId="{B34D7DD4-C264-498A-A241-9582938900AA}" destId="{28984869-DB4D-446D-9C25-36E99AA65655}" srcOrd="3" destOrd="0" parTransId="{60F2DB50-C2C9-443B-96CA-E0C5ADBB3152}" sibTransId="{256F1302-E9CB-4C53-BABC-F70CE8C6CC65}"/>
-    <dgm:cxn modelId="{4C64CCC0-3014-447A-90E5-202389A268F8}" type="presOf" srcId="{28984869-DB4D-446D-9C25-36E99AA65655}" destId="{73A18EFD-11C1-4EBC-BDAA-CEA1EE6669D9}" srcOrd="0" destOrd="0" presId="urn:microsoft.com/office/officeart/2005/8/layout/hChevron3"/>
-    <dgm:cxn modelId="{CC2556C8-72EB-42F2-A7E3-6281701E9FC5}" type="presOf" srcId="{C0C7ADB7-651B-4E30-ACF4-5A76E33FC107}" destId="{80D759A4-F179-4CFE-AA4D-6BA803B32F5A}" srcOrd="0" destOrd="0" presId="urn:microsoft.com/office/officeart/2005/8/layout/hChevron3"/>
-    <dgm:cxn modelId="{EF7AFCD2-DFB0-4F31-918D-5A2ED62E58C0}" srcId="{B34D7DD4-C264-498A-A241-9582938900AA}" destId="{C0C7ADB7-651B-4E30-ACF4-5A76E33FC107}" srcOrd="0" destOrd="0" parTransId="{D92BED74-A1D8-4DC0-9159-76B17198CB50}" sibTransId="{9B4ADBD0-CD87-496C-BD64-E81348702568}"/>
-    <dgm:cxn modelId="{7A549880-966F-4FCA-8CE5-B9CAE115A3F0}" type="presParOf" srcId="{1F782C02-7891-41BE-82AD-215A94DAE870}" destId="{80D759A4-F179-4CFE-AA4D-6BA803B32F5A}" srcOrd="0" destOrd="0" presId="urn:microsoft.com/office/officeart/2005/8/layout/hChevron3"/>
-    <dgm:cxn modelId="{7F7561B1-BD4B-4874-938A-2D272B2C3DC0}" type="presParOf" srcId="{1F782C02-7891-41BE-82AD-215A94DAE870}" destId="{1A081BC8-5107-48AA-AA2E-4FF47C8CE152}" srcOrd="1" destOrd="0" presId="urn:microsoft.com/office/officeart/2005/8/layout/hChevron3"/>
-    <dgm:cxn modelId="{0127AE3F-FFAD-4195-A5D9-91C96453BCDB}" type="presParOf" srcId="{1F782C02-7891-41BE-82AD-215A94DAE870}" destId="{0AC55165-65B0-4ADB-87BD-45F01C6E0F7D}" srcOrd="2" destOrd="0" presId="urn:microsoft.com/office/officeart/2005/8/layout/hChevron3"/>
-    <dgm:cxn modelId="{96C623E2-CFFF-4922-8C8C-B664EADE0A4E}" type="presParOf" srcId="{1F782C02-7891-41BE-82AD-215A94DAE870}" destId="{20FC943F-5422-4308-B511-F6ECC95083E7}" srcOrd="3" destOrd="0" presId="urn:microsoft.com/office/officeart/2005/8/layout/hChevron3"/>
-    <dgm:cxn modelId="{70604FE3-EF6F-45F4-B7EB-2B5CE3E3EC59}" type="presParOf" srcId="{1F782C02-7891-41BE-82AD-215A94DAE870}" destId="{637A9E18-600F-4A62-9F3D-E02A407A4EB4}" srcOrd="4" destOrd="0" presId="urn:microsoft.com/office/officeart/2005/8/layout/hChevron3"/>
-    <dgm:cxn modelId="{8B5DAA66-8676-4E58-AB49-F1A4381ABE38}" type="presParOf" srcId="{1F782C02-7891-41BE-82AD-215A94DAE870}" destId="{6F80097F-A135-4752-A937-1AD3582EF28B}" srcOrd="5" destOrd="0" presId="urn:microsoft.com/office/officeart/2005/8/layout/hChevron3"/>
-    <dgm:cxn modelId="{C1A9B4AE-9ADF-4C01-909A-A6E4B5FC7D6C}" type="presParOf" srcId="{1F782C02-7891-41BE-82AD-215A94DAE870}" destId="{73A18EFD-11C1-4EBC-BDAA-CEA1EE6669D9}" srcOrd="6" destOrd="0" presId="urn:microsoft.com/office/officeart/2005/8/layout/hChevron3"/>
-  </dgm:cxnLst>
-  <dgm:bg/>
-  <dgm:whole/>
-  <dgm:extLst>
-    <a:ext uri="http://schemas.microsoft.com/office/drawing/2008/diagram">
-      <dsp:dataModelExt xmlns:dsp="http://schemas.microsoft.com/office/drawing/2008/diagram" relId="rId6" minVer="http://schemas.openxmlformats.org/drawingml/2006/diagram"/>
-    </a:ext>
-  </dgm:extLst>
-</dgm:dataModel>
-</file>
-
-<file path=ppt/diagrams/data3.xml><?xml version="1.0" encoding="utf-8"?>
 <dgm:dataModel xmlns:dgm="http://schemas.openxmlformats.org/drawingml/2006/diagram" xmlns:a="http://schemas.openxmlformats.org/drawingml/2006/main">
   <dgm:ptLst>
     <dgm:pt modelId="{B34D7DD4-C264-498A-A241-9582938900AA}" type="doc">
@@ -3235,329 +2233,6 @@
 </file>
 
 <file path=ppt/diagrams/drawing2.xml><?xml version="1.0" encoding="utf-8"?>
-<dsp:drawing xmlns:dgm="http://schemas.openxmlformats.org/drawingml/2006/diagram" xmlns:dsp="http://schemas.microsoft.com/office/drawing/2008/diagram" xmlns:a="http://schemas.openxmlformats.org/drawingml/2006/main">
-  <dsp:spTree>
-    <dsp:nvGrpSpPr>
-      <dsp:cNvPr id="0" name=""/>
-      <dsp:cNvGrpSpPr/>
-    </dsp:nvGrpSpPr>
-    <dsp:grpSpPr/>
-    <dsp:sp modelId="{80D759A4-F179-4CFE-AA4D-6BA803B32F5A}">
-      <dsp:nvSpPr>
-        <dsp:cNvPr id="0" name=""/>
-        <dsp:cNvSpPr/>
-      </dsp:nvSpPr>
-      <dsp:spPr>
-        <a:xfrm rot="10800000">
-          <a:off x="8317854" y="0"/>
-          <a:ext cx="3871615" cy="786352"/>
-        </a:xfrm>
-        <a:prstGeom prst="homePlate">
-          <a:avLst/>
-        </a:prstGeom>
-        <a:solidFill>
-          <a:schemeClr val="accent5"/>
-        </a:solidFill>
-        <a:ln w="19050" cap="rnd" cmpd="sng" algn="ctr">
-          <a:solidFill>
-            <a:schemeClr val="lt1">
-              <a:hueOff val="0"/>
-              <a:satOff val="0"/>
-              <a:lumOff val="0"/>
-              <a:alphaOff val="0"/>
-            </a:schemeClr>
-          </a:solidFill>
-          <a:prstDash val="solid"/>
-        </a:ln>
-        <a:effectLst/>
-      </dsp:spPr>
-      <dsp:style>
-        <a:lnRef idx="2">
-          <a:scrgbClr r="0" g="0" b="0"/>
-        </a:lnRef>
-        <a:fillRef idx="1">
-          <a:scrgbClr r="0" g="0" b="0"/>
-        </a:fillRef>
-        <a:effectRef idx="0">
-          <a:scrgbClr r="0" g="0" b="0"/>
-        </a:effectRef>
-        <a:fontRef idx="minor">
-          <a:schemeClr val="lt1"/>
-        </a:fontRef>
-      </dsp:style>
-      <dsp:txBody>
-        <a:bodyPr spcFirstLastPara="0" vert="horz" wrap="square" lIns="29337" tIns="58674" rIns="117348" bIns="58674" numCol="1" spcCol="1270" anchor="ctr" anchorCtr="0">
-          <a:noAutofit/>
-        </a:bodyPr>
-        <a:lstStyle/>
-        <a:p>
-          <a:pPr marL="0" lvl="0" indent="0" algn="ctr" defTabSz="977900" rtl="1">
-            <a:lnSpc>
-              <a:spcPct val="90000"/>
-            </a:lnSpc>
-            <a:spcBef>
-              <a:spcPct val="0"/>
-            </a:spcBef>
-            <a:spcAft>
-              <a:spcPct val="35000"/>
-            </a:spcAft>
-            <a:buNone/>
-          </a:pPr>
-          <a:r>
-            <a:rPr lang="en-US" sz="2200" kern="1200" dirty="0"/>
-            <a:t>Data</a:t>
-          </a:r>
-          <a:r>
-            <a:rPr lang="en-US" sz="2400" kern="1200" dirty="0"/>
-            <a:t> Acquisition</a:t>
-          </a:r>
-          <a:endParaRPr lang="he-IL" sz="2400" kern="1200" dirty="0"/>
-        </a:p>
-      </dsp:txBody>
-      <dsp:txXfrm rot="10800000">
-        <a:off x="8514442" y="0"/>
-        <a:ext cx="3675027" cy="786352"/>
-      </dsp:txXfrm>
-    </dsp:sp>
-    <dsp:sp modelId="{0AC55165-65B0-4ADB-87BD-45F01C6E0F7D}">
-      <dsp:nvSpPr>
-        <dsp:cNvPr id="0" name=""/>
-        <dsp:cNvSpPr/>
-      </dsp:nvSpPr>
-      <dsp:spPr>
-        <a:xfrm rot="10800000">
-          <a:off x="5546079" y="0"/>
-          <a:ext cx="3464718" cy="786352"/>
-        </a:xfrm>
-        <a:prstGeom prst="chevron">
-          <a:avLst/>
-        </a:prstGeom>
-        <a:solidFill>
-          <a:schemeClr val="accent1">
-            <a:hueOff val="0"/>
-            <a:satOff val="0"/>
-            <a:lumOff val="0"/>
-            <a:alphaOff val="0"/>
-          </a:schemeClr>
-        </a:solidFill>
-        <a:ln w="19050" cap="rnd" cmpd="sng" algn="ctr">
-          <a:solidFill>
-            <a:schemeClr val="lt1">
-              <a:hueOff val="0"/>
-              <a:satOff val="0"/>
-              <a:lumOff val="0"/>
-              <a:alphaOff val="0"/>
-            </a:schemeClr>
-          </a:solidFill>
-          <a:prstDash val="solid"/>
-        </a:ln>
-        <a:effectLst/>
-      </dsp:spPr>
-      <dsp:style>
-        <a:lnRef idx="2">
-          <a:scrgbClr r="0" g="0" b="0"/>
-        </a:lnRef>
-        <a:fillRef idx="1">
-          <a:scrgbClr r="0" g="0" b="0"/>
-        </a:fillRef>
-        <a:effectRef idx="0">
-          <a:scrgbClr r="0" g="0" b="0"/>
-        </a:effectRef>
-        <a:fontRef idx="minor">
-          <a:schemeClr val="lt1"/>
-        </a:fontRef>
-      </dsp:style>
-      <dsp:txBody>
-        <a:bodyPr spcFirstLastPara="0" vert="horz" wrap="square" lIns="29337" tIns="58674" rIns="88011" bIns="58674" numCol="1" spcCol="1270" anchor="ctr" anchorCtr="0">
-          <a:noAutofit/>
-        </a:bodyPr>
-        <a:lstStyle/>
-        <a:p>
-          <a:pPr marL="0" lvl="0" indent="0" algn="ctr" defTabSz="977900" rtl="1">
-            <a:lnSpc>
-              <a:spcPct val="90000"/>
-            </a:lnSpc>
-            <a:spcBef>
-              <a:spcPct val="0"/>
-            </a:spcBef>
-            <a:spcAft>
-              <a:spcPct val="35000"/>
-            </a:spcAft>
-            <a:buNone/>
-          </a:pPr>
-          <a:r>
-            <a:rPr lang="en-US" sz="2200" kern="1200" dirty="0"/>
-            <a:t>EDA</a:t>
-          </a:r>
-          <a:endParaRPr lang="he-IL" sz="2200" kern="1200" dirty="0"/>
-        </a:p>
-      </dsp:txBody>
-      <dsp:txXfrm rot="10800000">
-        <a:off x="5939255" y="0"/>
-        <a:ext cx="2678366" cy="786352"/>
-      </dsp:txXfrm>
-    </dsp:sp>
-    <dsp:sp modelId="{637A9E18-600F-4A62-9F3D-E02A407A4EB4}">
-      <dsp:nvSpPr>
-        <dsp:cNvPr id="0" name=""/>
-        <dsp:cNvSpPr/>
-      </dsp:nvSpPr>
-      <dsp:spPr>
-        <a:xfrm rot="10800000">
-          <a:off x="2774304" y="0"/>
-          <a:ext cx="3464718" cy="786352"/>
-        </a:xfrm>
-        <a:prstGeom prst="chevron">
-          <a:avLst/>
-        </a:prstGeom>
-        <a:solidFill>
-          <a:schemeClr val="accent1">
-            <a:hueOff val="0"/>
-            <a:satOff val="0"/>
-            <a:lumOff val="0"/>
-            <a:alphaOff val="0"/>
-          </a:schemeClr>
-        </a:solidFill>
-        <a:ln w="19050" cap="rnd" cmpd="sng" algn="ctr">
-          <a:solidFill>
-            <a:schemeClr val="lt1">
-              <a:hueOff val="0"/>
-              <a:satOff val="0"/>
-              <a:lumOff val="0"/>
-              <a:alphaOff val="0"/>
-            </a:schemeClr>
-          </a:solidFill>
-          <a:prstDash val="solid"/>
-        </a:ln>
-        <a:effectLst/>
-      </dsp:spPr>
-      <dsp:style>
-        <a:lnRef idx="2">
-          <a:scrgbClr r="0" g="0" b="0"/>
-        </a:lnRef>
-        <a:fillRef idx="1">
-          <a:scrgbClr r="0" g="0" b="0"/>
-        </a:fillRef>
-        <a:effectRef idx="0">
-          <a:scrgbClr r="0" g="0" b="0"/>
-        </a:effectRef>
-        <a:fontRef idx="minor">
-          <a:schemeClr val="lt1"/>
-        </a:fontRef>
-      </dsp:style>
-      <dsp:txBody>
-        <a:bodyPr spcFirstLastPara="0" vert="horz" wrap="square" lIns="29337" tIns="58674" rIns="88011" bIns="58674" numCol="1" spcCol="1270" anchor="ctr" anchorCtr="0">
-          <a:noAutofit/>
-        </a:bodyPr>
-        <a:lstStyle/>
-        <a:p>
-          <a:pPr marL="0" lvl="0" indent="0" algn="ctr" defTabSz="977900" rtl="1">
-            <a:lnSpc>
-              <a:spcPct val="90000"/>
-            </a:lnSpc>
-            <a:spcBef>
-              <a:spcPct val="0"/>
-            </a:spcBef>
-            <a:spcAft>
-              <a:spcPct val="35000"/>
-            </a:spcAft>
-            <a:buNone/>
-          </a:pPr>
-          <a:r>
-            <a:rPr lang="en-US" sz="2200" kern="1200" dirty="0"/>
-            <a:t>Machine Learning</a:t>
-          </a:r>
-          <a:endParaRPr lang="he-IL" sz="2200" kern="1200" dirty="0"/>
-        </a:p>
-      </dsp:txBody>
-      <dsp:txXfrm rot="10800000">
-        <a:off x="3167480" y="0"/>
-        <a:ext cx="2678366" cy="786352"/>
-      </dsp:txXfrm>
-    </dsp:sp>
-    <dsp:sp modelId="{73A18EFD-11C1-4EBC-BDAA-CEA1EE6669D9}">
-      <dsp:nvSpPr>
-        <dsp:cNvPr id="0" name=""/>
-        <dsp:cNvSpPr/>
-      </dsp:nvSpPr>
-      <dsp:spPr>
-        <a:xfrm rot="10800000">
-          <a:off x="2529" y="0"/>
-          <a:ext cx="3464718" cy="786352"/>
-        </a:xfrm>
-        <a:prstGeom prst="chevron">
-          <a:avLst/>
-        </a:prstGeom>
-        <a:solidFill>
-          <a:schemeClr val="accent1">
-            <a:hueOff val="0"/>
-            <a:satOff val="0"/>
-            <a:lumOff val="0"/>
-            <a:alphaOff val="0"/>
-          </a:schemeClr>
-        </a:solidFill>
-        <a:ln w="19050" cap="rnd" cmpd="sng" algn="ctr">
-          <a:solidFill>
-            <a:schemeClr val="lt1">
-              <a:hueOff val="0"/>
-              <a:satOff val="0"/>
-              <a:lumOff val="0"/>
-              <a:alphaOff val="0"/>
-            </a:schemeClr>
-          </a:solidFill>
-          <a:prstDash val="solid"/>
-        </a:ln>
-        <a:effectLst/>
-      </dsp:spPr>
-      <dsp:style>
-        <a:lnRef idx="2">
-          <a:scrgbClr r="0" g="0" b="0"/>
-        </a:lnRef>
-        <a:fillRef idx="1">
-          <a:scrgbClr r="0" g="0" b="0"/>
-        </a:fillRef>
-        <a:effectRef idx="0">
-          <a:scrgbClr r="0" g="0" b="0"/>
-        </a:effectRef>
-        <a:fontRef idx="minor">
-          <a:schemeClr val="lt1"/>
-        </a:fontRef>
-      </dsp:style>
-      <dsp:txBody>
-        <a:bodyPr spcFirstLastPara="0" vert="horz" wrap="square" lIns="29337" tIns="58674" rIns="88011" bIns="58674" numCol="1" spcCol="1270" anchor="ctr" anchorCtr="0">
-          <a:noAutofit/>
-        </a:bodyPr>
-        <a:lstStyle/>
-        <a:p>
-          <a:pPr marL="0" lvl="0" indent="0" algn="ctr" defTabSz="977900" rtl="1">
-            <a:lnSpc>
-              <a:spcPct val="90000"/>
-            </a:lnSpc>
-            <a:spcBef>
-              <a:spcPct val="0"/>
-            </a:spcBef>
-            <a:spcAft>
-              <a:spcPct val="35000"/>
-            </a:spcAft>
-            <a:buNone/>
-          </a:pPr>
-          <a:r>
-            <a:rPr lang="en-US" sz="2200" kern="1200" dirty="0"/>
-            <a:t>Conclusions</a:t>
-          </a:r>
-          <a:endParaRPr lang="he-IL" sz="2200" kern="1200" dirty="0"/>
-        </a:p>
-      </dsp:txBody>
-      <dsp:txXfrm rot="10800000">
-        <a:off x="395705" y="0"/>
-        <a:ext cx="2678366" cy="786352"/>
-      </dsp:txXfrm>
-    </dsp:sp>
-  </dsp:spTree>
-</dsp:drawing>
-</file>
-
-<file path=ppt/diagrams/drawing3.xml><?xml version="1.0" encoding="utf-8"?>
 <dsp:drawing xmlns:dgm="http://schemas.openxmlformats.org/drawingml/2006/diagram" xmlns:dsp="http://schemas.microsoft.com/office/drawing/2008/diagram" xmlns:a="http://schemas.openxmlformats.org/drawingml/2006/main">
   <dsp:spTree>
     <dsp:nvGrpSpPr>
@@ -4113,278 +2788,6 @@
 </dgm:layoutDef>
 </file>
 
-<file path=ppt/diagrams/layout3.xml><?xml version="1.0" encoding="utf-8"?>
-<dgm:layoutDef xmlns:dgm="http://schemas.openxmlformats.org/drawingml/2006/diagram" xmlns:a="http://schemas.openxmlformats.org/drawingml/2006/main" uniqueId="urn:microsoft.com/office/officeart/2005/8/layout/hChevron3">
-  <dgm:title val=""/>
-  <dgm:desc val=""/>
-  <dgm:catLst>
-    <dgm:cat type="process" pri="10000"/>
-  </dgm:catLst>
-  <dgm:sampData useDef="1">
-    <dgm:dataModel>
-      <dgm:ptLst/>
-      <dgm:bg/>
-      <dgm:whole/>
-    </dgm:dataModel>
-  </dgm:sampData>
-  <dgm:styleData>
-    <dgm:dataModel>
-      <dgm:ptLst>
-        <dgm:pt modelId="0" type="doc"/>
-        <dgm:pt modelId="1"/>
-        <dgm:pt modelId="2"/>
-      </dgm:ptLst>
-      <dgm:cxnLst>
-        <dgm:cxn modelId="3" srcId="0" destId="1" srcOrd="0" destOrd="0"/>
-        <dgm:cxn modelId="4" srcId="0" destId="2" srcOrd="1" destOrd="0"/>
-      </dgm:cxnLst>
-      <dgm:bg/>
-      <dgm:whole/>
-    </dgm:dataModel>
-  </dgm:styleData>
-  <dgm:clrData>
-    <dgm:dataModel>
-      <dgm:ptLst>
-        <dgm:pt modelId="0" type="doc"/>
-        <dgm:pt modelId="1"/>
-        <dgm:pt modelId="2"/>
-        <dgm:pt modelId="3"/>
-        <dgm:pt modelId="4"/>
-      </dgm:ptLst>
-      <dgm:cxnLst>
-        <dgm:cxn modelId="5" srcId="0" destId="1" srcOrd="0" destOrd="0"/>
-        <dgm:cxn modelId="6" srcId="0" destId="2" srcOrd="1" destOrd="0"/>
-        <dgm:cxn modelId="7" srcId="0" destId="3" srcOrd="2" destOrd="0"/>
-        <dgm:cxn modelId="8" srcId="0" destId="4" srcOrd="3" destOrd="0"/>
-      </dgm:cxnLst>
-      <dgm:bg/>
-      <dgm:whole/>
-    </dgm:dataModel>
-  </dgm:clrData>
-  <dgm:layoutNode name="Name0">
-    <dgm:varLst>
-      <dgm:dir/>
-      <dgm:resizeHandles val="exact"/>
-    </dgm:varLst>
-    <dgm:choose name="Name1">
-      <dgm:if name="Name2" func="var" arg="dir" op="equ" val="norm">
-        <dgm:alg type="lin"/>
-      </dgm:if>
-      <dgm:else name="Name3">
-        <dgm:alg type="lin">
-          <dgm:param type="linDir" val="fromR"/>
-        </dgm:alg>
-      </dgm:else>
-    </dgm:choose>
-    <dgm:shape xmlns:r="http://schemas.openxmlformats.org/officeDocument/2006/relationships" r:blip="">
-      <dgm:adjLst/>
-    </dgm:shape>
-    <dgm:presOf/>
-    <dgm:choose name="Name4">
-      <dgm:if name="Name5" axis="root des" func="maxDepth" op="gte" val="2">
-        <dgm:constrLst>
-          <dgm:constr type="w" for="ch" forName="parAndChTx" refType="w"/>
-          <dgm:constr type="primFontSz" for="ch" ptType="node" op="equ"/>
-          <dgm:constr type="w" for="ch" forName="parAndChSpace" refType="w" refFor="ch" refForName="parAndChTx" fact="-0.2"/>
-          <dgm:constr type="w" for="ch" ptType="sibTrans" op="equ"/>
-        </dgm:constrLst>
-        <dgm:ruleLst/>
-        <dgm:forEach name="Name6" axis="ch" ptType="node">
-          <dgm:layoutNode name="parAndChTx">
-            <dgm:varLst>
-              <dgm:bulletEnabled val="1"/>
-            </dgm:varLst>
-            <dgm:alg type="tx"/>
-            <dgm:choose name="Name7">
-              <dgm:if name="Name8" func="var" arg="dir" op="equ" val="norm">
-                <dgm:choose name="Name9">
-                  <dgm:if name="Name10" axis="self" ptType="node" func="pos" op="equ" val="1">
-                    <dgm:shape xmlns:r="http://schemas.openxmlformats.org/officeDocument/2006/relationships" type="homePlate" r:blip="">
-                      <dgm:adjLst>
-                        <dgm:adj idx="1" val="0.25"/>
-                      </dgm:adjLst>
-                    </dgm:shape>
-                    <dgm:presOf axis="desOrSelf" ptType="node"/>
-                    <dgm:constrLst>
-                      <dgm:constr type="h" refType="w" op="equ" fact="0.8"/>
-                      <dgm:constr type="primFontSz" val="65"/>
-                      <dgm:constr type="tMarg" refType="primFontSz" fact="0.2"/>
-                      <dgm:constr type="bMarg" refType="primFontSz" fact="0.2"/>
-                      <dgm:constr type="lMarg" refType="w" fact="0.1"/>
-                      <dgm:constr type="rMarg" refType="w" fact="0.4"/>
-                    </dgm:constrLst>
-                  </dgm:if>
-                  <dgm:else name="Name11">
-                    <dgm:shape xmlns:r="http://schemas.openxmlformats.org/officeDocument/2006/relationships" type="chevron" r:blip="">
-                      <dgm:adjLst>
-                        <dgm:adj idx="1" val="0.25"/>
-                      </dgm:adjLst>
-                    </dgm:shape>
-                    <dgm:presOf axis="desOrSelf" ptType="node"/>
-                    <dgm:constrLst>
-                      <dgm:constr type="h" refType="w" op="equ" fact="0.8"/>
-                      <dgm:constr type="primFontSz" val="65"/>
-                      <dgm:constr type="tMarg" refType="primFontSz" fact="0.2"/>
-                      <dgm:constr type="bMarg" refType="primFontSz" fact="0.2"/>
-                      <dgm:constr type="lMarg" refType="w" fact="0.1"/>
-                      <dgm:constr type="rMarg" refType="w" fact="0.1"/>
-                    </dgm:constrLst>
-                  </dgm:else>
-                </dgm:choose>
-              </dgm:if>
-              <dgm:else name="Name12">
-                <dgm:choose name="Name13">
-                  <dgm:if name="Name14" axis="self" ptType="node" func="pos" op="equ" val="1">
-                    <dgm:shape xmlns:r="http://schemas.openxmlformats.org/officeDocument/2006/relationships" rot="180" type="homePlate" r:blip="">
-                      <dgm:adjLst>
-                        <dgm:adj idx="1" val="0.25"/>
-                      </dgm:adjLst>
-                    </dgm:shape>
-                    <dgm:presOf axis="desOrSelf" ptType="node"/>
-                    <dgm:constrLst>
-                      <dgm:constr type="h" refType="w" op="equ" fact="0.8"/>
-                      <dgm:constr type="primFontSz" val="65"/>
-                      <dgm:constr type="tMarg" refType="primFontSz" fact="0.2"/>
-                      <dgm:constr type="bMarg" refType="primFontSz" fact="0.2"/>
-                      <dgm:constr type="lMarg" refType="w" fact="0.4"/>
-                      <dgm:constr type="rMarg" refType="w" fact="0.1"/>
-                    </dgm:constrLst>
-                  </dgm:if>
-                  <dgm:else name="Name15">
-                    <dgm:shape xmlns:r="http://schemas.openxmlformats.org/officeDocument/2006/relationships" rot="180" type="chevron" r:blip="">
-                      <dgm:adjLst>
-                        <dgm:adj idx="1" val="0.25"/>
-                      </dgm:adjLst>
-                    </dgm:shape>
-                    <dgm:presOf axis="desOrSelf" ptType="node"/>
-                    <dgm:constrLst>
-                      <dgm:constr type="h" refType="w" op="equ" fact="0.8"/>
-                      <dgm:constr type="primFontSz" val="65"/>
-                      <dgm:constr type="tMarg" refType="primFontSz" fact="0.2"/>
-                      <dgm:constr type="bMarg" refType="primFontSz" fact="0.2"/>
-                      <dgm:constr type="lMarg" refType="w" fact="0.1"/>
-                      <dgm:constr type="rMarg" refType="w" fact="0.1"/>
-                    </dgm:constrLst>
-                  </dgm:else>
-                </dgm:choose>
-              </dgm:else>
-            </dgm:choose>
-            <dgm:ruleLst>
-              <dgm:rule type="primFontSz" val="5" fact="NaN" max="NaN"/>
-            </dgm:ruleLst>
-          </dgm:layoutNode>
-          <dgm:forEach name="Name16" axis="followSib" ptType="sibTrans" cnt="1">
-            <dgm:layoutNode name="parAndChSpace">
-              <dgm:alg type="sp"/>
-              <dgm:shape xmlns:r="http://schemas.openxmlformats.org/officeDocument/2006/relationships" r:blip="">
-                <dgm:adjLst/>
-              </dgm:shape>
-              <dgm:presOf/>
-              <dgm:constrLst/>
-              <dgm:ruleLst/>
-            </dgm:layoutNode>
-          </dgm:forEach>
-        </dgm:forEach>
-      </dgm:if>
-      <dgm:else name="Name17">
-        <dgm:constrLst>
-          <dgm:constr type="w" for="ch" forName="parTxOnly" refType="w"/>
-          <dgm:constr type="primFontSz" for="ch" ptType="node" op="equ"/>
-          <dgm:constr type="w" for="ch" forName="parSpace" refType="w" refFor="ch" refForName="parTxOnly" fact="-0.2"/>
-          <dgm:constr type="w" for="ch" ptType="sibTrans" op="equ"/>
-        </dgm:constrLst>
-        <dgm:ruleLst/>
-        <dgm:forEach name="Name18" axis="ch" ptType="node">
-          <dgm:layoutNode name="parTxOnly">
-            <dgm:varLst>
-              <dgm:bulletEnabled val="1"/>
-            </dgm:varLst>
-            <dgm:alg type="tx"/>
-            <dgm:presOf axis="desOrSelf" ptType="node"/>
-            <dgm:choose name="Name19">
-              <dgm:if name="Name20" func="var" arg="dir" op="equ" val="norm">
-                <dgm:choose name="Name21">
-                  <dgm:if name="Name22" axis="self" ptType="node" func="pos" op="equ" val="1">
-                    <dgm:shape xmlns:r="http://schemas.openxmlformats.org/officeDocument/2006/relationships" type="homePlate" r:blip="">
-                      <dgm:adjLst/>
-                    </dgm:shape>
-                    <dgm:constrLst>
-                      <dgm:constr type="h" refType="w" op="equ" fact="0.4"/>
-                      <dgm:constr type="primFontSz" val="65"/>
-                      <dgm:constr type="tMarg" refType="primFontSz" fact="0.21"/>
-                      <dgm:constr type="bMarg" refType="primFontSz" fact="0.21"/>
-                      <dgm:constr type="lMarg" refType="primFontSz" fact="0.42"/>
-                      <dgm:constr type="rMarg" refType="primFontSz" fact="0.105"/>
-                    </dgm:constrLst>
-                  </dgm:if>
-                  <dgm:else name="Name23">
-                    <dgm:shape xmlns:r="http://schemas.openxmlformats.org/officeDocument/2006/relationships" type="chevron" r:blip="">
-                      <dgm:adjLst/>
-                    </dgm:shape>
-                    <dgm:constrLst>
-                      <dgm:constr type="h" refType="w" op="equ" fact="0.4"/>
-                      <dgm:constr type="primFontSz" val="65"/>
-                      <dgm:constr type="tMarg" refType="primFontSz" fact="0.21"/>
-                      <dgm:constr type="bMarg" refType="primFontSz" fact="0.21"/>
-                      <dgm:constr type="lMarg" refType="primFontSz" fact="0.315"/>
-                      <dgm:constr type="rMarg" refType="primFontSz" fact="0.105"/>
-                    </dgm:constrLst>
-                  </dgm:else>
-                </dgm:choose>
-              </dgm:if>
-              <dgm:else name="Name24">
-                <dgm:choose name="Name25">
-                  <dgm:if name="Name26" axis="self" ptType="node" func="pos" op="equ" val="1">
-                    <dgm:shape xmlns:r="http://schemas.openxmlformats.org/officeDocument/2006/relationships" rot="180" type="homePlate" r:blip="">
-                      <dgm:adjLst/>
-                    </dgm:shape>
-                    <dgm:constrLst>
-                      <dgm:constr type="h" refType="w" op="equ" fact="0.4"/>
-                      <dgm:constr type="primFontSz" val="65"/>
-                      <dgm:constr type="tMarg" refType="primFontSz" fact="0.21"/>
-                      <dgm:constr type="bMarg" refType="primFontSz" fact="0.21"/>
-                      <dgm:constr type="lMarg" refType="primFontSz" fact="0.105"/>
-                      <dgm:constr type="rMarg" refType="primFontSz" fact="0.42"/>
-                    </dgm:constrLst>
-                  </dgm:if>
-                  <dgm:else name="Name27">
-                    <dgm:shape xmlns:r="http://schemas.openxmlformats.org/officeDocument/2006/relationships" rot="180" type="chevron" r:blip="">
-                      <dgm:adjLst/>
-                    </dgm:shape>
-                    <dgm:constrLst>
-                      <dgm:constr type="h" refType="w" op="equ" fact="0.4"/>
-                      <dgm:constr type="primFontSz" val="65"/>
-                      <dgm:constr type="tMarg" refType="primFontSz" fact="0.21"/>
-                      <dgm:constr type="bMarg" refType="primFontSz" fact="0.21"/>
-                      <dgm:constr type="lMarg" refType="primFontSz" fact="0.105"/>
-                      <dgm:constr type="rMarg" refType="primFontSz" fact="0.315"/>
-                    </dgm:constrLst>
-                  </dgm:else>
-                </dgm:choose>
-              </dgm:else>
-            </dgm:choose>
-            <dgm:ruleLst>
-              <dgm:rule type="primFontSz" val="5" fact="NaN" max="NaN"/>
-            </dgm:ruleLst>
-          </dgm:layoutNode>
-          <dgm:forEach name="Name28" axis="followSib" ptType="sibTrans" cnt="1">
-            <dgm:layoutNode name="parSpace">
-              <dgm:alg type="sp"/>
-              <dgm:shape xmlns:r="http://schemas.openxmlformats.org/officeDocument/2006/relationships" r:blip="">
-                <dgm:adjLst/>
-              </dgm:shape>
-              <dgm:presOf/>
-              <dgm:constrLst/>
-              <dgm:ruleLst/>
-            </dgm:layoutNode>
-          </dgm:forEach>
-        </dgm:forEach>
-      </dgm:else>
-    </dgm:choose>
-  </dgm:layoutNode>
-</dgm:layoutDef>
-</file>
-
 <file path=ppt/diagrams/quickStyle1.xml><?xml version="1.0" encoding="utf-8"?>
 <dgm:styleDef xmlns:dgm="http://schemas.openxmlformats.org/drawingml/2006/diagram" xmlns:a="http://schemas.openxmlformats.org/drawingml/2006/main" uniqueId="urn:microsoft.com/office/officeart/2005/8/quickstyle/simple1">
   <dgm:title val=""/>
@@ -5420,1040 +3823,6 @@
 </file>
 
 <file path=ppt/diagrams/quickStyle2.xml><?xml version="1.0" encoding="utf-8"?>
-<dgm:styleDef xmlns:dgm="http://schemas.openxmlformats.org/drawingml/2006/diagram" xmlns:a="http://schemas.openxmlformats.org/drawingml/2006/main" uniqueId="urn:microsoft.com/office/officeart/2005/8/quickstyle/simple1">
-  <dgm:title val=""/>
-  <dgm:desc val=""/>
-  <dgm:catLst>
-    <dgm:cat type="simple" pri="10100"/>
-  </dgm:catLst>
-  <dgm:scene3d>
-    <a:camera prst="orthographicFront"/>
-    <a:lightRig rig="threePt" dir="t"/>
-  </dgm:scene3d>
-  <dgm:styleLbl name="node0">
-    <dgm:scene3d>
-      <a:camera prst="orthographicFront"/>
-      <a:lightRig rig="threePt" dir="t"/>
-    </dgm:scene3d>
-    <dgm:sp3d/>
-    <dgm:txPr/>
-    <dgm:style>
-      <a:lnRef idx="2">
-        <a:scrgbClr r="0" g="0" b="0"/>
-      </a:lnRef>
-      <a:fillRef idx="1">
-        <a:scrgbClr r="0" g="0" b="0"/>
-      </a:fillRef>
-      <a:effectRef idx="0">
-        <a:scrgbClr r="0" g="0" b="0"/>
-      </a:effectRef>
-      <a:fontRef idx="minor">
-        <a:schemeClr val="lt1"/>
-      </a:fontRef>
-    </dgm:style>
-  </dgm:styleLbl>
-  <dgm:styleLbl name="lnNode1">
-    <dgm:scene3d>
-      <a:camera prst="orthographicFront"/>
-      <a:lightRig rig="threePt" dir="t"/>
-    </dgm:scene3d>
-    <dgm:sp3d/>
-    <dgm:txPr/>
-    <dgm:style>
-      <a:lnRef idx="2">
-        <a:scrgbClr r="0" g="0" b="0"/>
-      </a:lnRef>
-      <a:fillRef idx="1">
-        <a:scrgbClr r="0" g="0" b="0"/>
-      </a:fillRef>
-      <a:effectRef idx="0">
-        <a:scrgbClr r="0" g="0" b="0"/>
-      </a:effectRef>
-      <a:fontRef idx="minor">
-        <a:schemeClr val="lt1"/>
-      </a:fontRef>
-    </dgm:style>
-  </dgm:styleLbl>
-  <dgm:styleLbl name="vennNode1">
-    <dgm:scene3d>
-      <a:camera prst="orthographicFront"/>
-      <a:lightRig rig="threePt" dir="t"/>
-    </dgm:scene3d>
-    <dgm:sp3d/>
-    <dgm:txPr/>
-    <dgm:style>
-      <a:lnRef idx="2">
-        <a:scrgbClr r="0" g="0" b="0"/>
-      </a:lnRef>
-      <a:fillRef idx="1">
-        <a:scrgbClr r="0" g="0" b="0"/>
-      </a:fillRef>
-      <a:effectRef idx="0">
-        <a:scrgbClr r="0" g="0" b="0"/>
-      </a:effectRef>
-      <a:fontRef idx="minor">
-        <a:schemeClr val="tx1"/>
-      </a:fontRef>
-    </dgm:style>
-  </dgm:styleLbl>
-  <dgm:styleLbl name="alignNode1">
-    <dgm:scene3d>
-      <a:camera prst="orthographicFront"/>
-      <a:lightRig rig="threePt" dir="t"/>
-    </dgm:scene3d>
-    <dgm:sp3d/>
-    <dgm:txPr/>
-    <dgm:style>
-      <a:lnRef idx="2">
-        <a:scrgbClr r="0" g="0" b="0"/>
-      </a:lnRef>
-      <a:fillRef idx="1">
-        <a:scrgbClr r="0" g="0" b="0"/>
-      </a:fillRef>
-      <a:effectRef idx="0">
-        <a:scrgbClr r="0" g="0" b="0"/>
-      </a:effectRef>
-      <a:fontRef idx="minor">
-        <a:schemeClr val="lt1"/>
-      </a:fontRef>
-    </dgm:style>
-  </dgm:styleLbl>
-  <dgm:styleLbl name="node1">
-    <dgm:scene3d>
-      <a:camera prst="orthographicFront"/>
-      <a:lightRig rig="threePt" dir="t"/>
-    </dgm:scene3d>
-    <dgm:sp3d/>
-    <dgm:txPr/>
-    <dgm:style>
-      <a:lnRef idx="2">
-        <a:scrgbClr r="0" g="0" b="0"/>
-      </a:lnRef>
-      <a:fillRef idx="1">
-        <a:scrgbClr r="0" g="0" b="0"/>
-      </a:fillRef>
-      <a:effectRef idx="0">
-        <a:scrgbClr r="0" g="0" b="0"/>
-      </a:effectRef>
-      <a:fontRef idx="minor">
-        <a:schemeClr val="lt1"/>
-      </a:fontRef>
-    </dgm:style>
-  </dgm:styleLbl>
-  <dgm:styleLbl name="node2">
-    <dgm:scene3d>
-      <a:camera prst="orthographicFront"/>
-      <a:lightRig rig="threePt" dir="t"/>
-    </dgm:scene3d>
-    <dgm:sp3d/>
-    <dgm:txPr/>
-    <dgm:style>
-      <a:lnRef idx="2">
-        <a:scrgbClr r="0" g="0" b="0"/>
-      </a:lnRef>
-      <a:fillRef idx="1">
-        <a:scrgbClr r="0" g="0" b="0"/>
-      </a:fillRef>
-      <a:effectRef idx="0">
-        <a:scrgbClr r="0" g="0" b="0"/>
-      </a:effectRef>
-      <a:fontRef idx="minor">
-        <a:schemeClr val="lt1"/>
-      </a:fontRef>
-    </dgm:style>
-  </dgm:styleLbl>
-  <dgm:styleLbl name="node3">
-    <dgm:scene3d>
-      <a:camera prst="orthographicFront"/>
-      <a:lightRig rig="threePt" dir="t"/>
-    </dgm:scene3d>
-    <dgm:sp3d/>
-    <dgm:txPr/>
-    <dgm:style>
-      <a:lnRef idx="2">
-        <a:scrgbClr r="0" g="0" b="0"/>
-      </a:lnRef>
-      <a:fillRef idx="1">
-        <a:scrgbClr r="0" g="0" b="0"/>
-      </a:fillRef>
-      <a:effectRef idx="0">
-        <a:scrgbClr r="0" g="0" b="0"/>
-      </a:effectRef>
-      <a:fontRef idx="minor">
-        <a:schemeClr val="lt1"/>
-      </a:fontRef>
-    </dgm:style>
-  </dgm:styleLbl>
-  <dgm:styleLbl name="node4">
-    <dgm:scene3d>
-      <a:camera prst="orthographicFront"/>
-      <a:lightRig rig="threePt" dir="t"/>
-    </dgm:scene3d>
-    <dgm:sp3d/>
-    <dgm:txPr/>
-    <dgm:style>
-      <a:lnRef idx="2">
-        <a:scrgbClr r="0" g="0" b="0"/>
-      </a:lnRef>
-      <a:fillRef idx="1">
-        <a:scrgbClr r="0" g="0" b="0"/>
-      </a:fillRef>
-      <a:effectRef idx="0">
-        <a:scrgbClr r="0" g="0" b="0"/>
-      </a:effectRef>
-      <a:fontRef idx="minor">
-        <a:schemeClr val="lt1"/>
-      </a:fontRef>
-    </dgm:style>
-  </dgm:styleLbl>
-  <dgm:styleLbl name="fgImgPlace1">
-    <dgm:scene3d>
-      <a:camera prst="orthographicFront"/>
-      <a:lightRig rig="threePt" dir="t"/>
-    </dgm:scene3d>
-    <dgm:sp3d/>
-    <dgm:txPr/>
-    <dgm:style>
-      <a:lnRef idx="2">
-        <a:scrgbClr r="0" g="0" b="0"/>
-      </a:lnRef>
-      <a:fillRef idx="1">
-        <a:scrgbClr r="0" g="0" b="0"/>
-      </a:fillRef>
-      <a:effectRef idx="0">
-        <a:scrgbClr r="0" g="0" b="0"/>
-      </a:effectRef>
-      <a:fontRef idx="minor"/>
-    </dgm:style>
-  </dgm:styleLbl>
-  <dgm:styleLbl name="alignImgPlace1">
-    <dgm:scene3d>
-      <a:camera prst="orthographicFront"/>
-      <a:lightRig rig="threePt" dir="t"/>
-    </dgm:scene3d>
-    <dgm:sp3d/>
-    <dgm:txPr/>
-    <dgm:style>
-      <a:lnRef idx="2">
-        <a:scrgbClr r="0" g="0" b="0"/>
-      </a:lnRef>
-      <a:fillRef idx="1">
-        <a:scrgbClr r="0" g="0" b="0"/>
-      </a:fillRef>
-      <a:effectRef idx="0">
-        <a:scrgbClr r="0" g="0" b="0"/>
-      </a:effectRef>
-      <a:fontRef idx="minor"/>
-    </dgm:style>
-  </dgm:styleLbl>
-  <dgm:styleLbl name="bgImgPlace1">
-    <dgm:scene3d>
-      <a:camera prst="orthographicFront"/>
-      <a:lightRig rig="threePt" dir="t"/>
-    </dgm:scene3d>
-    <dgm:sp3d/>
-    <dgm:txPr/>
-    <dgm:style>
-      <a:lnRef idx="2">
-        <a:scrgbClr r="0" g="0" b="0"/>
-      </a:lnRef>
-      <a:fillRef idx="1">
-        <a:scrgbClr r="0" g="0" b="0"/>
-      </a:fillRef>
-      <a:effectRef idx="0">
-        <a:scrgbClr r="0" g="0" b="0"/>
-      </a:effectRef>
-      <a:fontRef idx="minor"/>
-    </dgm:style>
-  </dgm:styleLbl>
-  <dgm:styleLbl name="sibTrans2D1">
-    <dgm:scene3d>
-      <a:camera prst="orthographicFront"/>
-      <a:lightRig rig="threePt" dir="t"/>
-    </dgm:scene3d>
-    <dgm:sp3d/>
-    <dgm:txPr/>
-    <dgm:style>
-      <a:lnRef idx="0">
-        <a:scrgbClr r="0" g="0" b="0"/>
-      </a:lnRef>
-      <a:fillRef idx="1">
-        <a:scrgbClr r="0" g="0" b="0"/>
-      </a:fillRef>
-      <a:effectRef idx="0">
-        <a:scrgbClr r="0" g="0" b="0"/>
-      </a:effectRef>
-      <a:fontRef idx="minor">
-        <a:schemeClr val="lt1"/>
-      </a:fontRef>
-    </dgm:style>
-  </dgm:styleLbl>
-  <dgm:styleLbl name="fgSibTrans2D1">
-    <dgm:scene3d>
-      <a:camera prst="orthographicFront"/>
-      <a:lightRig rig="threePt" dir="t"/>
-    </dgm:scene3d>
-    <dgm:sp3d/>
-    <dgm:txPr/>
-    <dgm:style>
-      <a:lnRef idx="0">
-        <a:scrgbClr r="0" g="0" b="0"/>
-      </a:lnRef>
-      <a:fillRef idx="1">
-        <a:scrgbClr r="0" g="0" b="0"/>
-      </a:fillRef>
-      <a:effectRef idx="0">
-        <a:scrgbClr r="0" g="0" b="0"/>
-      </a:effectRef>
-      <a:fontRef idx="minor">
-        <a:schemeClr val="lt1"/>
-      </a:fontRef>
-    </dgm:style>
-  </dgm:styleLbl>
-  <dgm:styleLbl name="bgSibTrans2D1">
-    <dgm:scene3d>
-      <a:camera prst="orthographicFront"/>
-      <a:lightRig rig="threePt" dir="t"/>
-    </dgm:scene3d>
-    <dgm:sp3d/>
-    <dgm:txPr/>
-    <dgm:style>
-      <a:lnRef idx="0">
-        <a:scrgbClr r="0" g="0" b="0"/>
-      </a:lnRef>
-      <a:fillRef idx="1">
-        <a:scrgbClr r="0" g="0" b="0"/>
-      </a:fillRef>
-      <a:effectRef idx="0">
-        <a:scrgbClr r="0" g="0" b="0"/>
-      </a:effectRef>
-      <a:fontRef idx="minor">
-        <a:schemeClr val="lt1"/>
-      </a:fontRef>
-    </dgm:style>
-  </dgm:styleLbl>
-  <dgm:styleLbl name="sibTrans1D1">
-    <dgm:scene3d>
-      <a:camera prst="orthographicFront"/>
-      <a:lightRig rig="threePt" dir="t"/>
-    </dgm:scene3d>
-    <dgm:sp3d/>
-    <dgm:txPr/>
-    <dgm:style>
-      <a:lnRef idx="1">
-        <a:scrgbClr r="0" g="0" b="0"/>
-      </a:lnRef>
-      <a:fillRef idx="0">
-        <a:scrgbClr r="0" g="0" b="0"/>
-      </a:fillRef>
-      <a:effectRef idx="0">
-        <a:scrgbClr r="0" g="0" b="0"/>
-      </a:effectRef>
-      <a:fontRef idx="minor"/>
-    </dgm:style>
-  </dgm:styleLbl>
-  <dgm:styleLbl name="callout">
-    <dgm:scene3d>
-      <a:camera prst="orthographicFront"/>
-      <a:lightRig rig="threePt" dir="t"/>
-    </dgm:scene3d>
-    <dgm:sp3d/>
-    <dgm:txPr/>
-    <dgm:style>
-      <a:lnRef idx="2">
-        <a:scrgbClr r="0" g="0" b="0"/>
-      </a:lnRef>
-      <a:fillRef idx="1">
-        <a:scrgbClr r="0" g="0" b="0"/>
-      </a:fillRef>
-      <a:effectRef idx="0">
-        <a:scrgbClr r="0" g="0" b="0"/>
-      </a:effectRef>
-      <a:fontRef idx="minor"/>
-    </dgm:style>
-  </dgm:styleLbl>
-  <dgm:styleLbl name="asst0">
-    <dgm:scene3d>
-      <a:camera prst="orthographicFront"/>
-      <a:lightRig rig="threePt" dir="t"/>
-    </dgm:scene3d>
-    <dgm:sp3d/>
-    <dgm:txPr/>
-    <dgm:style>
-      <a:lnRef idx="2">
-        <a:scrgbClr r="0" g="0" b="0"/>
-      </a:lnRef>
-      <a:fillRef idx="1">
-        <a:scrgbClr r="0" g="0" b="0"/>
-      </a:fillRef>
-      <a:effectRef idx="0">
-        <a:scrgbClr r="0" g="0" b="0"/>
-      </a:effectRef>
-      <a:fontRef idx="minor">
-        <a:schemeClr val="lt1"/>
-      </a:fontRef>
-    </dgm:style>
-  </dgm:styleLbl>
-  <dgm:styleLbl name="asst1">
-    <dgm:scene3d>
-      <a:camera prst="orthographicFront"/>
-      <a:lightRig rig="threePt" dir="t"/>
-    </dgm:scene3d>
-    <dgm:sp3d/>
-    <dgm:txPr/>
-    <dgm:style>
-      <a:lnRef idx="2">
-        <a:scrgbClr r="0" g="0" b="0"/>
-      </a:lnRef>
-      <a:fillRef idx="1">
-        <a:scrgbClr r="0" g="0" b="0"/>
-      </a:fillRef>
-      <a:effectRef idx="0">
-        <a:scrgbClr r="0" g="0" b="0"/>
-      </a:effectRef>
-      <a:fontRef idx="minor">
-        <a:schemeClr val="lt1"/>
-      </a:fontRef>
-    </dgm:style>
-  </dgm:styleLbl>
-  <dgm:styleLbl name="asst2">
-    <dgm:scene3d>
-      <a:camera prst="orthographicFront"/>
-      <a:lightRig rig="threePt" dir="t"/>
-    </dgm:scene3d>
-    <dgm:sp3d/>
-    <dgm:txPr/>
-    <dgm:style>
-      <a:lnRef idx="2">
-        <a:scrgbClr r="0" g="0" b="0"/>
-      </a:lnRef>
-      <a:fillRef idx="1">
-        <a:scrgbClr r="0" g="0" b="0"/>
-      </a:fillRef>
-      <a:effectRef idx="0">
-        <a:scrgbClr r="0" g="0" b="0"/>
-      </a:effectRef>
-      <a:fontRef idx="minor">
-        <a:schemeClr val="lt1"/>
-      </a:fontRef>
-    </dgm:style>
-  </dgm:styleLbl>
-  <dgm:styleLbl name="asst3">
-    <dgm:scene3d>
-      <a:camera prst="orthographicFront"/>
-      <a:lightRig rig="threePt" dir="t"/>
-    </dgm:scene3d>
-    <dgm:sp3d/>
-    <dgm:txPr/>
-    <dgm:style>
-      <a:lnRef idx="2">
-        <a:scrgbClr r="0" g="0" b="0"/>
-      </a:lnRef>
-      <a:fillRef idx="1">
-        <a:scrgbClr r="0" g="0" b="0"/>
-      </a:fillRef>
-      <a:effectRef idx="0">
-        <a:scrgbClr r="0" g="0" b="0"/>
-      </a:effectRef>
-      <a:fontRef idx="minor">
-        <a:schemeClr val="lt1"/>
-      </a:fontRef>
-    </dgm:style>
-  </dgm:styleLbl>
-  <dgm:styleLbl name="asst4">
-    <dgm:scene3d>
-      <a:camera prst="orthographicFront"/>
-      <a:lightRig rig="threePt" dir="t"/>
-    </dgm:scene3d>
-    <dgm:sp3d/>
-    <dgm:txPr/>
-    <dgm:style>
-      <a:lnRef idx="2">
-        <a:scrgbClr r="0" g="0" b="0"/>
-      </a:lnRef>
-      <a:fillRef idx="1">
-        <a:scrgbClr r="0" g="0" b="0"/>
-      </a:fillRef>
-      <a:effectRef idx="0">
-        <a:scrgbClr r="0" g="0" b="0"/>
-      </a:effectRef>
-      <a:fontRef idx="minor">
-        <a:schemeClr val="lt1"/>
-      </a:fontRef>
-    </dgm:style>
-  </dgm:styleLbl>
-  <dgm:styleLbl name="parChTrans2D1">
-    <dgm:scene3d>
-      <a:camera prst="orthographicFront"/>
-      <a:lightRig rig="threePt" dir="t"/>
-    </dgm:scene3d>
-    <dgm:sp3d/>
-    <dgm:txPr/>
-    <dgm:style>
-      <a:lnRef idx="2">
-        <a:scrgbClr r="0" g="0" b="0"/>
-      </a:lnRef>
-      <a:fillRef idx="1">
-        <a:scrgbClr r="0" g="0" b="0"/>
-      </a:fillRef>
-      <a:effectRef idx="0">
-        <a:scrgbClr r="0" g="0" b="0"/>
-      </a:effectRef>
-      <a:fontRef idx="minor">
-        <a:schemeClr val="lt1"/>
-      </a:fontRef>
-    </dgm:style>
-  </dgm:styleLbl>
-  <dgm:styleLbl name="parChTrans2D2">
-    <dgm:scene3d>
-      <a:camera prst="orthographicFront"/>
-      <a:lightRig rig="threePt" dir="t"/>
-    </dgm:scene3d>
-    <dgm:sp3d/>
-    <dgm:txPr/>
-    <dgm:style>
-      <a:lnRef idx="2">
-        <a:scrgbClr r="0" g="0" b="0"/>
-      </a:lnRef>
-      <a:fillRef idx="1">
-        <a:scrgbClr r="0" g="0" b="0"/>
-      </a:fillRef>
-      <a:effectRef idx="0">
-        <a:scrgbClr r="0" g="0" b="0"/>
-      </a:effectRef>
-      <a:fontRef idx="minor">
-        <a:schemeClr val="lt1"/>
-      </a:fontRef>
-    </dgm:style>
-  </dgm:styleLbl>
-  <dgm:styleLbl name="parChTrans2D3">
-    <dgm:scene3d>
-      <a:camera prst="orthographicFront"/>
-      <a:lightRig rig="threePt" dir="t"/>
-    </dgm:scene3d>
-    <dgm:sp3d/>
-    <dgm:txPr/>
-    <dgm:style>
-      <a:lnRef idx="2">
-        <a:scrgbClr r="0" g="0" b="0"/>
-      </a:lnRef>
-      <a:fillRef idx="1">
-        <a:scrgbClr r="0" g="0" b="0"/>
-      </a:fillRef>
-      <a:effectRef idx="0">
-        <a:scrgbClr r="0" g="0" b="0"/>
-      </a:effectRef>
-      <a:fontRef idx="minor">
-        <a:schemeClr val="lt1"/>
-      </a:fontRef>
-    </dgm:style>
-  </dgm:styleLbl>
-  <dgm:styleLbl name="parChTrans2D4">
-    <dgm:scene3d>
-      <a:camera prst="orthographicFront"/>
-      <a:lightRig rig="threePt" dir="t"/>
-    </dgm:scene3d>
-    <dgm:sp3d/>
-    <dgm:txPr/>
-    <dgm:style>
-      <a:lnRef idx="2">
-        <a:scrgbClr r="0" g="0" b="0"/>
-      </a:lnRef>
-      <a:fillRef idx="1">
-        <a:scrgbClr r="0" g="0" b="0"/>
-      </a:fillRef>
-      <a:effectRef idx="0">
-        <a:scrgbClr r="0" g="0" b="0"/>
-      </a:effectRef>
-      <a:fontRef idx="minor">
-        <a:schemeClr val="lt1"/>
-      </a:fontRef>
-    </dgm:style>
-  </dgm:styleLbl>
-  <dgm:styleLbl name="parChTrans1D1">
-    <dgm:scene3d>
-      <a:camera prst="orthographicFront"/>
-      <a:lightRig rig="threePt" dir="t"/>
-    </dgm:scene3d>
-    <dgm:sp3d/>
-    <dgm:txPr/>
-    <dgm:style>
-      <a:lnRef idx="2">
-        <a:scrgbClr r="0" g="0" b="0"/>
-      </a:lnRef>
-      <a:fillRef idx="0">
-        <a:scrgbClr r="0" g="0" b="0"/>
-      </a:fillRef>
-      <a:effectRef idx="0">
-        <a:scrgbClr r="0" g="0" b="0"/>
-      </a:effectRef>
-      <a:fontRef idx="minor"/>
-    </dgm:style>
-  </dgm:styleLbl>
-  <dgm:styleLbl name="parChTrans1D2">
-    <dgm:scene3d>
-      <a:camera prst="orthographicFront"/>
-      <a:lightRig rig="threePt" dir="t"/>
-    </dgm:scene3d>
-    <dgm:sp3d/>
-    <dgm:txPr/>
-    <dgm:style>
-      <a:lnRef idx="2">
-        <a:scrgbClr r="0" g="0" b="0"/>
-      </a:lnRef>
-      <a:fillRef idx="0">
-        <a:scrgbClr r="0" g="0" b="0"/>
-      </a:fillRef>
-      <a:effectRef idx="0">
-        <a:scrgbClr r="0" g="0" b="0"/>
-      </a:effectRef>
-      <a:fontRef idx="minor"/>
-    </dgm:style>
-  </dgm:styleLbl>
-  <dgm:styleLbl name="parChTrans1D3">
-    <dgm:scene3d>
-      <a:camera prst="orthographicFront"/>
-      <a:lightRig rig="threePt" dir="t"/>
-    </dgm:scene3d>
-    <dgm:sp3d/>
-    <dgm:txPr/>
-    <dgm:style>
-      <a:lnRef idx="2">
-        <a:scrgbClr r="0" g="0" b="0"/>
-      </a:lnRef>
-      <a:fillRef idx="0">
-        <a:scrgbClr r="0" g="0" b="0"/>
-      </a:fillRef>
-      <a:effectRef idx="0">
-        <a:scrgbClr r="0" g="0" b="0"/>
-      </a:effectRef>
-      <a:fontRef idx="minor"/>
-    </dgm:style>
-  </dgm:styleLbl>
-  <dgm:styleLbl name="parChTrans1D4">
-    <dgm:scene3d>
-      <a:camera prst="orthographicFront"/>
-      <a:lightRig rig="threePt" dir="t"/>
-    </dgm:scene3d>
-    <dgm:sp3d/>
-    <dgm:txPr/>
-    <dgm:style>
-      <a:lnRef idx="2">
-        <a:scrgbClr r="0" g="0" b="0"/>
-      </a:lnRef>
-      <a:fillRef idx="0">
-        <a:scrgbClr r="0" g="0" b="0"/>
-      </a:fillRef>
-      <a:effectRef idx="0">
-        <a:scrgbClr r="0" g="0" b="0"/>
-      </a:effectRef>
-      <a:fontRef idx="minor"/>
-    </dgm:style>
-  </dgm:styleLbl>
-  <dgm:styleLbl name="fgAcc1">
-    <dgm:scene3d>
-      <a:camera prst="orthographicFront"/>
-      <a:lightRig rig="threePt" dir="t"/>
-    </dgm:scene3d>
-    <dgm:sp3d/>
-    <dgm:txPr/>
-    <dgm:style>
-      <a:lnRef idx="2">
-        <a:scrgbClr r="0" g="0" b="0"/>
-      </a:lnRef>
-      <a:fillRef idx="1">
-        <a:scrgbClr r="0" g="0" b="0"/>
-      </a:fillRef>
-      <a:effectRef idx="0">
-        <a:scrgbClr r="0" g="0" b="0"/>
-      </a:effectRef>
-      <a:fontRef idx="minor"/>
-    </dgm:style>
-  </dgm:styleLbl>
-  <dgm:styleLbl name="conFgAcc1">
-    <dgm:scene3d>
-      <a:camera prst="orthographicFront"/>
-      <a:lightRig rig="threePt" dir="t"/>
-    </dgm:scene3d>
-    <dgm:sp3d/>
-    <dgm:txPr/>
-    <dgm:style>
-      <a:lnRef idx="2">
-        <a:scrgbClr r="0" g="0" b="0"/>
-      </a:lnRef>
-      <a:fillRef idx="1">
-        <a:scrgbClr r="0" g="0" b="0"/>
-      </a:fillRef>
-      <a:effectRef idx="0">
-        <a:scrgbClr r="0" g="0" b="0"/>
-      </a:effectRef>
-      <a:fontRef idx="minor"/>
-    </dgm:style>
-  </dgm:styleLbl>
-  <dgm:styleLbl name="alignAcc1">
-    <dgm:scene3d>
-      <a:camera prst="orthographicFront"/>
-      <a:lightRig rig="threePt" dir="t"/>
-    </dgm:scene3d>
-    <dgm:sp3d/>
-    <dgm:txPr/>
-    <dgm:style>
-      <a:lnRef idx="2">
-        <a:scrgbClr r="0" g="0" b="0"/>
-      </a:lnRef>
-      <a:fillRef idx="1">
-        <a:scrgbClr r="0" g="0" b="0"/>
-      </a:fillRef>
-      <a:effectRef idx="0">
-        <a:scrgbClr r="0" g="0" b="0"/>
-      </a:effectRef>
-      <a:fontRef idx="minor"/>
-    </dgm:style>
-  </dgm:styleLbl>
-  <dgm:styleLbl name="trAlignAcc1">
-    <dgm:scene3d>
-      <a:camera prst="orthographicFront"/>
-      <a:lightRig rig="threePt" dir="t"/>
-    </dgm:scene3d>
-    <dgm:sp3d/>
-    <dgm:txPr/>
-    <dgm:style>
-      <a:lnRef idx="1">
-        <a:scrgbClr r="0" g="0" b="0"/>
-      </a:lnRef>
-      <a:fillRef idx="1">
-        <a:scrgbClr r="0" g="0" b="0"/>
-      </a:fillRef>
-      <a:effectRef idx="0">
-        <a:scrgbClr r="0" g="0" b="0"/>
-      </a:effectRef>
-      <a:fontRef idx="minor"/>
-    </dgm:style>
-  </dgm:styleLbl>
-  <dgm:styleLbl name="bgAcc1">
-    <dgm:scene3d>
-      <a:camera prst="orthographicFront"/>
-      <a:lightRig rig="threePt" dir="t"/>
-    </dgm:scene3d>
-    <dgm:sp3d/>
-    <dgm:txPr/>
-    <dgm:style>
-      <a:lnRef idx="2">
-        <a:scrgbClr r="0" g="0" b="0"/>
-      </a:lnRef>
-      <a:fillRef idx="1">
-        <a:scrgbClr r="0" g="0" b="0"/>
-      </a:fillRef>
-      <a:effectRef idx="0">
-        <a:scrgbClr r="0" g="0" b="0"/>
-      </a:effectRef>
-      <a:fontRef idx="minor"/>
-    </dgm:style>
-  </dgm:styleLbl>
-  <dgm:styleLbl name="solidFgAcc1">
-    <dgm:scene3d>
-      <a:camera prst="orthographicFront"/>
-      <a:lightRig rig="threePt" dir="t"/>
-    </dgm:scene3d>
-    <dgm:sp3d/>
-    <dgm:txPr/>
-    <dgm:style>
-      <a:lnRef idx="2">
-        <a:scrgbClr r="0" g="0" b="0"/>
-      </a:lnRef>
-      <a:fillRef idx="1">
-        <a:scrgbClr r="0" g="0" b="0"/>
-      </a:fillRef>
-      <a:effectRef idx="0">
-        <a:scrgbClr r="0" g="0" b="0"/>
-      </a:effectRef>
-      <a:fontRef idx="minor"/>
-    </dgm:style>
-  </dgm:styleLbl>
-  <dgm:styleLbl name="solidAlignAcc1">
-    <dgm:scene3d>
-      <a:camera prst="orthographicFront"/>
-      <a:lightRig rig="threePt" dir="t"/>
-    </dgm:scene3d>
-    <dgm:sp3d/>
-    <dgm:txPr/>
-    <dgm:style>
-      <a:lnRef idx="2">
-        <a:scrgbClr r="0" g="0" b="0"/>
-      </a:lnRef>
-      <a:fillRef idx="1">
-        <a:scrgbClr r="0" g="0" b="0"/>
-      </a:fillRef>
-      <a:effectRef idx="0">
-        <a:scrgbClr r="0" g="0" b="0"/>
-      </a:effectRef>
-      <a:fontRef idx="minor"/>
-    </dgm:style>
-  </dgm:styleLbl>
-  <dgm:styleLbl name="solidBgAcc1">
-    <dgm:scene3d>
-      <a:camera prst="orthographicFront"/>
-      <a:lightRig rig="threePt" dir="t"/>
-    </dgm:scene3d>
-    <dgm:sp3d/>
-    <dgm:txPr/>
-    <dgm:style>
-      <a:lnRef idx="2">
-        <a:scrgbClr r="0" g="0" b="0"/>
-      </a:lnRef>
-      <a:fillRef idx="1">
-        <a:scrgbClr r="0" g="0" b="0"/>
-      </a:fillRef>
-      <a:effectRef idx="0">
-        <a:scrgbClr r="0" g="0" b="0"/>
-      </a:effectRef>
-      <a:fontRef idx="minor"/>
-    </dgm:style>
-  </dgm:styleLbl>
-  <dgm:styleLbl name="fgAccFollowNode1">
-    <dgm:scene3d>
-      <a:camera prst="orthographicFront"/>
-      <a:lightRig rig="threePt" dir="t"/>
-    </dgm:scene3d>
-    <dgm:sp3d/>
-    <dgm:txPr/>
-    <dgm:style>
-      <a:lnRef idx="2">
-        <a:scrgbClr r="0" g="0" b="0"/>
-      </a:lnRef>
-      <a:fillRef idx="1">
-        <a:scrgbClr r="0" g="0" b="0"/>
-      </a:fillRef>
-      <a:effectRef idx="0">
-        <a:scrgbClr r="0" g="0" b="0"/>
-      </a:effectRef>
-      <a:fontRef idx="minor"/>
-    </dgm:style>
-  </dgm:styleLbl>
-  <dgm:styleLbl name="alignAccFollowNode1">
-    <dgm:scene3d>
-      <a:camera prst="orthographicFront"/>
-      <a:lightRig rig="threePt" dir="t"/>
-    </dgm:scene3d>
-    <dgm:sp3d/>
-    <dgm:txPr/>
-    <dgm:style>
-      <a:lnRef idx="2">
-        <a:scrgbClr r="0" g="0" b="0"/>
-      </a:lnRef>
-      <a:fillRef idx="1">
-        <a:scrgbClr r="0" g="0" b="0"/>
-      </a:fillRef>
-      <a:effectRef idx="0">
-        <a:scrgbClr r="0" g="0" b="0"/>
-      </a:effectRef>
-      <a:fontRef idx="minor"/>
-    </dgm:style>
-  </dgm:styleLbl>
-  <dgm:styleLbl name="bgAccFollowNode1">
-    <dgm:scene3d>
-      <a:camera prst="orthographicFront"/>
-      <a:lightRig rig="threePt" dir="t"/>
-    </dgm:scene3d>
-    <dgm:sp3d/>
-    <dgm:txPr/>
-    <dgm:style>
-      <a:lnRef idx="2">
-        <a:scrgbClr r="0" g="0" b="0"/>
-      </a:lnRef>
-      <a:fillRef idx="1">
-        <a:scrgbClr r="0" g="0" b="0"/>
-      </a:fillRef>
-      <a:effectRef idx="0">
-        <a:scrgbClr r="0" g="0" b="0"/>
-      </a:effectRef>
-      <a:fontRef idx="minor"/>
-    </dgm:style>
-  </dgm:styleLbl>
-  <dgm:styleLbl name="fgAcc0">
-    <dgm:scene3d>
-      <a:camera prst="orthographicFront"/>
-      <a:lightRig rig="threePt" dir="t"/>
-    </dgm:scene3d>
-    <dgm:sp3d/>
-    <dgm:txPr/>
-    <dgm:style>
-      <a:lnRef idx="2">
-        <a:scrgbClr r="0" g="0" b="0"/>
-      </a:lnRef>
-      <a:fillRef idx="1">
-        <a:scrgbClr r="0" g="0" b="0"/>
-      </a:fillRef>
-      <a:effectRef idx="0">
-        <a:scrgbClr r="0" g="0" b="0"/>
-      </a:effectRef>
-      <a:fontRef idx="minor"/>
-    </dgm:style>
-  </dgm:styleLbl>
-  <dgm:styleLbl name="fgAcc2">
-    <dgm:scene3d>
-      <a:camera prst="orthographicFront"/>
-      <a:lightRig rig="threePt" dir="t"/>
-    </dgm:scene3d>
-    <dgm:sp3d/>
-    <dgm:txPr/>
-    <dgm:style>
-      <a:lnRef idx="2">
-        <a:scrgbClr r="0" g="0" b="0"/>
-      </a:lnRef>
-      <a:fillRef idx="1">
-        <a:scrgbClr r="0" g="0" b="0"/>
-      </a:fillRef>
-      <a:effectRef idx="0">
-        <a:scrgbClr r="0" g="0" b="0"/>
-      </a:effectRef>
-      <a:fontRef idx="minor"/>
-    </dgm:style>
-  </dgm:styleLbl>
-  <dgm:styleLbl name="fgAcc3">
-    <dgm:scene3d>
-      <a:camera prst="orthographicFront"/>
-      <a:lightRig rig="threePt" dir="t"/>
-    </dgm:scene3d>
-    <dgm:sp3d/>
-    <dgm:txPr/>
-    <dgm:style>
-      <a:lnRef idx="2">
-        <a:scrgbClr r="0" g="0" b="0"/>
-      </a:lnRef>
-      <a:fillRef idx="1">
-        <a:scrgbClr r="0" g="0" b="0"/>
-      </a:fillRef>
-      <a:effectRef idx="0">
-        <a:scrgbClr r="0" g="0" b="0"/>
-      </a:effectRef>
-      <a:fontRef idx="minor"/>
-    </dgm:style>
-  </dgm:styleLbl>
-  <dgm:styleLbl name="fgAcc4">
-    <dgm:scene3d>
-      <a:camera prst="orthographicFront"/>
-      <a:lightRig rig="threePt" dir="t"/>
-    </dgm:scene3d>
-    <dgm:sp3d/>
-    <dgm:txPr/>
-    <dgm:style>
-      <a:lnRef idx="2">
-        <a:scrgbClr r="0" g="0" b="0"/>
-      </a:lnRef>
-      <a:fillRef idx="1">
-        <a:scrgbClr r="0" g="0" b="0"/>
-      </a:fillRef>
-      <a:effectRef idx="0">
-        <a:scrgbClr r="0" g="0" b="0"/>
-      </a:effectRef>
-      <a:fontRef idx="minor"/>
-    </dgm:style>
-  </dgm:styleLbl>
-  <dgm:styleLbl name="bgShp">
-    <dgm:scene3d>
-      <a:camera prst="orthographicFront"/>
-      <a:lightRig rig="threePt" dir="t"/>
-    </dgm:scene3d>
-    <dgm:sp3d/>
-    <dgm:txPr/>
-    <dgm:style>
-      <a:lnRef idx="0">
-        <a:scrgbClr r="0" g="0" b="0"/>
-      </a:lnRef>
-      <a:fillRef idx="1">
-        <a:scrgbClr r="0" g="0" b="0"/>
-      </a:fillRef>
-      <a:effectRef idx="0">
-        <a:scrgbClr r="0" g="0" b="0"/>
-      </a:effectRef>
-      <a:fontRef idx="minor"/>
-    </dgm:style>
-  </dgm:styleLbl>
-  <dgm:styleLbl name="dkBgShp">
-    <dgm:scene3d>
-      <a:camera prst="orthographicFront"/>
-      <a:lightRig rig="threePt" dir="t"/>
-    </dgm:scene3d>
-    <dgm:sp3d/>
-    <dgm:txPr/>
-    <dgm:style>
-      <a:lnRef idx="0">
-        <a:scrgbClr r="0" g="0" b="0"/>
-      </a:lnRef>
-      <a:fillRef idx="1">
-        <a:scrgbClr r="0" g="0" b="0"/>
-      </a:fillRef>
-      <a:effectRef idx="0">
-        <a:scrgbClr r="0" g="0" b="0"/>
-      </a:effectRef>
-      <a:fontRef idx="minor"/>
-    </dgm:style>
-  </dgm:styleLbl>
-  <dgm:styleLbl name="trBgShp">
-    <dgm:scene3d>
-      <a:camera prst="orthographicFront"/>
-      <a:lightRig rig="threePt" dir="t"/>
-    </dgm:scene3d>
-    <dgm:sp3d/>
-    <dgm:txPr/>
-    <dgm:style>
-      <a:lnRef idx="0">
-        <a:scrgbClr r="0" g="0" b="0"/>
-      </a:lnRef>
-      <a:fillRef idx="1">
-        <a:scrgbClr r="0" g="0" b="0"/>
-      </a:fillRef>
-      <a:effectRef idx="0">
-        <a:scrgbClr r="0" g="0" b="0"/>
-      </a:effectRef>
-      <a:fontRef idx="minor"/>
-    </dgm:style>
-  </dgm:styleLbl>
-  <dgm:styleLbl name="fgShp">
-    <dgm:scene3d>
-      <a:camera prst="orthographicFront"/>
-      <a:lightRig rig="threePt" dir="t"/>
-    </dgm:scene3d>
-    <dgm:sp3d/>
-    <dgm:txPr/>
-    <dgm:style>
-      <a:lnRef idx="2">
-        <a:scrgbClr r="0" g="0" b="0"/>
-      </a:lnRef>
-      <a:fillRef idx="1">
-        <a:scrgbClr r="0" g="0" b="0"/>
-      </a:fillRef>
-      <a:effectRef idx="0">
-        <a:scrgbClr r="0" g="0" b="0"/>
-      </a:effectRef>
-      <a:fontRef idx="minor"/>
-    </dgm:style>
-  </dgm:styleLbl>
-  <dgm:styleLbl name="revTx">
-    <dgm:scene3d>
-      <a:camera prst="orthographicFront"/>
-      <a:lightRig rig="threePt" dir="t"/>
-    </dgm:scene3d>
-    <dgm:sp3d/>
-    <dgm:txPr/>
-    <dgm:style>
-      <a:lnRef idx="0">
-        <a:scrgbClr r="0" g="0" b="0"/>
-      </a:lnRef>
-      <a:fillRef idx="0">
-        <a:scrgbClr r="0" g="0" b="0"/>
-      </a:fillRef>
-      <a:effectRef idx="0">
-        <a:scrgbClr r="0" g="0" b="0"/>
-      </a:effectRef>
-      <a:fontRef idx="minor"/>
-    </dgm:style>
-  </dgm:styleLbl>
-</dgm:styleDef>
-</file>
-
-<file path=ppt/diagrams/quickStyle3.xml><?xml version="1.0" encoding="utf-8"?>
 <dgm:styleDef xmlns:dgm="http://schemas.openxmlformats.org/drawingml/2006/diagram" xmlns:a="http://schemas.openxmlformats.org/drawingml/2006/main" uniqueId="urn:microsoft.com/office/officeart/2005/8/quickstyle/simple1">
   <dgm:title val=""/>
   <dgm:desc val=""/>
@@ -7569,7 +4938,7 @@
           <a:p>
             <a:fld id="{502C6BEF-2F23-4D23-83C9-02EC3060BB93}" type="datetimeFigureOut">
               <a:rPr lang="he-IL" smtClean="0"/>
-              <a:t>ה'/שבט/תשפ"ב</a:t>
+              <a:t>ח'/שבט/תשפ"ב</a:t>
             </a:fld>
             <a:endParaRPr lang="he-IL"/>
           </a:p>
@@ -8106,7 +5475,7 @@
           <a:p>
             <a:fld id="{60B43DA6-2FB7-4812-9381-4CCEF3F2B0C4}" type="datetimeFigureOut">
               <a:rPr lang="he-IL" smtClean="0"/>
-              <a:t>ה'/שבט/תשפ"ב</a:t>
+              <a:t>ח'/שבט/תשפ"ב</a:t>
             </a:fld>
             <a:endParaRPr lang="he-IL"/>
           </a:p>
@@ -8381,7 +5750,7 @@
           <a:p>
             <a:fld id="{60B43DA6-2FB7-4812-9381-4CCEF3F2B0C4}" type="datetimeFigureOut">
               <a:rPr lang="he-IL" smtClean="0"/>
-              <a:t>ה'/שבט/תשפ"ב</a:t>
+              <a:t>ח'/שבט/תשפ"ב</a:t>
             </a:fld>
             <a:endParaRPr lang="he-IL"/>
           </a:p>
@@ -8575,7 +5944,7 @@
           <a:p>
             <a:fld id="{60B43DA6-2FB7-4812-9381-4CCEF3F2B0C4}" type="datetimeFigureOut">
               <a:rPr lang="he-IL" smtClean="0"/>
-              <a:t>ה'/שבט/תשפ"ב</a:t>
+              <a:t>ח'/שבט/תשפ"ב</a:t>
             </a:fld>
             <a:endParaRPr lang="he-IL"/>
           </a:p>
@@ -8848,7 +6217,7 @@
           <a:p>
             <a:fld id="{60B43DA6-2FB7-4812-9381-4CCEF3F2B0C4}" type="datetimeFigureOut">
               <a:rPr lang="he-IL" smtClean="0"/>
-              <a:t>ה'/שבט/תשפ"ב</a:t>
+              <a:t>ח'/שבט/תשפ"ב</a:t>
             </a:fld>
             <a:endParaRPr lang="he-IL"/>
           </a:p>
@@ -9189,7 +6558,7 @@
           <a:p>
             <a:fld id="{60B43DA6-2FB7-4812-9381-4CCEF3F2B0C4}" type="datetimeFigureOut">
               <a:rPr lang="he-IL" smtClean="0"/>
-              <a:t>ה'/שבט/תשפ"ב</a:t>
+              <a:t>ח'/שבט/תשפ"ב</a:t>
             </a:fld>
             <a:endParaRPr lang="he-IL"/>
           </a:p>
@@ -9812,7 +7181,7 @@
           <a:p>
             <a:fld id="{60B43DA6-2FB7-4812-9381-4CCEF3F2B0C4}" type="datetimeFigureOut">
               <a:rPr lang="he-IL" smtClean="0"/>
-              <a:t>ה'/שבט/תשפ"ב</a:t>
+              <a:t>ח'/שבט/תשפ"ב</a:t>
             </a:fld>
             <a:endParaRPr lang="he-IL"/>
           </a:p>
@@ -10672,7 +8041,7 @@
           <a:p>
             <a:fld id="{60B43DA6-2FB7-4812-9381-4CCEF3F2B0C4}" type="datetimeFigureOut">
               <a:rPr lang="he-IL" smtClean="0"/>
-              <a:t>ה'/שבט/תשפ"ב</a:t>
+              <a:t>ח'/שבט/תשפ"ב</a:t>
             </a:fld>
             <a:endParaRPr lang="he-IL"/>
           </a:p>
@@ -10842,7 +8211,7 @@
           <a:p>
             <a:fld id="{60B43DA6-2FB7-4812-9381-4CCEF3F2B0C4}" type="datetimeFigureOut">
               <a:rPr lang="he-IL" smtClean="0"/>
-              <a:t>ה'/שבט/תשפ"ב</a:t>
+              <a:t>ח'/שבט/תשפ"ב</a:t>
             </a:fld>
             <a:endParaRPr lang="he-IL"/>
           </a:p>
@@ -11022,7 +8391,7 @@
           <a:p>
             <a:fld id="{60B43DA6-2FB7-4812-9381-4CCEF3F2B0C4}" type="datetimeFigureOut">
               <a:rPr lang="he-IL" smtClean="0"/>
-              <a:t>ה'/שבט/תשפ"ב</a:t>
+              <a:t>ח'/שבט/תשפ"ב</a:t>
             </a:fld>
             <a:endParaRPr lang="he-IL"/>
           </a:p>
@@ -11192,7 +8561,7 @@
           <a:p>
             <a:fld id="{60B43DA6-2FB7-4812-9381-4CCEF3F2B0C4}" type="datetimeFigureOut">
               <a:rPr lang="he-IL" smtClean="0"/>
-              <a:t>ה'/שבט/תשפ"ב</a:t>
+              <a:t>ח'/שבט/תשפ"ב</a:t>
             </a:fld>
             <a:endParaRPr lang="he-IL"/>
           </a:p>
@@ -11439,7 +8808,7 @@
           <a:p>
             <a:fld id="{60B43DA6-2FB7-4812-9381-4CCEF3F2B0C4}" type="datetimeFigureOut">
               <a:rPr lang="he-IL" smtClean="0"/>
-              <a:t>ה'/שבט/תשפ"ב</a:t>
+              <a:t>ח'/שבט/תשפ"ב</a:t>
             </a:fld>
             <a:endParaRPr lang="he-IL"/>
           </a:p>
@@ -11731,7 +9100,7 @@
           <a:p>
             <a:fld id="{60B43DA6-2FB7-4812-9381-4CCEF3F2B0C4}" type="datetimeFigureOut">
               <a:rPr lang="he-IL" smtClean="0"/>
-              <a:t>ה'/שבט/תשפ"ב</a:t>
+              <a:t>ח'/שבט/תשפ"ב</a:t>
             </a:fld>
             <a:endParaRPr lang="he-IL"/>
           </a:p>
@@ -12175,7 +9544,7 @@
           <a:p>
             <a:fld id="{60B43DA6-2FB7-4812-9381-4CCEF3F2B0C4}" type="datetimeFigureOut">
               <a:rPr lang="he-IL" smtClean="0"/>
-              <a:t>ה'/שבט/תשפ"ב</a:t>
+              <a:t>ח'/שבט/תשפ"ב</a:t>
             </a:fld>
             <a:endParaRPr lang="he-IL"/>
           </a:p>
@@ -12293,7 +9662,7 @@
           <a:p>
             <a:fld id="{60B43DA6-2FB7-4812-9381-4CCEF3F2B0C4}" type="datetimeFigureOut">
               <a:rPr lang="he-IL" smtClean="0"/>
-              <a:t>ה'/שבט/תשפ"ב</a:t>
+              <a:t>ח'/שבט/תשפ"ב</a:t>
             </a:fld>
             <a:endParaRPr lang="he-IL"/>
           </a:p>
@@ -12388,7 +9757,7 @@
           <a:p>
             <a:fld id="{60B43DA6-2FB7-4812-9381-4CCEF3F2B0C4}" type="datetimeFigureOut">
               <a:rPr lang="he-IL" smtClean="0"/>
-              <a:t>ה'/שבט/תשפ"ב</a:t>
+              <a:t>ח'/שבט/תשפ"ב</a:t>
             </a:fld>
             <a:endParaRPr lang="he-IL"/>
           </a:p>
@@ -12667,7 +10036,7 @@
           <a:p>
             <a:fld id="{60B43DA6-2FB7-4812-9381-4CCEF3F2B0C4}" type="datetimeFigureOut">
               <a:rPr lang="he-IL" smtClean="0"/>
-              <a:t>ה'/שבט/תשפ"ב</a:t>
+              <a:t>ח'/שבט/תשפ"ב</a:t>
             </a:fld>
             <a:endParaRPr lang="he-IL"/>
           </a:p>
@@ -12942,7 +10311,7 @@
           <a:p>
             <a:fld id="{60B43DA6-2FB7-4812-9381-4CCEF3F2B0C4}" type="datetimeFigureOut">
               <a:rPr lang="he-IL" smtClean="0"/>
-              <a:t>ה'/שבט/תשפ"ב</a:t>
+              <a:t>ח'/שבט/תשפ"ב</a:t>
             </a:fld>
             <a:endParaRPr lang="he-IL"/>
           </a:p>
@@ -13371,7 +10740,7 @@
           <a:p>
             <a:fld id="{60B43DA6-2FB7-4812-9381-4CCEF3F2B0C4}" type="datetimeFigureOut">
               <a:rPr lang="he-IL" smtClean="0"/>
-              <a:t>ה'/שבט/תשפ"ב</a:t>
+              <a:t>ח'/שבט/תשפ"ב</a:t>
             </a:fld>
             <a:endParaRPr lang="he-IL"/>
           </a:p>
@@ -14084,7 +11453,7 @@
         </p:blipFill>
         <p:spPr>
           <a:xfrm>
-            <a:off x="9994369" y="4580146"/>
+            <a:off x="9994369" y="4542438"/>
             <a:ext cx="2125742" cy="2196324"/>
           </a:xfrm>
           <a:prstGeom prst="rect">
@@ -14194,7 +11563,7 @@
           <a:p>
             <a:r>
               <a:rPr lang="en-US" sz="4600" dirty="0"/>
-              <a:t>Is it possible to predict the popularity of a book by its characteristics? </a:t>
+              <a:t>Is it possible to predict the popularity of a book by its characteristics?</a:t>
             </a:r>
             <a:endParaRPr lang="he-IL" sz="4600" dirty="0"/>
           </a:p>
@@ -14214,6 +11583,906 @@
 </file>
 
 <file path=ppt/slides/slide10.xml><?xml version="1.0" encoding="utf-8"?>
+<p:sld xmlns:a="http://schemas.openxmlformats.org/drawingml/2006/main" xmlns:r="http://schemas.openxmlformats.org/officeDocument/2006/relationships" xmlns:p="http://schemas.openxmlformats.org/presentationml/2006/main">
+  <p:cSld>
+    <p:spTree>
+      <p:nvGrpSpPr>
+        <p:cNvPr id="1" name=""/>
+        <p:cNvGrpSpPr/>
+        <p:nvPr/>
+      </p:nvGrpSpPr>
+      <p:grpSpPr>
+        <a:xfrm>
+          <a:off x="0" y="0"/>
+          <a:ext cx="0" cy="0"/>
+          <a:chOff x="0" y="0"/>
+          <a:chExt cx="0" cy="0"/>
+        </a:xfrm>
+      </p:grpSpPr>
+      <p:sp>
+        <p:nvSpPr>
+          <p:cNvPr id="2" name="כותרת 1">
+            <a:extLst>
+              <a:ext uri="{FF2B5EF4-FFF2-40B4-BE49-F238E27FC236}">
+                <a16:creationId xmlns:a16="http://schemas.microsoft.com/office/drawing/2014/main" id="{F6EE381C-5844-49C8-98D7-239A38554A50}"/>
+              </a:ext>
+            </a:extLst>
+          </p:cNvPr>
+          <p:cNvSpPr>
+            <a:spLocks noGrp="1"/>
+          </p:cNvSpPr>
+          <p:nvPr>
+            <p:ph type="title"/>
+          </p:nvPr>
+        </p:nvSpPr>
+        <p:spPr>
+          <a:xfrm>
+            <a:off x="397740" y="126983"/>
+            <a:ext cx="4409930" cy="644401"/>
+          </a:xfrm>
+        </p:spPr>
+        <p:txBody>
+          <a:bodyPr/>
+          <a:lstStyle/>
+          <a:p>
+            <a:r>
+              <a:rPr lang="en-US" sz="3600" dirty="0"/>
+              <a:t>Machine Learning</a:t>
+            </a:r>
+            <a:endParaRPr lang="he-IL" sz="3600" dirty="0"/>
+          </a:p>
+        </p:txBody>
+      </p:sp>
+      <p:grpSp>
+        <p:nvGrpSpPr>
+          <p:cNvPr id="33" name="קבוצה 32">
+            <a:extLst>
+              <a:ext uri="{FF2B5EF4-FFF2-40B4-BE49-F238E27FC236}">
+                <a16:creationId xmlns:a16="http://schemas.microsoft.com/office/drawing/2014/main" id="{ECD20DE2-DA3E-4461-A163-705D3486A7D8}"/>
+              </a:ext>
+            </a:extLst>
+          </p:cNvPr>
+          <p:cNvGrpSpPr/>
+          <p:nvPr/>
+        </p:nvGrpSpPr>
+        <p:grpSpPr>
+          <a:xfrm>
+            <a:off x="8842746" y="6061142"/>
+            <a:ext cx="3344690" cy="786352"/>
+            <a:chOff x="9034264" y="0"/>
+            <a:chExt cx="3153171" cy="786352"/>
+          </a:xfrm>
+          <a:solidFill>
+            <a:schemeClr val="accent1"/>
+          </a:solidFill>
+        </p:grpSpPr>
+        <p:sp>
+          <p:nvSpPr>
+            <p:cNvPr id="46" name="חץ: מחומש 45">
+              <a:extLst>
+                <a:ext uri="{FF2B5EF4-FFF2-40B4-BE49-F238E27FC236}">
+                  <a16:creationId xmlns:a16="http://schemas.microsoft.com/office/drawing/2014/main" id="{52370A49-647A-44CB-8456-3476C061A70B}"/>
+                </a:ext>
+              </a:extLst>
+            </p:cNvPr>
+            <p:cNvSpPr/>
+            <p:nvPr/>
+          </p:nvSpPr>
+          <p:spPr>
+            <a:xfrm rot="10800000">
+              <a:off x="9034264" y="0"/>
+              <a:ext cx="3153171" cy="786352"/>
+            </a:xfrm>
+            <a:prstGeom prst="homePlate">
+              <a:avLst/>
+            </a:prstGeom>
+            <a:grpFill/>
+          </p:spPr>
+          <p:style>
+            <a:lnRef idx="2">
+              <a:schemeClr val="lt1">
+                <a:hueOff val="0"/>
+                <a:satOff val="0"/>
+                <a:lumOff val="0"/>
+                <a:alphaOff val="0"/>
+              </a:schemeClr>
+            </a:lnRef>
+            <a:fillRef idx="1">
+              <a:scrgbClr r="0" g="0" b="0"/>
+            </a:fillRef>
+            <a:effectRef idx="0">
+              <a:schemeClr val="accent1">
+                <a:hueOff val="0"/>
+                <a:satOff val="0"/>
+                <a:lumOff val="0"/>
+                <a:alphaOff val="0"/>
+              </a:schemeClr>
+            </a:effectRef>
+            <a:fontRef idx="minor">
+              <a:schemeClr val="lt1"/>
+            </a:fontRef>
+          </p:style>
+        </p:sp>
+        <p:sp>
+          <p:nvSpPr>
+            <p:cNvPr id="47" name="חץ: מחומש 4">
+              <a:extLst>
+                <a:ext uri="{FF2B5EF4-FFF2-40B4-BE49-F238E27FC236}">
+                  <a16:creationId xmlns:a16="http://schemas.microsoft.com/office/drawing/2014/main" id="{9B261C06-0E6D-44DF-8E70-9E31D37FB2D4}"/>
+                </a:ext>
+              </a:extLst>
+            </p:cNvPr>
+            <p:cNvSpPr txBox="1"/>
+            <p:nvPr/>
+          </p:nvSpPr>
+          <p:spPr>
+            <a:xfrm>
+              <a:off x="9230852" y="0"/>
+              <a:ext cx="2956583" cy="786352"/>
+            </a:xfrm>
+            <a:prstGeom prst="rect">
+              <a:avLst/>
+            </a:prstGeom>
+            <a:noFill/>
+            <a:ln>
+              <a:noFill/>
+            </a:ln>
+          </p:spPr>
+          <p:style>
+            <a:lnRef idx="0">
+              <a:scrgbClr r="0" g="0" b="0"/>
+            </a:lnRef>
+            <a:fillRef idx="0">
+              <a:scrgbClr r="0" g="0" b="0"/>
+            </a:fillRef>
+            <a:effectRef idx="0">
+              <a:scrgbClr r="0" g="0" b="0"/>
+            </a:effectRef>
+            <a:fontRef idx="minor">
+              <a:schemeClr val="lt1"/>
+            </a:fontRef>
+          </p:style>
+          <p:txBody>
+            <a:bodyPr spcFirstLastPara="0" vert="horz" wrap="square" lIns="29337" tIns="58674" rIns="117348" bIns="58674" numCol="1" spcCol="1270" anchor="ctr" anchorCtr="0">
+              <a:noAutofit/>
+            </a:bodyPr>
+            <a:lstStyle/>
+            <a:p>
+              <a:pPr marL="0" lvl="0" indent="0" algn="ctr" defTabSz="977900" rtl="1">
+                <a:lnSpc>
+                  <a:spcPct val="90000"/>
+                </a:lnSpc>
+                <a:spcBef>
+                  <a:spcPct val="0"/>
+                </a:spcBef>
+                <a:spcAft>
+                  <a:spcPct val="35000"/>
+                </a:spcAft>
+                <a:buNone/>
+              </a:pPr>
+              <a:r>
+                <a:rPr lang="en-US" sz="2200" kern="1200" dirty="0"/>
+                <a:t>Data</a:t>
+              </a:r>
+              <a:r>
+                <a:rPr lang="en-US" sz="2400" kern="1200" dirty="0"/>
+                <a:t> Acquisition</a:t>
+              </a:r>
+              <a:endParaRPr lang="he-IL" sz="2400" kern="1200" dirty="0"/>
+            </a:p>
+          </p:txBody>
+        </p:sp>
+      </p:grpSp>
+      <p:grpSp>
+        <p:nvGrpSpPr>
+          <p:cNvPr id="34" name="קבוצה 33">
+            <a:extLst>
+              <a:ext uri="{FF2B5EF4-FFF2-40B4-BE49-F238E27FC236}">
+                <a16:creationId xmlns:a16="http://schemas.microsoft.com/office/drawing/2014/main" id="{11BBC8A5-DA5C-4B7F-B3F2-4023EABB826D}"/>
+              </a:ext>
+            </a:extLst>
+          </p:cNvPr>
+          <p:cNvGrpSpPr/>
+          <p:nvPr/>
+        </p:nvGrpSpPr>
+        <p:grpSpPr>
+          <a:xfrm>
+            <a:off x="6445449" y="6061142"/>
+            <a:ext cx="2785403" cy="786352"/>
+            <a:chOff x="6776839" y="0"/>
+            <a:chExt cx="2821781" cy="786352"/>
+          </a:xfrm>
+        </p:grpSpPr>
+        <p:sp>
+          <p:nvSpPr>
+            <p:cNvPr id="44" name="חץ: סוגר זוויתי 43">
+              <a:extLst>
+                <a:ext uri="{FF2B5EF4-FFF2-40B4-BE49-F238E27FC236}">
+                  <a16:creationId xmlns:a16="http://schemas.microsoft.com/office/drawing/2014/main" id="{B3744899-C165-4615-8A04-07A8F470946C}"/>
+                </a:ext>
+              </a:extLst>
+            </p:cNvPr>
+            <p:cNvSpPr/>
+            <p:nvPr/>
+          </p:nvSpPr>
+          <p:spPr>
+            <a:xfrm rot="10800000">
+              <a:off x="6776839" y="0"/>
+              <a:ext cx="2821781" cy="786352"/>
+            </a:xfrm>
+            <a:prstGeom prst="chevron">
+              <a:avLst/>
+            </a:prstGeom>
+          </p:spPr>
+          <p:style>
+            <a:lnRef idx="2">
+              <a:schemeClr val="lt1">
+                <a:hueOff val="0"/>
+                <a:satOff val="0"/>
+                <a:lumOff val="0"/>
+                <a:alphaOff val="0"/>
+              </a:schemeClr>
+            </a:lnRef>
+            <a:fillRef idx="1">
+              <a:schemeClr val="accent1">
+                <a:hueOff val="0"/>
+                <a:satOff val="0"/>
+                <a:lumOff val="0"/>
+                <a:alphaOff val="0"/>
+              </a:schemeClr>
+            </a:fillRef>
+            <a:effectRef idx="0">
+              <a:schemeClr val="accent1">
+                <a:hueOff val="0"/>
+                <a:satOff val="0"/>
+                <a:lumOff val="0"/>
+                <a:alphaOff val="0"/>
+              </a:schemeClr>
+            </a:effectRef>
+            <a:fontRef idx="minor">
+              <a:schemeClr val="lt1"/>
+            </a:fontRef>
+          </p:style>
+        </p:sp>
+        <p:sp>
+          <p:nvSpPr>
+            <p:cNvPr id="45" name="חץ: סוגר זוויתי 6">
+              <a:extLst>
+                <a:ext uri="{FF2B5EF4-FFF2-40B4-BE49-F238E27FC236}">
+                  <a16:creationId xmlns:a16="http://schemas.microsoft.com/office/drawing/2014/main" id="{57899116-7796-48DD-A2E1-F2B4414F55CD}"/>
+                </a:ext>
+              </a:extLst>
+            </p:cNvPr>
+            <p:cNvSpPr txBox="1"/>
+            <p:nvPr/>
+          </p:nvSpPr>
+          <p:spPr>
+            <a:xfrm rot="21600000">
+              <a:off x="7170015" y="0"/>
+              <a:ext cx="2035429" cy="786352"/>
+            </a:xfrm>
+            <a:prstGeom prst="rect">
+              <a:avLst/>
+            </a:prstGeom>
+          </p:spPr>
+          <p:style>
+            <a:lnRef idx="0">
+              <a:scrgbClr r="0" g="0" b="0"/>
+            </a:lnRef>
+            <a:fillRef idx="0">
+              <a:scrgbClr r="0" g="0" b="0"/>
+            </a:fillRef>
+            <a:effectRef idx="0">
+              <a:scrgbClr r="0" g="0" b="0"/>
+            </a:effectRef>
+            <a:fontRef idx="minor">
+              <a:schemeClr val="lt1"/>
+            </a:fontRef>
+          </p:style>
+          <p:txBody>
+            <a:bodyPr spcFirstLastPara="0" vert="horz" wrap="square" lIns="29337" tIns="58674" rIns="88011" bIns="58674" numCol="1" spcCol="1270" anchor="ctr" anchorCtr="0">
+              <a:noAutofit/>
+            </a:bodyPr>
+            <a:lstStyle/>
+            <a:p>
+              <a:pPr marL="0" lvl="0" indent="0" algn="ctr" defTabSz="977900" rtl="1">
+                <a:lnSpc>
+                  <a:spcPct val="90000"/>
+                </a:lnSpc>
+                <a:spcBef>
+                  <a:spcPct val="0"/>
+                </a:spcBef>
+                <a:spcAft>
+                  <a:spcPct val="35000"/>
+                </a:spcAft>
+                <a:buNone/>
+              </a:pPr>
+              <a:r>
+                <a:rPr lang="en-US" sz="2200" kern="1200"/>
+                <a:t>EDA</a:t>
+              </a:r>
+              <a:endParaRPr lang="he-IL" sz="2200" kern="1200" dirty="0"/>
+            </a:p>
+          </p:txBody>
+        </p:sp>
+      </p:grpSp>
+      <p:grpSp>
+        <p:nvGrpSpPr>
+          <p:cNvPr id="35" name="קבוצה 34">
+            <a:extLst>
+              <a:ext uri="{FF2B5EF4-FFF2-40B4-BE49-F238E27FC236}">
+                <a16:creationId xmlns:a16="http://schemas.microsoft.com/office/drawing/2014/main" id="{6AB32AAA-4F2A-4D08-B1E0-3EF91014A6D1}"/>
+              </a:ext>
+            </a:extLst>
+          </p:cNvPr>
+          <p:cNvGrpSpPr/>
+          <p:nvPr/>
+        </p:nvGrpSpPr>
+        <p:grpSpPr>
+          <a:xfrm>
+            <a:off x="3326861" y="6061142"/>
+            <a:ext cx="3569810" cy="786352"/>
+            <a:chOff x="4519414" y="0"/>
+            <a:chExt cx="2821781" cy="786352"/>
+          </a:xfrm>
+          <a:solidFill>
+            <a:schemeClr val="accent5"/>
+          </a:solidFill>
+        </p:grpSpPr>
+        <p:sp>
+          <p:nvSpPr>
+            <p:cNvPr id="42" name="חץ: סוגר זוויתי 41">
+              <a:extLst>
+                <a:ext uri="{FF2B5EF4-FFF2-40B4-BE49-F238E27FC236}">
+                  <a16:creationId xmlns:a16="http://schemas.microsoft.com/office/drawing/2014/main" id="{6E748BA4-4155-4FF0-A642-39291AA79C94}"/>
+                </a:ext>
+              </a:extLst>
+            </p:cNvPr>
+            <p:cNvSpPr/>
+            <p:nvPr/>
+          </p:nvSpPr>
+          <p:spPr>
+            <a:xfrm rot="10800000">
+              <a:off x="4519414" y="0"/>
+              <a:ext cx="2821781" cy="786352"/>
+            </a:xfrm>
+            <a:prstGeom prst="chevron">
+              <a:avLst/>
+            </a:prstGeom>
+            <a:grpFill/>
+          </p:spPr>
+          <p:style>
+            <a:lnRef idx="2">
+              <a:schemeClr val="lt1">
+                <a:hueOff val="0"/>
+                <a:satOff val="0"/>
+                <a:lumOff val="0"/>
+                <a:alphaOff val="0"/>
+              </a:schemeClr>
+            </a:lnRef>
+            <a:fillRef idx="1">
+              <a:schemeClr val="accent1">
+                <a:hueOff val="0"/>
+                <a:satOff val="0"/>
+                <a:lumOff val="0"/>
+                <a:alphaOff val="0"/>
+              </a:schemeClr>
+            </a:fillRef>
+            <a:effectRef idx="0">
+              <a:schemeClr val="accent1">
+                <a:hueOff val="0"/>
+                <a:satOff val="0"/>
+                <a:lumOff val="0"/>
+                <a:alphaOff val="0"/>
+              </a:schemeClr>
+            </a:effectRef>
+            <a:fontRef idx="minor">
+              <a:schemeClr val="lt1"/>
+            </a:fontRef>
+          </p:style>
+        </p:sp>
+        <p:sp>
+          <p:nvSpPr>
+            <p:cNvPr id="43" name="חץ: סוגר זוויתי 8">
+              <a:extLst>
+                <a:ext uri="{FF2B5EF4-FFF2-40B4-BE49-F238E27FC236}">
+                  <a16:creationId xmlns:a16="http://schemas.microsoft.com/office/drawing/2014/main" id="{409E5A33-5DBF-4F73-A92E-477D1F4F08B1}"/>
+                </a:ext>
+              </a:extLst>
+            </p:cNvPr>
+            <p:cNvSpPr txBox="1"/>
+            <p:nvPr/>
+          </p:nvSpPr>
+          <p:spPr>
+            <a:xfrm rot="21600000">
+              <a:off x="4912590" y="0"/>
+              <a:ext cx="2035429" cy="786352"/>
+            </a:xfrm>
+            <a:prstGeom prst="rect">
+              <a:avLst/>
+            </a:prstGeom>
+            <a:noFill/>
+          </p:spPr>
+          <p:style>
+            <a:lnRef idx="0">
+              <a:scrgbClr r="0" g="0" b="0"/>
+            </a:lnRef>
+            <a:fillRef idx="0">
+              <a:scrgbClr r="0" g="0" b="0"/>
+            </a:fillRef>
+            <a:effectRef idx="0">
+              <a:scrgbClr r="0" g="0" b="0"/>
+            </a:effectRef>
+            <a:fontRef idx="minor">
+              <a:schemeClr val="lt1"/>
+            </a:fontRef>
+          </p:style>
+          <p:txBody>
+            <a:bodyPr spcFirstLastPara="0" vert="horz" wrap="square" lIns="29337" tIns="58674" rIns="88011" bIns="58674" numCol="1" spcCol="1270" anchor="ctr" anchorCtr="0">
+              <a:noAutofit/>
+            </a:bodyPr>
+            <a:lstStyle/>
+            <a:p>
+              <a:pPr marL="0" lvl="0" indent="0" algn="ctr" defTabSz="977900" rtl="1">
+                <a:lnSpc>
+                  <a:spcPct val="90000"/>
+                </a:lnSpc>
+                <a:spcBef>
+                  <a:spcPct val="0"/>
+                </a:spcBef>
+                <a:spcAft>
+                  <a:spcPct val="35000"/>
+                </a:spcAft>
+                <a:buNone/>
+              </a:pPr>
+              <a:r>
+                <a:rPr lang="en-US" sz="2200" kern="1200" dirty="0"/>
+                <a:t>Machine Learning</a:t>
+              </a:r>
+              <a:endParaRPr lang="he-IL" sz="2200" kern="1200" dirty="0"/>
+            </a:p>
+          </p:txBody>
+        </p:sp>
+      </p:grpSp>
+      <p:grpSp>
+        <p:nvGrpSpPr>
+          <p:cNvPr id="36" name="קבוצה 35">
+            <a:extLst>
+              <a:ext uri="{FF2B5EF4-FFF2-40B4-BE49-F238E27FC236}">
+                <a16:creationId xmlns:a16="http://schemas.microsoft.com/office/drawing/2014/main" id="{7E2FE161-158C-4948-84B4-4B82B0AFFAB5}"/>
+              </a:ext>
+            </a:extLst>
+          </p:cNvPr>
+          <p:cNvGrpSpPr/>
+          <p:nvPr/>
+        </p:nvGrpSpPr>
+        <p:grpSpPr>
+          <a:xfrm>
+            <a:off x="4563" y="6071648"/>
+            <a:ext cx="3730858" cy="786352"/>
+            <a:chOff x="2261989" y="0"/>
+            <a:chExt cx="2821781" cy="786352"/>
+          </a:xfrm>
+        </p:grpSpPr>
+        <p:sp>
+          <p:nvSpPr>
+            <p:cNvPr id="40" name="חץ: סוגר זוויתי 39">
+              <a:extLst>
+                <a:ext uri="{FF2B5EF4-FFF2-40B4-BE49-F238E27FC236}">
+                  <a16:creationId xmlns:a16="http://schemas.microsoft.com/office/drawing/2014/main" id="{680E1364-2284-4501-8BE6-EB295D55F9CB}"/>
+                </a:ext>
+              </a:extLst>
+            </p:cNvPr>
+            <p:cNvSpPr/>
+            <p:nvPr/>
+          </p:nvSpPr>
+          <p:spPr>
+            <a:xfrm rot="10800000">
+              <a:off x="2261989" y="0"/>
+              <a:ext cx="2821781" cy="786352"/>
+            </a:xfrm>
+            <a:prstGeom prst="chevron">
+              <a:avLst/>
+            </a:prstGeom>
+          </p:spPr>
+          <p:style>
+            <a:lnRef idx="2">
+              <a:schemeClr val="lt1">
+                <a:hueOff val="0"/>
+                <a:satOff val="0"/>
+                <a:lumOff val="0"/>
+                <a:alphaOff val="0"/>
+              </a:schemeClr>
+            </a:lnRef>
+            <a:fillRef idx="1">
+              <a:schemeClr val="accent1">
+                <a:hueOff val="0"/>
+                <a:satOff val="0"/>
+                <a:lumOff val="0"/>
+                <a:alphaOff val="0"/>
+              </a:schemeClr>
+            </a:fillRef>
+            <a:effectRef idx="0">
+              <a:schemeClr val="accent1">
+                <a:hueOff val="0"/>
+                <a:satOff val="0"/>
+                <a:lumOff val="0"/>
+                <a:alphaOff val="0"/>
+              </a:schemeClr>
+            </a:effectRef>
+            <a:fontRef idx="minor">
+              <a:schemeClr val="lt1"/>
+            </a:fontRef>
+          </p:style>
+        </p:sp>
+        <p:sp>
+          <p:nvSpPr>
+            <p:cNvPr id="41" name="חץ: סוגר זוויתי 10">
+              <a:extLst>
+                <a:ext uri="{FF2B5EF4-FFF2-40B4-BE49-F238E27FC236}">
+                  <a16:creationId xmlns:a16="http://schemas.microsoft.com/office/drawing/2014/main" id="{9B09CEBA-4133-4FFA-83B9-D2499DB80A81}"/>
+                </a:ext>
+              </a:extLst>
+            </p:cNvPr>
+            <p:cNvSpPr txBox="1"/>
+            <p:nvPr/>
+          </p:nvSpPr>
+          <p:spPr>
+            <a:xfrm rot="21600000">
+              <a:off x="2655165" y="0"/>
+              <a:ext cx="2035429" cy="786352"/>
+            </a:xfrm>
+            <a:prstGeom prst="rect">
+              <a:avLst/>
+            </a:prstGeom>
+          </p:spPr>
+          <p:style>
+            <a:lnRef idx="0">
+              <a:scrgbClr r="0" g="0" b="0"/>
+            </a:lnRef>
+            <a:fillRef idx="0">
+              <a:scrgbClr r="0" g="0" b="0"/>
+            </a:fillRef>
+            <a:effectRef idx="0">
+              <a:scrgbClr r="0" g="0" b="0"/>
+            </a:effectRef>
+            <a:fontRef idx="minor">
+              <a:schemeClr val="lt1"/>
+            </a:fontRef>
+          </p:style>
+          <p:txBody>
+            <a:bodyPr spcFirstLastPara="0" vert="horz" wrap="square" lIns="29337" tIns="58674" rIns="88011" bIns="58674" numCol="1" spcCol="1270" anchor="ctr" anchorCtr="0">
+              <a:noAutofit/>
+            </a:bodyPr>
+            <a:lstStyle/>
+            <a:p>
+              <a:pPr marL="0" lvl="0" indent="0" algn="ctr" defTabSz="977900" rtl="1">
+                <a:lnSpc>
+                  <a:spcPct val="90000"/>
+                </a:lnSpc>
+                <a:spcBef>
+                  <a:spcPct val="0"/>
+                </a:spcBef>
+                <a:spcAft>
+                  <a:spcPct val="35000"/>
+                </a:spcAft>
+                <a:buNone/>
+              </a:pPr>
+              <a:r>
+                <a:rPr lang="en-US" sz="2200" kern="1200" dirty="0"/>
+                <a:t>Conclusions</a:t>
+              </a:r>
+              <a:endParaRPr lang="he-IL" sz="2200" kern="1200" dirty="0"/>
+            </a:p>
+          </p:txBody>
+        </p:sp>
+      </p:grpSp>
+      <p:sp>
+        <p:nvSpPr>
+          <p:cNvPr id="49" name="כותרת 1">
+            <a:extLst>
+              <a:ext uri="{FF2B5EF4-FFF2-40B4-BE49-F238E27FC236}">
+                <a16:creationId xmlns:a16="http://schemas.microsoft.com/office/drawing/2014/main" id="{577C8987-3061-494B-A6ED-3CFC57D1BBBB}"/>
+              </a:ext>
+            </a:extLst>
+          </p:cNvPr>
+          <p:cNvSpPr txBox="1">
+            <a:spLocks/>
+          </p:cNvSpPr>
+          <p:nvPr/>
+        </p:nvSpPr>
+        <p:spPr>
+          <a:xfrm>
+            <a:off x="397740" y="771384"/>
+            <a:ext cx="9905758" cy="2366128"/>
+          </a:xfrm>
+          <a:prstGeom prst="rect">
+            <a:avLst/>
+          </a:prstGeom>
+        </p:spPr>
+        <p:txBody>
+          <a:bodyPr vert="horz" lIns="91440" tIns="45720" rIns="91440" bIns="45720" rtlCol="0" anchor="t">
+            <a:noAutofit/>
+          </a:bodyPr>
+          <a:lstStyle>
+            <a:lvl1pPr algn="l" defTabSz="457200" rtl="1" eaLnBrk="1" latinLnBrk="0" hangingPunct="1">
+              <a:spcBef>
+                <a:spcPct val="0"/>
+              </a:spcBef>
+              <a:buNone/>
+              <a:defRPr sz="4200" b="0" i="0" kern="1200">
+                <a:solidFill>
+                  <a:schemeClr val="tx2"/>
+                </a:solidFill>
+                <a:latin typeface="+mj-lt"/>
+                <a:ea typeface="+mj-ea"/>
+                <a:cs typeface="+mj-cs"/>
+              </a:defRPr>
+            </a:lvl1pPr>
+            <a:lvl2pPr rtl="1" eaLnBrk="1" hangingPunct="1">
+              <a:defRPr>
+                <a:solidFill>
+                  <a:schemeClr val="tx2"/>
+                </a:solidFill>
+              </a:defRPr>
+            </a:lvl2pPr>
+            <a:lvl3pPr rtl="1" eaLnBrk="1" hangingPunct="1">
+              <a:defRPr>
+                <a:solidFill>
+                  <a:schemeClr val="tx2"/>
+                </a:solidFill>
+              </a:defRPr>
+            </a:lvl3pPr>
+            <a:lvl4pPr rtl="1" eaLnBrk="1" hangingPunct="1">
+              <a:defRPr>
+                <a:solidFill>
+                  <a:schemeClr val="tx2"/>
+                </a:solidFill>
+              </a:defRPr>
+            </a:lvl4pPr>
+            <a:lvl5pPr rtl="1" eaLnBrk="1" hangingPunct="1">
+              <a:defRPr>
+                <a:solidFill>
+                  <a:schemeClr val="tx2"/>
+                </a:solidFill>
+              </a:defRPr>
+            </a:lvl5pPr>
+            <a:lvl6pPr rtl="1" eaLnBrk="1" hangingPunct="1">
+              <a:defRPr>
+                <a:solidFill>
+                  <a:schemeClr val="tx2"/>
+                </a:solidFill>
+              </a:defRPr>
+            </a:lvl6pPr>
+            <a:lvl7pPr rtl="1" eaLnBrk="1" hangingPunct="1">
+              <a:defRPr>
+                <a:solidFill>
+                  <a:schemeClr val="tx2"/>
+                </a:solidFill>
+              </a:defRPr>
+            </a:lvl7pPr>
+            <a:lvl8pPr rtl="1" eaLnBrk="1" hangingPunct="1">
+              <a:defRPr>
+                <a:solidFill>
+                  <a:schemeClr val="tx2"/>
+                </a:solidFill>
+              </a:defRPr>
+            </a:lvl8pPr>
+            <a:lvl9pPr rtl="1" eaLnBrk="1" hangingPunct="1">
+              <a:defRPr>
+                <a:solidFill>
+                  <a:schemeClr val="tx2"/>
+                </a:solidFill>
+              </a:defRPr>
+            </a:lvl9pPr>
+          </a:lstStyle>
+          <a:p>
+            <a:r>
+              <a:rPr lang="en-US" sz="2100" dirty="0"/>
+              <a:t>During this phase, in order to handle “Description” feature, I used two different algorithms: CountVectorizer, TfidfVectorizer. </a:t>
+            </a:r>
+            <a:endParaRPr lang="he-IL" sz="2100" dirty="0"/>
+          </a:p>
+          <a:p>
+            <a:r>
+              <a:rPr lang="en-US" sz="2100" dirty="0"/>
+              <a:t>Their main purpose is to turn the paragraphs into vectors that the model can use.</a:t>
+            </a:r>
+          </a:p>
+          <a:p>
+            <a:endParaRPr lang="en-US" sz="2100" dirty="0"/>
+          </a:p>
+          <a:p>
+            <a:r>
+              <a:rPr lang="en-US" sz="2100" dirty="0"/>
+              <a:t>In order to help the learning process, I used LabelEncoder (transforms the data into numbers) and StandardScaler (normalizes the data between 0-1)</a:t>
+            </a:r>
+            <a:endParaRPr lang="he-IL" sz="2100" dirty="0"/>
+          </a:p>
+        </p:txBody>
+      </p:sp>
+      <p:pic>
+        <p:nvPicPr>
+          <p:cNvPr id="4" name="תמונה 3">
+            <a:extLst>
+              <a:ext uri="{FF2B5EF4-FFF2-40B4-BE49-F238E27FC236}">
+                <a16:creationId xmlns:a16="http://schemas.microsoft.com/office/drawing/2014/main" id="{C20F0280-EFF2-4EEE-9B7E-8CF33B520CAA}"/>
+              </a:ext>
+            </a:extLst>
+          </p:cNvPr>
+          <p:cNvPicPr>
+            <a:picLocks noChangeAspect="1"/>
+          </p:cNvPicPr>
+          <p:nvPr/>
+        </p:nvPicPr>
+        <p:blipFill>
+          <a:blip r:embed="rId2"/>
+          <a:stretch>
+            <a:fillRect/>
+          </a:stretch>
+        </p:blipFill>
+        <p:spPr>
+          <a:xfrm>
+            <a:off x="397740" y="3207271"/>
+            <a:ext cx="5145221" cy="1274975"/>
+          </a:xfrm>
+          <a:prstGeom prst="rect">
+            <a:avLst/>
+          </a:prstGeom>
+        </p:spPr>
+      </p:pic>
+      <p:pic>
+        <p:nvPicPr>
+          <p:cNvPr id="8" name="תמונה 7">
+            <a:extLst>
+              <a:ext uri="{FF2B5EF4-FFF2-40B4-BE49-F238E27FC236}">
+                <a16:creationId xmlns:a16="http://schemas.microsoft.com/office/drawing/2014/main" id="{8986E895-AD5A-4FBE-935E-ADB8429E1344}"/>
+              </a:ext>
+            </a:extLst>
+          </p:cNvPr>
+          <p:cNvPicPr>
+            <a:picLocks noChangeAspect="1"/>
+          </p:cNvPicPr>
+          <p:nvPr/>
+        </p:nvPicPr>
+        <p:blipFill>
+          <a:blip r:embed="rId3"/>
+          <a:stretch>
+            <a:fillRect/>
+          </a:stretch>
+        </p:blipFill>
+        <p:spPr>
+          <a:xfrm>
+            <a:off x="5710387" y="3207271"/>
+            <a:ext cx="6435633" cy="1262331"/>
+          </a:xfrm>
+          <a:prstGeom prst="rect">
+            <a:avLst/>
+          </a:prstGeom>
+        </p:spPr>
+      </p:pic>
+      <p:sp>
+        <p:nvSpPr>
+          <p:cNvPr id="29" name="כותרת 1">
+            <a:extLst>
+              <a:ext uri="{FF2B5EF4-FFF2-40B4-BE49-F238E27FC236}">
+                <a16:creationId xmlns:a16="http://schemas.microsoft.com/office/drawing/2014/main" id="{53D2DDCE-A53E-4C6A-92FB-087298CB289A}"/>
+              </a:ext>
+            </a:extLst>
+          </p:cNvPr>
+          <p:cNvSpPr txBox="1">
+            <a:spLocks/>
+          </p:cNvSpPr>
+          <p:nvPr/>
+        </p:nvSpPr>
+        <p:spPr>
+          <a:xfrm>
+            <a:off x="390719" y="4716409"/>
+            <a:ext cx="11081701" cy="958528"/>
+          </a:xfrm>
+          <a:prstGeom prst="rect">
+            <a:avLst/>
+          </a:prstGeom>
+        </p:spPr>
+        <p:txBody>
+          <a:bodyPr vert="horz" lIns="91440" tIns="45720" rIns="91440" bIns="45720" rtlCol="0" anchor="t">
+            <a:noAutofit/>
+          </a:bodyPr>
+          <a:lstStyle>
+            <a:lvl1pPr algn="l" defTabSz="457200" rtl="1" eaLnBrk="1" latinLnBrk="0" hangingPunct="1">
+              <a:spcBef>
+                <a:spcPct val="0"/>
+              </a:spcBef>
+              <a:buNone/>
+              <a:defRPr sz="4200" b="0" i="0" kern="1200">
+                <a:solidFill>
+                  <a:schemeClr val="tx2"/>
+                </a:solidFill>
+                <a:latin typeface="+mj-lt"/>
+                <a:ea typeface="+mj-ea"/>
+                <a:cs typeface="+mj-cs"/>
+              </a:defRPr>
+            </a:lvl1pPr>
+            <a:lvl2pPr rtl="1" eaLnBrk="1" hangingPunct="1">
+              <a:defRPr>
+                <a:solidFill>
+                  <a:schemeClr val="tx2"/>
+                </a:solidFill>
+              </a:defRPr>
+            </a:lvl2pPr>
+            <a:lvl3pPr rtl="1" eaLnBrk="1" hangingPunct="1">
+              <a:defRPr>
+                <a:solidFill>
+                  <a:schemeClr val="tx2"/>
+                </a:solidFill>
+              </a:defRPr>
+            </a:lvl3pPr>
+            <a:lvl4pPr rtl="1" eaLnBrk="1" hangingPunct="1">
+              <a:defRPr>
+                <a:solidFill>
+                  <a:schemeClr val="tx2"/>
+                </a:solidFill>
+              </a:defRPr>
+            </a:lvl4pPr>
+            <a:lvl5pPr rtl="1" eaLnBrk="1" hangingPunct="1">
+              <a:defRPr>
+                <a:solidFill>
+                  <a:schemeClr val="tx2"/>
+                </a:solidFill>
+              </a:defRPr>
+            </a:lvl5pPr>
+            <a:lvl6pPr rtl="1" eaLnBrk="1" hangingPunct="1">
+              <a:defRPr>
+                <a:solidFill>
+                  <a:schemeClr val="tx2"/>
+                </a:solidFill>
+              </a:defRPr>
+            </a:lvl6pPr>
+            <a:lvl7pPr rtl="1" eaLnBrk="1" hangingPunct="1">
+              <a:defRPr>
+                <a:solidFill>
+                  <a:schemeClr val="tx2"/>
+                </a:solidFill>
+              </a:defRPr>
+            </a:lvl7pPr>
+            <a:lvl8pPr rtl="1" eaLnBrk="1" hangingPunct="1">
+              <a:defRPr>
+                <a:solidFill>
+                  <a:schemeClr val="tx2"/>
+                </a:solidFill>
+              </a:defRPr>
+            </a:lvl8pPr>
+            <a:lvl9pPr rtl="1" eaLnBrk="1" hangingPunct="1">
+              <a:defRPr>
+                <a:solidFill>
+                  <a:schemeClr val="tx2"/>
+                </a:solidFill>
+              </a:defRPr>
+            </a:lvl9pPr>
+          </a:lstStyle>
+          <a:p>
+            <a:r>
+              <a:rPr lang="en-US" sz="2100" dirty="0"/>
+              <a:t>The data fetched from Goodreads isn’t stable when it comes to the Rating label. So in order to try and improve accuracy percentage, I used more than one model.</a:t>
+            </a:r>
+            <a:endParaRPr lang="he-IL" sz="2100" dirty="0"/>
+          </a:p>
+        </p:txBody>
+      </p:sp>
+    </p:spTree>
+    <p:extLst>
+      <p:ext uri="{BB962C8B-B14F-4D97-AF65-F5344CB8AC3E}">
+        <p14:creationId xmlns:p14="http://schemas.microsoft.com/office/powerpoint/2010/main" val="2374298091"/>
+      </p:ext>
+    </p:extLst>
+  </p:cSld>
+  <p:clrMapOvr>
+    <a:masterClrMapping/>
+  </p:clrMapOvr>
+</p:sld>
+</file>
+
+<file path=ppt/slides/slide11.xml><?xml version="1.0" encoding="utf-8"?>
 <p:sld xmlns:a="http://schemas.openxmlformats.org/drawingml/2006/main" xmlns:r="http://schemas.openxmlformats.org/officeDocument/2006/relationships" xmlns:p="http://schemas.openxmlformats.org/presentationml/2006/main">
   <p:cSld>
     <p:spTree>
@@ -14908,8 +13177,8 @@
         </p:blipFill>
         <p:spPr>
           <a:xfrm>
-            <a:off x="367539" y="1344300"/>
-            <a:ext cx="5596671" cy="1796202"/>
+            <a:off x="181345" y="1329523"/>
+            <a:ext cx="6217921" cy="1796202"/>
           </a:xfrm>
           <a:prstGeom prst="rect">
             <a:avLst/>
@@ -14938,7 +13207,7 @@
         </p:blipFill>
         <p:spPr>
           <a:xfrm>
-            <a:off x="6399266" y="1055802"/>
+            <a:off x="6763859" y="1041025"/>
             <a:ext cx="3398235" cy="2373198"/>
           </a:xfrm>
           <a:prstGeom prst="rect">
@@ -14962,7 +13231,7 @@
         </p:nvSpPr>
         <p:spPr>
           <a:xfrm>
-            <a:off x="10232557" y="1963566"/>
+            <a:off x="10411667" y="1964512"/>
             <a:ext cx="1624249" cy="759475"/>
           </a:xfrm>
           <a:prstGeom prst="rect">
@@ -15076,8 +13345,8 @@
         </p:blipFill>
         <p:spPr>
           <a:xfrm>
-            <a:off x="304509" y="4134013"/>
-            <a:ext cx="5659701" cy="1248692"/>
+            <a:off x="227134" y="4142594"/>
+            <a:ext cx="6333921" cy="1248692"/>
           </a:xfrm>
           <a:prstGeom prst="rect">
             <a:avLst/>
@@ -15106,7 +13375,7 @@
         </p:blipFill>
         <p:spPr>
           <a:xfrm>
-            <a:off x="6399267" y="3701074"/>
+            <a:off x="6763859" y="3782770"/>
             <a:ext cx="3398234" cy="2221436"/>
           </a:xfrm>
           <a:prstGeom prst="rect">
@@ -15130,7 +13399,7 @@
         </p:nvSpPr>
         <p:spPr>
           <a:xfrm>
-            <a:off x="10263242" y="4134013"/>
+            <a:off x="10515091" y="4134013"/>
             <a:ext cx="1624249" cy="759475"/>
           </a:xfrm>
           <a:prstGeom prst="rect">
@@ -15241,7 +13510,7 @@
 </p:sld>
 </file>
 
-<file path=ppt/slides/slide11.xml><?xml version="1.0" encoding="utf-8"?>
+<file path=ppt/slides/slide12.xml><?xml version="1.0" encoding="utf-8"?>
 <p:sld xmlns:a="http://schemas.openxmlformats.org/drawingml/2006/main" xmlns:r="http://schemas.openxmlformats.org/officeDocument/2006/relationships" xmlns:p="http://schemas.openxmlformats.org/presentationml/2006/main">
   <p:cSld>
     <p:spTree>
@@ -15277,7 +13546,7 @@
         <p:spPr>
           <a:xfrm>
             <a:off x="305000" y="443291"/>
-            <a:ext cx="8582730" cy="1338375"/>
+            <a:ext cx="8226258" cy="1095529"/>
           </a:xfrm>
         </p:spPr>
         <p:txBody>
@@ -15916,7 +14185,7 @@
 </p:sld>
 </file>
 
-<file path=ppt/slides/slide12.xml><?xml version="1.0" encoding="utf-8"?>
+<file path=ppt/slides/slide13.xml><?xml version="1.0" encoding="utf-8"?>
 <p:sld xmlns:a="http://schemas.openxmlformats.org/drawingml/2006/main" xmlns:r="http://schemas.openxmlformats.org/officeDocument/2006/relationships" xmlns:p="http://schemas.openxmlformats.org/presentationml/2006/main">
   <p:cSld>
     <p:spTree>
@@ -16625,10 +14894,75 @@
       </p:grpSp>
       <p:sp>
         <p:nvSpPr>
-          <p:cNvPr id="34" name="כותרת 1">
+          <p:cNvPr id="18" name="תיבת טקסט 17">
             <a:extLst>
               <a:ext uri="{FF2B5EF4-FFF2-40B4-BE49-F238E27FC236}">
-                <a16:creationId xmlns:a16="http://schemas.microsoft.com/office/drawing/2014/main" id="{47B2AD25-781B-4C67-B7A1-318A7D323F27}"/>
+                <a16:creationId xmlns:a16="http://schemas.microsoft.com/office/drawing/2014/main" id="{E6BE61EE-6BF2-4F81-9C53-3CDD7835C180}"/>
+              </a:ext>
+            </a:extLst>
+          </p:cNvPr>
+          <p:cNvSpPr txBox="1"/>
+          <p:nvPr/>
+        </p:nvSpPr>
+        <p:spPr>
+          <a:xfrm>
+            <a:off x="2176949" y="2882447"/>
+            <a:ext cx="7355951" cy="1015663"/>
+          </a:xfrm>
+          <a:prstGeom prst="rect">
+            <a:avLst/>
+          </a:prstGeom>
+          <a:noFill/>
+        </p:spPr>
+        <p:txBody>
+          <a:bodyPr wrap="square">
+            <a:spAutoFit/>
+          </a:bodyPr>
+          <a:lstStyle/>
+          <a:p>
+            <a:r>
+              <a:rPr lang="en-US" sz="2000" dirty="0"/>
+              <a:t>As can be observed, CountVectorizer worked a bit better with our data comparing to TfidfVectorizer, but both algorithms converge to about 53-57 % of precision.</a:t>
+            </a:r>
+          </a:p>
+        </p:txBody>
+      </p:sp>
+    </p:spTree>
+    <p:extLst>
+      <p:ext uri="{BB962C8B-B14F-4D97-AF65-F5344CB8AC3E}">
+        <p14:creationId xmlns:p14="http://schemas.microsoft.com/office/powerpoint/2010/main" val="1213562309"/>
+      </p:ext>
+    </p:extLst>
+  </p:cSld>
+  <p:clrMapOvr>
+    <a:masterClrMapping/>
+  </p:clrMapOvr>
+</p:sld>
+</file>
+
+<file path=ppt/slides/slide14.xml><?xml version="1.0" encoding="utf-8"?>
+<p:sld xmlns:a="http://schemas.openxmlformats.org/drawingml/2006/main" xmlns:r="http://schemas.openxmlformats.org/officeDocument/2006/relationships" xmlns:p="http://schemas.openxmlformats.org/presentationml/2006/main">
+  <p:cSld>
+    <p:spTree>
+      <p:nvGrpSpPr>
+        <p:cNvPr id="1" name=""/>
+        <p:cNvGrpSpPr/>
+        <p:nvPr/>
+      </p:nvGrpSpPr>
+      <p:grpSpPr>
+        <a:xfrm>
+          <a:off x="0" y="0"/>
+          <a:ext cx="0" cy="0"/>
+          <a:chOff x="0" y="0"/>
+          <a:chExt cx="0" cy="0"/>
+        </a:xfrm>
+      </p:grpSpPr>
+      <p:sp>
+        <p:nvSpPr>
+          <p:cNvPr id="2" name="כותרת 1">
+            <a:extLst>
+              <a:ext uri="{FF2B5EF4-FFF2-40B4-BE49-F238E27FC236}">
+                <a16:creationId xmlns:a16="http://schemas.microsoft.com/office/drawing/2014/main" id="{05001F5F-7B2A-4FC7-8CB4-927B0C747045}"/>
               </a:ext>
             </a:extLst>
           </p:cNvPr>
@@ -16639,8 +14973,8 @@
         </p:nvSpPr>
         <p:spPr>
           <a:xfrm>
-            <a:off x="2659099" y="4043558"/>
-            <a:ext cx="6392175" cy="786353"/>
+            <a:off x="2677953" y="2148769"/>
+            <a:ext cx="6392175" cy="1659659"/>
           </a:xfrm>
           <a:prstGeom prst="rect">
             <a:avLst/>
@@ -16723,20 +15057,21 @@
             </a:lvl9pPr>
           </a:lstStyle>
           <a:p>
+            <a:pPr algn="ctr"/>
             <a:r>
-              <a:rPr lang="en-US" dirty="0"/>
+              <a:rPr lang="en-US" sz="5400" dirty="0"/>
               <a:t>Thank you for listening!</a:t>
             </a:r>
-            <a:endParaRPr lang="he-IL" dirty="0"/>
+            <a:endParaRPr lang="he-IL" sz="5400" dirty="0"/>
           </a:p>
         </p:txBody>
       </p:sp>
       <p:sp>
         <p:nvSpPr>
-          <p:cNvPr id="18" name="תיבת טקסט 17">
+          <p:cNvPr id="4" name="תיבת טקסט 3">
             <a:extLst>
               <a:ext uri="{FF2B5EF4-FFF2-40B4-BE49-F238E27FC236}">
-                <a16:creationId xmlns:a16="http://schemas.microsoft.com/office/drawing/2014/main" id="{E6BE61EE-6BF2-4F81-9C53-3CDD7835C180}"/>
+                <a16:creationId xmlns:a16="http://schemas.microsoft.com/office/drawing/2014/main" id="{590C0D01-2B88-46D7-A127-4379E634C0B6}"/>
               </a:ext>
             </a:extLst>
           </p:cNvPr>
@@ -16745,8 +15080,8 @@
         </p:nvSpPr>
         <p:spPr>
           <a:xfrm>
-            <a:off x="2176950" y="2882447"/>
-            <a:ext cx="7019898" cy="707886"/>
+            <a:off x="2857285" y="4392891"/>
+            <a:ext cx="6477430" cy="400110"/>
           </a:xfrm>
           <a:prstGeom prst="rect">
             <a:avLst/>
@@ -16760,16 +15095,19 @@
           <a:lstStyle/>
           <a:p>
             <a:r>
-              <a:rPr lang="en-US" sz="2000" dirty="0"/>
-              <a:t>As can be observed, CountVectorizer worked a bit better with our data comparing to TfidfVectorizer.</a:t>
+              <a:rPr lang="en-US" sz="2000" dirty="0">
+                <a:hlinkClick r:id="rId2"/>
+              </a:rPr>
+              <a:t>https://github.com/yaniv208/DataScienceProject</a:t>
             </a:r>
+            <a:endParaRPr lang="he-IL" sz="2000" dirty="0"/>
           </a:p>
         </p:txBody>
       </p:sp>
     </p:spTree>
     <p:extLst>
       <p:ext uri="{BB962C8B-B14F-4D97-AF65-F5344CB8AC3E}">
-        <p14:creationId xmlns:p14="http://schemas.microsoft.com/office/powerpoint/2010/main" val="1213562309"/>
+        <p14:creationId xmlns:p14="http://schemas.microsoft.com/office/powerpoint/2010/main" val="2916148059"/>
       </p:ext>
     </p:extLst>
   </p:cSld>
@@ -16850,7 +15188,7 @@
         <p:spPr>
           <a:xfrm>
             <a:off x="582970" y="1167319"/>
-            <a:ext cx="9748807" cy="4066162"/>
+            <a:ext cx="9748807" cy="3894875"/>
           </a:xfrm>
         </p:spPr>
         <p:txBody>
@@ -16883,7 +15221,7 @@
             <a:pPr algn="l" rtl="0"/>
             <a:r>
               <a:rPr lang="en-US" sz="2400" dirty="0"/>
-              <a:t>4. Conclusions – Stating conclusions from the model regarding our research question.</a:t>
+              <a:t>4. Conclusions – Stating conclusions from the models regarding our research question.</a:t>
             </a:r>
           </a:p>
         </p:txBody>
@@ -16940,349 +15278,6 @@
 </file>
 
 <file path=ppt/slides/slide3.xml><?xml version="1.0" encoding="utf-8"?>
-<p:sld xmlns:a="http://schemas.openxmlformats.org/drawingml/2006/main" xmlns:r="http://schemas.openxmlformats.org/officeDocument/2006/relationships" xmlns:p="http://schemas.openxmlformats.org/presentationml/2006/main">
-  <p:cSld>
-    <p:spTree>
-      <p:nvGrpSpPr>
-        <p:cNvPr id="1" name=""/>
-        <p:cNvGrpSpPr/>
-        <p:nvPr/>
-      </p:nvGrpSpPr>
-      <p:grpSpPr>
-        <a:xfrm>
-          <a:off x="0" y="0"/>
-          <a:ext cx="0" cy="0"/>
-          <a:chOff x="0" y="0"/>
-          <a:chExt cx="0" cy="0"/>
-        </a:xfrm>
-      </p:grpSpPr>
-      <p:sp>
-        <p:nvSpPr>
-          <p:cNvPr id="2" name="כותרת 1">
-            <a:extLst>
-              <a:ext uri="{FF2B5EF4-FFF2-40B4-BE49-F238E27FC236}">
-                <a16:creationId xmlns:a16="http://schemas.microsoft.com/office/drawing/2014/main" id="{95D9AA99-4E66-4942-841F-A4DD79CD0A76}"/>
-              </a:ext>
-            </a:extLst>
-          </p:cNvPr>
-          <p:cNvSpPr>
-            <a:spLocks noGrp="1"/>
-          </p:cNvSpPr>
-          <p:nvPr>
-            <p:ph type="title"/>
-          </p:nvPr>
-        </p:nvSpPr>
-        <p:spPr>
-          <a:xfrm>
-            <a:off x="115802" y="70859"/>
-            <a:ext cx="5782969" cy="518243"/>
-          </a:xfrm>
-        </p:spPr>
-        <p:txBody>
-          <a:bodyPr/>
-          <a:lstStyle/>
-          <a:p>
-            <a:r>
-              <a:rPr lang="en-US" sz="2400" dirty="0"/>
-              <a:t>Packages used during the research:</a:t>
-            </a:r>
-            <a:br>
-              <a:rPr lang="en-US" sz="2400" dirty="0"/>
-            </a:br>
-            <a:endParaRPr lang="he-IL" sz="2400" dirty="0"/>
-          </a:p>
-        </p:txBody>
-      </p:sp>
-      <p:graphicFrame>
-        <p:nvGraphicFramePr>
-          <p:cNvPr id="3" name="טבלה 2">
-            <a:extLst>
-              <a:ext uri="{FF2B5EF4-FFF2-40B4-BE49-F238E27FC236}">
-                <a16:creationId xmlns:a16="http://schemas.microsoft.com/office/drawing/2014/main" id="{E1A855D4-ACBE-430A-AFA7-01A562DB1444}"/>
-              </a:ext>
-            </a:extLst>
-          </p:cNvPr>
-          <p:cNvGraphicFramePr>
-            <a:graphicFrameLocks noGrp="1"/>
-          </p:cNvGraphicFramePr>
-          <p:nvPr>
-            <p:extLst>
-              <p:ext uri="{D42A27DB-BD31-4B8C-83A1-F6EECF244321}">
-                <p14:modId xmlns:p14="http://schemas.microsoft.com/office/powerpoint/2010/main" val="1515822540"/>
-              </p:ext>
-            </p:extLst>
-          </p:nvPr>
-        </p:nvGraphicFramePr>
-        <p:xfrm>
-          <a:off x="304797" y="602817"/>
-          <a:ext cx="6831293" cy="2102675"/>
-        </p:xfrm>
-        <a:graphic>
-          <a:graphicData uri="http://schemas.openxmlformats.org/drawingml/2006/table">
-            <a:tbl>
-              <a:tblPr rtl="1" firstRow="1" bandRow="1">
-                <a:tableStyleId>{5C22544A-7EE6-4342-B048-85BDC9FD1C3A}</a:tableStyleId>
-              </a:tblPr>
-              <a:tblGrid>
-                <a:gridCol w="6831293">
-                  <a:extLst>
-                    <a:ext uri="{9D8B030D-6E8A-4147-A177-3AD203B41FA5}">
-                      <a16:colId xmlns:a16="http://schemas.microsoft.com/office/drawing/2014/main" val="797089852"/>
-                    </a:ext>
-                  </a:extLst>
-                </a:gridCol>
-              </a:tblGrid>
-              <a:tr h="2102675">
-                <a:tc>
-                  <a:txBody>
-                    <a:bodyPr/>
-                    <a:lstStyle/>
-                    <a:p>
-                      <a:pPr algn="l" rtl="1"/>
-                      <a:r>
-                        <a:rPr lang="en-US" sz="1600" b="0" dirty="0"/>
-                        <a:t>Pandas - analysis and manipulation tool</a:t>
-                      </a:r>
-                    </a:p>
-                    <a:p>
-                      <a:pPr algn="l" rtl="1"/>
-                      <a:r>
-                        <a:rPr lang="en-US" sz="1600" b="0" dirty="0"/>
-                        <a:t>BeautifulSoup - parsing HTML and XML documents</a:t>
-                      </a:r>
-                    </a:p>
-                    <a:p>
-                      <a:pPr algn="l" rtl="1"/>
-                      <a:r>
-                        <a:rPr lang="en-US" sz="1600" b="0" dirty="0"/>
-                        <a:t>requests - HTTP library</a:t>
-                      </a:r>
-                      <a:endParaRPr lang="he-IL" sz="1600" b="0" dirty="0"/>
-                    </a:p>
-                    <a:p>
-                      <a:pPr algn="l" rtl="1"/>
-                      <a:r>
-                        <a:rPr lang="en-US" sz="1600" b="0" dirty="0"/>
-                        <a:t>matplotlib – Visualization of data</a:t>
-                      </a:r>
-                    </a:p>
-                    <a:p>
-                      <a:pPr algn="l" rtl="1"/>
-                      <a:r>
-                        <a:rPr lang="en-US" sz="1600" b="0" dirty="0"/>
-                        <a:t>Seaborn – Visualization of data, a library that’s based on matplotlib (heatmap)</a:t>
-                      </a:r>
-                    </a:p>
-                    <a:p>
-                      <a:pPr algn="l" rtl="1"/>
-                      <a:r>
-                        <a:rPr lang="en-US" sz="1600" b="0" dirty="0"/>
-                        <a:t>sklearn – machine learning library used in Python</a:t>
-                      </a:r>
-                    </a:p>
-                    <a:p>
-                      <a:pPr algn="l" rtl="1"/>
-                      <a:r>
-                        <a:rPr lang="en-US" sz="1600" b="0" dirty="0"/>
-                        <a:t>NumPy – Provides wide variety of mathematical operations</a:t>
-                      </a:r>
-                      <a:endParaRPr lang="he-IL" sz="1600" b="0" dirty="0"/>
-                    </a:p>
-                  </a:txBody>
-                  <a:tcPr/>
-                </a:tc>
-                <a:extLst>
-                  <a:ext uri="{0D108BD9-81ED-4DB2-BD59-A6C34878D82A}">
-                    <a16:rowId xmlns:a16="http://schemas.microsoft.com/office/drawing/2014/main" val="3992194912"/>
-                  </a:ext>
-                </a:extLst>
-              </a:tr>
-            </a:tbl>
-          </a:graphicData>
-        </a:graphic>
-      </p:graphicFrame>
-      <p:sp>
-        <p:nvSpPr>
-          <p:cNvPr id="4" name="כותרת 1">
-            <a:extLst>
-              <a:ext uri="{FF2B5EF4-FFF2-40B4-BE49-F238E27FC236}">
-                <a16:creationId xmlns:a16="http://schemas.microsoft.com/office/drawing/2014/main" id="{C8251504-EC9E-49B2-8F14-E1504FD2F83F}"/>
-              </a:ext>
-            </a:extLst>
-          </p:cNvPr>
-          <p:cNvSpPr txBox="1">
-            <a:spLocks/>
-          </p:cNvSpPr>
-          <p:nvPr/>
-        </p:nvSpPr>
-        <p:spPr>
-          <a:xfrm>
-            <a:off x="417459" y="3044973"/>
-            <a:ext cx="2966763" cy="518243"/>
-          </a:xfrm>
-          <a:prstGeom prst="rect">
-            <a:avLst/>
-          </a:prstGeom>
-        </p:spPr>
-        <p:txBody>
-          <a:bodyPr vert="horz" lIns="91440" tIns="45720" rIns="91440" bIns="45720" rtlCol="0" anchor="t">
-            <a:noAutofit/>
-          </a:bodyPr>
-          <a:lstStyle>
-            <a:lvl1pPr algn="l" defTabSz="457200" rtl="1" eaLnBrk="1" latinLnBrk="0" hangingPunct="1">
-              <a:spcBef>
-                <a:spcPct val="0"/>
-              </a:spcBef>
-              <a:buNone/>
-              <a:defRPr sz="4200" b="0" i="0" kern="1200">
-                <a:solidFill>
-                  <a:schemeClr val="tx2"/>
-                </a:solidFill>
-                <a:latin typeface="+mj-lt"/>
-                <a:ea typeface="+mj-ea"/>
-                <a:cs typeface="+mj-cs"/>
-              </a:defRPr>
-            </a:lvl1pPr>
-            <a:lvl2pPr rtl="1" eaLnBrk="1" hangingPunct="1">
-              <a:defRPr>
-                <a:solidFill>
-                  <a:schemeClr val="tx2"/>
-                </a:solidFill>
-              </a:defRPr>
-            </a:lvl2pPr>
-            <a:lvl3pPr rtl="1" eaLnBrk="1" hangingPunct="1">
-              <a:defRPr>
-                <a:solidFill>
-                  <a:schemeClr val="tx2"/>
-                </a:solidFill>
-              </a:defRPr>
-            </a:lvl3pPr>
-            <a:lvl4pPr rtl="1" eaLnBrk="1" hangingPunct="1">
-              <a:defRPr>
-                <a:solidFill>
-                  <a:schemeClr val="tx2"/>
-                </a:solidFill>
-              </a:defRPr>
-            </a:lvl4pPr>
-            <a:lvl5pPr rtl="1" eaLnBrk="1" hangingPunct="1">
-              <a:defRPr>
-                <a:solidFill>
-                  <a:schemeClr val="tx2"/>
-                </a:solidFill>
-              </a:defRPr>
-            </a:lvl5pPr>
-            <a:lvl6pPr rtl="1" eaLnBrk="1" hangingPunct="1">
-              <a:defRPr>
-                <a:solidFill>
-                  <a:schemeClr val="tx2"/>
-                </a:solidFill>
-              </a:defRPr>
-            </a:lvl6pPr>
-            <a:lvl7pPr rtl="1" eaLnBrk="1" hangingPunct="1">
-              <a:defRPr>
-                <a:solidFill>
-                  <a:schemeClr val="tx2"/>
-                </a:solidFill>
-              </a:defRPr>
-            </a:lvl7pPr>
-            <a:lvl8pPr rtl="1" eaLnBrk="1" hangingPunct="1">
-              <a:defRPr>
-                <a:solidFill>
-                  <a:schemeClr val="tx2"/>
-                </a:solidFill>
-              </a:defRPr>
-            </a:lvl8pPr>
-            <a:lvl9pPr rtl="1" eaLnBrk="1" hangingPunct="1">
-              <a:defRPr>
-                <a:solidFill>
-                  <a:schemeClr val="tx2"/>
-                </a:solidFill>
-              </a:defRPr>
-            </a:lvl9pPr>
-          </a:lstStyle>
-          <a:p>
-            <a:r>
-              <a:rPr lang="en-US" sz="2200" dirty="0"/>
-              <a:t>A little bit of code…</a:t>
-            </a:r>
-            <a:endParaRPr lang="he-IL" sz="2200" dirty="0"/>
-          </a:p>
-        </p:txBody>
-      </p:sp>
-      <p:pic>
-        <p:nvPicPr>
-          <p:cNvPr id="10" name="תמונה 9">
-            <a:extLst>
-              <a:ext uri="{FF2B5EF4-FFF2-40B4-BE49-F238E27FC236}">
-                <a16:creationId xmlns:a16="http://schemas.microsoft.com/office/drawing/2014/main" id="{BD6CFF01-DEEA-43DA-A017-84C7FF6F5E71}"/>
-              </a:ext>
-            </a:extLst>
-          </p:cNvPr>
-          <p:cNvPicPr>
-            <a:picLocks noChangeAspect="1"/>
-          </p:cNvPicPr>
-          <p:nvPr/>
-        </p:nvPicPr>
-        <p:blipFill>
-          <a:blip r:embed="rId2"/>
-          <a:stretch>
-            <a:fillRect/>
-          </a:stretch>
-        </p:blipFill>
-        <p:spPr>
-          <a:xfrm>
-            <a:off x="269488" y="3780149"/>
-            <a:ext cx="5475596" cy="2931738"/>
-          </a:xfrm>
-          <a:prstGeom prst="rect">
-            <a:avLst/>
-          </a:prstGeom>
-        </p:spPr>
-      </p:pic>
-      <p:pic>
-        <p:nvPicPr>
-          <p:cNvPr id="7" name="תמונה 6">
-            <a:extLst>
-              <a:ext uri="{FF2B5EF4-FFF2-40B4-BE49-F238E27FC236}">
-                <a16:creationId xmlns:a16="http://schemas.microsoft.com/office/drawing/2014/main" id="{DB957315-2AB6-4B12-91CB-2A5B63170AD8}"/>
-              </a:ext>
-            </a:extLst>
-          </p:cNvPr>
-          <p:cNvPicPr>
-            <a:picLocks noChangeAspect="1"/>
-          </p:cNvPicPr>
-          <p:nvPr/>
-        </p:nvPicPr>
-        <p:blipFill>
-          <a:blip r:embed="rId3"/>
-          <a:stretch>
-            <a:fillRect/>
-          </a:stretch>
-        </p:blipFill>
-        <p:spPr>
-          <a:xfrm>
-            <a:off x="6033521" y="3429000"/>
-            <a:ext cx="6042677" cy="3334110"/>
-          </a:xfrm>
-          <a:prstGeom prst="rect">
-            <a:avLst/>
-          </a:prstGeom>
-        </p:spPr>
-      </p:pic>
-    </p:spTree>
-    <p:extLst>
-      <p:ext uri="{BB962C8B-B14F-4D97-AF65-F5344CB8AC3E}">
-        <p14:creationId xmlns:p14="http://schemas.microsoft.com/office/powerpoint/2010/main" val="1394727202"/>
-      </p:ext>
-    </p:extLst>
-  </p:cSld>
-  <p:clrMapOvr>
-    <a:masterClrMapping/>
-  </p:clrMapOvr>
-</p:sld>
-</file>
-
-<file path=ppt/slides/slide4.xml><?xml version="1.0" encoding="utf-8"?>
 <p:sld xmlns:a="http://schemas.openxmlformats.org/drawingml/2006/main" xmlns:r="http://schemas.openxmlformats.org/officeDocument/2006/relationships" xmlns:p="http://schemas.openxmlformats.org/presentationml/2006/main">
   <p:cSld>
     <p:spTree>
@@ -17657,6 +15652,72 @@
 </p:sld>
 </file>
 
+<file path=ppt/slides/slide4.xml><?xml version="1.0" encoding="utf-8"?>
+<p:sld xmlns:a="http://schemas.openxmlformats.org/drawingml/2006/main" xmlns:r="http://schemas.openxmlformats.org/officeDocument/2006/relationships" xmlns:p="http://schemas.openxmlformats.org/presentationml/2006/main">
+  <p:cSld>
+    <p:spTree>
+      <p:nvGrpSpPr>
+        <p:cNvPr id="1" name=""/>
+        <p:cNvGrpSpPr/>
+        <p:nvPr/>
+      </p:nvGrpSpPr>
+      <p:grpSpPr>
+        <a:xfrm>
+          <a:off x="0" y="0"/>
+          <a:ext cx="0" cy="0"/>
+          <a:chOff x="0" y="0"/>
+          <a:chExt cx="0" cy="0"/>
+        </a:xfrm>
+      </p:grpSpPr>
+      <p:pic>
+        <p:nvPicPr>
+          <p:cNvPr id="3" name="תמונה 2">
+            <a:extLst>
+              <a:ext uri="{FF2B5EF4-FFF2-40B4-BE49-F238E27FC236}">
+                <a16:creationId xmlns:a16="http://schemas.microsoft.com/office/drawing/2014/main" id="{C85354E3-D4EB-4550-AED9-96282C91E4A1}"/>
+              </a:ext>
+            </a:extLst>
+          </p:cNvPr>
+          <p:cNvPicPr>
+            <a:picLocks noChangeAspect="1"/>
+          </p:cNvPicPr>
+          <p:nvPr/>
+        </p:nvPicPr>
+        <p:blipFill>
+          <a:blip r:embed="rId2">
+            <a:extLst>
+              <a:ext uri="{28A0092B-C50C-407E-A947-70E740481C1C}">
+                <a14:useLocalDpi xmlns:a14="http://schemas.microsoft.com/office/drawing/2010/main" val="0"/>
+              </a:ext>
+            </a:extLst>
+          </a:blip>
+          <a:stretch>
+            <a:fillRect/>
+          </a:stretch>
+        </p:blipFill>
+        <p:spPr>
+          <a:xfrm>
+            <a:off x="867267" y="605672"/>
+            <a:ext cx="10732116" cy="5646656"/>
+          </a:xfrm>
+          <a:prstGeom prst="rect">
+            <a:avLst/>
+          </a:prstGeom>
+        </p:spPr>
+      </p:pic>
+    </p:spTree>
+    <p:extLst>
+      <p:ext uri="{BB962C8B-B14F-4D97-AF65-F5344CB8AC3E}">
+        <p14:creationId xmlns:p14="http://schemas.microsoft.com/office/powerpoint/2010/main" val="2304488856"/>
+      </p:ext>
+    </p:extLst>
+  </p:cSld>
+  <p:clrMapOvr>
+    <a:masterClrMapping/>
+  </p:clrMapOvr>
+</p:sld>
+</file>
+
 <file path=ppt/slides/slide5.xml><?xml version="1.0" encoding="utf-8"?>
 <p:sld xmlns:a="http://schemas.openxmlformats.org/drawingml/2006/main" xmlns:r="http://schemas.openxmlformats.org/officeDocument/2006/relationships" xmlns:p="http://schemas.openxmlformats.org/presentationml/2006/main">
   <p:cSld>
@@ -17679,7 +15740,170 @@
           <p:cNvPr id="2" name="כותרת 1">
             <a:extLst>
               <a:ext uri="{FF2B5EF4-FFF2-40B4-BE49-F238E27FC236}">
-                <a16:creationId xmlns:a16="http://schemas.microsoft.com/office/drawing/2014/main" id="{17D68E37-6B02-4603-A17F-9349E99F6F69}"/>
+                <a16:creationId xmlns:a16="http://schemas.microsoft.com/office/drawing/2014/main" id="{17E22164-0724-4DD8-9F23-59908EAF3616}"/>
+              </a:ext>
+            </a:extLst>
+          </p:cNvPr>
+          <p:cNvSpPr>
+            <a:spLocks noGrp="1"/>
+          </p:cNvSpPr>
+          <p:nvPr>
+            <p:ph type="title"/>
+          </p:nvPr>
+        </p:nvSpPr>
+        <p:spPr/>
+        <p:txBody>
+          <a:bodyPr/>
+          <a:lstStyle/>
+          <a:p>
+            <a:r>
+              <a:rPr lang="en-US" sz="2800" dirty="0"/>
+              <a:t>Packages used during the research:</a:t>
+            </a:r>
+            <a:br>
+              <a:rPr lang="en-US" sz="2800" dirty="0"/>
+            </a:br>
+            <a:endParaRPr lang="he-IL" sz="2800" dirty="0"/>
+          </a:p>
+        </p:txBody>
+      </p:sp>
+      <p:graphicFrame>
+        <p:nvGraphicFramePr>
+          <p:cNvPr id="4" name="טבלה 3">
+            <a:extLst>
+              <a:ext uri="{FF2B5EF4-FFF2-40B4-BE49-F238E27FC236}">
+                <a16:creationId xmlns:a16="http://schemas.microsoft.com/office/drawing/2014/main" id="{ED80FDA0-AFBA-49A6-9874-95F5DB32ABC6}"/>
+              </a:ext>
+            </a:extLst>
+          </p:cNvPr>
+          <p:cNvGraphicFramePr>
+            <a:graphicFrameLocks noGrp="1"/>
+          </p:cNvGraphicFramePr>
+          <p:nvPr>
+            <p:extLst>
+              <p:ext uri="{D42A27DB-BD31-4B8C-83A1-F6EECF244321}">
+                <p14:modId xmlns:p14="http://schemas.microsoft.com/office/powerpoint/2010/main" val="370716798"/>
+              </p:ext>
+            </p:extLst>
+          </p:nvPr>
+        </p:nvGraphicFramePr>
+        <p:xfrm>
+          <a:off x="738431" y="1152983"/>
+          <a:ext cx="7114097" cy="2070984"/>
+        </p:xfrm>
+        <a:graphic>
+          <a:graphicData uri="http://schemas.openxmlformats.org/drawingml/2006/table">
+            <a:tbl>
+              <a:tblPr rtl="1" firstRow="1" bandRow="1">
+                <a:tableStyleId>{5C22544A-7EE6-4342-B048-85BDC9FD1C3A}</a:tableStyleId>
+              </a:tblPr>
+              <a:tblGrid>
+                <a:gridCol w="7114097">
+                  <a:extLst>
+                    <a:ext uri="{9D8B030D-6E8A-4147-A177-3AD203B41FA5}">
+                      <a16:colId xmlns:a16="http://schemas.microsoft.com/office/drawing/2014/main" val="797089852"/>
+                    </a:ext>
+                  </a:extLst>
+                </a:gridCol>
+              </a:tblGrid>
+              <a:tr h="2070984">
+                <a:tc>
+                  <a:txBody>
+                    <a:bodyPr/>
+                    <a:lstStyle/>
+                    <a:p>
+                      <a:pPr algn="l" rtl="1"/>
+                      <a:r>
+                        <a:rPr lang="en-US" sz="1700" b="0" dirty="0"/>
+                        <a:t>Pandas - analysis and manipulation tool</a:t>
+                      </a:r>
+                    </a:p>
+                    <a:p>
+                      <a:pPr algn="l" rtl="1"/>
+                      <a:r>
+                        <a:rPr lang="en-US" sz="1700" b="0" dirty="0"/>
+                        <a:t>BeautifulSoup - parsing HTML and XML documents</a:t>
+                      </a:r>
+                    </a:p>
+                    <a:p>
+                      <a:pPr algn="l" rtl="1"/>
+                      <a:r>
+                        <a:rPr lang="en-US" sz="1700" b="0" dirty="0"/>
+                        <a:t>requests - HTTP library</a:t>
+                      </a:r>
+                      <a:endParaRPr lang="he-IL" sz="1700" b="0" dirty="0"/>
+                    </a:p>
+                    <a:p>
+                      <a:pPr algn="l" rtl="1"/>
+                      <a:r>
+                        <a:rPr lang="en-US" sz="1700" b="0" dirty="0"/>
+                        <a:t>matplotlib – Visualization of data (scatterplots, histograms..)</a:t>
+                      </a:r>
+                    </a:p>
+                    <a:p>
+                      <a:pPr algn="l" rtl="1"/>
+                      <a:r>
+                        <a:rPr lang="en-US" sz="1700" b="0" dirty="0"/>
+                        <a:t>Seaborn – Visualization of data, a library that’s based on matplotlib (heatmap)</a:t>
+                      </a:r>
+                    </a:p>
+                    <a:p>
+                      <a:pPr algn="l" rtl="1"/>
+                      <a:r>
+                        <a:rPr lang="en-US" sz="1700" b="0" dirty="0"/>
+                        <a:t>sklearn – machine learning library used in Python</a:t>
+                      </a:r>
+                      <a:endParaRPr lang="he-IL" sz="1700" b="0" dirty="0"/>
+                    </a:p>
+                  </a:txBody>
+                  <a:tcPr/>
+                </a:tc>
+                <a:extLst>
+                  <a:ext uri="{0D108BD9-81ED-4DB2-BD59-A6C34878D82A}">
+                    <a16:rowId xmlns:a16="http://schemas.microsoft.com/office/drawing/2014/main" val="3992194912"/>
+                  </a:ext>
+                </a:extLst>
+              </a:tr>
+            </a:tbl>
+          </a:graphicData>
+        </a:graphic>
+      </p:graphicFrame>
+    </p:spTree>
+    <p:extLst>
+      <p:ext uri="{BB962C8B-B14F-4D97-AF65-F5344CB8AC3E}">
+        <p14:creationId xmlns:p14="http://schemas.microsoft.com/office/powerpoint/2010/main" val="1607715959"/>
+      </p:ext>
+    </p:extLst>
+  </p:cSld>
+  <p:clrMapOvr>
+    <a:masterClrMapping/>
+  </p:clrMapOvr>
+</p:sld>
+</file>
+
+<file path=ppt/slides/slide6.xml><?xml version="1.0" encoding="utf-8"?>
+<p:sld xmlns:a="http://schemas.openxmlformats.org/drawingml/2006/main" xmlns:r="http://schemas.openxmlformats.org/officeDocument/2006/relationships" xmlns:p="http://schemas.openxmlformats.org/presentationml/2006/main">
+  <p:cSld>
+    <p:spTree>
+      <p:nvGrpSpPr>
+        <p:cNvPr id="1" name=""/>
+        <p:cNvGrpSpPr/>
+        <p:nvPr/>
+      </p:nvGrpSpPr>
+      <p:grpSpPr>
+        <a:xfrm>
+          <a:off x="0" y="0"/>
+          <a:ext cx="0" cy="0"/>
+          <a:chOff x="0" y="0"/>
+          <a:chExt cx="0" cy="0"/>
+        </a:xfrm>
+      </p:grpSpPr>
+      <p:sp>
+        <p:nvSpPr>
+          <p:cNvPr id="2" name="כותרת 1">
+            <a:extLst>
+              <a:ext uri="{FF2B5EF4-FFF2-40B4-BE49-F238E27FC236}">
+                <a16:creationId xmlns:a16="http://schemas.microsoft.com/office/drawing/2014/main" id="{95D9AA99-4E66-4942-841F-A4DD79CD0A76}"/>
               </a:ext>
             </a:extLst>
           </p:cNvPr>
@@ -17692,8 +15916,8 @@
         </p:nvSpPr>
         <p:spPr>
           <a:xfrm>
-            <a:off x="221906" y="251753"/>
-            <a:ext cx="3841047" cy="669072"/>
+            <a:off x="115802" y="70859"/>
+            <a:ext cx="5782969" cy="518243"/>
           </a:xfrm>
         </p:spPr>
         <p:txBody>
@@ -17701,10 +15925,10 @@
           <a:lstStyle/>
           <a:p>
             <a:r>
-              <a:rPr lang="en-US" sz="4000" dirty="0"/>
-              <a:t>Goodreads</a:t>
+              <a:rPr lang="en-US" sz="2400" dirty="0"/>
+              <a:t>A little bit of code…</a:t>
             </a:r>
-            <a:endParaRPr lang="he-IL" sz="4000" dirty="0"/>
+            <a:endParaRPr lang="he-IL" sz="2400" dirty="0"/>
           </a:p>
         </p:txBody>
       </p:sp>
@@ -17713,7 +15937,7 @@
           <p:cNvPr id="4" name="כותרת 1">
             <a:extLst>
               <a:ext uri="{FF2B5EF4-FFF2-40B4-BE49-F238E27FC236}">
-                <a16:creationId xmlns:a16="http://schemas.microsoft.com/office/drawing/2014/main" id="{6F64BFFF-52F5-4088-BD65-939355894A48}"/>
+                <a16:creationId xmlns:a16="http://schemas.microsoft.com/office/drawing/2014/main" id="{C8251504-EC9E-49B2-8F14-E1504FD2F83F}"/>
               </a:ext>
             </a:extLst>
           </p:cNvPr>
@@ -17724,8 +15948,8 @@
         </p:nvSpPr>
         <p:spPr>
           <a:xfrm>
-            <a:off x="221906" y="1242651"/>
-            <a:ext cx="7187563" cy="2850157"/>
+            <a:off x="7393294" y="1135911"/>
+            <a:ext cx="2966763" cy="518243"/>
           </a:xfrm>
           <a:prstGeom prst="rect">
             <a:avLst/>
@@ -17808,57 +16032,16 @@
             </a:lvl9pPr>
           </a:lstStyle>
           <a:p>
-            <a:r>
-              <a:rPr lang="en-US" sz="2000" dirty="0"/>
-              <a:t>Goodreads is a website that contains A LOT of data about books and characteristics of each one of them.</a:t>
-            </a:r>
-          </a:p>
-          <a:p>
-            <a:endParaRPr lang="en-US" sz="2000" dirty="0"/>
-          </a:p>
-          <a:p>
-            <a:r>
-              <a:rPr lang="en-US" sz="2000" dirty="0"/>
-              <a:t>During the Data Acquisition phase, I implemented the method shown in previous slides, which automatically randomizes a book ID and scrapes the corresponding web page on the website in order to get the relevant fields, and adds the data to a one big DataFrame.</a:t>
-            </a:r>
-            <a:endParaRPr lang="he-IL" sz="2000" dirty="0"/>
+            <a:endParaRPr lang="he-IL" sz="2200" dirty="0"/>
           </a:p>
         </p:txBody>
       </p:sp>
-      <p:graphicFrame>
-        <p:nvGraphicFramePr>
-          <p:cNvPr id="7" name="דיאגרמה 6">
+      <p:pic>
+        <p:nvPicPr>
+          <p:cNvPr id="8" name="תמונה 7">
             <a:extLst>
               <a:ext uri="{FF2B5EF4-FFF2-40B4-BE49-F238E27FC236}">
-                <a16:creationId xmlns:a16="http://schemas.microsoft.com/office/drawing/2014/main" id="{ABECF31E-A2EE-45BF-A87C-00BA756E552F}"/>
-              </a:ext>
-            </a:extLst>
-          </p:cNvPr>
-          <p:cNvGraphicFramePr/>
-          <p:nvPr>
-            <p:extLst>
-              <p:ext uri="{D42A27DB-BD31-4B8C-83A1-F6EECF244321}">
-                <p14:modId xmlns:p14="http://schemas.microsoft.com/office/powerpoint/2010/main" val="3531534311"/>
-              </p:ext>
-            </p:extLst>
-          </p:nvPr>
-        </p:nvGraphicFramePr>
-        <p:xfrm>
-          <a:off x="0" y="6071647"/>
-          <a:ext cx="12192000" cy="786353"/>
-        </p:xfrm>
-        <a:graphic>
-          <a:graphicData uri="http://schemas.openxmlformats.org/drawingml/2006/diagram">
-            <dgm:relIds xmlns:dgm="http://schemas.openxmlformats.org/drawingml/2006/diagram" xmlns:r="http://schemas.openxmlformats.org/officeDocument/2006/relationships" r:dm="rId2" r:lo="rId3" r:qs="rId4" r:cs="rId5"/>
-          </a:graphicData>
-        </a:graphic>
-      </p:graphicFrame>
-      <p:pic>
-        <p:nvPicPr>
-          <p:cNvPr id="15" name="תמונה 14">
-            <a:extLst>
-              <a:ext uri="{FF2B5EF4-FFF2-40B4-BE49-F238E27FC236}">
-                <a16:creationId xmlns:a16="http://schemas.microsoft.com/office/drawing/2014/main" id="{5776F7FB-7719-46B6-B75C-8049B882E081}"/>
+                <a16:creationId xmlns:a16="http://schemas.microsoft.com/office/drawing/2014/main" id="{CB3F0854-1375-4377-B7D0-846B505C67DC}"/>
               </a:ext>
             </a:extLst>
           </p:cNvPr>
@@ -17868,36 +16051,27 @@
           <p:nvPr/>
         </p:nvPicPr>
         <p:blipFill>
-          <a:blip r:embed="rId7">
-            <a:extLst>
-              <a:ext uri="{28A0092B-C50C-407E-A947-70E740481C1C}">
-                <a14:useLocalDpi xmlns:a14="http://schemas.microsoft.com/office/drawing/2010/main" val="0"/>
-              </a:ext>
-            </a:extLst>
-          </a:blip>
+          <a:blip r:embed="rId2"/>
           <a:stretch>
             <a:fillRect/>
           </a:stretch>
         </p:blipFill>
         <p:spPr>
           <a:xfrm>
-            <a:off x="1494523" y="4414634"/>
-            <a:ext cx="2896510" cy="572009"/>
+            <a:off x="7343229" y="980387"/>
+            <a:ext cx="4732969" cy="5561815"/>
           </a:xfrm>
           <a:prstGeom prst="rect">
             <a:avLst/>
           </a:prstGeom>
-          <a:effectLst>
-            <a:reflection blurRad="6350" stA="50000" endA="300" endPos="55000" dir="5400000" sy="-100000" algn="bl" rotWithShape="0"/>
-          </a:effectLst>
         </p:spPr>
       </p:pic>
       <p:pic>
         <p:nvPicPr>
-          <p:cNvPr id="8" name="תמונה 7">
+          <p:cNvPr id="6" name="תמונה 5">
             <a:extLst>
               <a:ext uri="{FF2B5EF4-FFF2-40B4-BE49-F238E27FC236}">
-                <a16:creationId xmlns:a16="http://schemas.microsoft.com/office/drawing/2014/main" id="{5143CCF1-7293-4A54-BDBA-2086003E4172}"/>
+                <a16:creationId xmlns:a16="http://schemas.microsoft.com/office/drawing/2014/main" id="{2EBAE33A-7375-4211-ABD7-A98D96C71F6E}"/>
               </a:ext>
             </a:extLst>
           </p:cNvPr>
@@ -17907,15 +16081,15 @@
           <p:nvPr/>
         </p:nvPicPr>
         <p:blipFill>
-          <a:blip r:embed="rId8"/>
+          <a:blip r:embed="rId3"/>
           <a:stretch>
             <a:fillRect/>
           </a:stretch>
         </p:blipFill>
         <p:spPr>
           <a:xfrm>
-            <a:off x="7669706" y="1545996"/>
-            <a:ext cx="4419368" cy="4317476"/>
+            <a:off x="115802" y="980387"/>
+            <a:ext cx="6979742" cy="5561815"/>
           </a:xfrm>
           <a:prstGeom prst="rect">
             <a:avLst/>
@@ -17925,7 +16099,7 @@
     </p:spTree>
     <p:extLst>
       <p:ext uri="{BB962C8B-B14F-4D97-AF65-F5344CB8AC3E}">
-        <p14:creationId xmlns:p14="http://schemas.microsoft.com/office/powerpoint/2010/main" val="726980828"/>
+        <p14:creationId xmlns:p14="http://schemas.microsoft.com/office/powerpoint/2010/main" val="1394727202"/>
       </p:ext>
     </p:extLst>
   </p:cSld>
@@ -17935,7 +16109,7 @@
 </p:sld>
 </file>
 
-<file path=ppt/slides/slide6.xml><?xml version="1.0" encoding="utf-8"?>
+<file path=ppt/slides/slide7.xml><?xml version="1.0" encoding="utf-8"?>
 <p:sld xmlns:a="http://schemas.openxmlformats.org/drawingml/2006/main" xmlns:r="http://schemas.openxmlformats.org/officeDocument/2006/relationships" xmlns:p="http://schemas.openxmlformats.org/presentationml/2006/main">
   <p:cSld>
     <p:spTree>
@@ -18047,7 +16221,7 @@
             </a:br>
             <a:r>
               <a:rPr lang="en-US" dirty="0"/>
-              <a:t>(In this case, # of pages and # of reviews)</a:t>
+              <a:t>(In this case, # of pages and # of reviews had some outliers)</a:t>
             </a:r>
           </a:p>
         </p:txBody>
@@ -18691,6 +16865,36 @@
           </a:prstGeom>
         </p:spPr>
       </p:pic>
+      <p:pic>
+        <p:nvPicPr>
+          <p:cNvPr id="6" name="תמונה 5">
+            <a:extLst>
+              <a:ext uri="{FF2B5EF4-FFF2-40B4-BE49-F238E27FC236}">
+                <a16:creationId xmlns:a16="http://schemas.microsoft.com/office/drawing/2014/main" id="{ED63D529-5EF1-4BEF-8360-51312871DD33}"/>
+              </a:ext>
+            </a:extLst>
+          </p:cNvPr>
+          <p:cNvPicPr>
+            <a:picLocks noChangeAspect="1"/>
+          </p:cNvPicPr>
+          <p:nvPr/>
+        </p:nvPicPr>
+        <p:blipFill>
+          <a:blip r:embed="rId9"/>
+          <a:stretch>
+            <a:fillRect/>
+          </a:stretch>
+        </p:blipFill>
+        <p:spPr>
+          <a:xfrm>
+            <a:off x="836225" y="4411745"/>
+            <a:ext cx="3496489" cy="1478077"/>
+          </a:xfrm>
+          <a:prstGeom prst="rect">
+            <a:avLst/>
+          </a:prstGeom>
+        </p:spPr>
+      </p:pic>
     </p:spTree>
     <p:extLst>
       <p:ext uri="{BB962C8B-B14F-4D97-AF65-F5344CB8AC3E}">
@@ -18704,7 +16908,7 @@
 </p:sld>
 </file>
 
-<file path=ppt/slides/slide7.xml><?xml version="1.0" encoding="utf-8"?>
+<file path=ppt/slides/slide8.xml><?xml version="1.0" encoding="utf-8"?>
 <p:sld xmlns:a="http://schemas.openxmlformats.org/drawingml/2006/main" xmlns:r="http://schemas.openxmlformats.org/officeDocument/2006/relationships" xmlns:p="http://schemas.openxmlformats.org/presentationml/2006/main">
   <p:cSld>
     <p:spTree>
@@ -18922,7 +17126,7 @@
           <p:nvPr>
             <p:extLst>
               <p:ext uri="{D42A27DB-BD31-4B8C-83A1-F6EECF244321}">
-                <p14:modId xmlns:p14="http://schemas.microsoft.com/office/powerpoint/2010/main" val="4005579276"/>
+                <p14:modId xmlns:p14="http://schemas.microsoft.com/office/powerpoint/2010/main" val="3122886252"/>
               </p:ext>
             </p:extLst>
           </p:nvPr>
@@ -18970,16 +17174,13 @@
                             <a:schemeClr val="tx1"/>
                           </a:solidFill>
                         </a:rPr>
-                        <a:t>Romance is most frequent section, followed by non-fiction </a:t>
+                        <a:t>Romance is most frequent section.</a:t>
                       </a:r>
-                      <a:r>
-                        <a:rPr lang="he-IL" b="0" dirty="0">
-                          <a:solidFill>
-                            <a:schemeClr val="tx1"/>
-                          </a:solidFill>
-                        </a:rPr>
-                        <a:t>(מציאותי)</a:t>
-                      </a:r>
+                      <a:endParaRPr lang="he-IL" b="0" dirty="0">
+                        <a:solidFill>
+                          <a:schemeClr val="tx1"/>
+                        </a:solidFill>
+                      </a:endParaRPr>
                     </a:p>
                   </a:txBody>
                   <a:tcPr/>
@@ -19558,7 +17759,7 @@
 </p:sld>
 </file>
 
-<file path=ppt/slides/slide8.xml><?xml version="1.0" encoding="utf-8"?>
+<file path=ppt/slides/slide9.xml><?xml version="1.0" encoding="utf-8"?>
 <p:sld xmlns:a="http://schemas.openxmlformats.org/drawingml/2006/main" xmlns:r="http://schemas.openxmlformats.org/officeDocument/2006/relationships" xmlns:p="http://schemas.openxmlformats.org/presentationml/2006/main">
   <p:cSld>
     <p:spTree>
@@ -20345,914 +18546,6 @@
 </p:sld>
 </file>
 
-<file path=ppt/slides/slide9.xml><?xml version="1.0" encoding="utf-8"?>
-<p:sld xmlns:a="http://schemas.openxmlformats.org/drawingml/2006/main" xmlns:r="http://schemas.openxmlformats.org/officeDocument/2006/relationships" xmlns:p="http://schemas.openxmlformats.org/presentationml/2006/main">
-  <p:cSld>
-    <p:spTree>
-      <p:nvGrpSpPr>
-        <p:cNvPr id="1" name=""/>
-        <p:cNvGrpSpPr/>
-        <p:nvPr/>
-      </p:nvGrpSpPr>
-      <p:grpSpPr>
-        <a:xfrm>
-          <a:off x="0" y="0"/>
-          <a:ext cx="0" cy="0"/>
-          <a:chOff x="0" y="0"/>
-          <a:chExt cx="0" cy="0"/>
-        </a:xfrm>
-      </p:grpSpPr>
-      <p:sp>
-        <p:nvSpPr>
-          <p:cNvPr id="2" name="כותרת 1">
-            <a:extLst>
-              <a:ext uri="{FF2B5EF4-FFF2-40B4-BE49-F238E27FC236}">
-                <a16:creationId xmlns:a16="http://schemas.microsoft.com/office/drawing/2014/main" id="{F6EE381C-5844-49C8-98D7-239A38554A50}"/>
-              </a:ext>
-            </a:extLst>
-          </p:cNvPr>
-          <p:cNvSpPr>
-            <a:spLocks noGrp="1"/>
-          </p:cNvSpPr>
-          <p:nvPr>
-            <p:ph type="title"/>
-          </p:nvPr>
-        </p:nvSpPr>
-        <p:spPr>
-          <a:xfrm>
-            <a:off x="397740" y="126983"/>
-            <a:ext cx="4409930" cy="644401"/>
-          </a:xfrm>
-        </p:spPr>
-        <p:txBody>
-          <a:bodyPr/>
-          <a:lstStyle/>
-          <a:p>
-            <a:r>
-              <a:rPr lang="en-US" sz="3600" dirty="0"/>
-              <a:t>Machine Learning</a:t>
-            </a:r>
-            <a:endParaRPr lang="he-IL" sz="3600" dirty="0"/>
-          </a:p>
-        </p:txBody>
-      </p:sp>
-      <p:grpSp>
-        <p:nvGrpSpPr>
-          <p:cNvPr id="33" name="קבוצה 32">
-            <a:extLst>
-              <a:ext uri="{FF2B5EF4-FFF2-40B4-BE49-F238E27FC236}">
-                <a16:creationId xmlns:a16="http://schemas.microsoft.com/office/drawing/2014/main" id="{ECD20DE2-DA3E-4461-A163-705D3486A7D8}"/>
-              </a:ext>
-            </a:extLst>
-          </p:cNvPr>
-          <p:cNvGrpSpPr/>
-          <p:nvPr/>
-        </p:nvGrpSpPr>
-        <p:grpSpPr>
-          <a:xfrm>
-            <a:off x="8842746" y="6061142"/>
-            <a:ext cx="3344690" cy="786352"/>
-            <a:chOff x="9034264" y="0"/>
-            <a:chExt cx="3153171" cy="786352"/>
-          </a:xfrm>
-          <a:solidFill>
-            <a:schemeClr val="accent1"/>
-          </a:solidFill>
-        </p:grpSpPr>
-        <p:sp>
-          <p:nvSpPr>
-            <p:cNvPr id="46" name="חץ: מחומש 45">
-              <a:extLst>
-                <a:ext uri="{FF2B5EF4-FFF2-40B4-BE49-F238E27FC236}">
-                  <a16:creationId xmlns:a16="http://schemas.microsoft.com/office/drawing/2014/main" id="{52370A49-647A-44CB-8456-3476C061A70B}"/>
-                </a:ext>
-              </a:extLst>
-            </p:cNvPr>
-            <p:cNvSpPr/>
-            <p:nvPr/>
-          </p:nvSpPr>
-          <p:spPr>
-            <a:xfrm rot="10800000">
-              <a:off x="9034264" y="0"/>
-              <a:ext cx="3153171" cy="786352"/>
-            </a:xfrm>
-            <a:prstGeom prst="homePlate">
-              <a:avLst/>
-            </a:prstGeom>
-            <a:grpFill/>
-          </p:spPr>
-          <p:style>
-            <a:lnRef idx="2">
-              <a:schemeClr val="lt1">
-                <a:hueOff val="0"/>
-                <a:satOff val="0"/>
-                <a:lumOff val="0"/>
-                <a:alphaOff val="0"/>
-              </a:schemeClr>
-            </a:lnRef>
-            <a:fillRef idx="1">
-              <a:scrgbClr r="0" g="0" b="0"/>
-            </a:fillRef>
-            <a:effectRef idx="0">
-              <a:schemeClr val="accent1">
-                <a:hueOff val="0"/>
-                <a:satOff val="0"/>
-                <a:lumOff val="0"/>
-                <a:alphaOff val="0"/>
-              </a:schemeClr>
-            </a:effectRef>
-            <a:fontRef idx="minor">
-              <a:schemeClr val="lt1"/>
-            </a:fontRef>
-          </p:style>
-        </p:sp>
-        <p:sp>
-          <p:nvSpPr>
-            <p:cNvPr id="47" name="חץ: מחומש 4">
-              <a:extLst>
-                <a:ext uri="{FF2B5EF4-FFF2-40B4-BE49-F238E27FC236}">
-                  <a16:creationId xmlns:a16="http://schemas.microsoft.com/office/drawing/2014/main" id="{9B261C06-0E6D-44DF-8E70-9E31D37FB2D4}"/>
-                </a:ext>
-              </a:extLst>
-            </p:cNvPr>
-            <p:cNvSpPr txBox="1"/>
-            <p:nvPr/>
-          </p:nvSpPr>
-          <p:spPr>
-            <a:xfrm>
-              <a:off x="9230852" y="0"/>
-              <a:ext cx="2956583" cy="786352"/>
-            </a:xfrm>
-            <a:prstGeom prst="rect">
-              <a:avLst/>
-            </a:prstGeom>
-            <a:noFill/>
-            <a:ln>
-              <a:noFill/>
-            </a:ln>
-          </p:spPr>
-          <p:style>
-            <a:lnRef idx="0">
-              <a:scrgbClr r="0" g="0" b="0"/>
-            </a:lnRef>
-            <a:fillRef idx="0">
-              <a:scrgbClr r="0" g="0" b="0"/>
-            </a:fillRef>
-            <a:effectRef idx="0">
-              <a:scrgbClr r="0" g="0" b="0"/>
-            </a:effectRef>
-            <a:fontRef idx="minor">
-              <a:schemeClr val="lt1"/>
-            </a:fontRef>
-          </p:style>
-          <p:txBody>
-            <a:bodyPr spcFirstLastPara="0" vert="horz" wrap="square" lIns="29337" tIns="58674" rIns="117348" bIns="58674" numCol="1" spcCol="1270" anchor="ctr" anchorCtr="0">
-              <a:noAutofit/>
-            </a:bodyPr>
-            <a:lstStyle/>
-            <a:p>
-              <a:pPr marL="0" lvl="0" indent="0" algn="ctr" defTabSz="977900" rtl="1">
-                <a:lnSpc>
-                  <a:spcPct val="90000"/>
-                </a:lnSpc>
-                <a:spcBef>
-                  <a:spcPct val="0"/>
-                </a:spcBef>
-                <a:spcAft>
-                  <a:spcPct val="35000"/>
-                </a:spcAft>
-                <a:buNone/>
-              </a:pPr>
-              <a:r>
-                <a:rPr lang="en-US" sz="2200" kern="1200" dirty="0"/>
-                <a:t>Data</a:t>
-              </a:r>
-              <a:r>
-                <a:rPr lang="en-US" sz="2400" kern="1200" dirty="0"/>
-                <a:t> Acquisition</a:t>
-              </a:r>
-              <a:endParaRPr lang="he-IL" sz="2400" kern="1200" dirty="0"/>
-            </a:p>
-          </p:txBody>
-        </p:sp>
-      </p:grpSp>
-      <p:grpSp>
-        <p:nvGrpSpPr>
-          <p:cNvPr id="34" name="קבוצה 33">
-            <a:extLst>
-              <a:ext uri="{FF2B5EF4-FFF2-40B4-BE49-F238E27FC236}">
-                <a16:creationId xmlns:a16="http://schemas.microsoft.com/office/drawing/2014/main" id="{11BBC8A5-DA5C-4B7F-B3F2-4023EABB826D}"/>
-              </a:ext>
-            </a:extLst>
-          </p:cNvPr>
-          <p:cNvGrpSpPr/>
-          <p:nvPr/>
-        </p:nvGrpSpPr>
-        <p:grpSpPr>
-          <a:xfrm>
-            <a:off x="6445449" y="6061142"/>
-            <a:ext cx="2785403" cy="786352"/>
-            <a:chOff x="6776839" y="0"/>
-            <a:chExt cx="2821781" cy="786352"/>
-          </a:xfrm>
-        </p:grpSpPr>
-        <p:sp>
-          <p:nvSpPr>
-            <p:cNvPr id="44" name="חץ: סוגר זוויתי 43">
-              <a:extLst>
-                <a:ext uri="{FF2B5EF4-FFF2-40B4-BE49-F238E27FC236}">
-                  <a16:creationId xmlns:a16="http://schemas.microsoft.com/office/drawing/2014/main" id="{B3744899-C165-4615-8A04-07A8F470946C}"/>
-                </a:ext>
-              </a:extLst>
-            </p:cNvPr>
-            <p:cNvSpPr/>
-            <p:nvPr/>
-          </p:nvSpPr>
-          <p:spPr>
-            <a:xfrm rot="10800000">
-              <a:off x="6776839" y="0"/>
-              <a:ext cx="2821781" cy="786352"/>
-            </a:xfrm>
-            <a:prstGeom prst="chevron">
-              <a:avLst/>
-            </a:prstGeom>
-          </p:spPr>
-          <p:style>
-            <a:lnRef idx="2">
-              <a:schemeClr val="lt1">
-                <a:hueOff val="0"/>
-                <a:satOff val="0"/>
-                <a:lumOff val="0"/>
-                <a:alphaOff val="0"/>
-              </a:schemeClr>
-            </a:lnRef>
-            <a:fillRef idx="1">
-              <a:schemeClr val="accent1">
-                <a:hueOff val="0"/>
-                <a:satOff val="0"/>
-                <a:lumOff val="0"/>
-                <a:alphaOff val="0"/>
-              </a:schemeClr>
-            </a:fillRef>
-            <a:effectRef idx="0">
-              <a:schemeClr val="accent1">
-                <a:hueOff val="0"/>
-                <a:satOff val="0"/>
-                <a:lumOff val="0"/>
-                <a:alphaOff val="0"/>
-              </a:schemeClr>
-            </a:effectRef>
-            <a:fontRef idx="minor">
-              <a:schemeClr val="lt1"/>
-            </a:fontRef>
-          </p:style>
-        </p:sp>
-        <p:sp>
-          <p:nvSpPr>
-            <p:cNvPr id="45" name="חץ: סוגר זוויתי 6">
-              <a:extLst>
-                <a:ext uri="{FF2B5EF4-FFF2-40B4-BE49-F238E27FC236}">
-                  <a16:creationId xmlns:a16="http://schemas.microsoft.com/office/drawing/2014/main" id="{57899116-7796-48DD-A2E1-F2B4414F55CD}"/>
-                </a:ext>
-              </a:extLst>
-            </p:cNvPr>
-            <p:cNvSpPr txBox="1"/>
-            <p:nvPr/>
-          </p:nvSpPr>
-          <p:spPr>
-            <a:xfrm rot="21600000">
-              <a:off x="7170015" y="0"/>
-              <a:ext cx="2035429" cy="786352"/>
-            </a:xfrm>
-            <a:prstGeom prst="rect">
-              <a:avLst/>
-            </a:prstGeom>
-          </p:spPr>
-          <p:style>
-            <a:lnRef idx="0">
-              <a:scrgbClr r="0" g="0" b="0"/>
-            </a:lnRef>
-            <a:fillRef idx="0">
-              <a:scrgbClr r="0" g="0" b="0"/>
-            </a:fillRef>
-            <a:effectRef idx="0">
-              <a:scrgbClr r="0" g="0" b="0"/>
-            </a:effectRef>
-            <a:fontRef idx="minor">
-              <a:schemeClr val="lt1"/>
-            </a:fontRef>
-          </p:style>
-          <p:txBody>
-            <a:bodyPr spcFirstLastPara="0" vert="horz" wrap="square" lIns="29337" tIns="58674" rIns="88011" bIns="58674" numCol="1" spcCol="1270" anchor="ctr" anchorCtr="0">
-              <a:noAutofit/>
-            </a:bodyPr>
-            <a:lstStyle/>
-            <a:p>
-              <a:pPr marL="0" lvl="0" indent="0" algn="ctr" defTabSz="977900" rtl="1">
-                <a:lnSpc>
-                  <a:spcPct val="90000"/>
-                </a:lnSpc>
-                <a:spcBef>
-                  <a:spcPct val="0"/>
-                </a:spcBef>
-                <a:spcAft>
-                  <a:spcPct val="35000"/>
-                </a:spcAft>
-                <a:buNone/>
-              </a:pPr>
-              <a:r>
-                <a:rPr lang="en-US" sz="2200" kern="1200"/>
-                <a:t>EDA</a:t>
-              </a:r>
-              <a:endParaRPr lang="he-IL" sz="2200" kern="1200" dirty="0"/>
-            </a:p>
-          </p:txBody>
-        </p:sp>
-      </p:grpSp>
-      <p:grpSp>
-        <p:nvGrpSpPr>
-          <p:cNvPr id="35" name="קבוצה 34">
-            <a:extLst>
-              <a:ext uri="{FF2B5EF4-FFF2-40B4-BE49-F238E27FC236}">
-                <a16:creationId xmlns:a16="http://schemas.microsoft.com/office/drawing/2014/main" id="{6AB32AAA-4F2A-4D08-B1E0-3EF91014A6D1}"/>
-              </a:ext>
-            </a:extLst>
-          </p:cNvPr>
-          <p:cNvGrpSpPr/>
-          <p:nvPr/>
-        </p:nvGrpSpPr>
-        <p:grpSpPr>
-          <a:xfrm>
-            <a:off x="3326861" y="6061142"/>
-            <a:ext cx="3569810" cy="786352"/>
-            <a:chOff x="4519414" y="0"/>
-            <a:chExt cx="2821781" cy="786352"/>
-          </a:xfrm>
-          <a:solidFill>
-            <a:schemeClr val="accent5"/>
-          </a:solidFill>
-        </p:grpSpPr>
-        <p:sp>
-          <p:nvSpPr>
-            <p:cNvPr id="42" name="חץ: סוגר זוויתי 41">
-              <a:extLst>
-                <a:ext uri="{FF2B5EF4-FFF2-40B4-BE49-F238E27FC236}">
-                  <a16:creationId xmlns:a16="http://schemas.microsoft.com/office/drawing/2014/main" id="{6E748BA4-4155-4FF0-A642-39291AA79C94}"/>
-                </a:ext>
-              </a:extLst>
-            </p:cNvPr>
-            <p:cNvSpPr/>
-            <p:nvPr/>
-          </p:nvSpPr>
-          <p:spPr>
-            <a:xfrm rot="10800000">
-              <a:off x="4519414" y="0"/>
-              <a:ext cx="2821781" cy="786352"/>
-            </a:xfrm>
-            <a:prstGeom prst="chevron">
-              <a:avLst/>
-            </a:prstGeom>
-            <a:grpFill/>
-          </p:spPr>
-          <p:style>
-            <a:lnRef idx="2">
-              <a:schemeClr val="lt1">
-                <a:hueOff val="0"/>
-                <a:satOff val="0"/>
-                <a:lumOff val="0"/>
-                <a:alphaOff val="0"/>
-              </a:schemeClr>
-            </a:lnRef>
-            <a:fillRef idx="1">
-              <a:schemeClr val="accent1">
-                <a:hueOff val="0"/>
-                <a:satOff val="0"/>
-                <a:lumOff val="0"/>
-                <a:alphaOff val="0"/>
-              </a:schemeClr>
-            </a:fillRef>
-            <a:effectRef idx="0">
-              <a:schemeClr val="accent1">
-                <a:hueOff val="0"/>
-                <a:satOff val="0"/>
-                <a:lumOff val="0"/>
-                <a:alphaOff val="0"/>
-              </a:schemeClr>
-            </a:effectRef>
-            <a:fontRef idx="minor">
-              <a:schemeClr val="lt1"/>
-            </a:fontRef>
-          </p:style>
-        </p:sp>
-        <p:sp>
-          <p:nvSpPr>
-            <p:cNvPr id="43" name="חץ: סוגר זוויתי 8">
-              <a:extLst>
-                <a:ext uri="{FF2B5EF4-FFF2-40B4-BE49-F238E27FC236}">
-                  <a16:creationId xmlns:a16="http://schemas.microsoft.com/office/drawing/2014/main" id="{409E5A33-5DBF-4F73-A92E-477D1F4F08B1}"/>
-                </a:ext>
-              </a:extLst>
-            </p:cNvPr>
-            <p:cNvSpPr txBox="1"/>
-            <p:nvPr/>
-          </p:nvSpPr>
-          <p:spPr>
-            <a:xfrm rot="21600000">
-              <a:off x="4912590" y="0"/>
-              <a:ext cx="2035429" cy="786352"/>
-            </a:xfrm>
-            <a:prstGeom prst="rect">
-              <a:avLst/>
-            </a:prstGeom>
-            <a:noFill/>
-          </p:spPr>
-          <p:style>
-            <a:lnRef idx="0">
-              <a:scrgbClr r="0" g="0" b="0"/>
-            </a:lnRef>
-            <a:fillRef idx="0">
-              <a:scrgbClr r="0" g="0" b="0"/>
-            </a:fillRef>
-            <a:effectRef idx="0">
-              <a:scrgbClr r="0" g="0" b="0"/>
-            </a:effectRef>
-            <a:fontRef idx="minor">
-              <a:schemeClr val="lt1"/>
-            </a:fontRef>
-          </p:style>
-          <p:txBody>
-            <a:bodyPr spcFirstLastPara="0" vert="horz" wrap="square" lIns="29337" tIns="58674" rIns="88011" bIns="58674" numCol="1" spcCol="1270" anchor="ctr" anchorCtr="0">
-              <a:noAutofit/>
-            </a:bodyPr>
-            <a:lstStyle/>
-            <a:p>
-              <a:pPr marL="0" lvl="0" indent="0" algn="ctr" defTabSz="977900" rtl="1">
-                <a:lnSpc>
-                  <a:spcPct val="90000"/>
-                </a:lnSpc>
-                <a:spcBef>
-                  <a:spcPct val="0"/>
-                </a:spcBef>
-                <a:spcAft>
-                  <a:spcPct val="35000"/>
-                </a:spcAft>
-                <a:buNone/>
-              </a:pPr>
-              <a:r>
-                <a:rPr lang="en-US" sz="2200" kern="1200" dirty="0"/>
-                <a:t>Machine Learning</a:t>
-              </a:r>
-              <a:endParaRPr lang="he-IL" sz="2200" kern="1200" dirty="0"/>
-            </a:p>
-          </p:txBody>
-        </p:sp>
-      </p:grpSp>
-      <p:grpSp>
-        <p:nvGrpSpPr>
-          <p:cNvPr id="36" name="קבוצה 35">
-            <a:extLst>
-              <a:ext uri="{FF2B5EF4-FFF2-40B4-BE49-F238E27FC236}">
-                <a16:creationId xmlns:a16="http://schemas.microsoft.com/office/drawing/2014/main" id="{7E2FE161-158C-4948-84B4-4B82B0AFFAB5}"/>
-              </a:ext>
-            </a:extLst>
-          </p:cNvPr>
-          <p:cNvGrpSpPr/>
-          <p:nvPr/>
-        </p:nvGrpSpPr>
-        <p:grpSpPr>
-          <a:xfrm>
-            <a:off x="4563" y="6071648"/>
-            <a:ext cx="3730858" cy="786352"/>
-            <a:chOff x="2261989" y="0"/>
-            <a:chExt cx="2821781" cy="786352"/>
-          </a:xfrm>
-        </p:grpSpPr>
-        <p:sp>
-          <p:nvSpPr>
-            <p:cNvPr id="40" name="חץ: סוגר זוויתי 39">
-              <a:extLst>
-                <a:ext uri="{FF2B5EF4-FFF2-40B4-BE49-F238E27FC236}">
-                  <a16:creationId xmlns:a16="http://schemas.microsoft.com/office/drawing/2014/main" id="{680E1364-2284-4501-8BE6-EB295D55F9CB}"/>
-                </a:ext>
-              </a:extLst>
-            </p:cNvPr>
-            <p:cNvSpPr/>
-            <p:nvPr/>
-          </p:nvSpPr>
-          <p:spPr>
-            <a:xfrm rot="10800000">
-              <a:off x="2261989" y="0"/>
-              <a:ext cx="2821781" cy="786352"/>
-            </a:xfrm>
-            <a:prstGeom prst="chevron">
-              <a:avLst/>
-            </a:prstGeom>
-          </p:spPr>
-          <p:style>
-            <a:lnRef idx="2">
-              <a:schemeClr val="lt1">
-                <a:hueOff val="0"/>
-                <a:satOff val="0"/>
-                <a:lumOff val="0"/>
-                <a:alphaOff val="0"/>
-              </a:schemeClr>
-            </a:lnRef>
-            <a:fillRef idx="1">
-              <a:schemeClr val="accent1">
-                <a:hueOff val="0"/>
-                <a:satOff val="0"/>
-                <a:lumOff val="0"/>
-                <a:alphaOff val="0"/>
-              </a:schemeClr>
-            </a:fillRef>
-            <a:effectRef idx="0">
-              <a:schemeClr val="accent1">
-                <a:hueOff val="0"/>
-                <a:satOff val="0"/>
-                <a:lumOff val="0"/>
-                <a:alphaOff val="0"/>
-              </a:schemeClr>
-            </a:effectRef>
-            <a:fontRef idx="minor">
-              <a:schemeClr val="lt1"/>
-            </a:fontRef>
-          </p:style>
-        </p:sp>
-        <p:sp>
-          <p:nvSpPr>
-            <p:cNvPr id="41" name="חץ: סוגר זוויתי 10">
-              <a:extLst>
-                <a:ext uri="{FF2B5EF4-FFF2-40B4-BE49-F238E27FC236}">
-                  <a16:creationId xmlns:a16="http://schemas.microsoft.com/office/drawing/2014/main" id="{9B09CEBA-4133-4FFA-83B9-D2499DB80A81}"/>
-                </a:ext>
-              </a:extLst>
-            </p:cNvPr>
-            <p:cNvSpPr txBox="1"/>
-            <p:nvPr/>
-          </p:nvSpPr>
-          <p:spPr>
-            <a:xfrm rot="21600000">
-              <a:off x="2655165" y="0"/>
-              <a:ext cx="2035429" cy="786352"/>
-            </a:xfrm>
-            <a:prstGeom prst="rect">
-              <a:avLst/>
-            </a:prstGeom>
-          </p:spPr>
-          <p:style>
-            <a:lnRef idx="0">
-              <a:scrgbClr r="0" g="0" b="0"/>
-            </a:lnRef>
-            <a:fillRef idx="0">
-              <a:scrgbClr r="0" g="0" b="0"/>
-            </a:fillRef>
-            <a:effectRef idx="0">
-              <a:scrgbClr r="0" g="0" b="0"/>
-            </a:effectRef>
-            <a:fontRef idx="minor">
-              <a:schemeClr val="lt1"/>
-            </a:fontRef>
-          </p:style>
-          <p:txBody>
-            <a:bodyPr spcFirstLastPara="0" vert="horz" wrap="square" lIns="29337" tIns="58674" rIns="88011" bIns="58674" numCol="1" spcCol="1270" anchor="ctr" anchorCtr="0">
-              <a:noAutofit/>
-            </a:bodyPr>
-            <a:lstStyle/>
-            <a:p>
-              <a:pPr marL="0" lvl="0" indent="0" algn="ctr" defTabSz="977900" rtl="1">
-                <a:lnSpc>
-                  <a:spcPct val="90000"/>
-                </a:lnSpc>
-                <a:spcBef>
-                  <a:spcPct val="0"/>
-                </a:spcBef>
-                <a:spcAft>
-                  <a:spcPct val="35000"/>
-                </a:spcAft>
-                <a:buNone/>
-              </a:pPr>
-              <a:r>
-                <a:rPr lang="en-US" sz="2200" kern="1200" dirty="0"/>
-                <a:t>Conclusions</a:t>
-              </a:r>
-              <a:endParaRPr lang="he-IL" sz="2200" kern="1200" dirty="0"/>
-            </a:p>
-          </p:txBody>
-        </p:sp>
-      </p:grpSp>
-      <p:sp>
-        <p:nvSpPr>
-          <p:cNvPr id="49" name="כותרת 1">
-            <a:extLst>
-              <a:ext uri="{FF2B5EF4-FFF2-40B4-BE49-F238E27FC236}">
-                <a16:creationId xmlns:a16="http://schemas.microsoft.com/office/drawing/2014/main" id="{577C8987-3061-494B-A6ED-3CFC57D1BBBB}"/>
-              </a:ext>
-            </a:extLst>
-          </p:cNvPr>
-          <p:cNvSpPr txBox="1">
-            <a:spLocks/>
-          </p:cNvSpPr>
-          <p:nvPr/>
-        </p:nvSpPr>
-        <p:spPr>
-          <a:xfrm>
-            <a:off x="397740" y="771384"/>
-            <a:ext cx="9905758" cy="2366128"/>
-          </a:xfrm>
-          <a:prstGeom prst="rect">
-            <a:avLst/>
-          </a:prstGeom>
-        </p:spPr>
-        <p:txBody>
-          <a:bodyPr vert="horz" lIns="91440" tIns="45720" rIns="91440" bIns="45720" rtlCol="0" anchor="t">
-            <a:noAutofit/>
-          </a:bodyPr>
-          <a:lstStyle>
-            <a:lvl1pPr algn="l" defTabSz="457200" rtl="1" eaLnBrk="1" latinLnBrk="0" hangingPunct="1">
-              <a:spcBef>
-                <a:spcPct val="0"/>
-              </a:spcBef>
-              <a:buNone/>
-              <a:defRPr sz="4200" b="0" i="0" kern="1200">
-                <a:solidFill>
-                  <a:schemeClr val="tx2"/>
-                </a:solidFill>
-                <a:latin typeface="+mj-lt"/>
-                <a:ea typeface="+mj-ea"/>
-                <a:cs typeface="+mj-cs"/>
-              </a:defRPr>
-            </a:lvl1pPr>
-            <a:lvl2pPr rtl="1" eaLnBrk="1" hangingPunct="1">
-              <a:defRPr>
-                <a:solidFill>
-                  <a:schemeClr val="tx2"/>
-                </a:solidFill>
-              </a:defRPr>
-            </a:lvl2pPr>
-            <a:lvl3pPr rtl="1" eaLnBrk="1" hangingPunct="1">
-              <a:defRPr>
-                <a:solidFill>
-                  <a:schemeClr val="tx2"/>
-                </a:solidFill>
-              </a:defRPr>
-            </a:lvl3pPr>
-            <a:lvl4pPr rtl="1" eaLnBrk="1" hangingPunct="1">
-              <a:defRPr>
-                <a:solidFill>
-                  <a:schemeClr val="tx2"/>
-                </a:solidFill>
-              </a:defRPr>
-            </a:lvl4pPr>
-            <a:lvl5pPr rtl="1" eaLnBrk="1" hangingPunct="1">
-              <a:defRPr>
-                <a:solidFill>
-                  <a:schemeClr val="tx2"/>
-                </a:solidFill>
-              </a:defRPr>
-            </a:lvl5pPr>
-            <a:lvl6pPr rtl="1" eaLnBrk="1" hangingPunct="1">
-              <a:defRPr>
-                <a:solidFill>
-                  <a:schemeClr val="tx2"/>
-                </a:solidFill>
-              </a:defRPr>
-            </a:lvl6pPr>
-            <a:lvl7pPr rtl="1" eaLnBrk="1" hangingPunct="1">
-              <a:defRPr>
-                <a:solidFill>
-                  <a:schemeClr val="tx2"/>
-                </a:solidFill>
-              </a:defRPr>
-            </a:lvl7pPr>
-            <a:lvl8pPr rtl="1" eaLnBrk="1" hangingPunct="1">
-              <a:defRPr>
-                <a:solidFill>
-                  <a:schemeClr val="tx2"/>
-                </a:solidFill>
-              </a:defRPr>
-            </a:lvl8pPr>
-            <a:lvl9pPr rtl="1" eaLnBrk="1" hangingPunct="1">
-              <a:defRPr>
-                <a:solidFill>
-                  <a:schemeClr val="tx2"/>
-                </a:solidFill>
-              </a:defRPr>
-            </a:lvl9pPr>
-          </a:lstStyle>
-          <a:p>
-            <a:r>
-              <a:rPr lang="en-US" sz="2100" dirty="0"/>
-              <a:t>During this phase, in order to handle “Description” feature, I used two different algorithms: CountVectorizer, TfidfVectorizer. </a:t>
-            </a:r>
-            <a:endParaRPr lang="he-IL" sz="2100" dirty="0"/>
-          </a:p>
-          <a:p>
-            <a:r>
-              <a:rPr lang="en-US" sz="2100" dirty="0"/>
-              <a:t>Their main purpose is to turn the paragraphs into vectors that the model can use.</a:t>
-            </a:r>
-          </a:p>
-          <a:p>
-            <a:endParaRPr lang="en-US" sz="2100" dirty="0"/>
-          </a:p>
-          <a:p>
-            <a:r>
-              <a:rPr lang="en-US" sz="2100" dirty="0"/>
-              <a:t>In order to help the learning process, I used LabelEncoder (transforms the data into numbers) and StandardScaler (normalizes the data between 0-1)</a:t>
-            </a:r>
-            <a:endParaRPr lang="he-IL" sz="2100" dirty="0"/>
-          </a:p>
-        </p:txBody>
-      </p:sp>
-      <p:pic>
-        <p:nvPicPr>
-          <p:cNvPr id="4" name="תמונה 3">
-            <a:extLst>
-              <a:ext uri="{FF2B5EF4-FFF2-40B4-BE49-F238E27FC236}">
-                <a16:creationId xmlns:a16="http://schemas.microsoft.com/office/drawing/2014/main" id="{C20F0280-EFF2-4EEE-9B7E-8CF33B520CAA}"/>
-              </a:ext>
-            </a:extLst>
-          </p:cNvPr>
-          <p:cNvPicPr>
-            <a:picLocks noChangeAspect="1"/>
-          </p:cNvPicPr>
-          <p:nvPr/>
-        </p:nvPicPr>
-        <p:blipFill>
-          <a:blip r:embed="rId2"/>
-          <a:stretch>
-            <a:fillRect/>
-          </a:stretch>
-        </p:blipFill>
-        <p:spPr>
-          <a:xfrm>
-            <a:off x="397740" y="3207271"/>
-            <a:ext cx="5145221" cy="1274975"/>
-          </a:xfrm>
-          <a:prstGeom prst="rect">
-            <a:avLst/>
-          </a:prstGeom>
-        </p:spPr>
-      </p:pic>
-      <p:pic>
-        <p:nvPicPr>
-          <p:cNvPr id="8" name="תמונה 7">
-            <a:extLst>
-              <a:ext uri="{FF2B5EF4-FFF2-40B4-BE49-F238E27FC236}">
-                <a16:creationId xmlns:a16="http://schemas.microsoft.com/office/drawing/2014/main" id="{8986E895-AD5A-4FBE-935E-ADB8429E1344}"/>
-              </a:ext>
-            </a:extLst>
-          </p:cNvPr>
-          <p:cNvPicPr>
-            <a:picLocks noChangeAspect="1"/>
-          </p:cNvPicPr>
-          <p:nvPr/>
-        </p:nvPicPr>
-        <p:blipFill>
-          <a:blip r:embed="rId3"/>
-          <a:stretch>
-            <a:fillRect/>
-          </a:stretch>
-        </p:blipFill>
-        <p:spPr>
-          <a:xfrm>
-            <a:off x="5710387" y="3207271"/>
-            <a:ext cx="6435633" cy="1262331"/>
-          </a:xfrm>
-          <a:prstGeom prst="rect">
-            <a:avLst/>
-          </a:prstGeom>
-        </p:spPr>
-      </p:pic>
-      <p:sp>
-        <p:nvSpPr>
-          <p:cNvPr id="29" name="כותרת 1">
-            <a:extLst>
-              <a:ext uri="{FF2B5EF4-FFF2-40B4-BE49-F238E27FC236}">
-                <a16:creationId xmlns:a16="http://schemas.microsoft.com/office/drawing/2014/main" id="{53D2DDCE-A53E-4C6A-92FB-087298CB289A}"/>
-              </a:ext>
-            </a:extLst>
-          </p:cNvPr>
-          <p:cNvSpPr txBox="1">
-            <a:spLocks/>
-          </p:cNvSpPr>
-          <p:nvPr/>
-        </p:nvSpPr>
-        <p:spPr>
-          <a:xfrm>
-            <a:off x="390719" y="4716409"/>
-            <a:ext cx="11081701" cy="958528"/>
-          </a:xfrm>
-          <a:prstGeom prst="rect">
-            <a:avLst/>
-          </a:prstGeom>
-        </p:spPr>
-        <p:txBody>
-          <a:bodyPr vert="horz" lIns="91440" tIns="45720" rIns="91440" bIns="45720" rtlCol="0" anchor="t">
-            <a:noAutofit/>
-          </a:bodyPr>
-          <a:lstStyle>
-            <a:lvl1pPr algn="l" defTabSz="457200" rtl="1" eaLnBrk="1" latinLnBrk="0" hangingPunct="1">
-              <a:spcBef>
-                <a:spcPct val="0"/>
-              </a:spcBef>
-              <a:buNone/>
-              <a:defRPr sz="4200" b="0" i="0" kern="1200">
-                <a:solidFill>
-                  <a:schemeClr val="tx2"/>
-                </a:solidFill>
-                <a:latin typeface="+mj-lt"/>
-                <a:ea typeface="+mj-ea"/>
-                <a:cs typeface="+mj-cs"/>
-              </a:defRPr>
-            </a:lvl1pPr>
-            <a:lvl2pPr rtl="1" eaLnBrk="1" hangingPunct="1">
-              <a:defRPr>
-                <a:solidFill>
-                  <a:schemeClr val="tx2"/>
-                </a:solidFill>
-              </a:defRPr>
-            </a:lvl2pPr>
-            <a:lvl3pPr rtl="1" eaLnBrk="1" hangingPunct="1">
-              <a:defRPr>
-                <a:solidFill>
-                  <a:schemeClr val="tx2"/>
-                </a:solidFill>
-              </a:defRPr>
-            </a:lvl3pPr>
-            <a:lvl4pPr rtl="1" eaLnBrk="1" hangingPunct="1">
-              <a:defRPr>
-                <a:solidFill>
-                  <a:schemeClr val="tx2"/>
-                </a:solidFill>
-              </a:defRPr>
-            </a:lvl4pPr>
-            <a:lvl5pPr rtl="1" eaLnBrk="1" hangingPunct="1">
-              <a:defRPr>
-                <a:solidFill>
-                  <a:schemeClr val="tx2"/>
-                </a:solidFill>
-              </a:defRPr>
-            </a:lvl5pPr>
-            <a:lvl6pPr rtl="1" eaLnBrk="1" hangingPunct="1">
-              <a:defRPr>
-                <a:solidFill>
-                  <a:schemeClr val="tx2"/>
-                </a:solidFill>
-              </a:defRPr>
-            </a:lvl6pPr>
-            <a:lvl7pPr rtl="1" eaLnBrk="1" hangingPunct="1">
-              <a:defRPr>
-                <a:solidFill>
-                  <a:schemeClr val="tx2"/>
-                </a:solidFill>
-              </a:defRPr>
-            </a:lvl7pPr>
-            <a:lvl8pPr rtl="1" eaLnBrk="1" hangingPunct="1">
-              <a:defRPr>
-                <a:solidFill>
-                  <a:schemeClr val="tx2"/>
-                </a:solidFill>
-              </a:defRPr>
-            </a:lvl8pPr>
-            <a:lvl9pPr rtl="1" eaLnBrk="1" hangingPunct="1">
-              <a:defRPr>
-                <a:solidFill>
-                  <a:schemeClr val="tx2"/>
-                </a:solidFill>
-              </a:defRPr>
-            </a:lvl9pPr>
-          </a:lstStyle>
-          <a:p>
-            <a:r>
-              <a:rPr lang="en-US" sz="2100" dirty="0"/>
-              <a:t>The data fetched from Goodreads isn’t stable when it comes to the Rating label. So in order to try and improve accuracy percentage, I used </a:t>
-            </a:r>
-            <a:r>
-              <a:rPr lang="en-US" sz="2100" b="1" dirty="0"/>
-              <a:t>THREE</a:t>
-            </a:r>
-            <a:r>
-              <a:rPr lang="en-US" sz="2100" dirty="0"/>
-              <a:t> different models.</a:t>
-            </a:r>
-            <a:endParaRPr lang="he-IL" sz="2100" dirty="0"/>
-          </a:p>
-        </p:txBody>
-      </p:sp>
-    </p:spTree>
-    <p:extLst>
-      <p:ext uri="{BB962C8B-B14F-4D97-AF65-F5344CB8AC3E}">
-        <p14:creationId xmlns:p14="http://schemas.microsoft.com/office/powerpoint/2010/main" val="2374298091"/>
-      </p:ext>
-    </p:extLst>
-  </p:cSld>
-  <p:clrMapOvr>
-    <a:masterClrMapping/>
-  </p:clrMapOvr>
-</p:sld>
-</file>
-
 <file path=ppt/theme/theme1.xml><?xml version="1.0" encoding="utf-8"?>
 <a:theme xmlns:a="http://schemas.openxmlformats.org/drawingml/2006/main" name="יונים">
   <a:themeElements>
